--- a/docs/Introduction to Information Retrieval.pptx
+++ b/docs/Introduction to Information Retrieval.pptx
@@ -5,7 +5,7 @@
     <p:sldMasterId id="2147483648" r:id="rId1"/>
   </p:sldMasterIdLst>
   <p:notesMasterIdLst>
-    <p:notesMasterId r:id="rId34"/>
+    <p:notesMasterId r:id="rId36"/>
   </p:notesMasterIdLst>
   <p:sldIdLst>
     <p:sldId id="256" r:id="rId2"/>
@@ -15,31 +15,33 @@
     <p:sldId id="267" r:id="rId6"/>
     <p:sldId id="260" r:id="rId7"/>
     <p:sldId id="261" r:id="rId8"/>
-    <p:sldId id="264" r:id="rId9"/>
-    <p:sldId id="280" r:id="rId10"/>
+    <p:sldId id="280" r:id="rId9"/>
+    <p:sldId id="264" r:id="rId10"/>
     <p:sldId id="265" r:id="rId11"/>
     <p:sldId id="266" r:id="rId12"/>
-    <p:sldId id="279" r:id="rId13"/>
-    <p:sldId id="269" r:id="rId14"/>
-    <p:sldId id="271" r:id="rId15"/>
-    <p:sldId id="273" r:id="rId16"/>
-    <p:sldId id="275" r:id="rId17"/>
-    <p:sldId id="274" r:id="rId18"/>
-    <p:sldId id="284" r:id="rId19"/>
-    <p:sldId id="283" r:id="rId20"/>
-    <p:sldId id="293" r:id="rId21"/>
-    <p:sldId id="286" r:id="rId22"/>
-    <p:sldId id="285" r:id="rId23"/>
-    <p:sldId id="282" r:id="rId24"/>
-    <p:sldId id="277" r:id="rId25"/>
-    <p:sldId id="278" r:id="rId26"/>
-    <p:sldId id="287" r:id="rId27"/>
-    <p:sldId id="289" r:id="rId28"/>
-    <p:sldId id="291" r:id="rId29"/>
-    <p:sldId id="292" r:id="rId30"/>
-    <p:sldId id="263" r:id="rId31"/>
-    <p:sldId id="281" r:id="rId32"/>
-    <p:sldId id="290" r:id="rId33"/>
+    <p:sldId id="294" r:id="rId13"/>
+    <p:sldId id="279" r:id="rId14"/>
+    <p:sldId id="269" r:id="rId15"/>
+    <p:sldId id="271" r:id="rId16"/>
+    <p:sldId id="273" r:id="rId17"/>
+    <p:sldId id="275" r:id="rId18"/>
+    <p:sldId id="274" r:id="rId19"/>
+    <p:sldId id="284" r:id="rId20"/>
+    <p:sldId id="283" r:id="rId21"/>
+    <p:sldId id="293" r:id="rId22"/>
+    <p:sldId id="286" r:id="rId23"/>
+    <p:sldId id="285" r:id="rId24"/>
+    <p:sldId id="282" r:id="rId25"/>
+    <p:sldId id="277" r:id="rId26"/>
+    <p:sldId id="278" r:id="rId27"/>
+    <p:sldId id="287" r:id="rId28"/>
+    <p:sldId id="289" r:id="rId29"/>
+    <p:sldId id="291" r:id="rId30"/>
+    <p:sldId id="292" r:id="rId31"/>
+    <p:sldId id="263" r:id="rId32"/>
+    <p:sldId id="281" r:id="rId33"/>
+    <p:sldId id="290" r:id="rId34"/>
+    <p:sldId id="295" r:id="rId35"/>
   </p:sldIdLst>
   <p:sldSz cx="9144000" cy="6858000" type="screen4x3"/>
   <p:notesSz cx="6858000" cy="9144000"/>
@@ -239,7 +241,7 @@
           <a:p>
             <a:fld id="{53266C39-4A12-4141-B6B9-0F782104B623}" type="datetimeFigureOut">
               <a:rPr lang="en-US" smtClean="0"/>
-              <a:t>8/25/2014</a:t>
+              <a:t>8/26/2015</a:t>
             </a:fld>
             <a:endParaRPr lang="en-US"/>
           </a:p>
@@ -591,6 +593,90 @@
 </p:notes>
 </file>
 
+<file path=ppt/notesSlides/notesSlide2.xml><?xml version="1.0" encoding="utf-8"?>
+<p:notes xmlns:a="http://schemas.openxmlformats.org/drawingml/2006/main" xmlns:r="http://schemas.openxmlformats.org/officeDocument/2006/relationships" xmlns:p="http://schemas.openxmlformats.org/presentationml/2006/main">
+  <p:cSld>
+    <p:spTree>
+      <p:nvGrpSpPr>
+        <p:cNvPr id="1" name=""/>
+        <p:cNvGrpSpPr/>
+        <p:nvPr/>
+      </p:nvGrpSpPr>
+      <p:grpSpPr>
+        <a:xfrm>
+          <a:off x="0" y="0"/>
+          <a:ext cx="0" cy="0"/>
+          <a:chOff x="0" y="0"/>
+          <a:chExt cx="0" cy="0"/>
+        </a:xfrm>
+      </p:grpSpPr>
+      <p:sp>
+        <p:nvSpPr>
+          <p:cNvPr id="2" name="Slide Image Placeholder 1"/>
+          <p:cNvSpPr>
+            <a:spLocks noGrp="1" noRot="1" noChangeAspect="1"/>
+          </p:cNvSpPr>
+          <p:nvPr>
+            <p:ph type="sldImg"/>
+          </p:nvPr>
+        </p:nvSpPr>
+        <p:spPr/>
+      </p:sp>
+      <p:sp>
+        <p:nvSpPr>
+          <p:cNvPr id="3" name="Notes Placeholder 2"/>
+          <p:cNvSpPr>
+            <a:spLocks noGrp="1"/>
+          </p:cNvSpPr>
+          <p:nvPr>
+            <p:ph type="body" idx="1"/>
+          </p:nvPr>
+        </p:nvSpPr>
+        <p:spPr/>
+        <p:txBody>
+          <a:bodyPr/>
+          <a:lstStyle/>
+          <a:p>
+            <a:endParaRPr lang="en-US"/>
+          </a:p>
+        </p:txBody>
+      </p:sp>
+      <p:sp>
+        <p:nvSpPr>
+          <p:cNvPr id="4" name="Slide Number Placeholder 3"/>
+          <p:cNvSpPr>
+            <a:spLocks noGrp="1"/>
+          </p:cNvSpPr>
+          <p:nvPr>
+            <p:ph type="sldNum" sz="quarter" idx="10"/>
+          </p:nvPr>
+        </p:nvSpPr>
+        <p:spPr/>
+        <p:txBody>
+          <a:bodyPr/>
+          <a:lstStyle/>
+          <a:p>
+            <a:fld id="{609578FC-BF55-4C1C-9B47-F6511918BD32}" type="slidenum">
+              <a:rPr lang="en-US" smtClean="0"/>
+              <a:t>2</a:t>
+            </a:fld>
+            <a:endParaRPr lang="en-US"/>
+          </a:p>
+        </p:txBody>
+      </p:sp>
+    </p:spTree>
+    <p:extLst>
+      <p:ext uri="{BB962C8B-B14F-4D97-AF65-F5344CB8AC3E}">
+        <p14:creationId xmlns:p14="http://schemas.microsoft.com/office/powerpoint/2010/main" val="3918460335"/>
+      </p:ext>
+    </p:extLst>
+  </p:cSld>
+  <p:clrMapOvr>
+    <a:masterClrMapping/>
+  </p:clrMapOvr>
+</p:notes>
+</file>
+
 <file path=ppt/slideLayouts/slideLayout1.xml><?xml version="1.0" encoding="utf-8"?>
 <p:sldLayout xmlns:a="http://schemas.openxmlformats.org/drawingml/2006/main" xmlns:r="http://schemas.openxmlformats.org/officeDocument/2006/relationships" xmlns:p="http://schemas.openxmlformats.org/presentationml/2006/main" type="title" preserve="1">
   <p:cSld name="Title Slide">
@@ -795,7 +881,7 @@
           <a:p>
             <a:r>
               <a:rPr lang="en-US" smtClean="0"/>
-              <a:t>CS6501: Information Retrieval</a:t>
+              <a:t>CS4501: Information Retrieval</a:t>
             </a:r>
             <a:endParaRPr lang="en-US"/>
           </a:p>
@@ -969,7 +1055,7 @@
           <a:p>
             <a:r>
               <a:rPr lang="en-US" smtClean="0"/>
-              <a:t>CS6501: Information Retrieval</a:t>
+              <a:t>CS4501: Information Retrieval</a:t>
             </a:r>
             <a:endParaRPr lang="en-US"/>
           </a:p>
@@ -1153,7 +1239,7 @@
           <a:p>
             <a:r>
               <a:rPr lang="en-US" smtClean="0"/>
-              <a:t>CS6501: Information Retrieval</a:t>
+              <a:t>CS4501: Information Retrieval</a:t>
             </a:r>
             <a:endParaRPr lang="en-US"/>
           </a:p>
@@ -1327,7 +1413,7 @@
           <a:p>
             <a:r>
               <a:rPr lang="en-US" smtClean="0"/>
-              <a:t>CS6501: Information Retrieval</a:t>
+              <a:t>CS4501: Information Retrieval</a:t>
             </a:r>
             <a:endParaRPr lang="en-US"/>
           </a:p>
@@ -1577,7 +1663,7 @@
           <a:p>
             <a:r>
               <a:rPr lang="en-US" smtClean="0"/>
-              <a:t>CS6501: Information Retrieval</a:t>
+              <a:t>CS4501: Information Retrieval</a:t>
             </a:r>
             <a:endParaRPr lang="en-US"/>
           </a:p>
@@ -1869,7 +1955,7 @@
           <a:p>
             <a:r>
               <a:rPr lang="en-US" smtClean="0"/>
-              <a:t>CS6501: Information Retrieval</a:t>
+              <a:t>CS4501: Information Retrieval</a:t>
             </a:r>
             <a:endParaRPr lang="en-US"/>
           </a:p>
@@ -2295,7 +2381,7 @@
           <a:p>
             <a:r>
               <a:rPr lang="en-US" smtClean="0"/>
-              <a:t>CS6501: Information Retrieval</a:t>
+              <a:t>CS4501: Information Retrieval</a:t>
             </a:r>
             <a:endParaRPr lang="en-US"/>
           </a:p>
@@ -2417,7 +2503,7 @@
           <a:p>
             <a:r>
               <a:rPr lang="en-US" smtClean="0"/>
-              <a:t>CS6501: Information Retrieval</a:t>
+              <a:t>CS4501: Information Retrieval</a:t>
             </a:r>
             <a:endParaRPr lang="en-US"/>
           </a:p>
@@ -2516,7 +2602,7 @@
           <a:p>
             <a:r>
               <a:rPr lang="en-US" smtClean="0"/>
-              <a:t>CS6501: Information Retrieval</a:t>
+              <a:t>CS4501: Information Retrieval</a:t>
             </a:r>
             <a:endParaRPr lang="en-US"/>
           </a:p>
@@ -2797,7 +2883,7 @@
           <a:p>
             <a:r>
               <a:rPr lang="en-US" smtClean="0"/>
-              <a:t>CS6501: Information Retrieval</a:t>
+              <a:t>CS4501: Information Retrieval</a:t>
             </a:r>
             <a:endParaRPr lang="en-US"/>
           </a:p>
@@ -3054,7 +3140,7 @@
           <a:p>
             <a:r>
               <a:rPr lang="en-US" smtClean="0"/>
-              <a:t>CS6501: Information Retrieval</a:t>
+              <a:t>CS4501: Information Retrieval</a:t>
             </a:r>
             <a:endParaRPr lang="en-US"/>
           </a:p>
@@ -3289,7 +3375,7 @@
           <a:p>
             <a:r>
               <a:rPr lang="en-US" smtClean="0"/>
-              <a:t>CS6501: Information Retrieval</a:t>
+              <a:t>CS4501: Information Retrieval</a:t>
             </a:r>
             <a:endParaRPr lang="en-US"/>
           </a:p>
@@ -3951,7 +4037,7 @@
           <a:p>
             <a:r>
               <a:rPr lang="en-US" smtClean="0"/>
-              <a:t>CS6501: Information Retrieval</a:t>
+              <a:t>CS4501: Information Retrieval</a:t>
             </a:r>
             <a:endParaRPr lang="en-US"/>
           </a:p>
@@ -4227,7 +4313,7 @@
           <a:p>
             <a:r>
               <a:rPr lang="en-US" dirty="0" smtClean="0"/>
-              <a:t>Global search engine market</a:t>
+              <a:t>Global search engine market - desktop</a:t>
             </a:r>
           </a:p>
           <a:p>
@@ -4239,114 +4325,6 @@
           </a:p>
         </p:txBody>
       </p:sp>
-      <p:pic>
-        <p:nvPicPr>
-          <p:cNvPr id="1026" name="Picture 2"/>
-          <p:cNvPicPr>
-            <a:picLocks noChangeAspect="1" noChangeArrowheads="1"/>
-          </p:cNvPicPr>
-          <p:nvPr/>
-        </p:nvPicPr>
-        <p:blipFill>
-          <a:blip r:embed="rId2">
-            <a:extLst>
-              <a:ext uri="{28A0092B-C50C-407E-A947-70E740481C1C}">
-                <a14:useLocalDpi xmlns:a14="http://schemas.microsoft.com/office/drawing/2010/main" val="0"/>
-              </a:ext>
-            </a:extLst>
-          </a:blip>
-          <a:srcRect/>
-          <a:stretch>
-            <a:fillRect/>
-          </a:stretch>
-        </p:blipFill>
-        <p:spPr bwMode="auto">
-          <a:xfrm>
-            <a:off x="245225" y="3601773"/>
-            <a:ext cx="8653550" cy="1828800"/>
-          </a:xfrm>
-          <a:prstGeom prst="rect">
-            <a:avLst/>
-          </a:prstGeom>
-          <a:noFill/>
-          <a:ln>
-            <a:noFill/>
-          </a:ln>
-          <a:extLst>
-            <a:ext uri="{909E8E84-426E-40DD-AFC4-6F175D3DCCD1}">
-              <a14:hiddenFill xmlns:a14="http://schemas.microsoft.com/office/drawing/2010/main">
-                <a:solidFill>
-                  <a:schemeClr val="accent1"/>
-                </a:solidFill>
-              </a14:hiddenFill>
-            </a:ext>
-            <a:ext uri="{91240B29-F687-4F45-9708-019B960494DF}">
-              <a14:hiddenLine xmlns:a14="http://schemas.microsoft.com/office/drawing/2010/main" w="9525">
-                <a:solidFill>
-                  <a:schemeClr val="tx1"/>
-                </a:solidFill>
-                <a:miter lim="800000"/>
-                <a:headEnd/>
-                <a:tailEnd/>
-              </a14:hiddenLine>
-            </a:ext>
-          </a:extLst>
-        </p:spPr>
-      </p:pic>
-      <p:pic>
-        <p:nvPicPr>
-          <p:cNvPr id="1027" name="Picture 3"/>
-          <p:cNvPicPr>
-            <a:picLocks noChangeAspect="1" noChangeArrowheads="1"/>
-          </p:cNvPicPr>
-          <p:nvPr/>
-        </p:nvPicPr>
-        <p:blipFill>
-          <a:blip r:embed="rId3">
-            <a:extLst>
-              <a:ext uri="{28A0092B-C50C-407E-A947-70E740481C1C}">
-                <a14:useLocalDpi xmlns:a14="http://schemas.microsoft.com/office/drawing/2010/main" val="0"/>
-              </a:ext>
-            </a:extLst>
-          </a:blip>
-          <a:srcRect/>
-          <a:stretch>
-            <a:fillRect/>
-          </a:stretch>
-        </p:blipFill>
-        <p:spPr bwMode="auto">
-          <a:xfrm>
-            <a:off x="1371600" y="3437997"/>
-            <a:ext cx="6629400" cy="2428875"/>
-          </a:xfrm>
-          <a:prstGeom prst="rect">
-            <a:avLst/>
-          </a:prstGeom>
-          <a:noFill/>
-          <a:ln>
-            <a:noFill/>
-          </a:ln>
-          <a:extLst>
-            <a:ext uri="{909E8E84-426E-40DD-AFC4-6F175D3DCCD1}">
-              <a14:hiddenFill xmlns:a14="http://schemas.microsoft.com/office/drawing/2010/main">
-                <a:solidFill>
-                  <a:schemeClr val="accent1"/>
-                </a:solidFill>
-              </a14:hiddenFill>
-            </a:ext>
-            <a:ext uri="{91240B29-F687-4F45-9708-019B960494DF}">
-              <a14:hiddenLine xmlns:a14="http://schemas.microsoft.com/office/drawing/2010/main" w="9525">
-                <a:solidFill>
-                  <a:schemeClr val="tx1"/>
-                </a:solidFill>
-                <a:miter lim="800000"/>
-                <a:headEnd/>
-                <a:tailEnd/>
-              </a14:hiddenLine>
-            </a:ext>
-          </a:extLst>
-        </p:spPr>
-      </p:pic>
       <p:sp>
         <p:nvSpPr>
           <p:cNvPr id="4" name="Date Placeholder 3"/>
@@ -4387,7 +4365,7 @@
           <a:p>
             <a:r>
               <a:rPr lang="en-US" smtClean="0"/>
-              <a:t>CS6501: Information Retrieval</a:t>
+              <a:t>CS4501: Information Retrieval</a:t>
             </a:r>
             <a:endParaRPr lang="en-US"/>
           </a:p>
@@ -4416,6 +4394,30 @@
           </a:p>
         </p:txBody>
       </p:sp>
+      <p:pic>
+        <p:nvPicPr>
+          <p:cNvPr id="7" name="Picture 6"/>
+          <p:cNvPicPr>
+            <a:picLocks noChangeAspect="1"/>
+          </p:cNvPicPr>
+          <p:nvPr/>
+        </p:nvPicPr>
+        <p:blipFill>
+          <a:blip r:embed="rId2"/>
+          <a:stretch>
+            <a:fillRect/>
+          </a:stretch>
+        </p:blipFill>
+        <p:spPr>
+          <a:xfrm>
+            <a:off x="1219200" y="3352800"/>
+            <a:ext cx="6629400" cy="2447925"/>
+          </a:xfrm>
+          <a:prstGeom prst="rect">
+            <a:avLst/>
+          </a:prstGeom>
+        </p:spPr>
+      </p:pic>
     </p:spTree>
     <p:extLst>
       <p:ext uri="{BB962C8B-B14F-4D97-AF65-F5344CB8AC3E}">
@@ -4429,102 +4431,7 @@
   <p:timing>
     <p:tnLst>
       <p:par>
-        <p:cTn id="1" dur="indefinite" restart="never" nodeType="tmRoot">
-          <p:childTnLst>
-            <p:seq concurrent="1" nextAc="seek">
-              <p:cTn id="2" dur="indefinite" nodeType="mainSeq">
-                <p:childTnLst>
-                  <p:par>
-                    <p:cTn id="3" fill="hold">
-                      <p:stCondLst>
-                        <p:cond delay="indefinite"/>
-                      </p:stCondLst>
-                      <p:childTnLst>
-                        <p:par>
-                          <p:cTn id="4" fill="hold">
-                            <p:stCondLst>
-                              <p:cond delay="0"/>
-                            </p:stCondLst>
-                            <p:childTnLst>
-                              <p:par>
-                                <p:cTn id="5" presetID="1" presetClass="exit" presetSubtype="0" fill="hold" nodeType="clickEffect">
-                                  <p:stCondLst>
-                                    <p:cond delay="0"/>
-                                  </p:stCondLst>
-                                  <p:childTnLst>
-                                    <p:set>
-                                      <p:cBhvr>
-                                        <p:cTn id="6" dur="1" fill="hold">
-                                          <p:stCondLst>
-                                            <p:cond delay="0"/>
-                                          </p:stCondLst>
-                                        </p:cTn>
-                                        <p:tgtEl>
-                                          <p:spTgt spid="1026"/>
-                                        </p:tgtEl>
-                                        <p:attrNameLst>
-                                          <p:attrName>style.visibility</p:attrName>
-                                        </p:attrNameLst>
-                                      </p:cBhvr>
-                                      <p:to>
-                                        <p:strVal val="hidden"/>
-                                      </p:to>
-                                    </p:set>
-                                  </p:childTnLst>
-                                </p:cTn>
-                              </p:par>
-                              <p:par>
-                                <p:cTn id="7" presetID="1" presetClass="entr" presetSubtype="0" fill="hold" nodeType="withEffect">
-                                  <p:stCondLst>
-                                    <p:cond delay="0"/>
-                                  </p:stCondLst>
-                                  <p:childTnLst>
-                                    <p:set>
-                                      <p:cBhvr>
-                                        <p:cTn id="8" dur="1" fill="hold">
-                                          <p:stCondLst>
-                                            <p:cond delay="0"/>
-                                          </p:stCondLst>
-                                        </p:cTn>
-                                        <p:tgtEl>
-                                          <p:spTgt spid="1027"/>
-                                        </p:tgtEl>
-                                        <p:attrNameLst>
-                                          <p:attrName>style.visibility</p:attrName>
-                                        </p:attrNameLst>
-                                      </p:cBhvr>
-                                      <p:to>
-                                        <p:strVal val="visible"/>
-                                      </p:to>
-                                    </p:set>
-                                  </p:childTnLst>
-                                </p:cTn>
-                              </p:par>
-                            </p:childTnLst>
-                          </p:cTn>
-                        </p:par>
-                      </p:childTnLst>
-                    </p:cTn>
-                  </p:par>
-                </p:childTnLst>
-              </p:cTn>
-              <p:prevCondLst>
-                <p:cond evt="onPrev" delay="0">
-                  <p:tgtEl>
-                    <p:sldTgt/>
-                  </p:tgtEl>
-                </p:cond>
-              </p:prevCondLst>
-              <p:nextCondLst>
-                <p:cond evt="onNext" delay="0">
-                  <p:tgtEl>
-                    <p:sldTgt/>
-                  </p:tgtEl>
-                </p:cond>
-              </p:nextCondLst>
-            </p:seq>
-          </p:childTnLst>
-        </p:cTn>
+        <p:cTn id="1" dur="indefinite" restart="never" nodeType="tmRoot"/>
       </p:par>
     </p:tnLst>
   </p:timing>
@@ -4532,6 +4439,188 @@
 </file>
 
 <file path=ppt/slides/slide12.xml><?xml version="1.0" encoding="utf-8"?>
+<p:sld xmlns:a="http://schemas.openxmlformats.org/drawingml/2006/main" xmlns:r="http://schemas.openxmlformats.org/officeDocument/2006/relationships" xmlns:p="http://schemas.openxmlformats.org/presentationml/2006/main">
+  <p:cSld>
+    <p:spTree>
+      <p:nvGrpSpPr>
+        <p:cNvPr id="1" name=""/>
+        <p:cNvGrpSpPr/>
+        <p:nvPr/>
+      </p:nvGrpSpPr>
+      <p:grpSpPr>
+        <a:xfrm>
+          <a:off x="0" y="0"/>
+          <a:ext cx="0" cy="0"/>
+          <a:chOff x="0" y="0"/>
+          <a:chExt cx="0" cy="0"/>
+        </a:xfrm>
+      </p:grpSpPr>
+      <p:sp>
+        <p:nvSpPr>
+          <p:cNvPr id="2" name="Title 1"/>
+          <p:cNvSpPr>
+            <a:spLocks noGrp="1"/>
+          </p:cNvSpPr>
+          <p:nvPr>
+            <p:ph type="title"/>
+          </p:nvPr>
+        </p:nvSpPr>
+        <p:spPr/>
+        <p:txBody>
+          <a:bodyPr/>
+          <a:lstStyle/>
+          <a:p>
+            <a:r>
+              <a:rPr lang="en-US" dirty="0" smtClean="0"/>
+              <a:t>Major players in this game</a:t>
+            </a:r>
+            <a:endParaRPr lang="en-US" dirty="0"/>
+          </a:p>
+        </p:txBody>
+      </p:sp>
+      <p:sp>
+        <p:nvSpPr>
+          <p:cNvPr id="3" name="Content Placeholder 2"/>
+          <p:cNvSpPr>
+            <a:spLocks noGrp="1"/>
+          </p:cNvSpPr>
+          <p:nvPr>
+            <p:ph idx="1"/>
+          </p:nvPr>
+        </p:nvSpPr>
+        <p:spPr/>
+        <p:txBody>
+          <a:bodyPr/>
+          <a:lstStyle/>
+          <a:p>
+            <a:r>
+              <a:rPr lang="en-US" dirty="0" smtClean="0"/>
+              <a:t>Global search engine market - mobile</a:t>
+            </a:r>
+          </a:p>
+          <a:p>
+            <a:pPr lvl="1"/>
+            <a:r>
+              <a:rPr lang="en-US" dirty="0"/>
+              <a:t>By http://marketshare.hitslink.com/search-engine-market-share.aspx</a:t>
+            </a:r>
+          </a:p>
+        </p:txBody>
+      </p:sp>
+      <p:sp>
+        <p:nvSpPr>
+          <p:cNvPr id="4" name="Date Placeholder 3"/>
+          <p:cNvSpPr>
+            <a:spLocks noGrp="1"/>
+          </p:cNvSpPr>
+          <p:nvPr>
+            <p:ph type="dt" sz="half" idx="10"/>
+          </p:nvPr>
+        </p:nvSpPr>
+        <p:spPr/>
+        <p:txBody>
+          <a:bodyPr/>
+          <a:lstStyle/>
+          <a:p>
+            <a:r>
+              <a:rPr lang="en-US" smtClean="0"/>
+              <a:t>CS@UVa</a:t>
+            </a:r>
+            <a:endParaRPr lang="en-US"/>
+          </a:p>
+        </p:txBody>
+      </p:sp>
+      <p:sp>
+        <p:nvSpPr>
+          <p:cNvPr id="5" name="Footer Placeholder 4"/>
+          <p:cNvSpPr>
+            <a:spLocks noGrp="1"/>
+          </p:cNvSpPr>
+          <p:nvPr>
+            <p:ph type="ftr" sz="quarter" idx="11"/>
+          </p:nvPr>
+        </p:nvSpPr>
+        <p:spPr/>
+        <p:txBody>
+          <a:bodyPr/>
+          <a:lstStyle/>
+          <a:p>
+            <a:r>
+              <a:rPr lang="en-US" smtClean="0"/>
+              <a:t>CS4501: Information Retrieval</a:t>
+            </a:r>
+            <a:endParaRPr lang="en-US"/>
+          </a:p>
+        </p:txBody>
+      </p:sp>
+      <p:sp>
+        <p:nvSpPr>
+          <p:cNvPr id="6" name="Slide Number Placeholder 5"/>
+          <p:cNvSpPr>
+            <a:spLocks noGrp="1"/>
+          </p:cNvSpPr>
+          <p:nvPr>
+            <p:ph type="sldNum" sz="quarter" idx="12"/>
+          </p:nvPr>
+        </p:nvSpPr>
+        <p:spPr/>
+        <p:txBody>
+          <a:bodyPr/>
+          <a:lstStyle/>
+          <a:p>
+            <a:fld id="{04D6BED6-93C9-4D43-B1C0-E2DD71716F4C}" type="slidenum">
+              <a:rPr lang="en-US" smtClean="0"/>
+              <a:t>12</a:t>
+            </a:fld>
+            <a:endParaRPr lang="en-US"/>
+          </a:p>
+        </p:txBody>
+      </p:sp>
+      <p:pic>
+        <p:nvPicPr>
+          <p:cNvPr id="8" name="Picture 7"/>
+          <p:cNvPicPr>
+            <a:picLocks noChangeAspect="1"/>
+          </p:cNvPicPr>
+          <p:nvPr/>
+        </p:nvPicPr>
+        <p:blipFill>
+          <a:blip r:embed="rId2"/>
+          <a:stretch>
+            <a:fillRect/>
+          </a:stretch>
+        </p:blipFill>
+        <p:spPr>
+          <a:xfrm>
+            <a:off x="1828800" y="3389655"/>
+            <a:ext cx="4419600" cy="2851602"/>
+          </a:xfrm>
+          <a:prstGeom prst="rect">
+            <a:avLst/>
+          </a:prstGeom>
+        </p:spPr>
+      </p:pic>
+    </p:spTree>
+    <p:extLst>
+      <p:ext uri="{BB962C8B-B14F-4D97-AF65-F5344CB8AC3E}">
+        <p14:creationId xmlns:p14="http://schemas.microsoft.com/office/powerpoint/2010/main" val="1458075732"/>
+      </p:ext>
+    </p:extLst>
+  </p:cSld>
+  <p:clrMapOvr>
+    <a:masterClrMapping/>
+  </p:clrMapOvr>
+  <p:timing>
+    <p:tnLst>
+      <p:par>
+        <p:cTn id="1" dur="indefinite" restart="never" nodeType="tmRoot"/>
+      </p:par>
+    </p:tnLst>
+  </p:timing>
+</p:sld>
+</file>
+
+<file path=ppt/slides/slide13.xml><?xml version="1.0" encoding="utf-8"?>
 <p:sld xmlns:a="http://schemas.openxmlformats.org/drawingml/2006/main" xmlns:r="http://schemas.openxmlformats.org/officeDocument/2006/relationships" xmlns:p="http://schemas.openxmlformats.org/presentationml/2006/main">
   <p:cSld>
     <p:spTree>
@@ -4718,7 +4807,7 @@
           <a:p>
             <a:r>
               <a:rPr lang="en-US" smtClean="0"/>
-              <a:t>CS6501: Information Retrieval</a:t>
+              <a:t>CS4501: Information Retrieval</a:t>
             </a:r>
             <a:endParaRPr lang="en-US"/>
           </a:p>
@@ -4741,7 +4830,7 @@
           <a:p>
             <a:fld id="{04D6BED6-93C9-4D43-B1C0-E2DD71716F4C}" type="slidenum">
               <a:rPr lang="en-US" smtClean="0"/>
-              <a:t>12</a:t>
+              <a:t>13</a:t>
             </a:fld>
             <a:endParaRPr lang="en-US"/>
           </a:p>
@@ -4862,7 +4951,7 @@
 </p:sld>
 </file>
 
-<file path=ppt/slides/slide13.xml><?xml version="1.0" encoding="utf-8"?>
+<file path=ppt/slides/slide14.xml><?xml version="1.0" encoding="utf-8"?>
 <p:sld xmlns:a="http://schemas.openxmlformats.org/drawingml/2006/main" xmlns:r="http://schemas.openxmlformats.org/officeDocument/2006/relationships" xmlns:p="http://schemas.openxmlformats.org/presentationml/2006/main">
   <p:cSld>
     <p:spTree>
@@ -4943,7 +5032,7 @@
           <a:p>
             <a:r>
               <a:rPr lang="en-US" smtClean="0"/>
-              <a:t>CS6501: Information Retrieval</a:t>
+              <a:t>CS4501: Information Retrieval</a:t>
             </a:r>
             <a:endParaRPr lang="en-US"/>
           </a:p>
@@ -4966,7 +5055,7 @@
           <a:p>
             <a:fld id="{04D6BED6-93C9-4D43-B1C0-E2DD71716F4C}" type="slidenum">
               <a:rPr lang="en-US" smtClean="0"/>
-              <a:t>13</a:t>
+              <a:t>14</a:t>
             </a:fld>
             <a:endParaRPr lang="en-US"/>
           </a:p>
@@ -5639,7 +5728,7 @@
 </p:sld>
 </file>
 
-<file path=ppt/slides/slide14.xml><?xml version="1.0" encoding="utf-8"?>
+<file path=ppt/slides/slide15.xml><?xml version="1.0" encoding="utf-8"?>
 <p:sld xmlns:a="http://schemas.openxmlformats.org/drawingml/2006/main" xmlns:r="http://schemas.openxmlformats.org/officeDocument/2006/relationships" xmlns:p="http://schemas.openxmlformats.org/presentationml/2006/main">
   <p:cSld>
     <p:spTree>
@@ -10860,7 +10949,7 @@
           <a:p>
             <a:r>
               <a:rPr lang="en-US" smtClean="0"/>
-              <a:t>CS6501: Information Retrieval</a:t>
+              <a:t>CS4501: Information Retrieval</a:t>
             </a:r>
             <a:endParaRPr lang="en-US"/>
           </a:p>
@@ -10883,7 +10972,7 @@
           <a:p>
             <a:fld id="{04D6BED6-93C9-4D43-B1C0-E2DD71716F4C}" type="slidenum">
               <a:rPr lang="en-US" smtClean="0"/>
-              <a:t>14</a:t>
+              <a:t>15</a:t>
             </a:fld>
             <a:endParaRPr lang="en-US"/>
           </a:p>
@@ -11554,7 +11643,7 @@
 </p:sld>
 </file>
 
-<file path=ppt/slides/slide15.xml><?xml version="1.0" encoding="utf-8"?>
+<file path=ppt/slides/slide16.xml><?xml version="1.0" encoding="utf-8"?>
 <p:sld xmlns:a="http://schemas.openxmlformats.org/drawingml/2006/main" xmlns:r="http://schemas.openxmlformats.org/officeDocument/2006/relationships" xmlns:p="http://schemas.openxmlformats.org/presentationml/2006/main">
   <p:cSld>
     <p:spTree>
@@ -11739,7 +11828,7 @@
           <a:p>
             <a:r>
               <a:rPr lang="en-US" smtClean="0"/>
-              <a:t>CS6501: Information Retrieval</a:t>
+              <a:t>CS4501: Information Retrieval</a:t>
             </a:r>
             <a:endParaRPr lang="en-US"/>
           </a:p>
@@ -11762,7 +11851,7 @@
           <a:p>
             <a:fld id="{04D6BED6-93C9-4D43-B1C0-E2DD71716F4C}" type="slidenum">
               <a:rPr lang="en-US" smtClean="0"/>
-              <a:t>15</a:t>
+              <a:t>16</a:t>
             </a:fld>
             <a:endParaRPr lang="en-US"/>
           </a:p>
@@ -11788,7 +11877,7 @@
 </p:sld>
 </file>
 
-<file path=ppt/slides/slide16.xml><?xml version="1.0" encoding="utf-8"?>
+<file path=ppt/slides/slide17.xml><?xml version="1.0" encoding="utf-8"?>
 <p:sld xmlns:a="http://schemas.openxmlformats.org/drawingml/2006/main" xmlns:r="http://schemas.openxmlformats.org/officeDocument/2006/relationships" xmlns:p="http://schemas.openxmlformats.org/presentationml/2006/main">
   <p:cSld>
     <p:spTree>
@@ -11914,7 +12003,7 @@
         </p:blipFill>
         <p:spPr bwMode="auto">
           <a:xfrm>
-            <a:off x="2305050" y="3276600"/>
+            <a:off x="2305050" y="2676524"/>
             <a:ext cx="4381500" cy="1819276"/>
           </a:xfrm>
           <a:prstGeom prst="rect">
@@ -11972,7 +12061,7 @@
           <a:p>
             <a:r>
               <a:rPr lang="en-US" smtClean="0"/>
-              <a:t>CS6501: Information Retrieval</a:t>
+              <a:t>CS4501: Information Retrieval</a:t>
             </a:r>
             <a:endParaRPr lang="en-US"/>
           </a:p>
@@ -11995,9 +12084,120 @@
           <a:p>
             <a:fld id="{04D6BED6-93C9-4D43-B1C0-E2DD71716F4C}" type="slidenum">
               <a:rPr lang="en-US" smtClean="0"/>
-              <a:t>16</a:t>
+              <a:t>17</a:t>
             </a:fld>
             <a:endParaRPr lang="en-US"/>
+          </a:p>
+        </p:txBody>
+      </p:sp>
+      <p:sp>
+        <p:nvSpPr>
+          <p:cNvPr id="7" name="Rectangle 6"/>
+          <p:cNvSpPr/>
+          <p:nvPr/>
+        </p:nvSpPr>
+        <p:spPr>
+          <a:xfrm>
+            <a:off x="2133600" y="4495800"/>
+            <a:ext cx="3276600" cy="1905000"/>
+          </a:xfrm>
+          <a:prstGeom prst="rect">
+            <a:avLst/>
+          </a:prstGeom>
+          <a:noFill/>
+          <a:ln>
+            <a:solidFill>
+              <a:srgbClr val="FF0000"/>
+            </a:solidFill>
+            <a:prstDash val="sysDash"/>
+          </a:ln>
+        </p:spPr>
+        <p:style>
+          <a:lnRef idx="2">
+            <a:schemeClr val="accent1">
+              <a:shade val="50000"/>
+            </a:schemeClr>
+          </a:lnRef>
+          <a:fillRef idx="1">
+            <a:schemeClr val="accent1"/>
+          </a:fillRef>
+          <a:effectRef idx="0">
+            <a:schemeClr val="accent1"/>
+          </a:effectRef>
+          <a:fontRef idx="minor">
+            <a:schemeClr val="lt1"/>
+          </a:fontRef>
+        </p:style>
+        <p:txBody>
+          <a:bodyPr rtlCol="0" anchor="ctr"/>
+          <a:lstStyle/>
+          <a:p>
+            <a:pPr algn="ctr"/>
+            <a:endParaRPr lang="en-US"/>
+          </a:p>
+        </p:txBody>
+      </p:sp>
+      <p:sp>
+        <p:nvSpPr>
+          <p:cNvPr id="8" name="Rectangle 7"/>
+          <p:cNvSpPr/>
+          <p:nvPr/>
+        </p:nvSpPr>
+        <p:spPr>
+          <a:xfrm>
+            <a:off x="3886200" y="1303347"/>
+            <a:ext cx="5063067" cy="646331"/>
+          </a:xfrm>
+          <a:prstGeom prst="rect">
+            <a:avLst/>
+          </a:prstGeom>
+        </p:spPr>
+        <p:txBody>
+          <a:bodyPr wrap="square">
+            <a:spAutoFit/>
+          </a:bodyPr>
+          <a:lstStyle/>
+          <a:p>
+            <a:r>
+              <a:rPr lang="en-US" i="1" dirty="0">
+                <a:solidFill>
+                  <a:srgbClr val="7030A0"/>
+                </a:solidFill>
+              </a:rPr>
+              <a:t>Yet Another </a:t>
+            </a:r>
+            <a:r>
+              <a:rPr lang="en-US" b="1" i="1" dirty="0">
+                <a:solidFill>
+                  <a:srgbClr val="7030A0"/>
+                </a:solidFill>
+              </a:rPr>
+              <a:t>Hierarchical</a:t>
+            </a:r>
+            <a:r>
+              <a:rPr lang="en-US" i="1" dirty="0">
+                <a:solidFill>
+                  <a:srgbClr val="7030A0"/>
+                </a:solidFill>
+              </a:rPr>
+              <a:t> Officious/Obstreperous</a:t>
+            </a:r>
+            <a:r>
+              <a:rPr lang="en-US" i="1" dirty="0" smtClean="0">
+                <a:solidFill>
+                  <a:srgbClr val="7030A0"/>
+                </a:solidFill>
+              </a:rPr>
+              <a:t>/ Odiferous/Organized </a:t>
+            </a:r>
+            <a:r>
+              <a:rPr lang="en-US" b="1" i="1" dirty="0">
+                <a:solidFill>
+                  <a:srgbClr val="7030A0"/>
+                </a:solidFill>
+              </a:rPr>
+              <a:t>Oracle</a:t>
+            </a:r>
           </a:p>
         </p:txBody>
       </p:sp>
@@ -12032,7 +12232,7 @@
                             </p:stCondLst>
                             <p:childTnLst>
                               <p:par>
-                                <p:cTn id="5" presetID="1" presetClass="exit" presetSubtype="0" fill="hold" nodeType="clickEffect">
+                                <p:cTn id="5" presetID="1" presetClass="entr" presetSubtype="0" fill="hold" grpId="0" nodeType="clickEffect">
                                   <p:stCondLst>
                                     <p:cond delay="0"/>
                                   </p:stCondLst>
@@ -12040,6 +12240,150 @@
                                     <p:set>
                                       <p:cBhvr>
                                         <p:cTn id="6" dur="1" fill="hold">
+                                          <p:stCondLst>
+                                            <p:cond delay="0"/>
+                                          </p:stCondLst>
+                                        </p:cTn>
+                                        <p:tgtEl>
+                                          <p:spTgt spid="7"/>
+                                        </p:tgtEl>
+                                        <p:attrNameLst>
+                                          <p:attrName>style.visibility</p:attrName>
+                                        </p:attrNameLst>
+                                      </p:cBhvr>
+                                      <p:to>
+                                        <p:strVal val="visible"/>
+                                      </p:to>
+                                    </p:set>
+                                  </p:childTnLst>
+                                </p:cTn>
+                              </p:par>
+                            </p:childTnLst>
+                          </p:cTn>
+                        </p:par>
+                      </p:childTnLst>
+                    </p:cTn>
+                  </p:par>
+                  <p:par>
+                    <p:cTn id="7" fill="hold">
+                      <p:stCondLst>
+                        <p:cond delay="indefinite"/>
+                      </p:stCondLst>
+                      <p:childTnLst>
+                        <p:par>
+                          <p:cTn id="8" fill="hold">
+                            <p:stCondLst>
+                              <p:cond delay="0"/>
+                            </p:stCondLst>
+                            <p:childTnLst>
+                              <p:par>
+                                <p:cTn id="9" presetID="1" presetClass="entr" presetSubtype="0" fill="hold" grpId="0" nodeType="clickEffect">
+                                  <p:stCondLst>
+                                    <p:cond delay="0"/>
+                                  </p:stCondLst>
+                                  <p:childTnLst>
+                                    <p:set>
+                                      <p:cBhvr>
+                                        <p:cTn id="10" dur="1" fill="hold">
+                                          <p:stCondLst>
+                                            <p:cond delay="0"/>
+                                          </p:stCondLst>
+                                        </p:cTn>
+                                        <p:tgtEl>
+                                          <p:spTgt spid="8"/>
+                                        </p:tgtEl>
+                                        <p:attrNameLst>
+                                          <p:attrName>style.visibility</p:attrName>
+                                        </p:attrNameLst>
+                                      </p:cBhvr>
+                                      <p:to>
+                                        <p:strVal val="visible"/>
+                                      </p:to>
+                                    </p:set>
+                                  </p:childTnLst>
+                                </p:cTn>
+                              </p:par>
+                            </p:childTnLst>
+                          </p:cTn>
+                        </p:par>
+                      </p:childTnLst>
+                    </p:cTn>
+                  </p:par>
+                  <p:par>
+                    <p:cTn id="11" fill="hold">
+                      <p:stCondLst>
+                        <p:cond delay="indefinite"/>
+                      </p:stCondLst>
+                      <p:childTnLst>
+                        <p:par>
+                          <p:cTn id="12" fill="hold">
+                            <p:stCondLst>
+                              <p:cond delay="0"/>
+                            </p:stCondLst>
+                            <p:childTnLst>
+                              <p:par>
+                                <p:cTn id="13" presetID="1" presetClass="exit" presetSubtype="0" fill="hold" grpId="1" nodeType="clickEffect">
+                                  <p:stCondLst>
+                                    <p:cond delay="0"/>
+                                  </p:stCondLst>
+                                  <p:childTnLst>
+                                    <p:set>
+                                      <p:cBhvr>
+                                        <p:cTn id="14" dur="1" fill="hold">
+                                          <p:stCondLst>
+                                            <p:cond delay="0"/>
+                                          </p:stCondLst>
+                                        </p:cTn>
+                                        <p:tgtEl>
+                                          <p:spTgt spid="8"/>
+                                        </p:tgtEl>
+                                        <p:attrNameLst>
+                                          <p:attrName>style.visibility</p:attrName>
+                                        </p:attrNameLst>
+                                      </p:cBhvr>
+                                      <p:to>
+                                        <p:strVal val="hidden"/>
+                                      </p:to>
+                                    </p:set>
+                                  </p:childTnLst>
+                                </p:cTn>
+                              </p:par>
+                              <p:par>
+                                <p:cTn id="15" presetID="1" presetClass="exit" presetSubtype="0" fill="hold" grpId="1" nodeType="withEffect">
+                                  <p:stCondLst>
+                                    <p:cond delay="0"/>
+                                  </p:stCondLst>
+                                  <p:childTnLst>
+                                    <p:set>
+                                      <p:cBhvr>
+                                        <p:cTn id="16" dur="1" fill="hold">
+                                          <p:stCondLst>
+                                            <p:cond delay="0"/>
+                                          </p:stCondLst>
+                                        </p:cTn>
+                                        <p:tgtEl>
+                                          <p:spTgt spid="7"/>
+                                        </p:tgtEl>
+                                        <p:attrNameLst>
+                                          <p:attrName>style.visibility</p:attrName>
+                                        </p:attrNameLst>
+                                      </p:cBhvr>
+                                      <p:to>
+                                        <p:strVal val="hidden"/>
+                                      </p:to>
+                                    </p:set>
+                                  </p:childTnLst>
+                                </p:cTn>
+                              </p:par>
+                              <p:par>
+                                <p:cTn id="17" presetID="1" presetClass="exit" presetSubtype="0" fill="hold" nodeType="withEffect">
+                                  <p:stCondLst>
+                                    <p:cond delay="0"/>
+                                  </p:stCondLst>
+                                  <p:childTnLst>
+                                    <p:set>
+                                      <p:cBhvr>
+                                        <p:cTn id="18" dur="1" fill="hold">
                                           <p:stCondLst>
                                             <p:cond delay="0"/>
                                           </p:stCondLst>
@@ -12059,14 +12403,14 @@
                                 </p:cTn>
                               </p:par>
                               <p:par>
-                                <p:cTn id="7" presetID="1" presetClass="entr" presetSubtype="0" fill="hold" nodeType="withEffect">
+                                <p:cTn id="19" presetID="1" presetClass="entr" presetSubtype="0" fill="hold" nodeType="withEffect">
                                   <p:stCondLst>
                                     <p:cond delay="0"/>
                                   </p:stCondLst>
                                   <p:childTnLst>
                                     <p:set>
                                       <p:cBhvr>
-                                        <p:cTn id="8" dur="1" fill="hold">
+                                        <p:cTn id="20" dur="1" fill="hold">
                                           <p:stCondLst>
                                             <p:cond delay="0"/>
                                           </p:stCondLst>
@@ -12112,11 +12456,17 @@
         </p:cTn>
       </p:par>
     </p:tnLst>
+    <p:bldLst>
+      <p:bldP spid="7" grpId="0" animBg="1"/>
+      <p:bldP spid="7" grpId="1" animBg="1"/>
+      <p:bldP spid="8" grpId="0"/>
+      <p:bldP spid="8" grpId="1"/>
+    </p:bldLst>
   </p:timing>
 </p:sld>
 </file>
 
-<file path=ppt/slides/slide17.xml><?xml version="1.0" encoding="utf-8"?>
+<file path=ppt/slides/slide18.xml><?xml version="1.0" encoding="utf-8"?>
 <p:sld xmlns:a="http://schemas.openxmlformats.org/drawingml/2006/main" xmlns:r="http://schemas.openxmlformats.org/officeDocument/2006/relationships" xmlns:p="http://schemas.openxmlformats.org/presentationml/2006/main">
   <p:cSld>
     <p:spTree>
@@ -12818,7 +13168,7 @@
           <a:p>
             <a:r>
               <a:rPr lang="en-US" smtClean="0"/>
-              <a:t>CS6501: Information Retrieval</a:t>
+              <a:t>CS4501: Information Retrieval</a:t>
             </a:r>
             <a:endParaRPr lang="en-US"/>
           </a:p>
@@ -12841,7 +13191,7 @@
           <a:p>
             <a:fld id="{04D6BED6-93C9-4D43-B1C0-E2DD71716F4C}" type="slidenum">
               <a:rPr lang="en-US" smtClean="0"/>
-              <a:t>17</a:t>
+              <a:t>18</a:t>
             </a:fld>
             <a:endParaRPr lang="en-US"/>
           </a:p>
@@ -13187,7 +13537,7 @@
 </p:sld>
 </file>
 
-<file path=ppt/slides/slide18.xml><?xml version="1.0" encoding="utf-8"?>
+<file path=ppt/slides/slide19.xml><?xml version="1.0" encoding="utf-8"?>
 <p:sld xmlns:a="http://schemas.openxmlformats.org/drawingml/2006/main" xmlns:r="http://schemas.openxmlformats.org/officeDocument/2006/relationships" xmlns:p="http://schemas.openxmlformats.org/presentationml/2006/main">
   <p:cSld>
     <p:spTree>
@@ -13356,7 +13706,7 @@
           <a:p>
             <a:r>
               <a:rPr lang="en-US" smtClean="0"/>
-              <a:t>CS6501: Information Retrieval</a:t>
+              <a:t>CS4501: Information Retrieval</a:t>
             </a:r>
             <a:endParaRPr lang="en-US"/>
           </a:p>
@@ -13379,7 +13729,7 @@
           <a:p>
             <a:fld id="{04D6BED6-93C9-4D43-B1C0-E2DD71716F4C}" type="slidenum">
               <a:rPr lang="en-US" smtClean="0"/>
-              <a:t>18</a:t>
+              <a:t>19</a:t>
             </a:fld>
             <a:endParaRPr lang="en-US"/>
           </a:p>
@@ -13535,7 +13885,1251 @@
 </p:sld>
 </file>
 
-<file path=ppt/slides/slide19.xml><?xml version="1.0" encoding="utf-8"?>
+<file path=ppt/slides/slide2.xml><?xml version="1.0" encoding="utf-8"?>
+<p:sld xmlns:a="http://schemas.openxmlformats.org/drawingml/2006/main" xmlns:r="http://schemas.openxmlformats.org/officeDocument/2006/relationships" xmlns:p="http://schemas.openxmlformats.org/presentationml/2006/main">
+  <p:cSld>
+    <p:spTree>
+      <p:nvGrpSpPr>
+        <p:cNvPr id="1" name=""/>
+        <p:cNvGrpSpPr/>
+        <p:nvPr/>
+      </p:nvGrpSpPr>
+      <p:grpSpPr>
+        <a:xfrm>
+          <a:off x="0" y="0"/>
+          <a:ext cx="0" cy="0"/>
+          <a:chOff x="0" y="0"/>
+          <a:chExt cx="0" cy="0"/>
+        </a:xfrm>
+      </p:grpSpPr>
+      <p:sp>
+        <p:nvSpPr>
+          <p:cNvPr id="2" name="Title 1"/>
+          <p:cNvSpPr>
+            <a:spLocks noGrp="1"/>
+          </p:cNvSpPr>
+          <p:nvPr>
+            <p:ph type="title"/>
+          </p:nvPr>
+        </p:nvSpPr>
+        <p:spPr/>
+        <p:txBody>
+          <a:bodyPr/>
+          <a:lstStyle/>
+          <a:p>
+            <a:r>
+              <a:rPr lang="en-US" dirty="0" smtClean="0"/>
+              <a:t>What is information retrieval?</a:t>
+            </a:r>
+            <a:endParaRPr lang="en-US" dirty="0"/>
+          </a:p>
+        </p:txBody>
+      </p:sp>
+      <p:sp>
+        <p:nvSpPr>
+          <p:cNvPr id="3" name="Date Placeholder 2"/>
+          <p:cNvSpPr>
+            <a:spLocks noGrp="1"/>
+          </p:cNvSpPr>
+          <p:nvPr>
+            <p:ph type="dt" sz="half" idx="10"/>
+          </p:nvPr>
+        </p:nvSpPr>
+        <p:spPr/>
+        <p:txBody>
+          <a:bodyPr/>
+          <a:lstStyle/>
+          <a:p>
+            <a:r>
+              <a:rPr lang="en-US" smtClean="0"/>
+              <a:t>CS@UVa</a:t>
+            </a:r>
+            <a:endParaRPr lang="en-US"/>
+          </a:p>
+        </p:txBody>
+      </p:sp>
+      <p:sp>
+        <p:nvSpPr>
+          <p:cNvPr id="4" name="Footer Placeholder 3"/>
+          <p:cNvSpPr>
+            <a:spLocks noGrp="1"/>
+          </p:cNvSpPr>
+          <p:nvPr>
+            <p:ph type="ftr" sz="quarter" idx="11"/>
+          </p:nvPr>
+        </p:nvSpPr>
+        <p:spPr/>
+        <p:txBody>
+          <a:bodyPr/>
+          <a:lstStyle/>
+          <a:p>
+            <a:r>
+              <a:rPr lang="en-US" smtClean="0"/>
+              <a:t>CS4501: Information Retrieval</a:t>
+            </a:r>
+            <a:endParaRPr lang="en-US"/>
+          </a:p>
+        </p:txBody>
+      </p:sp>
+      <p:sp>
+        <p:nvSpPr>
+          <p:cNvPr id="5" name="Slide Number Placeholder 4"/>
+          <p:cNvSpPr>
+            <a:spLocks noGrp="1"/>
+          </p:cNvSpPr>
+          <p:nvPr>
+            <p:ph type="sldNum" sz="quarter" idx="12"/>
+          </p:nvPr>
+        </p:nvSpPr>
+        <p:spPr/>
+        <p:txBody>
+          <a:bodyPr/>
+          <a:lstStyle/>
+          <a:p>
+            <a:fld id="{04D6BED6-93C9-4D43-B1C0-E2DD71716F4C}" type="slidenum">
+              <a:rPr lang="en-US" smtClean="0"/>
+              <a:t>2</a:t>
+            </a:fld>
+            <a:endParaRPr lang="en-US"/>
+          </a:p>
+        </p:txBody>
+      </p:sp>
+      <p:pic>
+        <p:nvPicPr>
+          <p:cNvPr id="7" name="Picture 6"/>
+          <p:cNvPicPr>
+            <a:picLocks noChangeAspect="1"/>
+          </p:cNvPicPr>
+          <p:nvPr/>
+        </p:nvPicPr>
+        <p:blipFill>
+          <a:blip r:embed="rId3"/>
+          <a:stretch>
+            <a:fillRect/>
+          </a:stretch>
+        </p:blipFill>
+        <p:spPr>
+          <a:xfrm>
+            <a:off x="750384" y="1417638"/>
+            <a:ext cx="7643231" cy="4760913"/>
+          </a:xfrm>
+          <a:prstGeom prst="rect">
+            <a:avLst/>
+          </a:prstGeom>
+          <a:ln>
+            <a:noFill/>
+          </a:ln>
+          <a:effectLst>
+            <a:outerShdw blurRad="292100" dist="139700" dir="2700000" algn="tl" rotWithShape="0">
+              <a:srgbClr val="333333">
+                <a:alpha val="65000"/>
+              </a:srgbClr>
+            </a:outerShdw>
+          </a:effectLst>
+        </p:spPr>
+      </p:pic>
+      <p:pic>
+        <p:nvPicPr>
+          <p:cNvPr id="8" name="Picture 7"/>
+          <p:cNvPicPr>
+            <a:picLocks noChangeAspect="1"/>
+          </p:cNvPicPr>
+          <p:nvPr/>
+        </p:nvPicPr>
+        <p:blipFill>
+          <a:blip r:embed="rId4"/>
+          <a:stretch>
+            <a:fillRect/>
+          </a:stretch>
+        </p:blipFill>
+        <p:spPr>
+          <a:xfrm>
+            <a:off x="1609671" y="1417638"/>
+            <a:ext cx="6837892" cy="4883328"/>
+          </a:xfrm>
+          <a:prstGeom prst="rect">
+            <a:avLst/>
+          </a:prstGeom>
+          <a:ln>
+            <a:noFill/>
+          </a:ln>
+          <a:effectLst>
+            <a:outerShdw blurRad="292100" dist="139700" dir="2700000" algn="tl" rotWithShape="0">
+              <a:srgbClr val="333333">
+                <a:alpha val="65000"/>
+              </a:srgbClr>
+            </a:outerShdw>
+          </a:effectLst>
+        </p:spPr>
+      </p:pic>
+      <p:pic>
+        <p:nvPicPr>
+          <p:cNvPr id="9" name="Picture 8"/>
+          <p:cNvPicPr>
+            <a:picLocks noChangeAspect="1"/>
+          </p:cNvPicPr>
+          <p:nvPr/>
+        </p:nvPicPr>
+        <p:blipFill>
+          <a:blip r:embed="rId5"/>
+          <a:stretch>
+            <a:fillRect/>
+          </a:stretch>
+        </p:blipFill>
+        <p:spPr>
+          <a:xfrm>
+            <a:off x="1581150" y="2860676"/>
+            <a:ext cx="6343650" cy="1182226"/>
+          </a:xfrm>
+          <a:prstGeom prst="rect">
+            <a:avLst/>
+          </a:prstGeom>
+          <a:ln>
+            <a:noFill/>
+          </a:ln>
+          <a:effectLst>
+            <a:outerShdw blurRad="292100" dist="139700" dir="2700000" algn="tl" rotWithShape="0">
+              <a:srgbClr val="333333">
+                <a:alpha val="65000"/>
+              </a:srgbClr>
+            </a:outerShdw>
+          </a:effectLst>
+        </p:spPr>
+      </p:pic>
+      <p:grpSp>
+        <p:nvGrpSpPr>
+          <p:cNvPr id="16" name="Group 15"/>
+          <p:cNvGrpSpPr/>
+          <p:nvPr/>
+        </p:nvGrpSpPr>
+        <p:grpSpPr>
+          <a:xfrm>
+            <a:off x="1581150" y="3906378"/>
+            <a:ext cx="6248400" cy="1392698"/>
+            <a:chOff x="1600200" y="3941302"/>
+            <a:chExt cx="6248400" cy="1392698"/>
+          </a:xfrm>
+        </p:grpSpPr>
+        <p:sp>
+          <p:nvSpPr>
+            <p:cNvPr id="10" name="Rectangle 9"/>
+            <p:cNvSpPr/>
+            <p:nvPr/>
+          </p:nvSpPr>
+          <p:spPr>
+            <a:xfrm>
+              <a:off x="2057400" y="4648200"/>
+              <a:ext cx="2971800" cy="685800"/>
+            </a:xfrm>
+            <a:prstGeom prst="rect">
+              <a:avLst/>
+            </a:prstGeom>
+            <a:noFill/>
+            <a:ln>
+              <a:solidFill>
+                <a:srgbClr val="FF0000"/>
+              </a:solidFill>
+            </a:ln>
+          </p:spPr>
+          <p:style>
+            <a:lnRef idx="2">
+              <a:schemeClr val="accent1">
+                <a:shade val="50000"/>
+              </a:schemeClr>
+            </a:lnRef>
+            <a:fillRef idx="1">
+              <a:schemeClr val="accent1"/>
+            </a:fillRef>
+            <a:effectRef idx="0">
+              <a:schemeClr val="accent1"/>
+            </a:effectRef>
+            <a:fontRef idx="minor">
+              <a:schemeClr val="lt1"/>
+            </a:fontRef>
+          </p:style>
+          <p:txBody>
+            <a:bodyPr rtlCol="0" anchor="ctr"/>
+            <a:lstStyle/>
+            <a:p>
+              <a:pPr algn="ctr"/>
+              <a:endParaRPr lang="en-US"/>
+            </a:p>
+          </p:txBody>
+        </p:sp>
+        <p:cxnSp>
+          <p:nvCxnSpPr>
+            <p:cNvPr id="12" name="Straight Connector 11"/>
+            <p:cNvCxnSpPr>
+              <a:stCxn id="10" idx="1"/>
+            </p:cNvCxnSpPr>
+            <p:nvPr/>
+          </p:nvCxnSpPr>
+          <p:spPr>
+            <a:xfrm flipH="1" flipV="1">
+              <a:off x="1600200" y="3968751"/>
+              <a:ext cx="457200" cy="1022349"/>
+            </a:xfrm>
+            <a:prstGeom prst="line">
+              <a:avLst/>
+            </a:prstGeom>
+            <a:ln w="19050">
+              <a:solidFill>
+                <a:srgbClr val="FF0000"/>
+              </a:solidFill>
+            </a:ln>
+          </p:spPr>
+          <p:style>
+            <a:lnRef idx="1">
+              <a:schemeClr val="accent1"/>
+            </a:lnRef>
+            <a:fillRef idx="0">
+              <a:schemeClr val="accent1"/>
+            </a:fillRef>
+            <a:effectRef idx="0">
+              <a:schemeClr val="accent1"/>
+            </a:effectRef>
+            <a:fontRef idx="minor">
+              <a:schemeClr val="tx1"/>
+            </a:fontRef>
+          </p:style>
+        </p:cxnSp>
+        <p:cxnSp>
+          <p:nvCxnSpPr>
+            <p:cNvPr id="15" name="Straight Connector 14"/>
+            <p:cNvCxnSpPr>
+              <a:stCxn id="10" idx="3"/>
+            </p:cNvCxnSpPr>
+            <p:nvPr/>
+          </p:nvCxnSpPr>
+          <p:spPr>
+            <a:xfrm flipV="1">
+              <a:off x="5029200" y="3941302"/>
+              <a:ext cx="2819400" cy="1049798"/>
+            </a:xfrm>
+            <a:prstGeom prst="line">
+              <a:avLst/>
+            </a:prstGeom>
+            <a:ln w="19050">
+              <a:solidFill>
+                <a:srgbClr val="FF0000"/>
+              </a:solidFill>
+            </a:ln>
+          </p:spPr>
+          <p:style>
+            <a:lnRef idx="1">
+              <a:schemeClr val="accent1"/>
+            </a:lnRef>
+            <a:fillRef idx="0">
+              <a:schemeClr val="accent1"/>
+            </a:fillRef>
+            <a:effectRef idx="0">
+              <a:schemeClr val="accent1"/>
+            </a:effectRef>
+            <a:fontRef idx="minor">
+              <a:schemeClr val="tx1"/>
+            </a:fontRef>
+          </p:style>
+        </p:cxnSp>
+      </p:grpSp>
+      <p:sp>
+        <p:nvSpPr>
+          <p:cNvPr id="18" name="Rectangle 17"/>
+          <p:cNvSpPr/>
+          <p:nvPr/>
+        </p:nvSpPr>
+        <p:spPr>
+          <a:xfrm>
+            <a:off x="1447800" y="2918619"/>
+            <a:ext cx="2895600" cy="662781"/>
+          </a:xfrm>
+          <a:prstGeom prst="rect">
+            <a:avLst/>
+          </a:prstGeom>
+          <a:noFill/>
+          <a:ln>
+            <a:solidFill>
+              <a:srgbClr val="FF0000"/>
+            </a:solidFill>
+          </a:ln>
+        </p:spPr>
+        <p:style>
+          <a:lnRef idx="2">
+            <a:schemeClr val="accent1">
+              <a:shade val="50000"/>
+            </a:schemeClr>
+          </a:lnRef>
+          <a:fillRef idx="1">
+            <a:schemeClr val="accent1"/>
+          </a:fillRef>
+          <a:effectRef idx="0">
+            <a:schemeClr val="accent1"/>
+          </a:effectRef>
+          <a:fontRef idx="minor">
+            <a:schemeClr val="lt1"/>
+          </a:fontRef>
+        </p:style>
+        <p:txBody>
+          <a:bodyPr rtlCol="0" anchor="ctr"/>
+          <a:lstStyle/>
+          <a:p>
+            <a:pPr algn="ctr"/>
+            <a:endParaRPr lang="en-US"/>
+          </a:p>
+        </p:txBody>
+      </p:sp>
+      <p:cxnSp>
+        <p:nvCxnSpPr>
+          <p:cNvPr id="11" name="Straight Connector 10"/>
+          <p:cNvCxnSpPr/>
+          <p:nvPr/>
+        </p:nvCxnSpPr>
+        <p:spPr>
+          <a:xfrm>
+            <a:off x="3810000" y="3124200"/>
+            <a:ext cx="685800" cy="0"/>
+          </a:xfrm>
+          <a:prstGeom prst="line">
+            <a:avLst/>
+          </a:prstGeom>
+          <a:ln w="28575">
+            <a:solidFill>
+              <a:srgbClr val="FF0000"/>
+            </a:solidFill>
+            <a:prstDash val="dash"/>
+          </a:ln>
+        </p:spPr>
+        <p:style>
+          <a:lnRef idx="1">
+            <a:schemeClr val="accent1"/>
+          </a:lnRef>
+          <a:fillRef idx="0">
+            <a:schemeClr val="accent1"/>
+          </a:fillRef>
+          <a:effectRef idx="0">
+            <a:schemeClr val="accent1"/>
+          </a:effectRef>
+          <a:fontRef idx="minor">
+            <a:schemeClr val="tx1"/>
+          </a:fontRef>
+        </p:style>
+      </p:cxnSp>
+      <p:cxnSp>
+        <p:nvCxnSpPr>
+          <p:cNvPr id="17" name="Straight Connector 16"/>
+          <p:cNvCxnSpPr/>
+          <p:nvPr/>
+        </p:nvCxnSpPr>
+        <p:spPr>
+          <a:xfrm>
+            <a:off x="2590800" y="3352800"/>
+            <a:ext cx="1676400" cy="0"/>
+          </a:xfrm>
+          <a:prstGeom prst="line">
+            <a:avLst/>
+          </a:prstGeom>
+          <a:ln w="28575">
+            <a:solidFill>
+              <a:srgbClr val="FF0000"/>
+            </a:solidFill>
+            <a:prstDash val="dash"/>
+          </a:ln>
+        </p:spPr>
+        <p:style>
+          <a:lnRef idx="1">
+            <a:schemeClr val="accent1"/>
+          </a:lnRef>
+          <a:fillRef idx="0">
+            <a:schemeClr val="accent1"/>
+          </a:fillRef>
+          <a:effectRef idx="0">
+            <a:schemeClr val="accent1"/>
+          </a:effectRef>
+          <a:fontRef idx="minor">
+            <a:schemeClr val="tx1"/>
+          </a:fontRef>
+        </p:style>
+      </p:cxnSp>
+      <p:cxnSp>
+        <p:nvCxnSpPr>
+          <p:cNvPr id="19" name="Straight Connector 18"/>
+          <p:cNvCxnSpPr/>
+          <p:nvPr/>
+        </p:nvCxnSpPr>
+        <p:spPr>
+          <a:xfrm>
+            <a:off x="6711950" y="3581400"/>
+            <a:ext cx="984250" cy="0"/>
+          </a:xfrm>
+          <a:prstGeom prst="line">
+            <a:avLst/>
+          </a:prstGeom>
+          <a:ln w="28575">
+            <a:solidFill>
+              <a:srgbClr val="FF0000"/>
+            </a:solidFill>
+            <a:prstDash val="dash"/>
+          </a:ln>
+        </p:spPr>
+        <p:style>
+          <a:lnRef idx="1">
+            <a:schemeClr val="accent1"/>
+          </a:lnRef>
+          <a:fillRef idx="0">
+            <a:schemeClr val="accent1"/>
+          </a:fillRef>
+          <a:effectRef idx="0">
+            <a:schemeClr val="accent1"/>
+          </a:effectRef>
+          <a:fontRef idx="minor">
+            <a:schemeClr val="tx1"/>
+          </a:fontRef>
+        </p:style>
+      </p:cxnSp>
+      <p:cxnSp>
+        <p:nvCxnSpPr>
+          <p:cNvPr id="20" name="Straight Connector 19"/>
+          <p:cNvCxnSpPr/>
+          <p:nvPr/>
+        </p:nvCxnSpPr>
+        <p:spPr>
+          <a:xfrm>
+            <a:off x="1676400" y="3733800"/>
+            <a:ext cx="2362200" cy="0"/>
+          </a:xfrm>
+          <a:prstGeom prst="line">
+            <a:avLst/>
+          </a:prstGeom>
+          <a:ln w="28575">
+            <a:solidFill>
+              <a:srgbClr val="FF0000"/>
+            </a:solidFill>
+            <a:prstDash val="dash"/>
+          </a:ln>
+        </p:spPr>
+        <p:style>
+          <a:lnRef idx="1">
+            <a:schemeClr val="accent1"/>
+          </a:lnRef>
+          <a:fillRef idx="0">
+            <a:schemeClr val="accent1"/>
+          </a:fillRef>
+          <a:effectRef idx="0">
+            <a:schemeClr val="accent1"/>
+          </a:effectRef>
+          <a:fontRef idx="minor">
+            <a:schemeClr val="tx1"/>
+          </a:fontRef>
+        </p:style>
+      </p:cxnSp>
+    </p:spTree>
+    <p:extLst>
+      <p:ext uri="{BB962C8B-B14F-4D97-AF65-F5344CB8AC3E}">
+        <p14:creationId xmlns:p14="http://schemas.microsoft.com/office/powerpoint/2010/main" val="3477421847"/>
+      </p:ext>
+    </p:extLst>
+  </p:cSld>
+  <p:clrMapOvr>
+    <a:masterClrMapping/>
+  </p:clrMapOvr>
+  <p:timing>
+    <p:tnLst>
+      <p:par>
+        <p:cTn id="1" dur="indefinite" restart="never" nodeType="tmRoot">
+          <p:childTnLst>
+            <p:seq concurrent="1" nextAc="seek">
+              <p:cTn id="2" dur="indefinite" nodeType="mainSeq">
+                <p:childTnLst>
+                  <p:par>
+                    <p:cTn id="3" fill="hold">
+                      <p:stCondLst>
+                        <p:cond delay="indefinite"/>
+                      </p:stCondLst>
+                      <p:childTnLst>
+                        <p:par>
+                          <p:cTn id="4" fill="hold">
+                            <p:stCondLst>
+                              <p:cond delay="0"/>
+                            </p:stCondLst>
+                            <p:childTnLst>
+                              <p:par>
+                                <p:cTn id="5" presetID="1" presetClass="entr" presetSubtype="0" fill="hold" nodeType="clickEffect">
+                                  <p:stCondLst>
+                                    <p:cond delay="0"/>
+                                  </p:stCondLst>
+                                  <p:childTnLst>
+                                    <p:set>
+                                      <p:cBhvr>
+                                        <p:cTn id="6" dur="1" fill="hold">
+                                          <p:stCondLst>
+                                            <p:cond delay="0"/>
+                                          </p:stCondLst>
+                                        </p:cTn>
+                                        <p:tgtEl>
+                                          <p:spTgt spid="7"/>
+                                        </p:tgtEl>
+                                        <p:attrNameLst>
+                                          <p:attrName>style.visibility</p:attrName>
+                                        </p:attrNameLst>
+                                      </p:cBhvr>
+                                      <p:to>
+                                        <p:strVal val="visible"/>
+                                      </p:to>
+                                    </p:set>
+                                  </p:childTnLst>
+                                </p:cTn>
+                              </p:par>
+                            </p:childTnLst>
+                          </p:cTn>
+                        </p:par>
+                      </p:childTnLst>
+                    </p:cTn>
+                  </p:par>
+                  <p:par>
+                    <p:cTn id="7" fill="hold">
+                      <p:stCondLst>
+                        <p:cond delay="indefinite"/>
+                      </p:stCondLst>
+                      <p:childTnLst>
+                        <p:par>
+                          <p:cTn id="8" fill="hold">
+                            <p:stCondLst>
+                              <p:cond delay="0"/>
+                            </p:stCondLst>
+                            <p:childTnLst>
+                              <p:par>
+                                <p:cTn id="9" presetID="1" presetClass="entr" presetSubtype="0" fill="hold" grpId="0" nodeType="clickEffect">
+                                  <p:stCondLst>
+                                    <p:cond delay="0"/>
+                                  </p:stCondLst>
+                                  <p:childTnLst>
+                                    <p:set>
+                                      <p:cBhvr>
+                                        <p:cTn id="10" dur="1" fill="hold">
+                                          <p:stCondLst>
+                                            <p:cond delay="0"/>
+                                          </p:stCondLst>
+                                        </p:cTn>
+                                        <p:tgtEl>
+                                          <p:spTgt spid="18"/>
+                                        </p:tgtEl>
+                                        <p:attrNameLst>
+                                          <p:attrName>style.visibility</p:attrName>
+                                        </p:attrNameLst>
+                                      </p:cBhvr>
+                                      <p:to>
+                                        <p:strVal val="visible"/>
+                                      </p:to>
+                                    </p:set>
+                                  </p:childTnLst>
+                                </p:cTn>
+                              </p:par>
+                            </p:childTnLst>
+                          </p:cTn>
+                        </p:par>
+                      </p:childTnLst>
+                    </p:cTn>
+                  </p:par>
+                  <p:par>
+                    <p:cTn id="11" fill="hold">
+                      <p:stCondLst>
+                        <p:cond delay="indefinite"/>
+                      </p:stCondLst>
+                      <p:childTnLst>
+                        <p:par>
+                          <p:cTn id="12" fill="hold">
+                            <p:stCondLst>
+                              <p:cond delay="0"/>
+                            </p:stCondLst>
+                            <p:childTnLst>
+                              <p:par>
+                                <p:cTn id="13" presetID="1" presetClass="exit" presetSubtype="0" fill="hold" grpId="1" nodeType="clickEffect">
+                                  <p:stCondLst>
+                                    <p:cond delay="0"/>
+                                  </p:stCondLst>
+                                  <p:childTnLst>
+                                    <p:set>
+                                      <p:cBhvr>
+                                        <p:cTn id="14" dur="1" fill="hold">
+                                          <p:stCondLst>
+                                            <p:cond delay="0"/>
+                                          </p:stCondLst>
+                                        </p:cTn>
+                                        <p:tgtEl>
+                                          <p:spTgt spid="18"/>
+                                        </p:tgtEl>
+                                        <p:attrNameLst>
+                                          <p:attrName>style.visibility</p:attrName>
+                                        </p:attrNameLst>
+                                      </p:cBhvr>
+                                      <p:to>
+                                        <p:strVal val="hidden"/>
+                                      </p:to>
+                                    </p:set>
+                                  </p:childTnLst>
+                                </p:cTn>
+                              </p:par>
+                              <p:par>
+                                <p:cTn id="15" presetID="22" presetClass="entr" presetSubtype="4" fill="hold" nodeType="withEffect">
+                                  <p:stCondLst>
+                                    <p:cond delay="0"/>
+                                  </p:stCondLst>
+                                  <p:childTnLst>
+                                    <p:set>
+                                      <p:cBhvr>
+                                        <p:cTn id="16" dur="1" fill="hold">
+                                          <p:stCondLst>
+                                            <p:cond delay="0"/>
+                                          </p:stCondLst>
+                                        </p:cTn>
+                                        <p:tgtEl>
+                                          <p:spTgt spid="16"/>
+                                        </p:tgtEl>
+                                        <p:attrNameLst>
+                                          <p:attrName>style.visibility</p:attrName>
+                                        </p:attrNameLst>
+                                      </p:cBhvr>
+                                      <p:to>
+                                        <p:strVal val="visible"/>
+                                      </p:to>
+                                    </p:set>
+                                    <p:animEffect transition="in" filter="wipe(down)">
+                                      <p:cBhvr>
+                                        <p:cTn id="17" dur="500"/>
+                                        <p:tgtEl>
+                                          <p:spTgt spid="16"/>
+                                        </p:tgtEl>
+                                      </p:cBhvr>
+                                    </p:animEffect>
+                                  </p:childTnLst>
+                                </p:cTn>
+                              </p:par>
+                            </p:childTnLst>
+                          </p:cTn>
+                        </p:par>
+                        <p:par>
+                          <p:cTn id="18" fill="hold">
+                            <p:stCondLst>
+                              <p:cond delay="500"/>
+                            </p:stCondLst>
+                            <p:childTnLst>
+                              <p:par>
+                                <p:cTn id="19" presetID="1" presetClass="entr" presetSubtype="0" fill="hold" nodeType="afterEffect">
+                                  <p:stCondLst>
+                                    <p:cond delay="0"/>
+                                  </p:stCondLst>
+                                  <p:childTnLst>
+                                    <p:set>
+                                      <p:cBhvr>
+                                        <p:cTn id="20" dur="1" fill="hold">
+                                          <p:stCondLst>
+                                            <p:cond delay="0"/>
+                                          </p:stCondLst>
+                                        </p:cTn>
+                                        <p:tgtEl>
+                                          <p:spTgt spid="9"/>
+                                        </p:tgtEl>
+                                        <p:attrNameLst>
+                                          <p:attrName>style.visibility</p:attrName>
+                                        </p:attrNameLst>
+                                      </p:cBhvr>
+                                      <p:to>
+                                        <p:strVal val="visible"/>
+                                      </p:to>
+                                    </p:set>
+                                  </p:childTnLst>
+                                </p:cTn>
+                              </p:par>
+                            </p:childTnLst>
+                          </p:cTn>
+                        </p:par>
+                      </p:childTnLst>
+                    </p:cTn>
+                  </p:par>
+                  <p:par>
+                    <p:cTn id="21" fill="hold">
+                      <p:stCondLst>
+                        <p:cond delay="indefinite"/>
+                      </p:stCondLst>
+                      <p:childTnLst>
+                        <p:par>
+                          <p:cTn id="22" fill="hold">
+                            <p:stCondLst>
+                              <p:cond delay="0"/>
+                            </p:stCondLst>
+                            <p:childTnLst>
+                              <p:par>
+                                <p:cTn id="23" presetID="22" presetClass="entr" presetSubtype="8" fill="hold" nodeType="clickEffect">
+                                  <p:stCondLst>
+                                    <p:cond delay="0"/>
+                                  </p:stCondLst>
+                                  <p:childTnLst>
+                                    <p:set>
+                                      <p:cBhvr>
+                                        <p:cTn id="24" dur="1" fill="hold">
+                                          <p:stCondLst>
+                                            <p:cond delay="0"/>
+                                          </p:stCondLst>
+                                        </p:cTn>
+                                        <p:tgtEl>
+                                          <p:spTgt spid="11"/>
+                                        </p:tgtEl>
+                                        <p:attrNameLst>
+                                          <p:attrName>style.visibility</p:attrName>
+                                        </p:attrNameLst>
+                                      </p:cBhvr>
+                                      <p:to>
+                                        <p:strVal val="visible"/>
+                                      </p:to>
+                                    </p:set>
+                                    <p:animEffect transition="in" filter="wipe(left)">
+                                      <p:cBhvr>
+                                        <p:cTn id="25" dur="500"/>
+                                        <p:tgtEl>
+                                          <p:spTgt spid="11"/>
+                                        </p:tgtEl>
+                                      </p:cBhvr>
+                                    </p:animEffect>
+                                  </p:childTnLst>
+                                </p:cTn>
+                              </p:par>
+                            </p:childTnLst>
+                          </p:cTn>
+                        </p:par>
+                      </p:childTnLst>
+                    </p:cTn>
+                  </p:par>
+                  <p:par>
+                    <p:cTn id="26" fill="hold">
+                      <p:stCondLst>
+                        <p:cond delay="indefinite"/>
+                      </p:stCondLst>
+                      <p:childTnLst>
+                        <p:par>
+                          <p:cTn id="27" fill="hold">
+                            <p:stCondLst>
+                              <p:cond delay="0"/>
+                            </p:stCondLst>
+                            <p:childTnLst>
+                              <p:par>
+                                <p:cTn id="28" presetID="22" presetClass="entr" presetSubtype="8" fill="hold" nodeType="clickEffect">
+                                  <p:stCondLst>
+                                    <p:cond delay="0"/>
+                                  </p:stCondLst>
+                                  <p:childTnLst>
+                                    <p:set>
+                                      <p:cBhvr>
+                                        <p:cTn id="29" dur="1" fill="hold">
+                                          <p:stCondLst>
+                                            <p:cond delay="0"/>
+                                          </p:stCondLst>
+                                        </p:cTn>
+                                        <p:tgtEl>
+                                          <p:spTgt spid="17"/>
+                                        </p:tgtEl>
+                                        <p:attrNameLst>
+                                          <p:attrName>style.visibility</p:attrName>
+                                        </p:attrNameLst>
+                                      </p:cBhvr>
+                                      <p:to>
+                                        <p:strVal val="visible"/>
+                                      </p:to>
+                                    </p:set>
+                                    <p:animEffect transition="in" filter="wipe(left)">
+                                      <p:cBhvr>
+                                        <p:cTn id="30" dur="500"/>
+                                        <p:tgtEl>
+                                          <p:spTgt spid="17"/>
+                                        </p:tgtEl>
+                                      </p:cBhvr>
+                                    </p:animEffect>
+                                  </p:childTnLst>
+                                </p:cTn>
+                              </p:par>
+                            </p:childTnLst>
+                          </p:cTn>
+                        </p:par>
+                      </p:childTnLst>
+                    </p:cTn>
+                  </p:par>
+                  <p:par>
+                    <p:cTn id="31" fill="hold">
+                      <p:stCondLst>
+                        <p:cond delay="indefinite"/>
+                      </p:stCondLst>
+                      <p:childTnLst>
+                        <p:par>
+                          <p:cTn id="32" fill="hold">
+                            <p:stCondLst>
+                              <p:cond delay="0"/>
+                            </p:stCondLst>
+                            <p:childTnLst>
+                              <p:par>
+                                <p:cTn id="33" presetID="22" presetClass="entr" presetSubtype="8" fill="hold" nodeType="clickEffect">
+                                  <p:stCondLst>
+                                    <p:cond delay="0"/>
+                                  </p:stCondLst>
+                                  <p:childTnLst>
+                                    <p:set>
+                                      <p:cBhvr>
+                                        <p:cTn id="34" dur="1" fill="hold">
+                                          <p:stCondLst>
+                                            <p:cond delay="0"/>
+                                          </p:stCondLst>
+                                        </p:cTn>
+                                        <p:tgtEl>
+                                          <p:spTgt spid="19"/>
+                                        </p:tgtEl>
+                                        <p:attrNameLst>
+                                          <p:attrName>style.visibility</p:attrName>
+                                        </p:attrNameLst>
+                                      </p:cBhvr>
+                                      <p:to>
+                                        <p:strVal val="visible"/>
+                                      </p:to>
+                                    </p:set>
+                                    <p:animEffect transition="in" filter="wipe(left)">
+                                      <p:cBhvr>
+                                        <p:cTn id="35" dur="500"/>
+                                        <p:tgtEl>
+                                          <p:spTgt spid="19"/>
+                                        </p:tgtEl>
+                                      </p:cBhvr>
+                                    </p:animEffect>
+                                  </p:childTnLst>
+                                </p:cTn>
+                              </p:par>
+                            </p:childTnLst>
+                          </p:cTn>
+                        </p:par>
+                        <p:par>
+                          <p:cTn id="36" fill="hold">
+                            <p:stCondLst>
+                              <p:cond delay="500"/>
+                            </p:stCondLst>
+                            <p:childTnLst>
+                              <p:par>
+                                <p:cTn id="37" presetID="22" presetClass="entr" presetSubtype="8" fill="hold" nodeType="afterEffect">
+                                  <p:stCondLst>
+                                    <p:cond delay="0"/>
+                                  </p:stCondLst>
+                                  <p:childTnLst>
+                                    <p:set>
+                                      <p:cBhvr>
+                                        <p:cTn id="38" dur="1" fill="hold">
+                                          <p:stCondLst>
+                                            <p:cond delay="0"/>
+                                          </p:stCondLst>
+                                        </p:cTn>
+                                        <p:tgtEl>
+                                          <p:spTgt spid="20"/>
+                                        </p:tgtEl>
+                                        <p:attrNameLst>
+                                          <p:attrName>style.visibility</p:attrName>
+                                        </p:attrNameLst>
+                                      </p:cBhvr>
+                                      <p:to>
+                                        <p:strVal val="visible"/>
+                                      </p:to>
+                                    </p:set>
+                                    <p:animEffect transition="in" filter="wipe(left)">
+                                      <p:cBhvr>
+                                        <p:cTn id="39" dur="500"/>
+                                        <p:tgtEl>
+                                          <p:spTgt spid="20"/>
+                                        </p:tgtEl>
+                                      </p:cBhvr>
+                                    </p:animEffect>
+                                  </p:childTnLst>
+                                </p:cTn>
+                              </p:par>
+                            </p:childTnLst>
+                          </p:cTn>
+                        </p:par>
+                      </p:childTnLst>
+                    </p:cTn>
+                  </p:par>
+                  <p:par>
+                    <p:cTn id="40" fill="hold">
+                      <p:stCondLst>
+                        <p:cond delay="indefinite"/>
+                      </p:stCondLst>
+                      <p:childTnLst>
+                        <p:par>
+                          <p:cTn id="41" fill="hold">
+                            <p:stCondLst>
+                              <p:cond delay="0"/>
+                            </p:stCondLst>
+                            <p:childTnLst>
+                              <p:par>
+                                <p:cTn id="42" presetID="1" presetClass="exit" presetSubtype="0" fill="hold" nodeType="clickEffect">
+                                  <p:stCondLst>
+                                    <p:cond delay="0"/>
+                                  </p:stCondLst>
+                                  <p:childTnLst>
+                                    <p:set>
+                                      <p:cBhvr>
+                                        <p:cTn id="43" dur="1" fill="hold">
+                                          <p:stCondLst>
+                                            <p:cond delay="0"/>
+                                          </p:stCondLst>
+                                        </p:cTn>
+                                        <p:tgtEl>
+                                          <p:spTgt spid="11"/>
+                                        </p:tgtEl>
+                                        <p:attrNameLst>
+                                          <p:attrName>style.visibility</p:attrName>
+                                        </p:attrNameLst>
+                                      </p:cBhvr>
+                                      <p:to>
+                                        <p:strVal val="hidden"/>
+                                      </p:to>
+                                    </p:set>
+                                  </p:childTnLst>
+                                </p:cTn>
+                              </p:par>
+                              <p:par>
+                                <p:cTn id="44" presetID="1" presetClass="exit" presetSubtype="0" fill="hold" nodeType="withEffect">
+                                  <p:stCondLst>
+                                    <p:cond delay="0"/>
+                                  </p:stCondLst>
+                                  <p:childTnLst>
+                                    <p:set>
+                                      <p:cBhvr>
+                                        <p:cTn id="45" dur="1" fill="hold">
+                                          <p:stCondLst>
+                                            <p:cond delay="0"/>
+                                          </p:stCondLst>
+                                        </p:cTn>
+                                        <p:tgtEl>
+                                          <p:spTgt spid="17"/>
+                                        </p:tgtEl>
+                                        <p:attrNameLst>
+                                          <p:attrName>style.visibility</p:attrName>
+                                        </p:attrNameLst>
+                                      </p:cBhvr>
+                                      <p:to>
+                                        <p:strVal val="hidden"/>
+                                      </p:to>
+                                    </p:set>
+                                  </p:childTnLst>
+                                </p:cTn>
+                              </p:par>
+                              <p:par>
+                                <p:cTn id="46" presetID="1" presetClass="exit" presetSubtype="0" fill="hold" nodeType="withEffect">
+                                  <p:stCondLst>
+                                    <p:cond delay="0"/>
+                                  </p:stCondLst>
+                                  <p:childTnLst>
+                                    <p:set>
+                                      <p:cBhvr>
+                                        <p:cTn id="47" dur="1" fill="hold">
+                                          <p:stCondLst>
+                                            <p:cond delay="0"/>
+                                          </p:stCondLst>
+                                        </p:cTn>
+                                        <p:tgtEl>
+                                          <p:spTgt spid="19"/>
+                                        </p:tgtEl>
+                                        <p:attrNameLst>
+                                          <p:attrName>style.visibility</p:attrName>
+                                        </p:attrNameLst>
+                                      </p:cBhvr>
+                                      <p:to>
+                                        <p:strVal val="hidden"/>
+                                      </p:to>
+                                    </p:set>
+                                  </p:childTnLst>
+                                </p:cTn>
+                              </p:par>
+                              <p:par>
+                                <p:cTn id="48" presetID="1" presetClass="exit" presetSubtype="0" fill="hold" nodeType="withEffect">
+                                  <p:stCondLst>
+                                    <p:cond delay="0"/>
+                                  </p:stCondLst>
+                                  <p:childTnLst>
+                                    <p:set>
+                                      <p:cBhvr>
+                                        <p:cTn id="49" dur="1" fill="hold">
+                                          <p:stCondLst>
+                                            <p:cond delay="0"/>
+                                          </p:stCondLst>
+                                        </p:cTn>
+                                        <p:tgtEl>
+                                          <p:spTgt spid="20"/>
+                                        </p:tgtEl>
+                                        <p:attrNameLst>
+                                          <p:attrName>style.visibility</p:attrName>
+                                        </p:attrNameLst>
+                                      </p:cBhvr>
+                                      <p:to>
+                                        <p:strVal val="hidden"/>
+                                      </p:to>
+                                    </p:set>
+                                  </p:childTnLst>
+                                </p:cTn>
+                              </p:par>
+                              <p:par>
+                                <p:cTn id="50" presetID="1" presetClass="exit" presetSubtype="0" fill="hold" nodeType="withEffect">
+                                  <p:stCondLst>
+                                    <p:cond delay="0"/>
+                                  </p:stCondLst>
+                                  <p:childTnLst>
+                                    <p:set>
+                                      <p:cBhvr>
+                                        <p:cTn id="51" dur="1" fill="hold">
+                                          <p:stCondLst>
+                                            <p:cond delay="0"/>
+                                          </p:stCondLst>
+                                        </p:cTn>
+                                        <p:tgtEl>
+                                          <p:spTgt spid="16"/>
+                                        </p:tgtEl>
+                                        <p:attrNameLst>
+                                          <p:attrName>style.visibility</p:attrName>
+                                        </p:attrNameLst>
+                                      </p:cBhvr>
+                                      <p:to>
+                                        <p:strVal val="hidden"/>
+                                      </p:to>
+                                    </p:set>
+                                  </p:childTnLst>
+                                </p:cTn>
+                              </p:par>
+                              <p:par>
+                                <p:cTn id="52" presetID="1" presetClass="exit" presetSubtype="0" fill="hold" nodeType="withEffect">
+                                  <p:stCondLst>
+                                    <p:cond delay="0"/>
+                                  </p:stCondLst>
+                                  <p:childTnLst>
+                                    <p:set>
+                                      <p:cBhvr>
+                                        <p:cTn id="53" dur="1" fill="hold">
+                                          <p:stCondLst>
+                                            <p:cond delay="0"/>
+                                          </p:stCondLst>
+                                        </p:cTn>
+                                        <p:tgtEl>
+                                          <p:spTgt spid="9"/>
+                                        </p:tgtEl>
+                                        <p:attrNameLst>
+                                          <p:attrName>style.visibility</p:attrName>
+                                        </p:attrNameLst>
+                                      </p:cBhvr>
+                                      <p:to>
+                                        <p:strVal val="hidden"/>
+                                      </p:to>
+                                    </p:set>
+                                  </p:childTnLst>
+                                </p:cTn>
+                              </p:par>
+                            </p:childTnLst>
+                          </p:cTn>
+                        </p:par>
+                      </p:childTnLst>
+                    </p:cTn>
+                  </p:par>
+                  <p:par>
+                    <p:cTn id="54" fill="hold">
+                      <p:stCondLst>
+                        <p:cond delay="indefinite"/>
+                      </p:stCondLst>
+                      <p:childTnLst>
+                        <p:par>
+                          <p:cTn id="55" fill="hold">
+                            <p:stCondLst>
+                              <p:cond delay="0"/>
+                            </p:stCondLst>
+                            <p:childTnLst>
+                              <p:par>
+                                <p:cTn id="56" presetID="1" presetClass="exit" presetSubtype="0" fill="hold" nodeType="clickEffect">
+                                  <p:stCondLst>
+                                    <p:cond delay="0"/>
+                                  </p:stCondLst>
+                                  <p:childTnLst>
+                                    <p:set>
+                                      <p:cBhvr>
+                                        <p:cTn id="57" dur="1" fill="hold">
+                                          <p:stCondLst>
+                                            <p:cond delay="0"/>
+                                          </p:stCondLst>
+                                        </p:cTn>
+                                        <p:tgtEl>
+                                          <p:spTgt spid="7"/>
+                                        </p:tgtEl>
+                                        <p:attrNameLst>
+                                          <p:attrName>style.visibility</p:attrName>
+                                        </p:attrNameLst>
+                                      </p:cBhvr>
+                                      <p:to>
+                                        <p:strVal val="hidden"/>
+                                      </p:to>
+                                    </p:set>
+                                  </p:childTnLst>
+                                </p:cTn>
+                              </p:par>
+                              <p:par>
+                                <p:cTn id="58" presetID="1" presetClass="entr" presetSubtype="0" fill="hold" nodeType="withEffect">
+                                  <p:stCondLst>
+                                    <p:cond delay="0"/>
+                                  </p:stCondLst>
+                                  <p:childTnLst>
+                                    <p:set>
+                                      <p:cBhvr>
+                                        <p:cTn id="59" dur="1" fill="hold">
+                                          <p:stCondLst>
+                                            <p:cond delay="0"/>
+                                          </p:stCondLst>
+                                        </p:cTn>
+                                        <p:tgtEl>
+                                          <p:spTgt spid="8"/>
+                                        </p:tgtEl>
+                                        <p:attrNameLst>
+                                          <p:attrName>style.visibility</p:attrName>
+                                        </p:attrNameLst>
+                                      </p:cBhvr>
+                                      <p:to>
+                                        <p:strVal val="visible"/>
+                                      </p:to>
+                                    </p:set>
+                                  </p:childTnLst>
+                                </p:cTn>
+                              </p:par>
+                            </p:childTnLst>
+                          </p:cTn>
+                        </p:par>
+                      </p:childTnLst>
+                    </p:cTn>
+                  </p:par>
+                </p:childTnLst>
+              </p:cTn>
+              <p:prevCondLst>
+                <p:cond evt="onPrev" delay="0">
+                  <p:tgtEl>
+                    <p:sldTgt/>
+                  </p:tgtEl>
+                </p:cond>
+              </p:prevCondLst>
+              <p:nextCondLst>
+                <p:cond evt="onNext" delay="0">
+                  <p:tgtEl>
+                    <p:sldTgt/>
+                  </p:tgtEl>
+                </p:cond>
+              </p:nextCondLst>
+            </p:seq>
+          </p:childTnLst>
+        </p:cTn>
+      </p:par>
+    </p:tnLst>
+    <p:bldLst>
+      <p:bldP spid="18" grpId="0" animBg="1"/>
+      <p:bldP spid="18" grpId="1" animBg="1"/>
+    </p:bldLst>
+  </p:timing>
+</p:sld>
+</file>
+
+<file path=ppt/slides/slide20.xml><?xml version="1.0" encoding="utf-8"?>
 <p:sld xmlns:a="http://schemas.openxmlformats.org/drawingml/2006/main" xmlns:r="http://schemas.openxmlformats.org/officeDocument/2006/relationships" xmlns:p="http://schemas.openxmlformats.org/presentationml/2006/main">
   <p:cSld>
     <p:spTree>
@@ -13706,7 +15300,7 @@
           <a:p>
             <a:r>
               <a:rPr lang="en-US" smtClean="0"/>
-              <a:t>CS6501: Information Retrieval</a:t>
+              <a:t>CS4501: Information Retrieval</a:t>
             </a:r>
             <a:endParaRPr lang="en-US"/>
           </a:p>
@@ -13729,7 +15323,7 @@
           <a:p>
             <a:fld id="{04D6BED6-93C9-4D43-B1C0-E2DD71716F4C}" type="slidenum">
               <a:rPr lang="en-US" smtClean="0"/>
-              <a:t>19</a:t>
+              <a:t>20</a:t>
             </a:fld>
             <a:endParaRPr lang="en-US"/>
           </a:p>
@@ -13755,7 +15349,7 @@
 </p:sld>
 </file>
 
-<file path=ppt/slides/slide2.xml><?xml version="1.0" encoding="utf-8"?>
+<file path=ppt/slides/slide21.xml><?xml version="1.0" encoding="utf-8"?>
 <p:sld xmlns:a="http://schemas.openxmlformats.org/drawingml/2006/main" xmlns:r="http://schemas.openxmlformats.org/officeDocument/2006/relationships" xmlns:p="http://schemas.openxmlformats.org/presentationml/2006/main">
   <p:cSld>
     <p:spTree>
@@ -13774,6 +15368,41 @@
       </p:grpSpPr>
       <p:sp>
         <p:nvSpPr>
+          <p:cNvPr id="3" name="Content Placeholder 2"/>
+          <p:cNvSpPr>
+            <a:spLocks noGrp="1"/>
+          </p:cNvSpPr>
+          <p:nvPr>
+            <p:ph idx="1"/>
+          </p:nvPr>
+        </p:nvSpPr>
+        <p:spPr/>
+        <p:txBody>
+          <a:bodyPr/>
+          <a:lstStyle/>
+          <a:p>
+            <a:r>
+              <a:rPr lang="en-US" dirty="0" smtClean="0"/>
+              <a:t>Web search is just one important area of information retrieval, but not all</a:t>
+            </a:r>
+          </a:p>
+          <a:p>
+            <a:r>
+              <a:rPr lang="en-US" dirty="0" smtClean="0"/>
+              <a:t>Information retrieval also includes</a:t>
+            </a:r>
+          </a:p>
+          <a:p>
+            <a:pPr lvl="1"/>
+            <a:r>
+              <a:rPr lang="en-US" dirty="0" smtClean="0"/>
+              <a:t>Text mining</a:t>
+            </a:r>
+          </a:p>
+        </p:txBody>
+      </p:sp>
+      <p:sp>
+        <p:nvSpPr>
           <p:cNvPr id="2" name="Title 1"/>
           <p:cNvSpPr>
             <a:spLocks noGrp="1"/>
@@ -13789,69 +15418,15 @@
           <a:p>
             <a:r>
               <a:rPr lang="en-US" dirty="0" smtClean="0"/>
-              <a:t>What is information retrieval?</a:t>
+              <a:t>IR is not just about web search</a:t>
             </a:r>
             <a:endParaRPr lang="en-US" dirty="0"/>
           </a:p>
         </p:txBody>
       </p:sp>
-      <p:pic>
-        <p:nvPicPr>
-          <p:cNvPr id="1026" name="Picture 2"/>
-          <p:cNvPicPr>
-            <a:picLocks noChangeAspect="1" noChangeArrowheads="1"/>
-          </p:cNvPicPr>
-          <p:nvPr/>
-        </p:nvPicPr>
-        <p:blipFill>
-          <a:blip r:embed="rId2">
-            <a:extLst>
-              <a:ext uri="{28A0092B-C50C-407E-A947-70E740481C1C}">
-                <a14:useLocalDpi xmlns:a14="http://schemas.microsoft.com/office/drawing/2010/main" val="0"/>
-              </a:ext>
-            </a:extLst>
-          </a:blip>
-          <a:srcRect/>
-          <a:stretch>
-            <a:fillRect/>
-          </a:stretch>
-        </p:blipFill>
-        <p:spPr bwMode="auto">
-          <a:xfrm>
-            <a:off x="465667" y="1600200"/>
-            <a:ext cx="8332304" cy="4355523"/>
-          </a:xfrm>
-          <a:prstGeom prst="rect">
-            <a:avLst/>
-          </a:prstGeom>
-          <a:noFill/>
-          <a:ln>
-            <a:noFill/>
-          </a:ln>
-          <a:extLst>
-            <a:ext uri="{909E8E84-426E-40DD-AFC4-6F175D3DCCD1}">
-              <a14:hiddenFill xmlns:a14="http://schemas.microsoft.com/office/drawing/2010/main">
-                <a:solidFill>
-                  <a:schemeClr val="accent1"/>
-                </a:solidFill>
-              </a14:hiddenFill>
-            </a:ext>
-            <a:ext uri="{91240B29-F687-4F45-9708-019B960494DF}">
-              <a14:hiddenLine xmlns:a14="http://schemas.microsoft.com/office/drawing/2010/main" w="9525">
-                <a:solidFill>
-                  <a:schemeClr val="tx1"/>
-                </a:solidFill>
-                <a:miter lim="800000"/>
-                <a:headEnd/>
-                <a:tailEnd/>
-              </a14:hiddenLine>
-            </a:ext>
-          </a:extLst>
-        </p:spPr>
-      </p:pic>
-      <p:sp>
-        <p:nvSpPr>
-          <p:cNvPr id="3" name="Date Placeholder 2"/>
+      <p:sp>
+        <p:nvSpPr>
+          <p:cNvPr id="4" name="Date Placeholder 3"/>
           <p:cNvSpPr>
             <a:spLocks noGrp="1"/>
           </p:cNvSpPr>
@@ -13874,7 +15449,7 @@
       </p:sp>
       <p:sp>
         <p:nvSpPr>
-          <p:cNvPr id="4" name="Footer Placeholder 3"/>
+          <p:cNvPr id="5" name="Footer Placeholder 4"/>
           <p:cNvSpPr>
             <a:spLocks noGrp="1"/>
           </p:cNvSpPr>
@@ -13889,7 +15464,7 @@
           <a:p>
             <a:r>
               <a:rPr lang="en-US" smtClean="0"/>
-              <a:t>CS6501: Information Retrieval</a:t>
+              <a:t>CS4501: Information Retrieval</a:t>
             </a:r>
             <a:endParaRPr lang="en-US"/>
           </a:p>
@@ -13897,7 +15472,7 @@
       </p:sp>
       <p:sp>
         <p:nvSpPr>
-          <p:cNvPr id="5" name="Slide Number Placeholder 4"/>
+          <p:cNvPr id="6" name="Slide Number Placeholder 5"/>
           <p:cNvSpPr>
             <a:spLocks noGrp="1"/>
           </p:cNvSpPr>
@@ -13912,502 +15487,7 @@
           <a:p>
             <a:fld id="{04D6BED6-93C9-4D43-B1C0-E2DD71716F4C}" type="slidenum">
               <a:rPr lang="en-US" smtClean="0"/>
-              <a:t>2</a:t>
-            </a:fld>
-            <a:endParaRPr lang="en-US"/>
-          </a:p>
-        </p:txBody>
-      </p:sp>
-      <p:sp>
-        <p:nvSpPr>
-          <p:cNvPr id="6" name="Rectangle 5"/>
-          <p:cNvSpPr/>
-          <p:nvPr/>
-        </p:nvSpPr>
-        <p:spPr>
-          <a:xfrm>
-            <a:off x="5105400" y="2667000"/>
-            <a:ext cx="3124200" cy="914400"/>
-          </a:xfrm>
-          <a:prstGeom prst="rect">
-            <a:avLst/>
-          </a:prstGeom>
-          <a:noFill/>
-          <a:ln>
-            <a:solidFill>
-              <a:srgbClr val="FF0000"/>
-            </a:solidFill>
-            <a:prstDash val="dash"/>
-          </a:ln>
-        </p:spPr>
-        <p:style>
-          <a:lnRef idx="2">
-            <a:schemeClr val="accent1">
-              <a:shade val="50000"/>
-            </a:schemeClr>
-          </a:lnRef>
-          <a:fillRef idx="1">
-            <a:schemeClr val="accent1"/>
-          </a:fillRef>
-          <a:effectRef idx="0">
-            <a:schemeClr val="accent1"/>
-          </a:effectRef>
-          <a:fontRef idx="minor">
-            <a:schemeClr val="lt1"/>
-          </a:fontRef>
-        </p:style>
-        <p:txBody>
-          <a:bodyPr rtlCol="0" anchor="ctr"/>
-          <a:lstStyle/>
-          <a:p>
-            <a:pPr algn="ctr"/>
-            <a:endParaRPr lang="en-US"/>
-          </a:p>
-        </p:txBody>
-      </p:sp>
-      <p:pic>
-        <p:nvPicPr>
-          <p:cNvPr id="1027" name="Picture 3"/>
-          <p:cNvPicPr>
-            <a:picLocks noChangeAspect="1" noChangeArrowheads="1"/>
-          </p:cNvPicPr>
-          <p:nvPr/>
-        </p:nvPicPr>
-        <p:blipFill>
-          <a:blip r:embed="rId3">
-            <a:extLst>
-              <a:ext uri="{28A0092B-C50C-407E-A947-70E740481C1C}">
-                <a14:useLocalDpi xmlns:a14="http://schemas.microsoft.com/office/drawing/2010/main" val="0"/>
-              </a:ext>
-            </a:extLst>
-          </a:blip>
-          <a:srcRect/>
-          <a:stretch>
-            <a:fillRect/>
-          </a:stretch>
-        </p:blipFill>
-        <p:spPr bwMode="auto">
-          <a:xfrm>
-            <a:off x="2401904" y="3117044"/>
-            <a:ext cx="4340192" cy="1531156"/>
-          </a:xfrm>
-          <a:prstGeom prst="rect">
-            <a:avLst/>
-          </a:prstGeom>
-          <a:noFill/>
-          <a:ln>
-            <a:noFill/>
-          </a:ln>
-          <a:extLst>
-            <a:ext uri="{909E8E84-426E-40DD-AFC4-6F175D3DCCD1}">
-              <a14:hiddenFill xmlns:a14="http://schemas.microsoft.com/office/drawing/2010/main">
-                <a:solidFill>
-                  <a:schemeClr val="accent1"/>
-                </a:solidFill>
-              </a14:hiddenFill>
-            </a:ext>
-            <a:ext uri="{91240B29-F687-4F45-9708-019B960494DF}">
-              <a14:hiddenLine xmlns:a14="http://schemas.microsoft.com/office/drawing/2010/main" w="9525">
-                <a:solidFill>
-                  <a:schemeClr val="tx1"/>
-                </a:solidFill>
-                <a:miter lim="800000"/>
-                <a:headEnd/>
-                <a:tailEnd/>
-              </a14:hiddenLine>
-            </a:ext>
-          </a:extLst>
-        </p:spPr>
-      </p:pic>
-    </p:spTree>
-    <p:extLst>
-      <p:ext uri="{BB962C8B-B14F-4D97-AF65-F5344CB8AC3E}">
-        <p14:creationId xmlns:p14="http://schemas.microsoft.com/office/powerpoint/2010/main" val="3477421847"/>
-      </p:ext>
-    </p:extLst>
-  </p:cSld>
-  <p:clrMapOvr>
-    <a:masterClrMapping/>
-  </p:clrMapOvr>
-  <p:timing>
-    <p:tnLst>
-      <p:par>
-        <p:cTn id="1" dur="indefinite" restart="never" nodeType="tmRoot">
-          <p:childTnLst>
-            <p:seq concurrent="1" nextAc="seek">
-              <p:cTn id="2" dur="indefinite" nodeType="mainSeq">
-                <p:childTnLst>
-                  <p:par>
-                    <p:cTn id="3" fill="hold">
-                      <p:stCondLst>
-                        <p:cond delay="indefinite"/>
-                      </p:stCondLst>
-                      <p:childTnLst>
-                        <p:par>
-                          <p:cTn id="4" fill="hold">
-                            <p:stCondLst>
-                              <p:cond delay="0"/>
-                            </p:stCondLst>
-                            <p:childTnLst>
-                              <p:par>
-                                <p:cTn id="5" presetID="10" presetClass="entr" presetSubtype="0" fill="hold" nodeType="clickEffect">
-                                  <p:stCondLst>
-                                    <p:cond delay="0"/>
-                                  </p:stCondLst>
-                                  <p:childTnLst>
-                                    <p:set>
-                                      <p:cBhvr>
-                                        <p:cTn id="6" dur="1" fill="hold">
-                                          <p:stCondLst>
-                                            <p:cond delay="0"/>
-                                          </p:stCondLst>
-                                        </p:cTn>
-                                        <p:tgtEl>
-                                          <p:spTgt spid="1026"/>
-                                        </p:tgtEl>
-                                        <p:attrNameLst>
-                                          <p:attrName>style.visibility</p:attrName>
-                                        </p:attrNameLst>
-                                      </p:cBhvr>
-                                      <p:to>
-                                        <p:strVal val="visible"/>
-                                      </p:to>
-                                    </p:set>
-                                    <p:animEffect transition="in" filter="fade">
-                                      <p:cBhvr>
-                                        <p:cTn id="7" dur="500"/>
-                                        <p:tgtEl>
-                                          <p:spTgt spid="1026"/>
-                                        </p:tgtEl>
-                                      </p:cBhvr>
-                                    </p:animEffect>
-                                  </p:childTnLst>
-                                </p:cTn>
-                              </p:par>
-                            </p:childTnLst>
-                          </p:cTn>
-                        </p:par>
-                      </p:childTnLst>
-                    </p:cTn>
-                  </p:par>
-                  <p:par>
-                    <p:cTn id="8" fill="hold">
-                      <p:stCondLst>
-                        <p:cond delay="indefinite"/>
-                      </p:stCondLst>
-                      <p:childTnLst>
-                        <p:par>
-                          <p:cTn id="9" fill="hold">
-                            <p:stCondLst>
-                              <p:cond delay="0"/>
-                            </p:stCondLst>
-                            <p:childTnLst>
-                              <p:par>
-                                <p:cTn id="10" presetID="16" presetClass="entr" presetSubtype="21" fill="hold" grpId="0" nodeType="clickEffect">
-                                  <p:stCondLst>
-                                    <p:cond delay="0"/>
-                                  </p:stCondLst>
-                                  <p:childTnLst>
-                                    <p:set>
-                                      <p:cBhvr>
-                                        <p:cTn id="11" dur="1" fill="hold">
-                                          <p:stCondLst>
-                                            <p:cond delay="0"/>
-                                          </p:stCondLst>
-                                        </p:cTn>
-                                        <p:tgtEl>
-                                          <p:spTgt spid="6"/>
-                                        </p:tgtEl>
-                                        <p:attrNameLst>
-                                          <p:attrName>style.visibility</p:attrName>
-                                        </p:attrNameLst>
-                                      </p:cBhvr>
-                                      <p:to>
-                                        <p:strVal val="visible"/>
-                                      </p:to>
-                                    </p:set>
-                                    <p:animEffect transition="in" filter="barn(inVertical)">
-                                      <p:cBhvr>
-                                        <p:cTn id="12" dur="500"/>
-                                        <p:tgtEl>
-                                          <p:spTgt spid="6"/>
-                                        </p:tgtEl>
-                                      </p:cBhvr>
-                                    </p:animEffect>
-                                  </p:childTnLst>
-                                </p:cTn>
-                              </p:par>
-                            </p:childTnLst>
-                          </p:cTn>
-                        </p:par>
-                      </p:childTnLst>
-                    </p:cTn>
-                  </p:par>
-                  <p:par>
-                    <p:cTn id="13" fill="hold">
-                      <p:stCondLst>
-                        <p:cond delay="indefinite"/>
-                      </p:stCondLst>
-                      <p:childTnLst>
-                        <p:par>
-                          <p:cTn id="14" fill="hold">
-                            <p:stCondLst>
-                              <p:cond delay="0"/>
-                            </p:stCondLst>
-                            <p:childTnLst>
-                              <p:par>
-                                <p:cTn id="15" presetID="22" presetClass="entr" presetSubtype="1" fill="hold" nodeType="clickEffect">
-                                  <p:stCondLst>
-                                    <p:cond delay="0"/>
-                                  </p:stCondLst>
-                                  <p:childTnLst>
-                                    <p:set>
-                                      <p:cBhvr>
-                                        <p:cTn id="16" dur="1" fill="hold">
-                                          <p:stCondLst>
-                                            <p:cond delay="0"/>
-                                          </p:stCondLst>
-                                        </p:cTn>
-                                        <p:tgtEl>
-                                          <p:spTgt spid="1027"/>
-                                        </p:tgtEl>
-                                        <p:attrNameLst>
-                                          <p:attrName>style.visibility</p:attrName>
-                                        </p:attrNameLst>
-                                      </p:cBhvr>
-                                      <p:to>
-                                        <p:strVal val="visible"/>
-                                      </p:to>
-                                    </p:set>
-                                    <p:animEffect transition="in" filter="wipe(up)">
-                                      <p:cBhvr>
-                                        <p:cTn id="17" dur="500"/>
-                                        <p:tgtEl>
-                                          <p:spTgt spid="1027"/>
-                                        </p:tgtEl>
-                                      </p:cBhvr>
-                                    </p:animEffect>
-                                  </p:childTnLst>
-                                </p:cTn>
-                              </p:par>
-                            </p:childTnLst>
-                          </p:cTn>
-                        </p:par>
-                      </p:childTnLst>
-                    </p:cTn>
-                  </p:par>
-                  <p:par>
-                    <p:cTn id="18" fill="hold">
-                      <p:stCondLst>
-                        <p:cond delay="indefinite"/>
-                      </p:stCondLst>
-                      <p:childTnLst>
-                        <p:par>
-                          <p:cTn id="19" fill="hold">
-                            <p:stCondLst>
-                              <p:cond delay="0"/>
-                            </p:stCondLst>
-                            <p:childTnLst>
-                              <p:par>
-                                <p:cTn id="20" presetID="1" presetClass="exit" presetSubtype="0" fill="hold" nodeType="clickEffect">
-                                  <p:stCondLst>
-                                    <p:cond delay="0"/>
-                                  </p:stCondLst>
-                                  <p:childTnLst>
-                                    <p:set>
-                                      <p:cBhvr>
-                                        <p:cTn id="21" dur="1" fill="hold">
-                                          <p:stCondLst>
-                                            <p:cond delay="0"/>
-                                          </p:stCondLst>
-                                        </p:cTn>
-                                        <p:tgtEl>
-                                          <p:spTgt spid="1027"/>
-                                        </p:tgtEl>
-                                        <p:attrNameLst>
-                                          <p:attrName>style.visibility</p:attrName>
-                                        </p:attrNameLst>
-                                      </p:cBhvr>
-                                      <p:to>
-                                        <p:strVal val="hidden"/>
-                                      </p:to>
-                                    </p:set>
-                                  </p:childTnLst>
-                                </p:cTn>
-                              </p:par>
-                            </p:childTnLst>
-                          </p:cTn>
-                        </p:par>
-                      </p:childTnLst>
-                    </p:cTn>
-                  </p:par>
-                </p:childTnLst>
-              </p:cTn>
-              <p:prevCondLst>
-                <p:cond evt="onPrev" delay="0">
-                  <p:tgtEl>
-                    <p:sldTgt/>
-                  </p:tgtEl>
-                </p:cond>
-              </p:prevCondLst>
-              <p:nextCondLst>
-                <p:cond evt="onNext" delay="0">
-                  <p:tgtEl>
-                    <p:sldTgt/>
-                  </p:tgtEl>
-                </p:cond>
-              </p:nextCondLst>
-            </p:seq>
-          </p:childTnLst>
-        </p:cTn>
-      </p:par>
-    </p:tnLst>
-    <p:bldLst>
-      <p:bldP spid="6" grpId="0" animBg="1"/>
-    </p:bldLst>
-  </p:timing>
-</p:sld>
-</file>
-
-<file path=ppt/slides/slide20.xml><?xml version="1.0" encoding="utf-8"?>
-<p:sld xmlns:a="http://schemas.openxmlformats.org/drawingml/2006/main" xmlns:r="http://schemas.openxmlformats.org/officeDocument/2006/relationships" xmlns:p="http://schemas.openxmlformats.org/presentationml/2006/main">
-  <p:cSld>
-    <p:spTree>
-      <p:nvGrpSpPr>
-        <p:cNvPr id="1" name=""/>
-        <p:cNvGrpSpPr/>
-        <p:nvPr/>
-      </p:nvGrpSpPr>
-      <p:grpSpPr>
-        <a:xfrm>
-          <a:off x="0" y="0"/>
-          <a:ext cx="0" cy="0"/>
-          <a:chOff x="0" y="0"/>
-          <a:chExt cx="0" cy="0"/>
-        </a:xfrm>
-      </p:grpSpPr>
-      <p:sp>
-        <p:nvSpPr>
-          <p:cNvPr id="3" name="Content Placeholder 2"/>
-          <p:cNvSpPr>
-            <a:spLocks noGrp="1"/>
-          </p:cNvSpPr>
-          <p:nvPr>
-            <p:ph idx="1"/>
-          </p:nvPr>
-        </p:nvSpPr>
-        <p:spPr/>
-        <p:txBody>
-          <a:bodyPr/>
-          <a:lstStyle/>
-          <a:p>
-            <a:r>
-              <a:rPr lang="en-US" dirty="0" smtClean="0"/>
-              <a:t>Web search is just one important area of information retrieval, but not all</a:t>
-            </a:r>
-          </a:p>
-          <a:p>
-            <a:r>
-              <a:rPr lang="en-US" dirty="0" smtClean="0"/>
-              <a:t>Information retrieval also includes</a:t>
-            </a:r>
-          </a:p>
-          <a:p>
-            <a:pPr lvl="1"/>
-            <a:r>
-              <a:rPr lang="en-US" dirty="0" smtClean="0"/>
-              <a:t>Text mining</a:t>
-            </a:r>
-          </a:p>
-        </p:txBody>
-      </p:sp>
-      <p:sp>
-        <p:nvSpPr>
-          <p:cNvPr id="2" name="Title 1"/>
-          <p:cNvSpPr>
-            <a:spLocks noGrp="1"/>
-          </p:cNvSpPr>
-          <p:nvPr>
-            <p:ph type="title"/>
-          </p:nvPr>
-        </p:nvSpPr>
-        <p:spPr/>
-        <p:txBody>
-          <a:bodyPr/>
-          <a:lstStyle/>
-          <a:p>
-            <a:r>
-              <a:rPr lang="en-US" dirty="0" smtClean="0"/>
-              <a:t>IR is not just about web search</a:t>
-            </a:r>
-            <a:endParaRPr lang="en-US" dirty="0"/>
-          </a:p>
-        </p:txBody>
-      </p:sp>
-      <p:sp>
-        <p:nvSpPr>
-          <p:cNvPr id="4" name="Date Placeholder 3"/>
-          <p:cNvSpPr>
-            <a:spLocks noGrp="1"/>
-          </p:cNvSpPr>
-          <p:nvPr>
-            <p:ph type="dt" sz="half" idx="10"/>
-          </p:nvPr>
-        </p:nvSpPr>
-        <p:spPr/>
-        <p:txBody>
-          <a:bodyPr/>
-          <a:lstStyle/>
-          <a:p>
-            <a:r>
-              <a:rPr lang="en-US" smtClean="0"/>
-              <a:t>CS@UVa</a:t>
-            </a:r>
-            <a:endParaRPr lang="en-US"/>
-          </a:p>
-        </p:txBody>
-      </p:sp>
-      <p:sp>
-        <p:nvSpPr>
-          <p:cNvPr id="5" name="Footer Placeholder 4"/>
-          <p:cNvSpPr>
-            <a:spLocks noGrp="1"/>
-          </p:cNvSpPr>
-          <p:nvPr>
-            <p:ph type="ftr" sz="quarter" idx="11"/>
-          </p:nvPr>
-        </p:nvSpPr>
-        <p:spPr/>
-        <p:txBody>
-          <a:bodyPr/>
-          <a:lstStyle/>
-          <a:p>
-            <a:r>
-              <a:rPr lang="en-US" smtClean="0"/>
-              <a:t>CS6501: Information Retrieval</a:t>
-            </a:r>
-            <a:endParaRPr lang="en-US"/>
-          </a:p>
-        </p:txBody>
-      </p:sp>
-      <p:sp>
-        <p:nvSpPr>
-          <p:cNvPr id="6" name="Slide Number Placeholder 5"/>
-          <p:cNvSpPr>
-            <a:spLocks noGrp="1"/>
-          </p:cNvSpPr>
-          <p:nvPr>
-            <p:ph type="sldNum" sz="quarter" idx="12"/>
-          </p:nvPr>
-        </p:nvSpPr>
-        <p:spPr/>
-        <p:txBody>
-          <a:bodyPr/>
-          <a:lstStyle/>
-          <a:p>
-            <a:fld id="{04D6BED6-93C9-4D43-B1C0-E2DD71716F4C}" type="slidenum">
-              <a:rPr lang="en-US" smtClean="0"/>
-              <a:t>20</a:t>
+              <a:t>21</a:t>
             </a:fld>
             <a:endParaRPr lang="en-US"/>
           </a:p>
@@ -14474,7 +15554,7 @@
 </p:sld>
 </file>
 
-<file path=ppt/slides/slide21.xml><?xml version="1.0" encoding="utf-8"?>
+<file path=ppt/slides/slide22.xml><?xml version="1.0" encoding="utf-8"?>
 <p:sld xmlns:a="http://schemas.openxmlformats.org/drawingml/2006/main" xmlns:r="http://schemas.openxmlformats.org/officeDocument/2006/relationships" xmlns:p="http://schemas.openxmlformats.org/presentationml/2006/main">
   <p:cSld>
     <p:spTree>
@@ -14737,7 +15817,7 @@
           <a:p>
             <a:r>
               <a:rPr lang="en-US" smtClean="0"/>
-              <a:t>CS6501: Information Retrieval</a:t>
+              <a:t>CS4501: Information Retrieval</a:t>
             </a:r>
             <a:endParaRPr lang="en-US"/>
           </a:p>
@@ -14760,7 +15840,7 @@
           <a:p>
             <a:fld id="{04D6BED6-93C9-4D43-B1C0-E2DD71716F4C}" type="slidenum">
               <a:rPr lang="en-US" smtClean="0"/>
-              <a:t>21</a:t>
+              <a:t>22</a:t>
             </a:fld>
             <a:endParaRPr lang="en-US"/>
           </a:p>
@@ -14786,7 +15866,7 @@
 </p:sld>
 </file>
 
-<file path=ppt/slides/slide22.xml><?xml version="1.0" encoding="utf-8"?>
+<file path=ppt/slides/slide23.xml><?xml version="1.0" encoding="utf-8"?>
 <p:sld xmlns:a="http://schemas.openxmlformats.org/drawingml/2006/main" xmlns:r="http://schemas.openxmlformats.org/officeDocument/2006/relationships" xmlns:p="http://schemas.openxmlformats.org/presentationml/2006/main">
   <p:cSld>
     <p:spTree>
@@ -14956,7 +16036,7 @@
           <a:p>
             <a:r>
               <a:rPr lang="en-US" smtClean="0"/>
-              <a:t>CS6501: Information Retrieval</a:t>
+              <a:t>CS4501: Information Retrieval</a:t>
             </a:r>
             <a:endParaRPr lang="en-US"/>
           </a:p>
@@ -14979,7 +16059,7 @@
           <a:p>
             <a:fld id="{04D6BED6-93C9-4D43-B1C0-E2DD71716F4C}" type="slidenum">
               <a:rPr lang="en-US" smtClean="0"/>
-              <a:t>22</a:t>
+              <a:t>23</a:t>
             </a:fld>
             <a:endParaRPr lang="en-US"/>
           </a:p>
@@ -15005,7 +16085,7 @@
 </p:sld>
 </file>
 
-<file path=ppt/slides/slide23.xml><?xml version="1.0" encoding="utf-8"?>
+<file path=ppt/slides/slide24.xml><?xml version="1.0" encoding="utf-8"?>
 <p:sld xmlns:a="http://schemas.openxmlformats.org/drawingml/2006/main" xmlns:r="http://schemas.openxmlformats.org/officeDocument/2006/relationships" xmlns:p="http://schemas.openxmlformats.org/presentationml/2006/main">
   <p:cSld>
     <p:spTree>
@@ -16498,7 +17578,7 @@
           <a:p>
             <a:r>
               <a:rPr lang="en-US" smtClean="0"/>
-              <a:t>CS6501: Information Retrieval</a:t>
+              <a:t>CS4501: Information Retrieval</a:t>
             </a:r>
             <a:endParaRPr lang="en-US"/>
           </a:p>
@@ -16507,297 +17587,6 @@
       <p:sp>
         <p:nvSpPr>
           <p:cNvPr id="5" name="Slide Number Placeholder 4"/>
-          <p:cNvSpPr>
-            <a:spLocks noGrp="1"/>
-          </p:cNvSpPr>
-          <p:nvPr>
-            <p:ph type="sldNum" sz="quarter" idx="12"/>
-          </p:nvPr>
-        </p:nvSpPr>
-        <p:spPr/>
-        <p:txBody>
-          <a:bodyPr/>
-          <a:lstStyle/>
-          <a:p>
-            <a:fld id="{04D6BED6-93C9-4D43-B1C0-E2DD71716F4C}" type="slidenum">
-              <a:rPr lang="en-US" smtClean="0"/>
-              <a:t>23</a:t>
-            </a:fld>
-            <a:endParaRPr lang="en-US"/>
-          </a:p>
-        </p:txBody>
-      </p:sp>
-    </p:spTree>
-    <p:extLst>
-      <p:ext uri="{BB962C8B-B14F-4D97-AF65-F5344CB8AC3E}">
-        <p14:creationId xmlns:p14="http://schemas.microsoft.com/office/powerpoint/2010/main" val="1965087472"/>
-      </p:ext>
-    </p:extLst>
-  </p:cSld>
-  <p:clrMapOvr>
-    <a:masterClrMapping/>
-  </p:clrMapOvr>
-  <p:timing>
-    <p:tnLst>
-      <p:par>
-        <p:cTn id="1" dur="indefinite" restart="never" nodeType="tmRoot"/>
-      </p:par>
-    </p:tnLst>
-  </p:timing>
-</p:sld>
-</file>
-
-<file path=ppt/slides/slide24.xml><?xml version="1.0" encoding="utf-8"?>
-<p:sld xmlns:a="http://schemas.openxmlformats.org/drawingml/2006/main" xmlns:r="http://schemas.openxmlformats.org/officeDocument/2006/relationships" xmlns:p="http://schemas.openxmlformats.org/presentationml/2006/main">
-  <p:cSld>
-    <p:spTree>
-      <p:nvGrpSpPr>
-        <p:cNvPr id="1" name=""/>
-        <p:cNvGrpSpPr/>
-        <p:nvPr/>
-      </p:nvGrpSpPr>
-      <p:grpSpPr>
-        <a:xfrm>
-          <a:off x="0" y="0"/>
-          <a:ext cx="0" cy="0"/>
-          <a:chOff x="0" y="0"/>
-          <a:chExt cx="0" cy="0"/>
-        </a:xfrm>
-      </p:grpSpPr>
-      <p:sp>
-        <p:nvSpPr>
-          <p:cNvPr id="2" name="Title 1"/>
-          <p:cNvSpPr>
-            <a:spLocks noGrp="1"/>
-          </p:cNvSpPr>
-          <p:nvPr>
-            <p:ph type="title"/>
-          </p:nvPr>
-        </p:nvSpPr>
-        <p:spPr/>
-        <p:txBody>
-          <a:bodyPr/>
-          <a:lstStyle/>
-          <a:p>
-            <a:r>
-              <a:rPr lang="en-US" dirty="0" smtClean="0"/>
-              <a:t>IR </a:t>
-            </a:r>
-            <a:r>
-              <a:rPr lang="en-US" dirty="0" err="1" smtClean="0"/>
-              <a:t>v.s</a:t>
-            </a:r>
-            <a:r>
-              <a:rPr lang="en-US" dirty="0" smtClean="0"/>
-              <a:t>. DBs</a:t>
-            </a:r>
-            <a:endParaRPr lang="en-US" dirty="0"/>
-          </a:p>
-        </p:txBody>
-      </p:sp>
-      <p:sp>
-        <p:nvSpPr>
-          <p:cNvPr id="3" name="Content Placeholder 2"/>
-          <p:cNvSpPr>
-            <a:spLocks noGrp="1"/>
-          </p:cNvSpPr>
-          <p:nvPr>
-            <p:ph sz="half" idx="1"/>
-          </p:nvPr>
-        </p:nvSpPr>
-        <p:spPr/>
-        <p:txBody>
-          <a:bodyPr>
-            <a:normAutofit/>
-          </a:bodyPr>
-          <a:lstStyle/>
-          <a:p>
-            <a:r>
-              <a:rPr lang="en-US" dirty="0"/>
-              <a:t>Information Retrieval:</a:t>
-            </a:r>
-          </a:p>
-          <a:p>
-            <a:pPr lvl="1"/>
-            <a:r>
-              <a:rPr lang="en-US" dirty="0" smtClean="0"/>
-              <a:t>Unstructured data</a:t>
-            </a:r>
-          </a:p>
-          <a:p>
-            <a:pPr lvl="1"/>
-            <a:r>
-              <a:rPr lang="en-US" dirty="0" smtClean="0"/>
-              <a:t>Semantics </a:t>
-            </a:r>
-            <a:r>
-              <a:rPr lang="en-US" dirty="0"/>
-              <a:t>of object are subjective</a:t>
-            </a:r>
-          </a:p>
-          <a:p>
-            <a:pPr lvl="1"/>
-            <a:r>
-              <a:rPr lang="en-US" dirty="0"/>
-              <a:t>Simple key work queries </a:t>
-            </a:r>
-          </a:p>
-          <a:p>
-            <a:pPr lvl="1"/>
-            <a:r>
-              <a:rPr lang="en-US" dirty="0"/>
-              <a:t>Relevance-drive retrieval</a:t>
-            </a:r>
-          </a:p>
-          <a:p>
-            <a:pPr lvl="1"/>
-            <a:r>
-              <a:rPr lang="en-US" dirty="0"/>
-              <a:t>Effectiveness is primary issue, </a:t>
-            </a:r>
-            <a:r>
-              <a:rPr lang="en-US" dirty="0" smtClean="0"/>
-              <a:t>though </a:t>
-            </a:r>
-            <a:r>
-              <a:rPr lang="en-US" dirty="0"/>
-              <a:t>efficiency is </a:t>
-            </a:r>
-            <a:r>
-              <a:rPr lang="en-US" dirty="0" smtClean="0"/>
-              <a:t>also important</a:t>
-            </a:r>
-            <a:endParaRPr lang="en-US" dirty="0"/>
-          </a:p>
-          <a:p>
-            <a:endParaRPr lang="en-US" dirty="0" smtClean="0"/>
-          </a:p>
-          <a:p>
-            <a:pPr lvl="1"/>
-            <a:endParaRPr lang="en-US" dirty="0"/>
-          </a:p>
-        </p:txBody>
-      </p:sp>
-      <p:sp>
-        <p:nvSpPr>
-          <p:cNvPr id="4" name="Content Placeholder 3"/>
-          <p:cNvSpPr>
-            <a:spLocks noGrp="1"/>
-          </p:cNvSpPr>
-          <p:nvPr>
-            <p:ph sz="half" idx="2"/>
-          </p:nvPr>
-        </p:nvSpPr>
-        <p:spPr/>
-        <p:txBody>
-          <a:bodyPr>
-            <a:normAutofit/>
-          </a:bodyPr>
-          <a:lstStyle/>
-          <a:p>
-            <a:r>
-              <a:rPr lang="en-US" dirty="0"/>
-              <a:t>Database Systems:</a:t>
-            </a:r>
-          </a:p>
-          <a:p>
-            <a:pPr lvl="1"/>
-            <a:r>
-              <a:rPr lang="en-US" dirty="0" smtClean="0"/>
-              <a:t>Structured data</a:t>
-            </a:r>
-          </a:p>
-          <a:p>
-            <a:pPr lvl="1"/>
-            <a:r>
-              <a:rPr lang="en-US" dirty="0" smtClean="0"/>
-              <a:t>Semantics </a:t>
-            </a:r>
-            <a:r>
-              <a:rPr lang="en-US" dirty="0"/>
-              <a:t>of each object are well defined</a:t>
-            </a:r>
-          </a:p>
-          <a:p>
-            <a:pPr lvl="1"/>
-            <a:r>
-              <a:rPr lang="en-US" dirty="0"/>
-              <a:t>Structured query languages (e.g., SQL)</a:t>
-            </a:r>
-          </a:p>
-          <a:p>
-            <a:pPr lvl="1"/>
-            <a:r>
-              <a:rPr lang="en-US" dirty="0"/>
-              <a:t>Exact retrieval </a:t>
-            </a:r>
-            <a:endParaRPr lang="en-US" dirty="0" smtClean="0"/>
-          </a:p>
-          <a:p>
-            <a:pPr lvl="1"/>
-            <a:r>
-              <a:rPr lang="en-US" dirty="0" smtClean="0"/>
-              <a:t>Emphasis </a:t>
-            </a:r>
-            <a:r>
-              <a:rPr lang="en-US" dirty="0"/>
-              <a:t>on efficiency</a:t>
-            </a:r>
-          </a:p>
-          <a:p>
-            <a:endParaRPr lang="en-US" dirty="0"/>
-          </a:p>
-        </p:txBody>
-      </p:sp>
-      <p:sp>
-        <p:nvSpPr>
-          <p:cNvPr id="5" name="Date Placeholder 4"/>
-          <p:cNvSpPr>
-            <a:spLocks noGrp="1"/>
-          </p:cNvSpPr>
-          <p:nvPr>
-            <p:ph type="dt" sz="half" idx="10"/>
-          </p:nvPr>
-        </p:nvSpPr>
-        <p:spPr/>
-        <p:txBody>
-          <a:bodyPr/>
-          <a:lstStyle/>
-          <a:p>
-            <a:r>
-              <a:rPr lang="en-US" smtClean="0"/>
-              <a:t>CS@UVa</a:t>
-            </a:r>
-            <a:endParaRPr lang="en-US"/>
-          </a:p>
-        </p:txBody>
-      </p:sp>
-      <p:sp>
-        <p:nvSpPr>
-          <p:cNvPr id="6" name="Footer Placeholder 5"/>
-          <p:cNvSpPr>
-            <a:spLocks noGrp="1"/>
-          </p:cNvSpPr>
-          <p:nvPr>
-            <p:ph type="ftr" sz="quarter" idx="11"/>
-          </p:nvPr>
-        </p:nvSpPr>
-        <p:spPr/>
-        <p:txBody>
-          <a:bodyPr/>
-          <a:lstStyle/>
-          <a:p>
-            <a:r>
-              <a:rPr lang="en-US" smtClean="0"/>
-              <a:t>CS6501: Information Retrieval</a:t>
-            </a:r>
-            <a:endParaRPr lang="en-US"/>
-          </a:p>
-        </p:txBody>
-      </p:sp>
-      <p:sp>
-        <p:nvSpPr>
-          <p:cNvPr id="7" name="Slide Number Placeholder 6"/>
           <p:cNvSpPr>
             <a:spLocks noGrp="1"/>
           </p:cNvSpPr>
@@ -16821,7 +17610,7 @@
     </p:spTree>
     <p:extLst>
       <p:ext uri="{BB962C8B-B14F-4D97-AF65-F5344CB8AC3E}">
-        <p14:creationId xmlns:p14="http://schemas.microsoft.com/office/powerpoint/2010/main" val="4258081373"/>
+        <p14:creationId xmlns:p14="http://schemas.microsoft.com/office/powerpoint/2010/main" val="1965087472"/>
       </p:ext>
     </p:extLst>
   </p:cSld>
@@ -16871,12 +17660,16 @@
           <a:lstStyle/>
           <a:p>
             <a:r>
-              <a:rPr lang="en-US" dirty="0"/>
+              <a:rPr lang="en-US" dirty="0" smtClean="0"/>
               <a:t>IR </a:t>
             </a:r>
             <a:r>
+              <a:rPr lang="en-US" dirty="0" err="1" smtClean="0"/>
+              <a:t>v.s</a:t>
+            </a:r>
+            <a:r>
               <a:rPr lang="en-US" dirty="0" smtClean="0"/>
-              <a:t>and DBs are getting closer</a:t>
+              <a:t>. DBs</a:t>
             </a:r>
             <a:endParaRPr lang="en-US" dirty="0"/>
           </a:p>
@@ -16894,35 +17687,89 @@
         </p:nvSpPr>
         <p:spPr/>
         <p:txBody>
-          <a:bodyPr/>
-          <a:lstStyle/>
-          <a:p>
+          <a:bodyPr>
+            <a:normAutofit/>
+          </a:bodyPr>
+          <a:lstStyle/>
+          <a:p>
+            <a:r>
+              <a:rPr lang="en-US" dirty="0"/>
+              <a:t>Information Retrieval:</a:t>
+            </a:r>
+          </a:p>
+          <a:p>
+            <a:pPr lvl="1"/>
             <a:r>
               <a:rPr lang="en-US" dirty="0" smtClean="0"/>
-              <a:t>IR =&gt; DBs</a:t>
+              <a:t>Unstructured data</a:t>
             </a:r>
           </a:p>
           <a:p>
             <a:pPr lvl="1"/>
             <a:r>
               <a:rPr lang="en-US" dirty="0" smtClean="0"/>
-              <a:t>Approximate search is available in DBs</a:t>
+              <a:t>Semantics </a:t>
+            </a:r>
+            <a:r>
+              <a:rPr lang="en-US" dirty="0"/>
+              <a:t>of object are subjective</a:t>
             </a:r>
           </a:p>
           <a:p>
             <a:pPr lvl="1"/>
             <a:r>
-              <a:rPr lang="en-US" dirty="0" err="1" smtClean="0"/>
-              <a:t>Eg</a:t>
+              <a:rPr lang="en-US" dirty="0"/>
+              <a:t>Simple </a:t>
             </a:r>
             <a:r>
               <a:rPr lang="en-US" dirty="0" smtClean="0"/>
-              <a:t>. in </a:t>
-            </a:r>
-            <a:r>
-              <a:rPr lang="en-US" dirty="0" err="1" smtClean="0"/>
-              <a:t>mySQL</a:t>
-            </a:r>
+              <a:t>keywor</a:t>
+            </a:r>
+            <a:r>
+              <a:rPr lang="en-US" altLang="zh-CN" dirty="0" smtClean="0"/>
+              <a:t>d</a:t>
+            </a:r>
+            <a:r>
+              <a:rPr lang="en-US" dirty="0" smtClean="0"/>
+              <a:t> </a:t>
+            </a:r>
+            <a:r>
+              <a:rPr lang="en-US" dirty="0"/>
+              <a:t>queries </a:t>
+            </a:r>
+          </a:p>
+          <a:p>
+            <a:pPr lvl="1"/>
+            <a:r>
+              <a:rPr lang="en-US" dirty="0"/>
+              <a:t>Relevance-drive retrieval</a:t>
+            </a:r>
+          </a:p>
+          <a:p>
+            <a:pPr lvl="1"/>
+            <a:r>
+              <a:rPr lang="en-US" dirty="0"/>
+              <a:t>Effectiveness is primary issue, </a:t>
+            </a:r>
+            <a:r>
+              <a:rPr lang="en-US" dirty="0" smtClean="0"/>
+              <a:t>though </a:t>
+            </a:r>
+            <a:r>
+              <a:rPr lang="en-US" dirty="0"/>
+              <a:t>efficiency is </a:t>
+            </a:r>
+            <a:r>
+              <a:rPr lang="en-US" dirty="0" smtClean="0"/>
+              <a:t>also important</a:t>
+            </a:r>
+            <a:endParaRPr lang="en-US" dirty="0"/>
+          </a:p>
+          <a:p>
+            <a:endParaRPr lang="en-US" dirty="0" smtClean="0"/>
+          </a:p>
+          <a:p>
+            <a:pPr lvl="1"/>
             <a:endParaRPr lang="en-US" dirty="0"/>
           </a:p>
         </p:txBody>
@@ -16937,136 +17784,70 @@
             <p:ph sz="half" idx="2"/>
           </p:nvPr>
         </p:nvSpPr>
-        <p:spPr>
-          <a:xfrm>
-            <a:off x="4648200" y="1600200"/>
-            <a:ext cx="4191000" cy="4525963"/>
-          </a:xfrm>
-        </p:spPr>
-        <p:txBody>
-          <a:bodyPr/>
-          <a:lstStyle/>
-          <a:p>
+        <p:spPr/>
+        <p:txBody>
+          <a:bodyPr>
+            <a:normAutofit/>
+          </a:bodyPr>
+          <a:lstStyle/>
+          <a:p>
+            <a:r>
+              <a:rPr lang="en-US" dirty="0"/>
+              <a:t>Database Systems:</a:t>
+            </a:r>
+          </a:p>
+          <a:p>
+            <a:pPr lvl="1"/>
             <a:r>
               <a:rPr lang="en-US" dirty="0" smtClean="0"/>
-              <a:t>DBs =&gt; IR</a:t>
+              <a:t>Structured data</a:t>
             </a:r>
           </a:p>
           <a:p>
             <a:pPr lvl="1"/>
             <a:r>
+              <a:rPr lang="en-US" dirty="0" smtClean="0"/>
+              <a:t>Semantics </a:t>
+            </a:r>
+            <a:r>
               <a:rPr lang="en-US" dirty="0"/>
-              <a:t>Use information extraction to convert unstructured data to structured data</a:t>
+              <a:t>of each object are well defined</a:t>
             </a:r>
           </a:p>
           <a:p>
             <a:pPr lvl="1"/>
             <a:r>
               <a:rPr lang="en-US" dirty="0"/>
-              <a:t>Semi-structured representation: XML data; queries with structured information</a:t>
+              <a:t>Structured query languages (e.g., SQL)</a:t>
             </a:r>
           </a:p>
           <a:p>
             <a:pPr lvl="1"/>
+            <a:r>
+              <a:rPr lang="en-US" dirty="0"/>
+              <a:t>Exact retrieval </a:t>
+            </a:r>
+            <a:endParaRPr lang="en-US" dirty="0" smtClean="0"/>
+          </a:p>
+          <a:p>
+            <a:pPr lvl="1"/>
+            <a:r>
+              <a:rPr lang="en-US" dirty="0" smtClean="0"/>
+              <a:t>Emphasis </a:t>
+            </a:r>
+            <a:r>
+              <a:rPr lang="en-US" dirty="0"/>
+              <a:t>on efficiency</a:t>
+            </a:r>
+          </a:p>
+          <a:p>
             <a:endParaRPr lang="en-US" dirty="0"/>
           </a:p>
         </p:txBody>
       </p:sp>
       <p:sp>
         <p:nvSpPr>
-          <p:cNvPr id="5" name="TextBox 4"/>
-          <p:cNvSpPr txBox="1"/>
-          <p:nvPr/>
-        </p:nvSpPr>
-        <p:spPr>
-          <a:xfrm>
-            <a:off x="762000" y="3733800"/>
-            <a:ext cx="3505200" cy="830997"/>
-          </a:xfrm>
-          <a:prstGeom prst="rect">
-            <a:avLst/>
-          </a:prstGeom>
-          <a:noFill/>
-        </p:spPr>
-        <p:txBody>
-          <a:bodyPr wrap="square" rtlCol="0">
-            <a:spAutoFit/>
-          </a:bodyPr>
-          <a:lstStyle/>
-          <a:p>
-            <a:r>
-              <a:rPr lang="en-US" sz="1600" b="1" dirty="0" err="1">
-                <a:latin typeface="Arial" panose="020B0604020202020204" pitchFamily="34" charset="0"/>
-                <a:cs typeface="Arial" panose="020B0604020202020204" pitchFamily="34" charset="0"/>
-              </a:rPr>
-              <a:t>mysql</a:t>
-            </a:r>
-            <a:r>
-              <a:rPr lang="en-US" sz="1600" b="1" dirty="0">
-                <a:latin typeface="Arial" panose="020B0604020202020204" pitchFamily="34" charset="0"/>
-                <a:cs typeface="Arial" panose="020B0604020202020204" pitchFamily="34" charset="0"/>
-              </a:rPr>
-              <a:t>&gt; SELECT * FROM articles</a:t>
-            </a:r>
-          </a:p>
-          <a:p>
-            <a:r>
-              <a:rPr lang="en-US" sz="1600" b="1" dirty="0">
-                <a:latin typeface="Arial" panose="020B0604020202020204" pitchFamily="34" charset="0"/>
-                <a:cs typeface="Arial" panose="020B0604020202020204" pitchFamily="34" charset="0"/>
-              </a:rPr>
-              <a:t>    -&gt; WHERE MATCH (</a:t>
-            </a:r>
-            <a:r>
-              <a:rPr lang="en-US" sz="1600" b="1" dirty="0" err="1">
-                <a:latin typeface="Arial" panose="020B0604020202020204" pitchFamily="34" charset="0"/>
-                <a:cs typeface="Arial" panose="020B0604020202020204" pitchFamily="34" charset="0"/>
-              </a:rPr>
-              <a:t>title,body</a:t>
-            </a:r>
-            <a:r>
-              <a:rPr lang="en-US" sz="1600" b="1" dirty="0">
-                <a:latin typeface="Arial" panose="020B0604020202020204" pitchFamily="34" charset="0"/>
-                <a:cs typeface="Arial" panose="020B0604020202020204" pitchFamily="34" charset="0"/>
-              </a:rPr>
-              <a:t>) </a:t>
-            </a:r>
-            <a:r>
-              <a:rPr lang="en-US" sz="1600" b="1" dirty="0" smtClean="0">
-                <a:latin typeface="Arial" panose="020B0604020202020204" pitchFamily="34" charset="0"/>
-                <a:cs typeface="Arial" panose="020B0604020202020204" pitchFamily="34" charset="0"/>
-              </a:rPr>
-              <a:t>     </a:t>
-            </a:r>
-          </a:p>
-          <a:p>
-            <a:r>
-              <a:rPr lang="en-US" sz="1600" b="1" dirty="0">
-                <a:latin typeface="Arial" panose="020B0604020202020204" pitchFamily="34" charset="0"/>
-                <a:cs typeface="Arial" panose="020B0604020202020204" pitchFamily="34" charset="0"/>
-              </a:rPr>
-              <a:t> </a:t>
-            </a:r>
-            <a:r>
-              <a:rPr lang="en-US" sz="1600" b="1" dirty="0" smtClean="0">
-                <a:latin typeface="Arial" panose="020B0604020202020204" pitchFamily="34" charset="0"/>
-                <a:cs typeface="Arial" panose="020B0604020202020204" pitchFamily="34" charset="0"/>
-              </a:rPr>
-              <a:t>        AGAINST </a:t>
-            </a:r>
-            <a:r>
-              <a:rPr lang="en-US" sz="1600" b="1" dirty="0">
-                <a:latin typeface="Arial" panose="020B0604020202020204" pitchFamily="34" charset="0"/>
-                <a:cs typeface="Arial" panose="020B0604020202020204" pitchFamily="34" charset="0"/>
-              </a:rPr>
-              <a:t>('database');</a:t>
-            </a:r>
-          </a:p>
-        </p:txBody>
-      </p:sp>
-      <p:sp>
-        <p:nvSpPr>
-          <p:cNvPr id="6" name="Date Placeholder 5"/>
+          <p:cNvPr id="5" name="Date Placeholder 4"/>
           <p:cNvSpPr>
             <a:spLocks noGrp="1"/>
           </p:cNvSpPr>
@@ -17089,7 +17870,7 @@
       </p:sp>
       <p:sp>
         <p:nvSpPr>
-          <p:cNvPr id="7" name="Footer Placeholder 6"/>
+          <p:cNvPr id="6" name="Footer Placeholder 5"/>
           <p:cNvSpPr>
             <a:spLocks noGrp="1"/>
           </p:cNvSpPr>
@@ -17104,7 +17885,7 @@
           <a:p>
             <a:r>
               <a:rPr lang="en-US" smtClean="0"/>
-              <a:t>CS6501: Information Retrieval</a:t>
+              <a:t>CS4501: Information Retrieval</a:t>
             </a:r>
             <a:endParaRPr lang="en-US"/>
           </a:p>
@@ -17112,7 +17893,7 @@
       </p:sp>
       <p:sp>
         <p:nvSpPr>
-          <p:cNvPr id="8" name="Slide Number Placeholder 7"/>
+          <p:cNvPr id="7" name="Slide Number Placeholder 6"/>
           <p:cNvSpPr>
             <a:spLocks noGrp="1"/>
           </p:cNvSpPr>
@@ -17136,7 +17917,7 @@
     </p:spTree>
     <p:extLst>
       <p:ext uri="{BB962C8B-B14F-4D97-AF65-F5344CB8AC3E}">
-        <p14:creationId xmlns:p14="http://schemas.microsoft.com/office/powerpoint/2010/main" val="1066128477"/>
+        <p14:creationId xmlns:p14="http://schemas.microsoft.com/office/powerpoint/2010/main" val="4258081373"/>
       </p:ext>
     </p:extLst>
   </p:cSld>
@@ -17186,16 +17967,12 @@
           <a:lstStyle/>
           <a:p>
             <a:r>
+              <a:rPr lang="en-US" dirty="0"/>
+              <a:t>IR </a:t>
+            </a:r>
+            <a:r>
               <a:rPr lang="en-US" dirty="0" smtClean="0"/>
-              <a:t>IR </a:t>
-            </a:r>
-            <a:r>
-              <a:rPr lang="en-US" dirty="0" err="1" smtClean="0"/>
-              <a:t>v.s</a:t>
-            </a:r>
-            <a:r>
-              <a:rPr lang="en-US" dirty="0" smtClean="0"/>
-              <a:t>. NLP</a:t>
+              <a:t>and DBs are getting closer</a:t>
             </a:r>
             <a:endParaRPr lang="en-US" dirty="0"/>
           </a:p>
@@ -17218,28 +17995,29 @@
           <a:p>
             <a:r>
               <a:rPr lang="en-US" dirty="0" smtClean="0"/>
-              <a:t>Information retrieval</a:t>
+              <a:t>IR =&gt; DBs</a:t>
             </a:r>
           </a:p>
           <a:p>
             <a:pPr lvl="1"/>
             <a:r>
               <a:rPr lang="en-US" dirty="0" smtClean="0"/>
-              <a:t>Computational approaches</a:t>
+              <a:t>Approximate search is available in DBs</a:t>
             </a:r>
           </a:p>
           <a:p>
             <a:pPr lvl="1"/>
             <a:r>
+              <a:rPr lang="en-US" dirty="0" err="1" smtClean="0"/>
+              <a:t>Eg</a:t>
+            </a:r>
+            <a:r>
               <a:rPr lang="en-US" dirty="0" smtClean="0"/>
-              <a:t>Statistical (shallow) understanding of language</a:t>
-            </a:r>
-          </a:p>
-          <a:p>
-            <a:pPr lvl="1"/>
-            <a:r>
-              <a:rPr lang="en-US" dirty="0" smtClean="0"/>
-              <a:t>Handle large scale problems</a:t>
+              <a:t>. in </a:t>
+            </a:r>
+            <a:r>
+              <a:rPr lang="en-US" dirty="0" err="1" smtClean="0"/>
+              <a:t>mySQL</a:t>
             </a:r>
             <a:endParaRPr lang="en-US" dirty="0"/>
           </a:p>
@@ -17255,47 +18033,136 @@
             <p:ph sz="half" idx="2"/>
           </p:nvPr>
         </p:nvSpPr>
-        <p:spPr/>
+        <p:spPr>
+          <a:xfrm>
+            <a:off x="4648200" y="1600200"/>
+            <a:ext cx="4191000" cy="4525963"/>
+          </a:xfrm>
+        </p:spPr>
         <p:txBody>
           <a:bodyPr/>
           <a:lstStyle/>
           <a:p>
             <a:r>
               <a:rPr lang="en-US" dirty="0" smtClean="0"/>
-              <a:t>Natural language processing</a:t>
+              <a:t>DBs =&gt; IR</a:t>
             </a:r>
           </a:p>
           <a:p>
             <a:pPr lvl="1"/>
             <a:r>
-              <a:rPr lang="en-US" altLang="en-US" dirty="0"/>
-              <a:t>Cognitive, symbolic and computational </a:t>
-            </a:r>
-            <a:r>
-              <a:rPr lang="en-US" altLang="en-US" dirty="0" smtClean="0"/>
-              <a:t>approaches</a:t>
+              <a:rPr lang="en-US" dirty="0"/>
+              <a:t>Use information extraction to convert unstructured data to structured data</a:t>
             </a:r>
           </a:p>
           <a:p>
             <a:pPr lvl="1"/>
             <a:r>
-              <a:rPr lang="en-US" dirty="0" smtClean="0"/>
-              <a:t>Semantic (deep) understanding of language</a:t>
+              <a:rPr lang="en-US" dirty="0"/>
+              <a:t>Semi-structured representation: XML data; queries with structured information</a:t>
             </a:r>
           </a:p>
           <a:p>
             <a:pPr lvl="1"/>
-            <a:r>
-              <a:rPr lang="en-US" dirty="0" smtClean="0"/>
-              <a:t>(often times) small scale problems</a:t>
-            </a:r>
             <a:endParaRPr lang="en-US" dirty="0"/>
           </a:p>
         </p:txBody>
       </p:sp>
       <p:sp>
         <p:nvSpPr>
-          <p:cNvPr id="5" name="Date Placeholder 4"/>
+          <p:cNvPr id="5" name="TextBox 4"/>
+          <p:cNvSpPr txBox="1"/>
+          <p:nvPr/>
+        </p:nvSpPr>
+        <p:spPr>
+          <a:xfrm>
+            <a:off x="762000" y="3733800"/>
+            <a:ext cx="3505200" cy="830997"/>
+          </a:xfrm>
+          <a:prstGeom prst="rect">
+            <a:avLst/>
+          </a:prstGeom>
+          <a:noFill/>
+        </p:spPr>
+        <p:txBody>
+          <a:bodyPr wrap="square" rtlCol="0">
+            <a:spAutoFit/>
+          </a:bodyPr>
+          <a:lstStyle/>
+          <a:p>
+            <a:r>
+              <a:rPr lang="en-US" sz="1600" b="1" dirty="0" err="1">
+                <a:latin typeface="Arial" panose="020B0604020202020204" pitchFamily="34" charset="0"/>
+                <a:cs typeface="Arial" panose="020B0604020202020204" pitchFamily="34" charset="0"/>
+              </a:rPr>
+              <a:t>mysql</a:t>
+            </a:r>
+            <a:r>
+              <a:rPr lang="en-US" sz="1600" b="1" dirty="0">
+                <a:latin typeface="Arial" panose="020B0604020202020204" pitchFamily="34" charset="0"/>
+                <a:cs typeface="Arial" panose="020B0604020202020204" pitchFamily="34" charset="0"/>
+              </a:rPr>
+              <a:t>&gt; SELECT * FROM articles</a:t>
+            </a:r>
+          </a:p>
+          <a:p>
+            <a:r>
+              <a:rPr lang="en-US" sz="1600" b="1" dirty="0">
+                <a:latin typeface="Arial" panose="020B0604020202020204" pitchFamily="34" charset="0"/>
+                <a:cs typeface="Arial" panose="020B0604020202020204" pitchFamily="34" charset="0"/>
+              </a:rPr>
+              <a:t>    -&gt; WHERE MATCH (</a:t>
+            </a:r>
+            <a:r>
+              <a:rPr lang="en-US" sz="1600" b="1" dirty="0" err="1">
+                <a:latin typeface="Arial" panose="020B0604020202020204" pitchFamily="34" charset="0"/>
+                <a:cs typeface="Arial" panose="020B0604020202020204" pitchFamily="34" charset="0"/>
+              </a:rPr>
+              <a:t>title,body</a:t>
+            </a:r>
+            <a:r>
+              <a:rPr lang="en-US" sz="1600" b="1" dirty="0">
+                <a:latin typeface="Arial" panose="020B0604020202020204" pitchFamily="34" charset="0"/>
+                <a:cs typeface="Arial" panose="020B0604020202020204" pitchFamily="34" charset="0"/>
+              </a:rPr>
+              <a:t>) </a:t>
+            </a:r>
+            <a:r>
+              <a:rPr lang="en-US" sz="1600" b="1" dirty="0" smtClean="0">
+                <a:latin typeface="Arial" panose="020B0604020202020204" pitchFamily="34" charset="0"/>
+                <a:cs typeface="Arial" panose="020B0604020202020204" pitchFamily="34" charset="0"/>
+              </a:rPr>
+              <a:t>     </a:t>
+            </a:r>
+          </a:p>
+          <a:p>
+            <a:r>
+              <a:rPr lang="en-US" sz="1600" b="1" dirty="0">
+                <a:latin typeface="Arial" panose="020B0604020202020204" pitchFamily="34" charset="0"/>
+                <a:cs typeface="Arial" panose="020B0604020202020204" pitchFamily="34" charset="0"/>
+              </a:rPr>
+              <a:t> </a:t>
+            </a:r>
+            <a:r>
+              <a:rPr lang="en-US" sz="1600" b="1" dirty="0" smtClean="0">
+                <a:latin typeface="Arial" panose="020B0604020202020204" pitchFamily="34" charset="0"/>
+                <a:cs typeface="Arial" panose="020B0604020202020204" pitchFamily="34" charset="0"/>
+              </a:rPr>
+              <a:t>        AGAINST </a:t>
+            </a:r>
+            <a:r>
+              <a:rPr lang="en-US" sz="1600" b="1" dirty="0">
+                <a:latin typeface="Arial" panose="020B0604020202020204" pitchFamily="34" charset="0"/>
+                <a:cs typeface="Arial" panose="020B0604020202020204" pitchFamily="34" charset="0"/>
+              </a:rPr>
+              <a:t>('database');</a:t>
+            </a:r>
+          </a:p>
+        </p:txBody>
+      </p:sp>
+      <p:sp>
+        <p:nvSpPr>
+          <p:cNvPr id="6" name="Date Placeholder 5"/>
           <p:cNvSpPr>
             <a:spLocks noGrp="1"/>
           </p:cNvSpPr>
@@ -17318,7 +18185,7 @@
       </p:sp>
       <p:sp>
         <p:nvSpPr>
-          <p:cNvPr id="6" name="Footer Placeholder 5"/>
+          <p:cNvPr id="7" name="Footer Placeholder 6"/>
           <p:cNvSpPr>
             <a:spLocks noGrp="1"/>
           </p:cNvSpPr>
@@ -17333,7 +18200,7 @@
           <a:p>
             <a:r>
               <a:rPr lang="en-US" smtClean="0"/>
-              <a:t>CS6501: Information Retrieval</a:t>
+              <a:t>CS4501: Information Retrieval</a:t>
             </a:r>
             <a:endParaRPr lang="en-US"/>
           </a:p>
@@ -17341,7 +18208,7 @@
       </p:sp>
       <p:sp>
         <p:nvSpPr>
-          <p:cNvPr id="7" name="Slide Number Placeholder 6"/>
+          <p:cNvPr id="8" name="Slide Number Placeholder 7"/>
           <p:cNvSpPr>
             <a:spLocks noGrp="1"/>
           </p:cNvSpPr>
@@ -17365,7 +18232,7 @@
     </p:spTree>
     <p:extLst>
       <p:ext uri="{BB962C8B-B14F-4D97-AF65-F5344CB8AC3E}">
-        <p14:creationId xmlns:p14="http://schemas.microsoft.com/office/powerpoint/2010/main" val="4241714647"/>
+        <p14:creationId xmlns:p14="http://schemas.microsoft.com/office/powerpoint/2010/main" val="1066128477"/>
       </p:ext>
     </p:extLst>
   </p:cSld>
@@ -17415,6 +18282,235 @@
           <a:lstStyle/>
           <a:p>
             <a:r>
+              <a:rPr lang="en-US" dirty="0" smtClean="0"/>
+              <a:t>IR </a:t>
+            </a:r>
+            <a:r>
+              <a:rPr lang="en-US" dirty="0" err="1" smtClean="0"/>
+              <a:t>v.s</a:t>
+            </a:r>
+            <a:r>
+              <a:rPr lang="en-US" dirty="0" smtClean="0"/>
+              <a:t>. NLP</a:t>
+            </a:r>
+            <a:endParaRPr lang="en-US" dirty="0"/>
+          </a:p>
+        </p:txBody>
+      </p:sp>
+      <p:sp>
+        <p:nvSpPr>
+          <p:cNvPr id="3" name="Content Placeholder 2"/>
+          <p:cNvSpPr>
+            <a:spLocks noGrp="1"/>
+          </p:cNvSpPr>
+          <p:nvPr>
+            <p:ph sz="half" idx="1"/>
+          </p:nvPr>
+        </p:nvSpPr>
+        <p:spPr/>
+        <p:txBody>
+          <a:bodyPr/>
+          <a:lstStyle/>
+          <a:p>
+            <a:r>
+              <a:rPr lang="en-US" dirty="0" smtClean="0"/>
+              <a:t>Information retrieval</a:t>
+            </a:r>
+          </a:p>
+          <a:p>
+            <a:pPr lvl="1"/>
+            <a:r>
+              <a:rPr lang="en-US" dirty="0" smtClean="0"/>
+              <a:t>Computational approaches</a:t>
+            </a:r>
+          </a:p>
+          <a:p>
+            <a:pPr lvl="1"/>
+            <a:r>
+              <a:rPr lang="en-US" dirty="0" smtClean="0"/>
+              <a:t>Statistical (shallow) understanding of language</a:t>
+            </a:r>
+          </a:p>
+          <a:p>
+            <a:pPr lvl="1"/>
+            <a:r>
+              <a:rPr lang="en-US" dirty="0" smtClean="0"/>
+              <a:t>Handle large scale problems</a:t>
+            </a:r>
+            <a:endParaRPr lang="en-US" dirty="0"/>
+          </a:p>
+        </p:txBody>
+      </p:sp>
+      <p:sp>
+        <p:nvSpPr>
+          <p:cNvPr id="4" name="Content Placeholder 3"/>
+          <p:cNvSpPr>
+            <a:spLocks noGrp="1"/>
+          </p:cNvSpPr>
+          <p:nvPr>
+            <p:ph sz="half" idx="2"/>
+          </p:nvPr>
+        </p:nvSpPr>
+        <p:spPr/>
+        <p:txBody>
+          <a:bodyPr/>
+          <a:lstStyle/>
+          <a:p>
+            <a:r>
+              <a:rPr lang="en-US" dirty="0" smtClean="0"/>
+              <a:t>Natural language processing</a:t>
+            </a:r>
+          </a:p>
+          <a:p>
+            <a:pPr lvl="1"/>
+            <a:r>
+              <a:rPr lang="en-US" altLang="en-US" dirty="0"/>
+              <a:t>Cognitive, symbolic and computational </a:t>
+            </a:r>
+            <a:r>
+              <a:rPr lang="en-US" altLang="en-US" dirty="0" smtClean="0"/>
+              <a:t>approaches</a:t>
+            </a:r>
+          </a:p>
+          <a:p>
+            <a:pPr lvl="1"/>
+            <a:r>
+              <a:rPr lang="en-US" dirty="0" smtClean="0"/>
+              <a:t>Semantic (deep) understanding of language</a:t>
+            </a:r>
+          </a:p>
+          <a:p>
+            <a:pPr lvl="1"/>
+            <a:r>
+              <a:rPr lang="en-US" dirty="0" smtClean="0"/>
+              <a:t>(often times) small scale problems</a:t>
+            </a:r>
+            <a:endParaRPr lang="en-US" dirty="0"/>
+          </a:p>
+        </p:txBody>
+      </p:sp>
+      <p:sp>
+        <p:nvSpPr>
+          <p:cNvPr id="5" name="Date Placeholder 4"/>
+          <p:cNvSpPr>
+            <a:spLocks noGrp="1"/>
+          </p:cNvSpPr>
+          <p:nvPr>
+            <p:ph type="dt" sz="half" idx="10"/>
+          </p:nvPr>
+        </p:nvSpPr>
+        <p:spPr/>
+        <p:txBody>
+          <a:bodyPr/>
+          <a:lstStyle/>
+          <a:p>
+            <a:r>
+              <a:rPr lang="en-US" smtClean="0"/>
+              <a:t>CS@UVa</a:t>
+            </a:r>
+            <a:endParaRPr lang="en-US"/>
+          </a:p>
+        </p:txBody>
+      </p:sp>
+      <p:sp>
+        <p:nvSpPr>
+          <p:cNvPr id="6" name="Footer Placeholder 5"/>
+          <p:cNvSpPr>
+            <a:spLocks noGrp="1"/>
+          </p:cNvSpPr>
+          <p:nvPr>
+            <p:ph type="ftr" sz="quarter" idx="11"/>
+          </p:nvPr>
+        </p:nvSpPr>
+        <p:spPr/>
+        <p:txBody>
+          <a:bodyPr/>
+          <a:lstStyle/>
+          <a:p>
+            <a:r>
+              <a:rPr lang="en-US" smtClean="0"/>
+              <a:t>CS4501: Information Retrieval</a:t>
+            </a:r>
+            <a:endParaRPr lang="en-US"/>
+          </a:p>
+        </p:txBody>
+      </p:sp>
+      <p:sp>
+        <p:nvSpPr>
+          <p:cNvPr id="7" name="Slide Number Placeholder 6"/>
+          <p:cNvSpPr>
+            <a:spLocks noGrp="1"/>
+          </p:cNvSpPr>
+          <p:nvPr>
+            <p:ph type="sldNum" sz="quarter" idx="12"/>
+          </p:nvPr>
+        </p:nvSpPr>
+        <p:spPr/>
+        <p:txBody>
+          <a:bodyPr/>
+          <a:lstStyle/>
+          <a:p>
+            <a:fld id="{04D6BED6-93C9-4D43-B1C0-E2DD71716F4C}" type="slidenum">
+              <a:rPr lang="en-US" smtClean="0"/>
+              <a:t>27</a:t>
+            </a:fld>
+            <a:endParaRPr lang="en-US"/>
+          </a:p>
+        </p:txBody>
+      </p:sp>
+    </p:spTree>
+    <p:extLst>
+      <p:ext uri="{BB962C8B-B14F-4D97-AF65-F5344CB8AC3E}">
+        <p14:creationId xmlns:p14="http://schemas.microsoft.com/office/powerpoint/2010/main" val="4241714647"/>
+      </p:ext>
+    </p:extLst>
+  </p:cSld>
+  <p:clrMapOvr>
+    <a:masterClrMapping/>
+  </p:clrMapOvr>
+  <p:timing>
+    <p:tnLst>
+      <p:par>
+        <p:cTn id="1" dur="indefinite" restart="never" nodeType="tmRoot"/>
+      </p:par>
+    </p:tnLst>
+  </p:timing>
+</p:sld>
+</file>
+
+<file path=ppt/slides/slide28.xml><?xml version="1.0" encoding="utf-8"?>
+<p:sld xmlns:a="http://schemas.openxmlformats.org/drawingml/2006/main" xmlns:r="http://schemas.openxmlformats.org/officeDocument/2006/relationships" xmlns:p="http://schemas.openxmlformats.org/presentationml/2006/main">
+  <p:cSld>
+    <p:spTree>
+      <p:nvGrpSpPr>
+        <p:cNvPr id="1" name=""/>
+        <p:cNvGrpSpPr/>
+        <p:nvPr/>
+      </p:nvGrpSpPr>
+      <p:grpSpPr>
+        <a:xfrm>
+          <a:off x="0" y="0"/>
+          <a:ext cx="0" cy="0"/>
+          <a:chOff x="0" y="0"/>
+          <a:chExt cx="0" cy="0"/>
+        </a:xfrm>
+      </p:grpSpPr>
+      <p:sp>
+        <p:nvSpPr>
+          <p:cNvPr id="2" name="Title 1"/>
+          <p:cNvSpPr>
+            <a:spLocks noGrp="1"/>
+          </p:cNvSpPr>
+          <p:nvPr>
+            <p:ph type="title"/>
+          </p:nvPr>
+        </p:nvSpPr>
+        <p:spPr/>
+        <p:txBody>
+          <a:bodyPr/>
+          <a:lstStyle/>
+          <a:p>
+            <a:r>
               <a:rPr lang="en-US" dirty="0"/>
               <a:t>IR </a:t>
             </a:r>
@@ -17552,7 +18648,7 @@
           <a:p>
             <a:r>
               <a:rPr lang="en-US" smtClean="0"/>
-              <a:t>CS6501: Information Retrieval</a:t>
+              <a:t>CS4501: Information Retrieval</a:t>
             </a:r>
             <a:endParaRPr lang="en-US"/>
           </a:p>
@@ -17575,7 +18671,7 @@
           <a:p>
             <a:fld id="{04D6BED6-93C9-4D43-B1C0-E2DD71716F4C}" type="slidenum">
               <a:rPr lang="en-US" smtClean="0"/>
-              <a:t>27</a:t>
+              <a:t>28</a:t>
             </a:fld>
             <a:endParaRPr lang="en-US"/>
           </a:p>
@@ -17601,7 +18697,7 @@
 </p:sld>
 </file>
 
-<file path=ppt/slides/slide28.xml><?xml version="1.0" encoding="utf-8"?>
+<file path=ppt/slides/slide29.xml><?xml version="1.0" encoding="utf-8"?>
 <p:sld xmlns:a="http://schemas.openxmlformats.org/drawingml/2006/main" xmlns:r="http://schemas.openxmlformats.org/officeDocument/2006/relationships" xmlns:p="http://schemas.openxmlformats.org/presentationml/2006/main">
   <p:cSld>
     <p:spTree>
@@ -18040,503 +19136,7 @@
           <a:p>
             <a:r>
               <a:rPr lang="en-US" smtClean="0"/>
-              <a:t>CS6501: Information Retrieval</a:t>
-            </a:r>
-            <a:endParaRPr lang="en-US"/>
-          </a:p>
-        </p:txBody>
-      </p:sp>
-      <p:sp>
-        <p:nvSpPr>
-          <p:cNvPr id="4" name="Slide Number Placeholder 3"/>
-          <p:cNvSpPr>
-            <a:spLocks noGrp="1"/>
-          </p:cNvSpPr>
-          <p:nvPr>
-            <p:ph type="sldNum" sz="quarter" idx="12"/>
-          </p:nvPr>
-        </p:nvSpPr>
-        <p:spPr/>
-        <p:txBody>
-          <a:bodyPr/>
-          <a:lstStyle/>
-          <a:p>
-            <a:fld id="{04D6BED6-93C9-4D43-B1C0-E2DD71716F4C}" type="slidenum">
-              <a:rPr lang="en-US" smtClean="0"/>
-              <a:t>28</a:t>
-            </a:fld>
-            <a:endParaRPr lang="en-US"/>
-          </a:p>
-        </p:txBody>
-      </p:sp>
-    </p:spTree>
-    <p:extLst>
-      <p:ext uri="{BB962C8B-B14F-4D97-AF65-F5344CB8AC3E}">
-        <p14:creationId xmlns:p14="http://schemas.microsoft.com/office/powerpoint/2010/main" val="2909834546"/>
-      </p:ext>
-    </p:extLst>
-  </p:cSld>
-  <p:clrMapOvr>
-    <a:masterClrMapping/>
-  </p:clrMapOvr>
-  <p:timing>
-    <p:tnLst>
-      <p:par>
-        <p:cTn id="1" dur="indefinite" restart="never" nodeType="tmRoot"/>
-      </p:par>
-    </p:tnLst>
-  </p:timing>
-</p:sld>
-</file>
-
-<file path=ppt/slides/slide29.xml><?xml version="1.0" encoding="utf-8"?>
-<p:sld xmlns:a="http://schemas.openxmlformats.org/drawingml/2006/main" xmlns:r="http://schemas.openxmlformats.org/officeDocument/2006/relationships" xmlns:p="http://schemas.openxmlformats.org/presentationml/2006/main">
-  <p:cSld>
-    <p:spTree>
-      <p:nvGrpSpPr>
-        <p:cNvPr id="1" name=""/>
-        <p:cNvGrpSpPr/>
-        <p:nvPr/>
-      </p:nvGrpSpPr>
-      <p:grpSpPr>
-        <a:xfrm>
-          <a:off x="0" y="0"/>
-          <a:ext cx="0" cy="0"/>
-          <a:chOff x="0" y="0"/>
-          <a:chExt cx="0" cy="0"/>
-        </a:xfrm>
-      </p:grpSpPr>
-      <p:sp>
-        <p:nvSpPr>
-          <p:cNvPr id="5" name="Title 4"/>
-          <p:cNvSpPr>
-            <a:spLocks noGrp="1"/>
-          </p:cNvSpPr>
-          <p:nvPr>
-            <p:ph type="title"/>
-          </p:nvPr>
-        </p:nvSpPr>
-        <p:spPr/>
-        <p:txBody>
-          <a:bodyPr/>
-          <a:lstStyle/>
-          <a:p>
-            <a:r>
-              <a:rPr lang="en-US" dirty="0" smtClean="0"/>
-              <a:t>Text books</a:t>
-            </a:r>
-            <a:endParaRPr lang="en-US" dirty="0"/>
-          </a:p>
-        </p:txBody>
-      </p:sp>
-      <p:sp>
-        <p:nvSpPr>
-          <p:cNvPr id="6" name="Content Placeholder 5"/>
-          <p:cNvSpPr>
-            <a:spLocks noGrp="1"/>
-          </p:cNvSpPr>
-          <p:nvPr>
-            <p:ph idx="1"/>
-          </p:nvPr>
-        </p:nvSpPr>
-        <p:spPr>
-          <a:xfrm>
-            <a:off x="2057400" y="1798637"/>
-            <a:ext cx="6629400" cy="4525963"/>
-          </a:xfrm>
-        </p:spPr>
-        <p:txBody>
-          <a:bodyPr>
-            <a:normAutofit lnSpcReduction="10000"/>
-          </a:bodyPr>
-          <a:lstStyle/>
-          <a:p>
-            <a:r>
-              <a:rPr lang="en-US" b="1" i="1" dirty="0"/>
-              <a:t>Modern Information Retrieval. </a:t>
-            </a:r>
-            <a:r>
-              <a:rPr lang="en-US" dirty="0"/>
-              <a:t>Ricardo </a:t>
-            </a:r>
-            <a:r>
-              <a:rPr lang="en-US" dirty="0" err="1"/>
-              <a:t>Baeza</a:t>
-            </a:r>
-            <a:r>
-              <a:rPr lang="en-US" dirty="0"/>
-              <a:t>-Yates and </a:t>
-            </a:r>
-            <a:r>
-              <a:rPr lang="en-US" dirty="0" err="1"/>
-              <a:t>Berthier</a:t>
-            </a:r>
-            <a:r>
-              <a:rPr lang="en-US" dirty="0"/>
-              <a:t> Ribeiro-</a:t>
-            </a:r>
-            <a:r>
-              <a:rPr lang="en-US" dirty="0" err="1"/>
-              <a:t>Neto</a:t>
-            </a:r>
-            <a:r>
-              <a:rPr lang="en-US" dirty="0"/>
-              <a:t>, Addison-Wesley, </a:t>
-            </a:r>
-            <a:r>
-              <a:rPr lang="en-US" dirty="0" smtClean="0"/>
-              <a:t>2011.</a:t>
-            </a:r>
-          </a:p>
-          <a:p>
-            <a:pPr marL="0" indent="0">
-              <a:buNone/>
-            </a:pPr>
-            <a:endParaRPr lang="en-US" dirty="0" smtClean="0"/>
-          </a:p>
-          <a:p>
-            <a:r>
-              <a:rPr lang="en-US" b="1" i="1" dirty="0"/>
-              <a:t>Information Retrieval: </a:t>
-            </a:r>
-            <a:r>
-              <a:rPr lang="en-US" dirty="0"/>
-              <a:t>Implementing and Evaluating Search Engines. Stefan </a:t>
-            </a:r>
-            <a:r>
-              <a:rPr lang="en-US" dirty="0" err="1"/>
-              <a:t>Buttcher</a:t>
-            </a:r>
-            <a:r>
-              <a:rPr lang="en-US" dirty="0"/>
-              <a:t>, Charlie Clarke, Gordon Cormack, MIT Press, 2010</a:t>
-            </a:r>
-            <a:r>
-              <a:rPr lang="en-US" dirty="0" smtClean="0"/>
-              <a:t>.</a:t>
-            </a:r>
-            <a:endParaRPr lang="en-US" dirty="0"/>
-          </a:p>
-        </p:txBody>
-      </p:sp>
-      <p:sp>
-        <p:nvSpPr>
-          <p:cNvPr id="7" name="AutoShape 2" descr="data:image/jpeg;base64,/9j/4AAQSkZJRgABAQAAAQABAAD/2wBDAAoHBwgHBgoICAgLCgoLDhgQDg0NDh0VFhEYIx8lJCIfIiEmKzcvJik0KSEiMEExNDk7Pj4+JS5ESUM8SDc9Pjv/2wBDAQoLCw4NDhwQEBw7KCIoOzs7Ozs7Ozs7Ozs7Ozs7Ozs7Ozs7Ozs7Ozs7Ozs7Ozs7Ozs7Ozs7Ozs7Ozs7Ozs7Ozv/wAARCAFaAOMDASIAAhEBAxEB/8QAGwABAAIDAQEAAAAAAAAAAAAAAAEEAgMFBwb/xABMEAABAwIDAgcMBggFAwUAAAABAAIDBBEFEiEGMRMVIjZBUbIUVFVhcXSDkZOUs9EyNYGCobEWIyZCUlOSwSQzQ3JzJWLwNETC4fH/xAAaAQEBAQEBAQEAAAAAAAAAAAAAAQQCAwUG/8QALxEAAgIBAgUEAQMFAAMAAAAAAAECEQMTMQQSIVFhMkFSkXEUIrEFMzRCgXLh8P/aAAwDAQACEQMRAD8Au19fWMr6hjKqZrWyOAAebDVV+Ma3vyb2hTEfrKp/5Xfmqy+7CEeVdD8Fly5NSX7nu/cs8Y1vfk3tCnGNb35N7Qqsi65I9jy1snyf2WeMa3vyb2hTjGt78m9oVWROSPYa2T5P7LPGNb35N7QpxjW9+Te0KrInJHsNbJ8n9lnjGt78m9oU4xre/JvaFVkTkj2Gtk+T+yzxjW9+Te0KcY1vfk3tCqyJyR7DWyfJ/ZZ4xre/JvaFOMa3vyb2hVZE5I9hrZPk/ss8Y1vfk3tCnGNb35N7Qqsickew1snyf2WeMa3vyb2hTjGt78m9oVWROSPYa2T5P7LPGNb35N7QpxjW9+Te0KrInJHsNbJ8n9lnjGt78m9oU4xre/JvaFVkTkj2Gtk+T+yzxjW9+Te0KcY1vfk3tCqyJyR7DWyfJ/ZZ4xre/JvaFOMa3vyb2hVZE5I9hrZPk/ss8Y1vfk3tCnGNb35N7Qqsickew1snyf2fZYNI+XCoXyPc9xzXc43J5RRY4F9TQfe7RRfCy/3Jfln7rhW3w8G+y/g+YxH6yqf+V35qss8TrKZmKVTXTsBEzgQXbtVV7upf58f9S+5CS5V1PxObHPUl0e7N6LR3dS/z4/6k7upe+I/6l1zLueelk+LN6LR3fSd8M9aju+k74Z605l3Glk+LLCKv3fSd8M9ad30nfDPWnMu40snxZYRaO76TvhnrTu6l74j/AKk5l3Glk+LN6LR3dS98R/1Ke7aXviP+oJzLuTSn2ZuRae66Y/68f9QU91U/8+P+oJzLuNOfY2otYqID/rR/1BTwsR3SM/qCtonLLsZooDmnc4H7VKWSmERFSBERAEREAREQBERAfYYF9TQfe7RRMC+poPvdoovgZv7kvyz99wn+Pj/8V/B5hj31/iHnMnaK56v499f4h5zJ2iqC1J9DHJdWSoW6F8LAC4XeHfh4lszUQA5DiQG9JF9dfwSzkq6dSK0ZqYchoeWX1N7EjXxox9I25LLk3tobAWPj67KWCqisvkpCLhji49ZPj8fkVd5aXuyCzb6DxK2CNERFS0EREsUFKhEFBSoRCULrJr3jc5w8hWKK2TlT9jcKupbunkH3is24jVt3VD/t1VZE5n3OXig90i+zGatn0nNeP+5qsR46f9SEeVpXIRdrLJe54y4PBL/U+khxSkmIAkyE9DxZWwQRcar5BbqesnpnXikIHUdQV6x4j5GLL/TFvjf2fUoqFFi8VRaOW0cn4FX1pjJSXQ+TkxTxupKgiIujzPsMC+poPvdoomBfU0H3u0UXwM39yX5Z++4T/Hx/hfweX49zgxDzmTtFc9X8e5wYh5zJ2iuetK2MzXUlFCISiUUIhKJRQipaJRSI3OjdIByWkAnqusVBRKKEQUbIYZKieOGFpfJI4Na0dJO5dpmyWISw1ToZaeeWlc1r4oZA43Oa4vuuMh0XHpKqSirIaqGwkheHtuL6g3Xbh2qFLLK+lwyKETTMne3hXEFwDxpfcDn3eJR37HSUfcrxbMYnJTcLwLg57I3QsFiZM5AG46bxvUHZXF+CZI2Bj88jowGytJBaLknWwAHTdbItp5Yy8mnHLigiJZIWuAitYgjcTZWHbZSPdIXYdBlkfIXNa4i7ZGBrh5TlBv1qXItRKDtm8WjillkpCxkDyyS7hdpFr6XuQMw1HWts+yuLRYi+iZT8K5uYte1wDXAOy3vfr0tv1Vyq2tbPhzmtpAKqV8gJzHLHG4MFh1mzLarCPbKpjkkcKYAScJfg5XMcC6ThNHDdY6Jci8sDmtwLETNRROhDHVxtBncBm1t9i1YhhlRhkkbJzG5srM8ckT8zXi5FwfKCrIx6YYnh1c6Frn0DGMALjy8pJuT47rHEsYZiELIhQshZE0NgDZHExi5c7ykk/gr1Oaib6nZPGaSOSSWltHHwYz5hZ3CGzbHp369S1M2axeR8zWUheYQ0uyvabgtzC2utwCdFZk2sq5ppHTxNmhe6MtgkcSxmVzXEAePLqrH6aStqGTMoWXaYyc0hdmyMewdHU/8ABS5FqBSZsvidonzwGKKaNz2P0dezC8CwOlx1rW7ZrF2OiDqS3CtLmuMjbAAAkk3sNCDrber52zqDEyPuOKzG5b5j/J4L8tfKs6La1oqg+qgDIxmdyLuuTE2MAi405F/KlyHLE+frKOegqpKWqZkmjNnNuDb1Lp4TiRcRTTOuf3HHp8S5+KVEVXidRUwCQRyyFzeFdd2vWVWa4tcHNNiDcL1hNxdmXiMEc0XFn2CLltx6DIM8Uma2tgLX9anj2m/lS+ofNbtWHc/OPg8/xPQ8C+poPvdootWzM7anZ+mmYCGuz2B3/TIRfEyu8kn5Z+14VOOCCfZfweZY9zgxDzmTtFc9dDH+cGIecydornrStjO11CIiEou0cbJYixrWmYuNs7SQRbcCNxWySKnhgaCxz88ObMG/veW+4KiyeWNjmMle1rt7QdCgnlERiErhGd7b6FdWSi9NTtZRSZomNkjcwaXuL77lZyRxCSdkdMwmFoc0akuvbf5N657qmdzS100haRlsXG1upQJpWycIJHB/8QOqWOUuMkDaWofwDW8tnIINtx6FormMirJGMGVo3Dq0C0ulkeXFz3HMbuud/lUOc55u5xcT0kqWKIREULRKhEQUdOTZ7Fo44JO43PFQAWCJwedW5hcAkgka6pTbPYpU1EUIo5YjNnDHSMLWktaXEA232BVxm1czJo8sIbAyIMLGkAvcITEHF1r6XJA8asUW1lJR0FLSswsgQm7y2UDOTG5hP0enNfpspbO0onJdgWJMopap1JKGwSGOVuQ5o7NDrkdAsRqkeBYi8S5qWSN0UQlyPaQ57S4NGUW11cFfftMwwPgZSODC1zGZpLkNMDYRfTU8m/2q7T7a09HLG+lwzIGRujDDILWMjXnc0a6EX36g71LkKj3PnhhGJkRkUFQRK/Iw8GeU7XQePQ+pbqLAMTxCWoip6UmSmIbIx72sIJNgLOIubi1hqutS7WUdDSwwU+GObwUrZc3Ci7iA8anLfc/8FS2c2j4h4f8AwrZ+GfG7lG2UNJOmhsddD0FW2KiURg+J/qv+n1P66/B/qjy7amy2S4DicNC+sko5WsjkLJGlhDo7Bpu7qFnBfQYftVh2SGkkpTSwszue5z84lJiLCHcm+psb626rKlV7RwNdVQQskqY5eFtI9wb/AJkbG2sGjQZNNBoehS2XlicZ+FYjG7K+hqGuIabGMj6RsPWdFk3B8Te6JrMPqS6ZpdGBGeWBqSF227X08LzwGG5GCB8bWGQWaS/Oxws0fRPr61rbtTTR0TKaHDjHlikj0kFrvjawn6Nzq2+p6fIlsnLHufPSxSwSvhmY6ORhyuY4WLT1ELFW8Xr+NMVqK4R8Hw782S97faqa6OaCIiEo9W2L5p0XpPiORRsXzTovSfEciyS9TN8PSjznHz+0OIecydornq/j/OHEPOZO0VQWpbGN7hFClCBFClBQREQBLqFKAXRFCAlLoiAIiIDOOKSYubExzy1pcQBuAFyfsCsuwqubCJDTPFy0BtuUczcwIG+1he6zwbEWYZWvqHsz3glja0tDgS5haLg6EXOq+lO2lEXxyCKdkjchvGxrQ0indHoAdOURbxepRtnSSPlYMNraifgWU0gfnDDmGUNd1EndvCypsJr6xj309LI9sbDISBvAIBt16kbl9GNsqfuqGX/F5RVxTzDT9YGxNab66nM0nVYwbW01OGyxyVscooRTCJtgyNwcw5mnN+8Gm+m89KlstI+bpcPrK2R8dLTSzPjF3hjb5R41nS4VX1sb5KelkkYyPhCQ3e24Fx16kbl1KLG8PjxnE6qrjmkpKt7ndz8E1wkBcXAOueSRoQRcgq5RbV01G6OZstaHijip+CbbJEWOjJyHNucGEnQalLZEkfPxYVWzxMkihz5yA1jTd5u4tGm/eFrfQVjCA6kmBLsovGdT1bt6+oh2tw6BrJWMqxOycOsGtDcgqHS78172da34rbDthh1L3KG1OJ1IjmmfKJ2A/TBAcOXvaDu03nVOZl5Y9z4tzXMeWPaWuabEEWIKhW8WreMcVqazMXcM8uzFgaT4yATb1lVF0c0EREIerbFc06L0nxHImxXNOi9J8RyLLLdm2PpR5xj5/aHEfOZO0VShYJH5SbAC+iuY/wA4cR85k7RXPutUTJJN3RaFPBbSoBOnUsRFFlvnAItoba6nx+RV0XXMux5acvkWXQRNYXCa56AOnQ/JV7qEUbs7jFrd2TdLqEUOibpdZMjLw4ggBvSVtFFIXhocwkm28/8An/4gNF0ut4o3kaOaCNDc9Nzp+C0EAGwIPjCAXS6hEBN0uoRATdLqFJBG8FBQul1CIKJul1CIKJul1CIKJul1CIKJul1CIKPWNiuaVF6T4jkTYnmlRek+I5FlluzXHZHm+0HOHEfOZO0Vzl0NoD+0OI+dSdornrQtjM11CIiooIiIKCIiCjJrnNvlJFxY2PQhkeRlL3W6rrFEFGQkeL2cRffqoUIgoIiIKCIiCgurIyOaSz3HKXwtIDtLZNfyXKRCo6cUVOW/SETJYBm5V7HOB/Zap6VsdHwgiLHtfZ2Ynr6Ogqil7oAiXRCUFOU9R9Si6ttr3CDJwbcwAaHa6gAjX1oR37FXKeoqFb4ymz5g1g3aAHot4/8At/NVL63QK/cIiIWj1nYnmlRek+I5E2J5pUXpPiORZpbs0x2R5ttBzixHzqTtFc5dDaDnFiPnUnaK560LY8HuSoRFSE7t6hfYCip66u2QpKiMOhnga2Ro0zAyuvqFTmiwqvw/F+5sNFHJhwbJFKJnOc9vCBhDrm3Te4tuXNlo+csQLkb1C+u2iqsNOy+CsiwkRulgkdE7h3Hgv1hvp+9e3T1rOtwrCJtoaPZ+koDA6XgXy1Rlc4gGMOcA3cNPxSxynxysUVFUYjVx0lJGZZpCQ1oO/S67TocLxjD8SdQYd3HLQME0ZErn8LHmDTmv+9qDcW6V29n4KHBtr6HCRQtkrWsJnqZHuu15jLrNaNLC9tb31RsJHwe5F13UFN+h3GPB/wCJ4wMOe5+hkva3lV1uCUMmJ0LZA+OlGFtrarIbudZpc61+k2AVsUfNgEkAC5KsUlBU1xmFNEX8BE6aTUDKwbyvotmq/C6na7DWswSKEcMGtyzvJvcEE3vcix8Ruq1O3D8TrsUfFQ9ysgoJZAwTOdywRyrny7lLFHzqL6QQ4Rg9Hhja/D+7JK+Ph5X8K5pijLiGhgGl9L63WxmE4fhTtoO7qU1nF0kTYAZCwHM4gE26CLf/AEljlPl1Otr20Xbx+jo24dhWJ0dOKbu6J5fEHFzWua61wTrY9S6FDU4dFsDI+bChO4VzWPJnc3M7I4h2g0te1ksUfJovp202D4ZxXR1tCamSuiZNPMZXNdEHk5QwDS4Fjre64eK0DsLxWqoHuzGnldHm67HeqmKKiLJkb5DZouepZGnmabFhv1K0zjmS9zBQs5YzGQCQb9SwQqafVBERChSoRAes7E80aL0nxHImxHNGi9J8RyLNLdmmOyPNtoOcWI+dSdornq/tBzixHzqTtFc9e62M7JRQioPqabGqCPEtmJnTEMw+NoqDkPIIkcerXQjcufSYhTRUuORvks6siDYeSeUeFa77NAd64yKUWzv1tTQYjs1hzO7RDVYfG+MwOjcTLd5cC1wFunpst9Vj9NFtpT4xTkzQRtia4AFpIEYY8a/auNT4TWVMQkYwBh3FxtdVJI3RSujdbMw2NiunBpW0ecc0JycYu2j6F0+FYPh+IjD8RNZPXsEMYETmcFHmDjmvvOgGnjXVo8XwSXaen2lqcT4CQs/X0pge5wkyZTYgWynf9q+HRc0elnfw+qw+r2bmwirrRRSNqxUxyvjc9rxlylvJBIKuSY1hUON02SWWooDhjaGd4ZlfYtIJAPSND9i+URKFneoX4dgO0OHVsWJNroYpg+QxxOaWNBH8Q36nQdSzp5sNwurxIR4iyqZU0MsbHsie3luIs03HUN+5fPIlEs+k4fB8Yo8NdiGIOo5KCIQTM4JzzLGHEgsI0vYka2WFVjkFdDtBJISySvlhdBGQTyWvJtfxNsvnkSi2dnFMQpqnZ/BqWKS81KyVsrcpGXM+416dFtw2poajZuowqrrW0cndLahkj43Pa4BpaW8kHXcuCso43SyNjYLucbAK0RuurPpRVYNifFlbW17qaWhiZFPBwTnGYMPJLCNNRYa2suHite7FMVqq97cpqJXSZeq53LCroZ6ItEzQM24g3VdHFxdM5jOM1cXaM2SOjN2myzFVM12YOANrfRG5aUVTaDhF7oyfI55u517KFCKFSS6IlFCIUlFCID1rYjmjRek+I5E2I5o0PpPiORZ5bs0LY812g5xYj51J2iueuhtBzixHzqTtFc9e62PD3Ovs/DFNJOJY2Ps0WzNBstAoRV4vNTscIgHOOjdwB6la2b/zaj/a3+6nD+cU/lf+a1qKcI33PiZMs4Z8zi9kh+jhMhHdIDejk6lU3YRI3EW0ZkHKbmD7aWVyoc79J49TvaPwWO0RtVQEH9w/mrKEKbS2ZMObiHOMZSvmje2x1qymlkpWxU83AZSNR1DoXBo8Jmrw6d8gY0k8oi5celdLaHSgj/5Bu8hSsJh2daI+TdjRp47XXc1GUnfsjNw08mPFHkfWTrbYoVWByQQGaGUTNaLkAWNlrw3C+72ueZcjWusQBcldHZ1xfSSxu1aHC32hTgADY6lo3CSy5jjhJxddGaMnFZscMkG7cWuv5OfV4M+kpRK+W7i4Ny23X8asu2cIAtUi9+US3QBct8sj6mz3ucM/Sb9K7W0hIpogCf8AM/suIrG05VsemSfExljhz9ZX7FaXZ2Zr2iOdrmn6RItlWFXgT6andMyYSBouRltp4lfr3E7PNNzcsZc+pRREu2ddc3tG8fmvR44XVe1nhHiuJUVNy/2rbc5VBhUtexz2yMYwGxJ1PqW+owJ8VO6aGdsoaLkZbLRQUlbVRvZTvLIieWSbAruUlM2kw2SJswlsHXI3A23LjHjjKPVHtxXE5MWTpNb7V/LKuB0DBB3RIGP4T6ILdW2JVWuwySnq2StmAM01m2FspJW3ZsnNPr0N/uqIJ473n/1H/wAlXy6cehzHU/VZHzbL/wCRuxqGpidD3RU8M4g25NgNyzp8AkkhbLNO2LML2tcjyq1jLQ+voWu3F+vrCw2ke4CCME5SST+CsoRTlJ+xziz5ZQx44Om7612KFfhUtA0PLhJGTbMBay30mBmqo2ziazni4bbQeVXr90bNXk1Ijv6jp+ShhI2aJBseDP5osUOa66VYlxeZ40r/AHc1WVJ9n5I6d0sc7ZC0Xy5bX/FchfRYGScKkBOgc78l86vHLGKSa9zbweXLKc8eR3TCIi8T6AREQHrWxHNGh9J8RyJsRzRofSfEcizy3ZoWx5ttAP2ixHzqTtFc6y6W0HOHEfOpO0VzloWxne52NnXNZLPmcBdo3lTQOaNoJ3FwAJfrfxrjWReyyUkq2ME+EUpzlfqVHYqHt/SVjswy5m6303KNoS11TAWuDhlO4+NchEeS01W5Y8IozhK/SqPoMfex9BGGva79YDob9BUUU8GIYX3FLIGSBuXXptuIXAslldb93NR5rgIrEsfN1TtM+jYafBaF7eGEkjtQBvJ6NFq2fe1tPNneAS++p8S4NkVWammlsR8ApY5RcrcurZs/9z9/+67W0T2Pposr2u5d9D4lwbIvNTqLXc0ZOHU8kJ36T6Cuew7PtaHtJyM0v5EoXs/R97M7c2R+l/Kvn0svTW/dde1Hh+gXJyc3vZ9Bhb4qnCXUgkEcliD169K30EUFNTvou6WPkNybHddfMIkc1V0Ocn9P5nKp0m7/AOnbwgw0dfUUzpQdwa46ZrLGroY6XEYZxMHcLODl6tblcbei51P21R6fpHqOaluqfk7WPyhs9M9jg4sudD4wrNRHTY3TRuZOGPbrbpHWCF84iurbdrozlcDUIqMqcfc7uKVUFNhzaGB4c6wabHcB1rJr2/o2W5xm4M6X13rgJZNZ23QXAxUFG9nd9z6DA3sbhsjS9oOY6E+JfP2RFxKfNFLsacWBY8k536iLJZSi4NJFkspsihD1nYjmjRek+I5E2I5o0XpPiORZ5bs0x2PN9oOcWI+dSdornro7Qc4cR85k7RXOWhbGZ7hERUlnXpcDbUUzJnVBbnF7Bu5Y1WAyxRmSCQSgC5BFir2R8mzoZG0ucYxYDp1U4PHNTUchqbtbe4DugdK26cHSr2Pz/wCqzxUp8+zqj5xrS82aCSdwAWySlqIm55IJGt6y0rtYNC0QzVgju5zjkHUOpWaCWrqTKytgDGH6N22v4l5xwJpX7mvL/UHGT5Uqjv16/wDDi4bhpri4ue6NrRoQ3etFVSvp6h8Ya8tDsrSRvXawWZ2aalsAyEnKeneVWqa2WfFoqd4aGRVAykDXejhBQTJHic74iS9krOaaKqGQGnku++UZdSr2FytphNHLRSSvJ/dZcjxFdPFMQdQCIsja9zydT0DRasFlM7qqYi2eTNbqXSxqM6T6nlPismXh3Ocen58nz79ZXWblu48nq8S2GjqWszmnkDevKV1MGpmyVk87wDwbrNv1m6u0tTWy1z2zQZINbEtsuI4VJW/c98vHODcYJdF1t/wfNMhlkF443OA6Q0lQGPc/I1pLv4QNV9DQFsOL1dO3QO5QH5/msKWm4PaCc20ALh9v/hU0dupXx9OVrZWjhGOQPyFjg7+G2qzfSVMbM74JGt6y0roDFW02JVUuQSh5s37NAunhlTU1ccpqow1t+TybXB/NI4oydWM3F5cUVNxVdPf+DjYLFHLXhsjGvGUmzhdRjLWsxKRrWhoAFgB4lYwpoZjUjGiwbnA9a0Y19ZyeQfkjVYv+iM2+N8cpQREXgfTsIrPchDRd4D8rXZbdDjpr9qkUTru5Ys0uBP8Att81aJzIqorYoQ7QTNJc4tYAL5iBf+6ryxmKTISCbC9ujTcpQswREQtnrOxPNKi9J8RyJsTzSovSfEcizS3ZpjsjzfH+cOI+cydornro4+P2hxHzmTtFc+y0rYyvchLKUsqQ+kindTYEyZgBc2MWB3b1jI44thBcwlr+lo6SOhcc4hUGk7lJbwYFt2qikrqijDhC4AO3gi61ay2e1HxlwE0nNVzXa/B2MFk4TDXRMOV7CR5L7iqb5cba5wOfk7yGi3rsqLK2ojqXTxuyPdqQBofsViTGaySNzDkAcLEhq51IuKVvoej4XJHK5KKaff2LOz5Lp5yTckA/itEsErMbEjo3BhqBZxGh1VOmqZaSThInWdax0uCt9RidTUPjc/KOCdmaAOlc88XBJ+x6PBlWeU41TVF7aLdT/e/sstnv8mf/AHD8ly6uunrcvDFpyXtYWU0tfPRtc2ItAdvuLrrUWrzHD4XJ+k0ff/2dTA5Bw1VEd+fMFrqHY0yocxhe5tzlLWC1vUuUyaSKbhY3lr73uFd48rctrs8uVFkTjTdEnwuSOVzik77mqjqJG4syWZ13F+VxPqXfqGtp2VFVflcHb1Xt+a+VJJdmO8m6tz4nVVMJikc3Kd9gmPKoppl4ng5ZZxlH8Mu4BTxvEkzmhz2kBt+hXcNqKqodO6oYWBpAYMtuu64FLWTUby6F1r7wRcFWDjNaZA/OBb90N0VhljFI8+I4PLknJqmntfsWaCN8WPSB7S2+Yi/SLqrjX1nJ5B+SwOJVJrO6rtEmXLu0stFRPJVTGWW2Y77Cy4lNcnKu5pxYMizLJLtRqRTZLLxN5uFVJwLoyb6ANPSLEFQaqcuzGTXXoHTvWqyWVHQ2R1DmyNc67gx2YAG2v/gCwe4ve57jcuNyosllAQimyWQHq+xPNKi9J8RyJsVzSovSfEciyy3ZrjsjzjH+cOIecydoqguhj/ODEfOZO0Vz1qWxje4REVIESyIUIiISwiWRBYREQBEW2KnfMCWkaG1roLNSLc6mc1rnZm6C9hfxfNaUoWEREFhERBYREQBERAEREAREQHq2xXNOi9J8RyJsVzTovSfEciyS3Ztj6UedY9zgxDzmTtFVaZkTjmlO57Ra4GnSVax7nBiHnMnaK561LYwy3LXAU1rmUm7SbAjTQH5j7Fk6CjDieEfa5tymnpsB6tVTRKOaLsVLTzTZGOe7eTlI8XzVNws4gbgUBI3GyhWggiIqWwiIgsIiILCXI3EoiCxc+NERBYREQWEREFhERBYREQWEREFhERBZ6rsXzTovSfEcinYvmnRek+I5Fjl6mb4elHnWPc4MQ85k7RXPXQx7nBiHnMnaK561rYwSfUIpsllTmyEREFhFNkQWQilXG0rHgOkeWtDY/oM/iQq6lJF0IaSNgla85nmJ5bcaCxtf8EOGsNT3O2cGW5B00BClnXKznosnNAeQL2BsL71iqcBERBYRZZHfwndfd0KWxSPNmsc42voOhBZgi3tpXvp+Ea1znZy0tA8S02IVoWQiIoLCIiCwiIgsIilBZ6psXzUovSdtyJsXzUovSdtyLHL1M+jD0o87x7nBiHnMnaK566GPc4MQ85k7RVBbFsfNk+rISxV408LQ12W/IcXDN9FwG5ZNjgbMxzGhpbJGfpX3i5XVHNnPRT0ooWyEUogshZ8LJa2d1rDp6tyxRBZs7onyFnCvym9xfQ33o6oneAHSvNhbUrWiFthzi5xJJJJuSVClEJZCKUQWdGnqKZ0MXDOs8tMLvE3fm/FS2pieyRgMQLXNycISAWgWG71/auaitkL/AAxljceHjjk4cvJDrC1t4VWrkbNVSSMFmudcLUiAhFKKFshFKILIRSiCyEUogs9T2M5qUXpO25E2M5qUX3+25Fil6mfSh6UeeY99f4h5zJ2iueuhjv1/iHnMnaK562rY+ZJ9WEWWU9R9SZXdR9S6o5tGKLLK7qPqTK7+E+pKFoxRZZXdR9ShQWQilELZCKUQWQilEFkIpRBZCKUQWQpsbXtoEW6CZsYc17MwcQfUhLNCWV6GopiSHxMaL3BLb9J+Y9SwZPTtkJdCHaW3AdQ3etS32JZUsiuTTQBpaxkbiW2ByblgyojADXQNcB4hfo+R9aWLK9ja6ixG/RXO64cuUQNA0uMosbA6/ju3aLRNJwjgQ21hayCzUilFS2epbGc1KP7/AG3ImxnNSj+/23IsMvUz6uP0I88x36/xDzmTtFUF0Md+v8Q85k7RXPW6OyPkyfVn0NFC2oc2Nzi0ZC7TebC9h4zuVxmGCQgmpjiDr6SEAjdv9Z9S+fGIuDQODBsLb04yd/KHrXra7mVQfY+hfhbWskcKyIljS4D+K3QNelYtw1r83+LjBaTYH97lEaa+K/kK4HGTv5Y9anjJ38sD7UvyXlfY6s8IhyWlD8zQdBu8S+ek/wA1/wDuKucZO/lD1qk45nF3WbqSdnUE03ZCIi5PawiIgslZmCUAkxPAGp5O5YsOV7XdRurIqmWkzNcXPLtb7gUFmmOnkkkjaWloe4AOI0WIjdlJsb6WFt6sMrGtka7IbNex2/8AhFlBq2mQPyEG7SRfTTqQWaOAlDg3g3XOoFt6hzHMdlc0tPUQrcEzHjI+wAa64JHKuQVXqSHVDyH5x1oLNSIiCwiIgsIiILCIiCwiIgs9T2N5q0f3+25E2N5q0f3+25Fgn6mfXx+hfg88x36/xDzmTtFUFfx36/xDzmTtFUFvjsfGk/3MIiKnNhERBYREQWEREFhERBYREQWEREFhERBYREQWEREFhERBYREQWEREFnqWxvNWj+/23ImxvNWj+/23Ivnz9TPtYvRH8HnmO/X+IecydoqgvYZMIwyWR0kmHUj3uN3OdA0knrJsseJMJ8F0fu7PktiydNj5csPV9TyBF6/xJhPguj93Z8k4kwnwXR+7s+Sup4Jo+TyBF6/xJhPguj93Z8k4kwnwXR+7s+SangaPk8gRev8AEmE+C6P3dnyTiTCfBdH7uz5JqeBo+TyBF6/xJhPguj93Z8k4kwnwXR+7s+SangaPk8gRev8AEmE+C6P3dnyTiTCfBdH7uz5JqeBo+TyBF6/xJhPguj93Z8k4kwnwXR+7s+SangaPk8gRev8AEmE+C6P3dnyTiTCfBdH7uz5JqeBo+TyBF6/xJhPguj93Z8k4kwnwXR+7s+SangaPk8gRev8AEmE+C6P3dnyTiTCfBdH7uz5JqeBo+TyBF6/xJhPguj93Z8k4kwnwXR+7s+SangaPk8gRev8AEmE+C6P3dnyTiTCfBdH7uz5JqeBo+TyBF6/xJhPguj93Z8k4kwnwXR+7s+SangaPk8gRev8AEmE+C6P3dnyTiTCfBdH7uz5JqeBo+SlsbzVo/v8Abci7EMENNE2KCJkUbdzGNDQOncEWGTuTPrY1UEvB/9k="/>
-          <p:cNvSpPr>
-            <a:spLocks noChangeAspect="1" noChangeArrowheads="1"/>
-          </p:cNvSpPr>
-          <p:nvPr/>
-        </p:nvSpPr>
-        <p:spPr bwMode="auto">
-          <a:xfrm>
-            <a:off x="155575" y="-144463"/>
-            <a:ext cx="304800" cy="304801"/>
-          </a:xfrm>
-          <a:prstGeom prst="rect">
-            <a:avLst/>
-          </a:prstGeom>
-          <a:noFill/>
-          <a:extLst>
-            <a:ext uri="{909E8E84-426E-40DD-AFC4-6F175D3DCCD1}">
-              <a14:hiddenFill xmlns:a14="http://schemas.microsoft.com/office/drawing/2010/main">
-                <a:solidFill>
-                  <a:srgbClr val="FFFFFF"/>
-                </a:solidFill>
-              </a14:hiddenFill>
-            </a:ext>
-          </a:extLst>
-        </p:spPr>
-        <p:txBody>
-          <a:bodyPr vert="horz" wrap="square" lIns="91440" tIns="45720" rIns="91440" bIns="45720" numCol="1" anchor="t" anchorCtr="0" compatLnSpc="1">
-            <a:prstTxWarp prst="textNoShape">
-              <a:avLst/>
-            </a:prstTxWarp>
-          </a:bodyPr>
-          <a:lstStyle/>
-          <a:p>
-            <a:endParaRPr lang="en-US"/>
-          </a:p>
-        </p:txBody>
-      </p:sp>
-      <p:sp>
-        <p:nvSpPr>
-          <p:cNvPr id="8" name="AutoShape 4" descr="data:image/jpeg;base64,/9j/4AAQSkZJRgABAQAAAQABAAD/2wBDAAoHBwgHBgoICAgLCgoLDhgQDg0NDh0VFhEYIx8lJCIfIiEmKzcvJik0KSEiMEExNDk7Pj4+JS5ESUM8SDc9Pjv/2wBDAQoLCw4NDhwQEBw7KCIoOzs7Ozs7Ozs7Ozs7Ozs7Ozs7Ozs7Ozs7Ozs7Ozs7Ozs7Ozs7Ozs7Ozs7Ozs7Ozs7Ozv/wAARCAFaAOMDASIAAhEBAxEB/8QAGwABAAIDAQEAAAAAAAAAAAAAAAEEAgMFBwb/xABMEAABAwIDAgcMBggFAwUAAAABAAIDBBEFEiEGMRMVIjZBUbIUVFVhcXSDkZOUs9EyNYGCobEWIyZCUlOSwSQzQ3JzJWLwNETC4fH/xAAaAQEBAQEBAQEAAAAAAAAAAAAAAQQCAwUG/8QALxEAAgIBAgUEAQMFAAMAAAAAAAECEQMTMQQSIVFhMkFSkXEUIrEFMzRCgXLh8P/aAAwDAQACEQMRAD8Au19fWMr6hjKqZrWyOAAebDVV+Ma3vyb2hTEfrKp/5Xfmqy+7CEeVdD8Fly5NSX7nu/cs8Y1vfk3tCnGNb35N7Qqsi65I9jy1snyf2WeMa3vyb2hTjGt78m9oVWROSPYa2T5P7LPGNb35N7QpxjW9+Te0KrInJHsNbJ8n9lnjGt78m9oU4xre/JvaFVkTkj2Gtk+T+yzxjW9+Te0KcY1vfk3tCqyJyR7DWyfJ/ZZ4xre/JvaFOMa3vyb2hVZE5I9hrZPk/ss8Y1vfk3tCnGNb35N7Qqsickew1snyf2WeMa3vyb2hTjGt78m9oVWROSPYa2T5P7LPGNb35N7QpxjW9+Te0KrInJHsNbJ8n9lnjGt78m9oU4xre/JvaFVkTkj2Gtk+T+yzxjW9+Te0KcY1vfk3tCqyJyR7DWyfJ/ZZ4xre/JvaFOMa3vyb2hVZE5I9hrZPk/ss8Y1vfk3tCnGNb35N7Qqsickew1snyf2fZYNI+XCoXyPc9xzXc43J5RRY4F9TQfe7RRfCy/3Jfln7rhW3w8G+y/g+YxH6yqf+V35qss8TrKZmKVTXTsBEzgQXbtVV7upf58f9S+5CS5V1PxObHPUl0e7N6LR3dS/z4/6k7upe+I/6l1zLueelk+LN6LR3fSd8M9aju+k74Z605l3Glk+LLCKv3fSd8M9ad30nfDPWnMu40snxZYRaO76TvhnrTu6l74j/AKk5l3Glk+LN6LR3dS98R/1Ke7aXviP+oJzLuTSn2ZuRae66Y/68f9QU91U/8+P+oJzLuNOfY2otYqID/rR/1BTwsR3SM/qCtonLLsZooDmnc4H7VKWSmERFSBERAEREAREQBERAfYYF9TQfe7RRMC+poPvdoovgZv7kvyz99wn+Pj/8V/B5hj31/iHnMnaK56v499f4h5zJ2iqC1J9DHJdWSoW6F8LAC4XeHfh4lszUQA5DiQG9JF9dfwSzkq6dSK0ZqYchoeWX1N7EjXxox9I25LLk3tobAWPj67KWCqisvkpCLhji49ZPj8fkVd5aXuyCzb6DxK2CNERFS0EREsUFKhEFBSoRCULrJr3jc5w8hWKK2TlT9jcKupbunkH3is24jVt3VD/t1VZE5n3OXig90i+zGatn0nNeP+5qsR46f9SEeVpXIRdrLJe54y4PBL/U+khxSkmIAkyE9DxZWwQRcar5BbqesnpnXikIHUdQV6x4j5GLL/TFvjf2fUoqFFi8VRaOW0cn4FX1pjJSXQ+TkxTxupKgiIujzPsMC+poPvdoomBfU0H3u0UXwM39yX5Z++4T/Hx/hfweX49zgxDzmTtFc9X8e5wYh5zJ2iuetK2MzXUlFCISiUUIhKJRQipaJRSI3OjdIByWkAnqusVBRKKEQUbIYZKieOGFpfJI4Na0dJO5dpmyWISw1ToZaeeWlc1r4oZA43Oa4vuuMh0XHpKqSirIaqGwkheHtuL6g3Xbh2qFLLK+lwyKETTMne3hXEFwDxpfcDn3eJR37HSUfcrxbMYnJTcLwLg57I3QsFiZM5AG46bxvUHZXF+CZI2Bj88jowGytJBaLknWwAHTdbItp5Yy8mnHLigiJZIWuAitYgjcTZWHbZSPdIXYdBlkfIXNa4i7ZGBrh5TlBv1qXItRKDtm8WjillkpCxkDyyS7hdpFr6XuQMw1HWts+yuLRYi+iZT8K5uYte1wDXAOy3vfr0tv1Vyq2tbPhzmtpAKqV8gJzHLHG4MFh1mzLarCPbKpjkkcKYAScJfg5XMcC6ThNHDdY6Jci8sDmtwLETNRROhDHVxtBncBm1t9i1YhhlRhkkbJzG5srM8ckT8zXi5FwfKCrIx6YYnh1c6Frn0DGMALjy8pJuT47rHEsYZiELIhQshZE0NgDZHExi5c7ykk/gr1Oaib6nZPGaSOSSWltHHwYz5hZ3CGzbHp369S1M2axeR8zWUheYQ0uyvabgtzC2utwCdFZk2sq5ppHTxNmhe6MtgkcSxmVzXEAePLqrH6aStqGTMoWXaYyc0hdmyMewdHU/8ABS5FqBSZsvidonzwGKKaNz2P0dezC8CwOlx1rW7ZrF2OiDqS3CtLmuMjbAAAkk3sNCDrber52zqDEyPuOKzG5b5j/J4L8tfKs6La1oqg+qgDIxmdyLuuTE2MAi405F/KlyHLE+frKOegqpKWqZkmjNnNuDb1Lp4TiRcRTTOuf3HHp8S5+KVEVXidRUwCQRyyFzeFdd2vWVWa4tcHNNiDcL1hNxdmXiMEc0XFn2CLltx6DIM8Uma2tgLX9anj2m/lS+ofNbtWHc/OPg8/xPQ8C+poPvdootWzM7anZ+mmYCGuz2B3/TIRfEyu8kn5Z+14VOOCCfZfweZY9zgxDzmTtFc9dDH+cGIecydornrStjO11CIiEou0cbJYixrWmYuNs7SQRbcCNxWySKnhgaCxz88ObMG/veW+4KiyeWNjmMle1rt7QdCgnlERiErhGd7b6FdWSi9NTtZRSZomNkjcwaXuL77lZyRxCSdkdMwmFoc0akuvbf5N657qmdzS100haRlsXG1upQJpWycIJHB/8QOqWOUuMkDaWofwDW8tnIINtx6FormMirJGMGVo3Dq0C0ulkeXFz3HMbuud/lUOc55u5xcT0kqWKIREULRKhEQUdOTZ7Fo44JO43PFQAWCJwedW5hcAkgka6pTbPYpU1EUIo5YjNnDHSMLWktaXEA232BVxm1czJo8sIbAyIMLGkAvcITEHF1r6XJA8asUW1lJR0FLSswsgQm7y2UDOTG5hP0enNfpspbO0onJdgWJMopap1JKGwSGOVuQ5o7NDrkdAsRqkeBYi8S5qWSN0UQlyPaQ57S4NGUW11cFfftMwwPgZSODC1zGZpLkNMDYRfTU8m/2q7T7a09HLG+lwzIGRujDDILWMjXnc0a6EX36g71LkKj3PnhhGJkRkUFQRK/Iw8GeU7XQePQ+pbqLAMTxCWoip6UmSmIbIx72sIJNgLOIubi1hqutS7WUdDSwwU+GObwUrZc3Ci7iA8anLfc/8FS2c2j4h4f8AwrZ+GfG7lG2UNJOmhsddD0FW2KiURg+J/qv+n1P66/B/qjy7amy2S4DicNC+sko5WsjkLJGlhDo7Bpu7qFnBfQYftVh2SGkkpTSwszue5z84lJiLCHcm+psb626rKlV7RwNdVQQskqY5eFtI9wb/AJkbG2sGjQZNNBoehS2XlicZ+FYjG7K+hqGuIabGMj6RsPWdFk3B8Te6JrMPqS6ZpdGBGeWBqSF227X08LzwGG5GCB8bWGQWaS/Oxws0fRPr61rbtTTR0TKaHDjHlikj0kFrvjawn6Nzq2+p6fIlsnLHufPSxSwSvhmY6ORhyuY4WLT1ELFW8Xr+NMVqK4R8Hw782S97faqa6OaCIiEo9W2L5p0XpPiORRsXzTovSfEciyS9TN8PSjznHz+0OIecydornq/j/OHEPOZO0VQWpbGN7hFClCBFClBQREQBLqFKAXRFCAlLoiAIiIDOOKSYubExzy1pcQBuAFyfsCsuwqubCJDTPFy0BtuUczcwIG+1he6zwbEWYZWvqHsz3glja0tDgS5haLg6EXOq+lO2lEXxyCKdkjchvGxrQ0indHoAdOURbxepRtnSSPlYMNraifgWU0gfnDDmGUNd1EndvCypsJr6xj309LI9sbDISBvAIBt16kbl9GNsqfuqGX/F5RVxTzDT9YGxNab66nM0nVYwbW01OGyxyVscooRTCJtgyNwcw5mnN+8Gm+m89KlstI+bpcPrK2R8dLTSzPjF3hjb5R41nS4VX1sb5KelkkYyPhCQ3e24Fx16kbl1KLG8PjxnE6qrjmkpKt7ndz8E1wkBcXAOueSRoQRcgq5RbV01G6OZstaHijip+CbbJEWOjJyHNucGEnQalLZEkfPxYVWzxMkihz5yA1jTd5u4tGm/eFrfQVjCA6kmBLsovGdT1bt6+oh2tw6BrJWMqxOycOsGtDcgqHS78172da34rbDthh1L3KG1OJ1IjmmfKJ2A/TBAcOXvaDu03nVOZl5Y9z4tzXMeWPaWuabEEWIKhW8WreMcVqazMXcM8uzFgaT4yATb1lVF0c0EREIerbFc06L0nxHImxXNOi9J8RyLLLdm2PpR5xj5/aHEfOZO0VShYJH5SbAC+iuY/wA4cR85k7RXPutUTJJN3RaFPBbSoBOnUsRFFlvnAItoba6nx+RV0XXMux5acvkWXQRNYXCa56AOnQ/JV7qEUbs7jFrd2TdLqEUOibpdZMjLw4ggBvSVtFFIXhocwkm28/8An/4gNF0ut4o3kaOaCNDc9Nzp+C0EAGwIPjCAXS6hEBN0uoRATdLqFJBG8FBQul1CIKJul1CIKJul1CIKJul1CIKJul1CIKPWNiuaVF6T4jkTYnmlRek+I5FlluzXHZHm+0HOHEfOZO0Vzl0NoD+0OI+dSdornrQtjM11CIiooIiIKCIiCjJrnNvlJFxY2PQhkeRlL3W6rrFEFGQkeL2cRffqoUIgoIiIKCIiCgurIyOaSz3HKXwtIDtLZNfyXKRCo6cUVOW/SETJYBm5V7HOB/Zap6VsdHwgiLHtfZ2Ynr6Ogqil7oAiXRCUFOU9R9Si6ttr3CDJwbcwAaHa6gAjX1oR37FXKeoqFb4ymz5g1g3aAHot4/8At/NVL63QK/cIiIWj1nYnmlRek+I5E2J5pUXpPiORZpbs0x2R5ttBzixHzqTtFc5dDaDnFiPnUnaK560LY8HuSoRFSE7t6hfYCip66u2QpKiMOhnga2Ro0zAyuvqFTmiwqvw/F+5sNFHJhwbJFKJnOc9vCBhDrm3Te4tuXNlo+csQLkb1C+u2iqsNOy+CsiwkRulgkdE7h3Hgv1hvp+9e3T1rOtwrCJtoaPZ+koDA6XgXy1Rlc4gGMOcA3cNPxSxynxysUVFUYjVx0lJGZZpCQ1oO/S67TocLxjD8SdQYd3HLQME0ZErn8LHmDTmv+9qDcW6V29n4KHBtr6HCRQtkrWsJnqZHuu15jLrNaNLC9tb31RsJHwe5F13UFN+h3GPB/wCJ4wMOe5+hkva3lV1uCUMmJ0LZA+OlGFtrarIbudZpc61+k2AVsUfNgEkAC5KsUlBU1xmFNEX8BE6aTUDKwbyvotmq/C6na7DWswSKEcMGtyzvJvcEE3vcix8Ruq1O3D8TrsUfFQ9ysgoJZAwTOdywRyrny7lLFHzqL6QQ4Rg9Hhja/D+7JK+Ph5X8K5pijLiGhgGl9L63WxmE4fhTtoO7qU1nF0kTYAZCwHM4gE26CLf/AEljlPl1Otr20Xbx+jo24dhWJ0dOKbu6J5fEHFzWua61wTrY9S6FDU4dFsDI+bChO4VzWPJnc3M7I4h2g0te1ksUfJovp202D4ZxXR1tCamSuiZNPMZXNdEHk5QwDS4Fjre64eK0DsLxWqoHuzGnldHm67HeqmKKiLJkb5DZouepZGnmabFhv1K0zjmS9zBQs5YzGQCQb9SwQqafVBERChSoRAes7E80aL0nxHImxHNGi9J8RyLNLdmmOyPNtoOcWI+dSdornq/tBzixHzqTtFc9e62M7JRQioPqabGqCPEtmJnTEMw+NoqDkPIIkcerXQjcufSYhTRUuORvks6siDYeSeUeFa77NAd64yKUWzv1tTQYjs1hzO7RDVYfG+MwOjcTLd5cC1wFunpst9Vj9NFtpT4xTkzQRtia4AFpIEYY8a/auNT4TWVMQkYwBh3FxtdVJI3RSujdbMw2NiunBpW0ecc0JycYu2j6F0+FYPh+IjD8RNZPXsEMYETmcFHmDjmvvOgGnjXVo8XwSXaen2lqcT4CQs/X0pge5wkyZTYgWynf9q+HRc0elnfw+qw+r2bmwirrRRSNqxUxyvjc9rxlylvJBIKuSY1hUON02SWWooDhjaGd4ZlfYtIJAPSND9i+URKFneoX4dgO0OHVsWJNroYpg+QxxOaWNBH8Q36nQdSzp5sNwurxIR4iyqZU0MsbHsie3luIs03HUN+5fPIlEs+k4fB8Yo8NdiGIOo5KCIQTM4JzzLGHEgsI0vYka2WFVjkFdDtBJISySvlhdBGQTyWvJtfxNsvnkSi2dnFMQpqnZ/BqWKS81KyVsrcpGXM+416dFtw2poajZuowqrrW0cndLahkj43Pa4BpaW8kHXcuCso43SyNjYLucbAK0RuurPpRVYNifFlbW17qaWhiZFPBwTnGYMPJLCNNRYa2suHite7FMVqq97cpqJXSZeq53LCroZ6ItEzQM24g3VdHFxdM5jOM1cXaM2SOjN2myzFVM12YOANrfRG5aUVTaDhF7oyfI55u517KFCKFSS6IlFCIUlFCID1rYjmjRek+I5E2I5o0PpPiORZ5bs0LY812g5xYj51J2iueuhtBzixHzqTtFc9e62PD3Ovs/DFNJOJY2Ps0WzNBstAoRV4vNTscIgHOOjdwB6la2b/zaj/a3+6nD+cU/lf+a1qKcI33PiZMs4Z8zi9kh+jhMhHdIDejk6lU3YRI3EW0ZkHKbmD7aWVyoc79J49TvaPwWO0RtVQEH9w/mrKEKbS2ZMObiHOMZSvmje2x1qymlkpWxU83AZSNR1DoXBo8Jmrw6d8gY0k8oi5celdLaHSgj/5Bu8hSsJh2daI+TdjRp47XXc1GUnfsjNw08mPFHkfWTrbYoVWByQQGaGUTNaLkAWNlrw3C+72ueZcjWusQBcldHZ1xfSSxu1aHC32hTgADY6lo3CSy5jjhJxddGaMnFZscMkG7cWuv5OfV4M+kpRK+W7i4Ny23X8asu2cIAtUi9+US3QBct8sj6mz3ucM/Sb9K7W0hIpogCf8AM/suIrG05VsemSfExljhz9ZX7FaXZ2Zr2iOdrmn6RItlWFXgT6andMyYSBouRltp4lfr3E7PNNzcsZc+pRREu2ddc3tG8fmvR44XVe1nhHiuJUVNy/2rbc5VBhUtexz2yMYwGxJ1PqW+owJ8VO6aGdsoaLkZbLRQUlbVRvZTvLIieWSbAruUlM2kw2SJswlsHXI3A23LjHjjKPVHtxXE5MWTpNb7V/LKuB0DBB3RIGP4T6ILdW2JVWuwySnq2StmAM01m2FspJW3ZsnNPr0N/uqIJ473n/1H/wAlXy6cehzHU/VZHzbL/wCRuxqGpidD3RU8M4g25NgNyzp8AkkhbLNO2LML2tcjyq1jLQ+voWu3F+vrCw2ke4CCME5SST+CsoRTlJ+xziz5ZQx44Om7612KFfhUtA0PLhJGTbMBay30mBmqo2ziazni4bbQeVXr90bNXk1Ijv6jp+ShhI2aJBseDP5osUOa66VYlxeZ40r/AHc1WVJ9n5I6d0sc7ZC0Xy5bX/FchfRYGScKkBOgc78l86vHLGKSa9zbweXLKc8eR3TCIi8T6AREQHrWxHNGh9J8RyJsRzRofSfEcizy3ZoWx5ttAP2ixHzqTtFc6y6W0HOHEfOpO0VzloWxne52NnXNZLPmcBdo3lTQOaNoJ3FwAJfrfxrjWReyyUkq2ME+EUpzlfqVHYqHt/SVjswy5m6303KNoS11TAWuDhlO4+NchEeS01W5Y8IozhK/SqPoMfex9BGGva79YDob9BUUU8GIYX3FLIGSBuXXptuIXAslldb93NR5rgIrEsfN1TtM+jYafBaF7eGEkjtQBvJ6NFq2fe1tPNneAS++p8S4NkVWammlsR8ApY5RcrcurZs/9z9/+67W0T2Pposr2u5d9D4lwbIvNTqLXc0ZOHU8kJ36T6Cuew7PtaHtJyM0v5EoXs/R97M7c2R+l/Kvn0svTW/dde1Hh+gXJyc3vZ9Bhb4qnCXUgkEcliD169K30EUFNTvou6WPkNybHddfMIkc1V0Ocn9P5nKp0m7/AOnbwgw0dfUUzpQdwa46ZrLGroY6XEYZxMHcLODl6tblcbei51P21R6fpHqOaluqfk7WPyhs9M9jg4sudD4wrNRHTY3TRuZOGPbrbpHWCF84iurbdrozlcDUIqMqcfc7uKVUFNhzaGB4c6wabHcB1rJr2/o2W5xm4M6X13rgJZNZ23QXAxUFG9nd9z6DA3sbhsjS9oOY6E+JfP2RFxKfNFLsacWBY8k536iLJZSi4NJFkspsihD1nYjmjRek+I5E2I5o0XpPiORZ5bs0x2PN9oOcWI+dSdornro7Qc4cR85k7RXOWhbGZ7hERUlnXpcDbUUzJnVBbnF7Bu5Y1WAyxRmSCQSgC5BFir2R8mzoZG0ucYxYDp1U4PHNTUchqbtbe4DugdK26cHSr2Pz/wCqzxUp8+zqj5xrS82aCSdwAWySlqIm55IJGt6y0rtYNC0QzVgju5zjkHUOpWaCWrqTKytgDGH6N22v4l5xwJpX7mvL/UHGT5Uqjv16/wDDi4bhpri4ue6NrRoQ3etFVSvp6h8Ya8tDsrSRvXawWZ2aalsAyEnKeneVWqa2WfFoqd4aGRVAykDXejhBQTJHic74iS9krOaaKqGQGnku++UZdSr2FytphNHLRSSvJ/dZcjxFdPFMQdQCIsja9zydT0DRasFlM7qqYi2eTNbqXSxqM6T6nlPismXh3Ocen58nz79ZXWblu48nq8S2GjqWszmnkDevKV1MGpmyVk87wDwbrNv1m6u0tTWy1z2zQZINbEtsuI4VJW/c98vHODcYJdF1t/wfNMhlkF443OA6Q0lQGPc/I1pLv4QNV9DQFsOL1dO3QO5QH5/msKWm4PaCc20ALh9v/hU0dupXx9OVrZWjhGOQPyFjg7+G2qzfSVMbM74JGt6y0roDFW02JVUuQSh5s37NAunhlTU1ccpqow1t+TybXB/NI4oydWM3F5cUVNxVdPf+DjYLFHLXhsjGvGUmzhdRjLWsxKRrWhoAFgB4lYwpoZjUjGiwbnA9a0Y19ZyeQfkjVYv+iM2+N8cpQREXgfTsIrPchDRd4D8rXZbdDjpr9qkUTru5Ys0uBP8Att81aJzIqorYoQ7QTNJc4tYAL5iBf+6ryxmKTISCbC9ujTcpQswREQtnrOxPNKi9J8RyJsTzSovSfEcizS3ZpjsjzfH+cOI+cydornro4+P2hxHzmTtFc+y0rYyvchLKUsqQ+kindTYEyZgBc2MWB3b1jI44thBcwlr+lo6SOhcc4hUGk7lJbwYFt2qikrqijDhC4AO3gi61ay2e1HxlwE0nNVzXa/B2MFk4TDXRMOV7CR5L7iqb5cba5wOfk7yGi3rsqLK2ojqXTxuyPdqQBofsViTGaySNzDkAcLEhq51IuKVvoej4XJHK5KKaff2LOz5Lp5yTckA/itEsErMbEjo3BhqBZxGh1VOmqZaSThInWdax0uCt9RidTUPjc/KOCdmaAOlc88XBJ+x6PBlWeU41TVF7aLdT/e/sstnv8mf/AHD8ly6uunrcvDFpyXtYWU0tfPRtc2ItAdvuLrrUWrzHD4XJ+k0ff/2dTA5Bw1VEd+fMFrqHY0yocxhe5tzlLWC1vUuUyaSKbhY3lr73uFd48rctrs8uVFkTjTdEnwuSOVzik77mqjqJG4syWZ13F+VxPqXfqGtp2VFVflcHb1Xt+a+VJJdmO8m6tz4nVVMJikc3Kd9gmPKoppl4ng5ZZxlH8Mu4BTxvEkzmhz2kBt+hXcNqKqodO6oYWBpAYMtuu64FLWTUby6F1r7wRcFWDjNaZA/OBb90N0VhljFI8+I4PLknJqmntfsWaCN8WPSB7S2+Yi/SLqrjX1nJ5B+SwOJVJrO6rtEmXLu0stFRPJVTGWW2Y77Cy4lNcnKu5pxYMizLJLtRqRTZLLxN5uFVJwLoyb6ANPSLEFQaqcuzGTXXoHTvWqyWVHQ2R1DmyNc67gx2YAG2v/gCwe4ve57jcuNyosllAQimyWQHq+xPNKi9J8RyJsVzSovSfEciyy3ZrjsjzjH+cOIecydoqguhj/ODEfOZO0Vz1qWxje4REVIESyIUIiISwiWRBYREQBEW2KnfMCWkaG1roLNSLc6mc1rnZm6C9hfxfNaUoWEREFhERBYREQBERAEREAREQHq2xXNOi9J8RyJsVzTovSfEciyS3Ztj6UedY9zgxDzmTtFVaZkTjmlO57Ra4GnSVax7nBiHnMnaK561LYwy3LXAU1rmUm7SbAjTQH5j7Fk6CjDieEfa5tymnpsB6tVTRKOaLsVLTzTZGOe7eTlI8XzVNws4gbgUBI3GyhWggiIqWwiIgsIiILCXI3EoiCxc+NERBYREQWEREFhERBYREQWEREFhERBZ6rsXzTovSfEcinYvmnRek+I5Fjl6mb4elHnWPc4MQ85k7RXPXQx7nBiHnMnaK561rYwSfUIpsllTmyEREFhFNkQWQilXG0rHgOkeWtDY/oM/iQq6lJF0IaSNgla85nmJ5bcaCxtf8EOGsNT3O2cGW5B00BClnXKznosnNAeQL2BsL71iqcBERBYRZZHfwndfd0KWxSPNmsc42voOhBZgi3tpXvp+Ea1znZy0tA8S02IVoWQiIoLCIiCwiIgsIilBZ6psXzUovSdtyJsXzUovSdtyLHL1M+jD0o87x7nBiHnMnaK566GPc4MQ85k7RVBbFsfNk+rISxV408LQ12W/IcXDN9FwG5ZNjgbMxzGhpbJGfpX3i5XVHNnPRT0ooWyEUogshZ8LJa2d1rDp6tyxRBZs7onyFnCvym9xfQ33o6oneAHSvNhbUrWiFthzi5xJJJJuSVClEJZCKUQWdGnqKZ0MXDOs8tMLvE3fm/FS2pieyRgMQLXNycISAWgWG71/auaitkL/AAxljceHjjk4cvJDrC1t4VWrkbNVSSMFmudcLUiAhFKKFshFKILIRSiCyEUogs9T2M5qUXpO25E2M5qUX3+25Fil6mfSh6UeeY99f4h5zJ2iueuhjv1/iHnMnaK562rY+ZJ9WEWWU9R9SZXdR9S6o5tGKLLK7qPqTK7+E+pKFoxRZZXdR9ShQWQilELZCKUQWQilEFkIpRBZCKUQWQpsbXtoEW6CZsYc17MwcQfUhLNCWV6GopiSHxMaL3BLb9J+Y9SwZPTtkJdCHaW3AdQ3etS32JZUsiuTTQBpaxkbiW2ByblgyojADXQNcB4hfo+R9aWLK9ja6ixG/RXO64cuUQNA0uMosbA6/ju3aLRNJwjgQ21hayCzUilFS2epbGc1KP7/AG3ImxnNSj+/23IsMvUz6uP0I88x36/xDzmTtFUF0Md+v8Q85k7RXPW6OyPkyfVn0NFC2oc2Nzi0ZC7TebC9h4zuVxmGCQgmpjiDr6SEAjdv9Z9S+fGIuDQODBsLb04yd/KHrXra7mVQfY+hfhbWskcKyIljS4D+K3QNelYtw1r83+LjBaTYH97lEaa+K/kK4HGTv5Y9anjJ38sD7UvyXlfY6s8IhyWlD8zQdBu8S+ek/wA1/wDuKucZO/lD1qk45nF3WbqSdnUE03ZCIi5PawiIgslZmCUAkxPAGp5O5YsOV7XdRurIqmWkzNcXPLtb7gUFmmOnkkkjaWloe4AOI0WIjdlJsb6WFt6sMrGtka7IbNex2/8AhFlBq2mQPyEG7SRfTTqQWaOAlDg3g3XOoFt6hzHMdlc0tPUQrcEzHjI+wAa64JHKuQVXqSHVDyH5x1oLNSIiCwiIgsIiILCIiCwiIgs9T2N5q0f3+25E2N5q0f3+25Fgn6mfXx+hfg88x36/xDzmTtFUFfx36/xDzmTtFUFvjsfGk/3MIiKnNhERBYREQWEREFhERBYREQWEREFhERBYREQWEREFhERBYREQWEREFnqWxvNWj+/23ImxvNWj+/23Ivnz9TPtYvRH8HnmO/X+IecydoqgvYZMIwyWR0kmHUj3uN3OdA0knrJsseJMJ8F0fu7PktiydNj5csPV9TyBF6/xJhPguj93Z8k4kwnwXR+7s+Sup4Jo+TyBF6/xJhPguj93Z8k4kwnwXR+7s+SangaPk8gRev8AEmE+C6P3dnyTiTCfBdH7uz5JqeBo+TyBF6/xJhPguj93Z8k4kwnwXR+7s+SangaPk8gRev8AEmE+C6P3dnyTiTCfBdH7uz5JqeBo+TyBF6/xJhPguj93Z8k4kwnwXR+7s+SangaPk8gRev8AEmE+C6P3dnyTiTCfBdH7uz5JqeBo+TyBF6/xJhPguj93Z8k4kwnwXR+7s+SangaPk8gRev8AEmE+C6P3dnyTiTCfBdH7uz5JqeBo+TyBF6/xJhPguj93Z8k4kwnwXR+7s+SangaPk8gRev8AEmE+C6P3dnyTiTCfBdH7uz5JqeBo+TyBF6/xJhPguj93Z8k4kwnwXR+7s+SangaPk8gRev8AEmE+C6P3dnyTiTCfBdH7uz5JqeBo+SlsbzVo/v8Abci7EMENNE2KCJkUbdzGNDQOncEWGTuTPrY1UEvB/9k="/>
-          <p:cNvSpPr>
-            <a:spLocks noChangeAspect="1" noChangeArrowheads="1"/>
-          </p:cNvSpPr>
-          <p:nvPr/>
-        </p:nvSpPr>
-        <p:spPr bwMode="auto">
-          <a:xfrm>
-            <a:off x="307975" y="7937"/>
-            <a:ext cx="304800" cy="304801"/>
-          </a:xfrm>
-          <a:prstGeom prst="rect">
-            <a:avLst/>
-          </a:prstGeom>
-          <a:noFill/>
-          <a:extLst>
-            <a:ext uri="{909E8E84-426E-40DD-AFC4-6F175D3DCCD1}">
-              <a14:hiddenFill xmlns:a14="http://schemas.microsoft.com/office/drawing/2010/main">
-                <a:solidFill>
-                  <a:srgbClr val="FFFFFF"/>
-                </a:solidFill>
-              </a14:hiddenFill>
-            </a:ext>
-          </a:extLst>
-        </p:spPr>
-        <p:txBody>
-          <a:bodyPr vert="horz" wrap="square" lIns="91440" tIns="45720" rIns="91440" bIns="45720" numCol="1" anchor="t" anchorCtr="0" compatLnSpc="1">
-            <a:prstTxWarp prst="textNoShape">
-              <a:avLst/>
-            </a:prstTxWarp>
-          </a:bodyPr>
-          <a:lstStyle/>
-          <a:p>
-            <a:endParaRPr lang="en-US"/>
-          </a:p>
-        </p:txBody>
-      </p:sp>
-      <p:sp>
-        <p:nvSpPr>
-          <p:cNvPr id="9" name="AutoShape 6" descr="data:image/jpeg;base64,/9j/4AAQSkZJRgABAQAAAQABAAD/2wBDAAoHBwgHBgoICAgLCgoLDhgQDg0NDh0VFhEYIx8lJCIfIiEmKzcvJik0KSEiMEExNDk7Pj4+JS5ESUM8SDc9Pjv/2wBDAQoLCw4NDhwQEBw7KCIoOzs7Ozs7Ozs7Ozs7Ozs7Ozs7Ozs7Ozs7Ozs7Ozs7Ozs7Ozs7Ozs7Ozs7Ozs7Ozs7Ozv/wAARCAFaAOMDASIAAhEBAxEB/8QAGwABAAIDAQEAAAAAAAAAAAAAAAEEAgMFBwb/xABMEAABAwIDAgcMBggFAwUAAAABAAIDBBEFEiEGMRMVIjZBUbIUVFVhcXSDkZOUs9EyNYGCobEWIyZCUlOSwSQzQ3JzJWLwNETC4fH/xAAaAQEBAQEBAQEAAAAAAAAAAAAAAQQCAwUG/8QALxEAAgIBAgUEAQMFAAMAAAAAAAECEQMTMQQSIVFhMkFSkXEUIrEFMzRCgXLh8P/aAAwDAQACEQMRAD8Au19fWMr6hjKqZrWyOAAebDVV+Ma3vyb2hTEfrKp/5Xfmqy+7CEeVdD8Fly5NSX7nu/cs8Y1vfk3tCnGNb35N7Qqsi65I9jy1snyf2WeMa3vyb2hTjGt78m9oVWROSPYa2T5P7LPGNb35N7QpxjW9+Te0KrInJHsNbJ8n9lnjGt78m9oU4xre/JvaFVkTkj2Gtk+T+yzxjW9+Te0KcY1vfk3tCqyJyR7DWyfJ/ZZ4xre/JvaFOMa3vyb2hVZE5I9hrZPk/ss8Y1vfk3tCnGNb35N7Qqsickew1snyf2WeMa3vyb2hTjGt78m9oVWROSPYa2T5P7LPGNb35N7QpxjW9+Te0KrInJHsNbJ8n9lnjGt78m9oU4xre/JvaFVkTkj2Gtk+T+yzxjW9+Te0KcY1vfk3tCqyJyR7DWyfJ/ZZ4xre/JvaFOMa3vyb2hVZE5I9hrZPk/ss8Y1vfk3tCnGNb35N7Qqsickew1snyf2fZYNI+XCoXyPc9xzXc43J5RRY4F9TQfe7RRfCy/3Jfln7rhW3w8G+y/g+YxH6yqf+V35qss8TrKZmKVTXTsBEzgQXbtVV7upf58f9S+5CS5V1PxObHPUl0e7N6LR3dS/z4/6k7upe+I/6l1zLueelk+LN6LR3fSd8M9aju+k74Z605l3Glk+LLCKv3fSd8M9ad30nfDPWnMu40snxZYRaO76TvhnrTu6l74j/AKk5l3Glk+LN6LR3dS98R/1Ke7aXviP+oJzLuTSn2ZuRae66Y/68f9QU91U/8+P+oJzLuNOfY2otYqID/rR/1BTwsR3SM/qCtonLLsZooDmnc4H7VKWSmERFSBERAEREAREQBERAfYYF9TQfe7RRMC+poPvdoovgZv7kvyz99wn+Pj/8V/B5hj31/iHnMnaK56v499f4h5zJ2iqC1J9DHJdWSoW6F8LAC4XeHfh4lszUQA5DiQG9JF9dfwSzkq6dSK0ZqYchoeWX1N7EjXxox9I25LLk3tobAWPj67KWCqisvkpCLhji49ZPj8fkVd5aXuyCzb6DxK2CNERFS0EREsUFKhEFBSoRCULrJr3jc5w8hWKK2TlT9jcKupbunkH3is24jVt3VD/t1VZE5n3OXig90i+zGatn0nNeP+5qsR46f9SEeVpXIRdrLJe54y4PBL/U+khxSkmIAkyE9DxZWwQRcar5BbqesnpnXikIHUdQV6x4j5GLL/TFvjf2fUoqFFi8VRaOW0cn4FX1pjJSXQ+TkxTxupKgiIujzPsMC+poPvdoomBfU0H3u0UXwM39yX5Z++4T/Hx/hfweX49zgxDzmTtFc9X8e5wYh5zJ2iuetK2MzXUlFCISiUUIhKJRQipaJRSI3OjdIByWkAnqusVBRKKEQUbIYZKieOGFpfJI4Na0dJO5dpmyWISw1ToZaeeWlc1r4oZA43Oa4vuuMh0XHpKqSirIaqGwkheHtuL6g3Xbh2qFLLK+lwyKETTMne3hXEFwDxpfcDn3eJR37HSUfcrxbMYnJTcLwLg57I3QsFiZM5AG46bxvUHZXF+CZI2Bj88jowGytJBaLknWwAHTdbItp5Yy8mnHLigiJZIWuAitYgjcTZWHbZSPdIXYdBlkfIXNa4i7ZGBrh5TlBv1qXItRKDtm8WjillkpCxkDyyS7hdpFr6XuQMw1HWts+yuLRYi+iZT8K5uYte1wDXAOy3vfr0tv1Vyq2tbPhzmtpAKqV8gJzHLHG4MFh1mzLarCPbKpjkkcKYAScJfg5XMcC6ThNHDdY6Jci8sDmtwLETNRROhDHVxtBncBm1t9i1YhhlRhkkbJzG5srM8ckT8zXi5FwfKCrIx6YYnh1c6Frn0DGMALjy8pJuT47rHEsYZiELIhQshZE0NgDZHExi5c7ykk/gr1Oaib6nZPGaSOSSWltHHwYz5hZ3CGzbHp369S1M2axeR8zWUheYQ0uyvabgtzC2utwCdFZk2sq5ppHTxNmhe6MtgkcSxmVzXEAePLqrH6aStqGTMoWXaYyc0hdmyMewdHU/8ABS5FqBSZsvidonzwGKKaNz2P0dezC8CwOlx1rW7ZrF2OiDqS3CtLmuMjbAAAkk3sNCDrber52zqDEyPuOKzG5b5j/J4L8tfKs6La1oqg+qgDIxmdyLuuTE2MAi405F/KlyHLE+frKOegqpKWqZkmjNnNuDb1Lp4TiRcRTTOuf3HHp8S5+KVEVXidRUwCQRyyFzeFdd2vWVWa4tcHNNiDcL1hNxdmXiMEc0XFn2CLltx6DIM8Uma2tgLX9anj2m/lS+ofNbtWHc/OPg8/xPQ8C+poPvdootWzM7anZ+mmYCGuz2B3/TIRfEyu8kn5Z+14VOOCCfZfweZY9zgxDzmTtFc9dDH+cGIecydornrStjO11CIiEou0cbJYixrWmYuNs7SQRbcCNxWySKnhgaCxz88ObMG/veW+4KiyeWNjmMle1rt7QdCgnlERiErhGd7b6FdWSi9NTtZRSZomNkjcwaXuL77lZyRxCSdkdMwmFoc0akuvbf5N657qmdzS100haRlsXG1upQJpWycIJHB/8QOqWOUuMkDaWofwDW8tnIINtx6FormMirJGMGVo3Dq0C0ulkeXFz3HMbuud/lUOc55u5xcT0kqWKIREULRKhEQUdOTZ7Fo44JO43PFQAWCJwedW5hcAkgka6pTbPYpU1EUIo5YjNnDHSMLWktaXEA232BVxm1czJo8sIbAyIMLGkAvcITEHF1r6XJA8asUW1lJR0FLSswsgQm7y2UDOTG5hP0enNfpspbO0onJdgWJMopap1JKGwSGOVuQ5o7NDrkdAsRqkeBYi8S5qWSN0UQlyPaQ57S4NGUW11cFfftMwwPgZSODC1zGZpLkNMDYRfTU8m/2q7T7a09HLG+lwzIGRujDDILWMjXnc0a6EX36g71LkKj3PnhhGJkRkUFQRK/Iw8GeU7XQePQ+pbqLAMTxCWoip6UmSmIbIx72sIJNgLOIubi1hqutS7WUdDSwwU+GObwUrZc3Ci7iA8anLfc/8FS2c2j4h4f8AwrZ+GfG7lG2UNJOmhsddD0FW2KiURg+J/qv+n1P66/B/qjy7amy2S4DicNC+sko5WsjkLJGlhDo7Bpu7qFnBfQYftVh2SGkkpTSwszue5z84lJiLCHcm+psb626rKlV7RwNdVQQskqY5eFtI9wb/AJkbG2sGjQZNNBoehS2XlicZ+FYjG7K+hqGuIabGMj6RsPWdFk3B8Te6JrMPqS6ZpdGBGeWBqSF227X08LzwGG5GCB8bWGQWaS/Oxws0fRPr61rbtTTR0TKaHDjHlikj0kFrvjawn6Nzq2+p6fIlsnLHufPSxSwSvhmY6ORhyuY4WLT1ELFW8Xr+NMVqK4R8Hw782S97faqa6OaCIiEo9W2L5p0XpPiORRsXzTovSfEciyS9TN8PSjznHz+0OIecydornq/j/OHEPOZO0VQWpbGN7hFClCBFClBQREQBLqFKAXRFCAlLoiAIiIDOOKSYubExzy1pcQBuAFyfsCsuwqubCJDTPFy0BtuUczcwIG+1he6zwbEWYZWvqHsz3glja0tDgS5haLg6EXOq+lO2lEXxyCKdkjchvGxrQ0indHoAdOURbxepRtnSSPlYMNraifgWU0gfnDDmGUNd1EndvCypsJr6xj309LI9sbDISBvAIBt16kbl9GNsqfuqGX/F5RVxTzDT9YGxNab66nM0nVYwbW01OGyxyVscooRTCJtgyNwcw5mnN+8Gm+m89KlstI+bpcPrK2R8dLTSzPjF3hjb5R41nS4VX1sb5KelkkYyPhCQ3e24Fx16kbl1KLG8PjxnE6qrjmkpKt7ndz8E1wkBcXAOueSRoQRcgq5RbV01G6OZstaHijip+CbbJEWOjJyHNucGEnQalLZEkfPxYVWzxMkihz5yA1jTd5u4tGm/eFrfQVjCA6kmBLsovGdT1bt6+oh2tw6BrJWMqxOycOsGtDcgqHS78172da34rbDthh1L3KG1OJ1IjmmfKJ2A/TBAcOXvaDu03nVOZl5Y9z4tzXMeWPaWuabEEWIKhW8WreMcVqazMXcM8uzFgaT4yATb1lVF0c0EREIerbFc06L0nxHImxXNOi9J8RyLLLdm2PpR5xj5/aHEfOZO0VShYJH5SbAC+iuY/wA4cR85k7RXPutUTJJN3RaFPBbSoBOnUsRFFlvnAItoba6nx+RV0XXMux5acvkWXQRNYXCa56AOnQ/JV7qEUbs7jFrd2TdLqEUOibpdZMjLw4ggBvSVtFFIXhocwkm28/8An/4gNF0ut4o3kaOaCNDc9Nzp+C0EAGwIPjCAXS6hEBN0uoRATdLqFJBG8FBQul1CIKJul1CIKJul1CIKJul1CIKJul1CIKPWNiuaVF6T4jkTYnmlRek+I5FlluzXHZHm+0HOHEfOZO0Vzl0NoD+0OI+dSdornrQtjM11CIiooIiIKCIiCjJrnNvlJFxY2PQhkeRlL3W6rrFEFGQkeL2cRffqoUIgoIiIKCIiCgurIyOaSz3HKXwtIDtLZNfyXKRCo6cUVOW/SETJYBm5V7HOB/Zap6VsdHwgiLHtfZ2Ynr6Ogqil7oAiXRCUFOU9R9Si6ttr3CDJwbcwAaHa6gAjX1oR37FXKeoqFb4ymz5g1g3aAHot4/8At/NVL63QK/cIiIWj1nYnmlRek+I5E2J5pUXpPiORZpbs0x2R5ttBzixHzqTtFc5dDaDnFiPnUnaK560LY8HuSoRFSE7t6hfYCip66u2QpKiMOhnga2Ro0zAyuvqFTmiwqvw/F+5sNFHJhwbJFKJnOc9vCBhDrm3Te4tuXNlo+csQLkb1C+u2iqsNOy+CsiwkRulgkdE7h3Hgv1hvp+9e3T1rOtwrCJtoaPZ+koDA6XgXy1Rlc4gGMOcA3cNPxSxynxysUVFUYjVx0lJGZZpCQ1oO/S67TocLxjD8SdQYd3HLQME0ZErn8LHmDTmv+9qDcW6V29n4KHBtr6HCRQtkrWsJnqZHuu15jLrNaNLC9tb31RsJHwe5F13UFN+h3GPB/wCJ4wMOe5+hkva3lV1uCUMmJ0LZA+OlGFtrarIbudZpc61+k2AVsUfNgEkAC5KsUlBU1xmFNEX8BE6aTUDKwbyvotmq/C6na7DWswSKEcMGtyzvJvcEE3vcix8Ruq1O3D8TrsUfFQ9ysgoJZAwTOdywRyrny7lLFHzqL6QQ4Rg9Hhja/D+7JK+Ph5X8K5pijLiGhgGl9L63WxmE4fhTtoO7qU1nF0kTYAZCwHM4gE26CLf/AEljlPl1Otr20Xbx+jo24dhWJ0dOKbu6J5fEHFzWua61wTrY9S6FDU4dFsDI+bChO4VzWPJnc3M7I4h2g0te1ksUfJovp202D4ZxXR1tCamSuiZNPMZXNdEHk5QwDS4Fjre64eK0DsLxWqoHuzGnldHm67HeqmKKiLJkb5DZouepZGnmabFhv1K0zjmS9zBQs5YzGQCQb9SwQqafVBERChSoRAes7E80aL0nxHImxHNGi9J8RyLNLdmmOyPNtoOcWI+dSdornq/tBzixHzqTtFc9e62M7JRQioPqabGqCPEtmJnTEMw+NoqDkPIIkcerXQjcufSYhTRUuORvks6siDYeSeUeFa77NAd64yKUWzv1tTQYjs1hzO7RDVYfG+MwOjcTLd5cC1wFunpst9Vj9NFtpT4xTkzQRtia4AFpIEYY8a/auNT4TWVMQkYwBh3FxtdVJI3RSujdbMw2NiunBpW0ecc0JycYu2j6F0+FYPh+IjD8RNZPXsEMYETmcFHmDjmvvOgGnjXVo8XwSXaen2lqcT4CQs/X0pge5wkyZTYgWynf9q+HRc0elnfw+qw+r2bmwirrRRSNqxUxyvjc9rxlylvJBIKuSY1hUON02SWWooDhjaGd4ZlfYtIJAPSND9i+URKFneoX4dgO0OHVsWJNroYpg+QxxOaWNBH8Q36nQdSzp5sNwurxIR4iyqZU0MsbHsie3luIs03HUN+5fPIlEs+k4fB8Yo8NdiGIOo5KCIQTM4JzzLGHEgsI0vYka2WFVjkFdDtBJISySvlhdBGQTyWvJtfxNsvnkSi2dnFMQpqnZ/BqWKS81KyVsrcpGXM+416dFtw2poajZuowqrrW0cndLahkj43Pa4BpaW8kHXcuCso43SyNjYLucbAK0RuurPpRVYNifFlbW17qaWhiZFPBwTnGYMPJLCNNRYa2suHite7FMVqq97cpqJXSZeq53LCroZ6ItEzQM24g3VdHFxdM5jOM1cXaM2SOjN2myzFVM12YOANrfRG5aUVTaDhF7oyfI55u517KFCKFSS6IlFCIUlFCID1rYjmjRek+I5E2I5o0PpPiORZ5bs0LY812g5xYj51J2iueuhtBzixHzqTtFc9e62PD3Ovs/DFNJOJY2Ps0WzNBstAoRV4vNTscIgHOOjdwB6la2b/zaj/a3+6nD+cU/lf+a1qKcI33PiZMs4Z8zi9kh+jhMhHdIDejk6lU3YRI3EW0ZkHKbmD7aWVyoc79J49TvaPwWO0RtVQEH9w/mrKEKbS2ZMObiHOMZSvmje2x1qymlkpWxU83AZSNR1DoXBo8Jmrw6d8gY0k8oi5celdLaHSgj/5Bu8hSsJh2daI+TdjRp47XXc1GUnfsjNw08mPFHkfWTrbYoVWByQQGaGUTNaLkAWNlrw3C+72ueZcjWusQBcldHZ1xfSSxu1aHC32hTgADY6lo3CSy5jjhJxddGaMnFZscMkG7cWuv5OfV4M+kpRK+W7i4Ny23X8asu2cIAtUi9+US3QBct8sj6mz3ucM/Sb9K7W0hIpogCf8AM/suIrG05VsemSfExljhz9ZX7FaXZ2Zr2iOdrmn6RItlWFXgT6andMyYSBouRltp4lfr3E7PNNzcsZc+pRREu2ddc3tG8fmvR44XVe1nhHiuJUVNy/2rbc5VBhUtexz2yMYwGxJ1PqW+owJ8VO6aGdsoaLkZbLRQUlbVRvZTvLIieWSbAruUlM2kw2SJswlsHXI3A23LjHjjKPVHtxXE5MWTpNb7V/LKuB0DBB3RIGP4T6ILdW2JVWuwySnq2StmAM01m2FspJW3ZsnNPr0N/uqIJ473n/1H/wAlXy6cehzHU/VZHzbL/wCRuxqGpidD3RU8M4g25NgNyzp8AkkhbLNO2LML2tcjyq1jLQ+voWu3F+vrCw2ke4CCME5SST+CsoRTlJ+xziz5ZQx44Om7612KFfhUtA0PLhJGTbMBay30mBmqo2ziazni4bbQeVXr90bNXk1Ijv6jp+ShhI2aJBseDP5osUOa66VYlxeZ40r/AHc1WVJ9n5I6d0sc7ZC0Xy5bX/FchfRYGScKkBOgc78l86vHLGKSa9zbweXLKc8eR3TCIi8T6AREQHrWxHNGh9J8RyJsRzRofSfEcizy3ZoWx5ttAP2ixHzqTtFc6y6W0HOHEfOpO0VzloWxne52NnXNZLPmcBdo3lTQOaNoJ3FwAJfrfxrjWReyyUkq2ME+EUpzlfqVHYqHt/SVjswy5m6303KNoS11TAWuDhlO4+NchEeS01W5Y8IozhK/SqPoMfex9BGGva79YDob9BUUU8GIYX3FLIGSBuXXptuIXAslldb93NR5rgIrEsfN1TtM+jYafBaF7eGEkjtQBvJ6NFq2fe1tPNneAS++p8S4NkVWammlsR8ApY5RcrcurZs/9z9/+67W0T2Pposr2u5d9D4lwbIvNTqLXc0ZOHU8kJ36T6Cuew7PtaHtJyM0v5EoXs/R97M7c2R+l/Kvn0svTW/dde1Hh+gXJyc3vZ9Bhb4qnCXUgkEcliD169K30EUFNTvou6WPkNybHddfMIkc1V0Ocn9P5nKp0m7/AOnbwgw0dfUUzpQdwa46ZrLGroY6XEYZxMHcLODl6tblcbei51P21R6fpHqOaluqfk7WPyhs9M9jg4sudD4wrNRHTY3TRuZOGPbrbpHWCF84iurbdrozlcDUIqMqcfc7uKVUFNhzaGB4c6wabHcB1rJr2/o2W5xm4M6X13rgJZNZ23QXAxUFG9nd9z6DA3sbhsjS9oOY6E+JfP2RFxKfNFLsacWBY8k536iLJZSi4NJFkspsihD1nYjmjRek+I5E2I5o0XpPiORZ5bs0x2PN9oOcWI+dSdornro7Qc4cR85k7RXOWhbGZ7hERUlnXpcDbUUzJnVBbnF7Bu5Y1WAyxRmSCQSgC5BFir2R8mzoZG0ucYxYDp1U4PHNTUchqbtbe4DugdK26cHSr2Pz/wCqzxUp8+zqj5xrS82aCSdwAWySlqIm55IJGt6y0rtYNC0QzVgju5zjkHUOpWaCWrqTKytgDGH6N22v4l5xwJpX7mvL/UHGT5Uqjv16/wDDi4bhpri4ue6NrRoQ3etFVSvp6h8Ya8tDsrSRvXawWZ2aalsAyEnKeneVWqa2WfFoqd4aGRVAykDXejhBQTJHic74iS9krOaaKqGQGnku++UZdSr2FytphNHLRSSvJ/dZcjxFdPFMQdQCIsja9zydT0DRasFlM7qqYi2eTNbqXSxqM6T6nlPismXh3Ocen58nz79ZXWblu48nq8S2GjqWszmnkDevKV1MGpmyVk87wDwbrNv1m6u0tTWy1z2zQZINbEtsuI4VJW/c98vHODcYJdF1t/wfNMhlkF443OA6Q0lQGPc/I1pLv4QNV9DQFsOL1dO3QO5QH5/msKWm4PaCc20ALh9v/hU0dupXx9OVrZWjhGOQPyFjg7+G2qzfSVMbM74JGt6y0roDFW02JVUuQSh5s37NAunhlTU1ccpqow1t+TybXB/NI4oydWM3F5cUVNxVdPf+DjYLFHLXhsjGvGUmzhdRjLWsxKRrWhoAFgB4lYwpoZjUjGiwbnA9a0Y19ZyeQfkjVYv+iM2+N8cpQREXgfTsIrPchDRd4D8rXZbdDjpr9qkUTru5Ys0uBP8Att81aJzIqorYoQ7QTNJc4tYAL5iBf+6ryxmKTISCbC9ujTcpQswREQtnrOxPNKi9J8RyJsTzSovSfEcizS3ZpjsjzfH+cOI+cydornro4+P2hxHzmTtFc+y0rYyvchLKUsqQ+kindTYEyZgBc2MWB3b1jI44thBcwlr+lo6SOhcc4hUGk7lJbwYFt2qikrqijDhC4AO3gi61ay2e1HxlwE0nNVzXa/B2MFk4TDXRMOV7CR5L7iqb5cba5wOfk7yGi3rsqLK2ojqXTxuyPdqQBofsViTGaySNzDkAcLEhq51IuKVvoej4XJHK5KKaff2LOz5Lp5yTckA/itEsErMbEjo3BhqBZxGh1VOmqZaSThInWdax0uCt9RidTUPjc/KOCdmaAOlc88XBJ+x6PBlWeU41TVF7aLdT/e/sstnv8mf/AHD8ly6uunrcvDFpyXtYWU0tfPRtc2ItAdvuLrrUWrzHD4XJ+k0ff/2dTA5Bw1VEd+fMFrqHY0yocxhe5tzlLWC1vUuUyaSKbhY3lr73uFd48rctrs8uVFkTjTdEnwuSOVzik77mqjqJG4syWZ13F+VxPqXfqGtp2VFVflcHb1Xt+a+VJJdmO8m6tz4nVVMJikc3Kd9gmPKoppl4ng5ZZxlH8Mu4BTxvEkzmhz2kBt+hXcNqKqodO6oYWBpAYMtuu64FLWTUby6F1r7wRcFWDjNaZA/OBb90N0VhljFI8+I4PLknJqmntfsWaCN8WPSB7S2+Yi/SLqrjX1nJ5B+SwOJVJrO6rtEmXLu0stFRPJVTGWW2Y77Cy4lNcnKu5pxYMizLJLtRqRTZLLxN5uFVJwLoyb6ANPSLEFQaqcuzGTXXoHTvWqyWVHQ2R1DmyNc67gx2YAG2v/gCwe4ve57jcuNyosllAQimyWQHq+xPNKi9J8RyJsVzSovSfEciyy3ZrjsjzjH+cOIecydoqguhj/ODEfOZO0Vz1qWxje4REVIESyIUIiISwiWRBYREQBEW2KnfMCWkaG1roLNSLc6mc1rnZm6C9hfxfNaUoWEREFhERBYREQBERAEREAREQHq2xXNOi9J8RyJsVzTovSfEciyS3Ztj6UedY9zgxDzmTtFVaZkTjmlO57Ra4GnSVax7nBiHnMnaK561LYwy3LXAU1rmUm7SbAjTQH5j7Fk6CjDieEfa5tymnpsB6tVTRKOaLsVLTzTZGOe7eTlI8XzVNws4gbgUBI3GyhWggiIqWwiIgsIiILCXI3EoiCxc+NERBYREQWEREFhERBYREQWEREFhERBZ6rsXzTovSfEcinYvmnRek+I5Fjl6mb4elHnWPc4MQ85k7RXPXQx7nBiHnMnaK561rYwSfUIpsllTmyEREFhFNkQWQilXG0rHgOkeWtDY/oM/iQq6lJF0IaSNgla85nmJ5bcaCxtf8EOGsNT3O2cGW5B00BClnXKznosnNAeQL2BsL71iqcBERBYRZZHfwndfd0KWxSPNmsc42voOhBZgi3tpXvp+Ea1znZy0tA8S02IVoWQiIoLCIiCwiIgsIilBZ6psXzUovSdtyJsXzUovSdtyLHL1M+jD0o87x7nBiHnMnaK566GPc4MQ85k7RVBbFsfNk+rISxV408LQ12W/IcXDN9FwG5ZNjgbMxzGhpbJGfpX3i5XVHNnPRT0ooWyEUogshZ8LJa2d1rDp6tyxRBZs7onyFnCvym9xfQ33o6oneAHSvNhbUrWiFthzi5xJJJJuSVClEJZCKUQWdGnqKZ0MXDOs8tMLvE3fm/FS2pieyRgMQLXNycISAWgWG71/auaitkL/AAxljceHjjk4cvJDrC1t4VWrkbNVSSMFmudcLUiAhFKKFshFKILIRSiCyEUogs9T2M5qUXpO25E2M5qUX3+25Fil6mfSh6UeeY99f4h5zJ2iueuhjv1/iHnMnaK562rY+ZJ9WEWWU9R9SZXdR9S6o5tGKLLK7qPqTK7+E+pKFoxRZZXdR9ShQWQilELZCKUQWQilEFkIpRBZCKUQWQpsbXtoEW6CZsYc17MwcQfUhLNCWV6GopiSHxMaL3BLb9J+Y9SwZPTtkJdCHaW3AdQ3etS32JZUsiuTTQBpaxkbiW2ByblgyojADXQNcB4hfo+R9aWLK9ja6ixG/RXO64cuUQNA0uMosbA6/ju3aLRNJwjgQ21hayCzUilFS2epbGc1KP7/AG3ImxnNSj+/23IsMvUz6uP0I88x36/xDzmTtFUF0Md+v8Q85k7RXPW6OyPkyfVn0NFC2oc2Nzi0ZC7TebC9h4zuVxmGCQgmpjiDr6SEAjdv9Z9S+fGIuDQODBsLb04yd/KHrXra7mVQfY+hfhbWskcKyIljS4D+K3QNelYtw1r83+LjBaTYH97lEaa+K/kK4HGTv5Y9anjJ38sD7UvyXlfY6s8IhyWlD8zQdBu8S+ek/wA1/wDuKucZO/lD1qk45nF3WbqSdnUE03ZCIi5PawiIgslZmCUAkxPAGp5O5YsOV7XdRurIqmWkzNcXPLtb7gUFmmOnkkkjaWloe4AOI0WIjdlJsb6WFt6sMrGtka7IbNex2/8AhFlBq2mQPyEG7SRfTTqQWaOAlDg3g3XOoFt6hzHMdlc0tPUQrcEzHjI+wAa64JHKuQVXqSHVDyH5x1oLNSIiCwiIgsIiILCIiCwiIgs9T2N5q0f3+25E2N5q0f3+25Fgn6mfXx+hfg88x36/xDzmTtFUFfx36/xDzmTtFUFvjsfGk/3MIiKnNhERBYREQWEREFhERBYREQWEREFhERBYREQWEREFhERBYREQWEREFnqWxvNWj+/23ImxvNWj+/23Ivnz9TPtYvRH8HnmO/X+IecydoqgvYZMIwyWR0kmHUj3uN3OdA0knrJsseJMJ8F0fu7PktiydNj5csPV9TyBF6/xJhPguj93Z8k4kwnwXR+7s+Sup4Jo+TyBF6/xJhPguj93Z8k4kwnwXR+7s+SangaPk8gRev8AEmE+C6P3dnyTiTCfBdH7uz5JqeBo+TyBF6/xJhPguj93Z8k4kwnwXR+7s+SangaPk8gRev8AEmE+C6P3dnyTiTCfBdH7uz5JqeBo+TyBF6/xJhPguj93Z8k4kwnwXR+7s+SangaPk8gRev8AEmE+C6P3dnyTiTCfBdH7uz5JqeBo+TyBF6/xJhPguj93Z8k4kwnwXR+7s+SangaPk8gRev8AEmE+C6P3dnyTiTCfBdH7uz5JqeBo+TyBF6/xJhPguj93Z8k4kwnwXR+7s+SangaPk8gRev8AEmE+C6P3dnyTiTCfBdH7uz5JqeBo+TyBF6/xJhPguj93Z8k4kwnwXR+7s+SangaPk8gRev8AEmE+C6P3dnyTiTCfBdH7uz5JqeBo+SlsbzVo/v8Abci7EMENNE2KCJkUbdzGNDQOncEWGTuTPrY1UEvB/9k="/>
-          <p:cNvSpPr>
-            <a:spLocks noChangeAspect="1" noChangeArrowheads="1"/>
-          </p:cNvSpPr>
-          <p:nvPr/>
-        </p:nvSpPr>
-        <p:spPr bwMode="auto">
-          <a:xfrm>
-            <a:off x="460375" y="160337"/>
-            <a:ext cx="304800" cy="304801"/>
-          </a:xfrm>
-          <a:prstGeom prst="rect">
-            <a:avLst/>
-          </a:prstGeom>
-          <a:noFill/>
-          <a:extLst>
-            <a:ext uri="{909E8E84-426E-40DD-AFC4-6F175D3DCCD1}">
-              <a14:hiddenFill xmlns:a14="http://schemas.microsoft.com/office/drawing/2010/main">
-                <a:solidFill>
-                  <a:srgbClr val="FFFFFF"/>
-                </a:solidFill>
-              </a14:hiddenFill>
-            </a:ext>
-          </a:extLst>
-        </p:spPr>
-        <p:txBody>
-          <a:bodyPr vert="horz" wrap="square" lIns="91440" tIns="45720" rIns="91440" bIns="45720" numCol="1" anchor="t" anchorCtr="0" compatLnSpc="1">
-            <a:prstTxWarp prst="textNoShape">
-              <a:avLst/>
-            </a:prstTxWarp>
-          </a:bodyPr>
-          <a:lstStyle/>
-          <a:p>
-            <a:endParaRPr lang="en-US"/>
-          </a:p>
-        </p:txBody>
-      </p:sp>
-      <p:sp>
-        <p:nvSpPr>
-          <p:cNvPr id="10" name="AutoShape 8" descr="data:image/jpeg;base64,/9j/4AAQSkZJRgABAQAAAQABAAD/2wBDAAoHBwgHBgoICAgLCgoLDhgQDg0NDh0VFhEYIx8lJCIfIiEmKzcvJik0KSEiMEExNDk7Pj4+JS5ESUM8SDc9Pjv/2wBDAQoLCw4NDhwQEBw7KCIoOzs7Ozs7Ozs7Ozs7Ozs7Ozs7Ozs7Ozs7Ozs7Ozs7Ozs7Ozs7Ozs7Ozs7Ozs7Ozs7Ozv/wAARCAFaAOMDASIAAhEBAxEB/8QAGwABAAIDAQEAAAAAAAAAAAAAAAEEAgMFBwb/xABMEAABAwIDAgcMBggFAwUAAAABAAIDBBEFEiEGMRMVIjZBUbIUVFVhcXSDkZOUs9EyNYGCobEWIyZCUlOSwSQzQ3JzJWLwNETC4fH/xAAaAQEBAQEBAQEAAAAAAAAAAAAAAQQCAwUG/8QALxEAAgIBAgUEAQMFAAMAAAAAAAECEQMTMQQSIVFhMkFSkXEUIrEFMzRCgXLh8P/aAAwDAQACEQMRAD8Au19fWMr6hjKqZrWyOAAebDVV+Ma3vyb2hTEfrKp/5Xfmqy+7CEeVdD8Fly5NSX7nu/cs8Y1vfk3tCnGNb35N7Qqsi65I9jy1snyf2WeMa3vyb2hTjGt78m9oVWROSPYa2T5P7LPGNb35N7QpxjW9+Te0KrInJHsNbJ8n9lnjGt78m9oU4xre/JvaFVkTkj2Gtk+T+yzxjW9+Te0KcY1vfk3tCqyJyR7DWyfJ/ZZ4xre/JvaFOMa3vyb2hVZE5I9hrZPk/ss8Y1vfk3tCnGNb35N7Qqsickew1snyf2WeMa3vyb2hTjGt78m9oVWROSPYa2T5P7LPGNb35N7QpxjW9+Te0KrInJHsNbJ8n9lnjGt78m9oU4xre/JvaFVkTkj2Gtk+T+yzxjW9+Te0KcY1vfk3tCqyJyR7DWyfJ/ZZ4xre/JvaFOMa3vyb2hVZE5I9hrZPk/ss8Y1vfk3tCnGNb35N7Qqsickew1snyf2fZYNI+XCoXyPc9xzXc43J5RRY4F9TQfe7RRfCy/3Jfln7rhW3w8G+y/g+YxH6yqf+V35qss8TrKZmKVTXTsBEzgQXbtVV7upf58f9S+5CS5V1PxObHPUl0e7N6LR3dS/z4/6k7upe+I/6l1zLueelk+LN6LR3fSd8M9aju+k74Z605l3Glk+LLCKv3fSd8M9ad30nfDPWnMu40snxZYRaO76TvhnrTu6l74j/AKk5l3Glk+LN6LR3dS98R/1Ke7aXviP+oJzLuTSn2ZuRae66Y/68f9QU91U/8+P+oJzLuNOfY2otYqID/rR/1BTwsR3SM/qCtonLLsZooDmnc4H7VKWSmERFSBERAEREAREQBERAfYYF9TQfe7RRMC+poPvdoovgZv7kvyz99wn+Pj/8V/B5hj31/iHnMnaK56v499f4h5zJ2iqC1J9DHJdWSoW6F8LAC4XeHfh4lszUQA5DiQG9JF9dfwSzkq6dSK0ZqYchoeWX1N7EjXxox9I25LLk3tobAWPj67KWCqisvkpCLhji49ZPj8fkVd5aXuyCzb6DxK2CNERFS0EREsUFKhEFBSoRCULrJr3jc5w8hWKK2TlT9jcKupbunkH3is24jVt3VD/t1VZE5n3OXig90i+zGatn0nNeP+5qsR46f9SEeVpXIRdrLJe54y4PBL/U+khxSkmIAkyE9DxZWwQRcar5BbqesnpnXikIHUdQV6x4j5GLL/TFvjf2fUoqFFi8VRaOW0cn4FX1pjJSXQ+TkxTxupKgiIujzPsMC+poPvdoomBfU0H3u0UXwM39yX5Z++4T/Hx/hfweX49zgxDzmTtFc9X8e5wYh5zJ2iuetK2MzXUlFCISiUUIhKJRQipaJRSI3OjdIByWkAnqusVBRKKEQUbIYZKieOGFpfJI4Na0dJO5dpmyWISw1ToZaeeWlc1r4oZA43Oa4vuuMh0XHpKqSirIaqGwkheHtuL6g3Xbh2qFLLK+lwyKETTMne3hXEFwDxpfcDn3eJR37HSUfcrxbMYnJTcLwLg57I3QsFiZM5AG46bxvUHZXF+CZI2Bj88jowGytJBaLknWwAHTdbItp5Yy8mnHLigiJZIWuAitYgjcTZWHbZSPdIXYdBlkfIXNa4i7ZGBrh5TlBv1qXItRKDtm8WjillkpCxkDyyS7hdpFr6XuQMw1HWts+yuLRYi+iZT8K5uYte1wDXAOy3vfr0tv1Vyq2tbPhzmtpAKqV8gJzHLHG4MFh1mzLarCPbKpjkkcKYAScJfg5XMcC6ThNHDdY6Jci8sDmtwLETNRROhDHVxtBncBm1t9i1YhhlRhkkbJzG5srM8ckT8zXi5FwfKCrIx6YYnh1c6Frn0DGMALjy8pJuT47rHEsYZiELIhQshZE0NgDZHExi5c7ykk/gr1Oaib6nZPGaSOSSWltHHwYz5hZ3CGzbHp369S1M2axeR8zWUheYQ0uyvabgtzC2utwCdFZk2sq5ppHTxNmhe6MtgkcSxmVzXEAePLqrH6aStqGTMoWXaYyc0hdmyMewdHU/8ABS5FqBSZsvidonzwGKKaNz2P0dezC8CwOlx1rW7ZrF2OiDqS3CtLmuMjbAAAkk3sNCDrber52zqDEyPuOKzG5b5j/J4L8tfKs6La1oqg+qgDIxmdyLuuTE2MAi405F/KlyHLE+frKOegqpKWqZkmjNnNuDb1Lp4TiRcRTTOuf3HHp8S5+KVEVXidRUwCQRyyFzeFdd2vWVWa4tcHNNiDcL1hNxdmXiMEc0XFn2CLltx6DIM8Uma2tgLX9anj2m/lS+ofNbtWHc/OPg8/xPQ8C+poPvdootWzM7anZ+mmYCGuz2B3/TIRfEyu8kn5Z+14VOOCCfZfweZY9zgxDzmTtFc9dDH+cGIecydornrStjO11CIiEou0cbJYixrWmYuNs7SQRbcCNxWySKnhgaCxz88ObMG/veW+4KiyeWNjmMle1rt7QdCgnlERiErhGd7b6FdWSi9NTtZRSZomNkjcwaXuL77lZyRxCSdkdMwmFoc0akuvbf5N657qmdzS100haRlsXG1upQJpWycIJHB/8QOqWOUuMkDaWofwDW8tnIINtx6FormMirJGMGVo3Dq0C0ulkeXFz3HMbuud/lUOc55u5xcT0kqWKIREULRKhEQUdOTZ7Fo44JO43PFQAWCJwedW5hcAkgka6pTbPYpU1EUIo5YjNnDHSMLWktaXEA232BVxm1czJo8sIbAyIMLGkAvcITEHF1r6XJA8asUW1lJR0FLSswsgQm7y2UDOTG5hP0enNfpspbO0onJdgWJMopap1JKGwSGOVuQ5o7NDrkdAsRqkeBYi8S5qWSN0UQlyPaQ57S4NGUW11cFfftMwwPgZSODC1zGZpLkNMDYRfTU8m/2q7T7a09HLG+lwzIGRujDDILWMjXnc0a6EX36g71LkKj3PnhhGJkRkUFQRK/Iw8GeU7XQePQ+pbqLAMTxCWoip6UmSmIbIx72sIJNgLOIubi1hqutS7WUdDSwwU+GObwUrZc3Ci7iA8anLfc/8FS2c2j4h4f8AwrZ+GfG7lG2UNJOmhsddD0FW2KiURg+J/qv+n1P66/B/qjy7amy2S4DicNC+sko5WsjkLJGlhDo7Bpu7qFnBfQYftVh2SGkkpTSwszue5z84lJiLCHcm+psb626rKlV7RwNdVQQskqY5eFtI9wb/AJkbG2sGjQZNNBoehS2XlicZ+FYjG7K+hqGuIabGMj6RsPWdFk3B8Te6JrMPqS6ZpdGBGeWBqSF227X08LzwGG5GCB8bWGQWaS/Oxws0fRPr61rbtTTR0TKaHDjHlikj0kFrvjawn6Nzq2+p6fIlsnLHufPSxSwSvhmY6ORhyuY4WLT1ELFW8Xr+NMVqK4R8Hw782S97faqa6OaCIiEo9W2L5p0XpPiORRsXzTovSfEciyS9TN8PSjznHz+0OIecydornq/j/OHEPOZO0VQWpbGN7hFClCBFClBQREQBLqFKAXRFCAlLoiAIiIDOOKSYubExzy1pcQBuAFyfsCsuwqubCJDTPFy0BtuUczcwIG+1he6zwbEWYZWvqHsz3glja0tDgS5haLg6EXOq+lO2lEXxyCKdkjchvGxrQ0indHoAdOURbxepRtnSSPlYMNraifgWU0gfnDDmGUNd1EndvCypsJr6xj309LI9sbDISBvAIBt16kbl9GNsqfuqGX/F5RVxTzDT9YGxNab66nM0nVYwbW01OGyxyVscooRTCJtgyNwcw5mnN+8Gm+m89KlstI+bpcPrK2R8dLTSzPjF3hjb5R41nS4VX1sb5KelkkYyPhCQ3e24Fx16kbl1KLG8PjxnE6qrjmkpKt7ndz8E1wkBcXAOueSRoQRcgq5RbV01G6OZstaHijip+CbbJEWOjJyHNucGEnQalLZEkfPxYVWzxMkihz5yA1jTd5u4tGm/eFrfQVjCA6kmBLsovGdT1bt6+oh2tw6BrJWMqxOycOsGtDcgqHS78172da34rbDthh1L3KG1OJ1IjmmfKJ2A/TBAcOXvaDu03nVOZl5Y9z4tzXMeWPaWuabEEWIKhW8WreMcVqazMXcM8uzFgaT4yATb1lVF0c0EREIerbFc06L0nxHImxXNOi9J8RyLLLdm2PpR5xj5/aHEfOZO0VShYJH5SbAC+iuY/wA4cR85k7RXPutUTJJN3RaFPBbSoBOnUsRFFlvnAItoba6nx+RV0XXMux5acvkWXQRNYXCa56AOnQ/JV7qEUbs7jFrd2TdLqEUOibpdZMjLw4ggBvSVtFFIXhocwkm28/8An/4gNF0ut4o3kaOaCNDc9Nzp+C0EAGwIPjCAXS6hEBN0uoRATdLqFJBG8FBQul1CIKJul1CIKJul1CIKJul1CIKJul1CIKPWNiuaVF6T4jkTYnmlRek+I5FlluzXHZHm+0HOHEfOZO0Vzl0NoD+0OI+dSdornrQtjM11CIiooIiIKCIiCjJrnNvlJFxY2PQhkeRlL3W6rrFEFGQkeL2cRffqoUIgoIiIKCIiCgurIyOaSz3HKXwtIDtLZNfyXKRCo6cUVOW/SETJYBm5V7HOB/Zap6VsdHwgiLHtfZ2Ynr6Ogqil7oAiXRCUFOU9R9Si6ttr3CDJwbcwAaHa6gAjX1oR37FXKeoqFb4ymz5g1g3aAHot4/8At/NVL63QK/cIiIWj1nYnmlRek+I5E2J5pUXpPiORZpbs0x2R5ttBzixHzqTtFc5dDaDnFiPnUnaK560LY8HuSoRFSE7t6hfYCip66u2QpKiMOhnga2Ro0zAyuvqFTmiwqvw/F+5sNFHJhwbJFKJnOc9vCBhDrm3Te4tuXNlo+csQLkb1C+u2iqsNOy+CsiwkRulgkdE7h3Hgv1hvp+9e3T1rOtwrCJtoaPZ+koDA6XgXy1Rlc4gGMOcA3cNPxSxynxysUVFUYjVx0lJGZZpCQ1oO/S67TocLxjD8SdQYd3HLQME0ZErn8LHmDTmv+9qDcW6V29n4KHBtr6HCRQtkrWsJnqZHuu15jLrNaNLC9tb31RsJHwe5F13UFN+h3GPB/wCJ4wMOe5+hkva3lV1uCUMmJ0LZA+OlGFtrarIbudZpc61+k2AVsUfNgEkAC5KsUlBU1xmFNEX8BE6aTUDKwbyvotmq/C6na7DWswSKEcMGtyzvJvcEE3vcix8Ruq1O3D8TrsUfFQ9ysgoJZAwTOdywRyrny7lLFHzqL6QQ4Rg9Hhja/D+7JK+Ph5X8K5pijLiGhgGl9L63WxmE4fhTtoO7qU1nF0kTYAZCwHM4gE26CLf/AEljlPl1Otr20Xbx+jo24dhWJ0dOKbu6J5fEHFzWua61wTrY9S6FDU4dFsDI+bChO4VzWPJnc3M7I4h2g0te1ksUfJovp202D4ZxXR1tCamSuiZNPMZXNdEHk5QwDS4Fjre64eK0DsLxWqoHuzGnldHm67HeqmKKiLJkb5DZouepZGnmabFhv1K0zjmS9zBQs5YzGQCQb9SwQqafVBERChSoRAes7E80aL0nxHImxHNGi9J8RyLNLdmmOyPNtoOcWI+dSdornq/tBzixHzqTtFc9e62M7JRQioPqabGqCPEtmJnTEMw+NoqDkPIIkcerXQjcufSYhTRUuORvks6siDYeSeUeFa77NAd64yKUWzv1tTQYjs1hzO7RDVYfG+MwOjcTLd5cC1wFunpst9Vj9NFtpT4xTkzQRtia4AFpIEYY8a/auNT4TWVMQkYwBh3FxtdVJI3RSujdbMw2NiunBpW0ecc0JycYu2j6F0+FYPh+IjD8RNZPXsEMYETmcFHmDjmvvOgGnjXVo8XwSXaen2lqcT4CQs/X0pge5wkyZTYgWynf9q+HRc0elnfw+qw+r2bmwirrRRSNqxUxyvjc9rxlylvJBIKuSY1hUON02SWWooDhjaGd4ZlfYtIJAPSND9i+URKFneoX4dgO0OHVsWJNroYpg+QxxOaWNBH8Q36nQdSzp5sNwurxIR4iyqZU0MsbHsie3luIs03HUN+5fPIlEs+k4fB8Yo8NdiGIOo5KCIQTM4JzzLGHEgsI0vYka2WFVjkFdDtBJISySvlhdBGQTyWvJtfxNsvnkSi2dnFMQpqnZ/BqWKS81KyVsrcpGXM+416dFtw2poajZuowqrrW0cndLahkj43Pa4BpaW8kHXcuCso43SyNjYLucbAK0RuurPpRVYNifFlbW17qaWhiZFPBwTnGYMPJLCNNRYa2suHite7FMVqq97cpqJXSZeq53LCroZ6ItEzQM24g3VdHFxdM5jOM1cXaM2SOjN2myzFVM12YOANrfRG5aUVTaDhF7oyfI55u517KFCKFSS6IlFCIUlFCID1rYjmjRek+I5E2I5o0PpPiORZ5bs0LY812g5xYj51J2iueuhtBzixHzqTtFc9e62PD3Ovs/DFNJOJY2Ps0WzNBstAoRV4vNTscIgHOOjdwB6la2b/zaj/a3+6nD+cU/lf+a1qKcI33PiZMs4Z8zi9kh+jhMhHdIDejk6lU3YRI3EW0ZkHKbmD7aWVyoc79J49TvaPwWO0RtVQEH9w/mrKEKbS2ZMObiHOMZSvmje2x1qymlkpWxU83AZSNR1DoXBo8Jmrw6d8gY0k8oi5celdLaHSgj/5Bu8hSsJh2daI+TdjRp47XXc1GUnfsjNw08mPFHkfWTrbYoVWByQQGaGUTNaLkAWNlrw3C+72ueZcjWusQBcldHZ1xfSSxu1aHC32hTgADY6lo3CSy5jjhJxddGaMnFZscMkG7cWuv5OfV4M+kpRK+W7i4Ny23X8asu2cIAtUi9+US3QBct8sj6mz3ucM/Sb9K7W0hIpogCf8AM/suIrG05VsemSfExljhz9ZX7FaXZ2Zr2iOdrmn6RItlWFXgT6andMyYSBouRltp4lfr3E7PNNzcsZc+pRREu2ddc3tG8fmvR44XVe1nhHiuJUVNy/2rbc5VBhUtexz2yMYwGxJ1PqW+owJ8VO6aGdsoaLkZbLRQUlbVRvZTvLIieWSbAruUlM2kw2SJswlsHXI3A23LjHjjKPVHtxXE5MWTpNb7V/LKuB0DBB3RIGP4T6ILdW2JVWuwySnq2StmAM01m2FspJW3ZsnNPr0N/uqIJ473n/1H/wAlXy6cehzHU/VZHzbL/wCRuxqGpidD3RU8M4g25NgNyzp8AkkhbLNO2LML2tcjyq1jLQ+voWu3F+vrCw2ke4CCME5SST+CsoRTlJ+xziz5ZQx44Om7612KFfhUtA0PLhJGTbMBay30mBmqo2ziazni4bbQeVXr90bNXk1Ijv6jp+ShhI2aJBseDP5osUOa66VYlxeZ40r/AHc1WVJ9n5I6d0sc7ZC0Xy5bX/FchfRYGScKkBOgc78l86vHLGKSa9zbweXLKc8eR3TCIi8T6AREQHrWxHNGh9J8RyJsRzRofSfEcizy3ZoWx5ttAP2ixHzqTtFc6y6W0HOHEfOpO0VzloWxne52NnXNZLPmcBdo3lTQOaNoJ3FwAJfrfxrjWReyyUkq2ME+EUpzlfqVHYqHt/SVjswy5m6303KNoS11TAWuDhlO4+NchEeS01W5Y8IozhK/SqPoMfex9BGGva79YDob9BUUU8GIYX3FLIGSBuXXptuIXAslldb93NR5rgIrEsfN1TtM+jYafBaF7eGEkjtQBvJ6NFq2fe1tPNneAS++p8S4NkVWammlsR8ApY5RcrcurZs/9z9/+67W0T2Pposr2u5d9D4lwbIvNTqLXc0ZOHU8kJ36T6Cuew7PtaHtJyM0v5EoXs/R97M7c2R+l/Kvn0svTW/dde1Hh+gXJyc3vZ9Bhb4qnCXUgkEcliD169K30EUFNTvou6WPkNybHddfMIkc1V0Ocn9P5nKp0m7/AOnbwgw0dfUUzpQdwa46ZrLGroY6XEYZxMHcLODl6tblcbei51P21R6fpHqOaluqfk7WPyhs9M9jg4sudD4wrNRHTY3TRuZOGPbrbpHWCF84iurbdrozlcDUIqMqcfc7uKVUFNhzaGB4c6wabHcB1rJr2/o2W5xm4M6X13rgJZNZ23QXAxUFG9nd9z6DA3sbhsjS9oOY6E+JfP2RFxKfNFLsacWBY8k536iLJZSi4NJFkspsihD1nYjmjRek+I5E2I5o0XpPiORZ5bs0x2PN9oOcWI+dSdornro7Qc4cR85k7RXOWhbGZ7hERUlnXpcDbUUzJnVBbnF7Bu5Y1WAyxRmSCQSgC5BFir2R8mzoZG0ucYxYDp1U4PHNTUchqbtbe4DugdK26cHSr2Pz/wCqzxUp8+zqj5xrS82aCSdwAWySlqIm55IJGt6y0rtYNC0QzVgju5zjkHUOpWaCWrqTKytgDGH6N22v4l5xwJpX7mvL/UHGT5Uqjv16/wDDi4bhpri4ue6NrRoQ3etFVSvp6h8Ya8tDsrSRvXawWZ2aalsAyEnKeneVWqa2WfFoqd4aGRVAykDXejhBQTJHic74iS9krOaaKqGQGnku++UZdSr2FytphNHLRSSvJ/dZcjxFdPFMQdQCIsja9zydT0DRasFlM7qqYi2eTNbqXSxqM6T6nlPismXh3Ocen58nz79ZXWblu48nq8S2GjqWszmnkDevKV1MGpmyVk87wDwbrNv1m6u0tTWy1z2zQZINbEtsuI4VJW/c98vHODcYJdF1t/wfNMhlkF443OA6Q0lQGPc/I1pLv4QNV9DQFsOL1dO3QO5QH5/msKWm4PaCc20ALh9v/hU0dupXx9OVrZWjhGOQPyFjg7+G2qzfSVMbM74JGt6y0roDFW02JVUuQSh5s37NAunhlTU1ccpqow1t+TybXB/NI4oydWM3F5cUVNxVdPf+DjYLFHLXhsjGvGUmzhdRjLWsxKRrWhoAFgB4lYwpoZjUjGiwbnA9a0Y19ZyeQfkjVYv+iM2+N8cpQREXgfTsIrPchDRd4D8rXZbdDjpr9qkUTru5Ys0uBP8Att81aJzIqorYoQ7QTNJc4tYAL5iBf+6ryxmKTISCbC9ujTcpQswREQtnrOxPNKi9J8RyJsTzSovSfEcizS3ZpjsjzfH+cOI+cydornro4+P2hxHzmTtFc+y0rYyvchLKUsqQ+kindTYEyZgBc2MWB3b1jI44thBcwlr+lo6SOhcc4hUGk7lJbwYFt2qikrqijDhC4AO3gi61ay2e1HxlwE0nNVzXa/B2MFk4TDXRMOV7CR5L7iqb5cba5wOfk7yGi3rsqLK2ojqXTxuyPdqQBofsViTGaySNzDkAcLEhq51IuKVvoej4XJHK5KKaff2LOz5Lp5yTckA/itEsErMbEjo3BhqBZxGh1VOmqZaSThInWdax0uCt9RidTUPjc/KOCdmaAOlc88XBJ+x6PBlWeU41TVF7aLdT/e/sstnv8mf/AHD8ly6uunrcvDFpyXtYWU0tfPRtc2ItAdvuLrrUWrzHD4XJ+k0ff/2dTA5Bw1VEd+fMFrqHY0yocxhe5tzlLWC1vUuUyaSKbhY3lr73uFd48rctrs8uVFkTjTdEnwuSOVzik77mqjqJG4syWZ13F+VxPqXfqGtp2VFVflcHb1Xt+a+VJJdmO8m6tz4nVVMJikc3Kd9gmPKoppl4ng5ZZxlH8Mu4BTxvEkzmhz2kBt+hXcNqKqodO6oYWBpAYMtuu64FLWTUby6F1r7wRcFWDjNaZA/OBb90N0VhljFI8+I4PLknJqmntfsWaCN8WPSB7S2+Yi/SLqrjX1nJ5B+SwOJVJrO6rtEmXLu0stFRPJVTGWW2Y77Cy4lNcnKu5pxYMizLJLtRqRTZLLxN5uFVJwLoyb6ANPSLEFQaqcuzGTXXoHTvWqyWVHQ2R1DmyNc67gx2YAG2v/gCwe4ve57jcuNyosllAQimyWQHq+xPNKi9J8RyJsVzSovSfEciyy3ZrjsjzjH+cOIecydoqguhj/ODEfOZO0Vz1qWxje4REVIESyIUIiISwiWRBYREQBEW2KnfMCWkaG1roLNSLc6mc1rnZm6C9hfxfNaUoWEREFhERBYREQBERAEREAREQHq2xXNOi9J8RyJsVzTovSfEciyS3Ztj6UedY9zgxDzmTtFVaZkTjmlO57Ra4GnSVax7nBiHnMnaK561LYwy3LXAU1rmUm7SbAjTQH5j7Fk6CjDieEfa5tymnpsB6tVTRKOaLsVLTzTZGOe7eTlI8XzVNws4gbgUBI3GyhWggiIqWwiIgsIiILCXI3EoiCxc+NERBYREQWEREFhERBYREQWEREFhERBZ6rsXzTovSfEcinYvmnRek+I5Fjl6mb4elHnWPc4MQ85k7RXPXQx7nBiHnMnaK561rYwSfUIpsllTmyEREFhFNkQWQilXG0rHgOkeWtDY/oM/iQq6lJF0IaSNgla85nmJ5bcaCxtf8EOGsNT3O2cGW5B00BClnXKznosnNAeQL2BsL71iqcBERBYRZZHfwndfd0KWxSPNmsc42voOhBZgi3tpXvp+Ea1znZy0tA8S02IVoWQiIoLCIiCwiIgsIilBZ6psXzUovSdtyJsXzUovSdtyLHL1M+jD0o87x7nBiHnMnaK566GPc4MQ85k7RVBbFsfNk+rISxV408LQ12W/IcXDN9FwG5ZNjgbMxzGhpbJGfpX3i5XVHNnPRT0ooWyEUogshZ8LJa2d1rDp6tyxRBZs7onyFnCvym9xfQ33o6oneAHSvNhbUrWiFthzi5xJJJJuSVClEJZCKUQWdGnqKZ0MXDOs8tMLvE3fm/FS2pieyRgMQLXNycISAWgWG71/auaitkL/AAxljceHjjk4cvJDrC1t4VWrkbNVSSMFmudcLUiAhFKKFshFKILIRSiCyEUogs9T2M5qUXpO25E2M5qUX3+25Fil6mfSh6UeeY99f4h5zJ2iueuhjv1/iHnMnaK562rY+ZJ9WEWWU9R9SZXdR9S6o5tGKLLK7qPqTK7+E+pKFoxRZZXdR9ShQWQilELZCKUQWQilEFkIpRBZCKUQWQpsbXtoEW6CZsYc17MwcQfUhLNCWV6GopiSHxMaL3BLb9J+Y9SwZPTtkJdCHaW3AdQ3etS32JZUsiuTTQBpaxkbiW2ByblgyojADXQNcB4hfo+R9aWLK9ja6ixG/RXO64cuUQNA0uMosbA6/ju3aLRNJwjgQ21hayCzUilFS2epbGc1KP7/AG3ImxnNSj+/23IsMvUz6uP0I88x36/xDzmTtFUF0Md+v8Q85k7RXPW6OyPkyfVn0NFC2oc2Nzi0ZC7TebC9h4zuVxmGCQgmpjiDr6SEAjdv9Z9S+fGIuDQODBsLb04yd/KHrXra7mVQfY+hfhbWskcKyIljS4D+K3QNelYtw1r83+LjBaTYH97lEaa+K/kK4HGTv5Y9anjJ38sD7UvyXlfY6s8IhyWlD8zQdBu8S+ek/wA1/wDuKucZO/lD1qk45nF3WbqSdnUE03ZCIi5PawiIgslZmCUAkxPAGp5O5YsOV7XdRurIqmWkzNcXPLtb7gUFmmOnkkkjaWloe4AOI0WIjdlJsb6WFt6sMrGtka7IbNex2/8AhFlBq2mQPyEG7SRfTTqQWaOAlDg3g3XOoFt6hzHMdlc0tPUQrcEzHjI+wAa64JHKuQVXqSHVDyH5x1oLNSIiCwiIgsIiILCIiCwiIgs9T2N5q0f3+25E2N5q0f3+25Fgn6mfXx+hfg88x36/xDzmTtFUFfx36/xDzmTtFUFvjsfGk/3MIiKnNhERBYREQWEREFhERBYREQWEREFhERBYREQWEREFhERBYREQWEREFnqWxvNWj+/23ImxvNWj+/23Ivnz9TPtYvRH8HnmO/X+IecydoqgvYZMIwyWR0kmHUj3uN3OdA0knrJsseJMJ8F0fu7PktiydNj5csPV9TyBF6/xJhPguj93Z8k4kwnwXR+7s+Sup4Jo+TyBF6/xJhPguj93Z8k4kwnwXR+7s+SangaPk8gRev8AEmE+C6P3dnyTiTCfBdH7uz5JqeBo+TyBF6/xJhPguj93Z8k4kwnwXR+7s+SangaPk8gRev8AEmE+C6P3dnyTiTCfBdH7uz5JqeBo+TyBF6/xJhPguj93Z8k4kwnwXR+7s+SangaPk8gRev8AEmE+C6P3dnyTiTCfBdH7uz5JqeBo+TyBF6/xJhPguj93Z8k4kwnwXR+7s+SangaPk8gRev8AEmE+C6P3dnyTiTCfBdH7uz5JqeBo+TyBF6/xJhPguj93Z8k4kwnwXR+7s+SangaPk8gRev8AEmE+C6P3dnyTiTCfBdH7uz5JqeBo+TyBF6/xJhPguj93Z8k4kwnwXR+7s+SangaPk8gRev8AEmE+C6P3dnyTiTCfBdH7uz5JqeBo+SlsbzVo/v8Abci7EMENNE2KCJkUbdzGNDQOncEWGTuTPrY1UEvB/9k="/>
-          <p:cNvSpPr>
-            <a:spLocks noChangeAspect="1" noChangeArrowheads="1"/>
-          </p:cNvSpPr>
-          <p:nvPr/>
-        </p:nvSpPr>
-        <p:spPr bwMode="auto">
-          <a:xfrm>
-            <a:off x="612775" y="312737"/>
-            <a:ext cx="304800" cy="304801"/>
-          </a:xfrm>
-          <a:prstGeom prst="rect">
-            <a:avLst/>
-          </a:prstGeom>
-          <a:noFill/>
-          <a:extLst>
-            <a:ext uri="{909E8E84-426E-40DD-AFC4-6F175D3DCCD1}">
-              <a14:hiddenFill xmlns:a14="http://schemas.microsoft.com/office/drawing/2010/main">
-                <a:solidFill>
-                  <a:srgbClr val="FFFFFF"/>
-                </a:solidFill>
-              </a14:hiddenFill>
-            </a:ext>
-          </a:extLst>
-        </p:spPr>
-        <p:txBody>
-          <a:bodyPr vert="horz" wrap="square" lIns="91440" tIns="45720" rIns="91440" bIns="45720" numCol="1" anchor="t" anchorCtr="0" compatLnSpc="1">
-            <a:prstTxWarp prst="textNoShape">
-              <a:avLst/>
-            </a:prstTxWarp>
-          </a:bodyPr>
-          <a:lstStyle/>
-          <a:p>
-            <a:endParaRPr lang="en-US"/>
-          </a:p>
-        </p:txBody>
-      </p:sp>
-      <p:sp>
-        <p:nvSpPr>
-          <p:cNvPr id="11" name="AutoShape 10" descr="data:image/jpeg;base64,/9j/4AAQSkZJRgABAQAAAQABAAD/2wBDAAoHBwgHBgoICAgLCgoLDhgQDg0NDh0VFhEYIx8lJCIfIiEmKzcvJik0KSEiMEExNDk7Pj4+JS5ESUM8SDc9Pjv/2wBDAQoLCw4NDhwQEBw7KCIoOzs7Ozs7Ozs7Ozs7Ozs7Ozs7Ozs7Ozs7Ozs7Ozs7Ozs7Ozs7Ozs7Ozs7Ozs7Ozs7Ozv/wAARCAFaAOMDASIAAhEBAxEB/8QAGwABAAIDAQEAAAAAAAAAAAAAAAEEAgMFBwb/xABMEAABAwIDAgcMBggFAwUAAAABAAIDBBEFEiEGMRMVIjZBUbIUVFVhcXSDkZOUs9EyNYGCobEWIyZCUlOSwSQzQ3JzJWLwNETC4fH/xAAaAQEBAQEBAQEAAAAAAAAAAAAAAQQCAwUG/8QALxEAAgIBAgUEAQMFAAMAAAAAAAECEQMTMQQSIVFhMkFSkXEUIrEFMzRCgXLh8P/aAAwDAQACEQMRAD8Au19fWMr6hjKqZrWyOAAebDVV+Ma3vyb2hTEfrKp/5Xfmqy+7CEeVdD8Fly5NSX7nu/cs8Y1vfk3tCnGNb35N7Qqsi65I9jy1snyf2WeMa3vyb2hTjGt78m9oVWROSPYa2T5P7LPGNb35N7QpxjW9+Te0KrInJHsNbJ8n9lnjGt78m9oU4xre/JvaFVkTkj2Gtk+T+yzxjW9+Te0KcY1vfk3tCqyJyR7DWyfJ/ZZ4xre/JvaFOMa3vyb2hVZE5I9hrZPk/ss8Y1vfk3tCnGNb35N7Qqsickew1snyf2WeMa3vyb2hTjGt78m9oVWROSPYa2T5P7LPGNb35N7QpxjW9+Te0KrInJHsNbJ8n9lnjGt78m9oU4xre/JvaFVkTkj2Gtk+T+yzxjW9+Te0KcY1vfk3tCqyJyR7DWyfJ/ZZ4xre/JvaFOMa3vyb2hVZE5I9hrZPk/ss8Y1vfk3tCnGNb35N7Qqsickew1snyf2fZYNI+XCoXyPc9xzXc43J5RRY4F9TQfe7RRfCy/3Jfln7rhW3w8G+y/g+YxH6yqf+V35qss8TrKZmKVTXTsBEzgQXbtVV7upf58f9S+5CS5V1PxObHPUl0e7N6LR3dS/z4/6k7upe+I/6l1zLueelk+LN6LR3fSd8M9aju+k74Z605l3Glk+LLCKv3fSd8M9ad30nfDPWnMu40snxZYRaO76TvhnrTu6l74j/AKk5l3Glk+LN6LR3dS98R/1Ke7aXviP+oJzLuTSn2ZuRae66Y/68f9QU91U/8+P+oJzLuNOfY2otYqID/rR/1BTwsR3SM/qCtonLLsZooDmnc4H7VKWSmERFSBERAEREAREQBERAfYYF9TQfe7RRMC+poPvdoovgZv7kvyz99wn+Pj/8V/B5hj31/iHnMnaK56v499f4h5zJ2iqC1J9DHJdWSoW6F8LAC4XeHfh4lszUQA5DiQG9JF9dfwSzkq6dSK0ZqYchoeWX1N7EjXxox9I25LLk3tobAWPj67KWCqisvkpCLhji49ZPj8fkVd5aXuyCzb6DxK2CNERFS0EREsUFKhEFBSoRCULrJr3jc5w8hWKK2TlT9jcKupbunkH3is24jVt3VD/t1VZE5n3OXig90i+zGatn0nNeP+5qsR46f9SEeVpXIRdrLJe54y4PBL/U+khxSkmIAkyE9DxZWwQRcar5BbqesnpnXikIHUdQV6x4j5GLL/TFvjf2fUoqFFi8VRaOW0cn4FX1pjJSXQ+TkxTxupKgiIujzPsMC+poPvdoomBfU0H3u0UXwM39yX5Z++4T/Hx/hfweX49zgxDzmTtFc9X8e5wYh5zJ2iuetK2MzXUlFCISiUUIhKJRQipaJRSI3OjdIByWkAnqusVBRKKEQUbIYZKieOGFpfJI4Na0dJO5dpmyWISw1ToZaeeWlc1r4oZA43Oa4vuuMh0XHpKqSirIaqGwkheHtuL6g3Xbh2qFLLK+lwyKETTMne3hXEFwDxpfcDn3eJR37HSUfcrxbMYnJTcLwLg57I3QsFiZM5AG46bxvUHZXF+CZI2Bj88jowGytJBaLknWwAHTdbItp5Yy8mnHLigiJZIWuAitYgjcTZWHbZSPdIXYdBlkfIXNa4i7ZGBrh5TlBv1qXItRKDtm8WjillkpCxkDyyS7hdpFr6XuQMw1HWts+yuLRYi+iZT8K5uYte1wDXAOy3vfr0tv1Vyq2tbPhzmtpAKqV8gJzHLHG4MFh1mzLarCPbKpjkkcKYAScJfg5XMcC6ThNHDdY6Jci8sDmtwLETNRROhDHVxtBncBm1t9i1YhhlRhkkbJzG5srM8ckT8zXi5FwfKCrIx6YYnh1c6Frn0DGMALjy8pJuT47rHEsYZiELIhQshZE0NgDZHExi5c7ykk/gr1Oaib6nZPGaSOSSWltHHwYz5hZ3CGzbHp369S1M2axeR8zWUheYQ0uyvabgtzC2utwCdFZk2sq5ppHTxNmhe6MtgkcSxmVzXEAePLqrH6aStqGTMoWXaYyc0hdmyMewdHU/8ABS5FqBSZsvidonzwGKKaNz2P0dezC8CwOlx1rW7ZrF2OiDqS3CtLmuMjbAAAkk3sNCDrber52zqDEyPuOKzG5b5j/J4L8tfKs6La1oqg+qgDIxmdyLuuTE2MAi405F/KlyHLE+frKOegqpKWqZkmjNnNuDb1Lp4TiRcRTTOuf3HHp8S5+KVEVXidRUwCQRyyFzeFdd2vWVWa4tcHNNiDcL1hNxdmXiMEc0XFn2CLltx6DIM8Uma2tgLX9anj2m/lS+ofNbtWHc/OPg8/xPQ8C+poPvdootWzM7anZ+mmYCGuz2B3/TIRfEyu8kn5Z+14VOOCCfZfweZY9zgxDzmTtFc9dDH+cGIecydornrStjO11CIiEou0cbJYixrWmYuNs7SQRbcCNxWySKnhgaCxz88ObMG/veW+4KiyeWNjmMle1rt7QdCgnlERiErhGd7b6FdWSi9NTtZRSZomNkjcwaXuL77lZyRxCSdkdMwmFoc0akuvbf5N657qmdzS100haRlsXG1upQJpWycIJHB/8QOqWOUuMkDaWofwDW8tnIINtx6FormMirJGMGVo3Dq0C0ulkeXFz3HMbuud/lUOc55u5xcT0kqWKIREULRKhEQUdOTZ7Fo44JO43PFQAWCJwedW5hcAkgka6pTbPYpU1EUIo5YjNnDHSMLWktaXEA232BVxm1czJo8sIbAyIMLGkAvcITEHF1r6XJA8asUW1lJR0FLSswsgQm7y2UDOTG5hP0enNfpspbO0onJdgWJMopap1JKGwSGOVuQ5o7NDrkdAsRqkeBYi8S5qWSN0UQlyPaQ57S4NGUW11cFfftMwwPgZSODC1zGZpLkNMDYRfTU8m/2q7T7a09HLG+lwzIGRujDDILWMjXnc0a6EX36g71LkKj3PnhhGJkRkUFQRK/Iw8GeU7XQePQ+pbqLAMTxCWoip6UmSmIbIx72sIJNgLOIubi1hqutS7WUdDSwwU+GObwUrZc3Ci7iA8anLfc/8FS2c2j4h4f8AwrZ+GfG7lG2UNJOmhsddD0FW2KiURg+J/qv+n1P66/B/qjy7amy2S4DicNC+sko5WsjkLJGlhDo7Bpu7qFnBfQYftVh2SGkkpTSwszue5z84lJiLCHcm+psb626rKlV7RwNdVQQskqY5eFtI9wb/AJkbG2sGjQZNNBoehS2XlicZ+FYjG7K+hqGuIabGMj6RsPWdFk3B8Te6JrMPqS6ZpdGBGeWBqSF227X08LzwGG5GCB8bWGQWaS/Oxws0fRPr61rbtTTR0TKaHDjHlikj0kFrvjawn6Nzq2+p6fIlsnLHufPSxSwSvhmY6ORhyuY4WLT1ELFW8Xr+NMVqK4R8Hw782S97faqa6OaCIiEo9W2L5p0XpPiORRsXzTovSfEciyS9TN8PSjznHz+0OIecydornq/j/OHEPOZO0VQWpbGN7hFClCBFClBQREQBLqFKAXRFCAlLoiAIiIDOOKSYubExzy1pcQBuAFyfsCsuwqubCJDTPFy0BtuUczcwIG+1he6zwbEWYZWvqHsz3glja0tDgS5haLg6EXOq+lO2lEXxyCKdkjchvGxrQ0indHoAdOURbxepRtnSSPlYMNraifgWU0gfnDDmGUNd1EndvCypsJr6xj309LI9sbDISBvAIBt16kbl9GNsqfuqGX/F5RVxTzDT9YGxNab66nM0nVYwbW01OGyxyVscooRTCJtgyNwcw5mnN+8Gm+m89KlstI+bpcPrK2R8dLTSzPjF3hjb5R41nS4VX1sb5KelkkYyPhCQ3e24Fx16kbl1KLG8PjxnE6qrjmkpKt7ndz8E1wkBcXAOueSRoQRcgq5RbV01G6OZstaHijip+CbbJEWOjJyHNucGEnQalLZEkfPxYVWzxMkihz5yA1jTd5u4tGm/eFrfQVjCA6kmBLsovGdT1bt6+oh2tw6BrJWMqxOycOsGtDcgqHS78172da34rbDthh1L3KG1OJ1IjmmfKJ2A/TBAcOXvaDu03nVOZl5Y9z4tzXMeWPaWuabEEWIKhW8WreMcVqazMXcM8uzFgaT4yATb1lVF0c0EREIerbFc06L0nxHImxXNOi9J8RyLLLdm2PpR5xj5/aHEfOZO0VShYJH5SbAC+iuY/wA4cR85k7RXPutUTJJN3RaFPBbSoBOnUsRFFlvnAItoba6nx+RV0XXMux5acvkWXQRNYXCa56AOnQ/JV7qEUbs7jFrd2TdLqEUOibpdZMjLw4ggBvSVtFFIXhocwkm28/8An/4gNF0ut4o3kaOaCNDc9Nzp+C0EAGwIPjCAXS6hEBN0uoRATdLqFJBG8FBQul1CIKJul1CIKJul1CIKJul1CIKJul1CIKPWNiuaVF6T4jkTYnmlRek+I5FlluzXHZHm+0HOHEfOZO0Vzl0NoD+0OI+dSdornrQtjM11CIiooIiIKCIiCjJrnNvlJFxY2PQhkeRlL3W6rrFEFGQkeL2cRffqoUIgoIiIKCIiCgurIyOaSz3HKXwtIDtLZNfyXKRCo6cUVOW/SETJYBm5V7HOB/Zap6VsdHwgiLHtfZ2Ynr6Ogqil7oAiXRCUFOU9R9Si6ttr3CDJwbcwAaHa6gAjX1oR37FXKeoqFb4ymz5g1g3aAHot4/8At/NVL63QK/cIiIWj1nYnmlRek+I5E2J5pUXpPiORZpbs0x2R5ttBzixHzqTtFc5dDaDnFiPnUnaK560LY8HuSoRFSE7t6hfYCip66u2QpKiMOhnga2Ro0zAyuvqFTmiwqvw/F+5sNFHJhwbJFKJnOc9vCBhDrm3Te4tuXNlo+csQLkb1C+u2iqsNOy+CsiwkRulgkdE7h3Hgv1hvp+9e3T1rOtwrCJtoaPZ+koDA6XgXy1Rlc4gGMOcA3cNPxSxynxysUVFUYjVx0lJGZZpCQ1oO/S67TocLxjD8SdQYd3HLQME0ZErn8LHmDTmv+9qDcW6V29n4KHBtr6HCRQtkrWsJnqZHuu15jLrNaNLC9tb31RsJHwe5F13UFN+h3GPB/wCJ4wMOe5+hkva3lV1uCUMmJ0LZA+OlGFtrarIbudZpc61+k2AVsUfNgEkAC5KsUlBU1xmFNEX8BE6aTUDKwbyvotmq/C6na7DWswSKEcMGtyzvJvcEE3vcix8Ruq1O3D8TrsUfFQ9ysgoJZAwTOdywRyrny7lLFHzqL6QQ4Rg9Hhja/D+7JK+Ph5X8K5pijLiGhgGl9L63WxmE4fhTtoO7qU1nF0kTYAZCwHM4gE26CLf/AEljlPl1Otr20Xbx+jo24dhWJ0dOKbu6J5fEHFzWua61wTrY9S6FDU4dFsDI+bChO4VzWPJnc3M7I4h2g0te1ksUfJovp202D4ZxXR1tCamSuiZNPMZXNdEHk5QwDS4Fjre64eK0DsLxWqoHuzGnldHm67HeqmKKiLJkb5DZouepZGnmabFhv1K0zjmS9zBQs5YzGQCQb9SwQqafVBERChSoRAes7E80aL0nxHImxHNGi9J8RyLNLdmmOyPNtoOcWI+dSdornq/tBzixHzqTtFc9e62M7JRQioPqabGqCPEtmJnTEMw+NoqDkPIIkcerXQjcufSYhTRUuORvks6siDYeSeUeFa77NAd64yKUWzv1tTQYjs1hzO7RDVYfG+MwOjcTLd5cC1wFunpst9Vj9NFtpT4xTkzQRtia4AFpIEYY8a/auNT4TWVMQkYwBh3FxtdVJI3RSujdbMw2NiunBpW0ecc0JycYu2j6F0+FYPh+IjD8RNZPXsEMYETmcFHmDjmvvOgGnjXVo8XwSXaen2lqcT4CQs/X0pge5wkyZTYgWynf9q+HRc0elnfw+qw+r2bmwirrRRSNqxUxyvjc9rxlylvJBIKuSY1hUON02SWWooDhjaGd4ZlfYtIJAPSND9i+URKFneoX4dgO0OHVsWJNroYpg+QxxOaWNBH8Q36nQdSzp5sNwurxIR4iyqZU0MsbHsie3luIs03HUN+5fPIlEs+k4fB8Yo8NdiGIOo5KCIQTM4JzzLGHEgsI0vYka2WFVjkFdDtBJISySvlhdBGQTyWvJtfxNsvnkSi2dnFMQpqnZ/BqWKS81KyVsrcpGXM+416dFtw2poajZuowqrrW0cndLahkj43Pa4BpaW8kHXcuCso43SyNjYLucbAK0RuurPpRVYNifFlbW17qaWhiZFPBwTnGYMPJLCNNRYa2suHite7FMVqq97cpqJXSZeq53LCroZ6ItEzQM24g3VdHFxdM5jOM1cXaM2SOjN2myzFVM12YOANrfRG5aUVTaDhF7oyfI55u517KFCKFSS6IlFCIUlFCID1rYjmjRek+I5E2I5o0PpPiORZ5bs0LY812g5xYj51J2iueuhtBzixHzqTtFc9e62PD3Ovs/DFNJOJY2Ps0WzNBstAoRV4vNTscIgHOOjdwB6la2b/zaj/a3+6nD+cU/lf+a1qKcI33PiZMs4Z8zi9kh+jhMhHdIDejk6lU3YRI3EW0ZkHKbmD7aWVyoc79J49TvaPwWO0RtVQEH9w/mrKEKbS2ZMObiHOMZSvmje2x1qymlkpWxU83AZSNR1DoXBo8Jmrw6d8gY0k8oi5celdLaHSgj/5Bu8hSsJh2daI+TdjRp47XXc1GUnfsjNw08mPFHkfWTrbYoVWByQQGaGUTNaLkAWNlrw3C+72ueZcjWusQBcldHZ1xfSSxu1aHC32hTgADY6lo3CSy5jjhJxddGaMnFZscMkG7cWuv5OfV4M+kpRK+W7i4Ny23X8asu2cIAtUi9+US3QBct8sj6mz3ucM/Sb9K7W0hIpogCf8AM/suIrG05VsemSfExljhz9ZX7FaXZ2Zr2iOdrmn6RItlWFXgT6andMyYSBouRltp4lfr3E7PNNzcsZc+pRREu2ddc3tG8fmvR44XVe1nhHiuJUVNy/2rbc5VBhUtexz2yMYwGxJ1PqW+owJ8VO6aGdsoaLkZbLRQUlbVRvZTvLIieWSbAruUlM2kw2SJswlsHXI3A23LjHjjKPVHtxXE5MWTpNb7V/LKuB0DBB3RIGP4T6ILdW2JVWuwySnq2StmAM01m2FspJW3ZsnNPr0N/uqIJ473n/1H/wAlXy6cehzHU/VZHzbL/wCRuxqGpidD3RU8M4g25NgNyzp8AkkhbLNO2LML2tcjyq1jLQ+voWu3F+vrCw2ke4CCME5SST+CsoRTlJ+xziz5ZQx44Om7612KFfhUtA0PLhJGTbMBay30mBmqo2ziazni4bbQeVXr90bNXk1Ijv6jp+ShhI2aJBseDP5osUOa66VYlxeZ40r/AHc1WVJ9n5I6d0sc7ZC0Xy5bX/FchfRYGScKkBOgc78l86vHLGKSa9zbweXLKc8eR3TCIi8T6AREQHrWxHNGh9J8RyJsRzRofSfEcizy3ZoWx5ttAP2ixHzqTtFc6y6W0HOHEfOpO0VzloWxne52NnXNZLPmcBdo3lTQOaNoJ3FwAJfrfxrjWReyyUkq2ME+EUpzlfqVHYqHt/SVjswy5m6303KNoS11TAWuDhlO4+NchEeS01W5Y8IozhK/SqPoMfex9BGGva79YDob9BUUU8GIYX3FLIGSBuXXptuIXAslldb93NR5rgIrEsfN1TtM+jYafBaF7eGEkjtQBvJ6NFq2fe1tPNneAS++p8S4NkVWammlsR8ApY5RcrcurZs/9z9/+67W0T2Pposr2u5d9D4lwbIvNTqLXc0ZOHU8kJ36T6Cuew7PtaHtJyM0v5EoXs/R97M7c2R+l/Kvn0svTW/dde1Hh+gXJyc3vZ9Bhb4qnCXUgkEcliD169K30EUFNTvou6WPkNybHddfMIkc1V0Ocn9P5nKp0m7/AOnbwgw0dfUUzpQdwa46ZrLGroY6XEYZxMHcLODl6tblcbei51P21R6fpHqOaluqfk7WPyhs9M9jg4sudD4wrNRHTY3TRuZOGPbrbpHWCF84iurbdrozlcDUIqMqcfc7uKVUFNhzaGB4c6wabHcB1rJr2/o2W5xm4M6X13rgJZNZ23QXAxUFG9nd9z6DA3sbhsjS9oOY6E+JfP2RFxKfNFLsacWBY8k536iLJZSi4NJFkspsihD1nYjmjRek+I5E2I5o0XpPiORZ5bs0x2PN9oOcWI+dSdornro7Qc4cR85k7RXOWhbGZ7hERUlnXpcDbUUzJnVBbnF7Bu5Y1WAyxRmSCQSgC5BFir2R8mzoZG0ucYxYDp1U4PHNTUchqbtbe4DugdK26cHSr2Pz/wCqzxUp8+zqj5xrS82aCSdwAWySlqIm55IJGt6y0rtYNC0QzVgju5zjkHUOpWaCWrqTKytgDGH6N22v4l5xwJpX7mvL/UHGT5Uqjv16/wDDi4bhpri4ue6NrRoQ3etFVSvp6h8Ya8tDsrSRvXawWZ2aalsAyEnKeneVWqa2WfFoqd4aGRVAykDXejhBQTJHic74iS9krOaaKqGQGnku++UZdSr2FytphNHLRSSvJ/dZcjxFdPFMQdQCIsja9zydT0DRasFlM7qqYi2eTNbqXSxqM6T6nlPismXh3Ocen58nz79ZXWblu48nq8S2GjqWszmnkDevKV1MGpmyVk87wDwbrNv1m6u0tTWy1z2zQZINbEtsuI4VJW/c98vHODcYJdF1t/wfNMhlkF443OA6Q0lQGPc/I1pLv4QNV9DQFsOL1dO3QO5QH5/msKWm4PaCc20ALh9v/hU0dupXx9OVrZWjhGOQPyFjg7+G2qzfSVMbM74JGt6y0roDFW02JVUuQSh5s37NAunhlTU1ccpqow1t+TybXB/NI4oydWM3F5cUVNxVdPf+DjYLFHLXhsjGvGUmzhdRjLWsxKRrWhoAFgB4lYwpoZjUjGiwbnA9a0Y19ZyeQfkjVYv+iM2+N8cpQREXgfTsIrPchDRd4D8rXZbdDjpr9qkUTru5Ys0uBP8Att81aJzIqorYoQ7QTNJc4tYAL5iBf+6ryxmKTISCbC9ujTcpQswREQtnrOxPNKi9J8RyJsTzSovSfEcizS3ZpjsjzfH+cOI+cydornro4+P2hxHzmTtFc+y0rYyvchLKUsqQ+kindTYEyZgBc2MWB3b1jI44thBcwlr+lo6SOhcc4hUGk7lJbwYFt2qikrqijDhC4AO3gi61ay2e1HxlwE0nNVzXa/B2MFk4TDXRMOV7CR5L7iqb5cba5wOfk7yGi3rsqLK2ojqXTxuyPdqQBofsViTGaySNzDkAcLEhq51IuKVvoej4XJHK5KKaff2LOz5Lp5yTckA/itEsErMbEjo3BhqBZxGh1VOmqZaSThInWdax0uCt9RidTUPjc/KOCdmaAOlc88XBJ+x6PBlWeU41TVF7aLdT/e/sstnv8mf/AHD8ly6uunrcvDFpyXtYWU0tfPRtc2ItAdvuLrrUWrzHD4XJ+k0ff/2dTA5Bw1VEd+fMFrqHY0yocxhe5tzlLWC1vUuUyaSKbhY3lr73uFd48rctrs8uVFkTjTdEnwuSOVzik77mqjqJG4syWZ13F+VxPqXfqGtp2VFVflcHb1Xt+a+VJJdmO8m6tz4nVVMJikc3Kd9gmPKoppl4ng5ZZxlH8Mu4BTxvEkzmhz2kBt+hXcNqKqodO6oYWBpAYMtuu64FLWTUby6F1r7wRcFWDjNaZA/OBb90N0VhljFI8+I4PLknJqmntfsWaCN8WPSB7S2+Yi/SLqrjX1nJ5B+SwOJVJrO6rtEmXLu0stFRPJVTGWW2Y77Cy4lNcnKu5pxYMizLJLtRqRTZLLxN5uFVJwLoyb6ANPSLEFQaqcuzGTXXoHTvWqyWVHQ2R1DmyNc67gx2YAG2v/gCwe4ve57jcuNyosllAQimyWQHq+xPNKi9J8RyJsVzSovSfEciyy3ZrjsjzjH+cOIecydoqguhj/ODEfOZO0Vz1qWxje4REVIESyIUIiISwiWRBYREQBEW2KnfMCWkaG1roLNSLc6mc1rnZm6C9hfxfNaUoWEREFhERBYREQBERAEREAREQHq2xXNOi9J8RyJsVzTovSfEciyS3Ztj6UedY9zgxDzmTtFVaZkTjmlO57Ra4GnSVax7nBiHnMnaK561LYwy3LXAU1rmUm7SbAjTQH5j7Fk6CjDieEfa5tymnpsB6tVTRKOaLsVLTzTZGOe7eTlI8XzVNws4gbgUBI3GyhWggiIqWwiIgsIiILCXI3EoiCxc+NERBYREQWEREFhERBYREQWEREFhERBZ6rsXzTovSfEcinYvmnRek+I5Fjl6mb4elHnWPc4MQ85k7RXPXQx7nBiHnMnaK561rYwSfUIpsllTmyEREFhFNkQWQilXG0rHgOkeWtDY/oM/iQq6lJF0IaSNgla85nmJ5bcaCxtf8EOGsNT3O2cGW5B00BClnXKznosnNAeQL2BsL71iqcBERBYRZZHfwndfd0KWxSPNmsc42voOhBZgi3tpXvp+Ea1znZy0tA8S02IVoWQiIoLCIiCwiIgsIilBZ6psXzUovSdtyJsXzUovSdtyLHL1M+jD0o87x7nBiHnMnaK566GPc4MQ85k7RVBbFsfNk+rISxV408LQ12W/IcXDN9FwG5ZNjgbMxzGhpbJGfpX3i5XVHNnPRT0ooWyEUogshZ8LJa2d1rDp6tyxRBZs7onyFnCvym9xfQ33o6oneAHSvNhbUrWiFthzi5xJJJJuSVClEJZCKUQWdGnqKZ0MXDOs8tMLvE3fm/FS2pieyRgMQLXNycISAWgWG71/auaitkL/AAxljceHjjk4cvJDrC1t4VWrkbNVSSMFmudcLUiAhFKKFshFKILIRSiCyEUogs9T2M5qUXpO25E2M5qUX3+25Fil6mfSh6UeeY99f4h5zJ2iueuhjv1/iHnMnaK562rY+ZJ9WEWWU9R9SZXdR9S6o5tGKLLK7qPqTK7+E+pKFoxRZZXdR9ShQWQilELZCKUQWQilEFkIpRBZCKUQWQpsbXtoEW6CZsYc17MwcQfUhLNCWV6GopiSHxMaL3BLb9J+Y9SwZPTtkJdCHaW3AdQ3etS32JZUsiuTTQBpaxkbiW2ByblgyojADXQNcB4hfo+R9aWLK9ja6ixG/RXO64cuUQNA0uMosbA6/ju3aLRNJwjgQ21hayCzUilFS2epbGc1KP7/AG3ImxnNSj+/23IsMvUz6uP0I88x36/xDzmTtFUF0Md+v8Q85k7RXPW6OyPkyfVn0NFC2oc2Nzi0ZC7TebC9h4zuVxmGCQgmpjiDr6SEAjdv9Z9S+fGIuDQODBsLb04yd/KHrXra7mVQfY+hfhbWskcKyIljS4D+K3QNelYtw1r83+LjBaTYH97lEaa+K/kK4HGTv5Y9anjJ38sD7UvyXlfY6s8IhyWlD8zQdBu8S+ek/wA1/wDuKucZO/lD1qk45nF3WbqSdnUE03ZCIi5PawiIgslZmCUAkxPAGp5O5YsOV7XdRurIqmWkzNcXPLtb7gUFmmOnkkkjaWloe4AOI0WIjdlJsb6WFt6sMrGtka7IbNex2/8AhFlBq2mQPyEG7SRfTTqQWaOAlDg3g3XOoFt6hzHMdlc0tPUQrcEzHjI+wAa64JHKuQVXqSHVDyH5x1oLNSIiCwiIgsIiILCIiCwiIgs9T2N5q0f3+25E2N5q0f3+25Fgn6mfXx+hfg88x36/xDzmTtFUFfx36/xDzmTtFUFvjsfGk/3MIiKnNhERBYREQWEREFhERBYREQWEREFhERBYREQWEREFhERBYREQWEREFnqWxvNWj+/23ImxvNWj+/23Ivnz9TPtYvRH8HnmO/X+IecydoqgvYZMIwyWR0kmHUj3uN3OdA0knrJsseJMJ8F0fu7PktiydNj5csPV9TyBF6/xJhPguj93Z8k4kwnwXR+7s+Sup4Jo+TyBF6/xJhPguj93Z8k4kwnwXR+7s+SangaPk8gRev8AEmE+C6P3dnyTiTCfBdH7uz5JqeBo+TyBF6/xJhPguj93Z8k4kwnwXR+7s+SangaPk8gRev8AEmE+C6P3dnyTiTCfBdH7uz5JqeBo+TyBF6/xJhPguj93Z8k4kwnwXR+7s+SangaPk8gRev8AEmE+C6P3dnyTiTCfBdH7uz5JqeBo+TyBF6/xJhPguj93Z8k4kwnwXR+7s+SangaPk8gRev8AEmE+C6P3dnyTiTCfBdH7uz5JqeBo+TyBF6/xJhPguj93Z8k4kwnwXR+7s+SangaPk8gRev8AEmE+C6P3dnyTiTCfBdH7uz5JqeBo+TyBF6/xJhPguj93Z8k4kwnwXR+7s+SangaPk8gRev8AEmE+C6P3dnyTiTCfBdH7uz5JqeBo+SlsbzVo/v8Abci7EMENNE2KCJkUbdzGNDQOncEWGTuTPrY1UEvB/9k="/>
-          <p:cNvSpPr>
-            <a:spLocks noChangeAspect="1" noChangeArrowheads="1"/>
-          </p:cNvSpPr>
-          <p:nvPr/>
-        </p:nvSpPr>
-        <p:spPr bwMode="auto">
-          <a:xfrm>
-            <a:off x="765175" y="465137"/>
-            <a:ext cx="304800" cy="304801"/>
-          </a:xfrm>
-          <a:prstGeom prst="rect">
-            <a:avLst/>
-          </a:prstGeom>
-          <a:noFill/>
-          <a:extLst>
-            <a:ext uri="{909E8E84-426E-40DD-AFC4-6F175D3DCCD1}">
-              <a14:hiddenFill xmlns:a14="http://schemas.microsoft.com/office/drawing/2010/main">
-                <a:solidFill>
-                  <a:srgbClr val="FFFFFF"/>
-                </a:solidFill>
-              </a14:hiddenFill>
-            </a:ext>
-          </a:extLst>
-        </p:spPr>
-        <p:txBody>
-          <a:bodyPr vert="horz" wrap="square" lIns="91440" tIns="45720" rIns="91440" bIns="45720" numCol="1" anchor="t" anchorCtr="0" compatLnSpc="1">
-            <a:prstTxWarp prst="textNoShape">
-              <a:avLst/>
-            </a:prstTxWarp>
-          </a:bodyPr>
-          <a:lstStyle/>
-          <a:p>
-            <a:endParaRPr lang="en-US"/>
-          </a:p>
-        </p:txBody>
-      </p:sp>
-      <p:pic>
-        <p:nvPicPr>
-          <p:cNvPr id="2052" name="Picture 4" descr="http://ecx.images-amazon.com/images/I/51d2MRB64OL.jpg"/>
-          <p:cNvPicPr>
-            <a:picLocks noChangeAspect="1" noChangeArrowheads="1"/>
-          </p:cNvPicPr>
-          <p:nvPr/>
-        </p:nvPicPr>
-        <p:blipFill>
-          <a:blip r:embed="rId2" cstate="print">
-            <a:extLst>
-              <a:ext uri="{28A0092B-C50C-407E-A947-70E740481C1C}">
-                <a14:useLocalDpi xmlns:a14="http://schemas.microsoft.com/office/drawing/2010/main" val="0"/>
-              </a:ext>
-            </a:extLst>
-          </a:blip>
-          <a:srcRect/>
-          <a:stretch>
-            <a:fillRect/>
-          </a:stretch>
-        </p:blipFill>
-        <p:spPr bwMode="auto">
-          <a:xfrm>
-            <a:off x="455609" y="1714500"/>
-            <a:ext cx="1425577" cy="1974482"/>
-          </a:xfrm>
-          <a:prstGeom prst="rect">
-            <a:avLst/>
-          </a:prstGeom>
-          <a:noFill/>
-          <a:extLst>
-            <a:ext uri="{909E8E84-426E-40DD-AFC4-6F175D3DCCD1}">
-              <a14:hiddenFill xmlns:a14="http://schemas.microsoft.com/office/drawing/2010/main">
-                <a:solidFill>
-                  <a:srgbClr val="FFFFFF"/>
-                </a:solidFill>
-              </a14:hiddenFill>
-            </a:ext>
-          </a:extLst>
-        </p:spPr>
-      </p:pic>
-      <p:pic>
-        <p:nvPicPr>
-          <p:cNvPr id="2054" name="Picture 6" descr="http://ecx.images-amazon.com/images/I/71PZBSFpf9L._SL1373_.jpg"/>
-          <p:cNvPicPr>
-            <a:picLocks noChangeAspect="1" noChangeArrowheads="1"/>
-          </p:cNvPicPr>
-          <p:nvPr/>
-        </p:nvPicPr>
-        <p:blipFill>
-          <a:blip r:embed="rId3" cstate="print">
-            <a:extLst>
-              <a:ext uri="{28A0092B-C50C-407E-A947-70E740481C1C}">
-                <a14:useLocalDpi xmlns:a14="http://schemas.microsoft.com/office/drawing/2010/main" val="0"/>
-              </a:ext>
-            </a:extLst>
-          </a:blip>
-          <a:srcRect/>
-          <a:stretch>
-            <a:fillRect/>
-          </a:stretch>
-        </p:blipFill>
-        <p:spPr bwMode="auto">
-          <a:xfrm>
-            <a:off x="307975" y="3962400"/>
-            <a:ext cx="1687167" cy="1930400"/>
-          </a:xfrm>
-          <a:prstGeom prst="rect">
-            <a:avLst/>
-          </a:prstGeom>
-          <a:noFill/>
-          <a:extLst>
-            <a:ext uri="{909E8E84-426E-40DD-AFC4-6F175D3DCCD1}">
-              <a14:hiddenFill xmlns:a14="http://schemas.microsoft.com/office/drawing/2010/main">
-                <a:solidFill>
-                  <a:srgbClr val="FFFFFF"/>
-                </a:solidFill>
-              </a14:hiddenFill>
-            </a:ext>
-          </a:extLst>
-        </p:spPr>
-      </p:pic>
-      <p:sp>
-        <p:nvSpPr>
-          <p:cNvPr id="2" name="Date Placeholder 1"/>
-          <p:cNvSpPr>
-            <a:spLocks noGrp="1"/>
-          </p:cNvSpPr>
-          <p:nvPr>
-            <p:ph type="dt" sz="half" idx="10"/>
-          </p:nvPr>
-        </p:nvSpPr>
-        <p:spPr/>
-        <p:txBody>
-          <a:bodyPr/>
-          <a:lstStyle/>
-          <a:p>
-            <a:r>
-              <a:rPr lang="en-US" smtClean="0"/>
-              <a:t>CS@UVa</a:t>
-            </a:r>
-            <a:endParaRPr lang="en-US"/>
-          </a:p>
-        </p:txBody>
-      </p:sp>
-      <p:sp>
-        <p:nvSpPr>
-          <p:cNvPr id="3" name="Footer Placeholder 2"/>
-          <p:cNvSpPr>
-            <a:spLocks noGrp="1"/>
-          </p:cNvSpPr>
-          <p:nvPr>
-            <p:ph type="ftr" sz="quarter" idx="11"/>
-          </p:nvPr>
-        </p:nvSpPr>
-        <p:spPr/>
-        <p:txBody>
-          <a:bodyPr/>
-          <a:lstStyle/>
-          <a:p>
-            <a:r>
-              <a:rPr lang="en-US" smtClean="0"/>
-              <a:t>CS6501: Information Retrieval</a:t>
+              <a:t>CS4501: Information Retrieval</a:t>
             </a:r>
             <a:endParaRPr lang="en-US"/>
           </a:p>
@@ -18568,7 +19168,7 @@
     </p:spTree>
     <p:extLst>
       <p:ext uri="{BB962C8B-B14F-4D97-AF65-F5344CB8AC3E}">
-        <p14:creationId xmlns:p14="http://schemas.microsoft.com/office/powerpoint/2010/main" val="480865046"/>
+        <p14:creationId xmlns:p14="http://schemas.microsoft.com/office/powerpoint/2010/main" val="2909834546"/>
       </p:ext>
     </p:extLst>
   </p:cSld>
@@ -18760,7 +19360,7 @@
           <a:p>
             <a:r>
               <a:rPr lang="en-US" smtClean="0"/>
-              <a:t>CS6501: Information Retrieval</a:t>
+              <a:t>CS4501: Information Retrieval</a:t>
             </a:r>
             <a:endParaRPr lang="en-US"/>
           </a:p>
@@ -18964,6 +19564,502 @@
       </p:grpSpPr>
       <p:sp>
         <p:nvSpPr>
+          <p:cNvPr id="5" name="Title 4"/>
+          <p:cNvSpPr>
+            <a:spLocks noGrp="1"/>
+          </p:cNvSpPr>
+          <p:nvPr>
+            <p:ph type="title"/>
+          </p:nvPr>
+        </p:nvSpPr>
+        <p:spPr/>
+        <p:txBody>
+          <a:bodyPr/>
+          <a:lstStyle/>
+          <a:p>
+            <a:r>
+              <a:rPr lang="en-US" dirty="0" smtClean="0"/>
+              <a:t>Text books</a:t>
+            </a:r>
+            <a:endParaRPr lang="en-US" dirty="0"/>
+          </a:p>
+        </p:txBody>
+      </p:sp>
+      <p:sp>
+        <p:nvSpPr>
+          <p:cNvPr id="6" name="Content Placeholder 5"/>
+          <p:cNvSpPr>
+            <a:spLocks noGrp="1"/>
+          </p:cNvSpPr>
+          <p:nvPr>
+            <p:ph idx="1"/>
+          </p:nvPr>
+        </p:nvSpPr>
+        <p:spPr>
+          <a:xfrm>
+            <a:off x="2057400" y="1798637"/>
+            <a:ext cx="6629400" cy="4525963"/>
+          </a:xfrm>
+        </p:spPr>
+        <p:txBody>
+          <a:bodyPr>
+            <a:normAutofit lnSpcReduction="10000"/>
+          </a:bodyPr>
+          <a:lstStyle/>
+          <a:p>
+            <a:r>
+              <a:rPr lang="en-US" b="1" i="1" dirty="0"/>
+              <a:t>Modern Information Retrieval. </a:t>
+            </a:r>
+            <a:r>
+              <a:rPr lang="en-US" dirty="0"/>
+              <a:t>Ricardo </a:t>
+            </a:r>
+            <a:r>
+              <a:rPr lang="en-US" dirty="0" err="1"/>
+              <a:t>Baeza</a:t>
+            </a:r>
+            <a:r>
+              <a:rPr lang="en-US" dirty="0"/>
+              <a:t>-Yates and </a:t>
+            </a:r>
+            <a:r>
+              <a:rPr lang="en-US" dirty="0" err="1"/>
+              <a:t>Berthier</a:t>
+            </a:r>
+            <a:r>
+              <a:rPr lang="en-US" dirty="0"/>
+              <a:t> Ribeiro-</a:t>
+            </a:r>
+            <a:r>
+              <a:rPr lang="en-US" dirty="0" err="1"/>
+              <a:t>Neto</a:t>
+            </a:r>
+            <a:r>
+              <a:rPr lang="en-US" dirty="0"/>
+              <a:t>, Addison-Wesley, </a:t>
+            </a:r>
+            <a:r>
+              <a:rPr lang="en-US" dirty="0" smtClean="0"/>
+              <a:t>2011.</a:t>
+            </a:r>
+          </a:p>
+          <a:p>
+            <a:pPr marL="0" indent="0">
+              <a:buNone/>
+            </a:pPr>
+            <a:endParaRPr lang="en-US" dirty="0" smtClean="0"/>
+          </a:p>
+          <a:p>
+            <a:r>
+              <a:rPr lang="en-US" b="1" i="1" dirty="0"/>
+              <a:t>Information Retrieval: </a:t>
+            </a:r>
+            <a:r>
+              <a:rPr lang="en-US" dirty="0"/>
+              <a:t>Implementing and Evaluating Search Engines. Stefan </a:t>
+            </a:r>
+            <a:r>
+              <a:rPr lang="en-US" dirty="0" err="1"/>
+              <a:t>Buttcher</a:t>
+            </a:r>
+            <a:r>
+              <a:rPr lang="en-US" dirty="0"/>
+              <a:t>, Charlie Clarke, Gordon Cormack, MIT Press, 2010</a:t>
+            </a:r>
+            <a:r>
+              <a:rPr lang="en-US" dirty="0" smtClean="0"/>
+              <a:t>.</a:t>
+            </a:r>
+            <a:endParaRPr lang="en-US" dirty="0"/>
+          </a:p>
+        </p:txBody>
+      </p:sp>
+      <p:sp>
+        <p:nvSpPr>
+          <p:cNvPr id="7" name="AutoShape 2" descr="data:image/jpeg;base64,/9j/4AAQSkZJRgABAQAAAQABAAD/2wBDAAoHBwgHBgoICAgLCgoLDhgQDg0NDh0VFhEYIx8lJCIfIiEmKzcvJik0KSEiMEExNDk7Pj4+JS5ESUM8SDc9Pjv/2wBDAQoLCw4NDhwQEBw7KCIoOzs7Ozs7Ozs7Ozs7Ozs7Ozs7Ozs7Ozs7Ozs7Ozs7Ozs7Ozs7Ozs7Ozs7Ozs7Ozs7Ozv/wAARCAFaAOMDASIAAhEBAxEB/8QAGwABAAIDAQEAAAAAAAAAAAAAAAEEAgMFBwb/xABMEAABAwIDAgcMBggFAwUAAAABAAIDBBEFEiEGMRMVIjZBUbIUVFVhcXSDkZOUs9EyNYGCobEWIyZCUlOSwSQzQ3JzJWLwNETC4fH/xAAaAQEBAQEBAQEAAAAAAAAAAAAAAQQCAwUG/8QALxEAAgIBAgUEAQMFAAMAAAAAAAECEQMTMQQSIVFhMkFSkXEUIrEFMzRCgXLh8P/aAAwDAQACEQMRAD8Au19fWMr6hjKqZrWyOAAebDVV+Ma3vyb2hTEfrKp/5Xfmqy+7CEeVdD8Fly5NSX7nu/cs8Y1vfk3tCnGNb35N7Qqsi65I9jy1snyf2WeMa3vyb2hTjGt78m9oVWROSPYa2T5P7LPGNb35N7QpxjW9+Te0KrInJHsNbJ8n9lnjGt78m9oU4xre/JvaFVkTkj2Gtk+T+yzxjW9+Te0KcY1vfk3tCqyJyR7DWyfJ/ZZ4xre/JvaFOMa3vyb2hVZE5I9hrZPk/ss8Y1vfk3tCnGNb35N7Qqsickew1snyf2WeMa3vyb2hTjGt78m9oVWROSPYa2T5P7LPGNb35N7QpxjW9+Te0KrInJHsNbJ8n9lnjGt78m9oU4xre/JvaFVkTkj2Gtk+T+yzxjW9+Te0KcY1vfk3tCqyJyR7DWyfJ/ZZ4xre/JvaFOMa3vyb2hVZE5I9hrZPk/ss8Y1vfk3tCnGNb35N7Qqsickew1snyf2fZYNI+XCoXyPc9xzXc43J5RRY4F9TQfe7RRfCy/3Jfln7rhW3w8G+y/g+YxH6yqf+V35qss8TrKZmKVTXTsBEzgQXbtVV7upf58f9S+5CS5V1PxObHPUl0e7N6LR3dS/z4/6k7upe+I/6l1zLueelk+LN6LR3fSd8M9aju+k74Z605l3Glk+LLCKv3fSd8M9ad30nfDPWnMu40snxZYRaO76TvhnrTu6l74j/AKk5l3Glk+LN6LR3dS98R/1Ke7aXviP+oJzLuTSn2ZuRae66Y/68f9QU91U/8+P+oJzLuNOfY2otYqID/rR/1BTwsR3SM/qCtonLLsZooDmnc4H7VKWSmERFSBERAEREAREQBERAfYYF9TQfe7RRMC+poPvdoovgZv7kvyz99wn+Pj/8V/B5hj31/iHnMnaK56v499f4h5zJ2iqC1J9DHJdWSoW6F8LAC4XeHfh4lszUQA5DiQG9JF9dfwSzkq6dSK0ZqYchoeWX1N7EjXxox9I25LLk3tobAWPj67KWCqisvkpCLhji49ZPj8fkVd5aXuyCzb6DxK2CNERFS0EREsUFKhEFBSoRCULrJr3jc5w8hWKK2TlT9jcKupbunkH3is24jVt3VD/t1VZE5n3OXig90i+zGatn0nNeP+5qsR46f9SEeVpXIRdrLJe54y4PBL/U+khxSkmIAkyE9DxZWwQRcar5BbqesnpnXikIHUdQV6x4j5GLL/TFvjf2fUoqFFi8VRaOW0cn4FX1pjJSXQ+TkxTxupKgiIujzPsMC+poPvdoomBfU0H3u0UXwM39yX5Z++4T/Hx/hfweX49zgxDzmTtFc9X8e5wYh5zJ2iuetK2MzXUlFCISiUUIhKJRQipaJRSI3OjdIByWkAnqusVBRKKEQUbIYZKieOGFpfJI4Na0dJO5dpmyWISw1ToZaeeWlc1r4oZA43Oa4vuuMh0XHpKqSirIaqGwkheHtuL6g3Xbh2qFLLK+lwyKETTMne3hXEFwDxpfcDn3eJR37HSUfcrxbMYnJTcLwLg57I3QsFiZM5AG46bxvUHZXF+CZI2Bj88jowGytJBaLknWwAHTdbItp5Yy8mnHLigiJZIWuAitYgjcTZWHbZSPdIXYdBlkfIXNa4i7ZGBrh5TlBv1qXItRKDtm8WjillkpCxkDyyS7hdpFr6XuQMw1HWts+yuLRYi+iZT8K5uYte1wDXAOy3vfr0tv1Vyq2tbPhzmtpAKqV8gJzHLHG4MFh1mzLarCPbKpjkkcKYAScJfg5XMcC6ThNHDdY6Jci8sDmtwLETNRROhDHVxtBncBm1t9i1YhhlRhkkbJzG5srM8ckT8zXi5FwfKCrIx6YYnh1c6Frn0DGMALjy8pJuT47rHEsYZiELIhQshZE0NgDZHExi5c7ykk/gr1Oaib6nZPGaSOSSWltHHwYz5hZ3CGzbHp369S1M2axeR8zWUheYQ0uyvabgtzC2utwCdFZk2sq5ppHTxNmhe6MtgkcSxmVzXEAePLqrH6aStqGTMoWXaYyc0hdmyMewdHU/8ABS5FqBSZsvidonzwGKKaNz2P0dezC8CwOlx1rW7ZrF2OiDqS3CtLmuMjbAAAkk3sNCDrber52zqDEyPuOKzG5b5j/J4L8tfKs6La1oqg+qgDIxmdyLuuTE2MAi405F/KlyHLE+frKOegqpKWqZkmjNnNuDb1Lp4TiRcRTTOuf3HHp8S5+KVEVXidRUwCQRyyFzeFdd2vWVWa4tcHNNiDcL1hNxdmXiMEc0XFn2CLltx6DIM8Uma2tgLX9anj2m/lS+ofNbtWHc/OPg8/xPQ8C+poPvdootWzM7anZ+mmYCGuz2B3/TIRfEyu8kn5Z+14VOOCCfZfweZY9zgxDzmTtFc9dDH+cGIecydornrStjO11CIiEou0cbJYixrWmYuNs7SQRbcCNxWySKnhgaCxz88ObMG/veW+4KiyeWNjmMle1rt7QdCgnlERiErhGd7b6FdWSi9NTtZRSZomNkjcwaXuL77lZyRxCSdkdMwmFoc0akuvbf5N657qmdzS100haRlsXG1upQJpWycIJHB/8QOqWOUuMkDaWofwDW8tnIINtx6FormMirJGMGVo3Dq0C0ulkeXFz3HMbuud/lUOc55u5xcT0kqWKIREULRKhEQUdOTZ7Fo44JO43PFQAWCJwedW5hcAkgka6pTbPYpU1EUIo5YjNnDHSMLWktaXEA232BVxm1czJo8sIbAyIMLGkAvcITEHF1r6XJA8asUW1lJR0FLSswsgQm7y2UDOTG5hP0enNfpspbO0onJdgWJMopap1JKGwSGOVuQ5o7NDrkdAsRqkeBYi8S5qWSN0UQlyPaQ57S4NGUW11cFfftMwwPgZSODC1zGZpLkNMDYRfTU8m/2q7T7a09HLG+lwzIGRujDDILWMjXnc0a6EX36g71LkKj3PnhhGJkRkUFQRK/Iw8GeU7XQePQ+pbqLAMTxCWoip6UmSmIbIx72sIJNgLOIubi1hqutS7WUdDSwwU+GObwUrZc3Ci7iA8anLfc/8FS2c2j4h4f8AwrZ+GfG7lG2UNJOmhsddD0FW2KiURg+J/qv+n1P66/B/qjy7amy2S4DicNC+sko5WsjkLJGlhDo7Bpu7qFnBfQYftVh2SGkkpTSwszue5z84lJiLCHcm+psb626rKlV7RwNdVQQskqY5eFtI9wb/AJkbG2sGjQZNNBoehS2XlicZ+FYjG7K+hqGuIabGMj6RsPWdFk3B8Te6JrMPqS6ZpdGBGeWBqSF227X08LzwGG5GCB8bWGQWaS/Oxws0fRPr61rbtTTR0TKaHDjHlikj0kFrvjawn6Nzq2+p6fIlsnLHufPSxSwSvhmY6ORhyuY4WLT1ELFW8Xr+NMVqK4R8Hw782S97faqa6OaCIiEo9W2L5p0XpPiORRsXzTovSfEciyS9TN8PSjznHz+0OIecydornq/j/OHEPOZO0VQWpbGN7hFClCBFClBQREQBLqFKAXRFCAlLoiAIiIDOOKSYubExzy1pcQBuAFyfsCsuwqubCJDTPFy0BtuUczcwIG+1he6zwbEWYZWvqHsz3glja0tDgS5haLg6EXOq+lO2lEXxyCKdkjchvGxrQ0indHoAdOURbxepRtnSSPlYMNraifgWU0gfnDDmGUNd1EndvCypsJr6xj309LI9sbDISBvAIBt16kbl9GNsqfuqGX/F5RVxTzDT9YGxNab66nM0nVYwbW01OGyxyVscooRTCJtgyNwcw5mnN+8Gm+m89KlstI+bpcPrK2R8dLTSzPjF3hjb5R41nS4VX1sb5KelkkYyPhCQ3e24Fx16kbl1KLG8PjxnE6qrjmkpKt7ndz8E1wkBcXAOueSRoQRcgq5RbV01G6OZstaHijip+CbbJEWOjJyHNucGEnQalLZEkfPxYVWzxMkihz5yA1jTd5u4tGm/eFrfQVjCA6kmBLsovGdT1bt6+oh2tw6BrJWMqxOycOsGtDcgqHS78172da34rbDthh1L3KG1OJ1IjmmfKJ2A/TBAcOXvaDu03nVOZl5Y9z4tzXMeWPaWuabEEWIKhW8WreMcVqazMXcM8uzFgaT4yATb1lVF0c0EREIerbFc06L0nxHImxXNOi9J8RyLLLdm2PpR5xj5/aHEfOZO0VShYJH5SbAC+iuY/wA4cR85k7RXPutUTJJN3RaFPBbSoBOnUsRFFlvnAItoba6nx+RV0XXMux5acvkWXQRNYXCa56AOnQ/JV7qEUbs7jFrd2TdLqEUOibpdZMjLw4ggBvSVtFFIXhocwkm28/8An/4gNF0ut4o3kaOaCNDc9Nzp+C0EAGwIPjCAXS6hEBN0uoRATdLqFJBG8FBQul1CIKJul1CIKJul1CIKJul1CIKJul1CIKPWNiuaVF6T4jkTYnmlRek+I5FlluzXHZHm+0HOHEfOZO0Vzl0NoD+0OI+dSdornrQtjM11CIiooIiIKCIiCjJrnNvlJFxY2PQhkeRlL3W6rrFEFGQkeL2cRffqoUIgoIiIKCIiCgurIyOaSz3HKXwtIDtLZNfyXKRCo6cUVOW/SETJYBm5V7HOB/Zap6VsdHwgiLHtfZ2Ynr6Ogqil7oAiXRCUFOU9R9Si6ttr3CDJwbcwAaHa6gAjX1oR37FXKeoqFb4ymz5g1g3aAHot4/8At/NVL63QK/cIiIWj1nYnmlRek+I5E2J5pUXpPiORZpbs0x2R5ttBzixHzqTtFc5dDaDnFiPnUnaK560LY8HuSoRFSE7t6hfYCip66u2QpKiMOhnga2Ro0zAyuvqFTmiwqvw/F+5sNFHJhwbJFKJnOc9vCBhDrm3Te4tuXNlo+csQLkb1C+u2iqsNOy+CsiwkRulgkdE7h3Hgv1hvp+9e3T1rOtwrCJtoaPZ+koDA6XgXy1Rlc4gGMOcA3cNPxSxynxysUVFUYjVx0lJGZZpCQ1oO/S67TocLxjD8SdQYd3HLQME0ZErn8LHmDTmv+9qDcW6V29n4KHBtr6HCRQtkrWsJnqZHuu15jLrNaNLC9tb31RsJHwe5F13UFN+h3GPB/wCJ4wMOe5+hkva3lV1uCUMmJ0LZA+OlGFtrarIbudZpc61+k2AVsUfNgEkAC5KsUlBU1xmFNEX8BE6aTUDKwbyvotmq/C6na7DWswSKEcMGtyzvJvcEE3vcix8Ruq1O3D8TrsUfFQ9ysgoJZAwTOdywRyrny7lLFHzqL6QQ4Rg9Hhja/D+7JK+Ph5X8K5pijLiGhgGl9L63WxmE4fhTtoO7qU1nF0kTYAZCwHM4gE26CLf/AEljlPl1Otr20Xbx+jo24dhWJ0dOKbu6J5fEHFzWua61wTrY9S6FDU4dFsDI+bChO4VzWPJnc3M7I4h2g0te1ksUfJovp202D4ZxXR1tCamSuiZNPMZXNdEHk5QwDS4Fjre64eK0DsLxWqoHuzGnldHm67HeqmKKiLJkb5DZouepZGnmabFhv1K0zjmS9zBQs5YzGQCQb9SwQqafVBERChSoRAes7E80aL0nxHImxHNGi9J8RyLNLdmmOyPNtoOcWI+dSdornq/tBzixHzqTtFc9e62M7JRQioPqabGqCPEtmJnTEMw+NoqDkPIIkcerXQjcufSYhTRUuORvks6siDYeSeUeFa77NAd64yKUWzv1tTQYjs1hzO7RDVYfG+MwOjcTLd5cC1wFunpst9Vj9NFtpT4xTkzQRtia4AFpIEYY8a/auNT4TWVMQkYwBh3FxtdVJI3RSujdbMw2NiunBpW0ecc0JycYu2j6F0+FYPh+IjD8RNZPXsEMYETmcFHmDjmvvOgGnjXVo8XwSXaen2lqcT4CQs/X0pge5wkyZTYgWynf9q+HRc0elnfw+qw+r2bmwirrRRSNqxUxyvjc9rxlylvJBIKuSY1hUON02SWWooDhjaGd4ZlfYtIJAPSND9i+URKFneoX4dgO0OHVsWJNroYpg+QxxOaWNBH8Q36nQdSzp5sNwurxIR4iyqZU0MsbHsie3luIs03HUN+5fPIlEs+k4fB8Yo8NdiGIOo5KCIQTM4JzzLGHEgsI0vYka2WFVjkFdDtBJISySvlhdBGQTyWvJtfxNsvnkSi2dnFMQpqnZ/BqWKS81KyVsrcpGXM+416dFtw2poajZuowqrrW0cndLahkj43Pa4BpaW8kHXcuCso43SyNjYLucbAK0RuurPpRVYNifFlbW17qaWhiZFPBwTnGYMPJLCNNRYa2suHite7FMVqq97cpqJXSZeq53LCroZ6ItEzQM24g3VdHFxdM5jOM1cXaM2SOjN2myzFVM12YOANrfRG5aUVTaDhF7oyfI55u517KFCKFSS6IlFCIUlFCID1rYjmjRek+I5E2I5o0PpPiORZ5bs0LY812g5xYj51J2iueuhtBzixHzqTtFc9e62PD3Ovs/DFNJOJY2Ps0WzNBstAoRV4vNTscIgHOOjdwB6la2b/zaj/a3+6nD+cU/lf+a1qKcI33PiZMs4Z8zi9kh+jhMhHdIDejk6lU3YRI3EW0ZkHKbmD7aWVyoc79J49TvaPwWO0RtVQEH9w/mrKEKbS2ZMObiHOMZSvmje2x1qymlkpWxU83AZSNR1DoXBo8Jmrw6d8gY0k8oi5celdLaHSgj/5Bu8hSsJh2daI+TdjRp47XXc1GUnfsjNw08mPFHkfWTrbYoVWByQQGaGUTNaLkAWNlrw3C+72ueZcjWusQBcldHZ1xfSSxu1aHC32hTgADY6lo3CSy5jjhJxddGaMnFZscMkG7cWuv5OfV4M+kpRK+W7i4Ny23X8asu2cIAtUi9+US3QBct8sj6mz3ucM/Sb9K7W0hIpogCf8AM/suIrG05VsemSfExljhz9ZX7FaXZ2Zr2iOdrmn6RItlWFXgT6andMyYSBouRltp4lfr3E7PNNzcsZc+pRREu2ddc3tG8fmvR44XVe1nhHiuJUVNy/2rbc5VBhUtexz2yMYwGxJ1PqW+owJ8VO6aGdsoaLkZbLRQUlbVRvZTvLIieWSbAruUlM2kw2SJswlsHXI3A23LjHjjKPVHtxXE5MWTpNb7V/LKuB0DBB3RIGP4T6ILdW2JVWuwySnq2StmAM01m2FspJW3ZsnNPr0N/uqIJ473n/1H/wAlXy6cehzHU/VZHzbL/wCRuxqGpidD3RU8M4g25NgNyzp8AkkhbLNO2LML2tcjyq1jLQ+voWu3F+vrCw2ke4CCME5SST+CsoRTlJ+xziz5ZQx44Om7612KFfhUtA0PLhJGTbMBay30mBmqo2ziazni4bbQeVXr90bNXk1Ijv6jp+ShhI2aJBseDP5osUOa66VYlxeZ40r/AHc1WVJ9n5I6d0sc7ZC0Xy5bX/FchfRYGScKkBOgc78l86vHLGKSa9zbweXLKc8eR3TCIi8T6AREQHrWxHNGh9J8RyJsRzRofSfEcizy3ZoWx5ttAP2ixHzqTtFc6y6W0HOHEfOpO0VzloWxne52NnXNZLPmcBdo3lTQOaNoJ3FwAJfrfxrjWReyyUkq2ME+EUpzlfqVHYqHt/SVjswy5m6303KNoS11TAWuDhlO4+NchEeS01W5Y8IozhK/SqPoMfex9BGGva79YDob9BUUU8GIYX3FLIGSBuXXptuIXAslldb93NR5rgIrEsfN1TtM+jYafBaF7eGEkjtQBvJ6NFq2fe1tPNneAS++p8S4NkVWammlsR8ApY5RcrcurZs/9z9/+67W0T2Pposr2u5d9D4lwbIvNTqLXc0ZOHU8kJ36T6Cuew7PtaHtJyM0v5EoXs/R97M7c2R+l/Kvn0svTW/dde1Hh+gXJyc3vZ9Bhb4qnCXUgkEcliD169K30EUFNTvou6WPkNybHddfMIkc1V0Ocn9P5nKp0m7/AOnbwgw0dfUUzpQdwa46ZrLGroY6XEYZxMHcLODl6tblcbei51P21R6fpHqOaluqfk7WPyhs9M9jg4sudD4wrNRHTY3TRuZOGPbrbpHWCF84iurbdrozlcDUIqMqcfc7uKVUFNhzaGB4c6wabHcB1rJr2/o2W5xm4M6X13rgJZNZ23QXAxUFG9nd9z6DA3sbhsjS9oOY6E+JfP2RFxKfNFLsacWBY8k536iLJZSi4NJFkspsihD1nYjmjRek+I5E2I5o0XpPiORZ5bs0x2PN9oOcWI+dSdornro7Qc4cR85k7RXOWhbGZ7hERUlnXpcDbUUzJnVBbnF7Bu5Y1WAyxRmSCQSgC5BFir2R8mzoZG0ucYxYDp1U4PHNTUchqbtbe4DugdK26cHSr2Pz/wCqzxUp8+zqj5xrS82aCSdwAWySlqIm55IJGt6y0rtYNC0QzVgju5zjkHUOpWaCWrqTKytgDGH6N22v4l5xwJpX7mvL/UHGT5Uqjv16/wDDi4bhpri4ue6NrRoQ3etFVSvp6h8Ya8tDsrSRvXawWZ2aalsAyEnKeneVWqa2WfFoqd4aGRVAykDXejhBQTJHic74iS9krOaaKqGQGnku++UZdSr2FytphNHLRSSvJ/dZcjxFdPFMQdQCIsja9zydT0DRasFlM7qqYi2eTNbqXSxqM6T6nlPismXh3Ocen58nz79ZXWblu48nq8S2GjqWszmnkDevKV1MGpmyVk87wDwbrNv1m6u0tTWy1z2zQZINbEtsuI4VJW/c98vHODcYJdF1t/wfNMhlkF443OA6Q0lQGPc/I1pLv4QNV9DQFsOL1dO3QO5QH5/msKWm4PaCc20ALh9v/hU0dupXx9OVrZWjhGOQPyFjg7+G2qzfSVMbM74JGt6y0roDFW02JVUuQSh5s37NAunhlTU1ccpqow1t+TybXB/NI4oydWM3F5cUVNxVdPf+DjYLFHLXhsjGvGUmzhdRjLWsxKRrWhoAFgB4lYwpoZjUjGiwbnA9a0Y19ZyeQfkjVYv+iM2+N8cpQREXgfTsIrPchDRd4D8rXZbdDjpr9qkUTru5Ys0uBP8Att81aJzIqorYoQ7QTNJc4tYAL5iBf+6ryxmKTISCbC9ujTcpQswREQtnrOxPNKi9J8RyJsTzSovSfEcizS3ZpjsjzfH+cOI+cydornro4+P2hxHzmTtFc+y0rYyvchLKUsqQ+kindTYEyZgBc2MWB3b1jI44thBcwlr+lo6SOhcc4hUGk7lJbwYFt2qikrqijDhC4AO3gi61ay2e1HxlwE0nNVzXa/B2MFk4TDXRMOV7CR5L7iqb5cba5wOfk7yGi3rsqLK2ojqXTxuyPdqQBofsViTGaySNzDkAcLEhq51IuKVvoej4XJHK5KKaff2LOz5Lp5yTckA/itEsErMbEjo3BhqBZxGh1VOmqZaSThInWdax0uCt9RidTUPjc/KOCdmaAOlc88XBJ+x6PBlWeU41TVF7aLdT/e/sstnv8mf/AHD8ly6uunrcvDFpyXtYWU0tfPRtc2ItAdvuLrrUWrzHD4XJ+k0ff/2dTA5Bw1VEd+fMFrqHY0yocxhe5tzlLWC1vUuUyaSKbhY3lr73uFd48rctrs8uVFkTjTdEnwuSOVzik77mqjqJG4syWZ13F+VxPqXfqGtp2VFVflcHb1Xt+a+VJJdmO8m6tz4nVVMJikc3Kd9gmPKoppl4ng5ZZxlH8Mu4BTxvEkzmhz2kBt+hXcNqKqodO6oYWBpAYMtuu64FLWTUby6F1r7wRcFWDjNaZA/OBb90N0VhljFI8+I4PLknJqmntfsWaCN8WPSB7S2+Yi/SLqrjX1nJ5B+SwOJVJrO6rtEmXLu0stFRPJVTGWW2Y77Cy4lNcnKu5pxYMizLJLtRqRTZLLxN5uFVJwLoyb6ANPSLEFQaqcuzGTXXoHTvWqyWVHQ2R1DmyNc67gx2YAG2v/gCwe4ve57jcuNyosllAQimyWQHq+xPNKi9J8RyJsVzSovSfEciyy3ZrjsjzjH+cOIecydoqguhj/ODEfOZO0Vz1qWxje4REVIESyIUIiISwiWRBYREQBEW2KnfMCWkaG1roLNSLc6mc1rnZm6C9hfxfNaUoWEREFhERBYREQBERAEREAREQHq2xXNOi9J8RyJsVzTovSfEciyS3Ztj6UedY9zgxDzmTtFVaZkTjmlO57Ra4GnSVax7nBiHnMnaK561LYwy3LXAU1rmUm7SbAjTQH5j7Fk6CjDieEfa5tymnpsB6tVTRKOaLsVLTzTZGOe7eTlI8XzVNws4gbgUBI3GyhWggiIqWwiIgsIiILCXI3EoiCxc+NERBYREQWEREFhERBYREQWEREFhERBZ6rsXzTovSfEcinYvmnRek+I5Fjl6mb4elHnWPc4MQ85k7RXPXQx7nBiHnMnaK561rYwSfUIpsllTmyEREFhFNkQWQilXG0rHgOkeWtDY/oM/iQq6lJF0IaSNgla85nmJ5bcaCxtf8EOGsNT3O2cGW5B00BClnXKznosnNAeQL2BsL71iqcBERBYRZZHfwndfd0KWxSPNmsc42voOhBZgi3tpXvp+Ea1znZy0tA8S02IVoWQiIoLCIiCwiIgsIilBZ6psXzUovSdtyJsXzUovSdtyLHL1M+jD0o87x7nBiHnMnaK566GPc4MQ85k7RVBbFsfNk+rISxV408LQ12W/IcXDN9FwG5ZNjgbMxzGhpbJGfpX3i5XVHNnPRT0ooWyEUogshZ8LJa2d1rDp6tyxRBZs7onyFnCvym9xfQ33o6oneAHSvNhbUrWiFthzi5xJJJJuSVClEJZCKUQWdGnqKZ0MXDOs8tMLvE3fm/FS2pieyRgMQLXNycISAWgWG71/auaitkL/AAxljceHjjk4cvJDrC1t4VWrkbNVSSMFmudcLUiAhFKKFshFKILIRSiCyEUogs9T2M5qUXpO25E2M5qUX3+25Fil6mfSh6UeeY99f4h5zJ2iueuhjv1/iHnMnaK562rY+ZJ9WEWWU9R9SZXdR9S6o5tGKLLK7qPqTK7+E+pKFoxRZZXdR9ShQWQilELZCKUQWQilEFkIpRBZCKUQWQpsbXtoEW6CZsYc17MwcQfUhLNCWV6GopiSHxMaL3BLb9J+Y9SwZPTtkJdCHaW3AdQ3etS32JZUsiuTTQBpaxkbiW2ByblgyojADXQNcB4hfo+R9aWLK9ja6ixG/RXO64cuUQNA0uMosbA6/ju3aLRNJwjgQ21hayCzUilFS2epbGc1KP7/AG3ImxnNSj+/23IsMvUz6uP0I88x36/xDzmTtFUF0Md+v8Q85k7RXPW6OyPkyfVn0NFC2oc2Nzi0ZC7TebC9h4zuVxmGCQgmpjiDr6SEAjdv9Z9S+fGIuDQODBsLb04yd/KHrXra7mVQfY+hfhbWskcKyIljS4D+K3QNelYtw1r83+LjBaTYH97lEaa+K/kK4HGTv5Y9anjJ38sD7UvyXlfY6s8IhyWlD8zQdBu8S+ek/wA1/wDuKucZO/lD1qk45nF3WbqSdnUE03ZCIi5PawiIgslZmCUAkxPAGp5O5YsOV7XdRurIqmWkzNcXPLtb7gUFmmOnkkkjaWloe4AOI0WIjdlJsb6WFt6sMrGtka7IbNex2/8AhFlBq2mQPyEG7SRfTTqQWaOAlDg3g3XOoFt6hzHMdlc0tPUQrcEzHjI+wAa64JHKuQVXqSHVDyH5x1oLNSIiCwiIgsIiILCIiCwiIgs9T2N5q0f3+25E2N5q0f3+25Fgn6mfXx+hfg88x36/xDzmTtFUFfx36/xDzmTtFUFvjsfGk/3MIiKnNhERBYREQWEREFhERBYREQWEREFhERBYREQWEREFhERBYREQWEREFnqWxvNWj+/23ImxvNWj+/23Ivnz9TPtYvRH8HnmO/X+IecydoqgvYZMIwyWR0kmHUj3uN3OdA0knrJsseJMJ8F0fu7PktiydNj5csPV9TyBF6/xJhPguj93Z8k4kwnwXR+7s+Sup4Jo+TyBF6/xJhPguj93Z8k4kwnwXR+7s+SangaPk8gRev8AEmE+C6P3dnyTiTCfBdH7uz5JqeBo+TyBF6/xJhPguj93Z8k4kwnwXR+7s+SangaPk8gRev8AEmE+C6P3dnyTiTCfBdH7uz5JqeBo+TyBF6/xJhPguj93Z8k4kwnwXR+7s+SangaPk8gRev8AEmE+C6P3dnyTiTCfBdH7uz5JqeBo+TyBF6/xJhPguj93Z8k4kwnwXR+7s+SangaPk8gRev8AEmE+C6P3dnyTiTCfBdH7uz5JqeBo+TyBF6/xJhPguj93Z8k4kwnwXR+7s+SangaPk8gRev8AEmE+C6P3dnyTiTCfBdH7uz5JqeBo+TyBF6/xJhPguj93Z8k4kwnwXR+7s+SangaPk8gRev8AEmE+C6P3dnyTiTCfBdH7uz5JqeBo+SlsbzVo/v8Abci7EMENNE2KCJkUbdzGNDQOncEWGTuTPrY1UEvB/9k="/>
+          <p:cNvSpPr>
+            <a:spLocks noChangeAspect="1" noChangeArrowheads="1"/>
+          </p:cNvSpPr>
+          <p:nvPr/>
+        </p:nvSpPr>
+        <p:spPr bwMode="auto">
+          <a:xfrm>
+            <a:off x="155575" y="-144463"/>
+            <a:ext cx="304800" cy="304801"/>
+          </a:xfrm>
+          <a:prstGeom prst="rect">
+            <a:avLst/>
+          </a:prstGeom>
+          <a:noFill/>
+          <a:extLst>
+            <a:ext uri="{909E8E84-426E-40DD-AFC4-6F175D3DCCD1}">
+              <a14:hiddenFill xmlns:a14="http://schemas.microsoft.com/office/drawing/2010/main">
+                <a:solidFill>
+                  <a:srgbClr val="FFFFFF"/>
+                </a:solidFill>
+              </a14:hiddenFill>
+            </a:ext>
+          </a:extLst>
+        </p:spPr>
+        <p:txBody>
+          <a:bodyPr vert="horz" wrap="square" lIns="91440" tIns="45720" rIns="91440" bIns="45720" numCol="1" anchor="t" anchorCtr="0" compatLnSpc="1">
+            <a:prstTxWarp prst="textNoShape">
+              <a:avLst/>
+            </a:prstTxWarp>
+          </a:bodyPr>
+          <a:lstStyle/>
+          <a:p>
+            <a:endParaRPr lang="en-US"/>
+          </a:p>
+        </p:txBody>
+      </p:sp>
+      <p:sp>
+        <p:nvSpPr>
+          <p:cNvPr id="8" name="AutoShape 4" descr="data:image/jpeg;base64,/9j/4AAQSkZJRgABAQAAAQABAAD/2wBDAAoHBwgHBgoICAgLCgoLDhgQDg0NDh0VFhEYIx8lJCIfIiEmKzcvJik0KSEiMEExNDk7Pj4+JS5ESUM8SDc9Pjv/2wBDAQoLCw4NDhwQEBw7KCIoOzs7Ozs7Ozs7Ozs7Ozs7Ozs7Ozs7Ozs7Ozs7Ozs7Ozs7Ozs7Ozs7Ozs7Ozs7Ozs7Ozv/wAARCAFaAOMDASIAAhEBAxEB/8QAGwABAAIDAQEAAAAAAAAAAAAAAAEEAgMFBwb/xABMEAABAwIDAgcMBggFAwUAAAABAAIDBBEFEiEGMRMVIjZBUbIUVFVhcXSDkZOUs9EyNYGCobEWIyZCUlOSwSQzQ3JzJWLwNETC4fH/xAAaAQEBAQEBAQEAAAAAAAAAAAAAAQQCAwUG/8QALxEAAgIBAgUEAQMFAAMAAAAAAAECEQMTMQQSIVFhMkFSkXEUIrEFMzRCgXLh8P/aAAwDAQACEQMRAD8Au19fWMr6hjKqZrWyOAAebDVV+Ma3vyb2hTEfrKp/5Xfmqy+7CEeVdD8Fly5NSX7nu/cs8Y1vfk3tCnGNb35N7Qqsi65I9jy1snyf2WeMa3vyb2hTjGt78m9oVWROSPYa2T5P7LPGNb35N7QpxjW9+Te0KrInJHsNbJ8n9lnjGt78m9oU4xre/JvaFVkTkj2Gtk+T+yzxjW9+Te0KcY1vfk3tCqyJyR7DWyfJ/ZZ4xre/JvaFOMa3vyb2hVZE5I9hrZPk/ss8Y1vfk3tCnGNb35N7Qqsickew1snyf2WeMa3vyb2hTjGt78m9oVWROSPYa2T5P7LPGNb35N7QpxjW9+Te0KrInJHsNbJ8n9lnjGt78m9oU4xre/JvaFVkTkj2Gtk+T+yzxjW9+Te0KcY1vfk3tCqyJyR7DWyfJ/ZZ4xre/JvaFOMa3vyb2hVZE5I9hrZPk/ss8Y1vfk3tCnGNb35N7Qqsickew1snyf2fZYNI+XCoXyPc9xzXc43J5RRY4F9TQfe7RRfCy/3Jfln7rhW3w8G+y/g+YxH6yqf+V35qss8TrKZmKVTXTsBEzgQXbtVV7upf58f9S+5CS5V1PxObHPUl0e7N6LR3dS/z4/6k7upe+I/6l1zLueelk+LN6LR3fSd8M9aju+k74Z605l3Glk+LLCKv3fSd8M9ad30nfDPWnMu40snxZYRaO76TvhnrTu6l74j/AKk5l3Glk+LN6LR3dS98R/1Ke7aXviP+oJzLuTSn2ZuRae66Y/68f9QU91U/8+P+oJzLuNOfY2otYqID/rR/1BTwsR3SM/qCtonLLsZooDmnc4H7VKWSmERFSBERAEREAREQBERAfYYF9TQfe7RRMC+poPvdoovgZv7kvyz99wn+Pj/8V/B5hj31/iHnMnaK56v499f4h5zJ2iqC1J9DHJdWSoW6F8LAC4XeHfh4lszUQA5DiQG9JF9dfwSzkq6dSK0ZqYchoeWX1N7EjXxox9I25LLk3tobAWPj67KWCqisvkpCLhji49ZPj8fkVd5aXuyCzb6DxK2CNERFS0EREsUFKhEFBSoRCULrJr3jc5w8hWKK2TlT9jcKupbunkH3is24jVt3VD/t1VZE5n3OXig90i+zGatn0nNeP+5qsR46f9SEeVpXIRdrLJe54y4PBL/U+khxSkmIAkyE9DxZWwQRcar5BbqesnpnXikIHUdQV6x4j5GLL/TFvjf2fUoqFFi8VRaOW0cn4FX1pjJSXQ+TkxTxupKgiIujzPsMC+poPvdoomBfU0H3u0UXwM39yX5Z++4T/Hx/hfweX49zgxDzmTtFc9X8e5wYh5zJ2iuetK2MzXUlFCISiUUIhKJRQipaJRSI3OjdIByWkAnqusVBRKKEQUbIYZKieOGFpfJI4Na0dJO5dpmyWISw1ToZaeeWlc1r4oZA43Oa4vuuMh0XHpKqSirIaqGwkheHtuL6g3Xbh2qFLLK+lwyKETTMne3hXEFwDxpfcDn3eJR37HSUfcrxbMYnJTcLwLg57I3QsFiZM5AG46bxvUHZXF+CZI2Bj88jowGytJBaLknWwAHTdbItp5Yy8mnHLigiJZIWuAitYgjcTZWHbZSPdIXYdBlkfIXNa4i7ZGBrh5TlBv1qXItRKDtm8WjillkpCxkDyyS7hdpFr6XuQMw1HWts+yuLRYi+iZT8K5uYte1wDXAOy3vfr0tv1Vyq2tbPhzmtpAKqV8gJzHLHG4MFh1mzLarCPbKpjkkcKYAScJfg5XMcC6ThNHDdY6Jci8sDmtwLETNRROhDHVxtBncBm1t9i1YhhlRhkkbJzG5srM8ckT8zXi5FwfKCrIx6YYnh1c6Frn0DGMALjy8pJuT47rHEsYZiELIhQshZE0NgDZHExi5c7ykk/gr1Oaib6nZPGaSOSSWltHHwYz5hZ3CGzbHp369S1M2axeR8zWUheYQ0uyvabgtzC2utwCdFZk2sq5ppHTxNmhe6MtgkcSxmVzXEAePLqrH6aStqGTMoWXaYyc0hdmyMewdHU/8ABS5FqBSZsvidonzwGKKaNz2P0dezC8CwOlx1rW7ZrF2OiDqS3CtLmuMjbAAAkk3sNCDrber52zqDEyPuOKzG5b5j/J4L8tfKs6La1oqg+qgDIxmdyLuuTE2MAi405F/KlyHLE+frKOegqpKWqZkmjNnNuDb1Lp4TiRcRTTOuf3HHp8S5+KVEVXidRUwCQRyyFzeFdd2vWVWa4tcHNNiDcL1hNxdmXiMEc0XFn2CLltx6DIM8Uma2tgLX9anj2m/lS+ofNbtWHc/OPg8/xPQ8C+poPvdootWzM7anZ+mmYCGuz2B3/TIRfEyu8kn5Z+14VOOCCfZfweZY9zgxDzmTtFc9dDH+cGIecydornrStjO11CIiEou0cbJYixrWmYuNs7SQRbcCNxWySKnhgaCxz88ObMG/veW+4KiyeWNjmMle1rt7QdCgnlERiErhGd7b6FdWSi9NTtZRSZomNkjcwaXuL77lZyRxCSdkdMwmFoc0akuvbf5N657qmdzS100haRlsXG1upQJpWycIJHB/8QOqWOUuMkDaWofwDW8tnIINtx6FormMirJGMGVo3Dq0C0ulkeXFz3HMbuud/lUOc55u5xcT0kqWKIREULRKhEQUdOTZ7Fo44JO43PFQAWCJwedW5hcAkgka6pTbPYpU1EUIo5YjNnDHSMLWktaXEA232BVxm1czJo8sIbAyIMLGkAvcITEHF1r6XJA8asUW1lJR0FLSswsgQm7y2UDOTG5hP0enNfpspbO0onJdgWJMopap1JKGwSGOVuQ5o7NDrkdAsRqkeBYi8S5qWSN0UQlyPaQ57S4NGUW11cFfftMwwPgZSODC1zGZpLkNMDYRfTU8m/2q7T7a09HLG+lwzIGRujDDILWMjXnc0a6EX36g71LkKj3PnhhGJkRkUFQRK/Iw8GeU7XQePQ+pbqLAMTxCWoip6UmSmIbIx72sIJNgLOIubi1hqutS7WUdDSwwU+GObwUrZc3Ci7iA8anLfc/8FS2c2j4h4f8AwrZ+GfG7lG2UNJOmhsddD0FW2KiURg+J/qv+n1P66/B/qjy7amy2S4DicNC+sko5WsjkLJGlhDo7Bpu7qFnBfQYftVh2SGkkpTSwszue5z84lJiLCHcm+psb626rKlV7RwNdVQQskqY5eFtI9wb/AJkbG2sGjQZNNBoehS2XlicZ+FYjG7K+hqGuIabGMj6RsPWdFk3B8Te6JrMPqS6ZpdGBGeWBqSF227X08LzwGG5GCB8bWGQWaS/Oxws0fRPr61rbtTTR0TKaHDjHlikj0kFrvjawn6Nzq2+p6fIlsnLHufPSxSwSvhmY6ORhyuY4WLT1ELFW8Xr+NMVqK4R8Hw782S97faqa6OaCIiEo9W2L5p0XpPiORRsXzTovSfEciyS9TN8PSjznHz+0OIecydornq/j/OHEPOZO0VQWpbGN7hFClCBFClBQREQBLqFKAXRFCAlLoiAIiIDOOKSYubExzy1pcQBuAFyfsCsuwqubCJDTPFy0BtuUczcwIG+1he6zwbEWYZWvqHsz3glja0tDgS5haLg6EXOq+lO2lEXxyCKdkjchvGxrQ0indHoAdOURbxepRtnSSPlYMNraifgWU0gfnDDmGUNd1EndvCypsJr6xj309LI9sbDISBvAIBt16kbl9GNsqfuqGX/F5RVxTzDT9YGxNab66nM0nVYwbW01OGyxyVscooRTCJtgyNwcw5mnN+8Gm+m89KlstI+bpcPrK2R8dLTSzPjF3hjb5R41nS4VX1sb5KelkkYyPhCQ3e24Fx16kbl1KLG8PjxnE6qrjmkpKt7ndz8E1wkBcXAOueSRoQRcgq5RbV01G6OZstaHijip+CbbJEWOjJyHNucGEnQalLZEkfPxYVWzxMkihz5yA1jTd5u4tGm/eFrfQVjCA6kmBLsovGdT1bt6+oh2tw6BrJWMqxOycOsGtDcgqHS78172da34rbDthh1L3KG1OJ1IjmmfKJ2A/TBAcOXvaDu03nVOZl5Y9z4tzXMeWPaWuabEEWIKhW8WreMcVqazMXcM8uzFgaT4yATb1lVF0c0EREIerbFc06L0nxHImxXNOi9J8RyLLLdm2PpR5xj5/aHEfOZO0VShYJH5SbAC+iuY/wA4cR85k7RXPutUTJJN3RaFPBbSoBOnUsRFFlvnAItoba6nx+RV0XXMux5acvkWXQRNYXCa56AOnQ/JV7qEUbs7jFrd2TdLqEUOibpdZMjLw4ggBvSVtFFIXhocwkm28/8An/4gNF0ut4o3kaOaCNDc9Nzp+C0EAGwIPjCAXS6hEBN0uoRATdLqFJBG8FBQul1CIKJul1CIKJul1CIKJul1CIKJul1CIKPWNiuaVF6T4jkTYnmlRek+I5FlluzXHZHm+0HOHEfOZO0Vzl0NoD+0OI+dSdornrQtjM11CIiooIiIKCIiCjJrnNvlJFxY2PQhkeRlL3W6rrFEFGQkeL2cRffqoUIgoIiIKCIiCgurIyOaSz3HKXwtIDtLZNfyXKRCo6cUVOW/SETJYBm5V7HOB/Zap6VsdHwgiLHtfZ2Ynr6Ogqil7oAiXRCUFOU9R9Si6ttr3CDJwbcwAaHa6gAjX1oR37FXKeoqFb4ymz5g1g3aAHot4/8At/NVL63QK/cIiIWj1nYnmlRek+I5E2J5pUXpPiORZpbs0x2R5ttBzixHzqTtFc5dDaDnFiPnUnaK560LY8HuSoRFSE7t6hfYCip66u2QpKiMOhnga2Ro0zAyuvqFTmiwqvw/F+5sNFHJhwbJFKJnOc9vCBhDrm3Te4tuXNlo+csQLkb1C+u2iqsNOy+CsiwkRulgkdE7h3Hgv1hvp+9e3T1rOtwrCJtoaPZ+koDA6XgXy1Rlc4gGMOcA3cNPxSxynxysUVFUYjVx0lJGZZpCQ1oO/S67TocLxjD8SdQYd3HLQME0ZErn8LHmDTmv+9qDcW6V29n4KHBtr6HCRQtkrWsJnqZHuu15jLrNaNLC9tb31RsJHwe5F13UFN+h3GPB/wCJ4wMOe5+hkva3lV1uCUMmJ0LZA+OlGFtrarIbudZpc61+k2AVsUfNgEkAC5KsUlBU1xmFNEX8BE6aTUDKwbyvotmq/C6na7DWswSKEcMGtyzvJvcEE3vcix8Ruq1O3D8TrsUfFQ9ysgoJZAwTOdywRyrny7lLFHzqL6QQ4Rg9Hhja/D+7JK+Ph5X8K5pijLiGhgGl9L63WxmE4fhTtoO7qU1nF0kTYAZCwHM4gE26CLf/AEljlPl1Otr20Xbx+jo24dhWJ0dOKbu6J5fEHFzWua61wTrY9S6FDU4dFsDI+bChO4VzWPJnc3M7I4h2g0te1ksUfJovp202D4ZxXR1tCamSuiZNPMZXNdEHk5QwDS4Fjre64eK0DsLxWqoHuzGnldHm67HeqmKKiLJkb5DZouepZGnmabFhv1K0zjmS9zBQs5YzGQCQb9SwQqafVBERChSoRAes7E80aL0nxHImxHNGi9J8RyLNLdmmOyPNtoOcWI+dSdornq/tBzixHzqTtFc9e62M7JRQioPqabGqCPEtmJnTEMw+NoqDkPIIkcerXQjcufSYhTRUuORvks6siDYeSeUeFa77NAd64yKUWzv1tTQYjs1hzO7RDVYfG+MwOjcTLd5cC1wFunpst9Vj9NFtpT4xTkzQRtia4AFpIEYY8a/auNT4TWVMQkYwBh3FxtdVJI3RSujdbMw2NiunBpW0ecc0JycYu2j6F0+FYPh+IjD8RNZPXsEMYETmcFHmDjmvvOgGnjXVo8XwSXaen2lqcT4CQs/X0pge5wkyZTYgWynf9q+HRc0elnfw+qw+r2bmwirrRRSNqxUxyvjc9rxlylvJBIKuSY1hUON02SWWooDhjaGd4ZlfYtIJAPSND9i+URKFneoX4dgO0OHVsWJNroYpg+QxxOaWNBH8Q36nQdSzp5sNwurxIR4iyqZU0MsbHsie3luIs03HUN+5fPIlEs+k4fB8Yo8NdiGIOo5KCIQTM4JzzLGHEgsI0vYka2WFVjkFdDtBJISySvlhdBGQTyWvJtfxNsvnkSi2dnFMQpqnZ/BqWKS81KyVsrcpGXM+416dFtw2poajZuowqrrW0cndLahkj43Pa4BpaW8kHXcuCso43SyNjYLucbAK0RuurPpRVYNifFlbW17qaWhiZFPBwTnGYMPJLCNNRYa2suHite7FMVqq97cpqJXSZeq53LCroZ6ItEzQM24g3VdHFxdM5jOM1cXaM2SOjN2myzFVM12YOANrfRG5aUVTaDhF7oyfI55u517KFCKFSS6IlFCIUlFCID1rYjmjRek+I5E2I5o0PpPiORZ5bs0LY812g5xYj51J2iueuhtBzixHzqTtFc9e62PD3Ovs/DFNJOJY2Ps0WzNBstAoRV4vNTscIgHOOjdwB6la2b/zaj/a3+6nD+cU/lf+a1qKcI33PiZMs4Z8zi9kh+jhMhHdIDejk6lU3YRI3EW0ZkHKbmD7aWVyoc79J49TvaPwWO0RtVQEH9w/mrKEKbS2ZMObiHOMZSvmje2x1qymlkpWxU83AZSNR1DoXBo8Jmrw6d8gY0k8oi5celdLaHSgj/5Bu8hSsJh2daI+TdjRp47XXc1GUnfsjNw08mPFHkfWTrbYoVWByQQGaGUTNaLkAWNlrw3C+72ueZcjWusQBcldHZ1xfSSxu1aHC32hTgADY6lo3CSy5jjhJxddGaMnFZscMkG7cWuv5OfV4M+kpRK+W7i4Ny23X8asu2cIAtUi9+US3QBct8sj6mz3ucM/Sb9K7W0hIpogCf8AM/suIrG05VsemSfExljhz9ZX7FaXZ2Zr2iOdrmn6RItlWFXgT6andMyYSBouRltp4lfr3E7PNNzcsZc+pRREu2ddc3tG8fmvR44XVe1nhHiuJUVNy/2rbc5VBhUtexz2yMYwGxJ1PqW+owJ8VO6aGdsoaLkZbLRQUlbVRvZTvLIieWSbAruUlM2kw2SJswlsHXI3A23LjHjjKPVHtxXE5MWTpNb7V/LKuB0DBB3RIGP4T6ILdW2JVWuwySnq2StmAM01m2FspJW3ZsnNPr0N/uqIJ473n/1H/wAlXy6cehzHU/VZHzbL/wCRuxqGpidD3RU8M4g25NgNyzp8AkkhbLNO2LML2tcjyq1jLQ+voWu3F+vrCw2ke4CCME5SST+CsoRTlJ+xziz5ZQx44Om7612KFfhUtA0PLhJGTbMBay30mBmqo2ziazni4bbQeVXr90bNXk1Ijv6jp+ShhI2aJBseDP5osUOa66VYlxeZ40r/AHc1WVJ9n5I6d0sc7ZC0Xy5bX/FchfRYGScKkBOgc78l86vHLGKSa9zbweXLKc8eR3TCIi8T6AREQHrWxHNGh9J8RyJsRzRofSfEcizy3ZoWx5ttAP2ixHzqTtFc6y6W0HOHEfOpO0VzloWxne52NnXNZLPmcBdo3lTQOaNoJ3FwAJfrfxrjWReyyUkq2ME+EUpzlfqVHYqHt/SVjswy5m6303KNoS11TAWuDhlO4+NchEeS01W5Y8IozhK/SqPoMfex9BGGva79YDob9BUUU8GIYX3FLIGSBuXXptuIXAslldb93NR5rgIrEsfN1TtM+jYafBaF7eGEkjtQBvJ6NFq2fe1tPNneAS++p8S4NkVWammlsR8ApY5RcrcurZs/9z9/+67W0T2Pposr2u5d9D4lwbIvNTqLXc0ZOHU8kJ36T6Cuew7PtaHtJyM0v5EoXs/R97M7c2R+l/Kvn0svTW/dde1Hh+gXJyc3vZ9Bhb4qnCXUgkEcliD169K30EUFNTvou6WPkNybHddfMIkc1V0Ocn9P5nKp0m7/AOnbwgw0dfUUzpQdwa46ZrLGroY6XEYZxMHcLODl6tblcbei51P21R6fpHqOaluqfk7WPyhs9M9jg4sudD4wrNRHTY3TRuZOGPbrbpHWCF84iurbdrozlcDUIqMqcfc7uKVUFNhzaGB4c6wabHcB1rJr2/o2W5xm4M6X13rgJZNZ23QXAxUFG9nd9z6DA3sbhsjS9oOY6E+JfP2RFxKfNFLsacWBY8k536iLJZSi4NJFkspsihD1nYjmjRek+I5E2I5o0XpPiORZ5bs0x2PN9oOcWI+dSdornro7Qc4cR85k7RXOWhbGZ7hERUlnXpcDbUUzJnVBbnF7Bu5Y1WAyxRmSCQSgC5BFir2R8mzoZG0ucYxYDp1U4PHNTUchqbtbe4DugdK26cHSr2Pz/wCqzxUp8+zqj5xrS82aCSdwAWySlqIm55IJGt6y0rtYNC0QzVgju5zjkHUOpWaCWrqTKytgDGH6N22v4l5xwJpX7mvL/UHGT5Uqjv16/wDDi4bhpri4ue6NrRoQ3etFVSvp6h8Ya8tDsrSRvXawWZ2aalsAyEnKeneVWqa2WfFoqd4aGRVAykDXejhBQTJHic74iS9krOaaKqGQGnku++UZdSr2FytphNHLRSSvJ/dZcjxFdPFMQdQCIsja9zydT0DRasFlM7qqYi2eTNbqXSxqM6T6nlPismXh3Ocen58nz79ZXWblu48nq8S2GjqWszmnkDevKV1MGpmyVk87wDwbrNv1m6u0tTWy1z2zQZINbEtsuI4VJW/c98vHODcYJdF1t/wfNMhlkF443OA6Q0lQGPc/I1pLv4QNV9DQFsOL1dO3QO5QH5/msKWm4PaCc20ALh9v/hU0dupXx9OVrZWjhGOQPyFjg7+G2qzfSVMbM74JGt6y0roDFW02JVUuQSh5s37NAunhlTU1ccpqow1t+TybXB/NI4oydWM3F5cUVNxVdPf+DjYLFHLXhsjGvGUmzhdRjLWsxKRrWhoAFgB4lYwpoZjUjGiwbnA9a0Y19ZyeQfkjVYv+iM2+N8cpQREXgfTsIrPchDRd4D8rXZbdDjpr9qkUTru5Ys0uBP8Att81aJzIqorYoQ7QTNJc4tYAL5iBf+6ryxmKTISCbC9ujTcpQswREQtnrOxPNKi9J8RyJsTzSovSfEcizS3ZpjsjzfH+cOI+cydornro4+P2hxHzmTtFc+y0rYyvchLKUsqQ+kindTYEyZgBc2MWB3b1jI44thBcwlr+lo6SOhcc4hUGk7lJbwYFt2qikrqijDhC4AO3gi61ay2e1HxlwE0nNVzXa/B2MFk4TDXRMOV7CR5L7iqb5cba5wOfk7yGi3rsqLK2ojqXTxuyPdqQBofsViTGaySNzDkAcLEhq51IuKVvoej4XJHK5KKaff2LOz5Lp5yTckA/itEsErMbEjo3BhqBZxGh1VOmqZaSThInWdax0uCt9RidTUPjc/KOCdmaAOlc88XBJ+x6PBlWeU41TVF7aLdT/e/sstnv8mf/AHD8ly6uunrcvDFpyXtYWU0tfPRtc2ItAdvuLrrUWrzHD4XJ+k0ff/2dTA5Bw1VEd+fMFrqHY0yocxhe5tzlLWC1vUuUyaSKbhY3lr73uFd48rctrs8uVFkTjTdEnwuSOVzik77mqjqJG4syWZ13F+VxPqXfqGtp2VFVflcHb1Xt+a+VJJdmO8m6tz4nVVMJikc3Kd9gmPKoppl4ng5ZZxlH8Mu4BTxvEkzmhz2kBt+hXcNqKqodO6oYWBpAYMtuu64FLWTUby6F1r7wRcFWDjNaZA/OBb90N0VhljFI8+I4PLknJqmntfsWaCN8WPSB7S2+Yi/SLqrjX1nJ5B+SwOJVJrO6rtEmXLu0stFRPJVTGWW2Y77Cy4lNcnKu5pxYMizLJLtRqRTZLLxN5uFVJwLoyb6ANPSLEFQaqcuzGTXXoHTvWqyWVHQ2R1DmyNc67gx2YAG2v/gCwe4ve57jcuNyosllAQimyWQHq+xPNKi9J8RyJsVzSovSfEciyy3ZrjsjzjH+cOIecydoqguhj/ODEfOZO0Vz1qWxje4REVIESyIUIiISwiWRBYREQBEW2KnfMCWkaG1roLNSLc6mc1rnZm6C9hfxfNaUoWEREFhERBYREQBERAEREAREQHq2xXNOi9J8RyJsVzTovSfEciyS3Ztj6UedY9zgxDzmTtFVaZkTjmlO57Ra4GnSVax7nBiHnMnaK561LYwy3LXAU1rmUm7SbAjTQH5j7Fk6CjDieEfa5tymnpsB6tVTRKOaLsVLTzTZGOe7eTlI8XzVNws4gbgUBI3GyhWggiIqWwiIgsIiILCXI3EoiCxc+NERBYREQWEREFhERBYREQWEREFhERBZ6rsXzTovSfEcinYvmnRek+I5Fjl6mb4elHnWPc4MQ85k7RXPXQx7nBiHnMnaK561rYwSfUIpsllTmyEREFhFNkQWQilXG0rHgOkeWtDY/oM/iQq6lJF0IaSNgla85nmJ5bcaCxtf8EOGsNT3O2cGW5B00BClnXKznosnNAeQL2BsL71iqcBERBYRZZHfwndfd0KWxSPNmsc42voOhBZgi3tpXvp+Ea1znZy0tA8S02IVoWQiIoLCIiCwiIgsIilBZ6psXzUovSdtyJsXzUovSdtyLHL1M+jD0o87x7nBiHnMnaK566GPc4MQ85k7RVBbFsfNk+rISxV408LQ12W/IcXDN9FwG5ZNjgbMxzGhpbJGfpX3i5XVHNnPRT0ooWyEUogshZ8LJa2d1rDp6tyxRBZs7onyFnCvym9xfQ33o6oneAHSvNhbUrWiFthzi5xJJJJuSVClEJZCKUQWdGnqKZ0MXDOs8tMLvE3fm/FS2pieyRgMQLXNycISAWgWG71/auaitkL/AAxljceHjjk4cvJDrC1t4VWrkbNVSSMFmudcLUiAhFKKFshFKILIRSiCyEUogs9T2M5qUXpO25E2M5qUX3+25Fil6mfSh6UeeY99f4h5zJ2iueuhjv1/iHnMnaK562rY+ZJ9WEWWU9R9SZXdR9S6o5tGKLLK7qPqTK7+E+pKFoxRZZXdR9ShQWQilELZCKUQWQilEFkIpRBZCKUQWQpsbXtoEW6CZsYc17MwcQfUhLNCWV6GopiSHxMaL3BLb9J+Y9SwZPTtkJdCHaW3AdQ3etS32JZUsiuTTQBpaxkbiW2ByblgyojADXQNcB4hfo+R9aWLK9ja6ixG/RXO64cuUQNA0uMosbA6/ju3aLRNJwjgQ21hayCzUilFS2epbGc1KP7/AG3ImxnNSj+/23IsMvUz6uP0I88x36/xDzmTtFUF0Md+v8Q85k7RXPW6OyPkyfVn0NFC2oc2Nzi0ZC7TebC9h4zuVxmGCQgmpjiDr6SEAjdv9Z9S+fGIuDQODBsLb04yd/KHrXra7mVQfY+hfhbWskcKyIljS4D+K3QNelYtw1r83+LjBaTYH97lEaa+K/kK4HGTv5Y9anjJ38sD7UvyXlfY6s8IhyWlD8zQdBu8S+ek/wA1/wDuKucZO/lD1qk45nF3WbqSdnUE03ZCIi5PawiIgslZmCUAkxPAGp5O5YsOV7XdRurIqmWkzNcXPLtb7gUFmmOnkkkjaWloe4AOI0WIjdlJsb6WFt6sMrGtka7IbNex2/8AhFlBq2mQPyEG7SRfTTqQWaOAlDg3g3XOoFt6hzHMdlc0tPUQrcEzHjI+wAa64JHKuQVXqSHVDyH5x1oLNSIiCwiIgsIiILCIiCwiIgs9T2N5q0f3+25E2N5q0f3+25Fgn6mfXx+hfg88x36/xDzmTtFUFfx36/xDzmTtFUFvjsfGk/3MIiKnNhERBYREQWEREFhERBYREQWEREFhERBYREQWEREFhERBYREQWEREFnqWxvNWj+/23ImxvNWj+/23Ivnz9TPtYvRH8HnmO/X+IecydoqgvYZMIwyWR0kmHUj3uN3OdA0knrJsseJMJ8F0fu7PktiydNj5csPV9TyBF6/xJhPguj93Z8k4kwnwXR+7s+Sup4Jo+TyBF6/xJhPguj93Z8k4kwnwXR+7s+SangaPk8gRev8AEmE+C6P3dnyTiTCfBdH7uz5JqeBo+TyBF6/xJhPguj93Z8k4kwnwXR+7s+SangaPk8gRev8AEmE+C6P3dnyTiTCfBdH7uz5JqeBo+TyBF6/xJhPguj93Z8k4kwnwXR+7s+SangaPk8gRev8AEmE+C6P3dnyTiTCfBdH7uz5JqeBo+TyBF6/xJhPguj93Z8k4kwnwXR+7s+SangaPk8gRev8AEmE+C6P3dnyTiTCfBdH7uz5JqeBo+TyBF6/xJhPguj93Z8k4kwnwXR+7s+SangaPk8gRev8AEmE+C6P3dnyTiTCfBdH7uz5JqeBo+TyBF6/xJhPguj93Z8k4kwnwXR+7s+SangaPk8gRev8AEmE+C6P3dnyTiTCfBdH7uz5JqeBo+SlsbzVo/v8Abci7EMENNE2KCJkUbdzGNDQOncEWGTuTPrY1UEvB/9k="/>
+          <p:cNvSpPr>
+            <a:spLocks noChangeAspect="1" noChangeArrowheads="1"/>
+          </p:cNvSpPr>
+          <p:nvPr/>
+        </p:nvSpPr>
+        <p:spPr bwMode="auto">
+          <a:xfrm>
+            <a:off x="307975" y="7937"/>
+            <a:ext cx="304800" cy="304801"/>
+          </a:xfrm>
+          <a:prstGeom prst="rect">
+            <a:avLst/>
+          </a:prstGeom>
+          <a:noFill/>
+          <a:extLst>
+            <a:ext uri="{909E8E84-426E-40DD-AFC4-6F175D3DCCD1}">
+              <a14:hiddenFill xmlns:a14="http://schemas.microsoft.com/office/drawing/2010/main">
+                <a:solidFill>
+                  <a:srgbClr val="FFFFFF"/>
+                </a:solidFill>
+              </a14:hiddenFill>
+            </a:ext>
+          </a:extLst>
+        </p:spPr>
+        <p:txBody>
+          <a:bodyPr vert="horz" wrap="square" lIns="91440" tIns="45720" rIns="91440" bIns="45720" numCol="1" anchor="t" anchorCtr="0" compatLnSpc="1">
+            <a:prstTxWarp prst="textNoShape">
+              <a:avLst/>
+            </a:prstTxWarp>
+          </a:bodyPr>
+          <a:lstStyle/>
+          <a:p>
+            <a:endParaRPr lang="en-US"/>
+          </a:p>
+        </p:txBody>
+      </p:sp>
+      <p:sp>
+        <p:nvSpPr>
+          <p:cNvPr id="9" name="AutoShape 6" descr="data:image/jpeg;base64,/9j/4AAQSkZJRgABAQAAAQABAAD/2wBDAAoHBwgHBgoICAgLCgoLDhgQDg0NDh0VFhEYIx8lJCIfIiEmKzcvJik0KSEiMEExNDk7Pj4+JS5ESUM8SDc9Pjv/2wBDAQoLCw4NDhwQEBw7KCIoOzs7Ozs7Ozs7Ozs7Ozs7Ozs7Ozs7Ozs7Ozs7Ozs7Ozs7Ozs7Ozs7Ozs7Ozs7Ozs7Ozv/wAARCAFaAOMDASIAAhEBAxEB/8QAGwABAAIDAQEAAAAAAAAAAAAAAAEEAgMFBwb/xABMEAABAwIDAgcMBggFAwUAAAABAAIDBBEFEiEGMRMVIjZBUbIUVFVhcXSDkZOUs9EyNYGCobEWIyZCUlOSwSQzQ3JzJWLwNETC4fH/xAAaAQEBAQEBAQEAAAAAAAAAAAAAAQQCAwUG/8QALxEAAgIBAgUEAQMFAAMAAAAAAAECEQMTMQQSIVFhMkFSkXEUIrEFMzRCgXLh8P/aAAwDAQACEQMRAD8Au19fWMr6hjKqZrWyOAAebDVV+Ma3vyb2hTEfrKp/5Xfmqy+7CEeVdD8Fly5NSX7nu/cs8Y1vfk3tCnGNb35N7Qqsi65I9jy1snyf2WeMa3vyb2hTjGt78m9oVWROSPYa2T5P7LPGNb35N7QpxjW9+Te0KrInJHsNbJ8n9lnjGt78m9oU4xre/JvaFVkTkj2Gtk+T+yzxjW9+Te0KcY1vfk3tCqyJyR7DWyfJ/ZZ4xre/JvaFOMa3vyb2hVZE5I9hrZPk/ss8Y1vfk3tCnGNb35N7Qqsickew1snyf2WeMa3vyb2hTjGt78m9oVWROSPYa2T5P7LPGNb35N7QpxjW9+Te0KrInJHsNbJ8n9lnjGt78m9oU4xre/JvaFVkTkj2Gtk+T+yzxjW9+Te0KcY1vfk3tCqyJyR7DWyfJ/ZZ4xre/JvaFOMa3vyb2hVZE5I9hrZPk/ss8Y1vfk3tCnGNb35N7Qqsickew1snyf2fZYNI+XCoXyPc9xzXc43J5RRY4F9TQfe7RRfCy/3Jfln7rhW3w8G+y/g+YxH6yqf+V35qss8TrKZmKVTXTsBEzgQXbtVV7upf58f9S+5CS5V1PxObHPUl0e7N6LR3dS/z4/6k7upe+I/6l1zLueelk+LN6LR3fSd8M9aju+k74Z605l3Glk+LLCKv3fSd8M9ad30nfDPWnMu40snxZYRaO76TvhnrTu6l74j/AKk5l3Glk+LN6LR3dS98R/1Ke7aXviP+oJzLuTSn2ZuRae66Y/68f9QU91U/8+P+oJzLuNOfY2otYqID/rR/1BTwsR3SM/qCtonLLsZooDmnc4H7VKWSmERFSBERAEREAREQBERAfYYF9TQfe7RRMC+poPvdoovgZv7kvyz99wn+Pj/8V/B5hj31/iHnMnaK56v499f4h5zJ2iqC1J9DHJdWSoW6F8LAC4XeHfh4lszUQA5DiQG9JF9dfwSzkq6dSK0ZqYchoeWX1N7EjXxox9I25LLk3tobAWPj67KWCqisvkpCLhji49ZPj8fkVd5aXuyCzb6DxK2CNERFS0EREsUFKhEFBSoRCULrJr3jc5w8hWKK2TlT9jcKupbunkH3is24jVt3VD/t1VZE5n3OXig90i+zGatn0nNeP+5qsR46f9SEeVpXIRdrLJe54y4PBL/U+khxSkmIAkyE9DxZWwQRcar5BbqesnpnXikIHUdQV6x4j5GLL/TFvjf2fUoqFFi8VRaOW0cn4FX1pjJSXQ+TkxTxupKgiIujzPsMC+poPvdoomBfU0H3u0UXwM39yX5Z++4T/Hx/hfweX49zgxDzmTtFc9X8e5wYh5zJ2iuetK2MzXUlFCISiUUIhKJRQipaJRSI3OjdIByWkAnqusVBRKKEQUbIYZKieOGFpfJI4Na0dJO5dpmyWISw1ToZaeeWlc1r4oZA43Oa4vuuMh0XHpKqSirIaqGwkheHtuL6g3Xbh2qFLLK+lwyKETTMne3hXEFwDxpfcDn3eJR37HSUfcrxbMYnJTcLwLg57I3QsFiZM5AG46bxvUHZXF+CZI2Bj88jowGytJBaLknWwAHTdbItp5Yy8mnHLigiJZIWuAitYgjcTZWHbZSPdIXYdBlkfIXNa4i7ZGBrh5TlBv1qXItRKDtm8WjillkpCxkDyyS7hdpFr6XuQMw1HWts+yuLRYi+iZT8K5uYte1wDXAOy3vfr0tv1Vyq2tbPhzmtpAKqV8gJzHLHG4MFh1mzLarCPbKpjkkcKYAScJfg5XMcC6ThNHDdY6Jci8sDmtwLETNRROhDHVxtBncBm1t9i1YhhlRhkkbJzG5srM8ckT8zXi5FwfKCrIx6YYnh1c6Frn0DGMALjy8pJuT47rHEsYZiELIhQshZE0NgDZHExi5c7ykk/gr1Oaib6nZPGaSOSSWltHHwYz5hZ3CGzbHp369S1M2axeR8zWUheYQ0uyvabgtzC2utwCdFZk2sq5ppHTxNmhe6MtgkcSxmVzXEAePLqrH6aStqGTMoWXaYyc0hdmyMewdHU/8ABS5FqBSZsvidonzwGKKaNz2P0dezC8CwOlx1rW7ZrF2OiDqS3CtLmuMjbAAAkk3sNCDrber52zqDEyPuOKzG5b5j/J4L8tfKs6La1oqg+qgDIxmdyLuuTE2MAi405F/KlyHLE+frKOegqpKWqZkmjNnNuDb1Lp4TiRcRTTOuf3HHp8S5+KVEVXidRUwCQRyyFzeFdd2vWVWa4tcHNNiDcL1hNxdmXiMEc0XFn2CLltx6DIM8Uma2tgLX9anj2m/lS+ofNbtWHc/OPg8/xPQ8C+poPvdootWzM7anZ+mmYCGuz2B3/TIRfEyu8kn5Z+14VOOCCfZfweZY9zgxDzmTtFc9dDH+cGIecydornrStjO11CIiEou0cbJYixrWmYuNs7SQRbcCNxWySKnhgaCxz88ObMG/veW+4KiyeWNjmMle1rt7QdCgnlERiErhGd7b6FdWSi9NTtZRSZomNkjcwaXuL77lZyRxCSdkdMwmFoc0akuvbf5N657qmdzS100haRlsXG1upQJpWycIJHB/8QOqWOUuMkDaWofwDW8tnIINtx6FormMirJGMGVo3Dq0C0ulkeXFz3HMbuud/lUOc55u5xcT0kqWKIREULRKhEQUdOTZ7Fo44JO43PFQAWCJwedW5hcAkgka6pTbPYpU1EUIo5YjNnDHSMLWktaXEA232BVxm1czJo8sIbAyIMLGkAvcITEHF1r6XJA8asUW1lJR0FLSswsgQm7y2UDOTG5hP0enNfpspbO0onJdgWJMopap1JKGwSGOVuQ5o7NDrkdAsRqkeBYi8S5qWSN0UQlyPaQ57S4NGUW11cFfftMwwPgZSODC1zGZpLkNMDYRfTU8m/2q7T7a09HLG+lwzIGRujDDILWMjXnc0a6EX36g71LkKj3PnhhGJkRkUFQRK/Iw8GeU7XQePQ+pbqLAMTxCWoip6UmSmIbIx72sIJNgLOIubi1hqutS7WUdDSwwU+GObwUrZc3Ci7iA8anLfc/8FS2c2j4h4f8AwrZ+GfG7lG2UNJOmhsddD0FW2KiURg+J/qv+n1P66/B/qjy7amy2S4DicNC+sko5WsjkLJGlhDo7Bpu7qFnBfQYftVh2SGkkpTSwszue5z84lJiLCHcm+psb626rKlV7RwNdVQQskqY5eFtI9wb/AJkbG2sGjQZNNBoehS2XlicZ+FYjG7K+hqGuIabGMj6RsPWdFk3B8Te6JrMPqS6ZpdGBGeWBqSF227X08LzwGG5GCB8bWGQWaS/Oxws0fRPr61rbtTTR0TKaHDjHlikj0kFrvjawn6Nzq2+p6fIlsnLHufPSxSwSvhmY6ORhyuY4WLT1ELFW8Xr+NMVqK4R8Hw782S97faqa6OaCIiEo9W2L5p0XpPiORRsXzTovSfEciyS9TN8PSjznHz+0OIecydornq/j/OHEPOZO0VQWpbGN7hFClCBFClBQREQBLqFKAXRFCAlLoiAIiIDOOKSYubExzy1pcQBuAFyfsCsuwqubCJDTPFy0BtuUczcwIG+1he6zwbEWYZWvqHsz3glja0tDgS5haLg6EXOq+lO2lEXxyCKdkjchvGxrQ0indHoAdOURbxepRtnSSPlYMNraifgWU0gfnDDmGUNd1EndvCypsJr6xj309LI9sbDISBvAIBt16kbl9GNsqfuqGX/F5RVxTzDT9YGxNab66nM0nVYwbW01OGyxyVscooRTCJtgyNwcw5mnN+8Gm+m89KlstI+bpcPrK2R8dLTSzPjF3hjb5R41nS4VX1sb5KelkkYyPhCQ3e24Fx16kbl1KLG8PjxnE6qrjmkpKt7ndz8E1wkBcXAOueSRoQRcgq5RbV01G6OZstaHijip+CbbJEWOjJyHNucGEnQalLZEkfPxYVWzxMkihz5yA1jTd5u4tGm/eFrfQVjCA6kmBLsovGdT1bt6+oh2tw6BrJWMqxOycOsGtDcgqHS78172da34rbDthh1L3KG1OJ1IjmmfKJ2A/TBAcOXvaDu03nVOZl5Y9z4tzXMeWPaWuabEEWIKhW8WreMcVqazMXcM8uzFgaT4yATb1lVF0c0EREIerbFc06L0nxHImxXNOi9J8RyLLLdm2PpR5xj5/aHEfOZO0VShYJH5SbAC+iuY/wA4cR85k7RXPutUTJJN3RaFPBbSoBOnUsRFFlvnAItoba6nx+RV0XXMux5acvkWXQRNYXCa56AOnQ/JV7qEUbs7jFrd2TdLqEUOibpdZMjLw4ggBvSVtFFIXhocwkm28/8An/4gNF0ut4o3kaOaCNDc9Nzp+C0EAGwIPjCAXS6hEBN0uoRATdLqFJBG8FBQul1CIKJul1CIKJul1CIKJul1CIKJul1CIKPWNiuaVF6T4jkTYnmlRek+I5FlluzXHZHm+0HOHEfOZO0Vzl0NoD+0OI+dSdornrQtjM11CIiooIiIKCIiCjJrnNvlJFxY2PQhkeRlL3W6rrFEFGQkeL2cRffqoUIgoIiIKCIiCgurIyOaSz3HKXwtIDtLZNfyXKRCo6cUVOW/SETJYBm5V7HOB/Zap6VsdHwgiLHtfZ2Ynr6Ogqil7oAiXRCUFOU9R9Si6ttr3CDJwbcwAaHa6gAjX1oR37FXKeoqFb4ymz5g1g3aAHot4/8At/NVL63QK/cIiIWj1nYnmlRek+I5E2J5pUXpPiORZpbs0x2R5ttBzixHzqTtFc5dDaDnFiPnUnaK560LY8HuSoRFSE7t6hfYCip66u2QpKiMOhnga2Ro0zAyuvqFTmiwqvw/F+5sNFHJhwbJFKJnOc9vCBhDrm3Te4tuXNlo+csQLkb1C+u2iqsNOy+CsiwkRulgkdE7h3Hgv1hvp+9e3T1rOtwrCJtoaPZ+koDA6XgXy1Rlc4gGMOcA3cNPxSxynxysUVFUYjVx0lJGZZpCQ1oO/S67TocLxjD8SdQYd3HLQME0ZErn8LHmDTmv+9qDcW6V29n4KHBtr6HCRQtkrWsJnqZHuu15jLrNaNLC9tb31RsJHwe5F13UFN+h3GPB/wCJ4wMOe5+hkva3lV1uCUMmJ0LZA+OlGFtrarIbudZpc61+k2AVsUfNgEkAC5KsUlBU1xmFNEX8BE6aTUDKwbyvotmq/C6na7DWswSKEcMGtyzvJvcEE3vcix8Ruq1O3D8TrsUfFQ9ysgoJZAwTOdywRyrny7lLFHzqL6QQ4Rg9Hhja/D+7JK+Ph5X8K5pijLiGhgGl9L63WxmE4fhTtoO7qU1nF0kTYAZCwHM4gE26CLf/AEljlPl1Otr20Xbx+jo24dhWJ0dOKbu6J5fEHFzWua61wTrY9S6FDU4dFsDI+bChO4VzWPJnc3M7I4h2g0te1ksUfJovp202D4ZxXR1tCamSuiZNPMZXNdEHk5QwDS4Fjre64eK0DsLxWqoHuzGnldHm67HeqmKKiLJkb5DZouepZGnmabFhv1K0zjmS9zBQs5YzGQCQb9SwQqafVBERChSoRAes7E80aL0nxHImxHNGi9J8RyLNLdmmOyPNtoOcWI+dSdornq/tBzixHzqTtFc9e62M7JRQioPqabGqCPEtmJnTEMw+NoqDkPIIkcerXQjcufSYhTRUuORvks6siDYeSeUeFa77NAd64yKUWzv1tTQYjs1hzO7RDVYfG+MwOjcTLd5cC1wFunpst9Vj9NFtpT4xTkzQRtia4AFpIEYY8a/auNT4TWVMQkYwBh3FxtdVJI3RSujdbMw2NiunBpW0ecc0JycYu2j6F0+FYPh+IjD8RNZPXsEMYETmcFHmDjmvvOgGnjXVo8XwSXaen2lqcT4CQs/X0pge5wkyZTYgWynf9q+HRc0elnfw+qw+r2bmwirrRRSNqxUxyvjc9rxlylvJBIKuSY1hUON02SWWooDhjaGd4ZlfYtIJAPSND9i+URKFneoX4dgO0OHVsWJNroYpg+QxxOaWNBH8Q36nQdSzp5sNwurxIR4iyqZU0MsbHsie3luIs03HUN+5fPIlEs+k4fB8Yo8NdiGIOo5KCIQTM4JzzLGHEgsI0vYka2WFVjkFdDtBJISySvlhdBGQTyWvJtfxNsvnkSi2dnFMQpqnZ/BqWKS81KyVsrcpGXM+416dFtw2poajZuowqrrW0cndLahkj43Pa4BpaW8kHXcuCso43SyNjYLucbAK0RuurPpRVYNifFlbW17qaWhiZFPBwTnGYMPJLCNNRYa2suHite7FMVqq97cpqJXSZeq53LCroZ6ItEzQM24g3VdHFxdM5jOM1cXaM2SOjN2myzFVM12YOANrfRG5aUVTaDhF7oyfI55u517KFCKFSS6IlFCIUlFCID1rYjmjRek+I5E2I5o0PpPiORZ5bs0LY812g5xYj51J2iueuhtBzixHzqTtFc9e62PD3Ovs/DFNJOJY2Ps0WzNBstAoRV4vNTscIgHOOjdwB6la2b/zaj/a3+6nD+cU/lf+a1qKcI33PiZMs4Z8zi9kh+jhMhHdIDejk6lU3YRI3EW0ZkHKbmD7aWVyoc79J49TvaPwWO0RtVQEH9w/mrKEKbS2ZMObiHOMZSvmje2x1qymlkpWxU83AZSNR1DoXBo8Jmrw6d8gY0k8oi5celdLaHSgj/5Bu8hSsJh2daI+TdjRp47XXc1GUnfsjNw08mPFHkfWTrbYoVWByQQGaGUTNaLkAWNlrw3C+72ueZcjWusQBcldHZ1xfSSxu1aHC32hTgADY6lo3CSy5jjhJxddGaMnFZscMkG7cWuv5OfV4M+kpRK+W7i4Ny23X8asu2cIAtUi9+US3QBct8sj6mz3ucM/Sb9K7W0hIpogCf8AM/suIrG05VsemSfExljhz9ZX7FaXZ2Zr2iOdrmn6RItlWFXgT6andMyYSBouRltp4lfr3E7PNNzcsZc+pRREu2ddc3tG8fmvR44XVe1nhHiuJUVNy/2rbc5VBhUtexz2yMYwGxJ1PqW+owJ8VO6aGdsoaLkZbLRQUlbVRvZTvLIieWSbAruUlM2kw2SJswlsHXI3A23LjHjjKPVHtxXE5MWTpNb7V/LKuB0DBB3RIGP4T6ILdW2JVWuwySnq2StmAM01m2FspJW3ZsnNPr0N/uqIJ473n/1H/wAlXy6cehzHU/VZHzbL/wCRuxqGpidD3RU8M4g25NgNyzp8AkkhbLNO2LML2tcjyq1jLQ+voWu3F+vrCw2ke4CCME5SST+CsoRTlJ+xziz5ZQx44Om7612KFfhUtA0PLhJGTbMBay30mBmqo2ziazni4bbQeVXr90bNXk1Ijv6jp+ShhI2aJBseDP5osUOa66VYlxeZ40r/AHc1WVJ9n5I6d0sc7ZC0Xy5bX/FchfRYGScKkBOgc78l86vHLGKSa9zbweXLKc8eR3TCIi8T6AREQHrWxHNGh9J8RyJsRzRofSfEcizy3ZoWx5ttAP2ixHzqTtFc6y6W0HOHEfOpO0VzloWxne52NnXNZLPmcBdo3lTQOaNoJ3FwAJfrfxrjWReyyUkq2ME+EUpzlfqVHYqHt/SVjswy5m6303KNoS11TAWuDhlO4+NchEeS01W5Y8IozhK/SqPoMfex9BGGva79YDob9BUUU8GIYX3FLIGSBuXXptuIXAslldb93NR5rgIrEsfN1TtM+jYafBaF7eGEkjtQBvJ6NFq2fe1tPNneAS++p8S4NkVWammlsR8ApY5RcrcurZs/9z9/+67W0T2Pposr2u5d9D4lwbIvNTqLXc0ZOHU8kJ36T6Cuew7PtaHtJyM0v5EoXs/R97M7c2R+l/Kvn0svTW/dde1Hh+gXJyc3vZ9Bhb4qnCXUgkEcliD169K30EUFNTvou6WPkNybHddfMIkc1V0Ocn9P5nKp0m7/AOnbwgw0dfUUzpQdwa46ZrLGroY6XEYZxMHcLODl6tblcbei51P21R6fpHqOaluqfk7WPyhs9M9jg4sudD4wrNRHTY3TRuZOGPbrbpHWCF84iurbdrozlcDUIqMqcfc7uKVUFNhzaGB4c6wabHcB1rJr2/o2W5xm4M6X13rgJZNZ23QXAxUFG9nd9z6DA3sbhsjS9oOY6E+JfP2RFxKfNFLsacWBY8k536iLJZSi4NJFkspsihD1nYjmjRek+I5E2I5o0XpPiORZ5bs0x2PN9oOcWI+dSdornro7Qc4cR85k7RXOWhbGZ7hERUlnXpcDbUUzJnVBbnF7Bu5Y1WAyxRmSCQSgC5BFir2R8mzoZG0ucYxYDp1U4PHNTUchqbtbe4DugdK26cHSr2Pz/wCqzxUp8+zqj5xrS82aCSdwAWySlqIm55IJGt6y0rtYNC0QzVgju5zjkHUOpWaCWrqTKytgDGH6N22v4l5xwJpX7mvL/UHGT5Uqjv16/wDDi4bhpri4ue6NrRoQ3etFVSvp6h8Ya8tDsrSRvXawWZ2aalsAyEnKeneVWqa2WfFoqd4aGRVAykDXejhBQTJHic74iS9krOaaKqGQGnku++UZdSr2FytphNHLRSSvJ/dZcjxFdPFMQdQCIsja9zydT0DRasFlM7qqYi2eTNbqXSxqM6T6nlPismXh3Ocen58nz79ZXWblu48nq8S2GjqWszmnkDevKV1MGpmyVk87wDwbrNv1m6u0tTWy1z2zQZINbEtsuI4VJW/c98vHODcYJdF1t/wfNMhlkF443OA6Q0lQGPc/I1pLv4QNV9DQFsOL1dO3QO5QH5/msKWm4PaCc20ALh9v/hU0dupXx9OVrZWjhGOQPyFjg7+G2qzfSVMbM74JGt6y0roDFW02JVUuQSh5s37NAunhlTU1ccpqow1t+TybXB/NI4oydWM3F5cUVNxVdPf+DjYLFHLXhsjGvGUmzhdRjLWsxKRrWhoAFgB4lYwpoZjUjGiwbnA9a0Y19ZyeQfkjVYv+iM2+N8cpQREXgfTsIrPchDRd4D8rXZbdDjpr9qkUTru5Ys0uBP8Att81aJzIqorYoQ7QTNJc4tYAL5iBf+6ryxmKTISCbC9ujTcpQswREQtnrOxPNKi9J8RyJsTzSovSfEcizS3ZpjsjzfH+cOI+cydornro4+P2hxHzmTtFc+y0rYyvchLKUsqQ+kindTYEyZgBc2MWB3b1jI44thBcwlr+lo6SOhcc4hUGk7lJbwYFt2qikrqijDhC4AO3gi61ay2e1HxlwE0nNVzXa/B2MFk4TDXRMOV7CR5L7iqb5cba5wOfk7yGi3rsqLK2ojqXTxuyPdqQBofsViTGaySNzDkAcLEhq51IuKVvoej4XJHK5KKaff2LOz5Lp5yTckA/itEsErMbEjo3BhqBZxGh1VOmqZaSThInWdax0uCt9RidTUPjc/KOCdmaAOlc88XBJ+x6PBlWeU41TVF7aLdT/e/sstnv8mf/AHD8ly6uunrcvDFpyXtYWU0tfPRtc2ItAdvuLrrUWrzHD4XJ+k0ff/2dTA5Bw1VEd+fMFrqHY0yocxhe5tzlLWC1vUuUyaSKbhY3lr73uFd48rctrs8uVFkTjTdEnwuSOVzik77mqjqJG4syWZ13F+VxPqXfqGtp2VFVflcHb1Xt+a+VJJdmO8m6tz4nVVMJikc3Kd9gmPKoppl4ng5ZZxlH8Mu4BTxvEkzmhz2kBt+hXcNqKqodO6oYWBpAYMtuu64FLWTUby6F1r7wRcFWDjNaZA/OBb90N0VhljFI8+I4PLknJqmntfsWaCN8WPSB7S2+Yi/SLqrjX1nJ5B+SwOJVJrO6rtEmXLu0stFRPJVTGWW2Y77Cy4lNcnKu5pxYMizLJLtRqRTZLLxN5uFVJwLoyb6ANPSLEFQaqcuzGTXXoHTvWqyWVHQ2R1DmyNc67gx2YAG2v/gCwe4ve57jcuNyosllAQimyWQHq+xPNKi9J8RyJsVzSovSfEciyy3ZrjsjzjH+cOIecydoqguhj/ODEfOZO0Vz1qWxje4REVIESyIUIiISwiWRBYREQBEW2KnfMCWkaG1roLNSLc6mc1rnZm6C9hfxfNaUoWEREFhERBYREQBERAEREAREQHq2xXNOi9J8RyJsVzTovSfEciyS3Ztj6UedY9zgxDzmTtFVaZkTjmlO57Ra4GnSVax7nBiHnMnaK561LYwy3LXAU1rmUm7SbAjTQH5j7Fk6CjDieEfa5tymnpsB6tVTRKOaLsVLTzTZGOe7eTlI8XzVNws4gbgUBI3GyhWggiIqWwiIgsIiILCXI3EoiCxc+NERBYREQWEREFhERBYREQWEREFhERBZ6rsXzTovSfEcinYvmnRek+I5Fjl6mb4elHnWPc4MQ85k7RXPXQx7nBiHnMnaK561rYwSfUIpsllTmyEREFhFNkQWQilXG0rHgOkeWtDY/oM/iQq6lJF0IaSNgla85nmJ5bcaCxtf8EOGsNT3O2cGW5B00BClnXKznosnNAeQL2BsL71iqcBERBYRZZHfwndfd0KWxSPNmsc42voOhBZgi3tpXvp+Ea1znZy0tA8S02IVoWQiIoLCIiCwiIgsIilBZ6psXzUovSdtyJsXzUovSdtyLHL1M+jD0o87x7nBiHnMnaK566GPc4MQ85k7RVBbFsfNk+rISxV408LQ12W/IcXDN9FwG5ZNjgbMxzGhpbJGfpX3i5XVHNnPRT0ooWyEUogshZ8LJa2d1rDp6tyxRBZs7onyFnCvym9xfQ33o6oneAHSvNhbUrWiFthzi5xJJJJuSVClEJZCKUQWdGnqKZ0MXDOs8tMLvE3fm/FS2pieyRgMQLXNycISAWgWG71/auaitkL/AAxljceHjjk4cvJDrC1t4VWrkbNVSSMFmudcLUiAhFKKFshFKILIRSiCyEUogs9T2M5qUXpO25E2M5qUX3+25Fil6mfSh6UeeY99f4h5zJ2iueuhjv1/iHnMnaK562rY+ZJ9WEWWU9R9SZXdR9S6o5tGKLLK7qPqTK7+E+pKFoxRZZXdR9ShQWQilELZCKUQWQilEFkIpRBZCKUQWQpsbXtoEW6CZsYc17MwcQfUhLNCWV6GopiSHxMaL3BLb9J+Y9SwZPTtkJdCHaW3AdQ3etS32JZUsiuTTQBpaxkbiW2ByblgyojADXQNcB4hfo+R9aWLK9ja6ixG/RXO64cuUQNA0uMosbA6/ju3aLRNJwjgQ21hayCzUilFS2epbGc1KP7/AG3ImxnNSj+/23IsMvUz6uP0I88x36/xDzmTtFUF0Md+v8Q85k7RXPW6OyPkyfVn0NFC2oc2Nzi0ZC7TebC9h4zuVxmGCQgmpjiDr6SEAjdv9Z9S+fGIuDQODBsLb04yd/KHrXra7mVQfY+hfhbWskcKyIljS4D+K3QNelYtw1r83+LjBaTYH97lEaa+K/kK4HGTv5Y9anjJ38sD7UvyXlfY6s8IhyWlD8zQdBu8S+ek/wA1/wDuKucZO/lD1qk45nF3WbqSdnUE03ZCIi5PawiIgslZmCUAkxPAGp5O5YsOV7XdRurIqmWkzNcXPLtb7gUFmmOnkkkjaWloe4AOI0WIjdlJsb6WFt6sMrGtka7IbNex2/8AhFlBq2mQPyEG7SRfTTqQWaOAlDg3g3XOoFt6hzHMdlc0tPUQrcEzHjI+wAa64JHKuQVXqSHVDyH5x1oLNSIiCwiIgsIiILCIiCwiIgs9T2N5q0f3+25E2N5q0f3+25Fgn6mfXx+hfg88x36/xDzmTtFUFfx36/xDzmTtFUFvjsfGk/3MIiKnNhERBYREQWEREFhERBYREQWEREFhERBYREQWEREFhERBYREQWEREFnqWxvNWj+/23ImxvNWj+/23Ivnz9TPtYvRH8HnmO/X+IecydoqgvYZMIwyWR0kmHUj3uN3OdA0knrJsseJMJ8F0fu7PktiydNj5csPV9TyBF6/xJhPguj93Z8k4kwnwXR+7s+Sup4Jo+TyBF6/xJhPguj93Z8k4kwnwXR+7s+SangaPk8gRev8AEmE+C6P3dnyTiTCfBdH7uz5JqeBo+TyBF6/xJhPguj93Z8k4kwnwXR+7s+SangaPk8gRev8AEmE+C6P3dnyTiTCfBdH7uz5JqeBo+TyBF6/xJhPguj93Z8k4kwnwXR+7s+SangaPk8gRev8AEmE+C6P3dnyTiTCfBdH7uz5JqeBo+TyBF6/xJhPguj93Z8k4kwnwXR+7s+SangaPk8gRev8AEmE+C6P3dnyTiTCfBdH7uz5JqeBo+TyBF6/xJhPguj93Z8k4kwnwXR+7s+SangaPk8gRev8AEmE+C6P3dnyTiTCfBdH7uz5JqeBo+TyBF6/xJhPguj93Z8k4kwnwXR+7s+SangaPk8gRev8AEmE+C6P3dnyTiTCfBdH7uz5JqeBo+SlsbzVo/v8Abci7EMENNE2KCJkUbdzGNDQOncEWGTuTPrY1UEvB/9k="/>
+          <p:cNvSpPr>
+            <a:spLocks noChangeAspect="1" noChangeArrowheads="1"/>
+          </p:cNvSpPr>
+          <p:nvPr/>
+        </p:nvSpPr>
+        <p:spPr bwMode="auto">
+          <a:xfrm>
+            <a:off x="460375" y="160337"/>
+            <a:ext cx="304800" cy="304801"/>
+          </a:xfrm>
+          <a:prstGeom prst="rect">
+            <a:avLst/>
+          </a:prstGeom>
+          <a:noFill/>
+          <a:extLst>
+            <a:ext uri="{909E8E84-426E-40DD-AFC4-6F175D3DCCD1}">
+              <a14:hiddenFill xmlns:a14="http://schemas.microsoft.com/office/drawing/2010/main">
+                <a:solidFill>
+                  <a:srgbClr val="FFFFFF"/>
+                </a:solidFill>
+              </a14:hiddenFill>
+            </a:ext>
+          </a:extLst>
+        </p:spPr>
+        <p:txBody>
+          <a:bodyPr vert="horz" wrap="square" lIns="91440" tIns="45720" rIns="91440" bIns="45720" numCol="1" anchor="t" anchorCtr="0" compatLnSpc="1">
+            <a:prstTxWarp prst="textNoShape">
+              <a:avLst/>
+            </a:prstTxWarp>
+          </a:bodyPr>
+          <a:lstStyle/>
+          <a:p>
+            <a:endParaRPr lang="en-US"/>
+          </a:p>
+        </p:txBody>
+      </p:sp>
+      <p:sp>
+        <p:nvSpPr>
+          <p:cNvPr id="10" name="AutoShape 8" descr="data:image/jpeg;base64,/9j/4AAQSkZJRgABAQAAAQABAAD/2wBDAAoHBwgHBgoICAgLCgoLDhgQDg0NDh0VFhEYIx8lJCIfIiEmKzcvJik0KSEiMEExNDk7Pj4+JS5ESUM8SDc9Pjv/2wBDAQoLCw4NDhwQEBw7KCIoOzs7Ozs7Ozs7Ozs7Ozs7Ozs7Ozs7Ozs7Ozs7Ozs7Ozs7Ozs7Ozs7Ozs7Ozs7Ozs7Ozv/wAARCAFaAOMDASIAAhEBAxEB/8QAGwABAAIDAQEAAAAAAAAAAAAAAAEEAgMFBwb/xABMEAABAwIDAgcMBggFAwUAAAABAAIDBBEFEiEGMRMVIjZBUbIUVFVhcXSDkZOUs9EyNYGCobEWIyZCUlOSwSQzQ3JzJWLwNETC4fH/xAAaAQEBAQEBAQEAAAAAAAAAAAAAAQQCAwUG/8QALxEAAgIBAgUEAQMFAAMAAAAAAAECEQMTMQQSIVFhMkFSkXEUIrEFMzRCgXLh8P/aAAwDAQACEQMRAD8Au19fWMr6hjKqZrWyOAAebDVV+Ma3vyb2hTEfrKp/5Xfmqy+7CEeVdD8Fly5NSX7nu/cs8Y1vfk3tCnGNb35N7Qqsi65I9jy1snyf2WeMa3vyb2hTjGt78m9oVWROSPYa2T5P7LPGNb35N7QpxjW9+Te0KrInJHsNbJ8n9lnjGt78m9oU4xre/JvaFVkTkj2Gtk+T+yzxjW9+Te0KcY1vfk3tCqyJyR7DWyfJ/ZZ4xre/JvaFOMa3vyb2hVZE5I9hrZPk/ss8Y1vfk3tCnGNb35N7Qqsickew1snyf2WeMa3vyb2hTjGt78m9oVWROSPYa2T5P7LPGNb35N7QpxjW9+Te0KrInJHsNbJ8n9lnjGt78m9oU4xre/JvaFVkTkj2Gtk+T+yzxjW9+Te0KcY1vfk3tCqyJyR7DWyfJ/ZZ4xre/JvaFOMa3vyb2hVZE5I9hrZPk/ss8Y1vfk3tCnGNb35N7Qqsickew1snyf2fZYNI+XCoXyPc9xzXc43J5RRY4F9TQfe7RRfCy/3Jfln7rhW3w8G+y/g+YxH6yqf+V35qss8TrKZmKVTXTsBEzgQXbtVV7upf58f9S+5CS5V1PxObHPUl0e7N6LR3dS/z4/6k7upe+I/6l1zLueelk+LN6LR3fSd8M9aju+k74Z605l3Glk+LLCKv3fSd8M9ad30nfDPWnMu40snxZYRaO76TvhnrTu6l74j/AKk5l3Glk+LN6LR3dS98R/1Ke7aXviP+oJzLuTSn2ZuRae66Y/68f9QU91U/8+P+oJzLuNOfY2otYqID/rR/1BTwsR3SM/qCtonLLsZooDmnc4H7VKWSmERFSBERAEREAREQBERAfYYF9TQfe7RRMC+poPvdoovgZv7kvyz99wn+Pj/8V/B5hj31/iHnMnaK56v499f4h5zJ2iqC1J9DHJdWSoW6F8LAC4XeHfh4lszUQA5DiQG9JF9dfwSzkq6dSK0ZqYchoeWX1N7EjXxox9I25LLk3tobAWPj67KWCqisvkpCLhji49ZPj8fkVd5aXuyCzb6DxK2CNERFS0EREsUFKhEFBSoRCULrJr3jc5w8hWKK2TlT9jcKupbunkH3is24jVt3VD/t1VZE5n3OXig90i+zGatn0nNeP+5qsR46f9SEeVpXIRdrLJe54y4PBL/U+khxSkmIAkyE9DxZWwQRcar5BbqesnpnXikIHUdQV6x4j5GLL/TFvjf2fUoqFFi8VRaOW0cn4FX1pjJSXQ+TkxTxupKgiIujzPsMC+poPvdoomBfU0H3u0UXwM39yX5Z++4T/Hx/hfweX49zgxDzmTtFc9X8e5wYh5zJ2iuetK2MzXUlFCISiUUIhKJRQipaJRSI3OjdIByWkAnqusVBRKKEQUbIYZKieOGFpfJI4Na0dJO5dpmyWISw1ToZaeeWlc1r4oZA43Oa4vuuMh0XHpKqSirIaqGwkheHtuL6g3Xbh2qFLLK+lwyKETTMne3hXEFwDxpfcDn3eJR37HSUfcrxbMYnJTcLwLg57I3QsFiZM5AG46bxvUHZXF+CZI2Bj88jowGytJBaLknWwAHTdbItp5Yy8mnHLigiJZIWuAitYgjcTZWHbZSPdIXYdBlkfIXNa4i7ZGBrh5TlBv1qXItRKDtm8WjillkpCxkDyyS7hdpFr6XuQMw1HWts+yuLRYi+iZT8K5uYte1wDXAOy3vfr0tv1Vyq2tbPhzmtpAKqV8gJzHLHG4MFh1mzLarCPbKpjkkcKYAScJfg5XMcC6ThNHDdY6Jci8sDmtwLETNRROhDHVxtBncBm1t9i1YhhlRhkkbJzG5srM8ckT8zXi5FwfKCrIx6YYnh1c6Frn0DGMALjy8pJuT47rHEsYZiELIhQshZE0NgDZHExi5c7ykk/gr1Oaib6nZPGaSOSSWltHHwYz5hZ3CGzbHp369S1M2axeR8zWUheYQ0uyvabgtzC2utwCdFZk2sq5ppHTxNmhe6MtgkcSxmVzXEAePLqrH6aStqGTMoWXaYyc0hdmyMewdHU/8ABS5FqBSZsvidonzwGKKaNz2P0dezC8CwOlx1rW7ZrF2OiDqS3CtLmuMjbAAAkk3sNCDrber52zqDEyPuOKzG5b5j/J4L8tfKs6La1oqg+qgDIxmdyLuuTE2MAi405F/KlyHLE+frKOegqpKWqZkmjNnNuDb1Lp4TiRcRTTOuf3HHp8S5+KVEVXidRUwCQRyyFzeFdd2vWVWa4tcHNNiDcL1hNxdmXiMEc0XFn2CLltx6DIM8Uma2tgLX9anj2m/lS+ofNbtWHc/OPg8/xPQ8C+poPvdootWzM7anZ+mmYCGuz2B3/TIRfEyu8kn5Z+14VOOCCfZfweZY9zgxDzmTtFc9dDH+cGIecydornrStjO11CIiEou0cbJYixrWmYuNs7SQRbcCNxWySKnhgaCxz88ObMG/veW+4KiyeWNjmMle1rt7QdCgnlERiErhGd7b6FdWSi9NTtZRSZomNkjcwaXuL77lZyRxCSdkdMwmFoc0akuvbf5N657qmdzS100haRlsXG1upQJpWycIJHB/8QOqWOUuMkDaWofwDW8tnIINtx6FormMirJGMGVo3Dq0C0ulkeXFz3HMbuud/lUOc55u5xcT0kqWKIREULRKhEQUdOTZ7Fo44JO43PFQAWCJwedW5hcAkgka6pTbPYpU1EUIo5YjNnDHSMLWktaXEA232BVxm1czJo8sIbAyIMLGkAvcITEHF1r6XJA8asUW1lJR0FLSswsgQm7y2UDOTG5hP0enNfpspbO0onJdgWJMopap1JKGwSGOVuQ5o7NDrkdAsRqkeBYi8S5qWSN0UQlyPaQ57S4NGUW11cFfftMwwPgZSODC1zGZpLkNMDYRfTU8m/2q7T7a09HLG+lwzIGRujDDILWMjXnc0a6EX36g71LkKj3PnhhGJkRkUFQRK/Iw8GeU7XQePQ+pbqLAMTxCWoip6UmSmIbIx72sIJNgLOIubi1hqutS7WUdDSwwU+GObwUrZc3Ci7iA8anLfc/8FS2c2j4h4f8AwrZ+GfG7lG2UNJOmhsddD0FW2KiURg+J/qv+n1P66/B/qjy7amy2S4DicNC+sko5WsjkLJGlhDo7Bpu7qFnBfQYftVh2SGkkpTSwszue5z84lJiLCHcm+psb626rKlV7RwNdVQQskqY5eFtI9wb/AJkbG2sGjQZNNBoehS2XlicZ+FYjG7K+hqGuIabGMj6RsPWdFk3B8Te6JrMPqS6ZpdGBGeWBqSF227X08LzwGG5GCB8bWGQWaS/Oxws0fRPr61rbtTTR0TKaHDjHlikj0kFrvjawn6Nzq2+p6fIlsnLHufPSxSwSvhmY6ORhyuY4WLT1ELFW8Xr+NMVqK4R8Hw782S97faqa6OaCIiEo9W2L5p0XpPiORRsXzTovSfEciyS9TN8PSjznHz+0OIecydornq/j/OHEPOZO0VQWpbGN7hFClCBFClBQREQBLqFKAXRFCAlLoiAIiIDOOKSYubExzy1pcQBuAFyfsCsuwqubCJDTPFy0BtuUczcwIG+1he6zwbEWYZWvqHsz3glja0tDgS5haLg6EXOq+lO2lEXxyCKdkjchvGxrQ0indHoAdOURbxepRtnSSPlYMNraifgWU0gfnDDmGUNd1EndvCypsJr6xj309LI9sbDISBvAIBt16kbl9GNsqfuqGX/F5RVxTzDT9YGxNab66nM0nVYwbW01OGyxyVscooRTCJtgyNwcw5mnN+8Gm+m89KlstI+bpcPrK2R8dLTSzPjF3hjb5R41nS4VX1sb5KelkkYyPhCQ3e24Fx16kbl1KLG8PjxnE6qrjmkpKt7ndz8E1wkBcXAOueSRoQRcgq5RbV01G6OZstaHijip+CbbJEWOjJyHNucGEnQalLZEkfPxYVWzxMkihz5yA1jTd5u4tGm/eFrfQVjCA6kmBLsovGdT1bt6+oh2tw6BrJWMqxOycOsGtDcgqHS78172da34rbDthh1L3KG1OJ1IjmmfKJ2A/TBAcOXvaDu03nVOZl5Y9z4tzXMeWPaWuabEEWIKhW8WreMcVqazMXcM8uzFgaT4yATb1lVF0c0EREIerbFc06L0nxHImxXNOi9J8RyLLLdm2PpR5xj5/aHEfOZO0VShYJH5SbAC+iuY/wA4cR85k7RXPutUTJJN3RaFPBbSoBOnUsRFFlvnAItoba6nx+RV0XXMux5acvkWXQRNYXCa56AOnQ/JV7qEUbs7jFrd2TdLqEUOibpdZMjLw4ggBvSVtFFIXhocwkm28/8An/4gNF0ut4o3kaOaCNDc9Nzp+C0EAGwIPjCAXS6hEBN0uoRATdLqFJBG8FBQul1CIKJul1CIKJul1CIKJul1CIKJul1CIKPWNiuaVF6T4jkTYnmlRek+I5FlluzXHZHm+0HOHEfOZO0Vzl0NoD+0OI+dSdornrQtjM11CIiooIiIKCIiCjJrnNvlJFxY2PQhkeRlL3W6rrFEFGQkeL2cRffqoUIgoIiIKCIiCgurIyOaSz3HKXwtIDtLZNfyXKRCo6cUVOW/SETJYBm5V7HOB/Zap6VsdHwgiLHtfZ2Ynr6Ogqil7oAiXRCUFOU9R9Si6ttr3CDJwbcwAaHa6gAjX1oR37FXKeoqFb4ymz5g1g3aAHot4/8At/NVL63QK/cIiIWj1nYnmlRek+I5E2J5pUXpPiORZpbs0x2R5ttBzixHzqTtFc5dDaDnFiPnUnaK560LY8HuSoRFSE7t6hfYCip66u2QpKiMOhnga2Ro0zAyuvqFTmiwqvw/F+5sNFHJhwbJFKJnOc9vCBhDrm3Te4tuXNlo+csQLkb1C+u2iqsNOy+CsiwkRulgkdE7h3Hgv1hvp+9e3T1rOtwrCJtoaPZ+koDA6XgXy1Rlc4gGMOcA3cNPxSxynxysUVFUYjVx0lJGZZpCQ1oO/S67TocLxjD8SdQYd3HLQME0ZErn8LHmDTmv+9qDcW6V29n4KHBtr6HCRQtkrWsJnqZHuu15jLrNaNLC9tb31RsJHwe5F13UFN+h3GPB/wCJ4wMOe5+hkva3lV1uCUMmJ0LZA+OlGFtrarIbudZpc61+k2AVsUfNgEkAC5KsUlBU1xmFNEX8BE6aTUDKwbyvotmq/C6na7DWswSKEcMGtyzvJvcEE3vcix8Ruq1O3D8TrsUfFQ9ysgoJZAwTOdywRyrny7lLFHzqL6QQ4Rg9Hhja/D+7JK+Ph5X8K5pijLiGhgGl9L63WxmE4fhTtoO7qU1nF0kTYAZCwHM4gE26CLf/AEljlPl1Otr20Xbx+jo24dhWJ0dOKbu6J5fEHFzWua61wTrY9S6FDU4dFsDI+bChO4VzWPJnc3M7I4h2g0te1ksUfJovp202D4ZxXR1tCamSuiZNPMZXNdEHk5QwDS4Fjre64eK0DsLxWqoHuzGnldHm67HeqmKKiLJkb5DZouepZGnmabFhv1K0zjmS9zBQs5YzGQCQb9SwQqafVBERChSoRAes7E80aL0nxHImxHNGi9J8RyLNLdmmOyPNtoOcWI+dSdornq/tBzixHzqTtFc9e62M7JRQioPqabGqCPEtmJnTEMw+NoqDkPIIkcerXQjcufSYhTRUuORvks6siDYeSeUeFa77NAd64yKUWzv1tTQYjs1hzO7RDVYfG+MwOjcTLd5cC1wFunpst9Vj9NFtpT4xTkzQRtia4AFpIEYY8a/auNT4TWVMQkYwBh3FxtdVJI3RSujdbMw2NiunBpW0ecc0JycYu2j6F0+FYPh+IjD8RNZPXsEMYETmcFHmDjmvvOgGnjXVo8XwSXaen2lqcT4CQs/X0pge5wkyZTYgWynf9q+HRc0elnfw+qw+r2bmwirrRRSNqxUxyvjc9rxlylvJBIKuSY1hUON02SWWooDhjaGd4ZlfYtIJAPSND9i+URKFneoX4dgO0OHVsWJNroYpg+QxxOaWNBH8Q36nQdSzp5sNwurxIR4iyqZU0MsbHsie3luIs03HUN+5fPIlEs+k4fB8Yo8NdiGIOo5KCIQTM4JzzLGHEgsI0vYka2WFVjkFdDtBJISySvlhdBGQTyWvJtfxNsvnkSi2dnFMQpqnZ/BqWKS81KyVsrcpGXM+416dFtw2poajZuowqrrW0cndLahkj43Pa4BpaW8kHXcuCso43SyNjYLucbAK0RuurPpRVYNifFlbW17qaWhiZFPBwTnGYMPJLCNNRYa2suHite7FMVqq97cpqJXSZeq53LCroZ6ItEzQM24g3VdHFxdM5jOM1cXaM2SOjN2myzFVM12YOANrfRG5aUVTaDhF7oyfI55u517KFCKFSS6IlFCIUlFCID1rYjmjRek+I5E2I5o0PpPiORZ5bs0LY812g5xYj51J2iueuhtBzixHzqTtFc9e62PD3Ovs/DFNJOJY2Ps0WzNBstAoRV4vNTscIgHOOjdwB6la2b/zaj/a3+6nD+cU/lf+a1qKcI33PiZMs4Z8zi9kh+jhMhHdIDejk6lU3YRI3EW0ZkHKbmD7aWVyoc79J49TvaPwWO0RtVQEH9w/mrKEKbS2ZMObiHOMZSvmje2x1qymlkpWxU83AZSNR1DoXBo8Jmrw6d8gY0k8oi5celdLaHSgj/5Bu8hSsJh2daI+TdjRp47XXc1GUnfsjNw08mPFHkfWTrbYoVWByQQGaGUTNaLkAWNlrw3C+72ueZcjWusQBcldHZ1xfSSxu1aHC32hTgADY6lo3CSy5jjhJxddGaMnFZscMkG7cWuv5OfV4M+kpRK+W7i4Ny23X8asu2cIAtUi9+US3QBct8sj6mz3ucM/Sb9K7W0hIpogCf8AM/suIrG05VsemSfExljhz9ZX7FaXZ2Zr2iOdrmn6RItlWFXgT6andMyYSBouRltp4lfr3E7PNNzcsZc+pRREu2ddc3tG8fmvR44XVe1nhHiuJUVNy/2rbc5VBhUtexz2yMYwGxJ1PqW+owJ8VO6aGdsoaLkZbLRQUlbVRvZTvLIieWSbAruUlM2kw2SJswlsHXI3A23LjHjjKPVHtxXE5MWTpNb7V/LKuB0DBB3RIGP4T6ILdW2JVWuwySnq2StmAM01m2FspJW3ZsnNPr0N/uqIJ473n/1H/wAlXy6cehzHU/VZHzbL/wCRuxqGpidD3RU8M4g25NgNyzp8AkkhbLNO2LML2tcjyq1jLQ+voWu3F+vrCw2ke4CCME5SST+CsoRTlJ+xziz5ZQx44Om7612KFfhUtA0PLhJGTbMBay30mBmqo2ziazni4bbQeVXr90bNXk1Ijv6jp+ShhI2aJBseDP5osUOa66VYlxeZ40r/AHc1WVJ9n5I6d0sc7ZC0Xy5bX/FchfRYGScKkBOgc78l86vHLGKSa9zbweXLKc8eR3TCIi8T6AREQHrWxHNGh9J8RyJsRzRofSfEcizy3ZoWx5ttAP2ixHzqTtFc6y6W0HOHEfOpO0VzloWxne52NnXNZLPmcBdo3lTQOaNoJ3FwAJfrfxrjWReyyUkq2ME+EUpzlfqVHYqHt/SVjswy5m6303KNoS11TAWuDhlO4+NchEeS01W5Y8IozhK/SqPoMfex9BGGva79YDob9BUUU8GIYX3FLIGSBuXXptuIXAslldb93NR5rgIrEsfN1TtM+jYafBaF7eGEkjtQBvJ6NFq2fe1tPNneAS++p8S4NkVWammlsR8ApY5RcrcurZs/9z9/+67W0T2Pposr2u5d9D4lwbIvNTqLXc0ZOHU8kJ36T6Cuew7PtaHtJyM0v5EoXs/R97M7c2R+l/Kvn0svTW/dde1Hh+gXJyc3vZ9Bhb4qnCXUgkEcliD169K30EUFNTvou6WPkNybHddfMIkc1V0Ocn9P5nKp0m7/AOnbwgw0dfUUzpQdwa46ZrLGroY6XEYZxMHcLODl6tblcbei51P21R6fpHqOaluqfk7WPyhs9M9jg4sudD4wrNRHTY3TRuZOGPbrbpHWCF84iurbdrozlcDUIqMqcfc7uKVUFNhzaGB4c6wabHcB1rJr2/o2W5xm4M6X13rgJZNZ23QXAxUFG9nd9z6DA3sbhsjS9oOY6E+JfP2RFxKfNFLsacWBY8k536iLJZSi4NJFkspsihD1nYjmjRek+I5E2I5o0XpPiORZ5bs0x2PN9oOcWI+dSdornro7Qc4cR85k7RXOWhbGZ7hERUlnXpcDbUUzJnVBbnF7Bu5Y1WAyxRmSCQSgC5BFir2R8mzoZG0ucYxYDp1U4PHNTUchqbtbe4DugdK26cHSr2Pz/wCqzxUp8+zqj5xrS82aCSdwAWySlqIm55IJGt6y0rtYNC0QzVgju5zjkHUOpWaCWrqTKytgDGH6N22v4l5xwJpX7mvL/UHGT5Uqjv16/wDDi4bhpri4ue6NrRoQ3etFVSvp6h8Ya8tDsrSRvXawWZ2aalsAyEnKeneVWqa2WfFoqd4aGRVAykDXejhBQTJHic74iS9krOaaKqGQGnku++UZdSr2FytphNHLRSSvJ/dZcjxFdPFMQdQCIsja9zydT0DRasFlM7qqYi2eTNbqXSxqM6T6nlPismXh3Ocen58nz79ZXWblu48nq8S2GjqWszmnkDevKV1MGpmyVk87wDwbrNv1m6u0tTWy1z2zQZINbEtsuI4VJW/c98vHODcYJdF1t/wfNMhlkF443OA6Q0lQGPc/I1pLv4QNV9DQFsOL1dO3QO5QH5/msKWm4PaCc20ALh9v/hU0dupXx9OVrZWjhGOQPyFjg7+G2qzfSVMbM74JGt6y0roDFW02JVUuQSh5s37NAunhlTU1ccpqow1t+TybXB/NI4oydWM3F5cUVNxVdPf+DjYLFHLXhsjGvGUmzhdRjLWsxKRrWhoAFgB4lYwpoZjUjGiwbnA9a0Y19ZyeQfkjVYv+iM2+N8cpQREXgfTsIrPchDRd4D8rXZbdDjpr9qkUTru5Ys0uBP8Att81aJzIqorYoQ7QTNJc4tYAL5iBf+6ryxmKTISCbC9ujTcpQswREQtnrOxPNKi9J8RyJsTzSovSfEcizS3ZpjsjzfH+cOI+cydornro4+P2hxHzmTtFc+y0rYyvchLKUsqQ+kindTYEyZgBc2MWB3b1jI44thBcwlr+lo6SOhcc4hUGk7lJbwYFt2qikrqijDhC4AO3gi61ay2e1HxlwE0nNVzXa/B2MFk4TDXRMOV7CR5L7iqb5cba5wOfk7yGi3rsqLK2ojqXTxuyPdqQBofsViTGaySNzDkAcLEhq51IuKVvoej4XJHK5KKaff2LOz5Lp5yTckA/itEsErMbEjo3BhqBZxGh1VOmqZaSThInWdax0uCt9RidTUPjc/KOCdmaAOlc88XBJ+x6PBlWeU41TVF7aLdT/e/sstnv8mf/AHD8ly6uunrcvDFpyXtYWU0tfPRtc2ItAdvuLrrUWrzHD4XJ+k0ff/2dTA5Bw1VEd+fMFrqHY0yocxhe5tzlLWC1vUuUyaSKbhY3lr73uFd48rctrs8uVFkTjTdEnwuSOVzik77mqjqJG4syWZ13F+VxPqXfqGtp2VFVflcHb1Xt+a+VJJdmO8m6tz4nVVMJikc3Kd9gmPKoppl4ng5ZZxlH8Mu4BTxvEkzmhz2kBt+hXcNqKqodO6oYWBpAYMtuu64FLWTUby6F1r7wRcFWDjNaZA/OBb90N0VhljFI8+I4PLknJqmntfsWaCN8WPSB7S2+Yi/SLqrjX1nJ5B+SwOJVJrO6rtEmXLu0stFRPJVTGWW2Y77Cy4lNcnKu5pxYMizLJLtRqRTZLLxN5uFVJwLoyb6ANPSLEFQaqcuzGTXXoHTvWqyWVHQ2R1DmyNc67gx2YAG2v/gCwe4ve57jcuNyosllAQimyWQHq+xPNKi9J8RyJsVzSovSfEciyy3ZrjsjzjH+cOIecydoqguhj/ODEfOZO0Vz1qWxje4REVIESyIUIiISwiWRBYREQBEW2KnfMCWkaG1roLNSLc6mc1rnZm6C9hfxfNaUoWEREFhERBYREQBERAEREAREQHq2xXNOi9J8RyJsVzTovSfEciyS3Ztj6UedY9zgxDzmTtFVaZkTjmlO57Ra4GnSVax7nBiHnMnaK561LYwy3LXAU1rmUm7SbAjTQH5j7Fk6CjDieEfa5tymnpsB6tVTRKOaLsVLTzTZGOe7eTlI8XzVNws4gbgUBI3GyhWggiIqWwiIgsIiILCXI3EoiCxc+NERBYREQWEREFhERBYREQWEREFhERBZ6rsXzTovSfEcinYvmnRek+I5Fjl6mb4elHnWPc4MQ85k7RXPXQx7nBiHnMnaK561rYwSfUIpsllTmyEREFhFNkQWQilXG0rHgOkeWtDY/oM/iQq6lJF0IaSNgla85nmJ5bcaCxtf8EOGsNT3O2cGW5B00BClnXKznosnNAeQL2BsL71iqcBERBYRZZHfwndfd0KWxSPNmsc42voOhBZgi3tpXvp+Ea1znZy0tA8S02IVoWQiIoLCIiCwiIgsIilBZ6psXzUovSdtyJsXzUovSdtyLHL1M+jD0o87x7nBiHnMnaK566GPc4MQ85k7RVBbFsfNk+rISxV408LQ12W/IcXDN9FwG5ZNjgbMxzGhpbJGfpX3i5XVHNnPRT0ooWyEUogshZ8LJa2d1rDp6tyxRBZs7onyFnCvym9xfQ33o6oneAHSvNhbUrWiFthzi5xJJJJuSVClEJZCKUQWdGnqKZ0MXDOs8tMLvE3fm/FS2pieyRgMQLXNycISAWgWG71/auaitkL/AAxljceHjjk4cvJDrC1t4VWrkbNVSSMFmudcLUiAhFKKFshFKILIRSiCyEUogs9T2M5qUXpO25E2M5qUX3+25Fil6mfSh6UeeY99f4h5zJ2iueuhjv1/iHnMnaK562rY+ZJ9WEWWU9R9SZXdR9S6o5tGKLLK7qPqTK7+E+pKFoxRZZXdR9ShQWQilELZCKUQWQilEFkIpRBZCKUQWQpsbXtoEW6CZsYc17MwcQfUhLNCWV6GopiSHxMaL3BLb9J+Y9SwZPTtkJdCHaW3AdQ3etS32JZUsiuTTQBpaxkbiW2ByblgyojADXQNcB4hfo+R9aWLK9ja6ixG/RXO64cuUQNA0uMosbA6/ju3aLRNJwjgQ21hayCzUilFS2epbGc1KP7/AG3ImxnNSj+/23IsMvUz6uP0I88x36/xDzmTtFUF0Md+v8Q85k7RXPW6OyPkyfVn0NFC2oc2Nzi0ZC7TebC9h4zuVxmGCQgmpjiDr6SEAjdv9Z9S+fGIuDQODBsLb04yd/KHrXra7mVQfY+hfhbWskcKyIljS4D+K3QNelYtw1r83+LjBaTYH97lEaa+K/kK4HGTv5Y9anjJ38sD7UvyXlfY6s8IhyWlD8zQdBu8S+ek/wA1/wDuKucZO/lD1qk45nF3WbqSdnUE03ZCIi5PawiIgslZmCUAkxPAGp5O5YsOV7XdRurIqmWkzNcXPLtb7gUFmmOnkkkjaWloe4AOI0WIjdlJsb6WFt6sMrGtka7IbNex2/8AhFlBq2mQPyEG7SRfTTqQWaOAlDg3g3XOoFt6hzHMdlc0tPUQrcEzHjI+wAa64JHKuQVXqSHVDyH5x1oLNSIiCwiIgsIiILCIiCwiIgs9T2N5q0f3+25E2N5q0f3+25Fgn6mfXx+hfg88x36/xDzmTtFUFfx36/xDzmTtFUFvjsfGk/3MIiKnNhERBYREQWEREFhERBYREQWEREFhERBYREQWEREFhERBYREQWEREFnqWxvNWj+/23ImxvNWj+/23Ivnz9TPtYvRH8HnmO/X+IecydoqgvYZMIwyWR0kmHUj3uN3OdA0knrJsseJMJ8F0fu7PktiydNj5csPV9TyBF6/xJhPguj93Z8k4kwnwXR+7s+Sup4Jo+TyBF6/xJhPguj93Z8k4kwnwXR+7s+SangaPk8gRev8AEmE+C6P3dnyTiTCfBdH7uz5JqeBo+TyBF6/xJhPguj93Z8k4kwnwXR+7s+SangaPk8gRev8AEmE+C6P3dnyTiTCfBdH7uz5JqeBo+TyBF6/xJhPguj93Z8k4kwnwXR+7s+SangaPk8gRev8AEmE+C6P3dnyTiTCfBdH7uz5JqeBo+TyBF6/xJhPguj93Z8k4kwnwXR+7s+SangaPk8gRev8AEmE+C6P3dnyTiTCfBdH7uz5JqeBo+TyBF6/xJhPguj93Z8k4kwnwXR+7s+SangaPk8gRev8AEmE+C6P3dnyTiTCfBdH7uz5JqeBo+TyBF6/xJhPguj93Z8k4kwnwXR+7s+SangaPk8gRev8AEmE+C6P3dnyTiTCfBdH7uz5JqeBo+SlsbzVo/v8Abci7EMENNE2KCJkUbdzGNDQOncEWGTuTPrY1UEvB/9k="/>
+          <p:cNvSpPr>
+            <a:spLocks noChangeAspect="1" noChangeArrowheads="1"/>
+          </p:cNvSpPr>
+          <p:nvPr/>
+        </p:nvSpPr>
+        <p:spPr bwMode="auto">
+          <a:xfrm>
+            <a:off x="612775" y="312737"/>
+            <a:ext cx="304800" cy="304801"/>
+          </a:xfrm>
+          <a:prstGeom prst="rect">
+            <a:avLst/>
+          </a:prstGeom>
+          <a:noFill/>
+          <a:extLst>
+            <a:ext uri="{909E8E84-426E-40DD-AFC4-6F175D3DCCD1}">
+              <a14:hiddenFill xmlns:a14="http://schemas.microsoft.com/office/drawing/2010/main">
+                <a:solidFill>
+                  <a:srgbClr val="FFFFFF"/>
+                </a:solidFill>
+              </a14:hiddenFill>
+            </a:ext>
+          </a:extLst>
+        </p:spPr>
+        <p:txBody>
+          <a:bodyPr vert="horz" wrap="square" lIns="91440" tIns="45720" rIns="91440" bIns="45720" numCol="1" anchor="t" anchorCtr="0" compatLnSpc="1">
+            <a:prstTxWarp prst="textNoShape">
+              <a:avLst/>
+            </a:prstTxWarp>
+          </a:bodyPr>
+          <a:lstStyle/>
+          <a:p>
+            <a:endParaRPr lang="en-US"/>
+          </a:p>
+        </p:txBody>
+      </p:sp>
+      <p:sp>
+        <p:nvSpPr>
+          <p:cNvPr id="11" name="AutoShape 10" descr="data:image/jpeg;base64,/9j/4AAQSkZJRgABAQAAAQABAAD/2wBDAAoHBwgHBgoICAgLCgoLDhgQDg0NDh0VFhEYIx8lJCIfIiEmKzcvJik0KSEiMEExNDk7Pj4+JS5ESUM8SDc9Pjv/2wBDAQoLCw4NDhwQEBw7KCIoOzs7Ozs7Ozs7Ozs7Ozs7Ozs7Ozs7Ozs7Ozs7Ozs7Ozs7Ozs7Ozs7Ozs7Ozs7Ozs7Ozv/wAARCAFaAOMDASIAAhEBAxEB/8QAGwABAAIDAQEAAAAAAAAAAAAAAAEEAgMFBwb/xABMEAABAwIDAgcMBggFAwUAAAABAAIDBBEFEiEGMRMVIjZBUbIUVFVhcXSDkZOUs9EyNYGCobEWIyZCUlOSwSQzQ3JzJWLwNETC4fH/xAAaAQEBAQEBAQEAAAAAAAAAAAAAAQQCAwUG/8QALxEAAgIBAgUEAQMFAAMAAAAAAAECEQMTMQQSIVFhMkFSkXEUIrEFMzRCgXLh8P/aAAwDAQACEQMRAD8Au19fWMr6hjKqZrWyOAAebDVV+Ma3vyb2hTEfrKp/5Xfmqy+7CEeVdD8Fly5NSX7nu/cs8Y1vfk3tCnGNb35N7Qqsi65I9jy1snyf2WeMa3vyb2hTjGt78m9oVWROSPYa2T5P7LPGNb35N7QpxjW9+Te0KrInJHsNbJ8n9lnjGt78m9oU4xre/JvaFVkTkj2Gtk+T+yzxjW9+Te0KcY1vfk3tCqyJyR7DWyfJ/ZZ4xre/JvaFOMa3vyb2hVZE5I9hrZPk/ss8Y1vfk3tCnGNb35N7Qqsickew1snyf2WeMa3vyb2hTjGt78m9oVWROSPYa2T5P7LPGNb35N7QpxjW9+Te0KrInJHsNbJ8n9lnjGt78m9oU4xre/JvaFVkTkj2Gtk+T+yzxjW9+Te0KcY1vfk3tCqyJyR7DWyfJ/ZZ4xre/JvaFOMa3vyb2hVZE5I9hrZPk/ss8Y1vfk3tCnGNb35N7Qqsickew1snyf2fZYNI+XCoXyPc9xzXc43J5RRY4F9TQfe7RRfCy/3Jfln7rhW3w8G+y/g+YxH6yqf+V35qss8TrKZmKVTXTsBEzgQXbtVV7upf58f9S+5CS5V1PxObHPUl0e7N6LR3dS/z4/6k7upe+I/6l1zLueelk+LN6LR3fSd8M9aju+k74Z605l3Glk+LLCKv3fSd8M9ad30nfDPWnMu40snxZYRaO76TvhnrTu6l74j/AKk5l3Glk+LN6LR3dS98R/1Ke7aXviP+oJzLuTSn2ZuRae66Y/68f9QU91U/8+P+oJzLuNOfY2otYqID/rR/1BTwsR3SM/qCtonLLsZooDmnc4H7VKWSmERFSBERAEREAREQBERAfYYF9TQfe7RRMC+poPvdoovgZv7kvyz99wn+Pj/8V/B5hj31/iHnMnaK56v499f4h5zJ2iqC1J9DHJdWSoW6F8LAC4XeHfh4lszUQA5DiQG9JF9dfwSzkq6dSK0ZqYchoeWX1N7EjXxox9I25LLk3tobAWPj67KWCqisvkpCLhji49ZPj8fkVd5aXuyCzb6DxK2CNERFS0EREsUFKhEFBSoRCULrJr3jc5w8hWKK2TlT9jcKupbunkH3is24jVt3VD/t1VZE5n3OXig90i+zGatn0nNeP+5qsR46f9SEeVpXIRdrLJe54y4PBL/U+khxSkmIAkyE9DxZWwQRcar5BbqesnpnXikIHUdQV6x4j5GLL/TFvjf2fUoqFFi8VRaOW0cn4FX1pjJSXQ+TkxTxupKgiIujzPsMC+poPvdoomBfU0H3u0UXwM39yX5Z++4T/Hx/hfweX49zgxDzmTtFc9X8e5wYh5zJ2iuetK2MzXUlFCISiUUIhKJRQipaJRSI3OjdIByWkAnqusVBRKKEQUbIYZKieOGFpfJI4Na0dJO5dpmyWISw1ToZaeeWlc1r4oZA43Oa4vuuMh0XHpKqSirIaqGwkheHtuL6g3Xbh2qFLLK+lwyKETTMne3hXEFwDxpfcDn3eJR37HSUfcrxbMYnJTcLwLg57I3QsFiZM5AG46bxvUHZXF+CZI2Bj88jowGytJBaLknWwAHTdbItp5Yy8mnHLigiJZIWuAitYgjcTZWHbZSPdIXYdBlkfIXNa4i7ZGBrh5TlBv1qXItRKDtm8WjillkpCxkDyyS7hdpFr6XuQMw1HWts+yuLRYi+iZT8K5uYte1wDXAOy3vfr0tv1Vyq2tbPhzmtpAKqV8gJzHLHG4MFh1mzLarCPbKpjkkcKYAScJfg5XMcC6ThNHDdY6Jci8sDmtwLETNRROhDHVxtBncBm1t9i1YhhlRhkkbJzG5srM8ckT8zXi5FwfKCrIx6YYnh1c6Frn0DGMALjy8pJuT47rHEsYZiELIhQshZE0NgDZHExi5c7ykk/gr1Oaib6nZPGaSOSSWltHHwYz5hZ3CGzbHp369S1M2axeR8zWUheYQ0uyvabgtzC2utwCdFZk2sq5ppHTxNmhe6MtgkcSxmVzXEAePLqrH6aStqGTMoWXaYyc0hdmyMewdHU/8ABS5FqBSZsvidonzwGKKaNz2P0dezC8CwOlx1rW7ZrF2OiDqS3CtLmuMjbAAAkk3sNCDrber52zqDEyPuOKzG5b5j/J4L8tfKs6La1oqg+qgDIxmdyLuuTE2MAi405F/KlyHLE+frKOegqpKWqZkmjNnNuDb1Lp4TiRcRTTOuf3HHp8S5+KVEVXidRUwCQRyyFzeFdd2vWVWa4tcHNNiDcL1hNxdmXiMEc0XFn2CLltx6DIM8Uma2tgLX9anj2m/lS+ofNbtWHc/OPg8/xPQ8C+poPvdootWzM7anZ+mmYCGuz2B3/TIRfEyu8kn5Z+14VOOCCfZfweZY9zgxDzmTtFc9dDH+cGIecydornrStjO11CIiEou0cbJYixrWmYuNs7SQRbcCNxWySKnhgaCxz88ObMG/veW+4KiyeWNjmMle1rt7QdCgnlERiErhGd7b6FdWSi9NTtZRSZomNkjcwaXuL77lZyRxCSdkdMwmFoc0akuvbf5N657qmdzS100haRlsXG1upQJpWycIJHB/8QOqWOUuMkDaWofwDW8tnIINtx6FormMirJGMGVo3Dq0C0ulkeXFz3HMbuud/lUOc55u5xcT0kqWKIREULRKhEQUdOTZ7Fo44JO43PFQAWCJwedW5hcAkgka6pTbPYpU1EUIo5YjNnDHSMLWktaXEA232BVxm1czJo8sIbAyIMLGkAvcITEHF1r6XJA8asUW1lJR0FLSswsgQm7y2UDOTG5hP0enNfpspbO0onJdgWJMopap1JKGwSGOVuQ5o7NDrkdAsRqkeBYi8S5qWSN0UQlyPaQ57S4NGUW11cFfftMwwPgZSODC1zGZpLkNMDYRfTU8m/2q7T7a09HLG+lwzIGRujDDILWMjXnc0a6EX36g71LkKj3PnhhGJkRkUFQRK/Iw8GeU7XQePQ+pbqLAMTxCWoip6UmSmIbIx72sIJNgLOIubi1hqutS7WUdDSwwU+GObwUrZc3Ci7iA8anLfc/8FS2c2j4h4f8AwrZ+GfG7lG2UNJOmhsddD0FW2KiURg+J/qv+n1P66/B/qjy7amy2S4DicNC+sko5WsjkLJGlhDo7Bpu7qFnBfQYftVh2SGkkpTSwszue5z84lJiLCHcm+psb626rKlV7RwNdVQQskqY5eFtI9wb/AJkbG2sGjQZNNBoehS2XlicZ+FYjG7K+hqGuIabGMj6RsPWdFk3B8Te6JrMPqS6ZpdGBGeWBqSF227X08LzwGG5GCB8bWGQWaS/Oxws0fRPr61rbtTTR0TKaHDjHlikj0kFrvjawn6Nzq2+p6fIlsnLHufPSxSwSvhmY6ORhyuY4WLT1ELFW8Xr+NMVqK4R8Hw782S97faqa6OaCIiEo9W2L5p0XpPiORRsXzTovSfEciyS9TN8PSjznHz+0OIecydornq/j/OHEPOZO0VQWpbGN7hFClCBFClBQREQBLqFKAXRFCAlLoiAIiIDOOKSYubExzy1pcQBuAFyfsCsuwqubCJDTPFy0BtuUczcwIG+1he6zwbEWYZWvqHsz3glja0tDgS5haLg6EXOq+lO2lEXxyCKdkjchvGxrQ0indHoAdOURbxepRtnSSPlYMNraifgWU0gfnDDmGUNd1EndvCypsJr6xj309LI9sbDISBvAIBt16kbl9GNsqfuqGX/F5RVxTzDT9YGxNab66nM0nVYwbW01OGyxyVscooRTCJtgyNwcw5mnN+8Gm+m89KlstI+bpcPrK2R8dLTSzPjF3hjb5R41nS4VX1sb5KelkkYyPhCQ3e24Fx16kbl1KLG8PjxnE6qrjmkpKt7ndz8E1wkBcXAOueSRoQRcgq5RbV01G6OZstaHijip+CbbJEWOjJyHNucGEnQalLZEkfPxYVWzxMkihz5yA1jTd5u4tGm/eFrfQVjCA6kmBLsovGdT1bt6+oh2tw6BrJWMqxOycOsGtDcgqHS78172da34rbDthh1L3KG1OJ1IjmmfKJ2A/TBAcOXvaDu03nVOZl5Y9z4tzXMeWPaWuabEEWIKhW8WreMcVqazMXcM8uzFgaT4yATb1lVF0c0EREIerbFc06L0nxHImxXNOi9J8RyLLLdm2PpR5xj5/aHEfOZO0VShYJH5SbAC+iuY/wA4cR85k7RXPutUTJJN3RaFPBbSoBOnUsRFFlvnAItoba6nx+RV0XXMux5acvkWXQRNYXCa56AOnQ/JV7qEUbs7jFrd2TdLqEUOibpdZMjLw4ggBvSVtFFIXhocwkm28/8An/4gNF0ut4o3kaOaCNDc9Nzp+C0EAGwIPjCAXS6hEBN0uoRATdLqFJBG8FBQul1CIKJul1CIKJul1CIKJul1CIKJul1CIKPWNiuaVF6T4jkTYnmlRek+I5FlluzXHZHm+0HOHEfOZO0Vzl0NoD+0OI+dSdornrQtjM11CIiooIiIKCIiCjJrnNvlJFxY2PQhkeRlL3W6rrFEFGQkeL2cRffqoUIgoIiIKCIiCgurIyOaSz3HKXwtIDtLZNfyXKRCo6cUVOW/SETJYBm5V7HOB/Zap6VsdHwgiLHtfZ2Ynr6Ogqil7oAiXRCUFOU9R9Si6ttr3CDJwbcwAaHa6gAjX1oR37FXKeoqFb4ymz5g1g3aAHot4/8At/NVL63QK/cIiIWj1nYnmlRek+I5E2J5pUXpPiORZpbs0x2R5ttBzixHzqTtFc5dDaDnFiPnUnaK560LY8HuSoRFSE7t6hfYCip66u2QpKiMOhnga2Ro0zAyuvqFTmiwqvw/F+5sNFHJhwbJFKJnOc9vCBhDrm3Te4tuXNlo+csQLkb1C+u2iqsNOy+CsiwkRulgkdE7h3Hgv1hvp+9e3T1rOtwrCJtoaPZ+koDA6XgXy1Rlc4gGMOcA3cNPxSxynxysUVFUYjVx0lJGZZpCQ1oO/S67TocLxjD8SdQYd3HLQME0ZErn8LHmDTmv+9qDcW6V29n4KHBtr6HCRQtkrWsJnqZHuu15jLrNaNLC9tb31RsJHwe5F13UFN+h3GPB/wCJ4wMOe5+hkva3lV1uCUMmJ0LZA+OlGFtrarIbudZpc61+k2AVsUfNgEkAC5KsUlBU1xmFNEX8BE6aTUDKwbyvotmq/C6na7DWswSKEcMGtyzvJvcEE3vcix8Ruq1O3D8TrsUfFQ9ysgoJZAwTOdywRyrny7lLFHzqL6QQ4Rg9Hhja/D+7JK+Ph5X8K5pijLiGhgGl9L63WxmE4fhTtoO7qU1nF0kTYAZCwHM4gE26CLf/AEljlPl1Otr20Xbx+jo24dhWJ0dOKbu6J5fEHFzWua61wTrY9S6FDU4dFsDI+bChO4VzWPJnc3M7I4h2g0te1ksUfJovp202D4ZxXR1tCamSuiZNPMZXNdEHk5QwDS4Fjre64eK0DsLxWqoHuzGnldHm67HeqmKKiLJkb5DZouepZGnmabFhv1K0zjmS9zBQs5YzGQCQb9SwQqafVBERChSoRAes7E80aL0nxHImxHNGi9J8RyLNLdmmOyPNtoOcWI+dSdornq/tBzixHzqTtFc9e62M7JRQioPqabGqCPEtmJnTEMw+NoqDkPIIkcerXQjcufSYhTRUuORvks6siDYeSeUeFa77NAd64yKUWzv1tTQYjs1hzO7RDVYfG+MwOjcTLd5cC1wFunpst9Vj9NFtpT4xTkzQRtia4AFpIEYY8a/auNT4TWVMQkYwBh3FxtdVJI3RSujdbMw2NiunBpW0ecc0JycYu2j6F0+FYPh+IjD8RNZPXsEMYETmcFHmDjmvvOgGnjXVo8XwSXaen2lqcT4CQs/X0pge5wkyZTYgWynf9q+HRc0elnfw+qw+r2bmwirrRRSNqxUxyvjc9rxlylvJBIKuSY1hUON02SWWooDhjaGd4ZlfYtIJAPSND9i+URKFneoX4dgO0OHVsWJNroYpg+QxxOaWNBH8Q36nQdSzp5sNwurxIR4iyqZU0MsbHsie3luIs03HUN+5fPIlEs+k4fB8Yo8NdiGIOo5KCIQTM4JzzLGHEgsI0vYka2WFVjkFdDtBJISySvlhdBGQTyWvJtfxNsvnkSi2dnFMQpqnZ/BqWKS81KyVsrcpGXM+416dFtw2poajZuowqrrW0cndLahkj43Pa4BpaW8kHXcuCso43SyNjYLucbAK0RuurPpRVYNifFlbW17qaWhiZFPBwTnGYMPJLCNNRYa2suHite7FMVqq97cpqJXSZeq53LCroZ6ItEzQM24g3VdHFxdM5jOM1cXaM2SOjN2myzFVM12YOANrfRG5aUVTaDhF7oyfI55u517KFCKFSS6IlFCIUlFCID1rYjmjRek+I5E2I5o0PpPiORZ5bs0LY812g5xYj51J2iueuhtBzixHzqTtFc9e62PD3Ovs/DFNJOJY2Ps0WzNBstAoRV4vNTscIgHOOjdwB6la2b/zaj/a3+6nD+cU/lf+a1qKcI33PiZMs4Z8zi9kh+jhMhHdIDejk6lU3YRI3EW0ZkHKbmD7aWVyoc79J49TvaPwWO0RtVQEH9w/mrKEKbS2ZMObiHOMZSvmje2x1qymlkpWxU83AZSNR1DoXBo8Jmrw6d8gY0k8oi5celdLaHSgj/5Bu8hSsJh2daI+TdjRp47XXc1GUnfsjNw08mPFHkfWTrbYoVWByQQGaGUTNaLkAWNlrw3C+72ueZcjWusQBcldHZ1xfSSxu1aHC32hTgADY6lo3CSy5jjhJxddGaMnFZscMkG7cWuv5OfV4M+kpRK+W7i4Ny23X8asu2cIAtUi9+US3QBct8sj6mz3ucM/Sb9K7W0hIpogCf8AM/suIrG05VsemSfExljhz9ZX7FaXZ2Zr2iOdrmn6RItlWFXgT6andMyYSBouRltp4lfr3E7PNNzcsZc+pRREu2ddc3tG8fmvR44XVe1nhHiuJUVNy/2rbc5VBhUtexz2yMYwGxJ1PqW+owJ8VO6aGdsoaLkZbLRQUlbVRvZTvLIieWSbAruUlM2kw2SJswlsHXI3A23LjHjjKPVHtxXE5MWTpNb7V/LKuB0DBB3RIGP4T6ILdW2JVWuwySnq2StmAM01m2FspJW3ZsnNPr0N/uqIJ473n/1H/wAlXy6cehzHU/VZHzbL/wCRuxqGpidD3RU8M4g25NgNyzp8AkkhbLNO2LML2tcjyq1jLQ+voWu3F+vrCw2ke4CCME5SST+CsoRTlJ+xziz5ZQx44Om7612KFfhUtA0PLhJGTbMBay30mBmqo2ziazni4bbQeVXr90bNXk1Ijv6jp+ShhI2aJBseDP5osUOa66VYlxeZ40r/AHc1WVJ9n5I6d0sc7ZC0Xy5bX/FchfRYGScKkBOgc78l86vHLGKSa9zbweXLKc8eR3TCIi8T6AREQHrWxHNGh9J8RyJsRzRofSfEcizy3ZoWx5ttAP2ixHzqTtFc6y6W0HOHEfOpO0VzloWxne52NnXNZLPmcBdo3lTQOaNoJ3FwAJfrfxrjWReyyUkq2ME+EUpzlfqVHYqHt/SVjswy5m6303KNoS11TAWuDhlO4+NchEeS01W5Y8IozhK/SqPoMfex9BGGva79YDob9BUUU8GIYX3FLIGSBuXXptuIXAslldb93NR5rgIrEsfN1TtM+jYafBaF7eGEkjtQBvJ6NFq2fe1tPNneAS++p8S4NkVWammlsR8ApY5RcrcurZs/9z9/+67W0T2Pposr2u5d9D4lwbIvNTqLXc0ZOHU8kJ36T6Cuew7PtaHtJyM0v5EoXs/R97M7c2R+l/Kvn0svTW/dde1Hh+gXJyc3vZ9Bhb4qnCXUgkEcliD169K30EUFNTvou6WPkNybHddfMIkc1V0Ocn9P5nKp0m7/AOnbwgw0dfUUzpQdwa46ZrLGroY6XEYZxMHcLODl6tblcbei51P21R6fpHqOaluqfk7WPyhs9M9jg4sudD4wrNRHTY3TRuZOGPbrbpHWCF84iurbdrozlcDUIqMqcfc7uKVUFNhzaGB4c6wabHcB1rJr2/o2W5xm4M6X13rgJZNZ23QXAxUFG9nd9z6DA3sbhsjS9oOY6E+JfP2RFxKfNFLsacWBY8k536iLJZSi4NJFkspsihD1nYjmjRek+I5E2I5o0XpPiORZ5bs0x2PN9oOcWI+dSdornro7Qc4cR85k7RXOWhbGZ7hERUlnXpcDbUUzJnVBbnF7Bu5Y1WAyxRmSCQSgC5BFir2R8mzoZG0ucYxYDp1U4PHNTUchqbtbe4DugdK26cHSr2Pz/wCqzxUp8+zqj5xrS82aCSdwAWySlqIm55IJGt6y0rtYNC0QzVgju5zjkHUOpWaCWrqTKytgDGH6N22v4l5xwJpX7mvL/UHGT5Uqjv16/wDDi4bhpri4ue6NrRoQ3etFVSvp6h8Ya8tDsrSRvXawWZ2aalsAyEnKeneVWqa2WfFoqd4aGRVAykDXejhBQTJHic74iS9krOaaKqGQGnku++UZdSr2FytphNHLRSSvJ/dZcjxFdPFMQdQCIsja9zydT0DRasFlM7qqYi2eTNbqXSxqM6T6nlPismXh3Ocen58nz79ZXWblu48nq8S2GjqWszmnkDevKV1MGpmyVk87wDwbrNv1m6u0tTWy1z2zQZINbEtsuI4VJW/c98vHODcYJdF1t/wfNMhlkF443OA6Q0lQGPc/I1pLv4QNV9DQFsOL1dO3QO5QH5/msKWm4PaCc20ALh9v/hU0dupXx9OVrZWjhGOQPyFjg7+G2qzfSVMbM74JGt6y0roDFW02JVUuQSh5s37NAunhlTU1ccpqow1t+TybXB/NI4oydWM3F5cUVNxVdPf+DjYLFHLXhsjGvGUmzhdRjLWsxKRrWhoAFgB4lYwpoZjUjGiwbnA9a0Y19ZyeQfkjVYv+iM2+N8cpQREXgfTsIrPchDRd4D8rXZbdDjpr9qkUTru5Ys0uBP8Att81aJzIqorYoQ7QTNJc4tYAL5iBf+6ryxmKTISCbC9ujTcpQswREQtnrOxPNKi9J8RyJsTzSovSfEcizS3ZpjsjzfH+cOI+cydornro4+P2hxHzmTtFc+y0rYyvchLKUsqQ+kindTYEyZgBc2MWB3b1jI44thBcwlr+lo6SOhcc4hUGk7lJbwYFt2qikrqijDhC4AO3gi61ay2e1HxlwE0nNVzXa/B2MFk4TDXRMOV7CR5L7iqb5cba5wOfk7yGi3rsqLK2ojqXTxuyPdqQBofsViTGaySNzDkAcLEhq51IuKVvoej4XJHK5KKaff2LOz5Lp5yTckA/itEsErMbEjo3BhqBZxGh1VOmqZaSThInWdax0uCt9RidTUPjc/KOCdmaAOlc88XBJ+x6PBlWeU41TVF7aLdT/e/sstnv8mf/AHD8ly6uunrcvDFpyXtYWU0tfPRtc2ItAdvuLrrUWrzHD4XJ+k0ff/2dTA5Bw1VEd+fMFrqHY0yocxhe5tzlLWC1vUuUyaSKbhY3lr73uFd48rctrs8uVFkTjTdEnwuSOVzik77mqjqJG4syWZ13F+VxPqXfqGtp2VFVflcHb1Xt+a+VJJdmO8m6tz4nVVMJikc3Kd9gmPKoppl4ng5ZZxlH8Mu4BTxvEkzmhz2kBt+hXcNqKqodO6oYWBpAYMtuu64FLWTUby6F1r7wRcFWDjNaZA/OBb90N0VhljFI8+I4PLknJqmntfsWaCN8WPSB7S2+Yi/SLqrjX1nJ5B+SwOJVJrO6rtEmXLu0stFRPJVTGWW2Y77Cy4lNcnKu5pxYMizLJLtRqRTZLLxN5uFVJwLoyb6ANPSLEFQaqcuzGTXXoHTvWqyWVHQ2R1DmyNc67gx2YAG2v/gCwe4ve57jcuNyosllAQimyWQHq+xPNKi9J8RyJsVzSovSfEciyy3ZrjsjzjH+cOIecydoqguhj/ODEfOZO0Vz1qWxje4REVIESyIUIiISwiWRBYREQBEW2KnfMCWkaG1roLNSLc6mc1rnZm6C9hfxfNaUoWEREFhERBYREQBERAEREAREQHq2xXNOi9J8RyJsVzTovSfEciyS3Ztj6UedY9zgxDzmTtFVaZkTjmlO57Ra4GnSVax7nBiHnMnaK561LYwy3LXAU1rmUm7SbAjTQH5j7Fk6CjDieEfa5tymnpsB6tVTRKOaLsVLTzTZGOe7eTlI8XzVNws4gbgUBI3GyhWggiIqWwiIgsIiILCXI3EoiCxc+NERBYREQWEREFhERBYREQWEREFhERBZ6rsXzTovSfEcinYvmnRek+I5Fjl6mb4elHnWPc4MQ85k7RXPXQx7nBiHnMnaK561rYwSfUIpsllTmyEREFhFNkQWQilXG0rHgOkeWtDY/oM/iQq6lJF0IaSNgla85nmJ5bcaCxtf8EOGsNT3O2cGW5B00BClnXKznosnNAeQL2BsL71iqcBERBYRZZHfwndfd0KWxSPNmsc42voOhBZgi3tpXvp+Ea1znZy0tA8S02IVoWQiIoLCIiCwiIgsIilBZ6psXzUovSdtyJsXzUovSdtyLHL1M+jD0o87x7nBiHnMnaK566GPc4MQ85k7RVBbFsfNk+rISxV408LQ12W/IcXDN9FwG5ZNjgbMxzGhpbJGfpX3i5XVHNnPRT0ooWyEUogshZ8LJa2d1rDp6tyxRBZs7onyFnCvym9xfQ33o6oneAHSvNhbUrWiFthzi5xJJJJuSVClEJZCKUQWdGnqKZ0MXDOs8tMLvE3fm/FS2pieyRgMQLXNycISAWgWG71/auaitkL/AAxljceHjjk4cvJDrC1t4VWrkbNVSSMFmudcLUiAhFKKFshFKILIRSiCyEUogs9T2M5qUXpO25E2M5qUX3+25Fil6mfSh6UeeY99f4h5zJ2iueuhjv1/iHnMnaK562rY+ZJ9WEWWU9R9SZXdR9S6o5tGKLLK7qPqTK7+E+pKFoxRZZXdR9ShQWQilELZCKUQWQilEFkIpRBZCKUQWQpsbXtoEW6CZsYc17MwcQfUhLNCWV6GopiSHxMaL3BLb9J+Y9SwZPTtkJdCHaW3AdQ3etS32JZUsiuTTQBpaxkbiW2ByblgyojADXQNcB4hfo+R9aWLK9ja6ixG/RXO64cuUQNA0uMosbA6/ju3aLRNJwjgQ21hayCzUilFS2epbGc1KP7/AG3ImxnNSj+/23IsMvUz6uP0I88x36/xDzmTtFUF0Md+v8Q85k7RXPW6OyPkyfVn0NFC2oc2Nzi0ZC7TebC9h4zuVxmGCQgmpjiDr6SEAjdv9Z9S+fGIuDQODBsLb04yd/KHrXra7mVQfY+hfhbWskcKyIljS4D+K3QNelYtw1r83+LjBaTYH97lEaa+K/kK4HGTv5Y9anjJ38sD7UvyXlfY6s8IhyWlD8zQdBu8S+ek/wA1/wDuKucZO/lD1qk45nF3WbqSdnUE03ZCIi5PawiIgslZmCUAkxPAGp5O5YsOV7XdRurIqmWkzNcXPLtb7gUFmmOnkkkjaWloe4AOI0WIjdlJsb6WFt6sMrGtka7IbNex2/8AhFlBq2mQPyEG7SRfTTqQWaOAlDg3g3XOoFt6hzHMdlc0tPUQrcEzHjI+wAa64JHKuQVXqSHVDyH5x1oLNSIiCwiIgsIiILCIiCwiIgs9T2N5q0f3+25E2N5q0f3+25Fgn6mfXx+hfg88x36/xDzmTtFUFfx36/xDzmTtFUFvjsfGk/3MIiKnNhERBYREQWEREFhERBYREQWEREFhERBYREQWEREFhERBYREQWEREFnqWxvNWj+/23ImxvNWj+/23Ivnz9TPtYvRH8HnmO/X+IecydoqgvYZMIwyWR0kmHUj3uN3OdA0knrJsseJMJ8F0fu7PktiydNj5csPV9TyBF6/xJhPguj93Z8k4kwnwXR+7s+Sup4Jo+TyBF6/xJhPguj93Z8k4kwnwXR+7s+SangaPk8gRev8AEmE+C6P3dnyTiTCfBdH7uz5JqeBo+TyBF6/xJhPguj93Z8k4kwnwXR+7s+SangaPk8gRev8AEmE+C6P3dnyTiTCfBdH7uz5JqeBo+TyBF6/xJhPguj93Z8k4kwnwXR+7s+SangaPk8gRev8AEmE+C6P3dnyTiTCfBdH7uz5JqeBo+TyBF6/xJhPguj93Z8k4kwnwXR+7s+SangaPk8gRev8AEmE+C6P3dnyTiTCfBdH7uz5JqeBo+TyBF6/xJhPguj93Z8k4kwnwXR+7s+SangaPk8gRev8AEmE+C6P3dnyTiTCfBdH7uz5JqeBo+TyBF6/xJhPguj93Z8k4kwnwXR+7s+SangaPk8gRev8AEmE+C6P3dnyTiTCfBdH7uz5JqeBo+SlsbzVo/v8Abci7EMENNE2KCJkUbdzGNDQOncEWGTuTPrY1UEvB/9k="/>
+          <p:cNvSpPr>
+            <a:spLocks noChangeAspect="1" noChangeArrowheads="1"/>
+          </p:cNvSpPr>
+          <p:nvPr/>
+        </p:nvSpPr>
+        <p:spPr bwMode="auto">
+          <a:xfrm>
+            <a:off x="765175" y="465137"/>
+            <a:ext cx="304800" cy="304801"/>
+          </a:xfrm>
+          <a:prstGeom prst="rect">
+            <a:avLst/>
+          </a:prstGeom>
+          <a:noFill/>
+          <a:extLst>
+            <a:ext uri="{909E8E84-426E-40DD-AFC4-6F175D3DCCD1}">
+              <a14:hiddenFill xmlns:a14="http://schemas.microsoft.com/office/drawing/2010/main">
+                <a:solidFill>
+                  <a:srgbClr val="FFFFFF"/>
+                </a:solidFill>
+              </a14:hiddenFill>
+            </a:ext>
+          </a:extLst>
+        </p:spPr>
+        <p:txBody>
+          <a:bodyPr vert="horz" wrap="square" lIns="91440" tIns="45720" rIns="91440" bIns="45720" numCol="1" anchor="t" anchorCtr="0" compatLnSpc="1">
+            <a:prstTxWarp prst="textNoShape">
+              <a:avLst/>
+            </a:prstTxWarp>
+          </a:bodyPr>
+          <a:lstStyle/>
+          <a:p>
+            <a:endParaRPr lang="en-US"/>
+          </a:p>
+        </p:txBody>
+      </p:sp>
+      <p:pic>
+        <p:nvPicPr>
+          <p:cNvPr id="2052" name="Picture 4" descr="http://ecx.images-amazon.com/images/I/51d2MRB64OL.jpg"/>
+          <p:cNvPicPr>
+            <a:picLocks noChangeAspect="1" noChangeArrowheads="1"/>
+          </p:cNvPicPr>
+          <p:nvPr/>
+        </p:nvPicPr>
+        <p:blipFill>
+          <a:blip r:embed="rId2" cstate="print">
+            <a:extLst>
+              <a:ext uri="{28A0092B-C50C-407E-A947-70E740481C1C}">
+                <a14:useLocalDpi xmlns:a14="http://schemas.microsoft.com/office/drawing/2010/main" val="0"/>
+              </a:ext>
+            </a:extLst>
+          </a:blip>
+          <a:srcRect/>
+          <a:stretch>
+            <a:fillRect/>
+          </a:stretch>
+        </p:blipFill>
+        <p:spPr bwMode="auto">
+          <a:xfrm>
+            <a:off x="455609" y="1714500"/>
+            <a:ext cx="1425577" cy="1974482"/>
+          </a:xfrm>
+          <a:prstGeom prst="rect">
+            <a:avLst/>
+          </a:prstGeom>
+          <a:noFill/>
+          <a:extLst>
+            <a:ext uri="{909E8E84-426E-40DD-AFC4-6F175D3DCCD1}">
+              <a14:hiddenFill xmlns:a14="http://schemas.microsoft.com/office/drawing/2010/main">
+                <a:solidFill>
+                  <a:srgbClr val="FFFFFF"/>
+                </a:solidFill>
+              </a14:hiddenFill>
+            </a:ext>
+          </a:extLst>
+        </p:spPr>
+      </p:pic>
+      <p:pic>
+        <p:nvPicPr>
+          <p:cNvPr id="2054" name="Picture 6" descr="http://ecx.images-amazon.com/images/I/71PZBSFpf9L._SL1373_.jpg"/>
+          <p:cNvPicPr>
+            <a:picLocks noChangeAspect="1" noChangeArrowheads="1"/>
+          </p:cNvPicPr>
+          <p:nvPr/>
+        </p:nvPicPr>
+        <p:blipFill>
+          <a:blip r:embed="rId3" cstate="print">
+            <a:extLst>
+              <a:ext uri="{28A0092B-C50C-407E-A947-70E740481C1C}">
+                <a14:useLocalDpi xmlns:a14="http://schemas.microsoft.com/office/drawing/2010/main" val="0"/>
+              </a:ext>
+            </a:extLst>
+          </a:blip>
+          <a:srcRect/>
+          <a:stretch>
+            <a:fillRect/>
+          </a:stretch>
+        </p:blipFill>
+        <p:spPr bwMode="auto">
+          <a:xfrm>
+            <a:off x="307975" y="3962400"/>
+            <a:ext cx="1687167" cy="1930400"/>
+          </a:xfrm>
+          <a:prstGeom prst="rect">
+            <a:avLst/>
+          </a:prstGeom>
+          <a:noFill/>
+          <a:extLst>
+            <a:ext uri="{909E8E84-426E-40DD-AFC4-6F175D3DCCD1}">
+              <a14:hiddenFill xmlns:a14="http://schemas.microsoft.com/office/drawing/2010/main">
+                <a:solidFill>
+                  <a:srgbClr val="FFFFFF"/>
+                </a:solidFill>
+              </a14:hiddenFill>
+            </a:ext>
+          </a:extLst>
+        </p:spPr>
+      </p:pic>
+      <p:sp>
+        <p:nvSpPr>
+          <p:cNvPr id="2" name="Date Placeholder 1"/>
+          <p:cNvSpPr>
+            <a:spLocks noGrp="1"/>
+          </p:cNvSpPr>
+          <p:nvPr>
+            <p:ph type="dt" sz="half" idx="10"/>
+          </p:nvPr>
+        </p:nvSpPr>
+        <p:spPr/>
+        <p:txBody>
+          <a:bodyPr/>
+          <a:lstStyle/>
+          <a:p>
+            <a:r>
+              <a:rPr lang="en-US" smtClean="0"/>
+              <a:t>CS@UVa</a:t>
+            </a:r>
+            <a:endParaRPr lang="en-US"/>
+          </a:p>
+        </p:txBody>
+      </p:sp>
+      <p:sp>
+        <p:nvSpPr>
+          <p:cNvPr id="3" name="Footer Placeholder 2"/>
+          <p:cNvSpPr>
+            <a:spLocks noGrp="1"/>
+          </p:cNvSpPr>
+          <p:nvPr>
+            <p:ph type="ftr" sz="quarter" idx="11"/>
+          </p:nvPr>
+        </p:nvSpPr>
+        <p:spPr/>
+        <p:txBody>
+          <a:bodyPr/>
+          <a:lstStyle/>
+          <a:p>
+            <a:r>
+              <a:rPr lang="en-US" smtClean="0"/>
+              <a:t>CS4501: Information Retrieval</a:t>
+            </a:r>
+            <a:endParaRPr lang="en-US"/>
+          </a:p>
+        </p:txBody>
+      </p:sp>
+      <p:sp>
+        <p:nvSpPr>
+          <p:cNvPr id="4" name="Slide Number Placeholder 3"/>
+          <p:cNvSpPr>
+            <a:spLocks noGrp="1"/>
+          </p:cNvSpPr>
+          <p:nvPr>
+            <p:ph type="sldNum" sz="quarter" idx="12"/>
+          </p:nvPr>
+        </p:nvSpPr>
+        <p:spPr/>
+        <p:txBody>
+          <a:bodyPr/>
+          <a:lstStyle/>
+          <a:p>
+            <a:fld id="{04D6BED6-93C9-4D43-B1C0-E2DD71716F4C}" type="slidenum">
+              <a:rPr lang="en-US" smtClean="0"/>
+              <a:t>30</a:t>
+            </a:fld>
+            <a:endParaRPr lang="en-US"/>
+          </a:p>
+        </p:txBody>
+      </p:sp>
+    </p:spTree>
+    <p:extLst>
+      <p:ext uri="{BB962C8B-B14F-4D97-AF65-F5344CB8AC3E}">
+        <p14:creationId xmlns:p14="http://schemas.microsoft.com/office/powerpoint/2010/main" val="480865046"/>
+      </p:ext>
+    </p:extLst>
+  </p:cSld>
+  <p:clrMapOvr>
+    <a:masterClrMapping/>
+  </p:clrMapOvr>
+  <p:timing>
+    <p:tnLst>
+      <p:par>
+        <p:cTn id="1" dur="indefinite" restart="never" nodeType="tmRoot"/>
+      </p:par>
+    </p:tnLst>
+  </p:timing>
+</p:sld>
+</file>
+
+<file path=ppt/slides/slide31.xml><?xml version="1.0" encoding="utf-8"?>
+<p:sld xmlns:a="http://schemas.openxmlformats.org/drawingml/2006/main" xmlns:r="http://schemas.openxmlformats.org/officeDocument/2006/relationships" xmlns:p="http://schemas.openxmlformats.org/presentationml/2006/main">
+  <p:cSld>
+    <p:spTree>
+      <p:nvGrpSpPr>
+        <p:cNvPr id="1" name=""/>
+        <p:cNvGrpSpPr/>
+        <p:nvPr/>
+      </p:nvGrpSpPr>
+      <p:grpSpPr>
+        <a:xfrm>
+          <a:off x="0" y="0"/>
+          <a:ext cx="0" cy="0"/>
+          <a:chOff x="0" y="0"/>
+          <a:chExt cx="0" cy="0"/>
+        </a:xfrm>
+      </p:grpSpPr>
+      <p:sp>
+        <p:nvSpPr>
           <p:cNvPr id="189442" name="Oval 2"/>
           <p:cNvSpPr>
             <a:spLocks noChangeArrowheads="1"/>
@@ -20649,7 +21745,7 @@
           <a:p>
             <a:r>
               <a:rPr lang="en-US" smtClean="0"/>
-              <a:t>CS6501: Information Retrieval</a:t>
+              <a:t>CS4501: Information Retrieval</a:t>
             </a:r>
             <a:endParaRPr lang="en-US"/>
           </a:p>
@@ -20672,7 +21768,7 @@
           <a:p>
             <a:fld id="{04D6BED6-93C9-4D43-B1C0-E2DD71716F4C}" type="slidenum">
               <a:rPr lang="en-US" smtClean="0"/>
-              <a:t>30</a:t>
+              <a:t>31</a:t>
             </a:fld>
             <a:endParaRPr lang="en-US"/>
           </a:p>
@@ -20698,7 +21794,7 @@
 </p:sld>
 </file>
 
-<file path=ppt/slides/slide31.xml><?xml version="1.0" encoding="utf-8"?>
+<file path=ppt/slides/slide32.xml><?xml version="1.0" encoding="utf-8"?>
 <p:sld xmlns:a="http://schemas.openxmlformats.org/drawingml/2006/main" xmlns:r="http://schemas.openxmlformats.org/officeDocument/2006/relationships" xmlns:p="http://schemas.openxmlformats.org/presentationml/2006/main">
   <p:cSld>
     <p:spTree>
@@ -20768,16 +21864,12 @@
           <a:p>
             <a:pPr lvl="1"/>
             <a:r>
-              <a:rPr lang="en-US" altLang="zh-CN" smtClean="0"/>
+              <a:rPr lang="en-US" altLang="zh-CN" dirty="0" smtClean="0"/>
               <a:t>Desktop </a:t>
             </a:r>
             <a:r>
-              <a:rPr lang="en-US" smtClean="0"/>
-              <a:t>search </a:t>
-            </a:r>
-            <a:r>
               <a:rPr lang="en-US" dirty="0" smtClean="0"/>
-              <a:t>+ location? Not exactly!!</a:t>
+              <a:t>search + location? Not exactly!!</a:t>
             </a:r>
           </a:p>
           <a:p>
@@ -20874,7 +21966,7 @@
           <a:p>
             <a:r>
               <a:rPr lang="en-US" smtClean="0"/>
-              <a:t>CS6501: Information Retrieval</a:t>
+              <a:t>CS4501: Information Retrieval</a:t>
             </a:r>
             <a:endParaRPr lang="en-US"/>
           </a:p>
@@ -20897,7 +21989,7 @@
           <a:p>
             <a:fld id="{04D6BED6-93C9-4D43-B1C0-E2DD71716F4C}" type="slidenum">
               <a:rPr lang="en-US" smtClean="0"/>
-              <a:t>31</a:t>
+              <a:t>32</a:t>
             </a:fld>
             <a:endParaRPr lang="en-US"/>
           </a:p>
@@ -21217,7 +22309,7 @@
 </p:sld>
 </file>
 
-<file path=ppt/slides/slide32.xml><?xml version="1.0" encoding="utf-8"?>
+<file path=ppt/slides/slide33.xml><?xml version="1.0" encoding="utf-8"?>
 <p:sld xmlns:a="http://schemas.openxmlformats.org/drawingml/2006/main" xmlns:r="http://schemas.openxmlformats.org/officeDocument/2006/relationships" xmlns:p="http://schemas.openxmlformats.org/presentationml/2006/main">
   <p:cSld>
     <p:spTree>
@@ -21251,7 +22343,7 @@
           <a:p>
             <a:r>
               <a:rPr lang="en-US" dirty="0" smtClean="0"/>
-              <a:t>You should know</a:t>
+              <a:t>What you should know</a:t>
             </a:r>
             <a:endParaRPr lang="en-US" dirty="0"/>
           </a:p>
@@ -21342,7 +22434,7 @@
           <a:p>
             <a:r>
               <a:rPr lang="en-US" smtClean="0"/>
-              <a:t>CS6501: Information Retrieval</a:t>
+              <a:t>CS4501: Information Retrieval</a:t>
             </a:r>
             <a:endParaRPr lang="en-US"/>
           </a:p>
@@ -21365,7 +22457,7 @@
           <a:p>
             <a:fld id="{04D6BED6-93C9-4D43-B1C0-E2DD71716F4C}" type="slidenum">
               <a:rPr lang="en-US" smtClean="0"/>
-              <a:t>32</a:t>
+              <a:t>33</a:t>
             </a:fld>
             <a:endParaRPr lang="en-US"/>
           </a:p>
@@ -21375,6 +22467,199 @@
     <p:extLst>
       <p:ext uri="{BB962C8B-B14F-4D97-AF65-F5344CB8AC3E}">
         <p14:creationId xmlns:p14="http://schemas.microsoft.com/office/powerpoint/2010/main" val="1013493425"/>
+      </p:ext>
+    </p:extLst>
+  </p:cSld>
+  <p:clrMapOvr>
+    <a:masterClrMapping/>
+  </p:clrMapOvr>
+  <p:timing>
+    <p:tnLst>
+      <p:par>
+        <p:cTn id="1" dur="indefinite" restart="never" nodeType="tmRoot"/>
+      </p:par>
+    </p:tnLst>
+  </p:timing>
+</p:sld>
+</file>
+
+<file path=ppt/slides/slide34.xml><?xml version="1.0" encoding="utf-8"?>
+<p:sld xmlns:a="http://schemas.openxmlformats.org/drawingml/2006/main" xmlns:r="http://schemas.openxmlformats.org/officeDocument/2006/relationships" xmlns:p="http://schemas.openxmlformats.org/presentationml/2006/main">
+  <p:cSld>
+    <p:spTree>
+      <p:nvGrpSpPr>
+        <p:cNvPr id="1" name=""/>
+        <p:cNvGrpSpPr/>
+        <p:nvPr/>
+      </p:nvGrpSpPr>
+      <p:grpSpPr>
+        <a:xfrm>
+          <a:off x="0" y="0"/>
+          <a:ext cx="0" cy="0"/>
+          <a:chOff x="0" y="0"/>
+          <a:chExt cx="0" cy="0"/>
+        </a:xfrm>
+      </p:grpSpPr>
+      <p:sp>
+        <p:nvSpPr>
+          <p:cNvPr id="2" name="Title 1"/>
+          <p:cNvSpPr>
+            <a:spLocks noGrp="1"/>
+          </p:cNvSpPr>
+          <p:nvPr>
+            <p:ph type="title"/>
+          </p:nvPr>
+        </p:nvSpPr>
+        <p:spPr/>
+        <p:txBody>
+          <a:bodyPr/>
+          <a:lstStyle/>
+          <a:p>
+            <a:r>
+              <a:rPr lang="en-US" dirty="0" smtClean="0"/>
+              <a:t>Today’s reading</a:t>
+            </a:r>
+            <a:endParaRPr lang="en-US" dirty="0"/>
+          </a:p>
+        </p:txBody>
+      </p:sp>
+      <p:sp>
+        <p:nvSpPr>
+          <p:cNvPr id="3" name="Content Placeholder 2"/>
+          <p:cNvSpPr>
+            <a:spLocks noGrp="1"/>
+          </p:cNvSpPr>
+          <p:nvPr>
+            <p:ph idx="1"/>
+          </p:nvPr>
+        </p:nvSpPr>
+        <p:spPr/>
+        <p:txBody>
+          <a:bodyPr/>
+          <a:lstStyle/>
+          <a:p>
+            <a:r>
+              <a:rPr lang="en-US" i="1" dirty="0"/>
+              <a:t>Bush, </a:t>
+            </a:r>
+            <a:r>
+              <a:rPr lang="en-US" i="1" dirty="0" err="1"/>
+              <a:t>Vannevar</a:t>
+            </a:r>
+            <a:r>
+              <a:rPr lang="en-US" i="1" dirty="0"/>
+              <a:t>. "As we may think." The </a:t>
+            </a:r>
+            <a:r>
+              <a:rPr lang="en-US" i="1" dirty="0" err="1"/>
+              <a:t>atlantic</a:t>
+            </a:r>
+            <a:r>
+              <a:rPr lang="en-US" i="1" dirty="0"/>
+              <a:t> monthly 176, no.1 (1945): 101-108.</a:t>
+            </a:r>
+            <a:endParaRPr lang="en-US" dirty="0" smtClean="0"/>
+          </a:p>
+          <a:p>
+            <a:r>
+              <a:rPr lang="en-US" dirty="0" smtClean="0"/>
+              <a:t>Introduction </a:t>
+            </a:r>
+            <a:r>
+              <a:rPr lang="en-US" dirty="0"/>
+              <a:t>to Information </a:t>
+            </a:r>
+            <a:r>
+              <a:rPr lang="en-US" dirty="0" smtClean="0"/>
+              <a:t>Retrieval</a:t>
+            </a:r>
+          </a:p>
+          <a:p>
+            <a:pPr lvl="1"/>
+            <a:r>
+              <a:rPr lang="en-US" dirty="0" smtClean="0"/>
+              <a:t>Chapter 1: Boolean Retrieval</a:t>
+            </a:r>
+          </a:p>
+          <a:p>
+            <a:pPr lvl="2"/>
+            <a:endParaRPr lang="en-US" dirty="0"/>
+          </a:p>
+        </p:txBody>
+      </p:sp>
+      <p:sp>
+        <p:nvSpPr>
+          <p:cNvPr id="4" name="Date Placeholder 3"/>
+          <p:cNvSpPr>
+            <a:spLocks noGrp="1"/>
+          </p:cNvSpPr>
+          <p:nvPr>
+            <p:ph type="dt" sz="half" idx="10"/>
+          </p:nvPr>
+        </p:nvSpPr>
+        <p:spPr/>
+        <p:txBody>
+          <a:bodyPr/>
+          <a:lstStyle/>
+          <a:p>
+            <a:r>
+              <a:rPr lang="en-US" smtClean="0"/>
+              <a:t>CS@UVa</a:t>
+            </a:r>
+            <a:endParaRPr lang="en-US"/>
+          </a:p>
+        </p:txBody>
+      </p:sp>
+      <p:sp>
+        <p:nvSpPr>
+          <p:cNvPr id="5" name="Footer Placeholder 4"/>
+          <p:cNvSpPr>
+            <a:spLocks noGrp="1"/>
+          </p:cNvSpPr>
+          <p:nvPr>
+            <p:ph type="ftr" sz="quarter" idx="11"/>
+          </p:nvPr>
+        </p:nvSpPr>
+        <p:spPr/>
+        <p:txBody>
+          <a:bodyPr/>
+          <a:lstStyle/>
+          <a:p>
+            <a:r>
+              <a:rPr lang="en-US" smtClean="0"/>
+              <a:t>CS4501: Information Retrieval</a:t>
+            </a:r>
+            <a:endParaRPr lang="en-US"/>
+          </a:p>
+        </p:txBody>
+      </p:sp>
+      <p:sp>
+        <p:nvSpPr>
+          <p:cNvPr id="6" name="Slide Number Placeholder 5"/>
+          <p:cNvSpPr>
+            <a:spLocks noGrp="1"/>
+          </p:cNvSpPr>
+          <p:nvPr>
+            <p:ph type="sldNum" sz="quarter" idx="12"/>
+          </p:nvPr>
+        </p:nvSpPr>
+        <p:spPr/>
+        <p:txBody>
+          <a:bodyPr/>
+          <a:lstStyle/>
+          <a:p>
+            <a:fld id="{04D6BED6-93C9-4D43-B1C0-E2DD71716F4C}" type="slidenum">
+              <a:rPr lang="en-US" smtClean="0"/>
+              <a:t>34</a:t>
+            </a:fld>
+            <a:endParaRPr lang="en-US"/>
+          </a:p>
+        </p:txBody>
+      </p:sp>
+    </p:spTree>
+    <p:extLst>
+      <p:ext uri="{BB962C8B-B14F-4D97-AF65-F5344CB8AC3E}">
+        <p14:creationId xmlns:p14="http://schemas.microsoft.com/office/powerpoint/2010/main" val="3666235601"/>
       </p:ext>
     </p:extLst>
   </p:cSld>
@@ -21668,7 +22953,7 @@
           <a:p>
             <a:r>
               <a:rPr lang="en-US" smtClean="0"/>
-              <a:t>CS6501: Information Retrieval</a:t>
+              <a:t>CS4501: Information Retrieval</a:t>
             </a:r>
             <a:endParaRPr lang="en-US"/>
           </a:p>
@@ -21869,7 +23154,15 @@
           <a:p>
             <a:r>
               <a:rPr lang="en-US" dirty="0" smtClean="0"/>
-              <a:t>Handling unstructured data</a:t>
+              <a:t>Handling </a:t>
+            </a:r>
+            <a:r>
+              <a:rPr lang="en-US" u="sng" dirty="0" smtClean="0"/>
+              <a:t>unstructured</a:t>
+            </a:r>
+            <a:r>
+              <a:rPr lang="en-US" dirty="0" smtClean="0"/>
+              <a:t> data</a:t>
             </a:r>
           </a:p>
           <a:p>
@@ -22059,7 +23352,7 @@
           <a:p>
             <a:r>
               <a:rPr lang="en-US" smtClean="0"/>
-              <a:t>CS6501: Information Retrieval</a:t>
+              <a:t>CS4501: Information Retrieval</a:t>
             </a:r>
             <a:endParaRPr lang="en-US"/>
           </a:p>
@@ -23147,7 +24440,7 @@
           <a:p>
             <a:r>
               <a:rPr lang="en-US" smtClean="0"/>
-              <a:t>CS6501: Information Retrieval</a:t>
+              <a:t>CS4501: Information Retrieval</a:t>
             </a:r>
             <a:endParaRPr lang="en-US"/>
           </a:p>
@@ -23472,7 +24765,7 @@
           <a:p>
             <a:r>
               <a:rPr lang="en-US" smtClean="0"/>
-              <a:t>CS6501: Information Retrieval</a:t>
+              <a:t>CS4501: Information Retrieval</a:t>
             </a:r>
             <a:endParaRPr lang="en-US"/>
           </a:p>
@@ -23829,6 +25122,310 @@
           <a:lstStyle/>
           <a:p>
             <a:r>
+              <a:rPr lang="en-US" dirty="0"/>
+              <a:t>Major </a:t>
+            </a:r>
+            <a:r>
+              <a:rPr lang="en-US" dirty="0" smtClean="0"/>
+              <a:t>research milestones</a:t>
+            </a:r>
+            <a:endParaRPr lang="en-US" dirty="0"/>
+          </a:p>
+        </p:txBody>
+      </p:sp>
+      <p:sp>
+        <p:nvSpPr>
+          <p:cNvPr id="3" name="Content Placeholder 2"/>
+          <p:cNvSpPr>
+            <a:spLocks noGrp="1"/>
+          </p:cNvSpPr>
+          <p:nvPr>
+            <p:ph idx="1"/>
+          </p:nvPr>
+        </p:nvSpPr>
+        <p:spPr>
+          <a:xfrm>
+            <a:off x="457200" y="1219200"/>
+            <a:ext cx="8229600" cy="5029200"/>
+          </a:xfrm>
+        </p:spPr>
+        <p:txBody>
+          <a:bodyPr>
+            <a:noAutofit/>
+          </a:bodyPr>
+          <a:lstStyle/>
+          <a:p>
+            <a:r>
+              <a:rPr lang="en-US" sz="2000" dirty="0"/>
+              <a:t>Early days (late 1950s to 1960s): foundation </a:t>
+            </a:r>
+            <a:r>
+              <a:rPr lang="en-US" sz="2000" dirty="0" smtClean="0"/>
+              <a:t>of </a:t>
+            </a:r>
+            <a:r>
+              <a:rPr lang="en-US" sz="2000" dirty="0"/>
+              <a:t>the field</a:t>
+            </a:r>
+          </a:p>
+          <a:p>
+            <a:pPr lvl="1"/>
+            <a:r>
+              <a:rPr lang="en-US" sz="1800" dirty="0" err="1"/>
+              <a:t>Luhn’s</a:t>
+            </a:r>
+            <a:r>
+              <a:rPr lang="en-US" sz="1800" dirty="0"/>
+              <a:t> work on automatic </a:t>
+            </a:r>
+            <a:r>
+              <a:rPr lang="en-US" sz="1800" dirty="0" smtClean="0"/>
+              <a:t>indexing</a:t>
+            </a:r>
+            <a:endParaRPr lang="en-US" sz="1800" dirty="0"/>
+          </a:p>
+          <a:p>
+            <a:pPr lvl="1"/>
+            <a:r>
+              <a:rPr lang="en-US" sz="1800" dirty="0" err="1"/>
+              <a:t>Cleverdon’s</a:t>
+            </a:r>
+            <a:r>
+              <a:rPr lang="en-US" sz="1800" dirty="0"/>
+              <a:t> </a:t>
+            </a:r>
+            <a:r>
+              <a:rPr lang="en-US" sz="1800" dirty="0" err="1"/>
+              <a:t>Cranfield</a:t>
+            </a:r>
+            <a:r>
+              <a:rPr lang="en-US" sz="1800" dirty="0"/>
+              <a:t> evaluation methodology and index experiments </a:t>
+            </a:r>
+          </a:p>
+          <a:p>
+            <a:pPr lvl="1"/>
+            <a:r>
+              <a:rPr lang="en-US" sz="1800" dirty="0"/>
+              <a:t>Salton’s early work on SMART system and experiments</a:t>
+            </a:r>
+          </a:p>
+          <a:p>
+            <a:r>
+              <a:rPr lang="en-US" sz="2000" dirty="0"/>
+              <a:t>1970s-1980s: a large number of retrieval models</a:t>
+            </a:r>
+          </a:p>
+          <a:p>
+            <a:pPr lvl="1"/>
+            <a:r>
+              <a:rPr lang="en-US" sz="1800" dirty="0"/>
+              <a:t>Vector space model</a:t>
+            </a:r>
+          </a:p>
+          <a:p>
+            <a:pPr lvl="1"/>
+            <a:r>
+              <a:rPr lang="en-US" sz="1800" dirty="0"/>
+              <a:t>Probabilistic models</a:t>
+            </a:r>
+          </a:p>
+          <a:p>
+            <a:r>
+              <a:rPr lang="en-US" sz="2000" dirty="0"/>
+              <a:t>1990s: further development of retrieval models and new tasks</a:t>
+            </a:r>
+          </a:p>
+          <a:p>
+            <a:pPr lvl="1"/>
+            <a:r>
+              <a:rPr lang="en-US" sz="1800" dirty="0"/>
+              <a:t>Language models </a:t>
+            </a:r>
+          </a:p>
+          <a:p>
+            <a:pPr lvl="1"/>
+            <a:r>
+              <a:rPr lang="en-US" sz="1800" dirty="0"/>
+              <a:t>TREC </a:t>
+            </a:r>
+            <a:r>
+              <a:rPr lang="en-US" sz="1800" dirty="0" smtClean="0"/>
+              <a:t>evaluation</a:t>
+            </a:r>
+          </a:p>
+          <a:p>
+            <a:pPr lvl="1"/>
+            <a:r>
+              <a:rPr lang="en-US" sz="1800" dirty="0" smtClean="0"/>
+              <a:t>Web search  </a:t>
+            </a:r>
+            <a:endParaRPr lang="en-US" sz="1800" dirty="0"/>
+          </a:p>
+          <a:p>
+            <a:r>
+              <a:rPr lang="en-US" sz="2000" dirty="0"/>
+              <a:t>2000s-present: more applications, especially Web search and interactions with other fields</a:t>
+            </a:r>
+          </a:p>
+          <a:p>
+            <a:pPr lvl="1"/>
+            <a:r>
+              <a:rPr lang="en-US" sz="1800" dirty="0" smtClean="0"/>
+              <a:t>Learning </a:t>
+            </a:r>
+            <a:r>
+              <a:rPr lang="en-US" sz="1800" dirty="0"/>
+              <a:t>to rank</a:t>
+            </a:r>
+          </a:p>
+          <a:p>
+            <a:pPr lvl="1"/>
+            <a:r>
+              <a:rPr lang="en-US" sz="1800" dirty="0"/>
+              <a:t>Scalability (e.g., </a:t>
+            </a:r>
+            <a:r>
+              <a:rPr lang="en-US" sz="1800" dirty="0" err="1"/>
+              <a:t>MapReduce</a:t>
+            </a:r>
+            <a:r>
+              <a:rPr lang="en-US" sz="1800" dirty="0" smtClean="0"/>
+              <a:t>)</a:t>
+            </a:r>
+          </a:p>
+          <a:p>
+            <a:pPr lvl="1"/>
+            <a:r>
+              <a:rPr lang="en-US" sz="1800" dirty="0" smtClean="0"/>
+              <a:t>Real-time search</a:t>
+            </a:r>
+            <a:endParaRPr lang="en-US" sz="1800" dirty="0"/>
+          </a:p>
+        </p:txBody>
+      </p:sp>
+      <p:sp>
+        <p:nvSpPr>
+          <p:cNvPr id="4" name="Date Placeholder 3"/>
+          <p:cNvSpPr>
+            <a:spLocks noGrp="1"/>
+          </p:cNvSpPr>
+          <p:nvPr>
+            <p:ph type="dt" sz="half" idx="10"/>
+          </p:nvPr>
+        </p:nvSpPr>
+        <p:spPr/>
+        <p:txBody>
+          <a:bodyPr/>
+          <a:lstStyle/>
+          <a:p>
+            <a:r>
+              <a:rPr lang="en-US" smtClean="0"/>
+              <a:t>CS@UVa</a:t>
+            </a:r>
+            <a:endParaRPr lang="en-US"/>
+          </a:p>
+        </p:txBody>
+      </p:sp>
+      <p:sp>
+        <p:nvSpPr>
+          <p:cNvPr id="5" name="Footer Placeholder 4"/>
+          <p:cNvSpPr>
+            <a:spLocks noGrp="1"/>
+          </p:cNvSpPr>
+          <p:nvPr>
+            <p:ph type="ftr" sz="quarter" idx="11"/>
+          </p:nvPr>
+        </p:nvSpPr>
+        <p:spPr/>
+        <p:txBody>
+          <a:bodyPr/>
+          <a:lstStyle/>
+          <a:p>
+            <a:r>
+              <a:rPr lang="en-US" smtClean="0"/>
+              <a:t>CS4501: Information Retrieval</a:t>
+            </a:r>
+            <a:endParaRPr lang="en-US"/>
+          </a:p>
+        </p:txBody>
+      </p:sp>
+      <p:sp>
+        <p:nvSpPr>
+          <p:cNvPr id="6" name="Slide Number Placeholder 5"/>
+          <p:cNvSpPr>
+            <a:spLocks noGrp="1"/>
+          </p:cNvSpPr>
+          <p:nvPr>
+            <p:ph type="sldNum" sz="quarter" idx="12"/>
+          </p:nvPr>
+        </p:nvSpPr>
+        <p:spPr/>
+        <p:txBody>
+          <a:bodyPr/>
+          <a:lstStyle/>
+          <a:p>
+            <a:fld id="{04D6BED6-93C9-4D43-B1C0-E2DD71716F4C}" type="slidenum">
+              <a:rPr lang="en-US" smtClean="0"/>
+              <a:t>8</a:t>
+            </a:fld>
+            <a:endParaRPr lang="en-US"/>
+          </a:p>
+        </p:txBody>
+      </p:sp>
+    </p:spTree>
+    <p:extLst>
+      <p:ext uri="{BB962C8B-B14F-4D97-AF65-F5344CB8AC3E}">
+        <p14:creationId xmlns:p14="http://schemas.microsoft.com/office/powerpoint/2010/main" val="2005890583"/>
+      </p:ext>
+    </p:extLst>
+  </p:cSld>
+  <p:clrMapOvr>
+    <a:masterClrMapping/>
+  </p:clrMapOvr>
+  <p:timing>
+    <p:tnLst>
+      <p:par>
+        <p:cTn id="1" dur="indefinite" restart="never" nodeType="tmRoot"/>
+      </p:par>
+    </p:tnLst>
+  </p:timing>
+</p:sld>
+</file>
+
+<file path=ppt/slides/slide9.xml><?xml version="1.0" encoding="utf-8"?>
+<p:sld xmlns:a="http://schemas.openxmlformats.org/drawingml/2006/main" xmlns:r="http://schemas.openxmlformats.org/officeDocument/2006/relationships" xmlns:p="http://schemas.openxmlformats.org/presentationml/2006/main">
+  <p:cSld>
+    <p:spTree>
+      <p:nvGrpSpPr>
+        <p:cNvPr id="1" name=""/>
+        <p:cNvGrpSpPr/>
+        <p:nvPr/>
+      </p:nvGrpSpPr>
+      <p:grpSpPr>
+        <a:xfrm>
+          <a:off x="0" y="0"/>
+          <a:ext cx="0" cy="0"/>
+          <a:chOff x="0" y="0"/>
+          <a:chExt cx="0" cy="0"/>
+        </a:xfrm>
+      </p:grpSpPr>
+      <p:sp>
+        <p:nvSpPr>
+          <p:cNvPr id="2" name="Title 1"/>
+          <p:cNvSpPr>
+            <a:spLocks noGrp="1"/>
+          </p:cNvSpPr>
+          <p:nvPr>
+            <p:ph type="title"/>
+          </p:nvPr>
+        </p:nvSpPr>
+        <p:spPr/>
+        <p:txBody>
+          <a:bodyPr/>
+          <a:lstStyle/>
+          <a:p>
+            <a:r>
               <a:rPr lang="en-US" dirty="0" smtClean="0"/>
               <a:t>History of information retrieval</a:t>
             </a:r>
@@ -23978,7 +25575,7 @@
           <a:p>
             <a:r>
               <a:rPr lang="en-US" smtClean="0"/>
-              <a:t>CS6501: Information Retrieval</a:t>
+              <a:t>CS4501: Information Retrieval</a:t>
             </a:r>
             <a:endParaRPr lang="en-US"/>
           </a:p>
@@ -24001,7 +25598,7 @@
           <a:p>
             <a:fld id="{04D6BED6-93C9-4D43-B1C0-E2DD71716F4C}" type="slidenum">
               <a:rPr lang="en-US" smtClean="0"/>
-              <a:t>8</a:t>
+              <a:t>9</a:t>
             </a:fld>
             <a:endParaRPr lang="en-US"/>
           </a:p>
@@ -24142,310 +25739,6 @@
             </p:seq>
           </p:childTnLst>
         </p:cTn>
-      </p:par>
-    </p:tnLst>
-  </p:timing>
-</p:sld>
-</file>
-
-<file path=ppt/slides/slide9.xml><?xml version="1.0" encoding="utf-8"?>
-<p:sld xmlns:a="http://schemas.openxmlformats.org/drawingml/2006/main" xmlns:r="http://schemas.openxmlformats.org/officeDocument/2006/relationships" xmlns:p="http://schemas.openxmlformats.org/presentationml/2006/main">
-  <p:cSld>
-    <p:spTree>
-      <p:nvGrpSpPr>
-        <p:cNvPr id="1" name=""/>
-        <p:cNvGrpSpPr/>
-        <p:nvPr/>
-      </p:nvGrpSpPr>
-      <p:grpSpPr>
-        <a:xfrm>
-          <a:off x="0" y="0"/>
-          <a:ext cx="0" cy="0"/>
-          <a:chOff x="0" y="0"/>
-          <a:chExt cx="0" cy="0"/>
-        </a:xfrm>
-      </p:grpSpPr>
-      <p:sp>
-        <p:nvSpPr>
-          <p:cNvPr id="2" name="Title 1"/>
-          <p:cNvSpPr>
-            <a:spLocks noGrp="1"/>
-          </p:cNvSpPr>
-          <p:nvPr>
-            <p:ph type="title"/>
-          </p:nvPr>
-        </p:nvSpPr>
-        <p:spPr/>
-        <p:txBody>
-          <a:bodyPr/>
-          <a:lstStyle/>
-          <a:p>
-            <a:r>
-              <a:rPr lang="en-US" dirty="0"/>
-              <a:t>Major </a:t>
-            </a:r>
-            <a:r>
-              <a:rPr lang="en-US" dirty="0" smtClean="0"/>
-              <a:t>research milestones</a:t>
-            </a:r>
-            <a:endParaRPr lang="en-US" dirty="0"/>
-          </a:p>
-        </p:txBody>
-      </p:sp>
-      <p:sp>
-        <p:nvSpPr>
-          <p:cNvPr id="3" name="Content Placeholder 2"/>
-          <p:cNvSpPr>
-            <a:spLocks noGrp="1"/>
-          </p:cNvSpPr>
-          <p:nvPr>
-            <p:ph idx="1"/>
-          </p:nvPr>
-        </p:nvSpPr>
-        <p:spPr>
-          <a:xfrm>
-            <a:off x="457200" y="1219200"/>
-            <a:ext cx="8229600" cy="5029200"/>
-          </a:xfrm>
-        </p:spPr>
-        <p:txBody>
-          <a:bodyPr>
-            <a:noAutofit/>
-          </a:bodyPr>
-          <a:lstStyle/>
-          <a:p>
-            <a:r>
-              <a:rPr lang="en-US" sz="2000" dirty="0"/>
-              <a:t>Early days (late 1950s to 1960s): foundation </a:t>
-            </a:r>
-            <a:r>
-              <a:rPr lang="en-US" sz="2000" dirty="0" smtClean="0"/>
-              <a:t>of </a:t>
-            </a:r>
-            <a:r>
-              <a:rPr lang="en-US" sz="2000" dirty="0"/>
-              <a:t>the field</a:t>
-            </a:r>
-          </a:p>
-          <a:p>
-            <a:pPr lvl="1"/>
-            <a:r>
-              <a:rPr lang="en-US" sz="1800" dirty="0" err="1"/>
-              <a:t>Luhn’s</a:t>
-            </a:r>
-            <a:r>
-              <a:rPr lang="en-US" sz="1800" dirty="0"/>
-              <a:t> work on automatic </a:t>
-            </a:r>
-            <a:r>
-              <a:rPr lang="en-US" sz="1800" dirty="0" smtClean="0"/>
-              <a:t>indexing</a:t>
-            </a:r>
-            <a:endParaRPr lang="en-US" sz="1800" dirty="0"/>
-          </a:p>
-          <a:p>
-            <a:pPr lvl="1"/>
-            <a:r>
-              <a:rPr lang="en-US" sz="1800" dirty="0" err="1"/>
-              <a:t>Cleverdon’s</a:t>
-            </a:r>
-            <a:r>
-              <a:rPr lang="en-US" sz="1800" dirty="0"/>
-              <a:t> </a:t>
-            </a:r>
-            <a:r>
-              <a:rPr lang="en-US" sz="1800" dirty="0" err="1"/>
-              <a:t>Cranfield</a:t>
-            </a:r>
-            <a:r>
-              <a:rPr lang="en-US" sz="1800" dirty="0"/>
-              <a:t> evaluation methodology and index experiments </a:t>
-            </a:r>
-          </a:p>
-          <a:p>
-            <a:pPr lvl="1"/>
-            <a:r>
-              <a:rPr lang="en-US" sz="1800" dirty="0"/>
-              <a:t>Salton’s early work on SMART system and experiments</a:t>
-            </a:r>
-          </a:p>
-          <a:p>
-            <a:r>
-              <a:rPr lang="en-US" sz="2000" dirty="0"/>
-              <a:t>1970s-1980s: a large number of retrieval models</a:t>
-            </a:r>
-          </a:p>
-          <a:p>
-            <a:pPr lvl="1"/>
-            <a:r>
-              <a:rPr lang="en-US" sz="1800" dirty="0"/>
-              <a:t>Vector space model</a:t>
-            </a:r>
-          </a:p>
-          <a:p>
-            <a:pPr lvl="1"/>
-            <a:r>
-              <a:rPr lang="en-US" sz="1800" dirty="0"/>
-              <a:t>Probabilistic models</a:t>
-            </a:r>
-          </a:p>
-          <a:p>
-            <a:r>
-              <a:rPr lang="en-US" sz="2000" dirty="0"/>
-              <a:t>1990s: further development of retrieval models and new tasks</a:t>
-            </a:r>
-          </a:p>
-          <a:p>
-            <a:pPr lvl="1"/>
-            <a:r>
-              <a:rPr lang="en-US" sz="1800" dirty="0"/>
-              <a:t>Language models </a:t>
-            </a:r>
-          </a:p>
-          <a:p>
-            <a:pPr lvl="1"/>
-            <a:r>
-              <a:rPr lang="en-US" sz="1800" dirty="0"/>
-              <a:t>TREC </a:t>
-            </a:r>
-            <a:r>
-              <a:rPr lang="en-US" sz="1800" dirty="0" smtClean="0"/>
-              <a:t>evaluation</a:t>
-            </a:r>
-          </a:p>
-          <a:p>
-            <a:pPr lvl="1"/>
-            <a:r>
-              <a:rPr lang="en-US" sz="1800" dirty="0" smtClean="0"/>
-              <a:t>Web search  </a:t>
-            </a:r>
-            <a:endParaRPr lang="en-US" sz="1800" dirty="0"/>
-          </a:p>
-          <a:p>
-            <a:r>
-              <a:rPr lang="en-US" sz="2000" dirty="0"/>
-              <a:t>2000s-present: more applications, especially Web search and interactions with other fields</a:t>
-            </a:r>
-          </a:p>
-          <a:p>
-            <a:pPr lvl="1"/>
-            <a:r>
-              <a:rPr lang="en-US" sz="1800" dirty="0" smtClean="0"/>
-              <a:t>Learning </a:t>
-            </a:r>
-            <a:r>
-              <a:rPr lang="en-US" sz="1800" dirty="0"/>
-              <a:t>to rank</a:t>
-            </a:r>
-          </a:p>
-          <a:p>
-            <a:pPr lvl="1"/>
-            <a:r>
-              <a:rPr lang="en-US" sz="1800" dirty="0"/>
-              <a:t>Scalability (e.g., </a:t>
-            </a:r>
-            <a:r>
-              <a:rPr lang="en-US" sz="1800" dirty="0" err="1"/>
-              <a:t>MapReduce</a:t>
-            </a:r>
-            <a:r>
-              <a:rPr lang="en-US" sz="1800" dirty="0" smtClean="0"/>
-              <a:t>)</a:t>
-            </a:r>
-          </a:p>
-          <a:p>
-            <a:pPr lvl="1"/>
-            <a:r>
-              <a:rPr lang="en-US" sz="1800" dirty="0" smtClean="0"/>
-              <a:t>Real-time search</a:t>
-            </a:r>
-            <a:endParaRPr lang="en-US" sz="1800" dirty="0"/>
-          </a:p>
-        </p:txBody>
-      </p:sp>
-      <p:sp>
-        <p:nvSpPr>
-          <p:cNvPr id="4" name="Date Placeholder 3"/>
-          <p:cNvSpPr>
-            <a:spLocks noGrp="1"/>
-          </p:cNvSpPr>
-          <p:nvPr>
-            <p:ph type="dt" sz="half" idx="10"/>
-          </p:nvPr>
-        </p:nvSpPr>
-        <p:spPr/>
-        <p:txBody>
-          <a:bodyPr/>
-          <a:lstStyle/>
-          <a:p>
-            <a:r>
-              <a:rPr lang="en-US" smtClean="0"/>
-              <a:t>CS@UVa</a:t>
-            </a:r>
-            <a:endParaRPr lang="en-US"/>
-          </a:p>
-        </p:txBody>
-      </p:sp>
-      <p:sp>
-        <p:nvSpPr>
-          <p:cNvPr id="5" name="Footer Placeholder 4"/>
-          <p:cNvSpPr>
-            <a:spLocks noGrp="1"/>
-          </p:cNvSpPr>
-          <p:nvPr>
-            <p:ph type="ftr" sz="quarter" idx="11"/>
-          </p:nvPr>
-        </p:nvSpPr>
-        <p:spPr/>
-        <p:txBody>
-          <a:bodyPr/>
-          <a:lstStyle/>
-          <a:p>
-            <a:r>
-              <a:rPr lang="en-US" smtClean="0"/>
-              <a:t>CS6501: Information Retrieval</a:t>
-            </a:r>
-            <a:endParaRPr lang="en-US"/>
-          </a:p>
-        </p:txBody>
-      </p:sp>
-      <p:sp>
-        <p:nvSpPr>
-          <p:cNvPr id="6" name="Slide Number Placeholder 5"/>
-          <p:cNvSpPr>
-            <a:spLocks noGrp="1"/>
-          </p:cNvSpPr>
-          <p:nvPr>
-            <p:ph type="sldNum" sz="quarter" idx="12"/>
-          </p:nvPr>
-        </p:nvSpPr>
-        <p:spPr/>
-        <p:txBody>
-          <a:bodyPr/>
-          <a:lstStyle/>
-          <a:p>
-            <a:fld id="{04D6BED6-93C9-4D43-B1C0-E2DD71716F4C}" type="slidenum">
-              <a:rPr lang="en-US" smtClean="0"/>
-              <a:t>9</a:t>
-            </a:fld>
-            <a:endParaRPr lang="en-US"/>
-          </a:p>
-        </p:txBody>
-      </p:sp>
-    </p:spTree>
-    <p:extLst>
-      <p:ext uri="{BB962C8B-B14F-4D97-AF65-F5344CB8AC3E}">
-        <p14:creationId xmlns:p14="http://schemas.microsoft.com/office/powerpoint/2010/main" val="2005890583"/>
-      </p:ext>
-    </p:extLst>
-  </p:cSld>
-  <p:clrMapOvr>
-    <a:masterClrMapping/>
-  </p:clrMapOvr>
-  <p:timing>
-    <p:tnLst>
-      <p:par>
-        <p:cTn id="1" dur="indefinite" restart="never" nodeType="tmRoot"/>
       </p:par>
     </p:tnLst>
   </p:timing>

--- a/docs/Introduction to Information Retrieval.pptx
+++ b/docs/Introduction to Information Retrieval.pptx
@@ -5,7 +5,7 @@
     <p:sldMasterId id="2147483648" r:id="rId1"/>
   </p:sldMasterIdLst>
   <p:notesMasterIdLst>
-    <p:notesMasterId r:id="rId41"/>
+    <p:notesMasterId r:id="rId45"/>
   </p:notesMasterIdLst>
   <p:sldIdLst>
     <p:sldId id="256" r:id="rId2"/>
@@ -36,17 +36,21 @@
     <p:sldId id="299" r:id="rId27"/>
     <p:sldId id="300" r:id="rId28"/>
     <p:sldId id="301" r:id="rId29"/>
-    <p:sldId id="282" r:id="rId30"/>
-    <p:sldId id="277" r:id="rId31"/>
-    <p:sldId id="278" r:id="rId32"/>
-    <p:sldId id="287" r:id="rId33"/>
-    <p:sldId id="289" r:id="rId34"/>
-    <p:sldId id="291" r:id="rId35"/>
-    <p:sldId id="292" r:id="rId36"/>
-    <p:sldId id="263" r:id="rId37"/>
-    <p:sldId id="281" r:id="rId38"/>
-    <p:sldId id="290" r:id="rId39"/>
-    <p:sldId id="295" r:id="rId40"/>
+    <p:sldId id="302" r:id="rId30"/>
+    <p:sldId id="303" r:id="rId31"/>
+    <p:sldId id="304" r:id="rId32"/>
+    <p:sldId id="305" r:id="rId33"/>
+    <p:sldId id="282" r:id="rId34"/>
+    <p:sldId id="277" r:id="rId35"/>
+    <p:sldId id="278" r:id="rId36"/>
+    <p:sldId id="287" r:id="rId37"/>
+    <p:sldId id="289" r:id="rId38"/>
+    <p:sldId id="291" r:id="rId39"/>
+    <p:sldId id="292" r:id="rId40"/>
+    <p:sldId id="263" r:id="rId41"/>
+    <p:sldId id="281" r:id="rId42"/>
+    <p:sldId id="290" r:id="rId43"/>
+    <p:sldId id="295" r:id="rId44"/>
   </p:sldIdLst>
   <p:sldSz cx="9144000" cy="6858000" type="screen4x3"/>
   <p:notesSz cx="6858000" cy="9144000"/>
@@ -246,7 +250,7 @@
           <a:p>
             <a:fld id="{53266C39-4A12-4141-B6B9-0F782104B623}" type="datetimeFigureOut">
               <a:rPr lang="en-US" smtClean="0"/>
-              <a:t>8/30/2015</a:t>
+              <a:t>8/31/2015</a:t>
             </a:fld>
             <a:endParaRPr lang="en-US"/>
           </a:p>
@@ -16650,574 +16654,7 @@
   <p:timing>
     <p:tnLst>
       <p:par>
-        <p:cTn id="1" dur="indefinite" restart="never" nodeType="tmRoot">
-          <p:childTnLst>
-            <p:seq concurrent="1" nextAc="seek">
-              <p:cTn id="2" dur="indefinite" nodeType="mainSeq">
-                <p:childTnLst>
-                  <p:par>
-                    <p:cTn id="3" fill="hold">
-                      <p:stCondLst>
-                        <p:cond delay="indefinite"/>
-                      </p:stCondLst>
-                      <p:childTnLst>
-                        <p:par>
-                          <p:cTn id="4" fill="hold">
-                            <p:stCondLst>
-                              <p:cond delay="0"/>
-                            </p:stCondLst>
-                            <p:childTnLst>
-                              <p:par>
-                                <p:cTn id="5" presetID="1" presetClass="entr" presetSubtype="0" fill="hold" nodeType="clickEffect">
-                                  <p:stCondLst>
-                                    <p:cond delay="0"/>
-                                  </p:stCondLst>
-                                  <p:childTnLst>
-                                    <p:set>
-                                      <p:cBhvr>
-                                        <p:cTn id="6" dur="1" fill="hold">
-                                          <p:stCondLst>
-                                            <p:cond delay="0"/>
-                                          </p:stCondLst>
-                                        </p:cTn>
-                                        <p:tgtEl>
-                                          <p:spTgt spid="7"/>
-                                        </p:tgtEl>
-                                        <p:attrNameLst>
-                                          <p:attrName>style.visibility</p:attrName>
-                                        </p:attrNameLst>
-                                      </p:cBhvr>
-                                      <p:to>
-                                        <p:strVal val="visible"/>
-                                      </p:to>
-                                    </p:set>
-                                  </p:childTnLst>
-                                </p:cTn>
-                              </p:par>
-                              <p:par>
-                                <p:cTn id="7" presetID="22" presetClass="entr" presetSubtype="4" fill="hold" nodeType="withEffect">
-                                  <p:stCondLst>
-                                    <p:cond delay="0"/>
-                                  </p:stCondLst>
-                                  <p:childTnLst>
-                                    <p:set>
-                                      <p:cBhvr>
-                                        <p:cTn id="8" dur="1" fill="hold">
-                                          <p:stCondLst>
-                                            <p:cond delay="0"/>
-                                          </p:stCondLst>
-                                        </p:cTn>
-                                        <p:tgtEl>
-                                          <p:spTgt spid="16"/>
-                                        </p:tgtEl>
-                                        <p:attrNameLst>
-                                          <p:attrName>style.visibility</p:attrName>
-                                        </p:attrNameLst>
-                                      </p:cBhvr>
-                                      <p:to>
-                                        <p:strVal val="visible"/>
-                                      </p:to>
-                                    </p:set>
-                                    <p:animEffect transition="in" filter="wipe(down)">
-                                      <p:cBhvr>
-                                        <p:cTn id="9" dur="500"/>
-                                        <p:tgtEl>
-                                          <p:spTgt spid="16"/>
-                                        </p:tgtEl>
-                                      </p:cBhvr>
-                                    </p:animEffect>
-                                  </p:childTnLst>
-                                </p:cTn>
-                              </p:par>
-                            </p:childTnLst>
-                          </p:cTn>
-                        </p:par>
-                        <p:par>
-                          <p:cTn id="10" fill="hold">
-                            <p:stCondLst>
-                              <p:cond delay="500"/>
-                            </p:stCondLst>
-                            <p:childTnLst>
-                              <p:par>
-                                <p:cTn id="11" presetID="1" presetClass="entr" presetSubtype="0" fill="hold" nodeType="afterEffect">
-                                  <p:stCondLst>
-                                    <p:cond delay="0"/>
-                                  </p:stCondLst>
-                                  <p:childTnLst>
-                                    <p:set>
-                                      <p:cBhvr>
-                                        <p:cTn id="12" dur="1" fill="hold">
-                                          <p:stCondLst>
-                                            <p:cond delay="0"/>
-                                          </p:stCondLst>
-                                        </p:cTn>
-                                        <p:tgtEl>
-                                          <p:spTgt spid="9"/>
-                                        </p:tgtEl>
-                                        <p:attrNameLst>
-                                          <p:attrName>style.visibility</p:attrName>
-                                        </p:attrNameLst>
-                                      </p:cBhvr>
-                                      <p:to>
-                                        <p:strVal val="visible"/>
-                                      </p:to>
-                                    </p:set>
-                                  </p:childTnLst>
-                                </p:cTn>
-                              </p:par>
-                            </p:childTnLst>
-                          </p:cTn>
-                        </p:par>
-                      </p:childTnLst>
-                    </p:cTn>
-                  </p:par>
-                  <p:par>
-                    <p:cTn id="13" fill="hold">
-                      <p:stCondLst>
-                        <p:cond delay="indefinite"/>
-                      </p:stCondLst>
-                      <p:childTnLst>
-                        <p:par>
-                          <p:cTn id="14" fill="hold">
-                            <p:stCondLst>
-                              <p:cond delay="0"/>
-                            </p:stCondLst>
-                            <p:childTnLst>
-                              <p:par>
-                                <p:cTn id="15" presetID="22" presetClass="entr" presetSubtype="8" fill="hold" nodeType="clickEffect">
-                                  <p:stCondLst>
-                                    <p:cond delay="0"/>
-                                  </p:stCondLst>
-                                  <p:childTnLst>
-                                    <p:set>
-                                      <p:cBhvr>
-                                        <p:cTn id="16" dur="1" fill="hold">
-                                          <p:stCondLst>
-                                            <p:cond delay="0"/>
-                                          </p:stCondLst>
-                                        </p:cTn>
-                                        <p:tgtEl>
-                                          <p:spTgt spid="11"/>
-                                        </p:tgtEl>
-                                        <p:attrNameLst>
-                                          <p:attrName>style.visibility</p:attrName>
-                                        </p:attrNameLst>
-                                      </p:cBhvr>
-                                      <p:to>
-                                        <p:strVal val="visible"/>
-                                      </p:to>
-                                    </p:set>
-                                    <p:animEffect transition="in" filter="wipe(left)">
-                                      <p:cBhvr>
-                                        <p:cTn id="17" dur="500"/>
-                                        <p:tgtEl>
-                                          <p:spTgt spid="11"/>
-                                        </p:tgtEl>
-                                      </p:cBhvr>
-                                    </p:animEffect>
-                                  </p:childTnLst>
-                                </p:cTn>
-                              </p:par>
-                            </p:childTnLst>
-                          </p:cTn>
-                        </p:par>
-                      </p:childTnLst>
-                    </p:cTn>
-                  </p:par>
-                  <p:par>
-                    <p:cTn id="18" fill="hold">
-                      <p:stCondLst>
-                        <p:cond delay="indefinite"/>
-                      </p:stCondLst>
-                      <p:childTnLst>
-                        <p:par>
-                          <p:cTn id="19" fill="hold">
-                            <p:stCondLst>
-                              <p:cond delay="0"/>
-                            </p:stCondLst>
-                            <p:childTnLst>
-                              <p:par>
-                                <p:cTn id="20" presetID="22" presetClass="entr" presetSubtype="8" fill="hold" nodeType="clickEffect">
-                                  <p:stCondLst>
-                                    <p:cond delay="0"/>
-                                  </p:stCondLst>
-                                  <p:childTnLst>
-                                    <p:set>
-                                      <p:cBhvr>
-                                        <p:cTn id="21" dur="1" fill="hold">
-                                          <p:stCondLst>
-                                            <p:cond delay="0"/>
-                                          </p:stCondLst>
-                                        </p:cTn>
-                                        <p:tgtEl>
-                                          <p:spTgt spid="17"/>
-                                        </p:tgtEl>
-                                        <p:attrNameLst>
-                                          <p:attrName>style.visibility</p:attrName>
-                                        </p:attrNameLst>
-                                      </p:cBhvr>
-                                      <p:to>
-                                        <p:strVal val="visible"/>
-                                      </p:to>
-                                    </p:set>
-                                    <p:animEffect transition="in" filter="wipe(left)">
-                                      <p:cBhvr>
-                                        <p:cTn id="22" dur="500"/>
-                                        <p:tgtEl>
-                                          <p:spTgt spid="17"/>
-                                        </p:tgtEl>
-                                      </p:cBhvr>
-                                    </p:animEffect>
-                                  </p:childTnLst>
-                                </p:cTn>
-                              </p:par>
-                            </p:childTnLst>
-                          </p:cTn>
-                        </p:par>
-                      </p:childTnLst>
-                    </p:cTn>
-                  </p:par>
-                  <p:par>
-                    <p:cTn id="23" fill="hold">
-                      <p:stCondLst>
-                        <p:cond delay="indefinite"/>
-                      </p:stCondLst>
-                      <p:childTnLst>
-                        <p:par>
-                          <p:cTn id="24" fill="hold">
-                            <p:stCondLst>
-                              <p:cond delay="0"/>
-                            </p:stCondLst>
-                            <p:childTnLst>
-                              <p:par>
-                                <p:cTn id="25" presetID="22" presetClass="entr" presetSubtype="8" fill="hold" nodeType="clickEffect">
-                                  <p:stCondLst>
-                                    <p:cond delay="0"/>
-                                  </p:stCondLst>
-                                  <p:childTnLst>
-                                    <p:set>
-                                      <p:cBhvr>
-                                        <p:cTn id="26" dur="1" fill="hold">
-                                          <p:stCondLst>
-                                            <p:cond delay="0"/>
-                                          </p:stCondLst>
-                                        </p:cTn>
-                                        <p:tgtEl>
-                                          <p:spTgt spid="19"/>
-                                        </p:tgtEl>
-                                        <p:attrNameLst>
-                                          <p:attrName>style.visibility</p:attrName>
-                                        </p:attrNameLst>
-                                      </p:cBhvr>
-                                      <p:to>
-                                        <p:strVal val="visible"/>
-                                      </p:to>
-                                    </p:set>
-                                    <p:animEffect transition="in" filter="wipe(left)">
-                                      <p:cBhvr>
-                                        <p:cTn id="27" dur="500"/>
-                                        <p:tgtEl>
-                                          <p:spTgt spid="19"/>
-                                        </p:tgtEl>
-                                      </p:cBhvr>
-                                    </p:animEffect>
-                                  </p:childTnLst>
-                                </p:cTn>
-                              </p:par>
-                            </p:childTnLst>
-                          </p:cTn>
-                        </p:par>
-                        <p:par>
-                          <p:cTn id="28" fill="hold">
-                            <p:stCondLst>
-                              <p:cond delay="500"/>
-                            </p:stCondLst>
-                            <p:childTnLst>
-                              <p:par>
-                                <p:cTn id="29" presetID="22" presetClass="entr" presetSubtype="8" fill="hold" nodeType="afterEffect">
-                                  <p:stCondLst>
-                                    <p:cond delay="0"/>
-                                  </p:stCondLst>
-                                  <p:childTnLst>
-                                    <p:set>
-                                      <p:cBhvr>
-                                        <p:cTn id="30" dur="1" fill="hold">
-                                          <p:stCondLst>
-                                            <p:cond delay="0"/>
-                                          </p:stCondLst>
-                                        </p:cTn>
-                                        <p:tgtEl>
-                                          <p:spTgt spid="20"/>
-                                        </p:tgtEl>
-                                        <p:attrNameLst>
-                                          <p:attrName>style.visibility</p:attrName>
-                                        </p:attrNameLst>
-                                      </p:cBhvr>
-                                      <p:to>
-                                        <p:strVal val="visible"/>
-                                      </p:to>
-                                    </p:set>
-                                    <p:animEffect transition="in" filter="wipe(left)">
-                                      <p:cBhvr>
-                                        <p:cTn id="31" dur="500"/>
-                                        <p:tgtEl>
-                                          <p:spTgt spid="20"/>
-                                        </p:tgtEl>
-                                      </p:cBhvr>
-                                    </p:animEffect>
-                                  </p:childTnLst>
-                                </p:cTn>
-                              </p:par>
-                            </p:childTnLst>
-                          </p:cTn>
-                        </p:par>
-                      </p:childTnLst>
-                    </p:cTn>
-                  </p:par>
-                  <p:par>
-                    <p:cTn id="32" fill="hold">
-                      <p:stCondLst>
-                        <p:cond delay="indefinite"/>
-                      </p:stCondLst>
-                      <p:childTnLst>
-                        <p:par>
-                          <p:cTn id="33" fill="hold">
-                            <p:stCondLst>
-                              <p:cond delay="0"/>
-                            </p:stCondLst>
-                            <p:childTnLst>
-                              <p:par>
-                                <p:cTn id="34" presetID="1" presetClass="exit" presetSubtype="0" fill="hold" nodeType="clickEffect">
-                                  <p:stCondLst>
-                                    <p:cond delay="0"/>
-                                  </p:stCondLst>
-                                  <p:childTnLst>
-                                    <p:set>
-                                      <p:cBhvr>
-                                        <p:cTn id="35" dur="1" fill="hold">
-                                          <p:stCondLst>
-                                            <p:cond delay="0"/>
-                                          </p:stCondLst>
-                                        </p:cTn>
-                                        <p:tgtEl>
-                                          <p:spTgt spid="11"/>
-                                        </p:tgtEl>
-                                        <p:attrNameLst>
-                                          <p:attrName>style.visibility</p:attrName>
-                                        </p:attrNameLst>
-                                      </p:cBhvr>
-                                      <p:to>
-                                        <p:strVal val="hidden"/>
-                                      </p:to>
-                                    </p:set>
-                                  </p:childTnLst>
-                                </p:cTn>
-                              </p:par>
-                              <p:par>
-                                <p:cTn id="36" presetID="1" presetClass="exit" presetSubtype="0" fill="hold" nodeType="withEffect">
-                                  <p:stCondLst>
-                                    <p:cond delay="0"/>
-                                  </p:stCondLst>
-                                  <p:childTnLst>
-                                    <p:set>
-                                      <p:cBhvr>
-                                        <p:cTn id="37" dur="1" fill="hold">
-                                          <p:stCondLst>
-                                            <p:cond delay="0"/>
-                                          </p:stCondLst>
-                                        </p:cTn>
-                                        <p:tgtEl>
-                                          <p:spTgt spid="17"/>
-                                        </p:tgtEl>
-                                        <p:attrNameLst>
-                                          <p:attrName>style.visibility</p:attrName>
-                                        </p:attrNameLst>
-                                      </p:cBhvr>
-                                      <p:to>
-                                        <p:strVal val="hidden"/>
-                                      </p:to>
-                                    </p:set>
-                                  </p:childTnLst>
-                                </p:cTn>
-                              </p:par>
-                              <p:par>
-                                <p:cTn id="38" presetID="1" presetClass="exit" presetSubtype="0" fill="hold" nodeType="withEffect">
-                                  <p:stCondLst>
-                                    <p:cond delay="0"/>
-                                  </p:stCondLst>
-                                  <p:childTnLst>
-                                    <p:set>
-                                      <p:cBhvr>
-                                        <p:cTn id="39" dur="1" fill="hold">
-                                          <p:stCondLst>
-                                            <p:cond delay="0"/>
-                                          </p:stCondLst>
-                                        </p:cTn>
-                                        <p:tgtEl>
-                                          <p:spTgt spid="19"/>
-                                        </p:tgtEl>
-                                        <p:attrNameLst>
-                                          <p:attrName>style.visibility</p:attrName>
-                                        </p:attrNameLst>
-                                      </p:cBhvr>
-                                      <p:to>
-                                        <p:strVal val="hidden"/>
-                                      </p:to>
-                                    </p:set>
-                                  </p:childTnLst>
-                                </p:cTn>
-                              </p:par>
-                              <p:par>
-                                <p:cTn id="40" presetID="1" presetClass="exit" presetSubtype="0" fill="hold" nodeType="withEffect">
-                                  <p:stCondLst>
-                                    <p:cond delay="0"/>
-                                  </p:stCondLst>
-                                  <p:childTnLst>
-                                    <p:set>
-                                      <p:cBhvr>
-                                        <p:cTn id="41" dur="1" fill="hold">
-                                          <p:stCondLst>
-                                            <p:cond delay="0"/>
-                                          </p:stCondLst>
-                                        </p:cTn>
-                                        <p:tgtEl>
-                                          <p:spTgt spid="20"/>
-                                        </p:tgtEl>
-                                        <p:attrNameLst>
-                                          <p:attrName>style.visibility</p:attrName>
-                                        </p:attrNameLst>
-                                      </p:cBhvr>
-                                      <p:to>
-                                        <p:strVal val="hidden"/>
-                                      </p:to>
-                                    </p:set>
-                                  </p:childTnLst>
-                                </p:cTn>
-                              </p:par>
-                              <p:par>
-                                <p:cTn id="42" presetID="1" presetClass="exit" presetSubtype="0" fill="hold" nodeType="withEffect">
-                                  <p:stCondLst>
-                                    <p:cond delay="0"/>
-                                  </p:stCondLst>
-                                  <p:childTnLst>
-                                    <p:set>
-                                      <p:cBhvr>
-                                        <p:cTn id="43" dur="1" fill="hold">
-                                          <p:stCondLst>
-                                            <p:cond delay="0"/>
-                                          </p:stCondLst>
-                                        </p:cTn>
-                                        <p:tgtEl>
-                                          <p:spTgt spid="16"/>
-                                        </p:tgtEl>
-                                        <p:attrNameLst>
-                                          <p:attrName>style.visibility</p:attrName>
-                                        </p:attrNameLst>
-                                      </p:cBhvr>
-                                      <p:to>
-                                        <p:strVal val="hidden"/>
-                                      </p:to>
-                                    </p:set>
-                                  </p:childTnLst>
-                                </p:cTn>
-                              </p:par>
-                              <p:par>
-                                <p:cTn id="44" presetID="1" presetClass="exit" presetSubtype="0" fill="hold" nodeType="withEffect">
-                                  <p:stCondLst>
-                                    <p:cond delay="0"/>
-                                  </p:stCondLst>
-                                  <p:childTnLst>
-                                    <p:set>
-                                      <p:cBhvr>
-                                        <p:cTn id="45" dur="1" fill="hold">
-                                          <p:stCondLst>
-                                            <p:cond delay="0"/>
-                                          </p:stCondLst>
-                                        </p:cTn>
-                                        <p:tgtEl>
-                                          <p:spTgt spid="9"/>
-                                        </p:tgtEl>
-                                        <p:attrNameLst>
-                                          <p:attrName>style.visibility</p:attrName>
-                                        </p:attrNameLst>
-                                      </p:cBhvr>
-                                      <p:to>
-                                        <p:strVal val="hidden"/>
-                                      </p:to>
-                                    </p:set>
-                                  </p:childTnLst>
-                                </p:cTn>
-                              </p:par>
-                            </p:childTnLst>
-                          </p:cTn>
-                        </p:par>
-                      </p:childTnLst>
-                    </p:cTn>
-                  </p:par>
-                  <p:par>
-                    <p:cTn id="46" fill="hold">
-                      <p:stCondLst>
-                        <p:cond delay="indefinite"/>
-                      </p:stCondLst>
-                      <p:childTnLst>
-                        <p:par>
-                          <p:cTn id="47" fill="hold">
-                            <p:stCondLst>
-                              <p:cond delay="0"/>
-                            </p:stCondLst>
-                            <p:childTnLst>
-                              <p:par>
-                                <p:cTn id="48" presetID="1" presetClass="exit" presetSubtype="0" fill="hold" nodeType="clickEffect">
-                                  <p:stCondLst>
-                                    <p:cond delay="0"/>
-                                  </p:stCondLst>
-                                  <p:childTnLst>
-                                    <p:set>
-                                      <p:cBhvr>
-                                        <p:cTn id="49" dur="1" fill="hold">
-                                          <p:stCondLst>
-                                            <p:cond delay="0"/>
-                                          </p:stCondLst>
-                                        </p:cTn>
-                                        <p:tgtEl>
-                                          <p:spTgt spid="7"/>
-                                        </p:tgtEl>
-                                        <p:attrNameLst>
-                                          <p:attrName>style.visibility</p:attrName>
-                                        </p:attrNameLst>
-                                      </p:cBhvr>
-                                      <p:to>
-                                        <p:strVal val="hidden"/>
-                                      </p:to>
-                                    </p:set>
-                                  </p:childTnLst>
-                                </p:cTn>
-                              </p:par>
-                            </p:childTnLst>
-                          </p:cTn>
-                        </p:par>
-                      </p:childTnLst>
-                    </p:cTn>
-                  </p:par>
-                </p:childTnLst>
-              </p:cTn>
-              <p:prevCondLst>
-                <p:cond evt="onPrev" delay="0">
-                  <p:tgtEl>
-                    <p:sldTgt/>
-                  </p:tgtEl>
-                </p:cond>
-              </p:prevCondLst>
-              <p:nextCondLst>
-                <p:cond evt="onNext" delay="0">
-                  <p:tgtEl>
-                    <p:sldTgt/>
-                  </p:tgtEl>
-                </p:cond>
-              </p:nextCondLst>
-            </p:seq>
-          </p:childTnLst>
-        </p:cTn>
+        <p:cTn id="1" dur="indefinite" restart="never" nodeType="tmRoot"/>
       </p:par>
     </p:tnLst>
   </p:timing>
@@ -17258,11 +16695,7 @@
           <a:p>
             <a:r>
               <a:rPr lang="en-US" dirty="0" smtClean="0"/>
-              <a:t>Recap: why </a:t>
-            </a:r>
-            <a:r>
-              <a:rPr lang="en-US" dirty="0" smtClean="0"/>
-              <a:t>information retrieval </a:t>
+              <a:t>Recap: why information retrieval </a:t>
             </a:r>
             <a:endParaRPr lang="en-US" dirty="0"/>
           </a:p>
@@ -17285,11 +16718,7 @@
           <a:p>
             <a:r>
               <a:rPr lang="en-US" dirty="0" smtClean="0"/>
-              <a:t>Information </a:t>
-            </a:r>
-            <a:r>
-              <a:rPr lang="en-US" dirty="0" smtClean="0"/>
-              <a:t>overload</a:t>
+              <a:t>Information overload</a:t>
             </a:r>
           </a:p>
           <a:p>
@@ -17298,7 +16727,6 @@
               <a:rPr lang="en-US" dirty="0" smtClean="0"/>
               <a:t>Too much information to process</a:t>
             </a:r>
-            <a:endParaRPr lang="en-US" dirty="0" smtClean="0"/>
           </a:p>
           <a:p>
             <a:r>
@@ -17527,53 +16955,25 @@
           <a:p>
             <a:r>
               <a:rPr lang="en-US" sz="2800" dirty="0"/>
-              <a:t>Early days (late 1950s to 1960s): </a:t>
-            </a:r>
+              <a:t>Early days (late 1950s to 1960s): automatic indexing</a:t>
+            </a:r>
+          </a:p>
+          <a:p>
             <a:r>
               <a:rPr lang="en-US" sz="2800" dirty="0"/>
-              <a:t>automatic </a:t>
-            </a:r>
+              <a:t>1970s-1980s: retrieval models</a:t>
+            </a:r>
+          </a:p>
+          <a:p>
             <a:r>
               <a:rPr lang="en-US" sz="2800" dirty="0"/>
-              <a:t>indexing</a:t>
+              <a:t>1990s: TREC evaluation and Web search  </a:t>
             </a:r>
           </a:p>
           <a:p>
             <a:r>
               <a:rPr lang="en-US" sz="2800" dirty="0"/>
-              <a:t>1970s-1980s</a:t>
-            </a:r>
-            <a:r>
-              <a:rPr lang="en-US" sz="2800" dirty="0"/>
-              <a:t>: retrieval models</a:t>
-            </a:r>
-          </a:p>
-          <a:p>
-            <a:r>
-              <a:rPr lang="en-US" sz="2800" dirty="0"/>
-              <a:t>1990s</a:t>
-            </a:r>
-            <a:r>
-              <a:rPr lang="en-US" sz="2800" dirty="0"/>
-              <a:t>: </a:t>
-            </a:r>
-            <a:r>
-              <a:rPr lang="en-US" sz="2800" dirty="0"/>
-              <a:t>TREC evaluation and Web </a:t>
-            </a:r>
-            <a:r>
-              <a:rPr lang="en-US" sz="2800" dirty="0"/>
-              <a:t>search  </a:t>
-            </a:r>
-          </a:p>
-          <a:p>
-            <a:r>
-              <a:rPr lang="en-US" sz="2800" dirty="0"/>
-              <a:t>2000s-present: more </a:t>
-            </a:r>
-            <a:r>
-              <a:rPr lang="en-US" sz="2800" dirty="0"/>
-              <a:t>applications </a:t>
+              <a:t>2000s-present: more applications </a:t>
             </a:r>
           </a:p>
           <a:p>
@@ -17660,6 +17060,13 @@
   <p:clrMapOvr>
     <a:masterClrMapping/>
   </p:clrMapOvr>
+  <p:timing>
+    <p:tnLst>
+      <p:par>
+        <p:cTn id="1" dur="indefinite" restart="never" nodeType="tmRoot"/>
+      </p:par>
+    </p:tnLst>
+  </p:timing>
 </p:sld>
 </file>
 
@@ -22926,654 +22333,9 @@
   <p:timing>
     <p:tnLst>
       <p:par>
-        <p:cTn id="1" dur="indefinite" restart="never" nodeType="tmRoot">
-          <p:childTnLst>
-            <p:seq concurrent="1" nextAc="seek">
-              <p:cTn id="2" dur="indefinite" nodeType="mainSeq">
-                <p:childTnLst>
-                  <p:par>
-                    <p:cTn id="3" fill="hold">
-                      <p:stCondLst>
-                        <p:cond delay="indefinite"/>
-                      </p:stCondLst>
-                      <p:childTnLst>
-                        <p:par>
-                          <p:cTn id="4" fill="hold">
-                            <p:stCondLst>
-                              <p:cond delay="0"/>
-                            </p:stCondLst>
-                            <p:childTnLst>
-                              <p:par>
-                                <p:cTn id="5" presetID="22" presetClass="entr" presetSubtype="8" fill="hold" nodeType="clickEffect">
-                                  <p:stCondLst>
-                                    <p:cond delay="0"/>
-                                  </p:stCondLst>
-                                  <p:childTnLst>
-                                    <p:set>
-                                      <p:cBhvr>
-                                        <p:cTn id="6" dur="1" fill="hold">
-                                          <p:stCondLst>
-                                            <p:cond delay="0"/>
-                                          </p:stCondLst>
-                                        </p:cTn>
-                                        <p:tgtEl>
-                                          <p:spTgt spid="10"/>
-                                        </p:tgtEl>
-                                        <p:attrNameLst>
-                                          <p:attrName>style.visibility</p:attrName>
-                                        </p:attrNameLst>
-                                      </p:cBhvr>
-                                      <p:to>
-                                        <p:strVal val="visible"/>
-                                      </p:to>
-                                    </p:set>
-                                    <p:animEffect transition="in" filter="wipe(left)">
-                                      <p:cBhvr>
-                                        <p:cTn id="7" dur="500"/>
-                                        <p:tgtEl>
-                                          <p:spTgt spid="10"/>
-                                        </p:tgtEl>
-                                      </p:cBhvr>
-                                    </p:animEffect>
-                                  </p:childTnLst>
-                                </p:cTn>
-                              </p:par>
-                            </p:childTnLst>
-                          </p:cTn>
-                        </p:par>
-                      </p:childTnLst>
-                    </p:cTn>
-                  </p:par>
-                  <p:par>
-                    <p:cTn id="8" fill="hold">
-                      <p:stCondLst>
-                        <p:cond delay="indefinite"/>
-                      </p:stCondLst>
-                      <p:childTnLst>
-                        <p:par>
-                          <p:cTn id="9" fill="hold">
-                            <p:stCondLst>
-                              <p:cond delay="0"/>
-                            </p:stCondLst>
-                            <p:childTnLst>
-                              <p:par>
-                                <p:cTn id="10" presetID="1" presetClass="entr" presetSubtype="0" fill="hold" grpId="0" nodeType="clickEffect">
-                                  <p:stCondLst>
-                                    <p:cond delay="0"/>
-                                  </p:stCondLst>
-                                  <p:childTnLst>
-                                    <p:set>
-                                      <p:cBhvr>
-                                        <p:cTn id="11" dur="1" fill="hold">
-                                          <p:stCondLst>
-                                            <p:cond delay="0"/>
-                                          </p:stCondLst>
-                                        </p:cTn>
-                                        <p:tgtEl>
-                                          <p:spTgt spid="17416"/>
-                                        </p:tgtEl>
-                                        <p:attrNameLst>
-                                          <p:attrName>style.visibility</p:attrName>
-                                        </p:attrNameLst>
-                                      </p:cBhvr>
-                                      <p:to>
-                                        <p:strVal val="visible"/>
-                                      </p:to>
-                                    </p:set>
-                                  </p:childTnLst>
-                                </p:cTn>
-                              </p:par>
-                            </p:childTnLst>
-                          </p:cTn>
-                        </p:par>
-                      </p:childTnLst>
-                    </p:cTn>
-                  </p:par>
-                  <p:par>
-                    <p:cTn id="12" fill="hold">
-                      <p:stCondLst>
-                        <p:cond delay="indefinite"/>
-                      </p:stCondLst>
-                      <p:childTnLst>
-                        <p:par>
-                          <p:cTn id="13" fill="hold">
-                            <p:stCondLst>
-                              <p:cond delay="0"/>
-                            </p:stCondLst>
-                            <p:childTnLst>
-                              <p:par>
-                                <p:cTn id="14" presetID="22" presetClass="entr" presetSubtype="2" fill="hold" nodeType="clickEffect">
-                                  <p:stCondLst>
-                                    <p:cond delay="0"/>
-                                  </p:stCondLst>
-                                  <p:childTnLst>
-                                    <p:set>
-                                      <p:cBhvr>
-                                        <p:cTn id="15" dur="1" fill="hold">
-                                          <p:stCondLst>
-                                            <p:cond delay="0"/>
-                                          </p:stCondLst>
-                                        </p:cTn>
-                                        <p:tgtEl>
-                                          <p:spTgt spid="11"/>
-                                        </p:tgtEl>
-                                        <p:attrNameLst>
-                                          <p:attrName>style.visibility</p:attrName>
-                                        </p:attrNameLst>
-                                      </p:cBhvr>
-                                      <p:to>
-                                        <p:strVal val="visible"/>
-                                      </p:to>
-                                    </p:set>
-                                    <p:animEffect transition="in" filter="wipe(right)">
-                                      <p:cBhvr>
-                                        <p:cTn id="16" dur="500"/>
-                                        <p:tgtEl>
-                                          <p:spTgt spid="11"/>
-                                        </p:tgtEl>
-                                      </p:cBhvr>
-                                    </p:animEffect>
-                                  </p:childTnLst>
-                                </p:cTn>
-                              </p:par>
-                            </p:childTnLst>
-                          </p:cTn>
-                        </p:par>
-                      </p:childTnLst>
-                    </p:cTn>
-                  </p:par>
-                  <p:par>
-                    <p:cTn id="17" fill="hold">
-                      <p:stCondLst>
-                        <p:cond delay="indefinite"/>
-                      </p:stCondLst>
-                      <p:childTnLst>
-                        <p:par>
-                          <p:cTn id="18" fill="hold">
-                            <p:stCondLst>
-                              <p:cond delay="0"/>
-                            </p:stCondLst>
-                            <p:childTnLst>
-                              <p:par>
-                                <p:cTn id="19" presetID="22" presetClass="entr" presetSubtype="1" fill="hold" nodeType="clickEffect">
-                                  <p:stCondLst>
-                                    <p:cond delay="0"/>
-                                  </p:stCondLst>
-                                  <p:childTnLst>
-                                    <p:set>
-                                      <p:cBhvr>
-                                        <p:cTn id="20" dur="1" fill="hold">
-                                          <p:stCondLst>
-                                            <p:cond delay="0"/>
-                                          </p:stCondLst>
-                                        </p:cTn>
-                                        <p:tgtEl>
-                                          <p:spTgt spid="12"/>
-                                        </p:tgtEl>
-                                        <p:attrNameLst>
-                                          <p:attrName>style.visibility</p:attrName>
-                                        </p:attrNameLst>
-                                      </p:cBhvr>
-                                      <p:to>
-                                        <p:strVal val="visible"/>
-                                      </p:to>
-                                    </p:set>
-                                    <p:animEffect transition="in" filter="wipe(up)">
-                                      <p:cBhvr>
-                                        <p:cTn id="21" dur="500"/>
-                                        <p:tgtEl>
-                                          <p:spTgt spid="12"/>
-                                        </p:tgtEl>
-                                      </p:cBhvr>
-                                    </p:animEffect>
-                                  </p:childTnLst>
-                                </p:cTn>
-                              </p:par>
-                            </p:childTnLst>
-                          </p:cTn>
-                        </p:par>
-                      </p:childTnLst>
-                    </p:cTn>
-                  </p:par>
-                  <p:par>
-                    <p:cTn id="22" fill="hold">
-                      <p:stCondLst>
-                        <p:cond delay="indefinite"/>
-                      </p:stCondLst>
-                      <p:childTnLst>
-                        <p:par>
-                          <p:cTn id="23" fill="hold">
-                            <p:stCondLst>
-                              <p:cond delay="0"/>
-                            </p:stCondLst>
-                            <p:childTnLst>
-                              <p:par>
-                                <p:cTn id="24" presetID="22" presetClass="entr" presetSubtype="8" fill="hold" nodeType="clickEffect">
-                                  <p:stCondLst>
-                                    <p:cond delay="0"/>
-                                  </p:stCondLst>
-                                  <p:childTnLst>
-                                    <p:set>
-                                      <p:cBhvr>
-                                        <p:cTn id="25" dur="1" fill="hold">
-                                          <p:stCondLst>
-                                            <p:cond delay="0"/>
-                                          </p:stCondLst>
-                                        </p:cTn>
-                                        <p:tgtEl>
-                                          <p:spTgt spid="13"/>
-                                        </p:tgtEl>
-                                        <p:attrNameLst>
-                                          <p:attrName>style.visibility</p:attrName>
-                                        </p:attrNameLst>
-                                      </p:cBhvr>
-                                      <p:to>
-                                        <p:strVal val="visible"/>
-                                      </p:to>
-                                    </p:set>
-                                    <p:animEffect transition="in" filter="wipe(left)">
-                                      <p:cBhvr>
-                                        <p:cTn id="26" dur="500"/>
-                                        <p:tgtEl>
-                                          <p:spTgt spid="13"/>
-                                        </p:tgtEl>
-                                      </p:cBhvr>
-                                    </p:animEffect>
-                                  </p:childTnLst>
-                                </p:cTn>
-                              </p:par>
-                            </p:childTnLst>
-                          </p:cTn>
-                        </p:par>
-                      </p:childTnLst>
-                    </p:cTn>
-                  </p:par>
-                  <p:par>
-                    <p:cTn id="27" fill="hold">
-                      <p:stCondLst>
-                        <p:cond delay="indefinite"/>
-                      </p:stCondLst>
-                      <p:childTnLst>
-                        <p:par>
-                          <p:cTn id="28" fill="hold">
-                            <p:stCondLst>
-                              <p:cond delay="0"/>
-                            </p:stCondLst>
-                            <p:childTnLst>
-                              <p:par>
-                                <p:cTn id="29" presetID="22" presetClass="entr" presetSubtype="2" fill="hold" nodeType="clickEffect">
-                                  <p:stCondLst>
-                                    <p:cond delay="0"/>
-                                  </p:stCondLst>
-                                  <p:childTnLst>
-                                    <p:set>
-                                      <p:cBhvr>
-                                        <p:cTn id="30" dur="1" fill="hold">
-                                          <p:stCondLst>
-                                            <p:cond delay="0"/>
-                                          </p:stCondLst>
-                                        </p:cTn>
-                                        <p:tgtEl>
-                                          <p:spTgt spid="14"/>
-                                        </p:tgtEl>
-                                        <p:attrNameLst>
-                                          <p:attrName>style.visibility</p:attrName>
-                                        </p:attrNameLst>
-                                      </p:cBhvr>
-                                      <p:to>
-                                        <p:strVal val="visible"/>
-                                      </p:to>
-                                    </p:set>
-                                    <p:animEffect transition="in" filter="wipe(right)">
-                                      <p:cBhvr>
-                                        <p:cTn id="31" dur="500"/>
-                                        <p:tgtEl>
-                                          <p:spTgt spid="14"/>
-                                        </p:tgtEl>
-                                      </p:cBhvr>
-                                    </p:animEffect>
-                                  </p:childTnLst>
-                                </p:cTn>
-                              </p:par>
-                            </p:childTnLst>
-                          </p:cTn>
-                        </p:par>
-                      </p:childTnLst>
-                    </p:cTn>
-                  </p:par>
-                  <p:par>
-                    <p:cTn id="32" fill="hold">
-                      <p:stCondLst>
-                        <p:cond delay="indefinite"/>
-                      </p:stCondLst>
-                      <p:childTnLst>
-                        <p:par>
-                          <p:cTn id="33" fill="hold">
-                            <p:stCondLst>
-                              <p:cond delay="0"/>
-                            </p:stCondLst>
-                            <p:childTnLst>
-                              <p:par>
-                                <p:cTn id="34" presetID="22" presetClass="entr" presetSubtype="4" fill="hold" nodeType="clickEffect">
-                                  <p:stCondLst>
-                                    <p:cond delay="0"/>
-                                  </p:stCondLst>
-                                  <p:childTnLst>
-                                    <p:set>
-                                      <p:cBhvr>
-                                        <p:cTn id="35" dur="1" fill="hold">
-                                          <p:stCondLst>
-                                            <p:cond delay="0"/>
-                                          </p:stCondLst>
-                                        </p:cTn>
-                                        <p:tgtEl>
-                                          <p:spTgt spid="15"/>
-                                        </p:tgtEl>
-                                        <p:attrNameLst>
-                                          <p:attrName>style.visibility</p:attrName>
-                                        </p:attrNameLst>
-                                      </p:cBhvr>
-                                      <p:to>
-                                        <p:strVal val="visible"/>
-                                      </p:to>
-                                    </p:set>
-                                    <p:animEffect transition="in" filter="wipe(down)">
-                                      <p:cBhvr>
-                                        <p:cTn id="36" dur="500"/>
-                                        <p:tgtEl>
-                                          <p:spTgt spid="15"/>
-                                        </p:tgtEl>
-                                      </p:cBhvr>
-                                    </p:animEffect>
-                                  </p:childTnLst>
-                                </p:cTn>
-                              </p:par>
-                            </p:childTnLst>
-                          </p:cTn>
-                        </p:par>
-                      </p:childTnLst>
-                    </p:cTn>
-                  </p:par>
-                  <p:par>
-                    <p:cTn id="37" fill="hold">
-                      <p:stCondLst>
-                        <p:cond delay="indefinite"/>
-                      </p:stCondLst>
-                      <p:childTnLst>
-                        <p:par>
-                          <p:cTn id="38" fill="hold">
-                            <p:stCondLst>
-                              <p:cond delay="0"/>
-                            </p:stCondLst>
-                            <p:childTnLst>
-                              <p:par>
-                                <p:cTn id="39" presetID="1" presetClass="entr" presetSubtype="0" fill="hold" nodeType="clickEffect">
-                                  <p:stCondLst>
-                                    <p:cond delay="0"/>
-                                  </p:stCondLst>
-                                  <p:childTnLst>
-                                    <p:set>
-                                      <p:cBhvr>
-                                        <p:cTn id="40" dur="1" fill="hold">
-                                          <p:stCondLst>
-                                            <p:cond delay="0"/>
-                                          </p:stCondLst>
-                                        </p:cTn>
-                                        <p:tgtEl>
-                                          <p:spTgt spid="16"/>
-                                        </p:tgtEl>
-                                        <p:attrNameLst>
-                                          <p:attrName>style.visibility</p:attrName>
-                                        </p:attrNameLst>
-                                      </p:cBhvr>
-                                      <p:to>
-                                        <p:strVal val="visible"/>
-                                      </p:to>
-                                    </p:set>
-                                  </p:childTnLst>
-                                </p:cTn>
-                              </p:par>
-                            </p:childTnLst>
-                          </p:cTn>
-                        </p:par>
-                      </p:childTnLst>
-                    </p:cTn>
-                  </p:par>
-                  <p:par>
-                    <p:cTn id="41" fill="hold">
-                      <p:stCondLst>
-                        <p:cond delay="indefinite"/>
-                      </p:stCondLst>
-                      <p:childTnLst>
-                        <p:par>
-                          <p:cTn id="42" fill="hold">
-                            <p:stCondLst>
-                              <p:cond delay="0"/>
-                            </p:stCondLst>
-                            <p:childTnLst>
-                              <p:par>
-                                <p:cTn id="43" presetID="1" presetClass="entr" presetSubtype="0" fill="hold" grpId="0" nodeType="clickEffect">
-                                  <p:stCondLst>
-                                    <p:cond delay="0"/>
-                                  </p:stCondLst>
-                                  <p:childTnLst>
-                                    <p:set>
-                                      <p:cBhvr>
-                                        <p:cTn id="44" dur="1" fill="hold">
-                                          <p:stCondLst>
-                                            <p:cond delay="0"/>
-                                          </p:stCondLst>
-                                        </p:cTn>
-                                        <p:tgtEl>
-                                          <p:spTgt spid="17437"/>
-                                        </p:tgtEl>
-                                        <p:attrNameLst>
-                                          <p:attrName>style.visibility</p:attrName>
-                                        </p:attrNameLst>
-                                      </p:cBhvr>
-                                      <p:to>
-                                        <p:strVal val="visible"/>
-                                      </p:to>
-                                    </p:set>
-                                  </p:childTnLst>
-                                </p:cTn>
-                              </p:par>
-                              <p:par>
-                                <p:cTn id="45" presetID="1" presetClass="entr" presetSubtype="0" fill="hold" grpId="0" nodeType="withEffect">
-                                  <p:stCondLst>
-                                    <p:cond delay="0"/>
-                                  </p:stCondLst>
-                                  <p:childTnLst>
-                                    <p:set>
-                                      <p:cBhvr>
-                                        <p:cTn id="46" dur="1" fill="hold">
-                                          <p:stCondLst>
-                                            <p:cond delay="0"/>
-                                          </p:stCondLst>
-                                        </p:cTn>
-                                        <p:tgtEl>
-                                          <p:spTgt spid="49"/>
-                                        </p:tgtEl>
-                                        <p:attrNameLst>
-                                          <p:attrName>style.visibility</p:attrName>
-                                        </p:attrNameLst>
-                                      </p:cBhvr>
-                                      <p:to>
-                                        <p:strVal val="visible"/>
-                                      </p:to>
-                                    </p:set>
-                                  </p:childTnLst>
-                                </p:cTn>
-                              </p:par>
-                            </p:childTnLst>
-                          </p:cTn>
-                        </p:par>
-                      </p:childTnLst>
-                    </p:cTn>
-                  </p:par>
-                  <p:par>
-                    <p:cTn id="47" fill="hold">
-                      <p:stCondLst>
-                        <p:cond delay="indefinite"/>
-                      </p:stCondLst>
-                      <p:childTnLst>
-                        <p:par>
-                          <p:cTn id="48" fill="hold">
-                            <p:stCondLst>
-                              <p:cond delay="0"/>
-                            </p:stCondLst>
-                            <p:childTnLst>
-                              <p:par>
-                                <p:cTn id="49" presetID="1" presetClass="entr" presetSubtype="0" fill="hold" grpId="0" nodeType="clickEffect">
-                                  <p:stCondLst>
-                                    <p:cond delay="0"/>
-                                  </p:stCondLst>
-                                  <p:childTnLst>
-                                    <p:set>
-                                      <p:cBhvr>
-                                        <p:cTn id="50" dur="1" fill="hold">
-                                          <p:stCondLst>
-                                            <p:cond delay="0"/>
-                                          </p:stCondLst>
-                                        </p:cTn>
-                                        <p:tgtEl>
-                                          <p:spTgt spid="54"/>
-                                        </p:tgtEl>
-                                        <p:attrNameLst>
-                                          <p:attrName>style.visibility</p:attrName>
-                                        </p:attrNameLst>
-                                      </p:cBhvr>
-                                      <p:to>
-                                        <p:strVal val="visible"/>
-                                      </p:to>
-                                    </p:set>
-                                  </p:childTnLst>
-                                </p:cTn>
-                              </p:par>
-                            </p:childTnLst>
-                          </p:cTn>
-                        </p:par>
-                      </p:childTnLst>
-                    </p:cTn>
-                  </p:par>
-                  <p:par>
-                    <p:cTn id="51" fill="hold">
-                      <p:stCondLst>
-                        <p:cond delay="indefinite"/>
-                      </p:stCondLst>
-                      <p:childTnLst>
-                        <p:par>
-                          <p:cTn id="52" fill="hold">
-                            <p:stCondLst>
-                              <p:cond delay="0"/>
-                            </p:stCondLst>
-                            <p:childTnLst>
-                              <p:par>
-                                <p:cTn id="53" presetID="1" presetClass="entr" presetSubtype="0" fill="hold" grpId="0" nodeType="clickEffect">
-                                  <p:stCondLst>
-                                    <p:cond delay="0"/>
-                                  </p:stCondLst>
-                                  <p:childTnLst>
-                                    <p:set>
-                                      <p:cBhvr>
-                                        <p:cTn id="54" dur="1" fill="hold">
-                                          <p:stCondLst>
-                                            <p:cond delay="0"/>
-                                          </p:stCondLst>
-                                        </p:cTn>
-                                        <p:tgtEl>
-                                          <p:spTgt spid="17438"/>
-                                        </p:tgtEl>
-                                        <p:attrNameLst>
-                                          <p:attrName>style.visibility</p:attrName>
-                                        </p:attrNameLst>
-                                      </p:cBhvr>
-                                      <p:to>
-                                        <p:strVal val="visible"/>
-                                      </p:to>
-                                    </p:set>
-                                  </p:childTnLst>
-                                </p:cTn>
-                              </p:par>
-                            </p:childTnLst>
-                          </p:cTn>
-                        </p:par>
-                      </p:childTnLst>
-                    </p:cTn>
-                  </p:par>
-                  <p:par>
-                    <p:cTn id="55" fill="hold">
-                      <p:stCondLst>
-                        <p:cond delay="indefinite"/>
-                      </p:stCondLst>
-                      <p:childTnLst>
-                        <p:par>
-                          <p:cTn id="56" fill="hold">
-                            <p:stCondLst>
-                              <p:cond delay="0"/>
-                            </p:stCondLst>
-                            <p:childTnLst>
-                              <p:par>
-                                <p:cTn id="57" presetID="1" presetClass="entr" presetSubtype="0" fill="hold" nodeType="clickEffect">
-                                  <p:stCondLst>
-                                    <p:cond delay="0"/>
-                                  </p:stCondLst>
-                                  <p:childTnLst>
-                                    <p:set>
-                                      <p:cBhvr>
-                                        <p:cTn id="58" dur="1" fill="hold">
-                                          <p:stCondLst>
-                                            <p:cond delay="0"/>
-                                          </p:stCondLst>
-                                        </p:cTn>
-                                        <p:tgtEl>
-                                          <p:spTgt spid="17"/>
-                                        </p:tgtEl>
-                                        <p:attrNameLst>
-                                          <p:attrName>style.visibility</p:attrName>
-                                        </p:attrNameLst>
-                                      </p:cBhvr>
-                                      <p:to>
-                                        <p:strVal val="visible"/>
-                                      </p:to>
-                                    </p:set>
-                                  </p:childTnLst>
-                                </p:cTn>
-                              </p:par>
-                            </p:childTnLst>
-                          </p:cTn>
-                        </p:par>
-                      </p:childTnLst>
-                    </p:cTn>
-                  </p:par>
-                </p:childTnLst>
-              </p:cTn>
-              <p:prevCondLst>
-                <p:cond evt="onPrev" delay="0">
-                  <p:tgtEl>
-                    <p:sldTgt/>
-                  </p:tgtEl>
-                </p:cond>
-              </p:prevCondLst>
-              <p:nextCondLst>
-                <p:cond evt="onNext" delay="0">
-                  <p:tgtEl>
-                    <p:sldTgt/>
-                  </p:tgtEl>
-                </p:cond>
-              </p:nextCondLst>
-            </p:seq>
-          </p:childTnLst>
-        </p:cTn>
+        <p:cTn id="1" dur="indefinite" restart="never" nodeType="tmRoot"/>
       </p:par>
     </p:tnLst>
-    <p:bldLst>
-      <p:bldP spid="17416" grpId="0"/>
-      <p:bldP spid="17437" grpId="0"/>
-      <p:bldP spid="17438" grpId="0"/>
-      <p:bldP spid="49" grpId="0"/>
-      <p:bldP spid="54" grpId="0"/>
-    </p:bldLst>
   </p:timing>
 </p:sld>
 </file>
@@ -23772,6 +22534,13 @@
   <p:clrMapOvr>
     <a:masterClrMapping/>
   </p:clrMapOvr>
+  <p:timing>
+    <p:tnLst>
+      <p:par>
+        <p:cTn id="1" dur="indefinite" restart="never" nodeType="tmRoot"/>
+      </p:par>
+    </p:tnLst>
+  </p:timing>
 </p:sld>
 </file>
 
@@ -23794,1443 +22563,667 @@
       </p:grpSpPr>
       <p:sp>
         <p:nvSpPr>
-          <p:cNvPr id="189442" name="Oval 2"/>
+          <p:cNvPr id="2" name="Title 1"/>
           <p:cNvSpPr>
-            <a:spLocks noChangeArrowheads="1"/>
-          </p:cNvSpPr>
-          <p:nvPr/>
-        </p:nvSpPr>
-        <p:spPr bwMode="auto">
-          <a:xfrm>
-            <a:off x="3581400" y="3017837"/>
-            <a:ext cx="3048000" cy="1554163"/>
-          </a:xfrm>
-          <a:prstGeom prst="ellipse">
-            <a:avLst/>
-          </a:prstGeom>
-          <a:solidFill>
-            <a:srgbClr val="FFFF00"/>
-          </a:solidFill>
-          <a:ln w="57150" cmpd="thickThin">
-            <a:solidFill>
-              <a:schemeClr val="tx1"/>
-            </a:solidFill>
-            <a:round/>
-            <a:headEnd/>
-            <a:tailEnd/>
-          </a:ln>
-          <a:effectLst/>
-          <a:extLst>
-            <a:ext uri="{AF507438-7753-43E0-B8FC-AC1667EBCBE1}">
-              <a14:hiddenEffects xmlns:a14="http://schemas.microsoft.com/office/drawing/2010/main">
-                <a:effectLst>
-                  <a:outerShdw dist="35921" dir="2700000" algn="ctr" rotWithShape="0">
-                    <a:schemeClr val="bg2"/>
-                  </a:outerShdw>
-                </a:effectLst>
-              </a14:hiddenEffects>
-            </a:ext>
-          </a:extLst>
-        </p:spPr>
-        <p:txBody>
-          <a:bodyPr wrap="none" anchor="ctr"/>
-          <a:lstStyle/>
-          <a:p>
-            <a:endParaRPr lang="en-US"/>
-          </a:p>
-        </p:txBody>
-      </p:sp>
-      <p:sp>
-        <p:nvSpPr>
-          <p:cNvPr id="189443" name="Rectangle 3"/>
-          <p:cNvSpPr>
-            <a:spLocks noGrp="1" noChangeArrowheads="1"/>
+            <a:spLocks noGrp="1"/>
           </p:cNvSpPr>
           <p:nvPr>
             <p:ph type="title"/>
           </p:nvPr>
         </p:nvSpPr>
-        <p:spPr>
-          <a:xfrm>
-            <a:off x="228600" y="152400"/>
-            <a:ext cx="8686800" cy="1066800"/>
-          </a:xfrm>
-        </p:spPr>
+        <p:spPr/>
         <p:txBody>
           <a:bodyPr/>
           <a:lstStyle/>
           <a:p>
             <a:r>
-              <a:rPr lang="en-US" altLang="en-US">
-                <a:latin typeface="Arial" charset="0"/>
-              </a:rPr>
-              <a:t>Related Areas</a:t>
-            </a:r>
-          </a:p>
-        </p:txBody>
-      </p:sp>
-      <p:sp>
-        <p:nvSpPr>
-          <p:cNvPr id="189444" name="Oval 4"/>
-          <p:cNvSpPr>
-            <a:spLocks noChangeArrowheads="1"/>
-          </p:cNvSpPr>
-          <p:nvPr/>
-        </p:nvSpPr>
-        <p:spPr bwMode="auto">
-          <a:xfrm>
-            <a:off x="3962400" y="1828800"/>
-            <a:ext cx="3200400" cy="1524000"/>
-          </a:xfrm>
-          <a:prstGeom prst="ellipse">
-            <a:avLst/>
-          </a:prstGeom>
-          <a:noFill/>
-          <a:ln w="9525">
-            <a:solidFill>
-              <a:schemeClr val="tx1"/>
-            </a:solidFill>
-            <a:round/>
-            <a:headEnd/>
-            <a:tailEnd/>
-          </a:ln>
-          <a:effectLst/>
-          <a:extLst>
-            <a:ext uri="{909E8E84-426E-40DD-AFC4-6F175D3DCCD1}">
-              <a14:hiddenFill xmlns:a14="http://schemas.microsoft.com/office/drawing/2010/main">
-                <a:solidFill>
-                  <a:schemeClr val="accent1"/>
-                </a:solidFill>
-              </a14:hiddenFill>
-            </a:ext>
-            <a:ext uri="{AF507438-7753-43E0-B8FC-AC1667EBCBE1}">
-              <a14:hiddenEffects xmlns:a14="http://schemas.microsoft.com/office/drawing/2010/main">
-                <a:effectLst>
-                  <a:outerShdw dist="35921" dir="2700000" algn="ctr" rotWithShape="0">
-                    <a:schemeClr val="bg2"/>
-                  </a:outerShdw>
-                </a:effectLst>
-              </a14:hiddenEffects>
-            </a:ext>
-          </a:extLst>
-        </p:spPr>
-        <p:txBody>
-          <a:bodyPr wrap="none" anchor="ctr"/>
-          <a:lstStyle/>
-          <a:p>
-            <a:endParaRPr lang="en-US"/>
-          </a:p>
-        </p:txBody>
-      </p:sp>
-      <p:sp>
-        <p:nvSpPr>
-          <p:cNvPr id="189445" name="Text Box 5"/>
-          <p:cNvSpPr txBox="1">
-            <a:spLocks noChangeArrowheads="1"/>
-          </p:cNvSpPr>
-          <p:nvPr/>
-        </p:nvSpPr>
-        <p:spPr bwMode="auto">
-          <a:xfrm>
-            <a:off x="4191000" y="3352800"/>
-            <a:ext cx="1964512" cy="954107"/>
-          </a:xfrm>
-          <a:prstGeom prst="rect">
-            <a:avLst/>
-          </a:prstGeom>
-          <a:noFill/>
-          <a:ln>
-            <a:noFill/>
-          </a:ln>
-          <a:effectLst/>
-          <a:extLst>
-            <a:ext uri="{909E8E84-426E-40DD-AFC4-6F175D3DCCD1}">
-              <a14:hiddenFill xmlns:a14="http://schemas.microsoft.com/office/drawing/2010/main">
-                <a:solidFill>
-                  <a:schemeClr val="accent1"/>
-                </a:solidFill>
-              </a14:hiddenFill>
-            </a:ext>
-            <a:ext uri="{91240B29-F687-4F45-9708-019B960494DF}">
-              <a14:hiddenLine xmlns:a14="http://schemas.microsoft.com/office/drawing/2010/main" w="9525">
-                <a:solidFill>
-                  <a:schemeClr val="tx1"/>
-                </a:solidFill>
-                <a:miter lim="800000"/>
-                <a:headEnd/>
-                <a:tailEnd/>
-              </a14:hiddenLine>
-            </a:ext>
-            <a:ext uri="{AF507438-7753-43E0-B8FC-AC1667EBCBE1}">
-              <a14:hiddenEffects xmlns:a14="http://schemas.microsoft.com/office/drawing/2010/main">
-                <a:effectLst>
-                  <a:outerShdw dist="35921" dir="2700000" algn="ctr" rotWithShape="0">
-                    <a:schemeClr val="bg2"/>
-                  </a:outerShdw>
-                </a:effectLst>
-              </a14:hiddenEffects>
-            </a:ext>
-          </a:extLst>
-        </p:spPr>
-        <p:txBody>
-          <a:bodyPr wrap="none">
-            <a:spAutoFit/>
-          </a:bodyPr>
-          <a:lstStyle/>
-          <a:p>
-            <a:r>
-              <a:rPr lang="en-US" altLang="en-US" sz="2800" b="1" dirty="0"/>
-              <a:t>Information</a:t>
-            </a:r>
-          </a:p>
-          <a:p>
-            <a:r>
-              <a:rPr lang="en-US" altLang="en-US" sz="2800" b="1" dirty="0"/>
-              <a:t>Retrieval</a:t>
-            </a:r>
-          </a:p>
-        </p:txBody>
-      </p:sp>
-      <p:sp>
-        <p:nvSpPr>
-          <p:cNvPr id="189446" name="Oval 6"/>
-          <p:cNvSpPr>
-            <a:spLocks noChangeArrowheads="1"/>
-          </p:cNvSpPr>
-          <p:nvPr/>
-        </p:nvSpPr>
-        <p:spPr bwMode="auto">
-          <a:xfrm>
-            <a:off x="1676400" y="3581400"/>
-            <a:ext cx="2590800" cy="1112837"/>
-          </a:xfrm>
-          <a:prstGeom prst="ellipse">
-            <a:avLst/>
-          </a:prstGeom>
-          <a:noFill/>
-          <a:ln w="9525">
-            <a:solidFill>
-              <a:schemeClr val="tx1"/>
-            </a:solidFill>
-            <a:round/>
-            <a:headEnd/>
-            <a:tailEnd/>
-          </a:ln>
-          <a:effectLst/>
-          <a:extLst>
-            <a:ext uri="{909E8E84-426E-40DD-AFC4-6F175D3DCCD1}">
-              <a14:hiddenFill xmlns:a14="http://schemas.microsoft.com/office/drawing/2010/main">
-                <a:solidFill>
-                  <a:schemeClr val="accent1"/>
-                </a:solidFill>
-              </a14:hiddenFill>
-            </a:ext>
-            <a:ext uri="{AF507438-7753-43E0-B8FC-AC1667EBCBE1}">
-              <a14:hiddenEffects xmlns:a14="http://schemas.microsoft.com/office/drawing/2010/main">
-                <a:effectLst>
-                  <a:outerShdw dist="35921" dir="2700000" algn="ctr" rotWithShape="0">
-                    <a:schemeClr val="bg2"/>
-                  </a:outerShdw>
-                </a:effectLst>
-              </a14:hiddenEffects>
-            </a:ext>
-          </a:extLst>
-        </p:spPr>
-        <p:txBody>
-          <a:bodyPr wrap="none" anchor="ctr"/>
-          <a:lstStyle/>
-          <a:p>
-            <a:endParaRPr lang="en-US"/>
-          </a:p>
-        </p:txBody>
-      </p:sp>
-      <p:sp>
-        <p:nvSpPr>
-          <p:cNvPr id="189447" name="Text Box 7"/>
-          <p:cNvSpPr txBox="1">
-            <a:spLocks noChangeArrowheads="1"/>
-          </p:cNvSpPr>
-          <p:nvPr/>
-        </p:nvSpPr>
-        <p:spPr bwMode="auto">
-          <a:xfrm>
-            <a:off x="6781800" y="3962400"/>
-            <a:ext cx="1455738" cy="396875"/>
-          </a:xfrm>
-          <a:prstGeom prst="rect">
-            <a:avLst/>
-          </a:prstGeom>
-          <a:noFill/>
-          <a:ln>
-            <a:noFill/>
-          </a:ln>
-          <a:effectLst/>
-          <a:extLst>
-            <a:ext uri="{909E8E84-426E-40DD-AFC4-6F175D3DCCD1}">
-              <a14:hiddenFill xmlns:a14="http://schemas.microsoft.com/office/drawing/2010/main">
-                <a:solidFill>
-                  <a:schemeClr val="accent1"/>
-                </a:solidFill>
-              </a14:hiddenFill>
-            </a:ext>
-            <a:ext uri="{91240B29-F687-4F45-9708-019B960494DF}">
-              <a14:hiddenLine xmlns:a14="http://schemas.microsoft.com/office/drawing/2010/main" w="9525">
-                <a:solidFill>
-                  <a:schemeClr val="tx1"/>
-                </a:solidFill>
-                <a:miter lim="800000"/>
-                <a:headEnd/>
-                <a:tailEnd/>
-              </a14:hiddenLine>
-            </a:ext>
-            <a:ext uri="{AF507438-7753-43E0-B8FC-AC1667EBCBE1}">
-              <a14:hiddenEffects xmlns:a14="http://schemas.microsoft.com/office/drawing/2010/main">
-                <a:effectLst>
-                  <a:outerShdw dist="35921" dir="2700000" algn="ctr" rotWithShape="0">
-                    <a:schemeClr val="bg2"/>
-                  </a:outerShdw>
-                </a:effectLst>
-              </a14:hiddenEffects>
-            </a:ext>
-          </a:extLst>
-        </p:spPr>
-        <p:txBody>
-          <a:bodyPr wrap="none">
-            <a:spAutoFit/>
-          </a:bodyPr>
-          <a:lstStyle/>
-          <a:p>
-            <a:r>
-              <a:rPr lang="en-US" altLang="en-US" sz="2000" b="1"/>
-              <a:t>Databases</a:t>
-            </a:r>
-          </a:p>
-        </p:txBody>
-      </p:sp>
-      <p:sp>
-        <p:nvSpPr>
-          <p:cNvPr id="189448" name="Oval 8"/>
-          <p:cNvSpPr>
-            <a:spLocks noChangeArrowheads="1"/>
-          </p:cNvSpPr>
-          <p:nvPr/>
-        </p:nvSpPr>
-        <p:spPr bwMode="auto">
-          <a:xfrm>
-            <a:off x="6019800" y="3810000"/>
-            <a:ext cx="2514600" cy="838200"/>
-          </a:xfrm>
-          <a:prstGeom prst="ellipse">
-            <a:avLst/>
-          </a:prstGeom>
-          <a:noFill/>
-          <a:ln w="9525">
-            <a:solidFill>
-              <a:schemeClr val="tx1"/>
-            </a:solidFill>
-            <a:round/>
-            <a:headEnd/>
-            <a:tailEnd/>
-          </a:ln>
-          <a:effectLst/>
-          <a:extLst>
-            <a:ext uri="{909E8E84-426E-40DD-AFC4-6F175D3DCCD1}">
-              <a14:hiddenFill xmlns:a14="http://schemas.microsoft.com/office/drawing/2010/main">
-                <a:solidFill>
-                  <a:schemeClr val="accent1"/>
-                </a:solidFill>
-              </a14:hiddenFill>
-            </a:ext>
-            <a:ext uri="{AF507438-7753-43E0-B8FC-AC1667EBCBE1}">
-              <a14:hiddenEffects xmlns:a14="http://schemas.microsoft.com/office/drawing/2010/main">
-                <a:effectLst>
-                  <a:outerShdw dist="35921" dir="2700000" algn="ctr" rotWithShape="0">
-                    <a:schemeClr val="bg2"/>
-                  </a:outerShdw>
-                </a:effectLst>
-              </a14:hiddenEffects>
-            </a:ext>
-          </a:extLst>
-        </p:spPr>
-        <p:txBody>
-          <a:bodyPr wrap="none" anchor="ctr"/>
-          <a:lstStyle/>
-          <a:p>
-            <a:endParaRPr lang="en-US"/>
-          </a:p>
-        </p:txBody>
-      </p:sp>
-      <p:sp>
-        <p:nvSpPr>
-          <p:cNvPr id="189449" name="Text Box 9"/>
-          <p:cNvSpPr txBox="1">
-            <a:spLocks noChangeArrowheads="1"/>
-          </p:cNvSpPr>
-          <p:nvPr/>
-        </p:nvSpPr>
-        <p:spPr bwMode="auto">
-          <a:xfrm>
-            <a:off x="6781800" y="3048000"/>
-            <a:ext cx="1833563" cy="701675"/>
-          </a:xfrm>
-          <a:prstGeom prst="rect">
-            <a:avLst/>
-          </a:prstGeom>
-          <a:noFill/>
-          <a:ln>
-            <a:noFill/>
-          </a:ln>
-          <a:effectLst/>
-          <a:extLst>
-            <a:ext uri="{909E8E84-426E-40DD-AFC4-6F175D3DCCD1}">
-              <a14:hiddenFill xmlns:a14="http://schemas.microsoft.com/office/drawing/2010/main">
-                <a:solidFill>
-                  <a:schemeClr val="accent1"/>
-                </a:solidFill>
-              </a14:hiddenFill>
-            </a:ext>
-            <a:ext uri="{91240B29-F687-4F45-9708-019B960494DF}">
-              <a14:hiddenLine xmlns:a14="http://schemas.microsoft.com/office/drawing/2010/main" w="9525">
-                <a:solidFill>
-                  <a:schemeClr val="tx1"/>
-                </a:solidFill>
-                <a:miter lim="800000"/>
-                <a:headEnd/>
-                <a:tailEnd/>
-              </a14:hiddenLine>
-            </a:ext>
-            <a:ext uri="{AF507438-7753-43E0-B8FC-AC1667EBCBE1}">
-              <a14:hiddenEffects xmlns:a14="http://schemas.microsoft.com/office/drawing/2010/main">
-                <a:effectLst>
-                  <a:outerShdw dist="35921" dir="2700000" algn="ctr" rotWithShape="0">
-                    <a:schemeClr val="bg2"/>
-                  </a:outerShdw>
-                </a:effectLst>
-              </a14:hiddenEffects>
-            </a:ext>
-          </a:extLst>
-        </p:spPr>
-        <p:txBody>
-          <a:bodyPr wrap="none">
-            <a:spAutoFit/>
-          </a:bodyPr>
-          <a:lstStyle/>
-          <a:p>
-            <a:r>
-              <a:rPr lang="en-US" altLang="en-US" sz="2000" b="1"/>
-              <a:t>Library &amp; Info</a:t>
-            </a:r>
-          </a:p>
-          <a:p>
-            <a:r>
-              <a:rPr lang="en-US" altLang="en-US" sz="2000" b="1"/>
-              <a:t>Science</a:t>
-            </a:r>
-          </a:p>
-        </p:txBody>
-      </p:sp>
-      <p:sp>
-        <p:nvSpPr>
-          <p:cNvPr id="189450" name="Oval 10"/>
-          <p:cNvSpPr>
-            <a:spLocks noChangeArrowheads="1"/>
-          </p:cNvSpPr>
-          <p:nvPr/>
-        </p:nvSpPr>
-        <p:spPr bwMode="auto">
-          <a:xfrm>
-            <a:off x="6096000" y="2743200"/>
-            <a:ext cx="2743200" cy="1219200"/>
-          </a:xfrm>
-          <a:prstGeom prst="ellipse">
-            <a:avLst/>
-          </a:prstGeom>
-          <a:noFill/>
-          <a:ln w="9525">
-            <a:solidFill>
-              <a:schemeClr val="tx1"/>
-            </a:solidFill>
-            <a:round/>
-            <a:headEnd/>
-            <a:tailEnd/>
-          </a:ln>
-          <a:effectLst/>
-          <a:extLst>
-            <a:ext uri="{909E8E84-426E-40DD-AFC4-6F175D3DCCD1}">
-              <a14:hiddenFill xmlns:a14="http://schemas.microsoft.com/office/drawing/2010/main">
-                <a:solidFill>
-                  <a:schemeClr val="accent1"/>
-                </a:solidFill>
-              </a14:hiddenFill>
-            </a:ext>
-            <a:ext uri="{AF507438-7753-43E0-B8FC-AC1667EBCBE1}">
-              <a14:hiddenEffects xmlns:a14="http://schemas.microsoft.com/office/drawing/2010/main">
-                <a:effectLst>
-                  <a:outerShdw dist="35921" dir="2700000" algn="ctr" rotWithShape="0">
-                    <a:schemeClr val="bg2"/>
-                  </a:outerShdw>
-                </a:effectLst>
-              </a14:hiddenEffects>
-            </a:ext>
-          </a:extLst>
-        </p:spPr>
-        <p:txBody>
-          <a:bodyPr wrap="none" anchor="ctr"/>
-          <a:lstStyle/>
-          <a:p>
-            <a:endParaRPr lang="en-US"/>
-          </a:p>
-        </p:txBody>
-      </p:sp>
-      <p:sp>
-        <p:nvSpPr>
-          <p:cNvPr id="189451" name="Text Box 11"/>
-          <p:cNvSpPr txBox="1">
-            <a:spLocks noChangeArrowheads="1"/>
-          </p:cNvSpPr>
-          <p:nvPr/>
-        </p:nvSpPr>
-        <p:spPr bwMode="auto">
-          <a:xfrm>
-            <a:off x="2057400" y="2732157"/>
-            <a:ext cx="2290050" cy="707886"/>
-          </a:xfrm>
-          <a:prstGeom prst="rect">
-            <a:avLst/>
-          </a:prstGeom>
-          <a:noFill/>
-          <a:ln>
-            <a:noFill/>
-          </a:ln>
-          <a:effectLst/>
-          <a:extLst>
-            <a:ext uri="{909E8E84-426E-40DD-AFC4-6F175D3DCCD1}">
-              <a14:hiddenFill xmlns:a14="http://schemas.microsoft.com/office/drawing/2010/main">
-                <a:solidFill>
-                  <a:schemeClr val="accent1"/>
-                </a:solidFill>
-              </a14:hiddenFill>
-            </a:ext>
-            <a:ext uri="{91240B29-F687-4F45-9708-019B960494DF}">
-              <a14:hiddenLine xmlns:a14="http://schemas.microsoft.com/office/drawing/2010/main" w="9525">
-                <a:solidFill>
-                  <a:schemeClr val="tx1"/>
-                </a:solidFill>
-                <a:miter lim="800000"/>
-                <a:headEnd/>
-                <a:tailEnd/>
-              </a14:hiddenLine>
-            </a:ext>
-            <a:ext uri="{AF507438-7753-43E0-B8FC-AC1667EBCBE1}">
-              <a14:hiddenEffects xmlns:a14="http://schemas.microsoft.com/office/drawing/2010/main">
-                <a:effectLst>
-                  <a:outerShdw dist="35921" dir="2700000" algn="ctr" rotWithShape="0">
-                    <a:schemeClr val="bg2"/>
-                  </a:outerShdw>
-                </a:effectLst>
-              </a14:hiddenEffects>
-            </a:ext>
-          </a:extLst>
-        </p:spPr>
-        <p:txBody>
-          <a:bodyPr wrap="none">
-            <a:spAutoFit/>
-          </a:bodyPr>
-          <a:lstStyle/>
-          <a:p>
-            <a:r>
-              <a:rPr lang="en-US" altLang="en-US" sz="2000" b="1" dirty="0"/>
-              <a:t>Machine Learning</a:t>
-            </a:r>
-          </a:p>
-          <a:p>
-            <a:r>
-              <a:rPr lang="en-US" altLang="en-US" sz="2000" b="1" dirty="0"/>
-              <a:t>Pattern </a:t>
-            </a:r>
-            <a:r>
-              <a:rPr lang="en-US" altLang="en-US" sz="2000" b="1" dirty="0" smtClean="0"/>
-              <a:t>Recognition</a:t>
-            </a:r>
-            <a:endParaRPr lang="en-US" altLang="en-US" sz="2000" b="1" dirty="0"/>
-          </a:p>
-        </p:txBody>
-      </p:sp>
-      <p:sp>
-        <p:nvSpPr>
-          <p:cNvPr id="189452" name="Oval 12"/>
-          <p:cNvSpPr>
-            <a:spLocks noChangeArrowheads="1"/>
-          </p:cNvSpPr>
-          <p:nvPr/>
-        </p:nvSpPr>
-        <p:spPr bwMode="auto">
-          <a:xfrm>
-            <a:off x="1752600" y="2286000"/>
-            <a:ext cx="2819400" cy="1600200"/>
-          </a:xfrm>
-          <a:prstGeom prst="ellipse">
-            <a:avLst/>
-          </a:prstGeom>
-          <a:noFill/>
-          <a:ln w="9525">
-            <a:solidFill>
-              <a:schemeClr val="tx1"/>
-            </a:solidFill>
-            <a:round/>
-            <a:headEnd/>
-            <a:tailEnd/>
-          </a:ln>
-          <a:effectLst/>
-          <a:extLst>
-            <a:ext uri="{909E8E84-426E-40DD-AFC4-6F175D3DCCD1}">
-              <a14:hiddenFill xmlns:a14="http://schemas.microsoft.com/office/drawing/2010/main">
-                <a:solidFill>
-                  <a:schemeClr val="accent1"/>
-                </a:solidFill>
-              </a14:hiddenFill>
-            </a:ext>
-            <a:ext uri="{AF507438-7753-43E0-B8FC-AC1667EBCBE1}">
-              <a14:hiddenEffects xmlns:a14="http://schemas.microsoft.com/office/drawing/2010/main">
-                <a:effectLst>
-                  <a:outerShdw dist="35921" dir="2700000" algn="ctr" rotWithShape="0">
-                    <a:schemeClr val="bg2"/>
-                  </a:outerShdw>
-                </a:effectLst>
-              </a14:hiddenEffects>
-            </a:ext>
-          </a:extLst>
-        </p:spPr>
-        <p:txBody>
-          <a:bodyPr wrap="none" anchor="ctr"/>
-          <a:lstStyle/>
-          <a:p>
-            <a:endParaRPr lang="en-US"/>
-          </a:p>
-        </p:txBody>
-      </p:sp>
-      <p:sp>
-        <p:nvSpPr>
-          <p:cNvPr id="189453" name="Text Box 13"/>
-          <p:cNvSpPr txBox="1">
-            <a:spLocks noChangeArrowheads="1"/>
-          </p:cNvSpPr>
-          <p:nvPr/>
-        </p:nvSpPr>
-        <p:spPr bwMode="auto">
-          <a:xfrm>
-            <a:off x="2362200" y="3632537"/>
-            <a:ext cx="1311641" cy="1015663"/>
-          </a:xfrm>
-          <a:prstGeom prst="rect">
-            <a:avLst/>
-          </a:prstGeom>
-          <a:noFill/>
-          <a:ln>
-            <a:noFill/>
-          </a:ln>
-          <a:effectLst/>
-          <a:extLst>
-            <a:ext uri="{909E8E84-426E-40DD-AFC4-6F175D3DCCD1}">
-              <a14:hiddenFill xmlns:a14="http://schemas.microsoft.com/office/drawing/2010/main">
-                <a:solidFill>
-                  <a:schemeClr val="accent1"/>
-                </a:solidFill>
-              </a14:hiddenFill>
-            </a:ext>
-            <a:ext uri="{91240B29-F687-4F45-9708-019B960494DF}">
-              <a14:hiddenLine xmlns:a14="http://schemas.microsoft.com/office/drawing/2010/main" w="9525">
-                <a:solidFill>
-                  <a:schemeClr val="tx1"/>
-                </a:solidFill>
-                <a:miter lim="800000"/>
-                <a:headEnd/>
-                <a:tailEnd/>
-              </a14:hiddenLine>
-            </a:ext>
-            <a:ext uri="{AF507438-7753-43E0-B8FC-AC1667EBCBE1}">
-              <a14:hiddenEffects xmlns:a14="http://schemas.microsoft.com/office/drawing/2010/main">
-                <a:effectLst>
-                  <a:outerShdw dist="35921" dir="2700000" algn="ctr" rotWithShape="0">
-                    <a:schemeClr val="bg2"/>
-                  </a:outerShdw>
-                </a:effectLst>
-              </a14:hiddenEffects>
-            </a:ext>
-          </a:extLst>
-        </p:spPr>
-        <p:txBody>
-          <a:bodyPr wrap="none">
-            <a:spAutoFit/>
-          </a:bodyPr>
-          <a:lstStyle/>
-          <a:p>
-            <a:r>
-              <a:rPr lang="en-US" altLang="en-US" sz="2000" b="1" dirty="0"/>
-              <a:t>Natural</a:t>
-            </a:r>
-          </a:p>
-          <a:p>
-            <a:r>
-              <a:rPr lang="en-US" altLang="en-US" sz="2000" b="1" dirty="0"/>
-              <a:t>Language</a:t>
-            </a:r>
-          </a:p>
-          <a:p>
-            <a:r>
-              <a:rPr lang="en-US" altLang="en-US" sz="2000" b="1" dirty="0"/>
-              <a:t>Processing</a:t>
-            </a:r>
-          </a:p>
-        </p:txBody>
-      </p:sp>
-      <p:sp>
-        <p:nvSpPr>
-          <p:cNvPr id="189454" name="Text Box 14"/>
-          <p:cNvSpPr txBox="1">
-            <a:spLocks noChangeArrowheads="1"/>
-          </p:cNvSpPr>
-          <p:nvPr/>
-        </p:nvSpPr>
-        <p:spPr bwMode="auto">
-          <a:xfrm>
-            <a:off x="4572000" y="2163762"/>
-            <a:ext cx="2114490" cy="707886"/>
-          </a:xfrm>
-          <a:prstGeom prst="rect">
-            <a:avLst/>
-          </a:prstGeom>
-          <a:noFill/>
-          <a:ln>
-            <a:noFill/>
-          </a:ln>
-          <a:effectLst/>
-          <a:extLst>
-            <a:ext uri="{909E8E84-426E-40DD-AFC4-6F175D3DCCD1}">
-              <a14:hiddenFill xmlns:a14="http://schemas.microsoft.com/office/drawing/2010/main">
-                <a:solidFill>
-                  <a:schemeClr val="accent1"/>
-                </a:solidFill>
-              </a14:hiddenFill>
-            </a:ext>
-            <a:ext uri="{91240B29-F687-4F45-9708-019B960494DF}">
-              <a14:hiddenLine xmlns:a14="http://schemas.microsoft.com/office/drawing/2010/main" w="9525">
-                <a:solidFill>
-                  <a:schemeClr val="tx1"/>
-                </a:solidFill>
-                <a:miter lim="800000"/>
-                <a:headEnd/>
-                <a:tailEnd/>
-              </a14:hiddenLine>
-            </a:ext>
-            <a:ext uri="{AF507438-7753-43E0-B8FC-AC1667EBCBE1}">
-              <a14:hiddenEffects xmlns:a14="http://schemas.microsoft.com/office/drawing/2010/main">
-                <a:effectLst>
-                  <a:outerShdw dist="35921" dir="2700000" algn="ctr" rotWithShape="0">
-                    <a:schemeClr val="bg2"/>
-                  </a:outerShdw>
-                </a:effectLst>
-              </a14:hiddenEffects>
-            </a:ext>
-          </a:extLst>
-        </p:spPr>
-        <p:txBody>
-          <a:bodyPr wrap="none">
-            <a:spAutoFit/>
-          </a:bodyPr>
-          <a:lstStyle/>
-          <a:p>
-            <a:r>
-              <a:rPr lang="en-US" altLang="en-US" sz="2000" b="1" dirty="0" smtClean="0"/>
-              <a:t>Web Applications,</a:t>
-            </a:r>
-          </a:p>
-          <a:p>
-            <a:r>
-              <a:rPr lang="en-US" altLang="en-US" sz="2000" b="1" dirty="0" smtClean="0"/>
-              <a:t>Bioinformatics</a:t>
-            </a:r>
-            <a:r>
-              <a:rPr lang="en-US" altLang="en-US" sz="2000" b="1" dirty="0"/>
-              <a:t>…</a:t>
-            </a:r>
-          </a:p>
-        </p:txBody>
-      </p:sp>
-      <p:sp>
-        <p:nvSpPr>
-          <p:cNvPr id="189455" name="Oval 15"/>
-          <p:cNvSpPr>
-            <a:spLocks noChangeArrowheads="1"/>
-          </p:cNvSpPr>
-          <p:nvPr/>
-        </p:nvSpPr>
-        <p:spPr bwMode="auto">
-          <a:xfrm>
-            <a:off x="824391" y="3114393"/>
-            <a:ext cx="1539413" cy="2031634"/>
-          </a:xfrm>
-          <a:prstGeom prst="ellipse">
-            <a:avLst/>
-          </a:prstGeom>
-          <a:noFill/>
-          <a:ln w="9525">
-            <a:solidFill>
-              <a:schemeClr val="tx1"/>
-            </a:solidFill>
-            <a:round/>
-            <a:headEnd/>
-            <a:tailEnd/>
-          </a:ln>
-          <a:effectLst/>
-          <a:extLst>
-            <a:ext uri="{909E8E84-426E-40DD-AFC4-6F175D3DCCD1}">
-              <a14:hiddenFill xmlns:a14="http://schemas.microsoft.com/office/drawing/2010/main">
-                <a:solidFill>
-                  <a:schemeClr val="accent1"/>
-                </a:solidFill>
-              </a14:hiddenFill>
-            </a:ext>
-            <a:ext uri="{AF507438-7753-43E0-B8FC-AC1667EBCBE1}">
-              <a14:hiddenEffects xmlns:a14="http://schemas.microsoft.com/office/drawing/2010/main">
-                <a:effectLst>
-                  <a:outerShdw dist="35921" dir="2700000" algn="ctr" rotWithShape="0">
-                    <a:schemeClr val="bg2"/>
-                  </a:outerShdw>
-                </a:effectLst>
-              </a14:hiddenEffects>
-            </a:ext>
-          </a:extLst>
-        </p:spPr>
-        <p:txBody>
-          <a:bodyPr wrap="none" anchor="ctr"/>
-          <a:lstStyle/>
-          <a:p>
-            <a:endParaRPr lang="en-US"/>
-          </a:p>
-        </p:txBody>
-      </p:sp>
-      <p:sp>
-        <p:nvSpPr>
-          <p:cNvPr id="189456" name="Text Box 16"/>
-          <p:cNvSpPr txBox="1">
-            <a:spLocks noChangeArrowheads="1"/>
-          </p:cNvSpPr>
-          <p:nvPr/>
-        </p:nvSpPr>
-        <p:spPr bwMode="auto">
-          <a:xfrm>
-            <a:off x="838200" y="3794125"/>
-            <a:ext cx="1719262" cy="701675"/>
-          </a:xfrm>
-          <a:prstGeom prst="rect">
-            <a:avLst/>
-          </a:prstGeom>
-          <a:noFill/>
-          <a:ln>
-            <a:noFill/>
-          </a:ln>
-          <a:effectLst/>
-          <a:extLst>
-            <a:ext uri="{909E8E84-426E-40DD-AFC4-6F175D3DCCD1}">
-              <a14:hiddenFill xmlns:a14="http://schemas.microsoft.com/office/drawing/2010/main">
-                <a:solidFill>
-                  <a:schemeClr val="accent1"/>
-                </a:solidFill>
-              </a14:hiddenFill>
-            </a:ext>
-            <a:ext uri="{91240B29-F687-4F45-9708-019B960494DF}">
-              <a14:hiddenLine xmlns:a14="http://schemas.microsoft.com/office/drawing/2010/main" w="9525">
-                <a:solidFill>
-                  <a:schemeClr val="tx1"/>
-                </a:solidFill>
-                <a:miter lim="800000"/>
-                <a:headEnd/>
-                <a:tailEnd/>
-              </a14:hiddenLine>
-            </a:ext>
-            <a:ext uri="{AF507438-7753-43E0-B8FC-AC1667EBCBE1}">
-              <a14:hiddenEffects xmlns:a14="http://schemas.microsoft.com/office/drawing/2010/main">
-                <a:effectLst>
-                  <a:outerShdw dist="35921" dir="2700000" algn="ctr" rotWithShape="0">
-                    <a:schemeClr val="bg2"/>
-                  </a:outerShdw>
-                </a:effectLst>
-              </a14:hiddenEffects>
-            </a:ext>
-          </a:extLst>
-        </p:spPr>
-        <p:txBody>
-          <a:bodyPr wrap="none">
-            <a:spAutoFit/>
-          </a:bodyPr>
-          <a:lstStyle/>
-          <a:p>
-            <a:r>
-              <a:rPr lang="en-US" altLang="en-US" sz="2000" b="1" dirty="0"/>
-              <a:t>Statistics</a:t>
-            </a:r>
-          </a:p>
-          <a:p>
-            <a:r>
-              <a:rPr lang="en-US" altLang="en-US" sz="2000" b="1" dirty="0"/>
-              <a:t>Optimization</a:t>
-            </a:r>
-          </a:p>
-        </p:txBody>
-      </p:sp>
-      <p:sp>
-        <p:nvSpPr>
-          <p:cNvPr id="189457" name="Text Box 17"/>
-          <p:cNvSpPr txBox="1">
-            <a:spLocks noChangeArrowheads="1"/>
-          </p:cNvSpPr>
-          <p:nvPr/>
-        </p:nvSpPr>
-        <p:spPr bwMode="auto">
-          <a:xfrm>
-            <a:off x="4534301" y="4694237"/>
-            <a:ext cx="2765425" cy="701675"/>
-          </a:xfrm>
-          <a:prstGeom prst="rect">
-            <a:avLst/>
-          </a:prstGeom>
-          <a:noFill/>
-          <a:ln>
-            <a:noFill/>
-          </a:ln>
-          <a:effectLst/>
-          <a:extLst>
-            <a:ext uri="{909E8E84-426E-40DD-AFC4-6F175D3DCCD1}">
-              <a14:hiddenFill xmlns:a14="http://schemas.microsoft.com/office/drawing/2010/main">
-                <a:solidFill>
-                  <a:schemeClr val="accent1"/>
-                </a:solidFill>
-              </a14:hiddenFill>
-            </a:ext>
-            <a:ext uri="{91240B29-F687-4F45-9708-019B960494DF}">
-              <a14:hiddenLine xmlns:a14="http://schemas.microsoft.com/office/drawing/2010/main" w="9525">
-                <a:solidFill>
-                  <a:schemeClr val="tx1"/>
-                </a:solidFill>
-                <a:miter lim="800000"/>
-                <a:headEnd/>
-                <a:tailEnd/>
-              </a14:hiddenLine>
-            </a:ext>
-            <a:ext uri="{AF507438-7753-43E0-B8FC-AC1667EBCBE1}">
-              <a14:hiddenEffects xmlns:a14="http://schemas.microsoft.com/office/drawing/2010/main">
-                <a:effectLst>
-                  <a:outerShdw dist="35921" dir="2700000" algn="ctr" rotWithShape="0">
-                    <a:schemeClr val="bg2"/>
-                  </a:outerShdw>
-                </a:effectLst>
-              </a14:hiddenEffects>
-            </a:ext>
-          </a:extLst>
-        </p:spPr>
-        <p:txBody>
-          <a:bodyPr wrap="none">
-            <a:spAutoFit/>
-          </a:bodyPr>
-          <a:lstStyle/>
-          <a:p>
-            <a:r>
-              <a:rPr lang="en-US" altLang="en-US" sz="2000" b="1" dirty="0"/>
-              <a:t>Software engineering</a:t>
-            </a:r>
-          </a:p>
-          <a:p>
-            <a:r>
-              <a:rPr lang="en-US" altLang="en-US" sz="2000" b="1" dirty="0"/>
-              <a:t>Computer systems</a:t>
-            </a:r>
-          </a:p>
-        </p:txBody>
-      </p:sp>
-      <p:sp>
-        <p:nvSpPr>
-          <p:cNvPr id="189458" name="Oval 18"/>
-          <p:cNvSpPr>
-            <a:spLocks noChangeArrowheads="1"/>
-          </p:cNvSpPr>
-          <p:nvPr/>
-        </p:nvSpPr>
-        <p:spPr bwMode="auto">
-          <a:xfrm>
-            <a:off x="4114800" y="4267200"/>
-            <a:ext cx="3124200" cy="1447800"/>
-          </a:xfrm>
-          <a:prstGeom prst="ellipse">
-            <a:avLst/>
-          </a:prstGeom>
-          <a:noFill/>
-          <a:ln w="9525">
-            <a:solidFill>
-              <a:schemeClr val="tx1"/>
-            </a:solidFill>
-            <a:round/>
-            <a:headEnd/>
-            <a:tailEnd/>
-          </a:ln>
-          <a:effectLst/>
-          <a:extLst>
-            <a:ext uri="{909E8E84-426E-40DD-AFC4-6F175D3DCCD1}">
-              <a14:hiddenFill xmlns:a14="http://schemas.microsoft.com/office/drawing/2010/main">
-                <a:solidFill>
-                  <a:schemeClr val="accent1"/>
-                </a:solidFill>
-              </a14:hiddenFill>
-            </a:ext>
-            <a:ext uri="{AF507438-7753-43E0-B8FC-AC1667EBCBE1}">
-              <a14:hiddenEffects xmlns:a14="http://schemas.microsoft.com/office/drawing/2010/main">
-                <a:effectLst>
-                  <a:outerShdw dist="35921" dir="2700000" algn="ctr" rotWithShape="0">
-                    <a:schemeClr val="bg2"/>
-                  </a:outerShdw>
-                </a:effectLst>
-              </a14:hiddenEffects>
-            </a:ext>
-          </a:extLst>
-        </p:spPr>
-        <p:txBody>
-          <a:bodyPr wrap="none" anchor="ctr"/>
-          <a:lstStyle/>
-          <a:p>
-            <a:endParaRPr lang="en-US"/>
-          </a:p>
-        </p:txBody>
-      </p:sp>
-      <p:sp>
-        <p:nvSpPr>
-          <p:cNvPr id="189459" name="Rectangle 19"/>
-          <p:cNvSpPr>
-            <a:spLocks noChangeArrowheads="1"/>
-          </p:cNvSpPr>
-          <p:nvPr/>
-        </p:nvSpPr>
-        <p:spPr bwMode="auto">
-          <a:xfrm>
-            <a:off x="4572000" y="1295400"/>
-            <a:ext cx="4343400" cy="4876800"/>
-          </a:xfrm>
-          <a:prstGeom prst="rect">
-            <a:avLst/>
-          </a:prstGeom>
-          <a:noFill/>
-          <a:ln w="38100">
-            <a:solidFill>
-              <a:srgbClr val="808080"/>
-            </a:solidFill>
-            <a:prstDash val="dash"/>
-            <a:miter lim="800000"/>
-            <a:headEnd/>
-            <a:tailEnd/>
-          </a:ln>
-          <a:effectLst/>
-          <a:extLst>
-            <a:ext uri="{909E8E84-426E-40DD-AFC4-6F175D3DCCD1}">
-              <a14:hiddenFill xmlns:a14="http://schemas.microsoft.com/office/drawing/2010/main">
-                <a:solidFill>
-                  <a:schemeClr val="accent1"/>
-                </a:solidFill>
-              </a14:hiddenFill>
-            </a:ext>
-            <a:ext uri="{AF507438-7753-43E0-B8FC-AC1667EBCBE1}">
-              <a14:hiddenEffects xmlns:a14="http://schemas.microsoft.com/office/drawing/2010/main">
-                <a:effectLst>
-                  <a:outerShdw dist="35921" dir="2700000" algn="ctr" rotWithShape="0">
-                    <a:schemeClr val="bg2"/>
-                  </a:outerShdw>
-                </a:effectLst>
-              </a14:hiddenEffects>
-            </a:ext>
-          </a:extLst>
-        </p:spPr>
-        <p:txBody>
-          <a:bodyPr wrap="none" anchor="ctr"/>
-          <a:lstStyle/>
-          <a:p>
-            <a:endParaRPr lang="en-US"/>
-          </a:p>
-        </p:txBody>
-      </p:sp>
-      <p:sp>
-        <p:nvSpPr>
-          <p:cNvPr id="189460" name="Rectangle 20"/>
-          <p:cNvSpPr>
-            <a:spLocks noChangeArrowheads="1"/>
-          </p:cNvSpPr>
-          <p:nvPr/>
-        </p:nvSpPr>
-        <p:spPr bwMode="auto">
-          <a:xfrm>
-            <a:off x="228600" y="1600200"/>
-            <a:ext cx="4114800" cy="4343400"/>
-          </a:xfrm>
-          <a:prstGeom prst="rect">
-            <a:avLst/>
-          </a:prstGeom>
-          <a:noFill/>
-          <a:ln w="38100">
-            <a:solidFill>
-              <a:srgbClr val="808080"/>
-            </a:solidFill>
-            <a:prstDash val="dash"/>
-            <a:miter lim="800000"/>
-            <a:headEnd/>
-            <a:tailEnd/>
-          </a:ln>
-          <a:effectLst/>
-          <a:extLst>
-            <a:ext uri="{909E8E84-426E-40DD-AFC4-6F175D3DCCD1}">
-              <a14:hiddenFill xmlns:a14="http://schemas.microsoft.com/office/drawing/2010/main">
-                <a:solidFill>
-                  <a:schemeClr val="accent1"/>
-                </a:solidFill>
-              </a14:hiddenFill>
-            </a:ext>
-            <a:ext uri="{AF507438-7753-43E0-B8FC-AC1667EBCBE1}">
-              <a14:hiddenEffects xmlns:a14="http://schemas.microsoft.com/office/drawing/2010/main">
-                <a:effectLst>
-                  <a:outerShdw dist="35921" dir="2700000" algn="ctr" rotWithShape="0">
-                    <a:schemeClr val="bg2"/>
-                  </a:outerShdw>
-                </a:effectLst>
-              </a14:hiddenEffects>
-            </a:ext>
-          </a:extLst>
-        </p:spPr>
-        <p:txBody>
-          <a:bodyPr wrap="none" anchor="ctr"/>
-          <a:lstStyle/>
-          <a:p>
-            <a:endParaRPr lang="en-US"/>
-          </a:p>
-        </p:txBody>
-      </p:sp>
-      <p:sp>
-        <p:nvSpPr>
-          <p:cNvPr id="189461" name="Text Box 21"/>
-          <p:cNvSpPr txBox="1">
-            <a:spLocks noChangeArrowheads="1"/>
-          </p:cNvSpPr>
-          <p:nvPr/>
-        </p:nvSpPr>
-        <p:spPr bwMode="auto">
-          <a:xfrm>
-            <a:off x="304800" y="1676400"/>
-            <a:ext cx="1414746" cy="369332"/>
-          </a:xfrm>
-          <a:prstGeom prst="rect">
-            <a:avLst/>
-          </a:prstGeom>
-          <a:solidFill>
-            <a:srgbClr val="FFFF00"/>
-          </a:solidFill>
-          <a:ln>
-            <a:noFill/>
-          </a:ln>
-          <a:effectLst/>
-          <a:extLst>
-            <a:ext uri="{91240B29-F687-4F45-9708-019B960494DF}">
-              <a14:hiddenLine xmlns:a14="http://schemas.microsoft.com/office/drawing/2010/main" w="9525">
-                <a:solidFill>
-                  <a:schemeClr val="tx1"/>
-                </a:solidFill>
-                <a:miter lim="800000"/>
-                <a:headEnd/>
-                <a:tailEnd/>
-              </a14:hiddenLine>
-            </a:ext>
-            <a:ext uri="{AF507438-7753-43E0-B8FC-AC1667EBCBE1}">
-              <a14:hiddenEffects xmlns:a14="http://schemas.microsoft.com/office/drawing/2010/main">
-                <a:effectLst>
-                  <a:outerShdw dist="35921" dir="2700000" algn="ctr" rotWithShape="0">
-                    <a:schemeClr val="bg2"/>
-                  </a:outerShdw>
-                </a:effectLst>
-              </a14:hiddenEffects>
-            </a:ext>
-          </a:extLst>
-        </p:spPr>
-        <p:txBody>
-          <a:bodyPr wrap="none">
-            <a:spAutoFit/>
-          </a:bodyPr>
-          <a:lstStyle/>
-          <a:p>
-            <a:pPr algn="ctr"/>
-            <a:r>
-              <a:rPr lang="en-US" altLang="en-US" dirty="0" smtClean="0"/>
-              <a:t>Mathematics</a:t>
-            </a:r>
-            <a:endParaRPr lang="en-US" altLang="en-US" dirty="0"/>
-          </a:p>
-        </p:txBody>
-      </p:sp>
-      <p:sp>
-        <p:nvSpPr>
-          <p:cNvPr id="189462" name="Text Box 22"/>
-          <p:cNvSpPr txBox="1">
-            <a:spLocks noChangeArrowheads="1"/>
-          </p:cNvSpPr>
-          <p:nvPr/>
-        </p:nvSpPr>
-        <p:spPr bwMode="auto">
-          <a:xfrm>
-            <a:off x="286111" y="5498068"/>
-            <a:ext cx="1205778" cy="369332"/>
-          </a:xfrm>
-          <a:prstGeom prst="rect">
-            <a:avLst/>
-          </a:prstGeom>
-          <a:solidFill>
-            <a:srgbClr val="FFFF00"/>
-          </a:solidFill>
-          <a:ln>
-            <a:noFill/>
-          </a:ln>
-          <a:effectLst/>
-          <a:extLst>
-            <a:ext uri="{91240B29-F687-4F45-9708-019B960494DF}">
-              <a14:hiddenLine xmlns:a14="http://schemas.microsoft.com/office/drawing/2010/main" w="9525">
-                <a:solidFill>
-                  <a:schemeClr val="tx1"/>
-                </a:solidFill>
-                <a:miter lim="800000"/>
-                <a:headEnd/>
-                <a:tailEnd/>
-              </a14:hiddenLine>
-            </a:ext>
-            <a:ext uri="{AF507438-7753-43E0-B8FC-AC1667EBCBE1}">
-              <a14:hiddenEffects xmlns:a14="http://schemas.microsoft.com/office/drawing/2010/main">
-                <a:effectLst>
-                  <a:outerShdw dist="35921" dir="2700000" algn="ctr" rotWithShape="0">
-                    <a:schemeClr val="bg2"/>
-                  </a:outerShdw>
-                </a:effectLst>
-              </a14:hiddenEffects>
-            </a:ext>
-          </a:extLst>
-        </p:spPr>
-        <p:txBody>
-          <a:bodyPr wrap="none">
-            <a:spAutoFit/>
-          </a:bodyPr>
-          <a:lstStyle/>
-          <a:p>
-            <a:pPr algn="ctr"/>
-            <a:r>
-              <a:rPr lang="en-US" altLang="en-US"/>
-              <a:t>Algorithms</a:t>
-            </a:r>
-          </a:p>
-        </p:txBody>
-      </p:sp>
-      <p:sp>
-        <p:nvSpPr>
-          <p:cNvPr id="189463" name="Text Box 23"/>
-          <p:cNvSpPr txBox="1">
-            <a:spLocks noChangeArrowheads="1"/>
-          </p:cNvSpPr>
-          <p:nvPr/>
-        </p:nvSpPr>
-        <p:spPr bwMode="auto">
-          <a:xfrm>
-            <a:off x="7504411" y="1371600"/>
-            <a:ext cx="1334789" cy="369332"/>
-          </a:xfrm>
-          <a:prstGeom prst="rect">
-            <a:avLst/>
-          </a:prstGeom>
-          <a:solidFill>
-            <a:srgbClr val="FFFF00"/>
-          </a:solidFill>
-          <a:ln>
-            <a:noFill/>
-          </a:ln>
-          <a:effectLst/>
-          <a:extLst>
-            <a:ext uri="{91240B29-F687-4F45-9708-019B960494DF}">
-              <a14:hiddenLine xmlns:a14="http://schemas.microsoft.com/office/drawing/2010/main" w="9525">
-                <a:solidFill>
-                  <a:schemeClr val="tx1"/>
-                </a:solidFill>
-                <a:miter lim="800000"/>
-                <a:headEnd/>
-                <a:tailEnd/>
-              </a14:hiddenLine>
-            </a:ext>
-            <a:ext uri="{AF507438-7753-43E0-B8FC-AC1667EBCBE1}">
-              <a14:hiddenEffects xmlns:a14="http://schemas.microsoft.com/office/drawing/2010/main">
-                <a:effectLst>
-                  <a:outerShdw dist="35921" dir="2700000" algn="ctr" rotWithShape="0">
-                    <a:schemeClr val="bg2"/>
-                  </a:outerShdw>
-                </a:effectLst>
-              </a14:hiddenEffects>
-            </a:ext>
-          </a:extLst>
-        </p:spPr>
-        <p:txBody>
-          <a:bodyPr wrap="none">
-            <a:spAutoFit/>
-          </a:bodyPr>
-          <a:lstStyle/>
-          <a:p>
-            <a:pPr algn="ctr"/>
-            <a:r>
-              <a:rPr lang="en-US" altLang="en-US" dirty="0"/>
-              <a:t>Applications</a:t>
-            </a:r>
-          </a:p>
-        </p:txBody>
-      </p:sp>
-      <p:sp>
-        <p:nvSpPr>
-          <p:cNvPr id="189464" name="Text Box 24"/>
-          <p:cNvSpPr txBox="1">
-            <a:spLocks noChangeArrowheads="1"/>
-          </p:cNvSpPr>
-          <p:nvPr/>
-        </p:nvSpPr>
-        <p:spPr bwMode="auto">
-          <a:xfrm>
-            <a:off x="7899889" y="5747266"/>
-            <a:ext cx="940899" cy="369332"/>
-          </a:xfrm>
-          <a:prstGeom prst="rect">
-            <a:avLst/>
-          </a:prstGeom>
-          <a:solidFill>
-            <a:srgbClr val="FFFF00"/>
-          </a:solidFill>
-          <a:ln>
-            <a:noFill/>
-          </a:ln>
-          <a:effectLst/>
-          <a:extLst>
-            <a:ext uri="{91240B29-F687-4F45-9708-019B960494DF}">
-              <a14:hiddenLine xmlns:a14="http://schemas.microsoft.com/office/drawing/2010/main" w="9525">
-                <a:solidFill>
-                  <a:schemeClr val="tx1"/>
-                </a:solidFill>
-                <a:miter lim="800000"/>
-                <a:headEnd/>
-                <a:tailEnd/>
-              </a14:hiddenLine>
-            </a:ext>
-            <a:ext uri="{AF507438-7753-43E0-B8FC-AC1667EBCBE1}">
-              <a14:hiddenEffects xmlns:a14="http://schemas.microsoft.com/office/drawing/2010/main">
-                <a:effectLst>
-                  <a:outerShdw dist="35921" dir="2700000" algn="ctr" rotWithShape="0">
-                    <a:schemeClr val="bg2"/>
-                  </a:outerShdw>
-                </a:effectLst>
-              </a14:hiddenEffects>
-            </a:ext>
-          </a:extLst>
-        </p:spPr>
-        <p:txBody>
-          <a:bodyPr wrap="none">
-            <a:spAutoFit/>
-          </a:bodyPr>
-          <a:lstStyle/>
-          <a:p>
-            <a:pPr algn="ctr"/>
-            <a:r>
-              <a:rPr lang="en-US" altLang="en-US"/>
-              <a:t>Systems</a:t>
-            </a:r>
-          </a:p>
-        </p:txBody>
-      </p:sp>
-      <p:sp>
-        <p:nvSpPr>
-          <p:cNvPr id="25" name="Oval 6"/>
-          <p:cNvSpPr>
-            <a:spLocks noChangeArrowheads="1"/>
-          </p:cNvSpPr>
-          <p:nvPr/>
-        </p:nvSpPr>
-        <p:spPr bwMode="auto">
-          <a:xfrm>
-            <a:off x="2363804" y="4292616"/>
-            <a:ext cx="2590800" cy="1112837"/>
-          </a:xfrm>
-          <a:prstGeom prst="ellipse">
-            <a:avLst/>
-          </a:prstGeom>
-          <a:noFill/>
-          <a:ln w="9525">
-            <a:solidFill>
-              <a:schemeClr val="tx1"/>
-            </a:solidFill>
-            <a:round/>
-            <a:headEnd/>
-            <a:tailEnd/>
-          </a:ln>
-          <a:effectLst/>
-          <a:extLst>
-            <a:ext uri="{909E8E84-426E-40DD-AFC4-6F175D3DCCD1}">
-              <a14:hiddenFill xmlns:a14="http://schemas.microsoft.com/office/drawing/2010/main">
-                <a:solidFill>
-                  <a:schemeClr val="accent1"/>
-                </a:solidFill>
-              </a14:hiddenFill>
-            </a:ext>
-            <a:ext uri="{AF507438-7753-43E0-B8FC-AC1667EBCBE1}">
-              <a14:hiddenEffects xmlns:a14="http://schemas.microsoft.com/office/drawing/2010/main">
-                <a:effectLst>
-                  <a:outerShdw dist="35921" dir="2700000" algn="ctr" rotWithShape="0">
-                    <a:schemeClr val="bg2"/>
-                  </a:outerShdw>
-                </a:effectLst>
-              </a14:hiddenEffects>
-            </a:ext>
-          </a:extLst>
-        </p:spPr>
-        <p:txBody>
-          <a:bodyPr wrap="none" anchor="ctr"/>
-          <a:lstStyle/>
-          <a:p>
-            <a:endParaRPr lang="en-US"/>
-          </a:p>
-        </p:txBody>
-      </p:sp>
-      <p:sp>
-        <p:nvSpPr>
-          <p:cNvPr id="2" name="Rectangle 1"/>
-          <p:cNvSpPr/>
-          <p:nvPr/>
-        </p:nvSpPr>
-        <p:spPr>
-          <a:xfrm>
-            <a:off x="2954605" y="4694237"/>
-            <a:ext cx="1356910" cy="369332"/>
-          </a:xfrm>
-          <a:prstGeom prst="rect">
-            <a:avLst/>
-          </a:prstGeom>
-        </p:spPr>
-        <p:txBody>
-          <a:bodyPr wrap="none">
-            <a:spAutoFit/>
-          </a:bodyPr>
-          <a:lstStyle/>
-          <a:p>
-            <a:r>
-              <a:rPr lang="en-US" altLang="en-US" b="1" dirty="0" smtClean="0"/>
-              <a:t>Data Mining</a:t>
-            </a:r>
-            <a:endParaRPr lang="en-US" altLang="en-US" b="1" dirty="0"/>
-          </a:p>
-        </p:txBody>
-      </p:sp>
-      <p:sp>
-        <p:nvSpPr>
-          <p:cNvPr id="3" name="Date Placeholder 2"/>
+              <a:rPr lang="en-US" dirty="0" smtClean="0"/>
+              <a:t>Pop-up quiz</a:t>
+            </a:r>
+            <a:endParaRPr lang="en-US" dirty="0"/>
+          </a:p>
+        </p:txBody>
+      </p:sp>
+      <mc:AlternateContent xmlns:mc="http://schemas.openxmlformats.org/markup-compatibility/2006">
+        <mc:Choice xmlns:a14="http://schemas.microsoft.com/office/drawing/2010/main" Requires="a14">
+          <p:sp>
+            <p:nvSpPr>
+              <p:cNvPr id="3" name="Content Placeholder 2"/>
+              <p:cNvSpPr>
+                <a:spLocks noGrp="1"/>
+              </p:cNvSpPr>
+              <p:nvPr>
+                <p:ph idx="1"/>
+              </p:nvPr>
+            </p:nvSpPr>
+            <p:spPr/>
+            <p:txBody>
+              <a:bodyPr>
+                <a:normAutofit/>
+              </a:bodyPr>
+              <a:lstStyle/>
+              <a:p>
+                <a:pPr marL="514350" indent="-514350">
+                  <a:buFont typeface="+mj-lt"/>
+                  <a:buAutoNum type="arabicPeriod"/>
+                </a:pPr>
+                <a:r>
+                  <a:rPr lang="en-US" dirty="0" smtClean="0"/>
+                  <a:t>Let </a:t>
+                </a:r>
+                <a:r>
+                  <a:rPr lang="en-US" b="1" dirty="0" smtClean="0"/>
+                  <a:t>a</a:t>
+                </a:r>
+                <a:r>
+                  <a:rPr lang="en-US" dirty="0" smtClean="0"/>
+                  <a:t>=(1,2,3) and </a:t>
+                </a:r>
+                <a:r>
+                  <a:rPr lang="en-US" b="1" dirty="0" smtClean="0"/>
+                  <a:t>b</a:t>
+                </a:r>
+                <a:r>
+                  <a:rPr lang="en-US" dirty="0" smtClean="0"/>
+                  <a:t>=(2,3,-2), the inner product between </a:t>
+                </a:r>
+                <a:r>
+                  <a:rPr lang="en-US" b="1" dirty="0" smtClean="0"/>
+                  <a:t>a</a:t>
+                </a:r>
+                <a:r>
+                  <a:rPr lang="en-US" dirty="0" smtClean="0"/>
+                  <a:t> and </a:t>
+                </a:r>
+                <a:r>
+                  <a:rPr lang="en-US" b="1" dirty="0" smtClean="0"/>
+                  <a:t>b</a:t>
+                </a:r>
+                <a:r>
+                  <a:rPr lang="en-US" dirty="0" smtClean="0"/>
+                  <a:t> is</a:t>
+                </a:r>
+              </a:p>
+              <a:p>
+                <a:pPr marL="914400" lvl="1" indent="-514350">
+                  <a:buAutoNum type="alphaLcParenBoth"/>
+                </a:pPr>
+                <a:r>
+                  <a:rPr lang="en-US" dirty="0" smtClean="0"/>
+                  <a:t>0          (b) 1         (c) 2             (d)    3</a:t>
+                </a:r>
+              </a:p>
+              <a:p>
+                <a:pPr marL="514350" indent="-514350">
+                  <a:buAutoNum type="arabicPeriod"/>
+                </a:pPr>
+                <a:r>
+                  <a:rPr lang="en-US" dirty="0" smtClean="0"/>
+                  <a:t>Let A = </a:t>
+                </a:r>
+                <a14:m>
+                  <m:oMath xmlns:m="http://schemas.openxmlformats.org/officeDocument/2006/math">
+                    <m:r>
+                      <a:rPr lang="en-US" b="0" i="1" smtClean="0">
+                        <a:latin typeface="Cambria Math" panose="02040503050406030204" pitchFamily="18" charset="0"/>
+                      </a:rPr>
+                      <m:t>(</m:t>
+                    </m:r>
+                    <m:m>
+                      <m:mPr>
+                        <m:mcs>
+                          <m:mc>
+                            <m:mcPr>
+                              <m:count m:val="2"/>
+                              <m:mcJc m:val="center"/>
+                            </m:mcPr>
+                          </m:mc>
+                        </m:mcs>
+                        <m:ctrlPr>
+                          <a:rPr lang="en-US" b="0" i="1" smtClean="0">
+                            <a:latin typeface="Cambria Math" panose="02040503050406030204" pitchFamily="18" charset="0"/>
+                          </a:rPr>
+                        </m:ctrlPr>
+                      </m:mPr>
+                      <m:mr>
+                        <m:e>
+                          <m:r>
+                            <m:rPr>
+                              <m:brk m:alnAt="7"/>
+                            </m:rPr>
+                            <a:rPr lang="en-US" b="0" i="1" smtClean="0">
+                              <a:latin typeface="Cambria Math" panose="02040503050406030204" pitchFamily="18" charset="0"/>
+                            </a:rPr>
+                            <m:t>1</m:t>
+                          </m:r>
+                        </m:e>
+                        <m:e>
+                          <m:r>
+                            <a:rPr lang="en-US" b="0" i="1" smtClean="0">
+                              <a:latin typeface="Cambria Math" panose="02040503050406030204" pitchFamily="18" charset="0"/>
+                            </a:rPr>
+                            <m:t>2</m:t>
+                          </m:r>
+                        </m:e>
+                      </m:mr>
+                      <m:mr>
+                        <m:e>
+                          <m:r>
+                            <a:rPr lang="en-US" b="0" i="1" smtClean="0">
+                              <a:latin typeface="Cambria Math" panose="02040503050406030204" pitchFamily="18" charset="0"/>
+                            </a:rPr>
+                            <m:t>2</m:t>
+                          </m:r>
+                        </m:e>
+                        <m:e>
+                          <m:r>
+                            <a:rPr lang="en-US" b="0" i="1" smtClean="0">
+                              <a:latin typeface="Cambria Math" panose="02040503050406030204" pitchFamily="18" charset="0"/>
+                            </a:rPr>
+                            <m:t>1</m:t>
+                          </m:r>
+                        </m:e>
+                      </m:mr>
+                    </m:m>
+                    <m:r>
+                      <a:rPr lang="en-US" b="0" i="1" smtClean="0">
+                        <a:latin typeface="Cambria Math" panose="02040503050406030204" pitchFamily="18" charset="0"/>
+                      </a:rPr>
+                      <m:t>)</m:t>
+                    </m:r>
+                  </m:oMath>
+                </a14:m>
+                <a:r>
+                  <a:rPr lang="en-US" dirty="0" smtClean="0"/>
+                  <a:t>, what is A</a:t>
+                </a:r>
+                <a:r>
+                  <a:rPr lang="en-US" baseline="30000" dirty="0" smtClean="0"/>
+                  <a:t>-1</a:t>
+                </a:r>
+                <a:r>
+                  <a:rPr lang="en-US" dirty="0" smtClean="0"/>
+                  <a:t>,</a:t>
+                </a:r>
+              </a:p>
+              <a:p>
+                <a:pPr marL="0" lvl="1" indent="0">
+                  <a:buNone/>
+                </a:pPr>
+                <a:r>
+                  <a:rPr lang="en-US" dirty="0" smtClean="0"/>
+                  <a:t>     (a) </a:t>
+                </a:r>
+                <a14:m>
+                  <m:oMath xmlns:m="http://schemas.openxmlformats.org/officeDocument/2006/math">
+                    <m:r>
+                      <a:rPr lang="en-US" i="1">
+                        <a:latin typeface="Cambria Math" panose="02040503050406030204" pitchFamily="18" charset="0"/>
+                      </a:rPr>
+                      <m:t>(</m:t>
+                    </m:r>
+                    <m:m>
+                      <m:mPr>
+                        <m:mcs>
+                          <m:mc>
+                            <m:mcPr>
+                              <m:count m:val="2"/>
+                              <m:mcJc m:val="center"/>
+                            </m:mcPr>
+                          </m:mc>
+                        </m:mcs>
+                        <m:ctrlPr>
+                          <a:rPr lang="en-US" i="1">
+                            <a:latin typeface="Cambria Math" panose="02040503050406030204" pitchFamily="18" charset="0"/>
+                          </a:rPr>
+                        </m:ctrlPr>
+                      </m:mPr>
+                      <m:mr>
+                        <m:e>
+                          <m:r>
+                            <m:rPr>
+                              <m:brk m:alnAt="7"/>
+                            </m:rPr>
+                            <a:rPr lang="en-US" b="0" i="1" smtClean="0">
+                              <a:latin typeface="Cambria Math" panose="02040503050406030204" pitchFamily="18" charset="0"/>
+                            </a:rPr>
+                            <m:t>−</m:t>
+                          </m:r>
+                          <m:r>
+                            <a:rPr lang="en-US" i="1">
+                              <a:latin typeface="Cambria Math" panose="02040503050406030204" pitchFamily="18" charset="0"/>
+                            </a:rPr>
+                            <m:t>1</m:t>
+                          </m:r>
+                        </m:e>
+                        <m:e>
+                          <m:r>
+                            <a:rPr lang="en-US" b="0" i="1" smtClean="0">
+                              <a:latin typeface="Cambria Math" panose="02040503050406030204" pitchFamily="18" charset="0"/>
+                            </a:rPr>
+                            <m:t>−</m:t>
+                          </m:r>
+                          <m:r>
+                            <a:rPr lang="en-US" i="1">
+                              <a:latin typeface="Cambria Math" panose="02040503050406030204" pitchFamily="18" charset="0"/>
+                            </a:rPr>
+                            <m:t>2</m:t>
+                          </m:r>
+                        </m:e>
+                      </m:mr>
+                      <m:mr>
+                        <m:e>
+                          <m:r>
+                            <a:rPr lang="en-US" b="0" i="1" smtClean="0">
+                              <a:latin typeface="Cambria Math" panose="02040503050406030204" pitchFamily="18" charset="0"/>
+                            </a:rPr>
+                            <m:t>−</m:t>
+                          </m:r>
+                          <m:r>
+                            <a:rPr lang="en-US" i="1">
+                              <a:latin typeface="Cambria Math" panose="02040503050406030204" pitchFamily="18" charset="0"/>
+                            </a:rPr>
+                            <m:t>2</m:t>
+                          </m:r>
+                        </m:e>
+                        <m:e>
+                          <m:r>
+                            <a:rPr lang="en-US" b="0" i="1" smtClean="0">
+                              <a:latin typeface="Cambria Math" panose="02040503050406030204" pitchFamily="18" charset="0"/>
+                            </a:rPr>
+                            <m:t>−</m:t>
+                          </m:r>
+                          <m:r>
+                            <a:rPr lang="en-US" i="1">
+                              <a:latin typeface="Cambria Math" panose="02040503050406030204" pitchFamily="18" charset="0"/>
+                            </a:rPr>
+                            <m:t>1</m:t>
+                          </m:r>
+                        </m:e>
+                      </m:mr>
+                    </m:m>
+                    <m:r>
+                      <a:rPr lang="en-US" i="1">
+                        <a:latin typeface="Cambria Math" panose="02040503050406030204" pitchFamily="18" charset="0"/>
+                      </a:rPr>
+                      <m:t>)</m:t>
+                    </m:r>
+                  </m:oMath>
+                </a14:m>
+                <a:r>
+                  <a:rPr lang="en-US" dirty="0" smtClean="0"/>
+                  <a:t>  (</a:t>
+                </a:r>
+                <a:r>
+                  <a:rPr lang="en-US" dirty="0"/>
+                  <a:t>b) </a:t>
+                </a:r>
+                <a14:m>
+                  <m:oMath xmlns:m="http://schemas.openxmlformats.org/officeDocument/2006/math">
+                    <m:r>
+                      <a:rPr lang="en-US" i="1">
+                        <a:latin typeface="Cambria Math" panose="02040503050406030204" pitchFamily="18" charset="0"/>
+                      </a:rPr>
+                      <m:t>(</m:t>
+                    </m:r>
+                    <m:m>
+                      <m:mPr>
+                        <m:mcs>
+                          <m:mc>
+                            <m:mcPr>
+                              <m:count m:val="2"/>
+                              <m:mcJc m:val="center"/>
+                            </m:mcPr>
+                          </m:mc>
+                        </m:mcs>
+                        <m:ctrlPr>
+                          <a:rPr lang="en-US" i="1">
+                            <a:latin typeface="Cambria Math" panose="02040503050406030204" pitchFamily="18" charset="0"/>
+                          </a:rPr>
+                        </m:ctrlPr>
+                      </m:mPr>
+                      <m:mr>
+                        <m:e>
+                          <m:r>
+                            <m:rPr>
+                              <m:brk m:alnAt="7"/>
+                            </m:rPr>
+                            <a:rPr lang="en-US" b="0" i="1" smtClean="0">
+                              <a:latin typeface="Cambria Math" panose="02040503050406030204" pitchFamily="18" charset="0"/>
+                            </a:rPr>
+                            <m:t>−</m:t>
+                          </m:r>
+                          <m:f>
+                            <m:fPr>
+                              <m:ctrlPr>
+                                <a:rPr lang="en-US" i="1" smtClean="0">
+                                  <a:latin typeface="Cambria Math" panose="02040503050406030204" pitchFamily="18" charset="0"/>
+                                </a:rPr>
+                              </m:ctrlPr>
+                            </m:fPr>
+                            <m:num>
+                              <m:r>
+                                <a:rPr lang="en-US" b="0" i="1" smtClean="0">
+                                  <a:latin typeface="Cambria Math" panose="02040503050406030204" pitchFamily="18" charset="0"/>
+                                </a:rPr>
+                                <m:t>1</m:t>
+                              </m:r>
+                            </m:num>
+                            <m:den>
+                              <m:r>
+                                <a:rPr lang="en-US" b="0" i="1" smtClean="0">
+                                  <a:latin typeface="Cambria Math" panose="02040503050406030204" pitchFamily="18" charset="0"/>
+                                </a:rPr>
+                                <m:t>3</m:t>
+                              </m:r>
+                            </m:den>
+                          </m:f>
+                        </m:e>
+                        <m:e>
+                          <m:f>
+                            <m:fPr>
+                              <m:ctrlPr>
+                                <a:rPr lang="en-US" i="1">
+                                  <a:latin typeface="Cambria Math" panose="02040503050406030204" pitchFamily="18" charset="0"/>
+                                </a:rPr>
+                              </m:ctrlPr>
+                            </m:fPr>
+                            <m:num>
+                              <m:r>
+                                <a:rPr lang="en-US" b="0" i="1" smtClean="0">
+                                  <a:latin typeface="Cambria Math" panose="02040503050406030204" pitchFamily="18" charset="0"/>
+                                </a:rPr>
+                                <m:t>2</m:t>
+                              </m:r>
+                            </m:num>
+                            <m:den>
+                              <m:r>
+                                <a:rPr lang="en-US" i="1">
+                                  <a:latin typeface="Cambria Math" panose="02040503050406030204" pitchFamily="18" charset="0"/>
+                                </a:rPr>
+                                <m:t>3</m:t>
+                              </m:r>
+                            </m:den>
+                          </m:f>
+                        </m:e>
+                      </m:mr>
+                      <m:mr>
+                        <m:e>
+                          <m:f>
+                            <m:fPr>
+                              <m:ctrlPr>
+                                <a:rPr lang="en-US" i="1">
+                                  <a:latin typeface="Cambria Math" panose="02040503050406030204" pitchFamily="18" charset="0"/>
+                                </a:rPr>
+                              </m:ctrlPr>
+                            </m:fPr>
+                            <m:num>
+                              <m:r>
+                                <a:rPr lang="en-US" i="1">
+                                  <a:latin typeface="Cambria Math" panose="02040503050406030204" pitchFamily="18" charset="0"/>
+                                </a:rPr>
+                                <m:t>2</m:t>
+                              </m:r>
+                            </m:num>
+                            <m:den>
+                              <m:r>
+                                <a:rPr lang="en-US" i="1">
+                                  <a:latin typeface="Cambria Math" panose="02040503050406030204" pitchFamily="18" charset="0"/>
+                                </a:rPr>
+                                <m:t>3</m:t>
+                              </m:r>
+                            </m:den>
+                          </m:f>
+                        </m:e>
+                        <m:e>
+                          <m:r>
+                            <m:rPr>
+                              <m:brk m:alnAt="7"/>
+                            </m:rPr>
+                            <a:rPr lang="en-US" i="1">
+                              <a:latin typeface="Cambria Math" panose="02040503050406030204" pitchFamily="18" charset="0"/>
+                            </a:rPr>
+                            <m:t>−</m:t>
+                          </m:r>
+                          <m:f>
+                            <m:fPr>
+                              <m:ctrlPr>
+                                <a:rPr lang="en-US" i="1">
+                                  <a:latin typeface="Cambria Math" panose="02040503050406030204" pitchFamily="18" charset="0"/>
+                                </a:rPr>
+                              </m:ctrlPr>
+                            </m:fPr>
+                            <m:num>
+                              <m:r>
+                                <a:rPr lang="en-US" i="1">
+                                  <a:latin typeface="Cambria Math" panose="02040503050406030204" pitchFamily="18" charset="0"/>
+                                </a:rPr>
+                                <m:t>1</m:t>
+                              </m:r>
+                            </m:num>
+                            <m:den>
+                              <m:r>
+                                <a:rPr lang="en-US" i="1">
+                                  <a:latin typeface="Cambria Math" panose="02040503050406030204" pitchFamily="18" charset="0"/>
+                                </a:rPr>
+                                <m:t>3</m:t>
+                              </m:r>
+                            </m:den>
+                          </m:f>
+                        </m:e>
+                      </m:mr>
+                    </m:m>
+                    <m:r>
+                      <a:rPr lang="en-US" i="1">
+                        <a:latin typeface="Cambria Math" panose="02040503050406030204" pitchFamily="18" charset="0"/>
+                      </a:rPr>
+                      <m:t>)</m:t>
+                    </m:r>
+                  </m:oMath>
+                </a14:m>
+                <a:r>
+                  <a:rPr lang="en-US" dirty="0" smtClean="0"/>
+                  <a:t>  (</a:t>
+                </a:r>
+                <a:r>
+                  <a:rPr lang="en-US" dirty="0"/>
+                  <a:t>c) </a:t>
+                </a:r>
+                <a14:m>
+                  <m:oMath xmlns:m="http://schemas.openxmlformats.org/officeDocument/2006/math">
+                    <m:r>
+                      <a:rPr lang="en-US" i="1">
+                        <a:latin typeface="Cambria Math" panose="02040503050406030204" pitchFamily="18" charset="0"/>
+                      </a:rPr>
+                      <m:t>(</m:t>
+                    </m:r>
+                    <m:m>
+                      <m:mPr>
+                        <m:mcs>
+                          <m:mc>
+                            <m:mcPr>
+                              <m:count m:val="2"/>
+                              <m:mcJc m:val="center"/>
+                            </m:mcPr>
+                          </m:mc>
+                        </m:mcs>
+                        <m:ctrlPr>
+                          <a:rPr lang="en-US" i="1">
+                            <a:latin typeface="Cambria Math" panose="02040503050406030204" pitchFamily="18" charset="0"/>
+                          </a:rPr>
+                        </m:ctrlPr>
+                      </m:mPr>
+                      <m:mr>
+                        <m:e>
+                          <m:r>
+                            <m:rPr>
+                              <m:brk m:alnAt="7"/>
+                            </m:rPr>
+                            <a:rPr lang="en-US" i="1">
+                              <a:latin typeface="Cambria Math" panose="02040503050406030204" pitchFamily="18" charset="0"/>
+                            </a:rPr>
+                            <m:t>1</m:t>
+                          </m:r>
+                        </m:e>
+                        <m:e>
+                          <m:r>
+                            <a:rPr lang="en-US" b="0" i="1" smtClean="0">
+                              <a:latin typeface="Cambria Math" panose="02040503050406030204" pitchFamily="18" charset="0"/>
+                            </a:rPr>
+                            <m:t>0</m:t>
+                          </m:r>
+                        </m:e>
+                      </m:mr>
+                      <m:mr>
+                        <m:e>
+                          <m:r>
+                            <a:rPr lang="en-US" b="0" i="1" smtClean="0">
+                              <a:latin typeface="Cambria Math" panose="02040503050406030204" pitchFamily="18" charset="0"/>
+                            </a:rPr>
+                            <m:t>0</m:t>
+                          </m:r>
+                        </m:e>
+                        <m:e>
+                          <m:r>
+                            <a:rPr lang="en-US" i="1">
+                              <a:latin typeface="Cambria Math" panose="02040503050406030204" pitchFamily="18" charset="0"/>
+                            </a:rPr>
+                            <m:t>1</m:t>
+                          </m:r>
+                        </m:e>
+                      </m:mr>
+                    </m:m>
+                    <m:r>
+                      <a:rPr lang="en-US" i="1">
+                        <a:latin typeface="Cambria Math" panose="02040503050406030204" pitchFamily="18" charset="0"/>
+                      </a:rPr>
+                      <m:t>)</m:t>
+                    </m:r>
+                  </m:oMath>
+                </a14:m>
+                <a:r>
+                  <a:rPr lang="en-US" dirty="0" smtClean="0"/>
+                  <a:t>  (</a:t>
+                </a:r>
+                <a:r>
+                  <a:rPr lang="en-US" dirty="0"/>
+                  <a:t>d</a:t>
+                </a:r>
+                <a:r>
+                  <a:rPr lang="en-US" dirty="0" smtClean="0"/>
+                  <a:t>) </a:t>
+                </a:r>
+                <a14:m>
+                  <m:oMath xmlns:m="http://schemas.openxmlformats.org/officeDocument/2006/math">
+                    <m:r>
+                      <a:rPr lang="en-US" i="1">
+                        <a:latin typeface="Cambria Math" panose="02040503050406030204" pitchFamily="18" charset="0"/>
+                      </a:rPr>
+                      <m:t>(</m:t>
+                    </m:r>
+                    <m:m>
+                      <m:mPr>
+                        <m:mcs>
+                          <m:mc>
+                            <m:mcPr>
+                              <m:count m:val="2"/>
+                              <m:mcJc m:val="center"/>
+                            </m:mcPr>
+                          </m:mc>
+                        </m:mcs>
+                        <m:ctrlPr>
+                          <a:rPr lang="en-US" i="1">
+                            <a:latin typeface="Cambria Math" panose="02040503050406030204" pitchFamily="18" charset="0"/>
+                          </a:rPr>
+                        </m:ctrlPr>
+                      </m:mPr>
+                      <m:mr>
+                        <m:e>
+                          <m:r>
+                            <a:rPr lang="en-US" b="0" i="1" smtClean="0">
+                              <a:latin typeface="Cambria Math" panose="02040503050406030204" pitchFamily="18" charset="0"/>
+                            </a:rPr>
+                            <m:t>2</m:t>
+                          </m:r>
+                        </m:e>
+                        <m:e>
+                          <m:r>
+                            <a:rPr lang="en-US" b="0" i="1" smtClean="0">
+                              <a:latin typeface="Cambria Math" panose="02040503050406030204" pitchFamily="18" charset="0"/>
+                            </a:rPr>
+                            <m:t>1</m:t>
+                          </m:r>
+                        </m:e>
+                      </m:mr>
+                      <m:mr>
+                        <m:e>
+                          <m:r>
+                            <a:rPr lang="en-US" b="0" i="1" smtClean="0">
+                              <a:latin typeface="Cambria Math" panose="02040503050406030204" pitchFamily="18" charset="0"/>
+                            </a:rPr>
+                            <m:t>1</m:t>
+                          </m:r>
+                        </m:e>
+                        <m:e>
+                          <m:r>
+                            <a:rPr lang="en-US" b="0" i="1" smtClean="0">
+                              <a:latin typeface="Cambria Math" panose="02040503050406030204" pitchFamily="18" charset="0"/>
+                            </a:rPr>
+                            <m:t>2</m:t>
+                          </m:r>
+                        </m:e>
+                      </m:mr>
+                    </m:m>
+                    <m:r>
+                      <a:rPr lang="en-US" i="1">
+                        <a:latin typeface="Cambria Math" panose="02040503050406030204" pitchFamily="18" charset="0"/>
+                      </a:rPr>
+                      <m:t>)</m:t>
+                    </m:r>
+                  </m:oMath>
+                </a14:m>
+                <a:endParaRPr lang="en-US" dirty="0"/>
+              </a:p>
+            </p:txBody>
+          </p:sp>
+        </mc:Choice>
+        <mc:Fallback>
+          <p:sp>
+            <p:nvSpPr>
+              <p:cNvPr id="3" name="Content Placeholder 2"/>
+              <p:cNvSpPr>
+                <a:spLocks noGrp="1" noRot="1" noChangeAspect="1" noMove="1" noResize="1" noEditPoints="1" noAdjustHandles="1" noChangeArrowheads="1" noChangeShapeType="1" noTextEdit="1"/>
+              </p:cNvSpPr>
+              <p:nvPr>
+                <p:ph idx="1"/>
+              </p:nvPr>
+            </p:nvSpPr>
+            <p:spPr>
+              <a:blipFill rotWithShape="0">
+                <a:blip r:embed="rId2"/>
+                <a:stretch>
+                  <a:fillRect l="-1926" t="-2156"/>
+                </a:stretch>
+              </a:blipFill>
+            </p:spPr>
+            <p:txBody>
+              <a:bodyPr/>
+              <a:lstStyle/>
+              <a:p>
+                <a:r>
+                  <a:rPr lang="en-US">
+                    <a:noFill/>
+                  </a:rPr>
+                  <a:t> </a:t>
+                </a:r>
+              </a:p>
+            </p:txBody>
+          </p:sp>
+        </mc:Fallback>
+      </mc:AlternateContent>
+      <p:sp>
+        <p:nvSpPr>
+          <p:cNvPr id="4" name="Date Placeholder 3"/>
           <p:cNvSpPr>
             <a:spLocks noGrp="1"/>
           </p:cNvSpPr>
@@ -25253,7 +23246,7 @@
       </p:sp>
       <p:sp>
         <p:nvSpPr>
-          <p:cNvPr id="4" name="Footer Placeholder 3"/>
+          <p:cNvPr id="5" name="Footer Placeholder 4"/>
           <p:cNvSpPr>
             <a:spLocks noGrp="1"/>
           </p:cNvSpPr>
@@ -25276,7 +23269,7 @@
       </p:sp>
       <p:sp>
         <p:nvSpPr>
-          <p:cNvPr id="5" name="Slide Number Placeholder 4"/>
+          <p:cNvPr id="6" name="Slide Number Placeholder 5"/>
           <p:cNvSpPr>
             <a:spLocks noGrp="1"/>
           </p:cNvSpPr>
@@ -25300,7 +23293,7 @@
     </p:spTree>
     <p:extLst>
       <p:ext uri="{BB962C8B-B14F-4D97-AF65-F5344CB8AC3E}">
-        <p14:creationId xmlns:p14="http://schemas.microsoft.com/office/powerpoint/2010/main" val="1965087472"/>
+        <p14:creationId xmlns:p14="http://schemas.microsoft.com/office/powerpoint/2010/main" val="4273149165"/>
       </p:ext>
     </p:extLst>
   </p:cSld>
@@ -25711,15 +23704,7 @@
           <a:p>
             <a:r>
               <a:rPr lang="en-US" dirty="0" smtClean="0"/>
-              <a:t>IR </a:t>
-            </a:r>
-            <a:r>
-              <a:rPr lang="en-US" dirty="0" err="1" smtClean="0"/>
-              <a:t>v.s</a:t>
-            </a:r>
-            <a:r>
-              <a:rPr lang="en-US" dirty="0" smtClean="0"/>
-              <a:t>. DBs</a:t>
+              <a:t>Pop-up quiz</a:t>
             </a:r>
             <a:endParaRPr lang="en-US" dirty="0"/>
           </a:p>
@@ -25732,172 +23717,98 @@
             <a:spLocks noGrp="1"/>
           </p:cNvSpPr>
           <p:nvPr>
-            <p:ph sz="half" idx="1"/>
+            <p:ph idx="1"/>
           </p:nvPr>
         </p:nvSpPr>
         <p:spPr/>
         <p:txBody>
-          <a:bodyPr>
-            <a:normAutofit/>
-          </a:bodyPr>
+          <a:bodyPr/>
           <a:lstStyle/>
           <a:p>
+            <a:pPr marL="514350" indent="-514350">
+              <a:buFont typeface="+mj-lt"/>
+              <a:buAutoNum type="arabicPeriod" startAt="3"/>
+            </a:pPr>
+            <a:r>
+              <a:rPr lang="en-US" dirty="0" smtClean="0"/>
+              <a:t>What is the expectation of random variables drawn from Gaussian distribution N(0, 1), </a:t>
+            </a:r>
+          </a:p>
+          <a:p>
+            <a:pPr marL="914400" lvl="1" indent="-514350">
+              <a:buAutoNum type="alphaLcParenBoth"/>
+            </a:pPr>
+            <a:r>
+              <a:rPr lang="en-US" dirty="0" smtClean="0"/>
+              <a:t>0          (b) 0.5         (c) 1             (d) 2</a:t>
+            </a:r>
+          </a:p>
+          <a:p>
+            <a:pPr marL="514350" indent="-514350">
+              <a:buAutoNum type="arabicPeriod" startAt="3"/>
+            </a:pPr>
+            <a:r>
+              <a:rPr lang="en-US" dirty="0" smtClean="0"/>
+              <a:t>A biased coin with P(head)=0.2, in a sequence of 10 consecutive tossing, you have already got 9 tails, what is the probability you have a head at the 10</a:t>
+            </a:r>
+            <a:r>
+              <a:rPr lang="en-US" baseline="30000" dirty="0" smtClean="0"/>
+              <a:t>th</a:t>
+            </a:r>
+            <a:r>
+              <a:rPr lang="en-US" dirty="0" smtClean="0"/>
+              <a:t> tossing,</a:t>
+            </a:r>
+          </a:p>
+          <a:p>
+            <a:pPr marL="0" lvl="1" indent="0">
+              <a:buNone/>
+            </a:pPr>
+            <a:r>
+              <a:rPr lang="en-US" dirty="0" smtClean="0"/>
+              <a:t>     (a) 0          </a:t>
+            </a:r>
             <a:r>
               <a:rPr lang="en-US" dirty="0"/>
-              <a:t>Information Retrieval:</a:t>
-            </a:r>
-          </a:p>
-          <a:p>
-            <a:pPr lvl="1"/>
+              <a:t>(b) </a:t>
+            </a:r>
             <a:r>
               <a:rPr lang="en-US" dirty="0" smtClean="0"/>
-              <a:t>Unstructured data</a:t>
-            </a:r>
-          </a:p>
-          <a:p>
-            <a:pPr lvl="1"/>
+              <a:t>0.1         </a:t>
+            </a:r>
+            <a:r>
+              <a:rPr lang="en-US" dirty="0"/>
+              <a:t>(c) </a:t>
+            </a:r>
             <a:r>
               <a:rPr lang="en-US" dirty="0" smtClean="0"/>
-              <a:t>Semantics </a:t>
+              <a:t>0.2             </a:t>
             </a:r>
             <a:r>
               <a:rPr lang="en-US" dirty="0"/>
-              <a:t>of object are subjective</a:t>
-            </a:r>
-          </a:p>
-          <a:p>
-            <a:pPr lvl="1"/>
-            <a:r>
-              <a:rPr lang="en-US" dirty="0"/>
-              <a:t>Simple </a:t>
+              <a:t>(d</a:t>
             </a:r>
             <a:r>
               <a:rPr lang="en-US" dirty="0" smtClean="0"/>
-              <a:t>keywor</a:t>
-            </a:r>
-            <a:r>
-              <a:rPr lang="en-US" altLang="zh-CN" dirty="0" smtClean="0"/>
-              <a:t>d</a:t>
-            </a:r>
-            <a:r>
-              <a:rPr lang="en-US" dirty="0" smtClean="0"/>
-              <a:t> </a:t>
-            </a:r>
-            <a:r>
-              <a:rPr lang="en-US" dirty="0"/>
-              <a:t>queries </a:t>
-            </a:r>
-          </a:p>
-          <a:p>
-            <a:pPr lvl="1"/>
-            <a:r>
-              <a:rPr lang="en-US" dirty="0"/>
-              <a:t>Relevance-drive retrieval</a:t>
-            </a:r>
-          </a:p>
-          <a:p>
-            <a:pPr lvl="1"/>
-            <a:r>
-              <a:rPr lang="en-US" dirty="0"/>
-              <a:t>Effectiveness is primary issue, </a:t>
-            </a:r>
-            <a:r>
-              <a:rPr lang="en-US" dirty="0" smtClean="0"/>
-              <a:t>though </a:t>
-            </a:r>
-            <a:r>
-              <a:rPr lang="en-US" dirty="0"/>
-              <a:t>efficiency is </a:t>
-            </a:r>
-            <a:r>
-              <a:rPr lang="en-US" dirty="0" smtClean="0"/>
-              <a:t>also important</a:t>
-            </a:r>
+              <a:t>) 0.2*0.8</a:t>
+            </a:r>
+            <a:r>
+              <a:rPr lang="en-US" baseline="30000" dirty="0" smtClean="0"/>
+              <a:t>9</a:t>
+            </a:r>
+            <a:endParaRPr lang="en-US" baseline="30000" dirty="0"/>
+          </a:p>
+          <a:p>
+            <a:pPr marL="0" indent="0">
+              <a:buNone/>
+            </a:pPr>
             <a:endParaRPr lang="en-US" dirty="0"/>
           </a:p>
-          <a:p>
-            <a:endParaRPr lang="en-US" dirty="0" smtClean="0"/>
-          </a:p>
-          <a:p>
-            <a:pPr lvl="1"/>
-            <a:endParaRPr lang="en-US" dirty="0"/>
-          </a:p>
-        </p:txBody>
-      </p:sp>
-      <p:sp>
-        <p:nvSpPr>
-          <p:cNvPr id="4" name="Content Placeholder 3"/>
-          <p:cNvSpPr>
-            <a:spLocks noGrp="1"/>
-          </p:cNvSpPr>
-          <p:nvPr>
-            <p:ph sz="half" idx="2"/>
-          </p:nvPr>
-        </p:nvSpPr>
-        <p:spPr/>
-        <p:txBody>
-          <a:bodyPr>
-            <a:normAutofit/>
-          </a:bodyPr>
-          <a:lstStyle/>
-          <a:p>
-            <a:r>
-              <a:rPr lang="en-US" dirty="0"/>
-              <a:t>Database Systems:</a:t>
-            </a:r>
-          </a:p>
-          <a:p>
-            <a:pPr lvl="1"/>
-            <a:r>
-              <a:rPr lang="en-US" dirty="0" smtClean="0"/>
-              <a:t>Structured data</a:t>
-            </a:r>
-          </a:p>
-          <a:p>
-            <a:pPr lvl="1"/>
-            <a:r>
-              <a:rPr lang="en-US" dirty="0" smtClean="0"/>
-              <a:t>Semantics </a:t>
-            </a:r>
-            <a:r>
-              <a:rPr lang="en-US" dirty="0"/>
-              <a:t>of each object are well defined</a:t>
-            </a:r>
-          </a:p>
-          <a:p>
-            <a:pPr lvl="1"/>
-            <a:r>
-              <a:rPr lang="en-US" dirty="0"/>
-              <a:t>Structured query languages (e.g., SQL)</a:t>
-            </a:r>
-          </a:p>
-          <a:p>
-            <a:pPr lvl="1"/>
-            <a:r>
-              <a:rPr lang="en-US" dirty="0"/>
-              <a:t>Exact retrieval </a:t>
-            </a:r>
-            <a:endParaRPr lang="en-US" dirty="0" smtClean="0"/>
-          </a:p>
-          <a:p>
-            <a:pPr lvl="1"/>
-            <a:r>
-              <a:rPr lang="en-US" dirty="0" smtClean="0"/>
-              <a:t>Emphasis </a:t>
-            </a:r>
-            <a:r>
-              <a:rPr lang="en-US" dirty="0"/>
-              <a:t>on efficiency</a:t>
-            </a:r>
-          </a:p>
-          <a:p>
-            <a:endParaRPr lang="en-US" dirty="0"/>
-          </a:p>
-        </p:txBody>
-      </p:sp>
-      <p:sp>
-        <p:nvSpPr>
-          <p:cNvPr id="5" name="Date Placeholder 4"/>
+        </p:txBody>
+      </p:sp>
+      <p:sp>
+        <p:nvSpPr>
+          <p:cNvPr id="4" name="Date Placeholder 3"/>
           <p:cNvSpPr>
             <a:spLocks noGrp="1"/>
           </p:cNvSpPr>
@@ -25920,7 +23831,7 @@
       </p:sp>
       <p:sp>
         <p:nvSpPr>
-          <p:cNvPr id="6" name="Footer Placeholder 5"/>
+          <p:cNvPr id="5" name="Footer Placeholder 4"/>
           <p:cNvSpPr>
             <a:spLocks noGrp="1"/>
           </p:cNvSpPr>
@@ -25943,7 +23854,7 @@
       </p:sp>
       <p:sp>
         <p:nvSpPr>
-          <p:cNvPr id="7" name="Slide Number Placeholder 6"/>
+          <p:cNvPr id="6" name="Slide Number Placeholder 5"/>
           <p:cNvSpPr>
             <a:spLocks noGrp="1"/>
           </p:cNvSpPr>
@@ -25967,7 +23878,7 @@
     </p:spTree>
     <p:extLst>
       <p:ext uri="{BB962C8B-B14F-4D97-AF65-F5344CB8AC3E}">
-        <p14:creationId xmlns:p14="http://schemas.microsoft.com/office/powerpoint/2010/main" val="4258081373"/>
+        <p14:creationId xmlns:p14="http://schemas.microsoft.com/office/powerpoint/2010/main" val="311839953"/>
       </p:ext>
     </p:extLst>
   </p:cSld>
@@ -26017,25 +23928,662 @@
           <a:lstStyle/>
           <a:p>
             <a:r>
-              <a:rPr lang="en-US" dirty="0"/>
-              <a:t>IR </a:t>
-            </a:r>
-            <a:r>
               <a:rPr lang="en-US" dirty="0" smtClean="0"/>
-              <a:t>and DBs are getting closer</a:t>
+              <a:t>Pop-up quiz</a:t>
             </a:r>
             <a:endParaRPr lang="en-US" dirty="0"/>
           </a:p>
         </p:txBody>
       </p:sp>
-      <p:sp>
-        <p:nvSpPr>
-          <p:cNvPr id="3" name="Content Placeholder 2"/>
+      <mc:AlternateContent xmlns:mc="http://schemas.openxmlformats.org/markup-compatibility/2006">
+        <mc:Choice xmlns:a14="http://schemas.microsoft.com/office/drawing/2010/main" Requires="a14">
+          <p:sp>
+            <p:nvSpPr>
+              <p:cNvPr id="3" name="Content Placeholder 2"/>
+              <p:cNvSpPr>
+                <a:spLocks noGrp="1"/>
+              </p:cNvSpPr>
+              <p:nvPr>
+                <p:ph idx="1"/>
+              </p:nvPr>
+            </p:nvSpPr>
+            <p:spPr/>
+            <p:txBody>
+              <a:bodyPr>
+                <a:normAutofit/>
+              </a:bodyPr>
+              <a:lstStyle/>
+              <a:p>
+                <a:pPr marL="514350" indent="-514350">
+                  <a:buFont typeface="+mj-lt"/>
+                  <a:buAutoNum type="arabicPeriod"/>
+                </a:pPr>
+                <a:r>
+                  <a:rPr lang="en-US" dirty="0" smtClean="0"/>
+                  <a:t>Let </a:t>
+                </a:r>
+                <a:r>
+                  <a:rPr lang="en-US" b="1" dirty="0" smtClean="0"/>
+                  <a:t>a</a:t>
+                </a:r>
+                <a:r>
+                  <a:rPr lang="en-US" dirty="0" smtClean="0"/>
+                  <a:t>=(1,2,3) and </a:t>
+                </a:r>
+                <a:r>
+                  <a:rPr lang="en-US" b="1" dirty="0" smtClean="0"/>
+                  <a:t>b</a:t>
+                </a:r>
+                <a:r>
+                  <a:rPr lang="en-US" dirty="0" smtClean="0"/>
+                  <a:t>=(2,3,-2), the inner product between </a:t>
+                </a:r>
+                <a:r>
+                  <a:rPr lang="en-US" b="1" dirty="0" smtClean="0"/>
+                  <a:t>a</a:t>
+                </a:r>
+                <a:r>
+                  <a:rPr lang="en-US" dirty="0" smtClean="0"/>
+                  <a:t> and </a:t>
+                </a:r>
+                <a:r>
+                  <a:rPr lang="en-US" b="1" dirty="0" smtClean="0"/>
+                  <a:t>b</a:t>
+                </a:r>
+                <a:r>
+                  <a:rPr lang="en-US" dirty="0" smtClean="0"/>
+                  <a:t> is</a:t>
+                </a:r>
+              </a:p>
+              <a:p>
+                <a:pPr marL="914400" lvl="1" indent="-514350">
+                  <a:buAutoNum type="alphaLcParenBoth"/>
+                </a:pPr>
+                <a:r>
+                  <a:rPr lang="en-US" dirty="0" smtClean="0"/>
+                  <a:t>0          (b) 1         (c) 2             (d)    3</a:t>
+                </a:r>
+              </a:p>
+              <a:p>
+                <a:pPr marL="514350" indent="-514350">
+                  <a:buAutoNum type="arabicPeriod"/>
+                </a:pPr>
+                <a:r>
+                  <a:rPr lang="en-US" dirty="0" smtClean="0"/>
+                  <a:t>Let A = </a:t>
+                </a:r>
+                <a14:m>
+                  <m:oMath xmlns:m="http://schemas.openxmlformats.org/officeDocument/2006/math">
+                    <m:r>
+                      <a:rPr lang="en-US" b="0" i="1" smtClean="0">
+                        <a:latin typeface="Cambria Math" panose="02040503050406030204" pitchFamily="18" charset="0"/>
+                      </a:rPr>
+                      <m:t>(</m:t>
+                    </m:r>
+                    <m:m>
+                      <m:mPr>
+                        <m:mcs>
+                          <m:mc>
+                            <m:mcPr>
+                              <m:count m:val="2"/>
+                              <m:mcJc m:val="center"/>
+                            </m:mcPr>
+                          </m:mc>
+                        </m:mcs>
+                        <m:ctrlPr>
+                          <a:rPr lang="en-US" b="0" i="1" smtClean="0">
+                            <a:latin typeface="Cambria Math" panose="02040503050406030204" pitchFamily="18" charset="0"/>
+                          </a:rPr>
+                        </m:ctrlPr>
+                      </m:mPr>
+                      <m:mr>
+                        <m:e>
+                          <m:r>
+                            <m:rPr>
+                              <m:brk m:alnAt="7"/>
+                            </m:rPr>
+                            <a:rPr lang="en-US" b="0" i="1" smtClean="0">
+                              <a:latin typeface="Cambria Math" panose="02040503050406030204" pitchFamily="18" charset="0"/>
+                            </a:rPr>
+                            <m:t>1</m:t>
+                          </m:r>
+                        </m:e>
+                        <m:e>
+                          <m:r>
+                            <a:rPr lang="en-US" b="0" i="1" smtClean="0">
+                              <a:latin typeface="Cambria Math" panose="02040503050406030204" pitchFamily="18" charset="0"/>
+                            </a:rPr>
+                            <m:t>2</m:t>
+                          </m:r>
+                        </m:e>
+                      </m:mr>
+                      <m:mr>
+                        <m:e>
+                          <m:r>
+                            <a:rPr lang="en-US" b="0" i="1" smtClean="0">
+                              <a:latin typeface="Cambria Math" panose="02040503050406030204" pitchFamily="18" charset="0"/>
+                            </a:rPr>
+                            <m:t>2</m:t>
+                          </m:r>
+                        </m:e>
+                        <m:e>
+                          <m:r>
+                            <a:rPr lang="en-US" b="0" i="1" smtClean="0">
+                              <a:latin typeface="Cambria Math" panose="02040503050406030204" pitchFamily="18" charset="0"/>
+                            </a:rPr>
+                            <m:t>1</m:t>
+                          </m:r>
+                        </m:e>
+                      </m:mr>
+                    </m:m>
+                    <m:r>
+                      <a:rPr lang="en-US" b="0" i="1" smtClean="0">
+                        <a:latin typeface="Cambria Math" panose="02040503050406030204" pitchFamily="18" charset="0"/>
+                      </a:rPr>
+                      <m:t>)</m:t>
+                    </m:r>
+                  </m:oMath>
+                </a14:m>
+                <a:r>
+                  <a:rPr lang="en-US" dirty="0" smtClean="0"/>
+                  <a:t>, what is A</a:t>
+                </a:r>
+                <a:r>
+                  <a:rPr lang="en-US" baseline="30000" dirty="0" smtClean="0"/>
+                  <a:t>-1</a:t>
+                </a:r>
+                <a:r>
+                  <a:rPr lang="en-US" dirty="0" smtClean="0"/>
+                  <a:t>,</a:t>
+                </a:r>
+              </a:p>
+              <a:p>
+                <a:pPr marL="0" lvl="1" indent="0">
+                  <a:buNone/>
+                </a:pPr>
+                <a:r>
+                  <a:rPr lang="en-US" dirty="0" smtClean="0"/>
+                  <a:t>     </a:t>
+                </a:r>
+                <a:r>
+                  <a:rPr lang="en-US" dirty="0"/>
+                  <a:t>(a) </a:t>
+                </a:r>
+                <a14:m>
+                  <m:oMath xmlns:m="http://schemas.openxmlformats.org/officeDocument/2006/math">
+                    <m:r>
+                      <a:rPr lang="en-US" i="1">
+                        <a:latin typeface="Cambria Math" panose="02040503050406030204" pitchFamily="18" charset="0"/>
+                      </a:rPr>
+                      <m:t>(</m:t>
+                    </m:r>
+                    <m:m>
+                      <m:mPr>
+                        <m:mcs>
+                          <m:mc>
+                            <m:mcPr>
+                              <m:count m:val="2"/>
+                              <m:mcJc m:val="center"/>
+                            </m:mcPr>
+                          </m:mc>
+                        </m:mcs>
+                        <m:ctrlPr>
+                          <a:rPr lang="en-US" i="1">
+                            <a:latin typeface="Cambria Math" panose="02040503050406030204" pitchFamily="18" charset="0"/>
+                          </a:rPr>
+                        </m:ctrlPr>
+                      </m:mPr>
+                      <m:mr>
+                        <m:e>
+                          <m:r>
+                            <m:rPr>
+                              <m:brk m:alnAt="7"/>
+                            </m:rPr>
+                            <a:rPr lang="en-US" i="1">
+                              <a:latin typeface="Cambria Math" panose="02040503050406030204" pitchFamily="18" charset="0"/>
+                            </a:rPr>
+                            <m:t>−</m:t>
+                          </m:r>
+                          <m:r>
+                            <a:rPr lang="en-US" i="1">
+                              <a:latin typeface="Cambria Math" panose="02040503050406030204" pitchFamily="18" charset="0"/>
+                            </a:rPr>
+                            <m:t>1</m:t>
+                          </m:r>
+                        </m:e>
+                        <m:e>
+                          <m:r>
+                            <a:rPr lang="en-US" i="1">
+                              <a:latin typeface="Cambria Math" panose="02040503050406030204" pitchFamily="18" charset="0"/>
+                            </a:rPr>
+                            <m:t>−</m:t>
+                          </m:r>
+                          <m:r>
+                            <a:rPr lang="en-US" i="1">
+                              <a:latin typeface="Cambria Math" panose="02040503050406030204" pitchFamily="18" charset="0"/>
+                            </a:rPr>
+                            <m:t>2</m:t>
+                          </m:r>
+                        </m:e>
+                      </m:mr>
+                      <m:mr>
+                        <m:e>
+                          <m:r>
+                            <a:rPr lang="en-US" i="1">
+                              <a:latin typeface="Cambria Math" panose="02040503050406030204" pitchFamily="18" charset="0"/>
+                            </a:rPr>
+                            <m:t>−</m:t>
+                          </m:r>
+                          <m:r>
+                            <a:rPr lang="en-US" i="1">
+                              <a:latin typeface="Cambria Math" panose="02040503050406030204" pitchFamily="18" charset="0"/>
+                            </a:rPr>
+                            <m:t>2</m:t>
+                          </m:r>
+                        </m:e>
+                        <m:e>
+                          <m:r>
+                            <a:rPr lang="en-US" i="1">
+                              <a:latin typeface="Cambria Math" panose="02040503050406030204" pitchFamily="18" charset="0"/>
+                            </a:rPr>
+                            <m:t>−</m:t>
+                          </m:r>
+                          <m:r>
+                            <a:rPr lang="en-US" i="1">
+                              <a:latin typeface="Cambria Math" panose="02040503050406030204" pitchFamily="18" charset="0"/>
+                            </a:rPr>
+                            <m:t>1</m:t>
+                          </m:r>
+                        </m:e>
+                      </m:mr>
+                    </m:m>
+                    <m:r>
+                      <a:rPr lang="en-US" i="1">
+                        <a:latin typeface="Cambria Math" panose="02040503050406030204" pitchFamily="18" charset="0"/>
+                      </a:rPr>
+                      <m:t>)</m:t>
+                    </m:r>
+                  </m:oMath>
+                </a14:m>
+                <a:r>
+                  <a:rPr lang="en-US" dirty="0"/>
+                  <a:t>  (</a:t>
+                </a:r>
+                <a:r>
+                  <a:rPr lang="en-US" dirty="0"/>
+                  <a:t>b) </a:t>
+                </a:r>
+                <a14:m>
+                  <m:oMath xmlns:m="http://schemas.openxmlformats.org/officeDocument/2006/math">
+                    <m:r>
+                      <a:rPr lang="en-US" i="1">
+                        <a:latin typeface="Cambria Math" panose="02040503050406030204" pitchFamily="18" charset="0"/>
+                      </a:rPr>
+                      <m:t>(</m:t>
+                    </m:r>
+                    <m:m>
+                      <m:mPr>
+                        <m:mcs>
+                          <m:mc>
+                            <m:mcPr>
+                              <m:count m:val="2"/>
+                              <m:mcJc m:val="center"/>
+                            </m:mcPr>
+                          </m:mc>
+                        </m:mcs>
+                        <m:ctrlPr>
+                          <a:rPr lang="en-US" i="1">
+                            <a:latin typeface="Cambria Math" panose="02040503050406030204" pitchFamily="18" charset="0"/>
+                          </a:rPr>
+                        </m:ctrlPr>
+                      </m:mPr>
+                      <m:mr>
+                        <m:e>
+                          <m:r>
+                            <m:rPr>
+                              <m:brk m:alnAt="7"/>
+                            </m:rPr>
+                            <a:rPr lang="en-US" i="1">
+                              <a:latin typeface="Cambria Math" panose="02040503050406030204" pitchFamily="18" charset="0"/>
+                            </a:rPr>
+                            <m:t>−</m:t>
+                          </m:r>
+                          <m:f>
+                            <m:fPr>
+                              <m:ctrlPr>
+                                <a:rPr lang="en-US" i="1">
+                                  <a:latin typeface="Cambria Math" panose="02040503050406030204" pitchFamily="18" charset="0"/>
+                                </a:rPr>
+                              </m:ctrlPr>
+                            </m:fPr>
+                            <m:num>
+                              <m:r>
+                                <a:rPr lang="en-US" i="1">
+                                  <a:latin typeface="Cambria Math" panose="02040503050406030204" pitchFamily="18" charset="0"/>
+                                </a:rPr>
+                                <m:t>1</m:t>
+                              </m:r>
+                            </m:num>
+                            <m:den>
+                              <m:r>
+                                <a:rPr lang="en-US" i="1">
+                                  <a:latin typeface="Cambria Math" panose="02040503050406030204" pitchFamily="18" charset="0"/>
+                                </a:rPr>
+                                <m:t>3</m:t>
+                              </m:r>
+                            </m:den>
+                          </m:f>
+                        </m:e>
+                        <m:e>
+                          <m:f>
+                            <m:fPr>
+                              <m:ctrlPr>
+                                <a:rPr lang="en-US" i="1">
+                                  <a:latin typeface="Cambria Math" panose="02040503050406030204" pitchFamily="18" charset="0"/>
+                                </a:rPr>
+                              </m:ctrlPr>
+                            </m:fPr>
+                            <m:num>
+                              <m:r>
+                                <a:rPr lang="en-US" i="1">
+                                  <a:latin typeface="Cambria Math" panose="02040503050406030204" pitchFamily="18" charset="0"/>
+                                </a:rPr>
+                                <m:t>2</m:t>
+                              </m:r>
+                            </m:num>
+                            <m:den>
+                              <m:r>
+                                <a:rPr lang="en-US" i="1">
+                                  <a:latin typeface="Cambria Math" panose="02040503050406030204" pitchFamily="18" charset="0"/>
+                                </a:rPr>
+                                <m:t>3</m:t>
+                              </m:r>
+                            </m:den>
+                          </m:f>
+                        </m:e>
+                      </m:mr>
+                      <m:mr>
+                        <m:e>
+                          <m:f>
+                            <m:fPr>
+                              <m:ctrlPr>
+                                <a:rPr lang="en-US" i="1">
+                                  <a:latin typeface="Cambria Math" panose="02040503050406030204" pitchFamily="18" charset="0"/>
+                                </a:rPr>
+                              </m:ctrlPr>
+                            </m:fPr>
+                            <m:num>
+                              <m:r>
+                                <a:rPr lang="en-US" i="1">
+                                  <a:latin typeface="Cambria Math" panose="02040503050406030204" pitchFamily="18" charset="0"/>
+                                </a:rPr>
+                                <m:t>2</m:t>
+                              </m:r>
+                            </m:num>
+                            <m:den>
+                              <m:r>
+                                <a:rPr lang="en-US" i="1">
+                                  <a:latin typeface="Cambria Math" panose="02040503050406030204" pitchFamily="18" charset="0"/>
+                                </a:rPr>
+                                <m:t>3</m:t>
+                              </m:r>
+                            </m:den>
+                          </m:f>
+                        </m:e>
+                        <m:e>
+                          <m:r>
+                            <m:rPr>
+                              <m:brk m:alnAt="7"/>
+                            </m:rPr>
+                            <a:rPr lang="en-US" i="1">
+                              <a:latin typeface="Cambria Math" panose="02040503050406030204" pitchFamily="18" charset="0"/>
+                            </a:rPr>
+                            <m:t>−</m:t>
+                          </m:r>
+                          <m:f>
+                            <m:fPr>
+                              <m:ctrlPr>
+                                <a:rPr lang="en-US" i="1">
+                                  <a:latin typeface="Cambria Math" panose="02040503050406030204" pitchFamily="18" charset="0"/>
+                                </a:rPr>
+                              </m:ctrlPr>
+                            </m:fPr>
+                            <m:num>
+                              <m:r>
+                                <a:rPr lang="en-US" i="1">
+                                  <a:latin typeface="Cambria Math" panose="02040503050406030204" pitchFamily="18" charset="0"/>
+                                </a:rPr>
+                                <m:t>1</m:t>
+                              </m:r>
+                            </m:num>
+                            <m:den>
+                              <m:r>
+                                <a:rPr lang="en-US" i="1">
+                                  <a:latin typeface="Cambria Math" panose="02040503050406030204" pitchFamily="18" charset="0"/>
+                                </a:rPr>
+                                <m:t>3</m:t>
+                              </m:r>
+                            </m:den>
+                          </m:f>
+                        </m:e>
+                      </m:mr>
+                    </m:m>
+                    <m:r>
+                      <a:rPr lang="en-US" i="1">
+                        <a:latin typeface="Cambria Math" panose="02040503050406030204" pitchFamily="18" charset="0"/>
+                      </a:rPr>
+                      <m:t>)</m:t>
+                    </m:r>
+                  </m:oMath>
+                </a14:m>
+                <a:r>
+                  <a:rPr lang="en-US" dirty="0"/>
+                  <a:t>  (</a:t>
+                </a:r>
+                <a:r>
+                  <a:rPr lang="en-US" dirty="0"/>
+                  <a:t>c) </a:t>
+                </a:r>
+                <a14:m>
+                  <m:oMath xmlns:m="http://schemas.openxmlformats.org/officeDocument/2006/math">
+                    <m:r>
+                      <a:rPr lang="en-US" i="1">
+                        <a:latin typeface="Cambria Math" panose="02040503050406030204" pitchFamily="18" charset="0"/>
+                      </a:rPr>
+                      <m:t>(</m:t>
+                    </m:r>
+                    <m:m>
+                      <m:mPr>
+                        <m:mcs>
+                          <m:mc>
+                            <m:mcPr>
+                              <m:count m:val="2"/>
+                              <m:mcJc m:val="center"/>
+                            </m:mcPr>
+                          </m:mc>
+                        </m:mcs>
+                        <m:ctrlPr>
+                          <a:rPr lang="en-US" i="1">
+                            <a:latin typeface="Cambria Math" panose="02040503050406030204" pitchFamily="18" charset="0"/>
+                          </a:rPr>
+                        </m:ctrlPr>
+                      </m:mPr>
+                      <m:mr>
+                        <m:e>
+                          <m:r>
+                            <m:rPr>
+                              <m:brk m:alnAt="7"/>
+                            </m:rPr>
+                            <a:rPr lang="en-US" i="1">
+                              <a:latin typeface="Cambria Math" panose="02040503050406030204" pitchFamily="18" charset="0"/>
+                            </a:rPr>
+                            <m:t>1</m:t>
+                          </m:r>
+                        </m:e>
+                        <m:e>
+                          <m:r>
+                            <a:rPr lang="en-US" i="1">
+                              <a:latin typeface="Cambria Math" panose="02040503050406030204" pitchFamily="18" charset="0"/>
+                            </a:rPr>
+                            <m:t>0</m:t>
+                          </m:r>
+                        </m:e>
+                      </m:mr>
+                      <m:mr>
+                        <m:e>
+                          <m:r>
+                            <a:rPr lang="en-US" i="1">
+                              <a:latin typeface="Cambria Math" panose="02040503050406030204" pitchFamily="18" charset="0"/>
+                            </a:rPr>
+                            <m:t>0</m:t>
+                          </m:r>
+                        </m:e>
+                        <m:e>
+                          <m:r>
+                            <a:rPr lang="en-US" i="1">
+                              <a:latin typeface="Cambria Math" panose="02040503050406030204" pitchFamily="18" charset="0"/>
+                            </a:rPr>
+                            <m:t>1</m:t>
+                          </m:r>
+                        </m:e>
+                      </m:mr>
+                    </m:m>
+                    <m:r>
+                      <a:rPr lang="en-US" i="1">
+                        <a:latin typeface="Cambria Math" panose="02040503050406030204" pitchFamily="18" charset="0"/>
+                      </a:rPr>
+                      <m:t>)</m:t>
+                    </m:r>
+                  </m:oMath>
+                </a14:m>
+                <a:r>
+                  <a:rPr lang="en-US" dirty="0"/>
+                  <a:t>  (</a:t>
+                </a:r>
+                <a:r>
+                  <a:rPr lang="en-US" dirty="0"/>
+                  <a:t>d</a:t>
+                </a:r>
+                <a:r>
+                  <a:rPr lang="en-US" dirty="0"/>
+                  <a:t>) </a:t>
+                </a:r>
+                <a14:m>
+                  <m:oMath xmlns:m="http://schemas.openxmlformats.org/officeDocument/2006/math">
+                    <m:r>
+                      <a:rPr lang="en-US" i="1">
+                        <a:latin typeface="Cambria Math" panose="02040503050406030204" pitchFamily="18" charset="0"/>
+                      </a:rPr>
+                      <m:t>(</m:t>
+                    </m:r>
+                    <m:m>
+                      <m:mPr>
+                        <m:mcs>
+                          <m:mc>
+                            <m:mcPr>
+                              <m:count m:val="2"/>
+                              <m:mcJc m:val="center"/>
+                            </m:mcPr>
+                          </m:mc>
+                        </m:mcs>
+                        <m:ctrlPr>
+                          <a:rPr lang="en-US" i="1">
+                            <a:latin typeface="Cambria Math" panose="02040503050406030204" pitchFamily="18" charset="0"/>
+                          </a:rPr>
+                        </m:ctrlPr>
+                      </m:mPr>
+                      <m:mr>
+                        <m:e>
+                          <m:r>
+                            <a:rPr lang="en-US" i="1">
+                              <a:latin typeface="Cambria Math" panose="02040503050406030204" pitchFamily="18" charset="0"/>
+                            </a:rPr>
+                            <m:t>2</m:t>
+                          </m:r>
+                        </m:e>
+                        <m:e>
+                          <m:r>
+                            <a:rPr lang="en-US" i="1">
+                              <a:latin typeface="Cambria Math" panose="02040503050406030204" pitchFamily="18" charset="0"/>
+                            </a:rPr>
+                            <m:t>1</m:t>
+                          </m:r>
+                        </m:e>
+                      </m:mr>
+                      <m:mr>
+                        <m:e>
+                          <m:r>
+                            <a:rPr lang="en-US" i="1">
+                              <a:latin typeface="Cambria Math" panose="02040503050406030204" pitchFamily="18" charset="0"/>
+                            </a:rPr>
+                            <m:t>1</m:t>
+                          </m:r>
+                        </m:e>
+                        <m:e>
+                          <m:r>
+                            <a:rPr lang="en-US" i="1">
+                              <a:latin typeface="Cambria Math" panose="02040503050406030204" pitchFamily="18" charset="0"/>
+                            </a:rPr>
+                            <m:t>2</m:t>
+                          </m:r>
+                        </m:e>
+                      </m:mr>
+                    </m:m>
+                    <m:r>
+                      <a:rPr lang="en-US" i="1">
+                        <a:latin typeface="Cambria Math" panose="02040503050406030204" pitchFamily="18" charset="0"/>
+                      </a:rPr>
+                      <m:t>)</m:t>
+                    </m:r>
+                  </m:oMath>
+                </a14:m>
+                <a:endParaRPr lang="en-US" dirty="0"/>
+              </a:p>
+            </p:txBody>
+          </p:sp>
+        </mc:Choice>
+        <mc:Fallback>
+          <p:sp>
+            <p:nvSpPr>
+              <p:cNvPr id="3" name="Content Placeholder 2"/>
+              <p:cNvSpPr>
+                <a:spLocks noGrp="1" noRot="1" noChangeAspect="1" noMove="1" noResize="1" noEditPoints="1" noAdjustHandles="1" noChangeArrowheads="1" noChangeShapeType="1" noTextEdit="1"/>
+              </p:cNvSpPr>
+              <p:nvPr>
+                <p:ph idx="1"/>
+              </p:nvPr>
+            </p:nvSpPr>
+            <p:spPr>
+              <a:blipFill rotWithShape="0">
+                <a:blip r:embed="rId2"/>
+                <a:stretch>
+                  <a:fillRect l="-1926" t="-2156"/>
+                </a:stretch>
+              </a:blipFill>
+            </p:spPr>
+            <p:txBody>
+              <a:bodyPr/>
+              <a:lstStyle/>
+              <a:p>
+                <a:r>
+                  <a:rPr lang="en-US">
+                    <a:noFill/>
+                  </a:rPr>
+                  <a:t> </a:t>
+                </a:r>
+              </a:p>
+            </p:txBody>
+          </p:sp>
+        </mc:Fallback>
+      </mc:AlternateContent>
+      <p:sp>
+        <p:nvSpPr>
+          <p:cNvPr id="4" name="Date Placeholder 3"/>
           <p:cNvSpPr>
             <a:spLocks noGrp="1"/>
           </p:cNvSpPr>
           <p:nvPr>
-            <p:ph sz="half" idx="1"/>
+            <p:ph type="dt" sz="half" idx="10"/>
           </p:nvPr>
         </p:nvSpPr>
         <p:spPr/>
@@ -26044,90 +24592,69 @@
           <a:lstStyle/>
           <a:p>
             <a:r>
-              <a:rPr lang="en-US" dirty="0" smtClean="0"/>
-              <a:t>IR =&gt; DBs</a:t>
-            </a:r>
-          </a:p>
-          <a:p>
-            <a:pPr lvl="1"/>
-            <a:r>
-              <a:rPr lang="en-US" dirty="0" smtClean="0"/>
-              <a:t>Approximate search is available in DBs</a:t>
-            </a:r>
-          </a:p>
-          <a:p>
-            <a:pPr lvl="1"/>
-            <a:r>
-              <a:rPr lang="en-US" dirty="0" err="1" smtClean="0"/>
-              <a:t>Eg</a:t>
-            </a:r>
-            <a:r>
-              <a:rPr lang="en-US" dirty="0" smtClean="0"/>
-              <a:t>. in </a:t>
-            </a:r>
-            <a:r>
-              <a:rPr lang="en-US" dirty="0" err="1" smtClean="0"/>
-              <a:t>mySQL</a:t>
-            </a:r>
-            <a:endParaRPr lang="en-US" dirty="0"/>
-          </a:p>
-        </p:txBody>
-      </p:sp>
-      <p:sp>
-        <p:nvSpPr>
-          <p:cNvPr id="4" name="Content Placeholder 3"/>
+              <a:rPr lang="en-US" smtClean="0"/>
+              <a:t>CS@UVa</a:t>
+            </a:r>
+            <a:endParaRPr lang="en-US"/>
+          </a:p>
+        </p:txBody>
+      </p:sp>
+      <p:sp>
+        <p:nvSpPr>
+          <p:cNvPr id="5" name="Footer Placeholder 4"/>
           <p:cNvSpPr>
             <a:spLocks noGrp="1"/>
           </p:cNvSpPr>
           <p:nvPr>
-            <p:ph sz="half" idx="2"/>
+            <p:ph type="ftr" sz="quarter" idx="11"/>
           </p:nvPr>
+        </p:nvSpPr>
+        <p:spPr/>
+        <p:txBody>
+          <a:bodyPr/>
+          <a:lstStyle/>
+          <a:p>
+            <a:r>
+              <a:rPr lang="en-US" smtClean="0"/>
+              <a:t>CS4501: Information Retrieval</a:t>
+            </a:r>
+            <a:endParaRPr lang="en-US"/>
+          </a:p>
+        </p:txBody>
+      </p:sp>
+      <p:sp>
+        <p:nvSpPr>
+          <p:cNvPr id="6" name="Slide Number Placeholder 5"/>
+          <p:cNvSpPr>
+            <a:spLocks noGrp="1"/>
+          </p:cNvSpPr>
+          <p:nvPr>
+            <p:ph type="sldNum" sz="quarter" idx="12"/>
+          </p:nvPr>
+        </p:nvSpPr>
+        <p:spPr/>
+        <p:txBody>
+          <a:bodyPr/>
+          <a:lstStyle/>
+          <a:p>
+            <a:fld id="{04D6BED6-93C9-4D43-B1C0-E2DD71716F4C}" type="slidenum">
+              <a:rPr lang="en-US" smtClean="0"/>
+              <a:t>31</a:t>
+            </a:fld>
+            <a:endParaRPr lang="en-US"/>
+          </a:p>
+        </p:txBody>
+      </p:sp>
+      <p:sp>
+        <p:nvSpPr>
+          <p:cNvPr id="7" name="TextBox 6"/>
+          <p:cNvSpPr txBox="1"/>
+          <p:nvPr/>
         </p:nvSpPr>
         <p:spPr>
           <a:xfrm>
-            <a:off x="4648200" y="1600200"/>
-            <a:ext cx="4191000" cy="4525963"/>
-          </a:xfrm>
-        </p:spPr>
-        <p:txBody>
-          <a:bodyPr/>
-          <a:lstStyle/>
-          <a:p>
-            <a:r>
-              <a:rPr lang="en-US" dirty="0" smtClean="0"/>
-              <a:t>DBs =&gt; IR</a:t>
-            </a:r>
-          </a:p>
-          <a:p>
-            <a:pPr lvl="1"/>
-            <a:r>
-              <a:rPr lang="en-US" dirty="0"/>
-              <a:t>Use information extraction to convert unstructured data to structured data</a:t>
-            </a:r>
-          </a:p>
-          <a:p>
-            <a:pPr lvl="1"/>
-            <a:r>
-              <a:rPr lang="en-US" dirty="0"/>
-              <a:t>Semi-structured representation: XML data; queries with structured information</a:t>
-            </a:r>
-          </a:p>
-          <a:p>
-            <a:pPr lvl="1"/>
-            <a:endParaRPr lang="en-US" dirty="0"/>
-          </a:p>
-        </p:txBody>
-      </p:sp>
-      <p:sp>
-        <p:nvSpPr>
-          <p:cNvPr id="5" name="TextBox 4"/>
-          <p:cNvSpPr txBox="1"/>
-          <p:nvPr/>
-        </p:nvSpPr>
-        <p:spPr>
-          <a:xfrm>
-            <a:off x="762000" y="3733800"/>
-            <a:ext cx="3505200" cy="830997"/>
+            <a:off x="6019800" y="2133600"/>
+            <a:ext cx="1295400" cy="461665"/>
           </a:xfrm>
           <a:prstGeom prst="rect">
             <a:avLst/>
@@ -26141,148 +24668,63 @@
           <a:lstStyle/>
           <a:p>
             <a:r>
-              <a:rPr lang="en-US" sz="1600" b="1" dirty="0" err="1">
-                <a:latin typeface="Arial" panose="020B0604020202020204" pitchFamily="34" charset="0"/>
-                <a:cs typeface="Arial" panose="020B0604020202020204" pitchFamily="34" charset="0"/>
+              <a:rPr lang="en-US" sz="2400" b="1" dirty="0" smtClean="0">
+                <a:solidFill>
+                  <a:srgbClr val="FF0000"/>
+                </a:solidFill>
               </a:rPr>
-              <a:t>mysql</a:t>
-            </a:r>
-            <a:r>
-              <a:rPr lang="en-US" sz="1600" b="1" dirty="0">
-                <a:latin typeface="Arial" panose="020B0604020202020204" pitchFamily="34" charset="0"/>
-                <a:cs typeface="Arial" panose="020B0604020202020204" pitchFamily="34" charset="0"/>
+              <a:t>(c)</a:t>
+            </a:r>
+            <a:endParaRPr lang="en-US" sz="2400" b="1" dirty="0">
+              <a:solidFill>
+                <a:srgbClr val="FF0000"/>
+              </a:solidFill>
+            </a:endParaRPr>
+          </a:p>
+        </p:txBody>
+      </p:sp>
+      <p:sp>
+        <p:nvSpPr>
+          <p:cNvPr id="8" name="TextBox 7"/>
+          <p:cNvSpPr txBox="1"/>
+          <p:nvPr/>
+        </p:nvSpPr>
+        <p:spPr>
+          <a:xfrm>
+            <a:off x="6019800" y="3500735"/>
+            <a:ext cx="1295400" cy="461665"/>
+          </a:xfrm>
+          <a:prstGeom prst="rect">
+            <a:avLst/>
+          </a:prstGeom>
+          <a:noFill/>
+        </p:spPr>
+        <p:txBody>
+          <a:bodyPr wrap="square" rtlCol="0">
+            <a:spAutoFit/>
+          </a:bodyPr>
+          <a:lstStyle/>
+          <a:p>
+            <a:r>
+              <a:rPr lang="en-US" sz="2400" b="1" dirty="0" smtClean="0">
+                <a:solidFill>
+                  <a:srgbClr val="FF0000"/>
+                </a:solidFill>
               </a:rPr>
-              <a:t>&gt; SELECT * FROM articles</a:t>
-            </a:r>
-          </a:p>
-          <a:p>
-            <a:r>
-              <a:rPr lang="en-US" sz="1600" b="1" dirty="0">
-                <a:latin typeface="Arial" panose="020B0604020202020204" pitchFamily="34" charset="0"/>
-                <a:cs typeface="Arial" panose="020B0604020202020204" pitchFamily="34" charset="0"/>
-              </a:rPr>
-              <a:t>    -&gt; WHERE MATCH (</a:t>
-            </a:r>
-            <a:r>
-              <a:rPr lang="en-US" sz="1600" b="1" dirty="0" err="1">
-                <a:latin typeface="Arial" panose="020B0604020202020204" pitchFamily="34" charset="0"/>
-                <a:cs typeface="Arial" panose="020B0604020202020204" pitchFamily="34" charset="0"/>
-              </a:rPr>
-              <a:t>title,body</a:t>
-            </a:r>
-            <a:r>
-              <a:rPr lang="en-US" sz="1600" b="1" dirty="0">
-                <a:latin typeface="Arial" panose="020B0604020202020204" pitchFamily="34" charset="0"/>
-                <a:cs typeface="Arial" panose="020B0604020202020204" pitchFamily="34" charset="0"/>
-              </a:rPr>
-              <a:t>) </a:t>
-            </a:r>
-            <a:r>
-              <a:rPr lang="en-US" sz="1600" b="1" dirty="0" smtClean="0">
-                <a:latin typeface="Arial" panose="020B0604020202020204" pitchFamily="34" charset="0"/>
-                <a:cs typeface="Arial" panose="020B0604020202020204" pitchFamily="34" charset="0"/>
-              </a:rPr>
-              <a:t>     </a:t>
-            </a:r>
-          </a:p>
-          <a:p>
-            <a:r>
-              <a:rPr lang="en-US" sz="1600" b="1" dirty="0">
-                <a:latin typeface="Arial" panose="020B0604020202020204" pitchFamily="34" charset="0"/>
-                <a:cs typeface="Arial" panose="020B0604020202020204" pitchFamily="34" charset="0"/>
-              </a:rPr>
-              <a:t> </a:t>
-            </a:r>
-            <a:r>
-              <a:rPr lang="en-US" sz="1600" b="1" dirty="0" smtClean="0">
-                <a:latin typeface="Arial" panose="020B0604020202020204" pitchFamily="34" charset="0"/>
-                <a:cs typeface="Arial" panose="020B0604020202020204" pitchFamily="34" charset="0"/>
-              </a:rPr>
-              <a:t>        AGAINST </a:t>
-            </a:r>
-            <a:r>
-              <a:rPr lang="en-US" sz="1600" b="1" dirty="0">
-                <a:latin typeface="Arial" panose="020B0604020202020204" pitchFamily="34" charset="0"/>
-                <a:cs typeface="Arial" panose="020B0604020202020204" pitchFamily="34" charset="0"/>
-              </a:rPr>
-              <a:t>('database');</a:t>
-            </a:r>
-          </a:p>
-        </p:txBody>
-      </p:sp>
-      <p:sp>
-        <p:nvSpPr>
-          <p:cNvPr id="6" name="Date Placeholder 5"/>
-          <p:cNvSpPr>
-            <a:spLocks noGrp="1"/>
-          </p:cNvSpPr>
-          <p:nvPr>
-            <p:ph type="dt" sz="half" idx="10"/>
-          </p:nvPr>
-        </p:nvSpPr>
-        <p:spPr/>
-        <p:txBody>
-          <a:bodyPr/>
-          <a:lstStyle/>
-          <a:p>
-            <a:r>
-              <a:rPr lang="en-US" smtClean="0"/>
-              <a:t>CS@UVa</a:t>
-            </a:r>
-            <a:endParaRPr lang="en-US"/>
-          </a:p>
-        </p:txBody>
-      </p:sp>
-      <p:sp>
-        <p:nvSpPr>
-          <p:cNvPr id="7" name="Footer Placeholder 6"/>
-          <p:cNvSpPr>
-            <a:spLocks noGrp="1"/>
-          </p:cNvSpPr>
-          <p:nvPr>
-            <p:ph type="ftr" sz="quarter" idx="11"/>
-          </p:nvPr>
-        </p:nvSpPr>
-        <p:spPr/>
-        <p:txBody>
-          <a:bodyPr/>
-          <a:lstStyle/>
-          <a:p>
-            <a:r>
-              <a:rPr lang="en-US" smtClean="0"/>
-              <a:t>CS4501: Information Retrieval</a:t>
-            </a:r>
-            <a:endParaRPr lang="en-US"/>
-          </a:p>
-        </p:txBody>
-      </p:sp>
-      <p:sp>
-        <p:nvSpPr>
-          <p:cNvPr id="8" name="Slide Number Placeholder 7"/>
-          <p:cNvSpPr>
-            <a:spLocks noGrp="1"/>
-          </p:cNvSpPr>
-          <p:nvPr>
-            <p:ph type="sldNum" sz="quarter" idx="12"/>
-          </p:nvPr>
-        </p:nvSpPr>
-        <p:spPr/>
-        <p:txBody>
-          <a:bodyPr/>
-          <a:lstStyle/>
-          <a:p>
-            <a:fld id="{04D6BED6-93C9-4D43-B1C0-E2DD71716F4C}" type="slidenum">
-              <a:rPr lang="en-US" smtClean="0"/>
-              <a:t>31</a:t>
-            </a:fld>
-            <a:endParaRPr lang="en-US"/>
+              <a:t>(b)</a:t>
+            </a:r>
+            <a:endParaRPr lang="en-US" sz="2400" b="1" dirty="0">
+              <a:solidFill>
+                <a:srgbClr val="FF0000"/>
+              </a:solidFill>
+            </a:endParaRPr>
           </a:p>
         </p:txBody>
       </p:sp>
     </p:spTree>
     <p:extLst>
       <p:ext uri="{BB962C8B-B14F-4D97-AF65-F5344CB8AC3E}">
-        <p14:creationId xmlns:p14="http://schemas.microsoft.com/office/powerpoint/2010/main" val="1066128477"/>
+        <p14:creationId xmlns:p14="http://schemas.microsoft.com/office/powerpoint/2010/main" val="2955671117"/>
       </p:ext>
     </p:extLst>
   </p:cSld>
@@ -26292,9 +24734,126 @@
   <p:timing>
     <p:tnLst>
       <p:par>
-        <p:cTn id="1" dur="indefinite" restart="never" nodeType="tmRoot"/>
+        <p:cTn id="1" dur="indefinite" restart="never" nodeType="tmRoot">
+          <p:childTnLst>
+            <p:seq concurrent="1" nextAc="seek">
+              <p:cTn id="2" dur="indefinite" nodeType="mainSeq">
+                <p:childTnLst>
+                  <p:par>
+                    <p:cTn id="3" fill="hold">
+                      <p:stCondLst>
+                        <p:cond delay="indefinite"/>
+                      </p:stCondLst>
+                      <p:childTnLst>
+                        <p:par>
+                          <p:cTn id="4" fill="hold">
+                            <p:stCondLst>
+                              <p:cond delay="0"/>
+                            </p:stCondLst>
+                            <p:childTnLst>
+                              <p:par>
+                                <p:cTn id="5" presetID="1" presetClass="entr" presetSubtype="0" fill="hold" grpId="0" nodeType="clickEffect">
+                                  <p:stCondLst>
+                                    <p:cond delay="0"/>
+                                  </p:stCondLst>
+                                  <p:childTnLst>
+                                    <p:set>
+                                      <p:cBhvr>
+                                        <p:cTn id="6" dur="1" fill="hold">
+                                          <p:stCondLst>
+                                            <p:cond delay="0"/>
+                                          </p:stCondLst>
+                                        </p:cTn>
+                                        <p:tgtEl>
+                                          <p:spTgt spid="7"/>
+                                        </p:tgtEl>
+                                        <p:attrNameLst>
+                                          <p:attrName>style.visibility</p:attrName>
+                                        </p:attrNameLst>
+                                      </p:cBhvr>
+                                      <p:to>
+                                        <p:strVal val="visible"/>
+                                      </p:to>
+                                    </p:set>
+                                  </p:childTnLst>
+                                </p:cTn>
+                              </p:par>
+                            </p:childTnLst>
+                          </p:cTn>
+                        </p:par>
+                      </p:childTnLst>
+                    </p:cTn>
+                  </p:par>
+                  <p:par>
+                    <p:cTn id="7" fill="hold">
+                      <p:stCondLst>
+                        <p:cond delay="indefinite"/>
+                      </p:stCondLst>
+                      <p:childTnLst>
+                        <p:par>
+                          <p:cTn id="8" fill="hold">
+                            <p:stCondLst>
+                              <p:cond delay="0"/>
+                            </p:stCondLst>
+                            <p:childTnLst>
+                              <p:par>
+                                <p:cTn id="9" presetID="1" presetClass="entr" presetSubtype="0" fill="hold" grpId="0" nodeType="clickEffect">
+                                  <p:stCondLst>
+                                    <p:cond delay="0"/>
+                                  </p:stCondLst>
+                                  <p:childTnLst>
+                                    <p:set>
+                                      <p:cBhvr>
+                                        <p:cTn id="10" dur="1" fill="hold">
+                                          <p:stCondLst>
+                                            <p:cond delay="0"/>
+                                          </p:stCondLst>
+                                        </p:cTn>
+                                        <p:tgtEl>
+                                          <p:spTgt spid="8"/>
+                                        </p:tgtEl>
+                                        <p:attrNameLst>
+                                          <p:attrName>style.visibility</p:attrName>
+                                        </p:attrNameLst>
+                                      </p:cBhvr>
+                                      <p:to>
+                                        <p:strVal val="visible"/>
+                                      </p:to>
+                                    </p:set>
+                                  </p:childTnLst>
+                                </p:cTn>
+                              </p:par>
+                            </p:childTnLst>
+                          </p:cTn>
+                        </p:par>
+                      </p:childTnLst>
+                    </p:cTn>
+                  </p:par>
+                </p:childTnLst>
+              </p:cTn>
+              <p:prevCondLst>
+                <p:cond evt="onPrev" delay="0">
+                  <p:tgtEl>
+                    <p:sldTgt/>
+                  </p:tgtEl>
+                </p:cond>
+              </p:prevCondLst>
+              <p:nextCondLst>
+                <p:cond evt="onNext" delay="0">
+                  <p:tgtEl>
+                    <p:sldTgt/>
+                  </p:tgtEl>
+                </p:cond>
+              </p:nextCondLst>
+            </p:seq>
+          </p:childTnLst>
+        </p:cTn>
       </p:par>
     </p:tnLst>
+    <p:bldLst>
+      <p:bldP spid="7" grpId="0"/>
+      <p:bldP spid="8" grpId="0"/>
+    </p:bldLst>
   </p:timing>
 </p:sld>
 </file>
@@ -26333,15 +24892,7 @@
           <a:p>
             <a:r>
               <a:rPr lang="en-US" dirty="0" smtClean="0"/>
-              <a:t>IR </a:t>
-            </a:r>
-            <a:r>
-              <a:rPr lang="en-US" dirty="0" err="1" smtClean="0"/>
-              <a:t>v.s</a:t>
-            </a:r>
-            <a:r>
-              <a:rPr lang="en-US" dirty="0" smtClean="0"/>
-              <a:t>. NLP</a:t>
+              <a:t>Pop-up quiz</a:t>
             </a:r>
             <a:endParaRPr lang="en-US" dirty="0"/>
           </a:p>
@@ -26354,7 +24905,7 @@
             <a:spLocks noGrp="1"/>
           </p:cNvSpPr>
           <p:nvPr>
-            <p:ph sz="half" idx="1"/>
+            <p:ph idx="1"/>
           </p:nvPr>
         </p:nvSpPr>
         <p:spPr/>
@@ -26362,86 +24913,69 @@
           <a:bodyPr/>
           <a:lstStyle/>
           <a:p>
+            <a:pPr marL="514350" indent="-514350">
+              <a:buFont typeface="+mj-lt"/>
+              <a:buAutoNum type="arabicPeriod" startAt="3"/>
+            </a:pPr>
             <a:r>
               <a:rPr lang="en-US" dirty="0" smtClean="0"/>
-              <a:t>Information retrieval</a:t>
-            </a:r>
-          </a:p>
-          <a:p>
-            <a:pPr lvl="1"/>
+              <a:t>What is the expectation of random variables drawn from Gaussian distribution N(0, 1), </a:t>
+            </a:r>
+          </a:p>
+          <a:p>
+            <a:pPr marL="914400" lvl="1" indent="-514350">
+              <a:buAutoNum type="alphaLcParenBoth"/>
+            </a:pPr>
             <a:r>
               <a:rPr lang="en-US" dirty="0" smtClean="0"/>
-              <a:t>Computational approaches</a:t>
-            </a:r>
-          </a:p>
-          <a:p>
-            <a:pPr lvl="1"/>
+              <a:t>0          (b) 0.5         (c) 1             (d) 2</a:t>
+            </a:r>
+          </a:p>
+          <a:p>
+            <a:pPr marL="514350" indent="-514350">
+              <a:buAutoNum type="arabicPeriod" startAt="3"/>
+            </a:pPr>
             <a:r>
               <a:rPr lang="en-US" dirty="0" smtClean="0"/>
-              <a:t>Statistical (shallow) understanding of language</a:t>
-            </a:r>
-          </a:p>
-          <a:p>
-            <a:pPr lvl="1"/>
+              <a:t>A biased coin with P(head)=0.2, in a sequence of 10 consecutive tossing, you have already got 9 tails, what is the probability you have a head at the 10</a:t>
+            </a:r>
+            <a:r>
+              <a:rPr lang="en-US" baseline="30000" dirty="0" smtClean="0"/>
+              <a:t>th</a:t>
+            </a:r>
             <a:r>
               <a:rPr lang="en-US" dirty="0" smtClean="0"/>
-              <a:t>Handle large scale problems</a:t>
-            </a:r>
+              <a:t> tossing,</a:t>
+            </a:r>
+          </a:p>
+          <a:p>
+            <a:pPr marL="0" lvl="1" indent="0">
+              <a:buNone/>
+            </a:pPr>
+            <a:r>
+              <a:rPr lang="en-US" dirty="0" smtClean="0"/>
+              <a:t>     </a:t>
+            </a:r>
+            <a:r>
+              <a:rPr lang="en-US" dirty="0"/>
+              <a:t>(a) 0          (b) 0.1         (c) 0.2             (d) 0.2*0.8</a:t>
+            </a:r>
+            <a:r>
+              <a:rPr lang="en-US" baseline="30000" dirty="0"/>
+              <a:t>9</a:t>
+            </a:r>
+          </a:p>
+          <a:p>
+            <a:pPr marL="0" indent="0">
+              <a:buNone/>
+            </a:pPr>
             <a:endParaRPr lang="en-US" dirty="0"/>
           </a:p>
         </p:txBody>
       </p:sp>
       <p:sp>
         <p:nvSpPr>
-          <p:cNvPr id="4" name="Content Placeholder 3"/>
-          <p:cNvSpPr>
-            <a:spLocks noGrp="1"/>
-          </p:cNvSpPr>
-          <p:nvPr>
-            <p:ph sz="half" idx="2"/>
-          </p:nvPr>
-        </p:nvSpPr>
-        <p:spPr/>
-        <p:txBody>
-          <a:bodyPr/>
-          <a:lstStyle/>
-          <a:p>
-            <a:r>
-              <a:rPr lang="en-US" dirty="0" smtClean="0"/>
-              <a:t>Natural language processing</a:t>
-            </a:r>
-          </a:p>
-          <a:p>
-            <a:pPr lvl="1"/>
-            <a:r>
-              <a:rPr lang="en-US" altLang="en-US" dirty="0"/>
-              <a:t>Cognitive, symbolic and computational </a:t>
-            </a:r>
-            <a:r>
-              <a:rPr lang="en-US" altLang="en-US" dirty="0" smtClean="0"/>
-              <a:t>approaches</a:t>
-            </a:r>
-          </a:p>
-          <a:p>
-            <a:pPr lvl="1"/>
-            <a:r>
-              <a:rPr lang="en-US" dirty="0" smtClean="0"/>
-              <a:t>Semantic (deep) understanding of language</a:t>
-            </a:r>
-          </a:p>
-          <a:p>
-            <a:pPr lvl="1"/>
-            <a:r>
-              <a:rPr lang="en-US" dirty="0" smtClean="0"/>
-              <a:t>(often times) small scale problems</a:t>
-            </a:r>
-            <a:endParaRPr lang="en-US" dirty="0"/>
-          </a:p>
-        </p:txBody>
-      </p:sp>
-      <p:sp>
-        <p:nvSpPr>
-          <p:cNvPr id="5" name="Date Placeholder 4"/>
+          <p:cNvPr id="4" name="Date Placeholder 3"/>
           <p:cNvSpPr>
             <a:spLocks noGrp="1"/>
           </p:cNvSpPr>
@@ -26464,7 +24998,7 @@
       </p:sp>
       <p:sp>
         <p:nvSpPr>
-          <p:cNvPr id="6" name="Footer Placeholder 5"/>
+          <p:cNvPr id="5" name="Footer Placeholder 4"/>
           <p:cNvSpPr>
             <a:spLocks noGrp="1"/>
           </p:cNvSpPr>
@@ -26487,7 +25021,7 @@
       </p:sp>
       <p:sp>
         <p:nvSpPr>
-          <p:cNvPr id="7" name="Slide Number Placeholder 6"/>
+          <p:cNvPr id="6" name="Slide Number Placeholder 5"/>
           <p:cNvSpPr>
             <a:spLocks noGrp="1"/>
           </p:cNvSpPr>
@@ -26508,10 +25042,209 @@
           </a:p>
         </p:txBody>
       </p:sp>
+      <p:sp>
+        <p:nvSpPr>
+          <p:cNvPr id="7" name="TextBox 6"/>
+          <p:cNvSpPr txBox="1"/>
+          <p:nvPr/>
+        </p:nvSpPr>
+        <p:spPr>
+          <a:xfrm>
+            <a:off x="8039100" y="2133600"/>
+            <a:ext cx="1295400" cy="461665"/>
+          </a:xfrm>
+          <a:prstGeom prst="rect">
+            <a:avLst/>
+          </a:prstGeom>
+          <a:noFill/>
+        </p:spPr>
+        <p:txBody>
+          <a:bodyPr wrap="square" rtlCol="0">
+            <a:spAutoFit/>
+          </a:bodyPr>
+          <a:lstStyle/>
+          <a:p>
+            <a:r>
+              <a:rPr lang="en-US" sz="2400" b="1" dirty="0" smtClean="0">
+                <a:solidFill>
+                  <a:srgbClr val="FF0000"/>
+                </a:solidFill>
+              </a:rPr>
+              <a:t>(a)</a:t>
+            </a:r>
+            <a:endParaRPr lang="en-US" sz="2400" b="1" dirty="0">
+              <a:solidFill>
+                <a:srgbClr val="FF0000"/>
+              </a:solidFill>
+            </a:endParaRPr>
+          </a:p>
+        </p:txBody>
+      </p:sp>
+      <p:sp>
+        <p:nvSpPr>
+          <p:cNvPr id="8" name="TextBox 7"/>
+          <p:cNvSpPr txBox="1"/>
+          <p:nvPr/>
+        </p:nvSpPr>
+        <p:spPr>
+          <a:xfrm>
+            <a:off x="7848600" y="3200400"/>
+            <a:ext cx="1295400" cy="461665"/>
+          </a:xfrm>
+          <a:prstGeom prst="rect">
+            <a:avLst/>
+          </a:prstGeom>
+          <a:noFill/>
+        </p:spPr>
+        <p:txBody>
+          <a:bodyPr wrap="square" rtlCol="0">
+            <a:spAutoFit/>
+          </a:bodyPr>
+          <a:lstStyle/>
+          <a:p>
+            <a:r>
+              <a:rPr lang="en-US" sz="2400" b="1" dirty="0" smtClean="0">
+                <a:solidFill>
+                  <a:srgbClr val="FF0000"/>
+                </a:solidFill>
+              </a:rPr>
+              <a:t>(d)</a:t>
+            </a:r>
+            <a:endParaRPr lang="en-US" sz="2400" b="1" dirty="0">
+              <a:solidFill>
+                <a:srgbClr val="FF0000"/>
+              </a:solidFill>
+            </a:endParaRPr>
+          </a:p>
+        </p:txBody>
+      </p:sp>
+      <p:sp>
+        <p:nvSpPr>
+          <p:cNvPr id="9" name="TextBox 8"/>
+          <p:cNvSpPr txBox="1"/>
+          <p:nvPr/>
+        </p:nvSpPr>
+        <p:spPr>
+          <a:xfrm>
+            <a:off x="7151915" y="3187473"/>
+            <a:ext cx="745671" cy="461665"/>
+          </a:xfrm>
+          <a:prstGeom prst="rect">
+            <a:avLst/>
+          </a:prstGeom>
+          <a:noFill/>
+        </p:spPr>
+        <p:txBody>
+          <a:bodyPr wrap="square" rtlCol="0">
+            <a:spAutoFit/>
+          </a:bodyPr>
+          <a:lstStyle/>
+          <a:p>
+            <a:r>
+              <a:rPr lang="en-US" sz="2400" b="1" dirty="0" smtClean="0">
+                <a:solidFill>
+                  <a:srgbClr val="FF0000"/>
+                </a:solidFill>
+              </a:rPr>
+              <a:t>(b)</a:t>
+            </a:r>
+            <a:endParaRPr lang="en-US" sz="2400" b="1" dirty="0">
+              <a:solidFill>
+                <a:srgbClr val="FF0000"/>
+              </a:solidFill>
+            </a:endParaRPr>
+          </a:p>
+        </p:txBody>
+      </p:sp>
+      <p:grpSp>
+        <p:nvGrpSpPr>
+          <p:cNvPr id="15" name="Group 14"/>
+          <p:cNvGrpSpPr/>
+          <p:nvPr/>
+        </p:nvGrpSpPr>
+        <p:grpSpPr>
+          <a:xfrm>
+            <a:off x="7886700" y="3211286"/>
+            <a:ext cx="533400" cy="461665"/>
+            <a:chOff x="7848600" y="3200400"/>
+            <a:chExt cx="533400" cy="461665"/>
+          </a:xfrm>
+        </p:grpSpPr>
+        <p:cxnSp>
+          <p:nvCxnSpPr>
+            <p:cNvPr id="11" name="Straight Connector 10"/>
+            <p:cNvCxnSpPr/>
+            <p:nvPr/>
+          </p:nvCxnSpPr>
+          <p:spPr>
+            <a:xfrm>
+              <a:off x="7848600" y="3200400"/>
+              <a:ext cx="533400" cy="461665"/>
+            </a:xfrm>
+            <a:prstGeom prst="line">
+              <a:avLst/>
+            </a:prstGeom>
+            <a:ln w="28575">
+              <a:solidFill>
+                <a:schemeClr val="tx1"/>
+              </a:solidFill>
+            </a:ln>
+          </p:spPr>
+          <p:style>
+            <a:lnRef idx="1">
+              <a:schemeClr val="accent1"/>
+            </a:lnRef>
+            <a:fillRef idx="0">
+              <a:schemeClr val="accent1"/>
+            </a:fillRef>
+            <a:effectRef idx="0">
+              <a:schemeClr val="accent1"/>
+            </a:effectRef>
+            <a:fontRef idx="minor">
+              <a:schemeClr val="tx1"/>
+            </a:fontRef>
+          </p:style>
+        </p:cxnSp>
+        <p:cxnSp>
+          <p:nvCxnSpPr>
+            <p:cNvPr id="12" name="Straight Connector 11"/>
+            <p:cNvCxnSpPr/>
+            <p:nvPr/>
+          </p:nvCxnSpPr>
+          <p:spPr>
+            <a:xfrm flipV="1">
+              <a:off x="7848600" y="3200400"/>
+              <a:ext cx="533400" cy="414040"/>
+            </a:xfrm>
+            <a:prstGeom prst="line">
+              <a:avLst/>
+            </a:prstGeom>
+            <a:ln w="28575">
+              <a:solidFill>
+                <a:schemeClr val="tx1"/>
+              </a:solidFill>
+            </a:ln>
+          </p:spPr>
+          <p:style>
+            <a:lnRef idx="1">
+              <a:schemeClr val="accent1"/>
+            </a:lnRef>
+            <a:fillRef idx="0">
+              <a:schemeClr val="accent1"/>
+            </a:fillRef>
+            <a:effectRef idx="0">
+              <a:schemeClr val="accent1"/>
+            </a:effectRef>
+            <a:fontRef idx="minor">
+              <a:schemeClr val="tx1"/>
+            </a:fontRef>
+          </p:style>
+        </p:cxnSp>
+      </p:grpSp>
     </p:spTree>
     <p:extLst>
       <p:ext uri="{BB962C8B-B14F-4D97-AF65-F5344CB8AC3E}">
-        <p14:creationId xmlns:p14="http://schemas.microsoft.com/office/powerpoint/2010/main" val="4241714647"/>
+        <p14:creationId xmlns:p14="http://schemas.microsoft.com/office/powerpoint/2010/main" val="2934650731"/>
       </p:ext>
     </p:extLst>
   </p:cSld>
@@ -26521,9 +25254,217 @@
   <p:timing>
     <p:tnLst>
       <p:par>
-        <p:cTn id="1" dur="indefinite" restart="never" nodeType="tmRoot"/>
+        <p:cTn id="1" dur="indefinite" restart="never" nodeType="tmRoot">
+          <p:childTnLst>
+            <p:seq concurrent="1" nextAc="seek">
+              <p:cTn id="2" dur="indefinite" nodeType="mainSeq">
+                <p:childTnLst>
+                  <p:par>
+                    <p:cTn id="3" fill="hold">
+                      <p:stCondLst>
+                        <p:cond delay="indefinite"/>
+                      </p:stCondLst>
+                      <p:childTnLst>
+                        <p:par>
+                          <p:cTn id="4" fill="hold">
+                            <p:stCondLst>
+                              <p:cond delay="0"/>
+                            </p:stCondLst>
+                            <p:childTnLst>
+                              <p:par>
+                                <p:cTn id="5" presetID="1" presetClass="entr" presetSubtype="0" fill="hold" grpId="0" nodeType="clickEffect">
+                                  <p:stCondLst>
+                                    <p:cond delay="0"/>
+                                  </p:stCondLst>
+                                  <p:childTnLst>
+                                    <p:set>
+                                      <p:cBhvr>
+                                        <p:cTn id="6" dur="1" fill="hold">
+                                          <p:stCondLst>
+                                            <p:cond delay="0"/>
+                                          </p:stCondLst>
+                                        </p:cTn>
+                                        <p:tgtEl>
+                                          <p:spTgt spid="7"/>
+                                        </p:tgtEl>
+                                        <p:attrNameLst>
+                                          <p:attrName>style.visibility</p:attrName>
+                                        </p:attrNameLst>
+                                      </p:cBhvr>
+                                      <p:to>
+                                        <p:strVal val="visible"/>
+                                      </p:to>
+                                    </p:set>
+                                  </p:childTnLst>
+                                </p:cTn>
+                              </p:par>
+                            </p:childTnLst>
+                          </p:cTn>
+                        </p:par>
+                      </p:childTnLst>
+                    </p:cTn>
+                  </p:par>
+                  <p:par>
+                    <p:cTn id="7" fill="hold">
+                      <p:stCondLst>
+                        <p:cond delay="indefinite"/>
+                      </p:stCondLst>
+                      <p:childTnLst>
+                        <p:par>
+                          <p:cTn id="8" fill="hold">
+                            <p:stCondLst>
+                              <p:cond delay="0"/>
+                            </p:stCondLst>
+                            <p:childTnLst>
+                              <p:par>
+                                <p:cTn id="9" presetID="1" presetClass="entr" presetSubtype="0" fill="hold" grpId="0" nodeType="clickEffect">
+                                  <p:stCondLst>
+                                    <p:cond delay="0"/>
+                                  </p:stCondLst>
+                                  <p:childTnLst>
+                                    <p:set>
+                                      <p:cBhvr>
+                                        <p:cTn id="10" dur="1" fill="hold">
+                                          <p:stCondLst>
+                                            <p:cond delay="0"/>
+                                          </p:stCondLst>
+                                        </p:cTn>
+                                        <p:tgtEl>
+                                          <p:spTgt spid="8"/>
+                                        </p:tgtEl>
+                                        <p:attrNameLst>
+                                          <p:attrName>style.visibility</p:attrName>
+                                        </p:attrNameLst>
+                                      </p:cBhvr>
+                                      <p:to>
+                                        <p:strVal val="visible"/>
+                                      </p:to>
+                                    </p:set>
+                                  </p:childTnLst>
+                                </p:cTn>
+                              </p:par>
+                            </p:childTnLst>
+                          </p:cTn>
+                        </p:par>
+                      </p:childTnLst>
+                    </p:cTn>
+                  </p:par>
+                  <p:par>
+                    <p:cTn id="11" fill="hold">
+                      <p:stCondLst>
+                        <p:cond delay="indefinite"/>
+                      </p:stCondLst>
+                      <p:childTnLst>
+                        <p:par>
+                          <p:cTn id="12" fill="hold">
+                            <p:stCondLst>
+                              <p:cond delay="0"/>
+                            </p:stCondLst>
+                            <p:childTnLst>
+                              <p:par>
+                                <p:cTn id="13" presetID="1" presetClass="entr" presetSubtype="0" fill="hold" nodeType="clickEffect">
+                                  <p:stCondLst>
+                                    <p:cond delay="0"/>
+                                  </p:stCondLst>
+                                  <p:childTnLst>
+                                    <p:set>
+                                      <p:cBhvr>
+                                        <p:cTn id="14" dur="1" fill="hold">
+                                          <p:stCondLst>
+                                            <p:cond delay="0"/>
+                                          </p:stCondLst>
+                                        </p:cTn>
+                                        <p:tgtEl>
+                                          <p:spTgt spid="15"/>
+                                        </p:tgtEl>
+                                        <p:attrNameLst>
+                                          <p:attrName>style.visibility</p:attrName>
+                                        </p:attrNameLst>
+                                      </p:cBhvr>
+                                      <p:to>
+                                        <p:strVal val="visible"/>
+                                      </p:to>
+                                    </p:set>
+                                  </p:childTnLst>
+                                </p:cTn>
+                              </p:par>
+                            </p:childTnLst>
+                          </p:cTn>
+                        </p:par>
+                      </p:childTnLst>
+                    </p:cTn>
+                  </p:par>
+                  <p:par>
+                    <p:cTn id="15" fill="hold">
+                      <p:stCondLst>
+                        <p:cond delay="indefinite"/>
+                      </p:stCondLst>
+                      <p:childTnLst>
+                        <p:par>
+                          <p:cTn id="16" fill="hold">
+                            <p:stCondLst>
+                              <p:cond delay="0"/>
+                            </p:stCondLst>
+                            <p:childTnLst>
+                              <p:par>
+                                <p:cTn id="17" presetID="1" presetClass="entr" presetSubtype="0" fill="hold" grpId="0" nodeType="clickEffect">
+                                  <p:stCondLst>
+                                    <p:cond delay="0"/>
+                                  </p:stCondLst>
+                                  <p:childTnLst>
+                                    <p:set>
+                                      <p:cBhvr>
+                                        <p:cTn id="18" dur="1" fill="hold">
+                                          <p:stCondLst>
+                                            <p:cond delay="0"/>
+                                          </p:stCondLst>
+                                        </p:cTn>
+                                        <p:tgtEl>
+                                          <p:spTgt spid="9"/>
+                                        </p:tgtEl>
+                                        <p:attrNameLst>
+                                          <p:attrName>style.visibility</p:attrName>
+                                        </p:attrNameLst>
+                                      </p:cBhvr>
+                                      <p:to>
+                                        <p:strVal val="visible"/>
+                                      </p:to>
+                                    </p:set>
+                                  </p:childTnLst>
+                                </p:cTn>
+                              </p:par>
+                            </p:childTnLst>
+                          </p:cTn>
+                        </p:par>
+                      </p:childTnLst>
+                    </p:cTn>
+                  </p:par>
+                </p:childTnLst>
+              </p:cTn>
+              <p:prevCondLst>
+                <p:cond evt="onPrev" delay="0">
+                  <p:tgtEl>
+                    <p:sldTgt/>
+                  </p:tgtEl>
+                </p:cond>
+              </p:prevCondLst>
+              <p:nextCondLst>
+                <p:cond evt="onNext" delay="0">
+                  <p:tgtEl>
+                    <p:sldTgt/>
+                  </p:tgtEl>
+                </p:cond>
+              </p:nextCondLst>
+            </p:seq>
+          </p:childTnLst>
+        </p:cTn>
       </p:par>
     </p:tnLst>
+    <p:bldLst>
+      <p:bldP spid="7" grpId="0"/>
+      <p:bldP spid="8" grpId="0"/>
+      <p:bldP spid="9" grpId="0"/>
+    </p:bldLst>
   </p:timing>
 </p:sld>
 </file>
@@ -26547,6 +25488,1548 @@
       </p:grpSpPr>
       <p:sp>
         <p:nvSpPr>
+          <p:cNvPr id="189442" name="Oval 2"/>
+          <p:cNvSpPr>
+            <a:spLocks noChangeArrowheads="1"/>
+          </p:cNvSpPr>
+          <p:nvPr/>
+        </p:nvSpPr>
+        <p:spPr bwMode="auto">
+          <a:xfrm>
+            <a:off x="3581400" y="3017837"/>
+            <a:ext cx="3048000" cy="1554163"/>
+          </a:xfrm>
+          <a:prstGeom prst="ellipse">
+            <a:avLst/>
+          </a:prstGeom>
+          <a:solidFill>
+            <a:srgbClr val="FFFF00"/>
+          </a:solidFill>
+          <a:ln w="57150" cmpd="thickThin">
+            <a:solidFill>
+              <a:schemeClr val="tx1"/>
+            </a:solidFill>
+            <a:round/>
+            <a:headEnd/>
+            <a:tailEnd/>
+          </a:ln>
+          <a:effectLst/>
+          <a:extLst>
+            <a:ext uri="{AF507438-7753-43E0-B8FC-AC1667EBCBE1}">
+              <a14:hiddenEffects xmlns:a14="http://schemas.microsoft.com/office/drawing/2010/main">
+                <a:effectLst>
+                  <a:outerShdw dist="35921" dir="2700000" algn="ctr" rotWithShape="0">
+                    <a:schemeClr val="bg2"/>
+                  </a:outerShdw>
+                </a:effectLst>
+              </a14:hiddenEffects>
+            </a:ext>
+          </a:extLst>
+        </p:spPr>
+        <p:txBody>
+          <a:bodyPr wrap="none" anchor="ctr"/>
+          <a:lstStyle/>
+          <a:p>
+            <a:endParaRPr lang="en-US"/>
+          </a:p>
+        </p:txBody>
+      </p:sp>
+      <p:sp>
+        <p:nvSpPr>
+          <p:cNvPr id="189443" name="Rectangle 3"/>
+          <p:cNvSpPr>
+            <a:spLocks noGrp="1" noChangeArrowheads="1"/>
+          </p:cNvSpPr>
+          <p:nvPr>
+            <p:ph type="title"/>
+          </p:nvPr>
+        </p:nvSpPr>
+        <p:spPr>
+          <a:xfrm>
+            <a:off x="228600" y="152400"/>
+            <a:ext cx="8686800" cy="1066800"/>
+          </a:xfrm>
+        </p:spPr>
+        <p:txBody>
+          <a:bodyPr/>
+          <a:lstStyle/>
+          <a:p>
+            <a:r>
+              <a:rPr lang="en-US" altLang="en-US">
+                <a:latin typeface="Arial" charset="0"/>
+              </a:rPr>
+              <a:t>Related Areas</a:t>
+            </a:r>
+          </a:p>
+        </p:txBody>
+      </p:sp>
+      <p:sp>
+        <p:nvSpPr>
+          <p:cNvPr id="189444" name="Oval 4"/>
+          <p:cNvSpPr>
+            <a:spLocks noChangeArrowheads="1"/>
+          </p:cNvSpPr>
+          <p:nvPr/>
+        </p:nvSpPr>
+        <p:spPr bwMode="auto">
+          <a:xfrm>
+            <a:off x="3962400" y="1828800"/>
+            <a:ext cx="3200400" cy="1524000"/>
+          </a:xfrm>
+          <a:prstGeom prst="ellipse">
+            <a:avLst/>
+          </a:prstGeom>
+          <a:noFill/>
+          <a:ln w="9525">
+            <a:solidFill>
+              <a:schemeClr val="tx1"/>
+            </a:solidFill>
+            <a:round/>
+            <a:headEnd/>
+            <a:tailEnd/>
+          </a:ln>
+          <a:effectLst/>
+          <a:extLst>
+            <a:ext uri="{909E8E84-426E-40DD-AFC4-6F175D3DCCD1}">
+              <a14:hiddenFill xmlns:a14="http://schemas.microsoft.com/office/drawing/2010/main">
+                <a:solidFill>
+                  <a:schemeClr val="accent1"/>
+                </a:solidFill>
+              </a14:hiddenFill>
+            </a:ext>
+            <a:ext uri="{AF507438-7753-43E0-B8FC-AC1667EBCBE1}">
+              <a14:hiddenEffects xmlns:a14="http://schemas.microsoft.com/office/drawing/2010/main">
+                <a:effectLst>
+                  <a:outerShdw dist="35921" dir="2700000" algn="ctr" rotWithShape="0">
+                    <a:schemeClr val="bg2"/>
+                  </a:outerShdw>
+                </a:effectLst>
+              </a14:hiddenEffects>
+            </a:ext>
+          </a:extLst>
+        </p:spPr>
+        <p:txBody>
+          <a:bodyPr wrap="none" anchor="ctr"/>
+          <a:lstStyle/>
+          <a:p>
+            <a:endParaRPr lang="en-US"/>
+          </a:p>
+        </p:txBody>
+      </p:sp>
+      <p:sp>
+        <p:nvSpPr>
+          <p:cNvPr id="189445" name="Text Box 5"/>
+          <p:cNvSpPr txBox="1">
+            <a:spLocks noChangeArrowheads="1"/>
+          </p:cNvSpPr>
+          <p:nvPr/>
+        </p:nvSpPr>
+        <p:spPr bwMode="auto">
+          <a:xfrm>
+            <a:off x="4191000" y="3352800"/>
+            <a:ext cx="1964512" cy="954107"/>
+          </a:xfrm>
+          <a:prstGeom prst="rect">
+            <a:avLst/>
+          </a:prstGeom>
+          <a:noFill/>
+          <a:ln>
+            <a:noFill/>
+          </a:ln>
+          <a:effectLst/>
+          <a:extLst>
+            <a:ext uri="{909E8E84-426E-40DD-AFC4-6F175D3DCCD1}">
+              <a14:hiddenFill xmlns:a14="http://schemas.microsoft.com/office/drawing/2010/main">
+                <a:solidFill>
+                  <a:schemeClr val="accent1"/>
+                </a:solidFill>
+              </a14:hiddenFill>
+            </a:ext>
+            <a:ext uri="{91240B29-F687-4F45-9708-019B960494DF}">
+              <a14:hiddenLine xmlns:a14="http://schemas.microsoft.com/office/drawing/2010/main" w="9525">
+                <a:solidFill>
+                  <a:schemeClr val="tx1"/>
+                </a:solidFill>
+                <a:miter lim="800000"/>
+                <a:headEnd/>
+                <a:tailEnd/>
+              </a14:hiddenLine>
+            </a:ext>
+            <a:ext uri="{AF507438-7753-43E0-B8FC-AC1667EBCBE1}">
+              <a14:hiddenEffects xmlns:a14="http://schemas.microsoft.com/office/drawing/2010/main">
+                <a:effectLst>
+                  <a:outerShdw dist="35921" dir="2700000" algn="ctr" rotWithShape="0">
+                    <a:schemeClr val="bg2"/>
+                  </a:outerShdw>
+                </a:effectLst>
+              </a14:hiddenEffects>
+            </a:ext>
+          </a:extLst>
+        </p:spPr>
+        <p:txBody>
+          <a:bodyPr wrap="none">
+            <a:spAutoFit/>
+          </a:bodyPr>
+          <a:lstStyle/>
+          <a:p>
+            <a:r>
+              <a:rPr lang="en-US" altLang="en-US" sz="2800" b="1" dirty="0"/>
+              <a:t>Information</a:t>
+            </a:r>
+          </a:p>
+          <a:p>
+            <a:r>
+              <a:rPr lang="en-US" altLang="en-US" sz="2800" b="1" dirty="0"/>
+              <a:t>Retrieval</a:t>
+            </a:r>
+          </a:p>
+        </p:txBody>
+      </p:sp>
+      <p:sp>
+        <p:nvSpPr>
+          <p:cNvPr id="189446" name="Oval 6"/>
+          <p:cNvSpPr>
+            <a:spLocks noChangeArrowheads="1"/>
+          </p:cNvSpPr>
+          <p:nvPr/>
+        </p:nvSpPr>
+        <p:spPr bwMode="auto">
+          <a:xfrm>
+            <a:off x="1676400" y="3581400"/>
+            <a:ext cx="2590800" cy="1112837"/>
+          </a:xfrm>
+          <a:prstGeom prst="ellipse">
+            <a:avLst/>
+          </a:prstGeom>
+          <a:noFill/>
+          <a:ln w="9525">
+            <a:solidFill>
+              <a:schemeClr val="tx1"/>
+            </a:solidFill>
+            <a:round/>
+            <a:headEnd/>
+            <a:tailEnd/>
+          </a:ln>
+          <a:effectLst/>
+          <a:extLst>
+            <a:ext uri="{909E8E84-426E-40DD-AFC4-6F175D3DCCD1}">
+              <a14:hiddenFill xmlns:a14="http://schemas.microsoft.com/office/drawing/2010/main">
+                <a:solidFill>
+                  <a:schemeClr val="accent1"/>
+                </a:solidFill>
+              </a14:hiddenFill>
+            </a:ext>
+            <a:ext uri="{AF507438-7753-43E0-B8FC-AC1667EBCBE1}">
+              <a14:hiddenEffects xmlns:a14="http://schemas.microsoft.com/office/drawing/2010/main">
+                <a:effectLst>
+                  <a:outerShdw dist="35921" dir="2700000" algn="ctr" rotWithShape="0">
+                    <a:schemeClr val="bg2"/>
+                  </a:outerShdw>
+                </a:effectLst>
+              </a14:hiddenEffects>
+            </a:ext>
+          </a:extLst>
+        </p:spPr>
+        <p:txBody>
+          <a:bodyPr wrap="none" anchor="ctr"/>
+          <a:lstStyle/>
+          <a:p>
+            <a:endParaRPr lang="en-US"/>
+          </a:p>
+        </p:txBody>
+      </p:sp>
+      <p:sp>
+        <p:nvSpPr>
+          <p:cNvPr id="189447" name="Text Box 7"/>
+          <p:cNvSpPr txBox="1">
+            <a:spLocks noChangeArrowheads="1"/>
+          </p:cNvSpPr>
+          <p:nvPr/>
+        </p:nvSpPr>
+        <p:spPr bwMode="auto">
+          <a:xfrm>
+            <a:off x="6781800" y="3962400"/>
+            <a:ext cx="1455738" cy="396875"/>
+          </a:xfrm>
+          <a:prstGeom prst="rect">
+            <a:avLst/>
+          </a:prstGeom>
+          <a:noFill/>
+          <a:ln>
+            <a:noFill/>
+          </a:ln>
+          <a:effectLst/>
+          <a:extLst>
+            <a:ext uri="{909E8E84-426E-40DD-AFC4-6F175D3DCCD1}">
+              <a14:hiddenFill xmlns:a14="http://schemas.microsoft.com/office/drawing/2010/main">
+                <a:solidFill>
+                  <a:schemeClr val="accent1"/>
+                </a:solidFill>
+              </a14:hiddenFill>
+            </a:ext>
+            <a:ext uri="{91240B29-F687-4F45-9708-019B960494DF}">
+              <a14:hiddenLine xmlns:a14="http://schemas.microsoft.com/office/drawing/2010/main" w="9525">
+                <a:solidFill>
+                  <a:schemeClr val="tx1"/>
+                </a:solidFill>
+                <a:miter lim="800000"/>
+                <a:headEnd/>
+                <a:tailEnd/>
+              </a14:hiddenLine>
+            </a:ext>
+            <a:ext uri="{AF507438-7753-43E0-B8FC-AC1667EBCBE1}">
+              <a14:hiddenEffects xmlns:a14="http://schemas.microsoft.com/office/drawing/2010/main">
+                <a:effectLst>
+                  <a:outerShdw dist="35921" dir="2700000" algn="ctr" rotWithShape="0">
+                    <a:schemeClr val="bg2"/>
+                  </a:outerShdw>
+                </a:effectLst>
+              </a14:hiddenEffects>
+            </a:ext>
+          </a:extLst>
+        </p:spPr>
+        <p:txBody>
+          <a:bodyPr wrap="none">
+            <a:spAutoFit/>
+          </a:bodyPr>
+          <a:lstStyle/>
+          <a:p>
+            <a:r>
+              <a:rPr lang="en-US" altLang="en-US" sz="2000" b="1"/>
+              <a:t>Databases</a:t>
+            </a:r>
+          </a:p>
+        </p:txBody>
+      </p:sp>
+      <p:sp>
+        <p:nvSpPr>
+          <p:cNvPr id="189448" name="Oval 8"/>
+          <p:cNvSpPr>
+            <a:spLocks noChangeArrowheads="1"/>
+          </p:cNvSpPr>
+          <p:nvPr/>
+        </p:nvSpPr>
+        <p:spPr bwMode="auto">
+          <a:xfrm>
+            <a:off x="6019800" y="3810000"/>
+            <a:ext cx="2514600" cy="838200"/>
+          </a:xfrm>
+          <a:prstGeom prst="ellipse">
+            <a:avLst/>
+          </a:prstGeom>
+          <a:noFill/>
+          <a:ln w="9525">
+            <a:solidFill>
+              <a:schemeClr val="tx1"/>
+            </a:solidFill>
+            <a:round/>
+            <a:headEnd/>
+            <a:tailEnd/>
+          </a:ln>
+          <a:effectLst/>
+          <a:extLst>
+            <a:ext uri="{909E8E84-426E-40DD-AFC4-6F175D3DCCD1}">
+              <a14:hiddenFill xmlns:a14="http://schemas.microsoft.com/office/drawing/2010/main">
+                <a:solidFill>
+                  <a:schemeClr val="accent1"/>
+                </a:solidFill>
+              </a14:hiddenFill>
+            </a:ext>
+            <a:ext uri="{AF507438-7753-43E0-B8FC-AC1667EBCBE1}">
+              <a14:hiddenEffects xmlns:a14="http://schemas.microsoft.com/office/drawing/2010/main">
+                <a:effectLst>
+                  <a:outerShdw dist="35921" dir="2700000" algn="ctr" rotWithShape="0">
+                    <a:schemeClr val="bg2"/>
+                  </a:outerShdw>
+                </a:effectLst>
+              </a14:hiddenEffects>
+            </a:ext>
+          </a:extLst>
+        </p:spPr>
+        <p:txBody>
+          <a:bodyPr wrap="none" anchor="ctr"/>
+          <a:lstStyle/>
+          <a:p>
+            <a:endParaRPr lang="en-US"/>
+          </a:p>
+        </p:txBody>
+      </p:sp>
+      <p:sp>
+        <p:nvSpPr>
+          <p:cNvPr id="189449" name="Text Box 9"/>
+          <p:cNvSpPr txBox="1">
+            <a:spLocks noChangeArrowheads="1"/>
+          </p:cNvSpPr>
+          <p:nvPr/>
+        </p:nvSpPr>
+        <p:spPr bwMode="auto">
+          <a:xfrm>
+            <a:off x="6781800" y="3048000"/>
+            <a:ext cx="1833563" cy="701675"/>
+          </a:xfrm>
+          <a:prstGeom prst="rect">
+            <a:avLst/>
+          </a:prstGeom>
+          <a:noFill/>
+          <a:ln>
+            <a:noFill/>
+          </a:ln>
+          <a:effectLst/>
+          <a:extLst>
+            <a:ext uri="{909E8E84-426E-40DD-AFC4-6F175D3DCCD1}">
+              <a14:hiddenFill xmlns:a14="http://schemas.microsoft.com/office/drawing/2010/main">
+                <a:solidFill>
+                  <a:schemeClr val="accent1"/>
+                </a:solidFill>
+              </a14:hiddenFill>
+            </a:ext>
+            <a:ext uri="{91240B29-F687-4F45-9708-019B960494DF}">
+              <a14:hiddenLine xmlns:a14="http://schemas.microsoft.com/office/drawing/2010/main" w="9525">
+                <a:solidFill>
+                  <a:schemeClr val="tx1"/>
+                </a:solidFill>
+                <a:miter lim="800000"/>
+                <a:headEnd/>
+                <a:tailEnd/>
+              </a14:hiddenLine>
+            </a:ext>
+            <a:ext uri="{AF507438-7753-43E0-B8FC-AC1667EBCBE1}">
+              <a14:hiddenEffects xmlns:a14="http://schemas.microsoft.com/office/drawing/2010/main">
+                <a:effectLst>
+                  <a:outerShdw dist="35921" dir="2700000" algn="ctr" rotWithShape="0">
+                    <a:schemeClr val="bg2"/>
+                  </a:outerShdw>
+                </a:effectLst>
+              </a14:hiddenEffects>
+            </a:ext>
+          </a:extLst>
+        </p:spPr>
+        <p:txBody>
+          <a:bodyPr wrap="none">
+            <a:spAutoFit/>
+          </a:bodyPr>
+          <a:lstStyle/>
+          <a:p>
+            <a:r>
+              <a:rPr lang="en-US" altLang="en-US" sz="2000" b="1"/>
+              <a:t>Library &amp; Info</a:t>
+            </a:r>
+          </a:p>
+          <a:p>
+            <a:r>
+              <a:rPr lang="en-US" altLang="en-US" sz="2000" b="1"/>
+              <a:t>Science</a:t>
+            </a:r>
+          </a:p>
+        </p:txBody>
+      </p:sp>
+      <p:sp>
+        <p:nvSpPr>
+          <p:cNvPr id="189450" name="Oval 10"/>
+          <p:cNvSpPr>
+            <a:spLocks noChangeArrowheads="1"/>
+          </p:cNvSpPr>
+          <p:nvPr/>
+        </p:nvSpPr>
+        <p:spPr bwMode="auto">
+          <a:xfrm>
+            <a:off x="6096000" y="2743200"/>
+            <a:ext cx="2743200" cy="1219200"/>
+          </a:xfrm>
+          <a:prstGeom prst="ellipse">
+            <a:avLst/>
+          </a:prstGeom>
+          <a:noFill/>
+          <a:ln w="9525">
+            <a:solidFill>
+              <a:schemeClr val="tx1"/>
+            </a:solidFill>
+            <a:round/>
+            <a:headEnd/>
+            <a:tailEnd/>
+          </a:ln>
+          <a:effectLst/>
+          <a:extLst>
+            <a:ext uri="{909E8E84-426E-40DD-AFC4-6F175D3DCCD1}">
+              <a14:hiddenFill xmlns:a14="http://schemas.microsoft.com/office/drawing/2010/main">
+                <a:solidFill>
+                  <a:schemeClr val="accent1"/>
+                </a:solidFill>
+              </a14:hiddenFill>
+            </a:ext>
+            <a:ext uri="{AF507438-7753-43E0-B8FC-AC1667EBCBE1}">
+              <a14:hiddenEffects xmlns:a14="http://schemas.microsoft.com/office/drawing/2010/main">
+                <a:effectLst>
+                  <a:outerShdw dist="35921" dir="2700000" algn="ctr" rotWithShape="0">
+                    <a:schemeClr val="bg2"/>
+                  </a:outerShdw>
+                </a:effectLst>
+              </a14:hiddenEffects>
+            </a:ext>
+          </a:extLst>
+        </p:spPr>
+        <p:txBody>
+          <a:bodyPr wrap="none" anchor="ctr"/>
+          <a:lstStyle/>
+          <a:p>
+            <a:endParaRPr lang="en-US"/>
+          </a:p>
+        </p:txBody>
+      </p:sp>
+      <p:sp>
+        <p:nvSpPr>
+          <p:cNvPr id="189451" name="Text Box 11"/>
+          <p:cNvSpPr txBox="1">
+            <a:spLocks noChangeArrowheads="1"/>
+          </p:cNvSpPr>
+          <p:nvPr/>
+        </p:nvSpPr>
+        <p:spPr bwMode="auto">
+          <a:xfrm>
+            <a:off x="2057400" y="2732157"/>
+            <a:ext cx="2290050" cy="707886"/>
+          </a:xfrm>
+          <a:prstGeom prst="rect">
+            <a:avLst/>
+          </a:prstGeom>
+          <a:noFill/>
+          <a:ln>
+            <a:noFill/>
+          </a:ln>
+          <a:effectLst/>
+          <a:extLst>
+            <a:ext uri="{909E8E84-426E-40DD-AFC4-6F175D3DCCD1}">
+              <a14:hiddenFill xmlns:a14="http://schemas.microsoft.com/office/drawing/2010/main">
+                <a:solidFill>
+                  <a:schemeClr val="accent1"/>
+                </a:solidFill>
+              </a14:hiddenFill>
+            </a:ext>
+            <a:ext uri="{91240B29-F687-4F45-9708-019B960494DF}">
+              <a14:hiddenLine xmlns:a14="http://schemas.microsoft.com/office/drawing/2010/main" w="9525">
+                <a:solidFill>
+                  <a:schemeClr val="tx1"/>
+                </a:solidFill>
+                <a:miter lim="800000"/>
+                <a:headEnd/>
+                <a:tailEnd/>
+              </a14:hiddenLine>
+            </a:ext>
+            <a:ext uri="{AF507438-7753-43E0-B8FC-AC1667EBCBE1}">
+              <a14:hiddenEffects xmlns:a14="http://schemas.microsoft.com/office/drawing/2010/main">
+                <a:effectLst>
+                  <a:outerShdw dist="35921" dir="2700000" algn="ctr" rotWithShape="0">
+                    <a:schemeClr val="bg2"/>
+                  </a:outerShdw>
+                </a:effectLst>
+              </a14:hiddenEffects>
+            </a:ext>
+          </a:extLst>
+        </p:spPr>
+        <p:txBody>
+          <a:bodyPr wrap="none">
+            <a:spAutoFit/>
+          </a:bodyPr>
+          <a:lstStyle/>
+          <a:p>
+            <a:r>
+              <a:rPr lang="en-US" altLang="en-US" sz="2000" b="1" dirty="0"/>
+              <a:t>Machine Learning</a:t>
+            </a:r>
+          </a:p>
+          <a:p>
+            <a:r>
+              <a:rPr lang="en-US" altLang="en-US" sz="2000" b="1" dirty="0"/>
+              <a:t>Pattern </a:t>
+            </a:r>
+            <a:r>
+              <a:rPr lang="en-US" altLang="en-US" sz="2000" b="1" dirty="0" smtClean="0"/>
+              <a:t>Recognition</a:t>
+            </a:r>
+            <a:endParaRPr lang="en-US" altLang="en-US" sz="2000" b="1" dirty="0"/>
+          </a:p>
+        </p:txBody>
+      </p:sp>
+      <p:sp>
+        <p:nvSpPr>
+          <p:cNvPr id="189452" name="Oval 12"/>
+          <p:cNvSpPr>
+            <a:spLocks noChangeArrowheads="1"/>
+          </p:cNvSpPr>
+          <p:nvPr/>
+        </p:nvSpPr>
+        <p:spPr bwMode="auto">
+          <a:xfrm>
+            <a:off x="1752600" y="2286000"/>
+            <a:ext cx="2819400" cy="1600200"/>
+          </a:xfrm>
+          <a:prstGeom prst="ellipse">
+            <a:avLst/>
+          </a:prstGeom>
+          <a:noFill/>
+          <a:ln w="9525">
+            <a:solidFill>
+              <a:schemeClr val="tx1"/>
+            </a:solidFill>
+            <a:round/>
+            <a:headEnd/>
+            <a:tailEnd/>
+          </a:ln>
+          <a:effectLst/>
+          <a:extLst>
+            <a:ext uri="{909E8E84-426E-40DD-AFC4-6F175D3DCCD1}">
+              <a14:hiddenFill xmlns:a14="http://schemas.microsoft.com/office/drawing/2010/main">
+                <a:solidFill>
+                  <a:schemeClr val="accent1"/>
+                </a:solidFill>
+              </a14:hiddenFill>
+            </a:ext>
+            <a:ext uri="{AF507438-7753-43E0-B8FC-AC1667EBCBE1}">
+              <a14:hiddenEffects xmlns:a14="http://schemas.microsoft.com/office/drawing/2010/main">
+                <a:effectLst>
+                  <a:outerShdw dist="35921" dir="2700000" algn="ctr" rotWithShape="0">
+                    <a:schemeClr val="bg2"/>
+                  </a:outerShdw>
+                </a:effectLst>
+              </a14:hiddenEffects>
+            </a:ext>
+          </a:extLst>
+        </p:spPr>
+        <p:txBody>
+          <a:bodyPr wrap="none" anchor="ctr"/>
+          <a:lstStyle/>
+          <a:p>
+            <a:endParaRPr lang="en-US"/>
+          </a:p>
+        </p:txBody>
+      </p:sp>
+      <p:sp>
+        <p:nvSpPr>
+          <p:cNvPr id="189453" name="Text Box 13"/>
+          <p:cNvSpPr txBox="1">
+            <a:spLocks noChangeArrowheads="1"/>
+          </p:cNvSpPr>
+          <p:nvPr/>
+        </p:nvSpPr>
+        <p:spPr bwMode="auto">
+          <a:xfrm>
+            <a:off x="2362200" y="3632537"/>
+            <a:ext cx="1311641" cy="1015663"/>
+          </a:xfrm>
+          <a:prstGeom prst="rect">
+            <a:avLst/>
+          </a:prstGeom>
+          <a:noFill/>
+          <a:ln>
+            <a:noFill/>
+          </a:ln>
+          <a:effectLst/>
+          <a:extLst>
+            <a:ext uri="{909E8E84-426E-40DD-AFC4-6F175D3DCCD1}">
+              <a14:hiddenFill xmlns:a14="http://schemas.microsoft.com/office/drawing/2010/main">
+                <a:solidFill>
+                  <a:schemeClr val="accent1"/>
+                </a:solidFill>
+              </a14:hiddenFill>
+            </a:ext>
+            <a:ext uri="{91240B29-F687-4F45-9708-019B960494DF}">
+              <a14:hiddenLine xmlns:a14="http://schemas.microsoft.com/office/drawing/2010/main" w="9525">
+                <a:solidFill>
+                  <a:schemeClr val="tx1"/>
+                </a:solidFill>
+                <a:miter lim="800000"/>
+                <a:headEnd/>
+                <a:tailEnd/>
+              </a14:hiddenLine>
+            </a:ext>
+            <a:ext uri="{AF507438-7753-43E0-B8FC-AC1667EBCBE1}">
+              <a14:hiddenEffects xmlns:a14="http://schemas.microsoft.com/office/drawing/2010/main">
+                <a:effectLst>
+                  <a:outerShdw dist="35921" dir="2700000" algn="ctr" rotWithShape="0">
+                    <a:schemeClr val="bg2"/>
+                  </a:outerShdw>
+                </a:effectLst>
+              </a14:hiddenEffects>
+            </a:ext>
+          </a:extLst>
+        </p:spPr>
+        <p:txBody>
+          <a:bodyPr wrap="none">
+            <a:spAutoFit/>
+          </a:bodyPr>
+          <a:lstStyle/>
+          <a:p>
+            <a:r>
+              <a:rPr lang="en-US" altLang="en-US" sz="2000" b="1" dirty="0"/>
+              <a:t>Natural</a:t>
+            </a:r>
+          </a:p>
+          <a:p>
+            <a:r>
+              <a:rPr lang="en-US" altLang="en-US" sz="2000" b="1" dirty="0"/>
+              <a:t>Language</a:t>
+            </a:r>
+          </a:p>
+          <a:p>
+            <a:r>
+              <a:rPr lang="en-US" altLang="en-US" sz="2000" b="1" dirty="0"/>
+              <a:t>Processing</a:t>
+            </a:r>
+          </a:p>
+        </p:txBody>
+      </p:sp>
+      <p:sp>
+        <p:nvSpPr>
+          <p:cNvPr id="189454" name="Text Box 14"/>
+          <p:cNvSpPr txBox="1">
+            <a:spLocks noChangeArrowheads="1"/>
+          </p:cNvSpPr>
+          <p:nvPr/>
+        </p:nvSpPr>
+        <p:spPr bwMode="auto">
+          <a:xfrm>
+            <a:off x="4572000" y="2163762"/>
+            <a:ext cx="2114490" cy="707886"/>
+          </a:xfrm>
+          <a:prstGeom prst="rect">
+            <a:avLst/>
+          </a:prstGeom>
+          <a:noFill/>
+          <a:ln>
+            <a:noFill/>
+          </a:ln>
+          <a:effectLst/>
+          <a:extLst>
+            <a:ext uri="{909E8E84-426E-40DD-AFC4-6F175D3DCCD1}">
+              <a14:hiddenFill xmlns:a14="http://schemas.microsoft.com/office/drawing/2010/main">
+                <a:solidFill>
+                  <a:schemeClr val="accent1"/>
+                </a:solidFill>
+              </a14:hiddenFill>
+            </a:ext>
+            <a:ext uri="{91240B29-F687-4F45-9708-019B960494DF}">
+              <a14:hiddenLine xmlns:a14="http://schemas.microsoft.com/office/drawing/2010/main" w="9525">
+                <a:solidFill>
+                  <a:schemeClr val="tx1"/>
+                </a:solidFill>
+                <a:miter lim="800000"/>
+                <a:headEnd/>
+                <a:tailEnd/>
+              </a14:hiddenLine>
+            </a:ext>
+            <a:ext uri="{AF507438-7753-43E0-B8FC-AC1667EBCBE1}">
+              <a14:hiddenEffects xmlns:a14="http://schemas.microsoft.com/office/drawing/2010/main">
+                <a:effectLst>
+                  <a:outerShdw dist="35921" dir="2700000" algn="ctr" rotWithShape="0">
+                    <a:schemeClr val="bg2"/>
+                  </a:outerShdw>
+                </a:effectLst>
+              </a14:hiddenEffects>
+            </a:ext>
+          </a:extLst>
+        </p:spPr>
+        <p:txBody>
+          <a:bodyPr wrap="none">
+            <a:spAutoFit/>
+          </a:bodyPr>
+          <a:lstStyle/>
+          <a:p>
+            <a:r>
+              <a:rPr lang="en-US" altLang="en-US" sz="2000" b="1" dirty="0" smtClean="0"/>
+              <a:t>Web Applications,</a:t>
+            </a:r>
+          </a:p>
+          <a:p>
+            <a:r>
+              <a:rPr lang="en-US" altLang="en-US" sz="2000" b="1" dirty="0" smtClean="0"/>
+              <a:t>Bioinformatics</a:t>
+            </a:r>
+            <a:r>
+              <a:rPr lang="en-US" altLang="en-US" sz="2000" b="1" dirty="0"/>
+              <a:t>…</a:t>
+            </a:r>
+          </a:p>
+        </p:txBody>
+      </p:sp>
+      <p:sp>
+        <p:nvSpPr>
+          <p:cNvPr id="189455" name="Oval 15"/>
+          <p:cNvSpPr>
+            <a:spLocks noChangeArrowheads="1"/>
+          </p:cNvSpPr>
+          <p:nvPr/>
+        </p:nvSpPr>
+        <p:spPr bwMode="auto">
+          <a:xfrm>
+            <a:off x="824391" y="3114393"/>
+            <a:ext cx="1539413" cy="2031634"/>
+          </a:xfrm>
+          <a:prstGeom prst="ellipse">
+            <a:avLst/>
+          </a:prstGeom>
+          <a:noFill/>
+          <a:ln w="9525">
+            <a:solidFill>
+              <a:schemeClr val="tx1"/>
+            </a:solidFill>
+            <a:round/>
+            <a:headEnd/>
+            <a:tailEnd/>
+          </a:ln>
+          <a:effectLst/>
+          <a:extLst>
+            <a:ext uri="{909E8E84-426E-40DD-AFC4-6F175D3DCCD1}">
+              <a14:hiddenFill xmlns:a14="http://schemas.microsoft.com/office/drawing/2010/main">
+                <a:solidFill>
+                  <a:schemeClr val="accent1"/>
+                </a:solidFill>
+              </a14:hiddenFill>
+            </a:ext>
+            <a:ext uri="{AF507438-7753-43E0-B8FC-AC1667EBCBE1}">
+              <a14:hiddenEffects xmlns:a14="http://schemas.microsoft.com/office/drawing/2010/main">
+                <a:effectLst>
+                  <a:outerShdw dist="35921" dir="2700000" algn="ctr" rotWithShape="0">
+                    <a:schemeClr val="bg2"/>
+                  </a:outerShdw>
+                </a:effectLst>
+              </a14:hiddenEffects>
+            </a:ext>
+          </a:extLst>
+        </p:spPr>
+        <p:txBody>
+          <a:bodyPr wrap="none" anchor="ctr"/>
+          <a:lstStyle/>
+          <a:p>
+            <a:endParaRPr lang="en-US"/>
+          </a:p>
+        </p:txBody>
+      </p:sp>
+      <p:sp>
+        <p:nvSpPr>
+          <p:cNvPr id="189456" name="Text Box 16"/>
+          <p:cNvSpPr txBox="1">
+            <a:spLocks noChangeArrowheads="1"/>
+          </p:cNvSpPr>
+          <p:nvPr/>
+        </p:nvSpPr>
+        <p:spPr bwMode="auto">
+          <a:xfrm>
+            <a:off x="838200" y="3794125"/>
+            <a:ext cx="1719262" cy="701675"/>
+          </a:xfrm>
+          <a:prstGeom prst="rect">
+            <a:avLst/>
+          </a:prstGeom>
+          <a:noFill/>
+          <a:ln>
+            <a:noFill/>
+          </a:ln>
+          <a:effectLst/>
+          <a:extLst>
+            <a:ext uri="{909E8E84-426E-40DD-AFC4-6F175D3DCCD1}">
+              <a14:hiddenFill xmlns:a14="http://schemas.microsoft.com/office/drawing/2010/main">
+                <a:solidFill>
+                  <a:schemeClr val="accent1"/>
+                </a:solidFill>
+              </a14:hiddenFill>
+            </a:ext>
+            <a:ext uri="{91240B29-F687-4F45-9708-019B960494DF}">
+              <a14:hiddenLine xmlns:a14="http://schemas.microsoft.com/office/drawing/2010/main" w="9525">
+                <a:solidFill>
+                  <a:schemeClr val="tx1"/>
+                </a:solidFill>
+                <a:miter lim="800000"/>
+                <a:headEnd/>
+                <a:tailEnd/>
+              </a14:hiddenLine>
+            </a:ext>
+            <a:ext uri="{AF507438-7753-43E0-B8FC-AC1667EBCBE1}">
+              <a14:hiddenEffects xmlns:a14="http://schemas.microsoft.com/office/drawing/2010/main">
+                <a:effectLst>
+                  <a:outerShdw dist="35921" dir="2700000" algn="ctr" rotWithShape="0">
+                    <a:schemeClr val="bg2"/>
+                  </a:outerShdw>
+                </a:effectLst>
+              </a14:hiddenEffects>
+            </a:ext>
+          </a:extLst>
+        </p:spPr>
+        <p:txBody>
+          <a:bodyPr wrap="none">
+            <a:spAutoFit/>
+          </a:bodyPr>
+          <a:lstStyle/>
+          <a:p>
+            <a:r>
+              <a:rPr lang="en-US" altLang="en-US" sz="2000" b="1" dirty="0"/>
+              <a:t>Statistics</a:t>
+            </a:r>
+          </a:p>
+          <a:p>
+            <a:r>
+              <a:rPr lang="en-US" altLang="en-US" sz="2000" b="1" dirty="0"/>
+              <a:t>Optimization</a:t>
+            </a:r>
+          </a:p>
+        </p:txBody>
+      </p:sp>
+      <p:sp>
+        <p:nvSpPr>
+          <p:cNvPr id="189457" name="Text Box 17"/>
+          <p:cNvSpPr txBox="1">
+            <a:spLocks noChangeArrowheads="1"/>
+          </p:cNvSpPr>
+          <p:nvPr/>
+        </p:nvSpPr>
+        <p:spPr bwMode="auto">
+          <a:xfrm>
+            <a:off x="4534301" y="4694237"/>
+            <a:ext cx="2765425" cy="701675"/>
+          </a:xfrm>
+          <a:prstGeom prst="rect">
+            <a:avLst/>
+          </a:prstGeom>
+          <a:noFill/>
+          <a:ln>
+            <a:noFill/>
+          </a:ln>
+          <a:effectLst/>
+          <a:extLst>
+            <a:ext uri="{909E8E84-426E-40DD-AFC4-6F175D3DCCD1}">
+              <a14:hiddenFill xmlns:a14="http://schemas.microsoft.com/office/drawing/2010/main">
+                <a:solidFill>
+                  <a:schemeClr val="accent1"/>
+                </a:solidFill>
+              </a14:hiddenFill>
+            </a:ext>
+            <a:ext uri="{91240B29-F687-4F45-9708-019B960494DF}">
+              <a14:hiddenLine xmlns:a14="http://schemas.microsoft.com/office/drawing/2010/main" w="9525">
+                <a:solidFill>
+                  <a:schemeClr val="tx1"/>
+                </a:solidFill>
+                <a:miter lim="800000"/>
+                <a:headEnd/>
+                <a:tailEnd/>
+              </a14:hiddenLine>
+            </a:ext>
+            <a:ext uri="{AF507438-7753-43E0-B8FC-AC1667EBCBE1}">
+              <a14:hiddenEffects xmlns:a14="http://schemas.microsoft.com/office/drawing/2010/main">
+                <a:effectLst>
+                  <a:outerShdw dist="35921" dir="2700000" algn="ctr" rotWithShape="0">
+                    <a:schemeClr val="bg2"/>
+                  </a:outerShdw>
+                </a:effectLst>
+              </a14:hiddenEffects>
+            </a:ext>
+          </a:extLst>
+        </p:spPr>
+        <p:txBody>
+          <a:bodyPr wrap="none">
+            <a:spAutoFit/>
+          </a:bodyPr>
+          <a:lstStyle/>
+          <a:p>
+            <a:r>
+              <a:rPr lang="en-US" altLang="en-US" sz="2000" b="1" dirty="0"/>
+              <a:t>Software engineering</a:t>
+            </a:r>
+          </a:p>
+          <a:p>
+            <a:r>
+              <a:rPr lang="en-US" altLang="en-US" sz="2000" b="1" dirty="0"/>
+              <a:t>Computer systems</a:t>
+            </a:r>
+          </a:p>
+        </p:txBody>
+      </p:sp>
+      <p:sp>
+        <p:nvSpPr>
+          <p:cNvPr id="189458" name="Oval 18"/>
+          <p:cNvSpPr>
+            <a:spLocks noChangeArrowheads="1"/>
+          </p:cNvSpPr>
+          <p:nvPr/>
+        </p:nvSpPr>
+        <p:spPr bwMode="auto">
+          <a:xfrm>
+            <a:off x="4114800" y="4267200"/>
+            <a:ext cx="3124200" cy="1447800"/>
+          </a:xfrm>
+          <a:prstGeom prst="ellipse">
+            <a:avLst/>
+          </a:prstGeom>
+          <a:noFill/>
+          <a:ln w="9525">
+            <a:solidFill>
+              <a:schemeClr val="tx1"/>
+            </a:solidFill>
+            <a:round/>
+            <a:headEnd/>
+            <a:tailEnd/>
+          </a:ln>
+          <a:effectLst/>
+          <a:extLst>
+            <a:ext uri="{909E8E84-426E-40DD-AFC4-6F175D3DCCD1}">
+              <a14:hiddenFill xmlns:a14="http://schemas.microsoft.com/office/drawing/2010/main">
+                <a:solidFill>
+                  <a:schemeClr val="accent1"/>
+                </a:solidFill>
+              </a14:hiddenFill>
+            </a:ext>
+            <a:ext uri="{AF507438-7753-43E0-B8FC-AC1667EBCBE1}">
+              <a14:hiddenEffects xmlns:a14="http://schemas.microsoft.com/office/drawing/2010/main">
+                <a:effectLst>
+                  <a:outerShdw dist="35921" dir="2700000" algn="ctr" rotWithShape="0">
+                    <a:schemeClr val="bg2"/>
+                  </a:outerShdw>
+                </a:effectLst>
+              </a14:hiddenEffects>
+            </a:ext>
+          </a:extLst>
+        </p:spPr>
+        <p:txBody>
+          <a:bodyPr wrap="none" anchor="ctr"/>
+          <a:lstStyle/>
+          <a:p>
+            <a:endParaRPr lang="en-US"/>
+          </a:p>
+        </p:txBody>
+      </p:sp>
+      <p:sp>
+        <p:nvSpPr>
+          <p:cNvPr id="189459" name="Rectangle 19"/>
+          <p:cNvSpPr>
+            <a:spLocks noChangeArrowheads="1"/>
+          </p:cNvSpPr>
+          <p:nvPr/>
+        </p:nvSpPr>
+        <p:spPr bwMode="auto">
+          <a:xfrm>
+            <a:off x="4572000" y="1295400"/>
+            <a:ext cx="4343400" cy="4876800"/>
+          </a:xfrm>
+          <a:prstGeom prst="rect">
+            <a:avLst/>
+          </a:prstGeom>
+          <a:noFill/>
+          <a:ln w="38100">
+            <a:solidFill>
+              <a:srgbClr val="808080"/>
+            </a:solidFill>
+            <a:prstDash val="dash"/>
+            <a:miter lim="800000"/>
+            <a:headEnd/>
+            <a:tailEnd/>
+          </a:ln>
+          <a:effectLst/>
+          <a:extLst>
+            <a:ext uri="{909E8E84-426E-40DD-AFC4-6F175D3DCCD1}">
+              <a14:hiddenFill xmlns:a14="http://schemas.microsoft.com/office/drawing/2010/main">
+                <a:solidFill>
+                  <a:schemeClr val="accent1"/>
+                </a:solidFill>
+              </a14:hiddenFill>
+            </a:ext>
+            <a:ext uri="{AF507438-7753-43E0-B8FC-AC1667EBCBE1}">
+              <a14:hiddenEffects xmlns:a14="http://schemas.microsoft.com/office/drawing/2010/main">
+                <a:effectLst>
+                  <a:outerShdw dist="35921" dir="2700000" algn="ctr" rotWithShape="0">
+                    <a:schemeClr val="bg2"/>
+                  </a:outerShdw>
+                </a:effectLst>
+              </a14:hiddenEffects>
+            </a:ext>
+          </a:extLst>
+        </p:spPr>
+        <p:txBody>
+          <a:bodyPr wrap="none" anchor="ctr"/>
+          <a:lstStyle/>
+          <a:p>
+            <a:endParaRPr lang="en-US"/>
+          </a:p>
+        </p:txBody>
+      </p:sp>
+      <p:sp>
+        <p:nvSpPr>
+          <p:cNvPr id="189460" name="Rectangle 20"/>
+          <p:cNvSpPr>
+            <a:spLocks noChangeArrowheads="1"/>
+          </p:cNvSpPr>
+          <p:nvPr/>
+        </p:nvSpPr>
+        <p:spPr bwMode="auto">
+          <a:xfrm>
+            <a:off x="228600" y="1600200"/>
+            <a:ext cx="4114800" cy="4343400"/>
+          </a:xfrm>
+          <a:prstGeom prst="rect">
+            <a:avLst/>
+          </a:prstGeom>
+          <a:noFill/>
+          <a:ln w="38100">
+            <a:solidFill>
+              <a:srgbClr val="808080"/>
+            </a:solidFill>
+            <a:prstDash val="dash"/>
+            <a:miter lim="800000"/>
+            <a:headEnd/>
+            <a:tailEnd/>
+          </a:ln>
+          <a:effectLst/>
+          <a:extLst>
+            <a:ext uri="{909E8E84-426E-40DD-AFC4-6F175D3DCCD1}">
+              <a14:hiddenFill xmlns:a14="http://schemas.microsoft.com/office/drawing/2010/main">
+                <a:solidFill>
+                  <a:schemeClr val="accent1"/>
+                </a:solidFill>
+              </a14:hiddenFill>
+            </a:ext>
+            <a:ext uri="{AF507438-7753-43E0-B8FC-AC1667EBCBE1}">
+              <a14:hiddenEffects xmlns:a14="http://schemas.microsoft.com/office/drawing/2010/main">
+                <a:effectLst>
+                  <a:outerShdw dist="35921" dir="2700000" algn="ctr" rotWithShape="0">
+                    <a:schemeClr val="bg2"/>
+                  </a:outerShdw>
+                </a:effectLst>
+              </a14:hiddenEffects>
+            </a:ext>
+          </a:extLst>
+        </p:spPr>
+        <p:txBody>
+          <a:bodyPr wrap="none" anchor="ctr"/>
+          <a:lstStyle/>
+          <a:p>
+            <a:endParaRPr lang="en-US"/>
+          </a:p>
+        </p:txBody>
+      </p:sp>
+      <p:sp>
+        <p:nvSpPr>
+          <p:cNvPr id="189461" name="Text Box 21"/>
+          <p:cNvSpPr txBox="1">
+            <a:spLocks noChangeArrowheads="1"/>
+          </p:cNvSpPr>
+          <p:nvPr/>
+        </p:nvSpPr>
+        <p:spPr bwMode="auto">
+          <a:xfrm>
+            <a:off x="304800" y="1676400"/>
+            <a:ext cx="1414746" cy="369332"/>
+          </a:xfrm>
+          <a:prstGeom prst="rect">
+            <a:avLst/>
+          </a:prstGeom>
+          <a:solidFill>
+            <a:srgbClr val="FFFF00"/>
+          </a:solidFill>
+          <a:ln>
+            <a:noFill/>
+          </a:ln>
+          <a:effectLst/>
+          <a:extLst>
+            <a:ext uri="{91240B29-F687-4F45-9708-019B960494DF}">
+              <a14:hiddenLine xmlns:a14="http://schemas.microsoft.com/office/drawing/2010/main" w="9525">
+                <a:solidFill>
+                  <a:schemeClr val="tx1"/>
+                </a:solidFill>
+                <a:miter lim="800000"/>
+                <a:headEnd/>
+                <a:tailEnd/>
+              </a14:hiddenLine>
+            </a:ext>
+            <a:ext uri="{AF507438-7753-43E0-B8FC-AC1667EBCBE1}">
+              <a14:hiddenEffects xmlns:a14="http://schemas.microsoft.com/office/drawing/2010/main">
+                <a:effectLst>
+                  <a:outerShdw dist="35921" dir="2700000" algn="ctr" rotWithShape="0">
+                    <a:schemeClr val="bg2"/>
+                  </a:outerShdw>
+                </a:effectLst>
+              </a14:hiddenEffects>
+            </a:ext>
+          </a:extLst>
+        </p:spPr>
+        <p:txBody>
+          <a:bodyPr wrap="none">
+            <a:spAutoFit/>
+          </a:bodyPr>
+          <a:lstStyle/>
+          <a:p>
+            <a:pPr algn="ctr"/>
+            <a:r>
+              <a:rPr lang="en-US" altLang="en-US" dirty="0" smtClean="0"/>
+              <a:t>Mathematics</a:t>
+            </a:r>
+            <a:endParaRPr lang="en-US" altLang="en-US" dirty="0"/>
+          </a:p>
+        </p:txBody>
+      </p:sp>
+      <p:sp>
+        <p:nvSpPr>
+          <p:cNvPr id="189462" name="Text Box 22"/>
+          <p:cNvSpPr txBox="1">
+            <a:spLocks noChangeArrowheads="1"/>
+          </p:cNvSpPr>
+          <p:nvPr/>
+        </p:nvSpPr>
+        <p:spPr bwMode="auto">
+          <a:xfrm>
+            <a:off x="286111" y="5498068"/>
+            <a:ext cx="1205778" cy="369332"/>
+          </a:xfrm>
+          <a:prstGeom prst="rect">
+            <a:avLst/>
+          </a:prstGeom>
+          <a:solidFill>
+            <a:srgbClr val="FFFF00"/>
+          </a:solidFill>
+          <a:ln>
+            <a:noFill/>
+          </a:ln>
+          <a:effectLst/>
+          <a:extLst>
+            <a:ext uri="{91240B29-F687-4F45-9708-019B960494DF}">
+              <a14:hiddenLine xmlns:a14="http://schemas.microsoft.com/office/drawing/2010/main" w="9525">
+                <a:solidFill>
+                  <a:schemeClr val="tx1"/>
+                </a:solidFill>
+                <a:miter lim="800000"/>
+                <a:headEnd/>
+                <a:tailEnd/>
+              </a14:hiddenLine>
+            </a:ext>
+            <a:ext uri="{AF507438-7753-43E0-B8FC-AC1667EBCBE1}">
+              <a14:hiddenEffects xmlns:a14="http://schemas.microsoft.com/office/drawing/2010/main">
+                <a:effectLst>
+                  <a:outerShdw dist="35921" dir="2700000" algn="ctr" rotWithShape="0">
+                    <a:schemeClr val="bg2"/>
+                  </a:outerShdw>
+                </a:effectLst>
+              </a14:hiddenEffects>
+            </a:ext>
+          </a:extLst>
+        </p:spPr>
+        <p:txBody>
+          <a:bodyPr wrap="none">
+            <a:spAutoFit/>
+          </a:bodyPr>
+          <a:lstStyle/>
+          <a:p>
+            <a:pPr algn="ctr"/>
+            <a:r>
+              <a:rPr lang="en-US" altLang="en-US"/>
+              <a:t>Algorithms</a:t>
+            </a:r>
+          </a:p>
+        </p:txBody>
+      </p:sp>
+      <p:sp>
+        <p:nvSpPr>
+          <p:cNvPr id="189463" name="Text Box 23"/>
+          <p:cNvSpPr txBox="1">
+            <a:spLocks noChangeArrowheads="1"/>
+          </p:cNvSpPr>
+          <p:nvPr/>
+        </p:nvSpPr>
+        <p:spPr bwMode="auto">
+          <a:xfrm>
+            <a:off x="7504411" y="1371600"/>
+            <a:ext cx="1334789" cy="369332"/>
+          </a:xfrm>
+          <a:prstGeom prst="rect">
+            <a:avLst/>
+          </a:prstGeom>
+          <a:solidFill>
+            <a:srgbClr val="FFFF00"/>
+          </a:solidFill>
+          <a:ln>
+            <a:noFill/>
+          </a:ln>
+          <a:effectLst/>
+          <a:extLst>
+            <a:ext uri="{91240B29-F687-4F45-9708-019B960494DF}">
+              <a14:hiddenLine xmlns:a14="http://schemas.microsoft.com/office/drawing/2010/main" w="9525">
+                <a:solidFill>
+                  <a:schemeClr val="tx1"/>
+                </a:solidFill>
+                <a:miter lim="800000"/>
+                <a:headEnd/>
+                <a:tailEnd/>
+              </a14:hiddenLine>
+            </a:ext>
+            <a:ext uri="{AF507438-7753-43E0-B8FC-AC1667EBCBE1}">
+              <a14:hiddenEffects xmlns:a14="http://schemas.microsoft.com/office/drawing/2010/main">
+                <a:effectLst>
+                  <a:outerShdw dist="35921" dir="2700000" algn="ctr" rotWithShape="0">
+                    <a:schemeClr val="bg2"/>
+                  </a:outerShdw>
+                </a:effectLst>
+              </a14:hiddenEffects>
+            </a:ext>
+          </a:extLst>
+        </p:spPr>
+        <p:txBody>
+          <a:bodyPr wrap="none">
+            <a:spAutoFit/>
+          </a:bodyPr>
+          <a:lstStyle/>
+          <a:p>
+            <a:pPr algn="ctr"/>
+            <a:r>
+              <a:rPr lang="en-US" altLang="en-US" dirty="0"/>
+              <a:t>Applications</a:t>
+            </a:r>
+          </a:p>
+        </p:txBody>
+      </p:sp>
+      <p:sp>
+        <p:nvSpPr>
+          <p:cNvPr id="189464" name="Text Box 24"/>
+          <p:cNvSpPr txBox="1">
+            <a:spLocks noChangeArrowheads="1"/>
+          </p:cNvSpPr>
+          <p:nvPr/>
+        </p:nvSpPr>
+        <p:spPr bwMode="auto">
+          <a:xfrm>
+            <a:off x="7899889" y="5747266"/>
+            <a:ext cx="940899" cy="369332"/>
+          </a:xfrm>
+          <a:prstGeom prst="rect">
+            <a:avLst/>
+          </a:prstGeom>
+          <a:solidFill>
+            <a:srgbClr val="FFFF00"/>
+          </a:solidFill>
+          <a:ln>
+            <a:noFill/>
+          </a:ln>
+          <a:effectLst/>
+          <a:extLst>
+            <a:ext uri="{91240B29-F687-4F45-9708-019B960494DF}">
+              <a14:hiddenLine xmlns:a14="http://schemas.microsoft.com/office/drawing/2010/main" w="9525">
+                <a:solidFill>
+                  <a:schemeClr val="tx1"/>
+                </a:solidFill>
+                <a:miter lim="800000"/>
+                <a:headEnd/>
+                <a:tailEnd/>
+              </a14:hiddenLine>
+            </a:ext>
+            <a:ext uri="{AF507438-7753-43E0-B8FC-AC1667EBCBE1}">
+              <a14:hiddenEffects xmlns:a14="http://schemas.microsoft.com/office/drawing/2010/main">
+                <a:effectLst>
+                  <a:outerShdw dist="35921" dir="2700000" algn="ctr" rotWithShape="0">
+                    <a:schemeClr val="bg2"/>
+                  </a:outerShdw>
+                </a:effectLst>
+              </a14:hiddenEffects>
+            </a:ext>
+          </a:extLst>
+        </p:spPr>
+        <p:txBody>
+          <a:bodyPr wrap="none">
+            <a:spAutoFit/>
+          </a:bodyPr>
+          <a:lstStyle/>
+          <a:p>
+            <a:pPr algn="ctr"/>
+            <a:r>
+              <a:rPr lang="en-US" altLang="en-US"/>
+              <a:t>Systems</a:t>
+            </a:r>
+          </a:p>
+        </p:txBody>
+      </p:sp>
+      <p:sp>
+        <p:nvSpPr>
+          <p:cNvPr id="25" name="Oval 6"/>
+          <p:cNvSpPr>
+            <a:spLocks noChangeArrowheads="1"/>
+          </p:cNvSpPr>
+          <p:nvPr/>
+        </p:nvSpPr>
+        <p:spPr bwMode="auto">
+          <a:xfrm>
+            <a:off x="2363804" y="4292616"/>
+            <a:ext cx="2590800" cy="1112837"/>
+          </a:xfrm>
+          <a:prstGeom prst="ellipse">
+            <a:avLst/>
+          </a:prstGeom>
+          <a:noFill/>
+          <a:ln w="9525">
+            <a:solidFill>
+              <a:schemeClr val="tx1"/>
+            </a:solidFill>
+            <a:round/>
+            <a:headEnd/>
+            <a:tailEnd/>
+          </a:ln>
+          <a:effectLst/>
+          <a:extLst>
+            <a:ext uri="{909E8E84-426E-40DD-AFC4-6F175D3DCCD1}">
+              <a14:hiddenFill xmlns:a14="http://schemas.microsoft.com/office/drawing/2010/main">
+                <a:solidFill>
+                  <a:schemeClr val="accent1"/>
+                </a:solidFill>
+              </a14:hiddenFill>
+            </a:ext>
+            <a:ext uri="{AF507438-7753-43E0-B8FC-AC1667EBCBE1}">
+              <a14:hiddenEffects xmlns:a14="http://schemas.microsoft.com/office/drawing/2010/main">
+                <a:effectLst>
+                  <a:outerShdw dist="35921" dir="2700000" algn="ctr" rotWithShape="0">
+                    <a:schemeClr val="bg2"/>
+                  </a:outerShdw>
+                </a:effectLst>
+              </a14:hiddenEffects>
+            </a:ext>
+          </a:extLst>
+        </p:spPr>
+        <p:txBody>
+          <a:bodyPr wrap="none" anchor="ctr"/>
+          <a:lstStyle/>
+          <a:p>
+            <a:endParaRPr lang="en-US"/>
+          </a:p>
+        </p:txBody>
+      </p:sp>
+      <p:sp>
+        <p:nvSpPr>
+          <p:cNvPr id="2" name="Rectangle 1"/>
+          <p:cNvSpPr/>
+          <p:nvPr/>
+        </p:nvSpPr>
+        <p:spPr>
+          <a:xfrm>
+            <a:off x="2954605" y="4694237"/>
+            <a:ext cx="1356910" cy="369332"/>
+          </a:xfrm>
+          <a:prstGeom prst="rect">
+            <a:avLst/>
+          </a:prstGeom>
+        </p:spPr>
+        <p:txBody>
+          <a:bodyPr wrap="none">
+            <a:spAutoFit/>
+          </a:bodyPr>
+          <a:lstStyle/>
+          <a:p>
+            <a:r>
+              <a:rPr lang="en-US" altLang="en-US" b="1" dirty="0" smtClean="0"/>
+              <a:t>Data Mining</a:t>
+            </a:r>
+            <a:endParaRPr lang="en-US" altLang="en-US" b="1" dirty="0"/>
+          </a:p>
+        </p:txBody>
+      </p:sp>
+      <p:sp>
+        <p:nvSpPr>
+          <p:cNvPr id="3" name="Date Placeholder 2"/>
+          <p:cNvSpPr>
+            <a:spLocks noGrp="1"/>
+          </p:cNvSpPr>
+          <p:nvPr>
+            <p:ph type="dt" sz="half" idx="10"/>
+          </p:nvPr>
+        </p:nvSpPr>
+        <p:spPr/>
+        <p:txBody>
+          <a:bodyPr/>
+          <a:lstStyle/>
+          <a:p>
+            <a:r>
+              <a:rPr lang="en-US" smtClean="0"/>
+              <a:t>CS@UVa</a:t>
+            </a:r>
+            <a:endParaRPr lang="en-US"/>
+          </a:p>
+        </p:txBody>
+      </p:sp>
+      <p:sp>
+        <p:nvSpPr>
+          <p:cNvPr id="4" name="Footer Placeholder 3"/>
+          <p:cNvSpPr>
+            <a:spLocks noGrp="1"/>
+          </p:cNvSpPr>
+          <p:nvPr>
+            <p:ph type="ftr" sz="quarter" idx="11"/>
+          </p:nvPr>
+        </p:nvSpPr>
+        <p:spPr/>
+        <p:txBody>
+          <a:bodyPr/>
+          <a:lstStyle/>
+          <a:p>
+            <a:r>
+              <a:rPr lang="en-US" smtClean="0"/>
+              <a:t>CS4501: Information Retrieval</a:t>
+            </a:r>
+            <a:endParaRPr lang="en-US"/>
+          </a:p>
+        </p:txBody>
+      </p:sp>
+      <p:sp>
+        <p:nvSpPr>
+          <p:cNvPr id="5" name="Slide Number Placeholder 4"/>
+          <p:cNvSpPr>
+            <a:spLocks noGrp="1"/>
+          </p:cNvSpPr>
+          <p:nvPr>
+            <p:ph type="sldNum" sz="quarter" idx="12"/>
+          </p:nvPr>
+        </p:nvSpPr>
+        <p:spPr/>
+        <p:txBody>
+          <a:bodyPr/>
+          <a:lstStyle/>
+          <a:p>
+            <a:fld id="{04D6BED6-93C9-4D43-B1C0-E2DD71716F4C}" type="slidenum">
+              <a:rPr lang="en-US" smtClean="0"/>
+              <a:t>33</a:t>
+            </a:fld>
+            <a:endParaRPr lang="en-US"/>
+          </a:p>
+        </p:txBody>
+      </p:sp>
+    </p:spTree>
+    <p:extLst>
+      <p:ext uri="{BB962C8B-B14F-4D97-AF65-F5344CB8AC3E}">
+        <p14:creationId xmlns:p14="http://schemas.microsoft.com/office/powerpoint/2010/main" val="1965087472"/>
+      </p:ext>
+    </p:extLst>
+  </p:cSld>
+  <p:clrMapOvr>
+    <a:masterClrMapping/>
+  </p:clrMapOvr>
+  <p:timing>
+    <p:tnLst>
+      <p:par>
+        <p:cTn id="1" dur="indefinite" restart="never" nodeType="tmRoot"/>
+      </p:par>
+    </p:tnLst>
+  </p:timing>
+</p:sld>
+</file>
+
+<file path=ppt/slides/slide34.xml><?xml version="1.0" encoding="utf-8"?>
+<p:sld xmlns:a="http://schemas.openxmlformats.org/drawingml/2006/main" xmlns:r="http://schemas.openxmlformats.org/officeDocument/2006/relationships" xmlns:p="http://schemas.openxmlformats.org/presentationml/2006/main">
+  <p:cSld>
+    <p:spTree>
+      <p:nvGrpSpPr>
+        <p:cNvPr id="1" name=""/>
+        <p:cNvGrpSpPr/>
+        <p:nvPr/>
+      </p:nvGrpSpPr>
+      <p:grpSpPr>
+        <a:xfrm>
+          <a:off x="0" y="0"/>
+          <a:ext cx="0" cy="0"/>
+          <a:chOff x="0" y="0"/>
+          <a:chExt cx="0" cy="0"/>
+        </a:xfrm>
+      </p:grpSpPr>
+      <p:sp>
+        <p:nvSpPr>
           <p:cNvPr id="2" name="Title 1"/>
           <p:cNvSpPr>
             <a:spLocks noGrp="1"/>
@@ -26561,12 +27044,16 @@
           <a:lstStyle/>
           <a:p>
             <a:r>
-              <a:rPr lang="en-US" dirty="0"/>
+              <a:rPr lang="en-US" dirty="0" smtClean="0"/>
               <a:t>IR </a:t>
             </a:r>
             <a:r>
+              <a:rPr lang="en-US" dirty="0" err="1" smtClean="0"/>
+              <a:t>v.s</a:t>
+            </a:r>
+            <a:r>
               <a:rPr lang="en-US" dirty="0" smtClean="0"/>
-              <a:t>and NLP are getting closer</a:t>
+              <a:t>. DBs</a:t>
             </a:r>
             <a:endParaRPr lang="en-US" dirty="0"/>
           </a:p>
@@ -26584,27 +27071,98 @@
         </p:nvSpPr>
         <p:spPr/>
         <p:txBody>
-          <a:bodyPr/>
+          <a:bodyPr>
+            <a:normAutofit/>
+          </a:bodyPr>
           <a:lstStyle/>
           <a:p>
             <a:r>
+              <a:rPr lang="en-US" dirty="0"/>
+              <a:t>Information Retrieval:</a:t>
+            </a:r>
+          </a:p>
+          <a:p>
+            <a:pPr lvl="1"/>
+            <a:r>
               <a:rPr lang="en-US" dirty="0" smtClean="0"/>
-              <a:t>IR =&gt; NLP</a:t>
+              <a:t>Unstructured data</a:t>
             </a:r>
           </a:p>
           <a:p>
             <a:pPr lvl="1"/>
             <a:r>
               <a:rPr lang="en-US" dirty="0" smtClean="0"/>
-              <a:t>Larger data collections</a:t>
+              <a:t>Semantics </a:t>
+            </a:r>
+            <a:r>
+              <a:rPr lang="en-US" dirty="0"/>
+              <a:t>of </a:t>
+            </a:r>
+            <a:r>
+              <a:rPr lang="en-US" dirty="0" smtClean="0"/>
+              <a:t>objects </a:t>
+            </a:r>
+            <a:r>
+              <a:rPr lang="en-US" dirty="0"/>
+              <a:t>are subjective</a:t>
             </a:r>
           </a:p>
           <a:p>
             <a:pPr lvl="1"/>
             <a:r>
+              <a:rPr lang="en-US" dirty="0"/>
+              <a:t>Simple </a:t>
+            </a:r>
+            <a:r>
               <a:rPr lang="en-US" dirty="0" smtClean="0"/>
-              <a:t>Scalable/robust NLP techniques, e.g., translation models </a:t>
-            </a:r>
+              <a:t>keywor</a:t>
+            </a:r>
+            <a:r>
+              <a:rPr lang="en-US" altLang="zh-CN" dirty="0" smtClean="0"/>
+              <a:t>d</a:t>
+            </a:r>
+            <a:r>
+              <a:rPr lang="en-US" dirty="0" smtClean="0"/>
+              <a:t> </a:t>
+            </a:r>
+            <a:r>
+              <a:rPr lang="en-US" dirty="0"/>
+              <a:t>queries </a:t>
+            </a:r>
+          </a:p>
+          <a:p>
+            <a:pPr lvl="1"/>
+            <a:r>
+              <a:rPr lang="en-US" dirty="0"/>
+              <a:t>Relevance-drive retrieval</a:t>
+            </a:r>
+          </a:p>
+          <a:p>
+            <a:pPr lvl="1"/>
+            <a:r>
+              <a:rPr lang="en-US" dirty="0"/>
+              <a:t>Effectiveness is primary issue, </a:t>
+            </a:r>
+            <a:r>
+              <a:rPr lang="en-US" dirty="0" smtClean="0"/>
+              <a:t>though </a:t>
+            </a:r>
+            <a:r>
+              <a:rPr lang="en-US" dirty="0"/>
+              <a:t>efficiency is </a:t>
+            </a:r>
+            <a:r>
+              <a:rPr lang="en-US" dirty="0" smtClean="0"/>
+              <a:t>also important</a:t>
+            </a:r>
+            <a:endParaRPr lang="en-US" dirty="0"/>
+          </a:p>
+          <a:p>
+            <a:endParaRPr lang="en-US" dirty="0" smtClean="0"/>
+          </a:p>
+          <a:p>
+            <a:pPr lvl="1"/>
+            <a:endParaRPr lang="en-US" dirty="0"/>
           </a:p>
         </p:txBody>
       </p:sp>
@@ -26618,42 +27176,63 @@
             <p:ph sz="half" idx="2"/>
           </p:nvPr>
         </p:nvSpPr>
-        <p:spPr>
-          <a:xfrm>
-            <a:off x="4648200" y="1600200"/>
-            <a:ext cx="4191000" cy="4525963"/>
-          </a:xfrm>
-        </p:spPr>
-        <p:txBody>
-          <a:bodyPr/>
+        <p:spPr/>
+        <p:txBody>
+          <a:bodyPr>
+            <a:normAutofit/>
+          </a:bodyPr>
           <a:lstStyle/>
           <a:p>
             <a:r>
+              <a:rPr lang="en-US" dirty="0"/>
+              <a:t>Database Systems:</a:t>
+            </a:r>
+          </a:p>
+          <a:p>
+            <a:pPr lvl="1"/>
+            <a:r>
               <a:rPr lang="en-US" dirty="0" smtClean="0"/>
-              <a:t>NLP =&gt; IR</a:t>
+              <a:t>Structured data</a:t>
             </a:r>
           </a:p>
           <a:p>
             <a:pPr lvl="1"/>
             <a:r>
+              <a:rPr lang="en-US" dirty="0" smtClean="0"/>
+              <a:t>Semantics </a:t>
+            </a:r>
+            <a:r>
               <a:rPr lang="en-US" dirty="0"/>
-              <a:t>Deep analysis </a:t>
-            </a:r>
+              <a:t>of each object are well defined</a:t>
+            </a:r>
+          </a:p>
+          <a:p>
+            <a:pPr lvl="1"/>
+            <a:r>
+              <a:rPr lang="en-US" dirty="0"/>
+              <a:t>Structured query languages (e.g., SQL)</a:t>
+            </a:r>
+          </a:p>
+          <a:p>
+            <a:pPr lvl="1"/>
+            <a:r>
+              <a:rPr lang="en-US" dirty="0"/>
+              <a:t>Exact retrieval </a:t>
+            </a:r>
+            <a:endParaRPr lang="en-US" dirty="0" smtClean="0"/>
+          </a:p>
+          <a:p>
+            <a:pPr lvl="1"/>
             <a:r>
               <a:rPr lang="en-US" dirty="0" smtClean="0"/>
-              <a:t>of text documents and queries</a:t>
-            </a:r>
-          </a:p>
-          <a:p>
-            <a:pPr lvl="1"/>
-            <a:r>
-              <a:rPr lang="en-US" dirty="0" smtClean="0"/>
-              <a:t>Information extraction for structured IR tasks</a:t>
-            </a:r>
-            <a:endParaRPr lang="en-US" dirty="0"/>
-          </a:p>
-          <a:p>
-            <a:pPr lvl="1"/>
+              <a:t>Emphasis </a:t>
+            </a:r>
+            <a:r>
+              <a:rPr lang="en-US" dirty="0"/>
+              <a:t>on efficiency</a:t>
+            </a:r>
+          </a:p>
+          <a:p>
             <a:endParaRPr lang="en-US" dirty="0"/>
           </a:p>
         </p:txBody>
@@ -26721,7 +27300,770 @@
           <a:p>
             <a:fld id="{04D6BED6-93C9-4D43-B1C0-E2DD71716F4C}" type="slidenum">
               <a:rPr lang="en-US" smtClean="0"/>
-              <a:t>33</a:t>
+              <a:t>34</a:t>
+            </a:fld>
+            <a:endParaRPr lang="en-US"/>
+          </a:p>
+        </p:txBody>
+      </p:sp>
+    </p:spTree>
+    <p:extLst>
+      <p:ext uri="{BB962C8B-B14F-4D97-AF65-F5344CB8AC3E}">
+        <p14:creationId xmlns:p14="http://schemas.microsoft.com/office/powerpoint/2010/main" val="4258081373"/>
+      </p:ext>
+    </p:extLst>
+  </p:cSld>
+  <p:clrMapOvr>
+    <a:masterClrMapping/>
+  </p:clrMapOvr>
+  <p:timing>
+    <p:tnLst>
+      <p:par>
+        <p:cTn id="1" dur="indefinite" restart="never" nodeType="tmRoot"/>
+      </p:par>
+    </p:tnLst>
+  </p:timing>
+</p:sld>
+</file>
+
+<file path=ppt/slides/slide35.xml><?xml version="1.0" encoding="utf-8"?>
+<p:sld xmlns:a="http://schemas.openxmlformats.org/drawingml/2006/main" xmlns:r="http://schemas.openxmlformats.org/officeDocument/2006/relationships" xmlns:p="http://schemas.openxmlformats.org/presentationml/2006/main">
+  <p:cSld>
+    <p:spTree>
+      <p:nvGrpSpPr>
+        <p:cNvPr id="1" name=""/>
+        <p:cNvGrpSpPr/>
+        <p:nvPr/>
+      </p:nvGrpSpPr>
+      <p:grpSpPr>
+        <a:xfrm>
+          <a:off x="0" y="0"/>
+          <a:ext cx="0" cy="0"/>
+          <a:chOff x="0" y="0"/>
+          <a:chExt cx="0" cy="0"/>
+        </a:xfrm>
+      </p:grpSpPr>
+      <p:sp>
+        <p:nvSpPr>
+          <p:cNvPr id="2" name="Title 1"/>
+          <p:cNvSpPr>
+            <a:spLocks noGrp="1"/>
+          </p:cNvSpPr>
+          <p:nvPr>
+            <p:ph type="title"/>
+          </p:nvPr>
+        </p:nvSpPr>
+        <p:spPr/>
+        <p:txBody>
+          <a:bodyPr/>
+          <a:lstStyle/>
+          <a:p>
+            <a:r>
+              <a:rPr lang="en-US" dirty="0"/>
+              <a:t>IR </a:t>
+            </a:r>
+            <a:r>
+              <a:rPr lang="en-US" dirty="0" smtClean="0"/>
+              <a:t>and DBs are getting closer</a:t>
+            </a:r>
+            <a:endParaRPr lang="en-US" dirty="0"/>
+          </a:p>
+        </p:txBody>
+      </p:sp>
+      <p:sp>
+        <p:nvSpPr>
+          <p:cNvPr id="3" name="Content Placeholder 2"/>
+          <p:cNvSpPr>
+            <a:spLocks noGrp="1"/>
+          </p:cNvSpPr>
+          <p:nvPr>
+            <p:ph sz="half" idx="1"/>
+          </p:nvPr>
+        </p:nvSpPr>
+        <p:spPr/>
+        <p:txBody>
+          <a:bodyPr/>
+          <a:lstStyle/>
+          <a:p>
+            <a:r>
+              <a:rPr lang="en-US" dirty="0" smtClean="0"/>
+              <a:t>IR =&gt; DBs</a:t>
+            </a:r>
+          </a:p>
+          <a:p>
+            <a:pPr lvl="1"/>
+            <a:r>
+              <a:rPr lang="en-US" dirty="0" smtClean="0"/>
+              <a:t>Approximate search is available in DBs</a:t>
+            </a:r>
+          </a:p>
+          <a:p>
+            <a:pPr lvl="1"/>
+            <a:r>
+              <a:rPr lang="en-US" dirty="0" err="1" smtClean="0"/>
+              <a:t>Eg</a:t>
+            </a:r>
+            <a:r>
+              <a:rPr lang="en-US" dirty="0" smtClean="0"/>
+              <a:t>. in </a:t>
+            </a:r>
+            <a:r>
+              <a:rPr lang="en-US" dirty="0" err="1" smtClean="0"/>
+              <a:t>mySQL</a:t>
+            </a:r>
+            <a:endParaRPr lang="en-US" dirty="0"/>
+          </a:p>
+        </p:txBody>
+      </p:sp>
+      <p:sp>
+        <p:nvSpPr>
+          <p:cNvPr id="4" name="Content Placeholder 3"/>
+          <p:cNvSpPr>
+            <a:spLocks noGrp="1"/>
+          </p:cNvSpPr>
+          <p:nvPr>
+            <p:ph sz="half" idx="2"/>
+          </p:nvPr>
+        </p:nvSpPr>
+        <p:spPr>
+          <a:xfrm>
+            <a:off x="4648200" y="1600200"/>
+            <a:ext cx="4191000" cy="4525963"/>
+          </a:xfrm>
+        </p:spPr>
+        <p:txBody>
+          <a:bodyPr/>
+          <a:lstStyle/>
+          <a:p>
+            <a:r>
+              <a:rPr lang="en-US" dirty="0" smtClean="0"/>
+              <a:t>DBs =&gt; IR</a:t>
+            </a:r>
+          </a:p>
+          <a:p>
+            <a:pPr lvl="1"/>
+            <a:r>
+              <a:rPr lang="en-US" dirty="0"/>
+              <a:t>Use information extraction to convert unstructured data to structured data</a:t>
+            </a:r>
+          </a:p>
+          <a:p>
+            <a:pPr lvl="1"/>
+            <a:r>
+              <a:rPr lang="en-US" dirty="0"/>
+              <a:t>Semi-structured representation: XML data; queries with structured information</a:t>
+            </a:r>
+          </a:p>
+          <a:p>
+            <a:pPr lvl="1"/>
+            <a:endParaRPr lang="en-US" dirty="0"/>
+          </a:p>
+        </p:txBody>
+      </p:sp>
+      <p:sp>
+        <p:nvSpPr>
+          <p:cNvPr id="5" name="TextBox 4"/>
+          <p:cNvSpPr txBox="1"/>
+          <p:nvPr/>
+        </p:nvSpPr>
+        <p:spPr>
+          <a:xfrm>
+            <a:off x="762000" y="3733800"/>
+            <a:ext cx="3505200" cy="830997"/>
+          </a:xfrm>
+          <a:prstGeom prst="rect">
+            <a:avLst/>
+          </a:prstGeom>
+          <a:noFill/>
+        </p:spPr>
+        <p:txBody>
+          <a:bodyPr wrap="square" rtlCol="0">
+            <a:spAutoFit/>
+          </a:bodyPr>
+          <a:lstStyle/>
+          <a:p>
+            <a:r>
+              <a:rPr lang="en-US" sz="1600" b="1" dirty="0" err="1">
+                <a:latin typeface="Arial" panose="020B0604020202020204" pitchFamily="34" charset="0"/>
+                <a:cs typeface="Arial" panose="020B0604020202020204" pitchFamily="34" charset="0"/>
+              </a:rPr>
+              <a:t>mysql</a:t>
+            </a:r>
+            <a:r>
+              <a:rPr lang="en-US" sz="1600" b="1" dirty="0">
+                <a:latin typeface="Arial" panose="020B0604020202020204" pitchFamily="34" charset="0"/>
+                <a:cs typeface="Arial" panose="020B0604020202020204" pitchFamily="34" charset="0"/>
+              </a:rPr>
+              <a:t>&gt; SELECT * FROM articles</a:t>
+            </a:r>
+          </a:p>
+          <a:p>
+            <a:r>
+              <a:rPr lang="en-US" sz="1600" b="1" dirty="0">
+                <a:latin typeface="Arial" panose="020B0604020202020204" pitchFamily="34" charset="0"/>
+                <a:cs typeface="Arial" panose="020B0604020202020204" pitchFamily="34" charset="0"/>
+              </a:rPr>
+              <a:t>    -&gt; WHERE MATCH (</a:t>
+            </a:r>
+            <a:r>
+              <a:rPr lang="en-US" sz="1600" b="1" dirty="0" err="1">
+                <a:latin typeface="Arial" panose="020B0604020202020204" pitchFamily="34" charset="0"/>
+                <a:cs typeface="Arial" panose="020B0604020202020204" pitchFamily="34" charset="0"/>
+              </a:rPr>
+              <a:t>title,body</a:t>
+            </a:r>
+            <a:r>
+              <a:rPr lang="en-US" sz="1600" b="1" dirty="0">
+                <a:latin typeface="Arial" panose="020B0604020202020204" pitchFamily="34" charset="0"/>
+                <a:cs typeface="Arial" panose="020B0604020202020204" pitchFamily="34" charset="0"/>
+              </a:rPr>
+              <a:t>) </a:t>
+            </a:r>
+            <a:r>
+              <a:rPr lang="en-US" sz="1600" b="1" dirty="0" smtClean="0">
+                <a:latin typeface="Arial" panose="020B0604020202020204" pitchFamily="34" charset="0"/>
+                <a:cs typeface="Arial" panose="020B0604020202020204" pitchFamily="34" charset="0"/>
+              </a:rPr>
+              <a:t>     </a:t>
+            </a:r>
+          </a:p>
+          <a:p>
+            <a:r>
+              <a:rPr lang="en-US" sz="1600" b="1" dirty="0">
+                <a:latin typeface="Arial" panose="020B0604020202020204" pitchFamily="34" charset="0"/>
+                <a:cs typeface="Arial" panose="020B0604020202020204" pitchFamily="34" charset="0"/>
+              </a:rPr>
+              <a:t> </a:t>
+            </a:r>
+            <a:r>
+              <a:rPr lang="en-US" sz="1600" b="1" dirty="0" smtClean="0">
+                <a:latin typeface="Arial" panose="020B0604020202020204" pitchFamily="34" charset="0"/>
+                <a:cs typeface="Arial" panose="020B0604020202020204" pitchFamily="34" charset="0"/>
+              </a:rPr>
+              <a:t>        AGAINST </a:t>
+            </a:r>
+            <a:r>
+              <a:rPr lang="en-US" sz="1600" b="1" dirty="0">
+                <a:latin typeface="Arial" panose="020B0604020202020204" pitchFamily="34" charset="0"/>
+                <a:cs typeface="Arial" panose="020B0604020202020204" pitchFamily="34" charset="0"/>
+              </a:rPr>
+              <a:t>('database');</a:t>
+            </a:r>
+          </a:p>
+        </p:txBody>
+      </p:sp>
+      <p:sp>
+        <p:nvSpPr>
+          <p:cNvPr id="6" name="Date Placeholder 5"/>
+          <p:cNvSpPr>
+            <a:spLocks noGrp="1"/>
+          </p:cNvSpPr>
+          <p:nvPr>
+            <p:ph type="dt" sz="half" idx="10"/>
+          </p:nvPr>
+        </p:nvSpPr>
+        <p:spPr/>
+        <p:txBody>
+          <a:bodyPr/>
+          <a:lstStyle/>
+          <a:p>
+            <a:r>
+              <a:rPr lang="en-US" smtClean="0"/>
+              <a:t>CS@UVa</a:t>
+            </a:r>
+            <a:endParaRPr lang="en-US"/>
+          </a:p>
+        </p:txBody>
+      </p:sp>
+      <p:sp>
+        <p:nvSpPr>
+          <p:cNvPr id="7" name="Footer Placeholder 6"/>
+          <p:cNvSpPr>
+            <a:spLocks noGrp="1"/>
+          </p:cNvSpPr>
+          <p:nvPr>
+            <p:ph type="ftr" sz="quarter" idx="11"/>
+          </p:nvPr>
+        </p:nvSpPr>
+        <p:spPr/>
+        <p:txBody>
+          <a:bodyPr/>
+          <a:lstStyle/>
+          <a:p>
+            <a:r>
+              <a:rPr lang="en-US" smtClean="0"/>
+              <a:t>CS4501: Information Retrieval</a:t>
+            </a:r>
+            <a:endParaRPr lang="en-US"/>
+          </a:p>
+        </p:txBody>
+      </p:sp>
+      <p:sp>
+        <p:nvSpPr>
+          <p:cNvPr id="8" name="Slide Number Placeholder 7"/>
+          <p:cNvSpPr>
+            <a:spLocks noGrp="1"/>
+          </p:cNvSpPr>
+          <p:nvPr>
+            <p:ph type="sldNum" sz="quarter" idx="12"/>
+          </p:nvPr>
+        </p:nvSpPr>
+        <p:spPr/>
+        <p:txBody>
+          <a:bodyPr/>
+          <a:lstStyle/>
+          <a:p>
+            <a:fld id="{04D6BED6-93C9-4D43-B1C0-E2DD71716F4C}" type="slidenum">
+              <a:rPr lang="en-US" smtClean="0"/>
+              <a:t>35</a:t>
+            </a:fld>
+            <a:endParaRPr lang="en-US"/>
+          </a:p>
+        </p:txBody>
+      </p:sp>
+    </p:spTree>
+    <p:extLst>
+      <p:ext uri="{BB962C8B-B14F-4D97-AF65-F5344CB8AC3E}">
+        <p14:creationId xmlns:p14="http://schemas.microsoft.com/office/powerpoint/2010/main" val="1066128477"/>
+      </p:ext>
+    </p:extLst>
+  </p:cSld>
+  <p:clrMapOvr>
+    <a:masterClrMapping/>
+  </p:clrMapOvr>
+  <p:timing>
+    <p:tnLst>
+      <p:par>
+        <p:cTn id="1" dur="indefinite" restart="never" nodeType="tmRoot"/>
+      </p:par>
+    </p:tnLst>
+  </p:timing>
+</p:sld>
+</file>
+
+<file path=ppt/slides/slide36.xml><?xml version="1.0" encoding="utf-8"?>
+<p:sld xmlns:a="http://schemas.openxmlformats.org/drawingml/2006/main" xmlns:r="http://schemas.openxmlformats.org/officeDocument/2006/relationships" xmlns:p="http://schemas.openxmlformats.org/presentationml/2006/main">
+  <p:cSld>
+    <p:spTree>
+      <p:nvGrpSpPr>
+        <p:cNvPr id="1" name=""/>
+        <p:cNvGrpSpPr/>
+        <p:nvPr/>
+      </p:nvGrpSpPr>
+      <p:grpSpPr>
+        <a:xfrm>
+          <a:off x="0" y="0"/>
+          <a:ext cx="0" cy="0"/>
+          <a:chOff x="0" y="0"/>
+          <a:chExt cx="0" cy="0"/>
+        </a:xfrm>
+      </p:grpSpPr>
+      <p:sp>
+        <p:nvSpPr>
+          <p:cNvPr id="2" name="Title 1"/>
+          <p:cNvSpPr>
+            <a:spLocks noGrp="1"/>
+          </p:cNvSpPr>
+          <p:nvPr>
+            <p:ph type="title"/>
+          </p:nvPr>
+        </p:nvSpPr>
+        <p:spPr/>
+        <p:txBody>
+          <a:bodyPr/>
+          <a:lstStyle/>
+          <a:p>
+            <a:r>
+              <a:rPr lang="en-US" dirty="0" smtClean="0"/>
+              <a:t>IR </a:t>
+            </a:r>
+            <a:r>
+              <a:rPr lang="en-US" dirty="0" err="1" smtClean="0"/>
+              <a:t>v.s</a:t>
+            </a:r>
+            <a:r>
+              <a:rPr lang="en-US" dirty="0" smtClean="0"/>
+              <a:t>. NLP</a:t>
+            </a:r>
+            <a:endParaRPr lang="en-US" dirty="0"/>
+          </a:p>
+        </p:txBody>
+      </p:sp>
+      <p:sp>
+        <p:nvSpPr>
+          <p:cNvPr id="3" name="Content Placeholder 2"/>
+          <p:cNvSpPr>
+            <a:spLocks noGrp="1"/>
+          </p:cNvSpPr>
+          <p:nvPr>
+            <p:ph sz="half" idx="1"/>
+          </p:nvPr>
+        </p:nvSpPr>
+        <p:spPr/>
+        <p:txBody>
+          <a:bodyPr/>
+          <a:lstStyle/>
+          <a:p>
+            <a:r>
+              <a:rPr lang="en-US" dirty="0" smtClean="0"/>
+              <a:t>Information retrieval</a:t>
+            </a:r>
+          </a:p>
+          <a:p>
+            <a:pPr lvl="1"/>
+            <a:r>
+              <a:rPr lang="en-US" dirty="0" smtClean="0"/>
+              <a:t>Computational approaches</a:t>
+            </a:r>
+          </a:p>
+          <a:p>
+            <a:pPr lvl="1"/>
+            <a:r>
+              <a:rPr lang="en-US" dirty="0" smtClean="0"/>
+              <a:t>Statistical (shallow) understanding of language</a:t>
+            </a:r>
+          </a:p>
+          <a:p>
+            <a:pPr lvl="1"/>
+            <a:r>
+              <a:rPr lang="en-US" dirty="0" smtClean="0"/>
+              <a:t>Handle large scale problems</a:t>
+            </a:r>
+            <a:endParaRPr lang="en-US" dirty="0"/>
+          </a:p>
+        </p:txBody>
+      </p:sp>
+      <p:sp>
+        <p:nvSpPr>
+          <p:cNvPr id="4" name="Content Placeholder 3"/>
+          <p:cNvSpPr>
+            <a:spLocks noGrp="1"/>
+          </p:cNvSpPr>
+          <p:nvPr>
+            <p:ph sz="half" idx="2"/>
+          </p:nvPr>
+        </p:nvSpPr>
+        <p:spPr/>
+        <p:txBody>
+          <a:bodyPr/>
+          <a:lstStyle/>
+          <a:p>
+            <a:r>
+              <a:rPr lang="en-US" dirty="0" smtClean="0"/>
+              <a:t>Natural language processing</a:t>
+            </a:r>
+          </a:p>
+          <a:p>
+            <a:pPr lvl="1"/>
+            <a:r>
+              <a:rPr lang="en-US" altLang="en-US" dirty="0"/>
+              <a:t>Cognitive, symbolic and computational </a:t>
+            </a:r>
+            <a:r>
+              <a:rPr lang="en-US" altLang="en-US" dirty="0" smtClean="0"/>
+              <a:t>approaches</a:t>
+            </a:r>
+          </a:p>
+          <a:p>
+            <a:pPr lvl="1"/>
+            <a:r>
+              <a:rPr lang="en-US" dirty="0" smtClean="0"/>
+              <a:t>Semantic (deep) understanding of language</a:t>
+            </a:r>
+          </a:p>
+          <a:p>
+            <a:pPr lvl="1"/>
+            <a:r>
+              <a:rPr lang="en-US" dirty="0" smtClean="0"/>
+              <a:t>(often times) small scale problems</a:t>
+            </a:r>
+            <a:endParaRPr lang="en-US" dirty="0"/>
+          </a:p>
+        </p:txBody>
+      </p:sp>
+      <p:sp>
+        <p:nvSpPr>
+          <p:cNvPr id="5" name="Date Placeholder 4"/>
+          <p:cNvSpPr>
+            <a:spLocks noGrp="1"/>
+          </p:cNvSpPr>
+          <p:nvPr>
+            <p:ph type="dt" sz="half" idx="10"/>
+          </p:nvPr>
+        </p:nvSpPr>
+        <p:spPr/>
+        <p:txBody>
+          <a:bodyPr/>
+          <a:lstStyle/>
+          <a:p>
+            <a:r>
+              <a:rPr lang="en-US" smtClean="0"/>
+              <a:t>CS@UVa</a:t>
+            </a:r>
+            <a:endParaRPr lang="en-US"/>
+          </a:p>
+        </p:txBody>
+      </p:sp>
+      <p:sp>
+        <p:nvSpPr>
+          <p:cNvPr id="6" name="Footer Placeholder 5"/>
+          <p:cNvSpPr>
+            <a:spLocks noGrp="1"/>
+          </p:cNvSpPr>
+          <p:nvPr>
+            <p:ph type="ftr" sz="quarter" idx="11"/>
+          </p:nvPr>
+        </p:nvSpPr>
+        <p:spPr/>
+        <p:txBody>
+          <a:bodyPr/>
+          <a:lstStyle/>
+          <a:p>
+            <a:r>
+              <a:rPr lang="en-US" smtClean="0"/>
+              <a:t>CS4501: Information Retrieval</a:t>
+            </a:r>
+            <a:endParaRPr lang="en-US"/>
+          </a:p>
+        </p:txBody>
+      </p:sp>
+      <p:sp>
+        <p:nvSpPr>
+          <p:cNvPr id="7" name="Slide Number Placeholder 6"/>
+          <p:cNvSpPr>
+            <a:spLocks noGrp="1"/>
+          </p:cNvSpPr>
+          <p:nvPr>
+            <p:ph type="sldNum" sz="quarter" idx="12"/>
+          </p:nvPr>
+        </p:nvSpPr>
+        <p:spPr/>
+        <p:txBody>
+          <a:bodyPr/>
+          <a:lstStyle/>
+          <a:p>
+            <a:fld id="{04D6BED6-93C9-4D43-B1C0-E2DD71716F4C}" type="slidenum">
+              <a:rPr lang="en-US" smtClean="0"/>
+              <a:t>36</a:t>
+            </a:fld>
+            <a:endParaRPr lang="en-US"/>
+          </a:p>
+        </p:txBody>
+      </p:sp>
+    </p:spTree>
+    <p:extLst>
+      <p:ext uri="{BB962C8B-B14F-4D97-AF65-F5344CB8AC3E}">
+        <p14:creationId xmlns:p14="http://schemas.microsoft.com/office/powerpoint/2010/main" val="4241714647"/>
+      </p:ext>
+    </p:extLst>
+  </p:cSld>
+  <p:clrMapOvr>
+    <a:masterClrMapping/>
+  </p:clrMapOvr>
+  <p:timing>
+    <p:tnLst>
+      <p:par>
+        <p:cTn id="1" dur="indefinite" restart="never" nodeType="tmRoot"/>
+      </p:par>
+    </p:tnLst>
+  </p:timing>
+</p:sld>
+</file>
+
+<file path=ppt/slides/slide37.xml><?xml version="1.0" encoding="utf-8"?>
+<p:sld xmlns:a="http://schemas.openxmlformats.org/drawingml/2006/main" xmlns:r="http://schemas.openxmlformats.org/officeDocument/2006/relationships" xmlns:p="http://schemas.openxmlformats.org/presentationml/2006/main">
+  <p:cSld>
+    <p:spTree>
+      <p:nvGrpSpPr>
+        <p:cNvPr id="1" name=""/>
+        <p:cNvGrpSpPr/>
+        <p:nvPr/>
+      </p:nvGrpSpPr>
+      <p:grpSpPr>
+        <a:xfrm>
+          <a:off x="0" y="0"/>
+          <a:ext cx="0" cy="0"/>
+          <a:chOff x="0" y="0"/>
+          <a:chExt cx="0" cy="0"/>
+        </a:xfrm>
+      </p:grpSpPr>
+      <p:sp>
+        <p:nvSpPr>
+          <p:cNvPr id="2" name="Title 1"/>
+          <p:cNvSpPr>
+            <a:spLocks noGrp="1"/>
+          </p:cNvSpPr>
+          <p:nvPr>
+            <p:ph type="title"/>
+          </p:nvPr>
+        </p:nvSpPr>
+        <p:spPr/>
+        <p:txBody>
+          <a:bodyPr/>
+          <a:lstStyle/>
+          <a:p>
+            <a:r>
+              <a:rPr lang="en-US" dirty="0"/>
+              <a:t>IR </a:t>
+            </a:r>
+            <a:r>
+              <a:rPr lang="en-US" dirty="0" smtClean="0"/>
+              <a:t>and NLP are getting closer</a:t>
+            </a:r>
+            <a:endParaRPr lang="en-US" dirty="0"/>
+          </a:p>
+        </p:txBody>
+      </p:sp>
+      <p:sp>
+        <p:nvSpPr>
+          <p:cNvPr id="3" name="Content Placeholder 2"/>
+          <p:cNvSpPr>
+            <a:spLocks noGrp="1"/>
+          </p:cNvSpPr>
+          <p:nvPr>
+            <p:ph sz="half" idx="1"/>
+          </p:nvPr>
+        </p:nvSpPr>
+        <p:spPr/>
+        <p:txBody>
+          <a:bodyPr/>
+          <a:lstStyle/>
+          <a:p>
+            <a:r>
+              <a:rPr lang="en-US" dirty="0" smtClean="0"/>
+              <a:t>IR =&gt; NLP</a:t>
+            </a:r>
+          </a:p>
+          <a:p>
+            <a:pPr lvl="1"/>
+            <a:r>
+              <a:rPr lang="en-US" dirty="0" smtClean="0"/>
+              <a:t>Larger data collections</a:t>
+            </a:r>
+          </a:p>
+          <a:p>
+            <a:pPr lvl="1"/>
+            <a:r>
+              <a:rPr lang="en-US" dirty="0" smtClean="0"/>
+              <a:t>Scalable/robust NLP techniques, e.g., translation models </a:t>
+            </a:r>
+          </a:p>
+        </p:txBody>
+      </p:sp>
+      <p:sp>
+        <p:nvSpPr>
+          <p:cNvPr id="4" name="Content Placeholder 3"/>
+          <p:cNvSpPr>
+            <a:spLocks noGrp="1"/>
+          </p:cNvSpPr>
+          <p:nvPr>
+            <p:ph sz="half" idx="2"/>
+          </p:nvPr>
+        </p:nvSpPr>
+        <p:spPr>
+          <a:xfrm>
+            <a:off x="4648200" y="1600200"/>
+            <a:ext cx="4191000" cy="4525963"/>
+          </a:xfrm>
+        </p:spPr>
+        <p:txBody>
+          <a:bodyPr/>
+          <a:lstStyle/>
+          <a:p>
+            <a:r>
+              <a:rPr lang="en-US" dirty="0" smtClean="0"/>
+              <a:t>NLP =&gt; IR</a:t>
+            </a:r>
+          </a:p>
+          <a:p>
+            <a:pPr lvl="1"/>
+            <a:r>
+              <a:rPr lang="en-US" dirty="0"/>
+              <a:t>Deep analysis </a:t>
+            </a:r>
+            <a:r>
+              <a:rPr lang="en-US" dirty="0" smtClean="0"/>
+              <a:t>of text documents and queries</a:t>
+            </a:r>
+          </a:p>
+          <a:p>
+            <a:pPr lvl="1"/>
+            <a:r>
+              <a:rPr lang="en-US" dirty="0" smtClean="0"/>
+              <a:t>Information extraction for structured IR tasks</a:t>
+            </a:r>
+            <a:endParaRPr lang="en-US" dirty="0"/>
+          </a:p>
+          <a:p>
+            <a:pPr lvl="1"/>
+            <a:endParaRPr lang="en-US" dirty="0"/>
+          </a:p>
+        </p:txBody>
+      </p:sp>
+      <p:sp>
+        <p:nvSpPr>
+          <p:cNvPr id="5" name="Date Placeholder 4"/>
+          <p:cNvSpPr>
+            <a:spLocks noGrp="1"/>
+          </p:cNvSpPr>
+          <p:nvPr>
+            <p:ph type="dt" sz="half" idx="10"/>
+          </p:nvPr>
+        </p:nvSpPr>
+        <p:spPr/>
+        <p:txBody>
+          <a:bodyPr/>
+          <a:lstStyle/>
+          <a:p>
+            <a:r>
+              <a:rPr lang="en-US" smtClean="0"/>
+              <a:t>CS@UVa</a:t>
+            </a:r>
+            <a:endParaRPr lang="en-US"/>
+          </a:p>
+        </p:txBody>
+      </p:sp>
+      <p:sp>
+        <p:nvSpPr>
+          <p:cNvPr id="6" name="Footer Placeholder 5"/>
+          <p:cNvSpPr>
+            <a:spLocks noGrp="1"/>
+          </p:cNvSpPr>
+          <p:nvPr>
+            <p:ph type="ftr" sz="quarter" idx="11"/>
+          </p:nvPr>
+        </p:nvSpPr>
+        <p:spPr/>
+        <p:txBody>
+          <a:bodyPr/>
+          <a:lstStyle/>
+          <a:p>
+            <a:r>
+              <a:rPr lang="en-US" smtClean="0"/>
+              <a:t>CS4501: Information Retrieval</a:t>
+            </a:r>
+            <a:endParaRPr lang="en-US"/>
+          </a:p>
+        </p:txBody>
+      </p:sp>
+      <p:sp>
+        <p:nvSpPr>
+          <p:cNvPr id="7" name="Slide Number Placeholder 6"/>
+          <p:cNvSpPr>
+            <a:spLocks noGrp="1"/>
+          </p:cNvSpPr>
+          <p:nvPr>
+            <p:ph type="sldNum" sz="quarter" idx="12"/>
+          </p:nvPr>
+        </p:nvSpPr>
+        <p:spPr/>
+        <p:txBody>
+          <a:bodyPr/>
+          <a:lstStyle/>
+          <a:p>
+            <a:fld id="{04D6BED6-93C9-4D43-B1C0-E2DD71716F4C}" type="slidenum">
+              <a:rPr lang="en-US" smtClean="0"/>
+              <a:t>37</a:t>
             </a:fld>
             <a:endParaRPr lang="en-US"/>
           </a:p>
@@ -26747,7 +28089,7 @@
 </p:sld>
 </file>
 
-<file path=ppt/slides/slide34.xml><?xml version="1.0" encoding="utf-8"?>
+<file path=ppt/slides/slide38.xml><?xml version="1.0" encoding="utf-8"?>
 <p:sld xmlns:a="http://schemas.openxmlformats.org/drawingml/2006/main" xmlns:r="http://schemas.openxmlformats.org/officeDocument/2006/relationships" xmlns:p="http://schemas.openxmlformats.org/presentationml/2006/main">
   <p:cSld>
     <p:spTree>
@@ -27209,7 +28551,7 @@
           <a:p>
             <a:fld id="{04D6BED6-93C9-4D43-B1C0-E2DD71716F4C}" type="slidenum">
               <a:rPr lang="en-US" smtClean="0"/>
-              <a:t>34</a:t>
+              <a:t>38</a:t>
             </a:fld>
             <a:endParaRPr lang="en-US"/>
           </a:p>
@@ -27235,7 +28577,7 @@
 </p:sld>
 </file>
 
-<file path=ppt/slides/slide35.xml><?xml version="1.0" encoding="utf-8"?>
+<file path=ppt/slides/slide39.xml><?xml version="1.0" encoding="utf-8"?>
 <p:sld xmlns:a="http://schemas.openxmlformats.org/drawingml/2006/main" xmlns:r="http://schemas.openxmlformats.org/officeDocument/2006/relationships" xmlns:p="http://schemas.openxmlformats.org/presentationml/2006/main">
   <p:cSld>
     <p:spTree>
@@ -27705,7 +29047,7 @@
           <a:p>
             <a:fld id="{04D6BED6-93C9-4D43-B1C0-E2DD71716F4C}" type="slidenum">
               <a:rPr lang="en-US" smtClean="0"/>
-              <a:t>35</a:t>
+              <a:t>39</a:t>
             </a:fld>
             <a:endParaRPr lang="en-US"/>
           </a:p>
@@ -27731,7 +29073,428 @@
 </p:sld>
 </file>
 
-<file path=ppt/slides/slide36.xml><?xml version="1.0" encoding="utf-8"?>
+<file path=ppt/slides/slide4.xml><?xml version="1.0" encoding="utf-8"?>
+<p:sld xmlns:a="http://schemas.openxmlformats.org/drawingml/2006/main" xmlns:r="http://schemas.openxmlformats.org/officeDocument/2006/relationships" xmlns:p="http://schemas.openxmlformats.org/presentationml/2006/main">
+  <p:cSld>
+    <p:spTree>
+      <p:nvGrpSpPr>
+        <p:cNvPr id="1" name=""/>
+        <p:cNvGrpSpPr/>
+        <p:nvPr/>
+      </p:nvGrpSpPr>
+      <p:grpSpPr>
+        <a:xfrm>
+          <a:off x="0" y="0"/>
+          <a:ext cx="0" cy="0"/>
+          <a:chOff x="0" y="0"/>
+          <a:chExt cx="0" cy="0"/>
+        </a:xfrm>
+      </p:grpSpPr>
+      <p:sp>
+        <p:nvSpPr>
+          <p:cNvPr id="2" name="Title 1"/>
+          <p:cNvSpPr>
+            <a:spLocks noGrp="1"/>
+          </p:cNvSpPr>
+          <p:nvPr>
+            <p:ph type="title"/>
+          </p:nvPr>
+        </p:nvSpPr>
+        <p:spPr/>
+        <p:txBody>
+          <a:bodyPr/>
+          <a:lstStyle/>
+          <a:p>
+            <a:r>
+              <a:rPr lang="en-US" dirty="0" smtClean="0"/>
+              <a:t>Why information retrieval </a:t>
+            </a:r>
+            <a:endParaRPr lang="en-US" dirty="0"/>
+          </a:p>
+        </p:txBody>
+      </p:sp>
+      <p:sp>
+        <p:nvSpPr>
+          <p:cNvPr id="3" name="Content Placeholder 2"/>
+          <p:cNvSpPr>
+            <a:spLocks noGrp="1"/>
+          </p:cNvSpPr>
+          <p:nvPr>
+            <p:ph idx="1"/>
+          </p:nvPr>
+        </p:nvSpPr>
+        <p:spPr/>
+        <p:txBody>
+          <a:bodyPr/>
+          <a:lstStyle/>
+          <a:p>
+            <a:r>
+              <a:rPr lang="en-US" dirty="0" smtClean="0"/>
+              <a:t>Information overload</a:t>
+            </a:r>
+          </a:p>
+          <a:p>
+            <a:endParaRPr lang="en-US" dirty="0"/>
+          </a:p>
+        </p:txBody>
+      </p:sp>
+      <p:grpSp>
+        <p:nvGrpSpPr>
+          <p:cNvPr id="5" name="Group 4"/>
+          <p:cNvGrpSpPr/>
+          <p:nvPr/>
+        </p:nvGrpSpPr>
+        <p:grpSpPr>
+          <a:xfrm>
+            <a:off x="1122461" y="2286000"/>
+            <a:ext cx="6652344" cy="4261109"/>
+            <a:chOff x="1231295" y="0"/>
+            <a:chExt cx="6652344" cy="4261109"/>
+          </a:xfrm>
+        </p:grpSpPr>
+        <p:sp>
+          <p:nvSpPr>
+            <p:cNvPr id="4" name="TextBox 3"/>
+            <p:cNvSpPr txBox="1"/>
+            <p:nvPr/>
+          </p:nvSpPr>
+          <p:spPr>
+            <a:xfrm>
+              <a:off x="3276600" y="3891777"/>
+              <a:ext cx="2895600" cy="369332"/>
+            </a:xfrm>
+            <a:prstGeom prst="rect">
+              <a:avLst/>
+            </a:prstGeom>
+            <a:noFill/>
+          </p:spPr>
+          <p:txBody>
+            <a:bodyPr wrap="square" rtlCol="0">
+              <a:spAutoFit/>
+            </a:bodyPr>
+            <a:lstStyle/>
+            <a:p>
+              <a:r>
+                <a:rPr lang="en-US" dirty="0" smtClean="0"/>
+                <a:t>Figure 1: Growth of Internet</a:t>
+              </a:r>
+              <a:endParaRPr lang="en-US" dirty="0"/>
+            </a:p>
+          </p:txBody>
+        </p:sp>
+        <p:pic>
+          <p:nvPicPr>
+            <p:cNvPr id="3076" name="Picture 4" descr="Internet Hosts Chart"/>
+            <p:cNvPicPr>
+              <a:picLocks noChangeAspect="1" noChangeArrowheads="1"/>
+            </p:cNvPicPr>
+            <p:nvPr/>
+          </p:nvPicPr>
+          <p:blipFill>
+            <a:blip r:embed="rId2">
+              <a:extLst>
+                <a:ext uri="{28A0092B-C50C-407E-A947-70E740481C1C}">
+                  <a14:useLocalDpi xmlns:a14="http://schemas.microsoft.com/office/drawing/2010/main" val="0"/>
+                </a:ext>
+              </a:extLst>
+            </a:blip>
+            <a:srcRect/>
+            <a:stretch>
+              <a:fillRect/>
+            </a:stretch>
+          </p:blipFill>
+          <p:spPr bwMode="auto">
+            <a:xfrm>
+              <a:off x="1231295" y="0"/>
+              <a:ext cx="6652344" cy="3891777"/>
+            </a:xfrm>
+            <a:prstGeom prst="rect">
+              <a:avLst/>
+            </a:prstGeom>
+            <a:noFill/>
+            <a:extLst>
+              <a:ext uri="{909E8E84-426E-40DD-AFC4-6F175D3DCCD1}">
+                <a14:hiddenFill xmlns:a14="http://schemas.microsoft.com/office/drawing/2010/main">
+                  <a:solidFill>
+                    <a:srgbClr val="FFFFFF"/>
+                  </a:solidFill>
+                </a14:hiddenFill>
+              </a:ext>
+            </a:extLst>
+          </p:spPr>
+        </p:pic>
+      </p:grpSp>
+      <p:grpSp>
+        <p:nvGrpSpPr>
+          <p:cNvPr id="7" name="Group 6"/>
+          <p:cNvGrpSpPr/>
+          <p:nvPr/>
+        </p:nvGrpSpPr>
+        <p:grpSpPr>
+          <a:xfrm>
+            <a:off x="1122461" y="2640059"/>
+            <a:ext cx="6817075" cy="3448432"/>
+            <a:chOff x="1148930" y="2514600"/>
+            <a:chExt cx="6817075" cy="3448432"/>
+          </a:xfrm>
+        </p:grpSpPr>
+        <p:pic>
+          <p:nvPicPr>
+            <p:cNvPr id="3074" name="Picture 2" descr="WWW Growth Chart"/>
+            <p:cNvPicPr>
+              <a:picLocks noChangeAspect="1" noChangeArrowheads="1"/>
+            </p:cNvPicPr>
+            <p:nvPr/>
+          </p:nvPicPr>
+          <p:blipFill>
+            <a:blip r:embed="rId3">
+              <a:extLst>
+                <a:ext uri="{28A0092B-C50C-407E-A947-70E740481C1C}">
+                  <a14:useLocalDpi xmlns:a14="http://schemas.microsoft.com/office/drawing/2010/main" val="0"/>
+                </a:ext>
+              </a:extLst>
+            </a:blip>
+            <a:srcRect/>
+            <a:stretch>
+              <a:fillRect/>
+            </a:stretch>
+          </p:blipFill>
+          <p:spPr bwMode="auto">
+            <a:xfrm>
+              <a:off x="1148930" y="2514600"/>
+              <a:ext cx="6817075" cy="2990851"/>
+            </a:xfrm>
+            <a:prstGeom prst="rect">
+              <a:avLst/>
+            </a:prstGeom>
+            <a:noFill/>
+            <a:extLst>
+              <a:ext uri="{909E8E84-426E-40DD-AFC4-6F175D3DCCD1}">
+                <a14:hiddenFill xmlns:a14="http://schemas.microsoft.com/office/drawing/2010/main">
+                  <a:solidFill>
+                    <a:srgbClr val="FFFFFF"/>
+                  </a:solidFill>
+                </a14:hiddenFill>
+              </a:ext>
+            </a:extLst>
+          </p:spPr>
+        </p:pic>
+        <p:sp>
+          <p:nvSpPr>
+            <p:cNvPr id="6" name="TextBox 5"/>
+            <p:cNvSpPr txBox="1"/>
+            <p:nvPr/>
+          </p:nvSpPr>
+          <p:spPr>
+            <a:xfrm>
+              <a:off x="2895600" y="5593700"/>
+              <a:ext cx="3581400" cy="369332"/>
+            </a:xfrm>
+            <a:prstGeom prst="rect">
+              <a:avLst/>
+            </a:prstGeom>
+            <a:noFill/>
+          </p:spPr>
+          <p:txBody>
+            <a:bodyPr wrap="square" rtlCol="0">
+              <a:spAutoFit/>
+            </a:bodyPr>
+            <a:lstStyle/>
+            <a:p>
+              <a:r>
+                <a:rPr lang="en-US" dirty="0" smtClean="0"/>
+                <a:t>Figure 2: Growth of WWW</a:t>
+              </a:r>
+              <a:endParaRPr lang="en-US" dirty="0"/>
+            </a:p>
+          </p:txBody>
+        </p:sp>
+      </p:grpSp>
+      <p:sp>
+        <p:nvSpPr>
+          <p:cNvPr id="8" name="Date Placeholder 7"/>
+          <p:cNvSpPr>
+            <a:spLocks noGrp="1"/>
+          </p:cNvSpPr>
+          <p:nvPr>
+            <p:ph type="dt" sz="half" idx="10"/>
+          </p:nvPr>
+        </p:nvSpPr>
+        <p:spPr/>
+        <p:txBody>
+          <a:bodyPr/>
+          <a:lstStyle/>
+          <a:p>
+            <a:r>
+              <a:rPr lang="en-US" smtClean="0"/>
+              <a:t>CS@UVa</a:t>
+            </a:r>
+            <a:endParaRPr lang="en-US"/>
+          </a:p>
+        </p:txBody>
+      </p:sp>
+      <p:sp>
+        <p:nvSpPr>
+          <p:cNvPr id="9" name="Footer Placeholder 8"/>
+          <p:cNvSpPr>
+            <a:spLocks noGrp="1"/>
+          </p:cNvSpPr>
+          <p:nvPr>
+            <p:ph type="ftr" sz="quarter" idx="11"/>
+          </p:nvPr>
+        </p:nvSpPr>
+        <p:spPr/>
+        <p:txBody>
+          <a:bodyPr/>
+          <a:lstStyle/>
+          <a:p>
+            <a:r>
+              <a:rPr lang="en-US" smtClean="0"/>
+              <a:t>CS4501: Information Retrieval</a:t>
+            </a:r>
+            <a:endParaRPr lang="en-US"/>
+          </a:p>
+        </p:txBody>
+      </p:sp>
+      <p:sp>
+        <p:nvSpPr>
+          <p:cNvPr id="10" name="Slide Number Placeholder 9"/>
+          <p:cNvSpPr>
+            <a:spLocks noGrp="1"/>
+          </p:cNvSpPr>
+          <p:nvPr>
+            <p:ph type="sldNum" sz="quarter" idx="12"/>
+          </p:nvPr>
+        </p:nvSpPr>
+        <p:spPr/>
+        <p:txBody>
+          <a:bodyPr/>
+          <a:lstStyle/>
+          <a:p>
+            <a:fld id="{04D6BED6-93C9-4D43-B1C0-E2DD71716F4C}" type="slidenum">
+              <a:rPr lang="en-US" smtClean="0"/>
+              <a:t>4</a:t>
+            </a:fld>
+            <a:endParaRPr lang="en-US"/>
+          </a:p>
+        </p:txBody>
+      </p:sp>
+    </p:spTree>
+    <p:extLst>
+      <p:ext uri="{BB962C8B-B14F-4D97-AF65-F5344CB8AC3E}">
+        <p14:creationId xmlns:p14="http://schemas.microsoft.com/office/powerpoint/2010/main" val="3878496074"/>
+      </p:ext>
+    </p:extLst>
+  </p:cSld>
+  <p:clrMapOvr>
+    <a:masterClrMapping/>
+  </p:clrMapOvr>
+  <p:timing>
+    <p:tnLst>
+      <p:par>
+        <p:cTn id="1" dur="indefinite" restart="never" nodeType="tmRoot">
+          <p:childTnLst>
+            <p:seq concurrent="1" nextAc="seek">
+              <p:cTn id="2" dur="indefinite" nodeType="mainSeq">
+                <p:childTnLst>
+                  <p:par>
+                    <p:cTn id="3" fill="hold">
+                      <p:stCondLst>
+                        <p:cond delay="indefinite"/>
+                      </p:stCondLst>
+                      <p:childTnLst>
+                        <p:par>
+                          <p:cTn id="4" fill="hold">
+                            <p:stCondLst>
+                              <p:cond delay="0"/>
+                            </p:stCondLst>
+                            <p:childTnLst>
+                              <p:par>
+                                <p:cTn id="5" presetID="1" presetClass="exit" presetSubtype="0" fill="hold" nodeType="clickEffect">
+                                  <p:stCondLst>
+                                    <p:cond delay="0"/>
+                                  </p:stCondLst>
+                                  <p:childTnLst>
+                                    <p:set>
+                                      <p:cBhvr>
+                                        <p:cTn id="6" dur="1" fill="hold">
+                                          <p:stCondLst>
+                                            <p:cond delay="0"/>
+                                          </p:stCondLst>
+                                        </p:cTn>
+                                        <p:tgtEl>
+                                          <p:spTgt spid="5"/>
+                                        </p:tgtEl>
+                                        <p:attrNameLst>
+                                          <p:attrName>style.visibility</p:attrName>
+                                        </p:attrNameLst>
+                                      </p:cBhvr>
+                                      <p:to>
+                                        <p:strVal val="hidden"/>
+                                      </p:to>
+                                    </p:set>
+                                  </p:childTnLst>
+                                </p:cTn>
+                              </p:par>
+                              <p:par>
+                                <p:cTn id="7" presetID="1" presetClass="entr" presetSubtype="0" fill="hold" nodeType="withEffect">
+                                  <p:stCondLst>
+                                    <p:cond delay="0"/>
+                                  </p:stCondLst>
+                                  <p:childTnLst>
+                                    <p:set>
+                                      <p:cBhvr>
+                                        <p:cTn id="8" dur="1" fill="hold">
+                                          <p:stCondLst>
+                                            <p:cond delay="0"/>
+                                          </p:stCondLst>
+                                        </p:cTn>
+                                        <p:tgtEl>
+                                          <p:spTgt spid="7"/>
+                                        </p:tgtEl>
+                                        <p:attrNameLst>
+                                          <p:attrName>style.visibility</p:attrName>
+                                        </p:attrNameLst>
+                                      </p:cBhvr>
+                                      <p:to>
+                                        <p:strVal val="visible"/>
+                                      </p:to>
+                                    </p:set>
+                                  </p:childTnLst>
+                                </p:cTn>
+                              </p:par>
+                            </p:childTnLst>
+                          </p:cTn>
+                        </p:par>
+                      </p:childTnLst>
+                    </p:cTn>
+                  </p:par>
+                </p:childTnLst>
+              </p:cTn>
+              <p:prevCondLst>
+                <p:cond evt="onPrev" delay="0">
+                  <p:tgtEl>
+                    <p:sldTgt/>
+                  </p:tgtEl>
+                </p:cond>
+              </p:prevCondLst>
+              <p:nextCondLst>
+                <p:cond evt="onNext" delay="0">
+                  <p:tgtEl>
+                    <p:sldTgt/>
+                  </p:tgtEl>
+                </p:cond>
+              </p:nextCondLst>
+            </p:seq>
+          </p:childTnLst>
+        </p:cTn>
+      </p:par>
+    </p:tnLst>
+  </p:timing>
+</p:sld>
+</file>
+
+<file path=ppt/slides/slide40.xml><?xml version="1.0" encoding="utf-8"?>
 <p:sld xmlns:a="http://schemas.openxmlformats.org/drawingml/2006/main" xmlns:r="http://schemas.openxmlformats.org/officeDocument/2006/relationships" xmlns:p="http://schemas.openxmlformats.org/presentationml/2006/main">
   <p:cSld>
     <p:spTree>
@@ -29458,7 +31221,7 @@
           <a:p>
             <a:fld id="{04D6BED6-93C9-4D43-B1C0-E2DD71716F4C}" type="slidenum">
               <a:rPr lang="en-US" smtClean="0"/>
-              <a:t>36</a:t>
+              <a:t>40</a:t>
             </a:fld>
             <a:endParaRPr lang="en-US"/>
           </a:p>
@@ -29484,7 +31247,7 @@
 </p:sld>
 </file>
 
-<file path=ppt/slides/slide37.xml><?xml version="1.0" encoding="utf-8"?>
+<file path=ppt/slides/slide41.xml><?xml version="1.0" encoding="utf-8"?>
 <p:sld xmlns:a="http://schemas.openxmlformats.org/drawingml/2006/main" xmlns:r="http://schemas.openxmlformats.org/officeDocument/2006/relationships" xmlns:p="http://schemas.openxmlformats.org/presentationml/2006/main">
   <p:cSld>
     <p:spTree>
@@ -29679,7 +31442,7 @@
           <a:p>
             <a:fld id="{04D6BED6-93C9-4D43-B1C0-E2DD71716F4C}" type="slidenum">
               <a:rPr lang="en-US" smtClean="0"/>
-              <a:t>37</a:t>
+              <a:t>41</a:t>
             </a:fld>
             <a:endParaRPr lang="en-US"/>
           </a:p>
@@ -29999,7 +31762,7 @@
 </p:sld>
 </file>
 
-<file path=ppt/slides/slide38.xml><?xml version="1.0" encoding="utf-8"?>
+<file path=ppt/slides/slide42.xml><?xml version="1.0" encoding="utf-8"?>
 <p:sld xmlns:a="http://schemas.openxmlformats.org/drawingml/2006/main" xmlns:r="http://schemas.openxmlformats.org/officeDocument/2006/relationships" xmlns:p="http://schemas.openxmlformats.org/presentationml/2006/main">
   <p:cSld>
     <p:spTree>
@@ -30147,7 +31910,7 @@
           <a:p>
             <a:fld id="{04D6BED6-93C9-4D43-B1C0-E2DD71716F4C}" type="slidenum">
               <a:rPr lang="en-US" smtClean="0"/>
-              <a:t>38</a:t>
+              <a:t>42</a:t>
             </a:fld>
             <a:endParaRPr lang="en-US"/>
           </a:p>
@@ -30173,7 +31936,7 @@
 </p:sld>
 </file>
 
-<file path=ppt/slides/slide39.xml><?xml version="1.0" encoding="utf-8"?>
+<file path=ppt/slides/slide43.xml><?xml version="1.0" encoding="utf-8"?>
 <p:sld xmlns:a="http://schemas.openxmlformats.org/drawingml/2006/main" xmlns:r="http://schemas.openxmlformats.org/officeDocument/2006/relationships" xmlns:p="http://schemas.openxmlformats.org/presentationml/2006/main">
   <p:cSld>
     <p:spTree>
@@ -30340,7 +32103,7 @@
           <a:p>
             <a:fld id="{04D6BED6-93C9-4D43-B1C0-E2DD71716F4C}" type="slidenum">
               <a:rPr lang="en-US" smtClean="0"/>
-              <a:t>39</a:t>
+              <a:t>43</a:t>
             </a:fld>
             <a:endParaRPr lang="en-US"/>
           </a:p>
@@ -30360,427 +32123,6 @@
     <p:tnLst>
       <p:par>
         <p:cTn id="1" dur="indefinite" restart="never" nodeType="tmRoot"/>
-      </p:par>
-    </p:tnLst>
-  </p:timing>
-</p:sld>
-</file>
-
-<file path=ppt/slides/slide4.xml><?xml version="1.0" encoding="utf-8"?>
-<p:sld xmlns:a="http://schemas.openxmlformats.org/drawingml/2006/main" xmlns:r="http://schemas.openxmlformats.org/officeDocument/2006/relationships" xmlns:p="http://schemas.openxmlformats.org/presentationml/2006/main">
-  <p:cSld>
-    <p:spTree>
-      <p:nvGrpSpPr>
-        <p:cNvPr id="1" name=""/>
-        <p:cNvGrpSpPr/>
-        <p:nvPr/>
-      </p:nvGrpSpPr>
-      <p:grpSpPr>
-        <a:xfrm>
-          <a:off x="0" y="0"/>
-          <a:ext cx="0" cy="0"/>
-          <a:chOff x="0" y="0"/>
-          <a:chExt cx="0" cy="0"/>
-        </a:xfrm>
-      </p:grpSpPr>
-      <p:sp>
-        <p:nvSpPr>
-          <p:cNvPr id="2" name="Title 1"/>
-          <p:cNvSpPr>
-            <a:spLocks noGrp="1"/>
-          </p:cNvSpPr>
-          <p:nvPr>
-            <p:ph type="title"/>
-          </p:nvPr>
-        </p:nvSpPr>
-        <p:spPr/>
-        <p:txBody>
-          <a:bodyPr/>
-          <a:lstStyle/>
-          <a:p>
-            <a:r>
-              <a:rPr lang="en-US" dirty="0" smtClean="0"/>
-              <a:t>Why information retrieval </a:t>
-            </a:r>
-            <a:endParaRPr lang="en-US" dirty="0"/>
-          </a:p>
-        </p:txBody>
-      </p:sp>
-      <p:sp>
-        <p:nvSpPr>
-          <p:cNvPr id="3" name="Content Placeholder 2"/>
-          <p:cNvSpPr>
-            <a:spLocks noGrp="1"/>
-          </p:cNvSpPr>
-          <p:nvPr>
-            <p:ph idx="1"/>
-          </p:nvPr>
-        </p:nvSpPr>
-        <p:spPr/>
-        <p:txBody>
-          <a:bodyPr/>
-          <a:lstStyle/>
-          <a:p>
-            <a:r>
-              <a:rPr lang="en-US" dirty="0" smtClean="0"/>
-              <a:t>Information overload</a:t>
-            </a:r>
-          </a:p>
-          <a:p>
-            <a:endParaRPr lang="en-US" dirty="0"/>
-          </a:p>
-        </p:txBody>
-      </p:sp>
-      <p:grpSp>
-        <p:nvGrpSpPr>
-          <p:cNvPr id="5" name="Group 4"/>
-          <p:cNvGrpSpPr/>
-          <p:nvPr/>
-        </p:nvGrpSpPr>
-        <p:grpSpPr>
-          <a:xfrm>
-            <a:off x="1122461" y="2286000"/>
-            <a:ext cx="6652344" cy="4261109"/>
-            <a:chOff x="1231295" y="0"/>
-            <a:chExt cx="6652344" cy="4261109"/>
-          </a:xfrm>
-        </p:grpSpPr>
-        <p:sp>
-          <p:nvSpPr>
-            <p:cNvPr id="4" name="TextBox 3"/>
-            <p:cNvSpPr txBox="1"/>
-            <p:nvPr/>
-          </p:nvSpPr>
-          <p:spPr>
-            <a:xfrm>
-              <a:off x="3276600" y="3891777"/>
-              <a:ext cx="2895600" cy="369332"/>
-            </a:xfrm>
-            <a:prstGeom prst="rect">
-              <a:avLst/>
-            </a:prstGeom>
-            <a:noFill/>
-          </p:spPr>
-          <p:txBody>
-            <a:bodyPr wrap="square" rtlCol="0">
-              <a:spAutoFit/>
-            </a:bodyPr>
-            <a:lstStyle/>
-            <a:p>
-              <a:r>
-                <a:rPr lang="en-US" dirty="0" smtClean="0"/>
-                <a:t>Figure 1: Growth of Internet</a:t>
-              </a:r>
-              <a:endParaRPr lang="en-US" dirty="0"/>
-            </a:p>
-          </p:txBody>
-        </p:sp>
-        <p:pic>
-          <p:nvPicPr>
-            <p:cNvPr id="3076" name="Picture 4" descr="Internet Hosts Chart"/>
-            <p:cNvPicPr>
-              <a:picLocks noChangeAspect="1" noChangeArrowheads="1"/>
-            </p:cNvPicPr>
-            <p:nvPr/>
-          </p:nvPicPr>
-          <p:blipFill>
-            <a:blip r:embed="rId2">
-              <a:extLst>
-                <a:ext uri="{28A0092B-C50C-407E-A947-70E740481C1C}">
-                  <a14:useLocalDpi xmlns:a14="http://schemas.microsoft.com/office/drawing/2010/main" val="0"/>
-                </a:ext>
-              </a:extLst>
-            </a:blip>
-            <a:srcRect/>
-            <a:stretch>
-              <a:fillRect/>
-            </a:stretch>
-          </p:blipFill>
-          <p:spPr bwMode="auto">
-            <a:xfrm>
-              <a:off x="1231295" y="0"/>
-              <a:ext cx="6652344" cy="3891777"/>
-            </a:xfrm>
-            <a:prstGeom prst="rect">
-              <a:avLst/>
-            </a:prstGeom>
-            <a:noFill/>
-            <a:extLst>
-              <a:ext uri="{909E8E84-426E-40DD-AFC4-6F175D3DCCD1}">
-                <a14:hiddenFill xmlns:a14="http://schemas.microsoft.com/office/drawing/2010/main">
-                  <a:solidFill>
-                    <a:srgbClr val="FFFFFF"/>
-                  </a:solidFill>
-                </a14:hiddenFill>
-              </a:ext>
-            </a:extLst>
-          </p:spPr>
-        </p:pic>
-      </p:grpSp>
-      <p:grpSp>
-        <p:nvGrpSpPr>
-          <p:cNvPr id="7" name="Group 6"/>
-          <p:cNvGrpSpPr/>
-          <p:nvPr/>
-        </p:nvGrpSpPr>
-        <p:grpSpPr>
-          <a:xfrm>
-            <a:off x="1122461" y="2640059"/>
-            <a:ext cx="6817075" cy="3448432"/>
-            <a:chOff x="1148930" y="2514600"/>
-            <a:chExt cx="6817075" cy="3448432"/>
-          </a:xfrm>
-        </p:grpSpPr>
-        <p:pic>
-          <p:nvPicPr>
-            <p:cNvPr id="3074" name="Picture 2" descr="WWW Growth Chart"/>
-            <p:cNvPicPr>
-              <a:picLocks noChangeAspect="1" noChangeArrowheads="1"/>
-            </p:cNvPicPr>
-            <p:nvPr/>
-          </p:nvPicPr>
-          <p:blipFill>
-            <a:blip r:embed="rId3">
-              <a:extLst>
-                <a:ext uri="{28A0092B-C50C-407E-A947-70E740481C1C}">
-                  <a14:useLocalDpi xmlns:a14="http://schemas.microsoft.com/office/drawing/2010/main" val="0"/>
-                </a:ext>
-              </a:extLst>
-            </a:blip>
-            <a:srcRect/>
-            <a:stretch>
-              <a:fillRect/>
-            </a:stretch>
-          </p:blipFill>
-          <p:spPr bwMode="auto">
-            <a:xfrm>
-              <a:off x="1148930" y="2514600"/>
-              <a:ext cx="6817075" cy="2990851"/>
-            </a:xfrm>
-            <a:prstGeom prst="rect">
-              <a:avLst/>
-            </a:prstGeom>
-            <a:noFill/>
-            <a:extLst>
-              <a:ext uri="{909E8E84-426E-40DD-AFC4-6F175D3DCCD1}">
-                <a14:hiddenFill xmlns:a14="http://schemas.microsoft.com/office/drawing/2010/main">
-                  <a:solidFill>
-                    <a:srgbClr val="FFFFFF"/>
-                  </a:solidFill>
-                </a14:hiddenFill>
-              </a:ext>
-            </a:extLst>
-          </p:spPr>
-        </p:pic>
-        <p:sp>
-          <p:nvSpPr>
-            <p:cNvPr id="6" name="TextBox 5"/>
-            <p:cNvSpPr txBox="1"/>
-            <p:nvPr/>
-          </p:nvSpPr>
-          <p:spPr>
-            <a:xfrm>
-              <a:off x="2895600" y="5593700"/>
-              <a:ext cx="3581400" cy="369332"/>
-            </a:xfrm>
-            <a:prstGeom prst="rect">
-              <a:avLst/>
-            </a:prstGeom>
-            <a:noFill/>
-          </p:spPr>
-          <p:txBody>
-            <a:bodyPr wrap="square" rtlCol="0">
-              <a:spAutoFit/>
-            </a:bodyPr>
-            <a:lstStyle/>
-            <a:p>
-              <a:r>
-                <a:rPr lang="en-US" dirty="0" smtClean="0"/>
-                <a:t>Figure 2: Growth of WWW</a:t>
-              </a:r>
-              <a:endParaRPr lang="en-US" dirty="0"/>
-            </a:p>
-          </p:txBody>
-        </p:sp>
-      </p:grpSp>
-      <p:sp>
-        <p:nvSpPr>
-          <p:cNvPr id="8" name="Date Placeholder 7"/>
-          <p:cNvSpPr>
-            <a:spLocks noGrp="1"/>
-          </p:cNvSpPr>
-          <p:nvPr>
-            <p:ph type="dt" sz="half" idx="10"/>
-          </p:nvPr>
-        </p:nvSpPr>
-        <p:spPr/>
-        <p:txBody>
-          <a:bodyPr/>
-          <a:lstStyle/>
-          <a:p>
-            <a:r>
-              <a:rPr lang="en-US" smtClean="0"/>
-              <a:t>CS@UVa</a:t>
-            </a:r>
-            <a:endParaRPr lang="en-US"/>
-          </a:p>
-        </p:txBody>
-      </p:sp>
-      <p:sp>
-        <p:nvSpPr>
-          <p:cNvPr id="9" name="Footer Placeholder 8"/>
-          <p:cNvSpPr>
-            <a:spLocks noGrp="1"/>
-          </p:cNvSpPr>
-          <p:nvPr>
-            <p:ph type="ftr" sz="quarter" idx="11"/>
-          </p:nvPr>
-        </p:nvSpPr>
-        <p:spPr/>
-        <p:txBody>
-          <a:bodyPr/>
-          <a:lstStyle/>
-          <a:p>
-            <a:r>
-              <a:rPr lang="en-US" smtClean="0"/>
-              <a:t>CS4501: Information Retrieval</a:t>
-            </a:r>
-            <a:endParaRPr lang="en-US"/>
-          </a:p>
-        </p:txBody>
-      </p:sp>
-      <p:sp>
-        <p:nvSpPr>
-          <p:cNvPr id="10" name="Slide Number Placeholder 9"/>
-          <p:cNvSpPr>
-            <a:spLocks noGrp="1"/>
-          </p:cNvSpPr>
-          <p:nvPr>
-            <p:ph type="sldNum" sz="quarter" idx="12"/>
-          </p:nvPr>
-        </p:nvSpPr>
-        <p:spPr/>
-        <p:txBody>
-          <a:bodyPr/>
-          <a:lstStyle/>
-          <a:p>
-            <a:fld id="{04D6BED6-93C9-4D43-B1C0-E2DD71716F4C}" type="slidenum">
-              <a:rPr lang="en-US" smtClean="0"/>
-              <a:t>4</a:t>
-            </a:fld>
-            <a:endParaRPr lang="en-US"/>
-          </a:p>
-        </p:txBody>
-      </p:sp>
-    </p:spTree>
-    <p:extLst>
-      <p:ext uri="{BB962C8B-B14F-4D97-AF65-F5344CB8AC3E}">
-        <p14:creationId xmlns:p14="http://schemas.microsoft.com/office/powerpoint/2010/main" val="3878496074"/>
-      </p:ext>
-    </p:extLst>
-  </p:cSld>
-  <p:clrMapOvr>
-    <a:masterClrMapping/>
-  </p:clrMapOvr>
-  <p:timing>
-    <p:tnLst>
-      <p:par>
-        <p:cTn id="1" dur="indefinite" restart="never" nodeType="tmRoot">
-          <p:childTnLst>
-            <p:seq concurrent="1" nextAc="seek">
-              <p:cTn id="2" dur="indefinite" nodeType="mainSeq">
-                <p:childTnLst>
-                  <p:par>
-                    <p:cTn id="3" fill="hold">
-                      <p:stCondLst>
-                        <p:cond delay="indefinite"/>
-                      </p:stCondLst>
-                      <p:childTnLst>
-                        <p:par>
-                          <p:cTn id="4" fill="hold">
-                            <p:stCondLst>
-                              <p:cond delay="0"/>
-                            </p:stCondLst>
-                            <p:childTnLst>
-                              <p:par>
-                                <p:cTn id="5" presetID="1" presetClass="exit" presetSubtype="0" fill="hold" nodeType="clickEffect">
-                                  <p:stCondLst>
-                                    <p:cond delay="0"/>
-                                  </p:stCondLst>
-                                  <p:childTnLst>
-                                    <p:set>
-                                      <p:cBhvr>
-                                        <p:cTn id="6" dur="1" fill="hold">
-                                          <p:stCondLst>
-                                            <p:cond delay="0"/>
-                                          </p:stCondLst>
-                                        </p:cTn>
-                                        <p:tgtEl>
-                                          <p:spTgt spid="5"/>
-                                        </p:tgtEl>
-                                        <p:attrNameLst>
-                                          <p:attrName>style.visibility</p:attrName>
-                                        </p:attrNameLst>
-                                      </p:cBhvr>
-                                      <p:to>
-                                        <p:strVal val="hidden"/>
-                                      </p:to>
-                                    </p:set>
-                                  </p:childTnLst>
-                                </p:cTn>
-                              </p:par>
-                              <p:par>
-                                <p:cTn id="7" presetID="1" presetClass="entr" presetSubtype="0" fill="hold" nodeType="withEffect">
-                                  <p:stCondLst>
-                                    <p:cond delay="0"/>
-                                  </p:stCondLst>
-                                  <p:childTnLst>
-                                    <p:set>
-                                      <p:cBhvr>
-                                        <p:cTn id="8" dur="1" fill="hold">
-                                          <p:stCondLst>
-                                            <p:cond delay="0"/>
-                                          </p:stCondLst>
-                                        </p:cTn>
-                                        <p:tgtEl>
-                                          <p:spTgt spid="7"/>
-                                        </p:tgtEl>
-                                        <p:attrNameLst>
-                                          <p:attrName>style.visibility</p:attrName>
-                                        </p:attrNameLst>
-                                      </p:cBhvr>
-                                      <p:to>
-                                        <p:strVal val="visible"/>
-                                      </p:to>
-                                    </p:set>
-                                  </p:childTnLst>
-                                </p:cTn>
-                              </p:par>
-                            </p:childTnLst>
-                          </p:cTn>
-                        </p:par>
-                      </p:childTnLst>
-                    </p:cTn>
-                  </p:par>
-                </p:childTnLst>
-              </p:cTn>
-              <p:prevCondLst>
-                <p:cond evt="onPrev" delay="0">
-                  <p:tgtEl>
-                    <p:sldTgt/>
-                  </p:tgtEl>
-                </p:cond>
-              </p:prevCondLst>
-              <p:nextCondLst>
-                <p:cond evt="onNext" delay="0">
-                  <p:tgtEl>
-                    <p:sldTgt/>
-                  </p:tgtEl>
-                </p:cond>
-              </p:nextCondLst>
-            </p:seq>
-          </p:childTnLst>
-        </p:cTn>
       </p:par>
     </p:tnLst>
   </p:timing>

--- a/docs/Introduction to Information Retrieval.pptx
+++ b/docs/Introduction to Information Retrieval.pptx
@@ -250,7 +250,7 @@
           <a:p>
             <a:fld id="{53266C39-4A12-4141-B6B9-0F782104B623}" type="datetimeFigureOut">
               <a:rPr lang="en-US" smtClean="0"/>
-              <a:t>8/31/2015</a:t>
+              <a:t>9/2/2015</a:t>
             </a:fld>
             <a:endParaRPr lang="en-US"/>
           </a:p>
@@ -22584,8 +22584,8 @@
           </a:p>
         </p:txBody>
       </p:sp>
-      <mc:AlternateContent xmlns:mc="http://schemas.openxmlformats.org/markup-compatibility/2006">
-        <mc:Choice xmlns:a14="http://schemas.microsoft.com/office/drawing/2010/main" Requires="a14">
+      <mc:AlternateContent xmlns:mc="http://schemas.openxmlformats.org/markup-compatibility/2006" xmlns:a14="http://schemas.microsoft.com/office/drawing/2010/main">
+        <mc:Choice Requires="a14">
           <p:sp>
             <p:nvSpPr>
               <p:cNvPr id="3" name="Content Placeholder 2"/>
@@ -23187,7 +23187,7 @@
             </p:txBody>
           </p:sp>
         </mc:Choice>
-        <mc:Fallback>
+        <mc:Fallback xmlns="">
           <p:sp>
             <p:nvSpPr>
               <p:cNvPr id="3" name="Content Placeholder 2"/>
@@ -23935,8 +23935,8 @@
           </a:p>
         </p:txBody>
       </p:sp>
-      <mc:AlternateContent xmlns:mc="http://schemas.openxmlformats.org/markup-compatibility/2006">
-        <mc:Choice xmlns:a14="http://schemas.microsoft.com/office/drawing/2010/main" Requires="a14">
+      <mc:AlternateContent xmlns:mc="http://schemas.openxmlformats.org/markup-compatibility/2006" xmlns:a14="http://schemas.microsoft.com/office/drawing/2010/main">
+        <mc:Choice Requires="a14">
           <p:sp>
             <p:nvSpPr>
               <p:cNvPr id="3" name="Content Placeholder 2"/>
@@ -24156,13 +24156,7 @@
                             <a:rPr lang="en-US" i="1">
                               <a:latin typeface="Cambria Math" panose="02040503050406030204" pitchFamily="18" charset="0"/>
                             </a:rPr>
-                            <m:t>−</m:t>
-                          </m:r>
-                          <m:r>
-                            <a:rPr lang="en-US" i="1">
-                              <a:latin typeface="Cambria Math" panose="02040503050406030204" pitchFamily="18" charset="0"/>
-                            </a:rPr>
-                            <m:t>2</m:t>
+                            <m:t>−2</m:t>
                           </m:r>
                         </m:e>
                       </m:mr>
@@ -24172,13 +24166,7 @@
                             <a:rPr lang="en-US" i="1">
                               <a:latin typeface="Cambria Math" panose="02040503050406030204" pitchFamily="18" charset="0"/>
                             </a:rPr>
-                            <m:t>−</m:t>
-                          </m:r>
-                          <m:r>
-                            <a:rPr lang="en-US" i="1">
-                              <a:latin typeface="Cambria Math" panose="02040503050406030204" pitchFamily="18" charset="0"/>
-                            </a:rPr>
-                            <m:t>2</m:t>
+                            <m:t>−2</m:t>
                           </m:r>
                         </m:e>
                         <m:e>
@@ -24186,13 +24174,7 @@
                             <a:rPr lang="en-US" i="1">
                               <a:latin typeface="Cambria Math" panose="02040503050406030204" pitchFamily="18" charset="0"/>
                             </a:rPr>
-                            <m:t>−</m:t>
-                          </m:r>
-                          <m:r>
-                            <a:rPr lang="en-US" i="1">
-                              <a:latin typeface="Cambria Math" panose="02040503050406030204" pitchFamily="18" charset="0"/>
-                            </a:rPr>
-                            <m:t>1</m:t>
+                            <m:t>−1</m:t>
                           </m:r>
                         </m:e>
                       </m:mr>
@@ -24207,11 +24189,7 @@
                 </a14:m>
                 <a:r>
                   <a:rPr lang="en-US" dirty="0"/>
-                  <a:t>  (</a:t>
-                </a:r>
-                <a:r>
-                  <a:rPr lang="en-US" dirty="0"/>
-                  <a:t>b) </a:t>
+                  <a:t>  (b) </a:t>
                 </a:r>
                 <a14:m>
                   <m:oMath xmlns:m="http://schemas.openxmlformats.org/officeDocument/2006/math">
@@ -24378,11 +24356,7 @@
                 </a14:m>
                 <a:r>
                   <a:rPr lang="en-US" dirty="0"/>
-                  <a:t>  (</a:t>
-                </a:r>
-                <a:r>
-                  <a:rPr lang="en-US" dirty="0"/>
-                  <a:t>c) </a:t>
+                  <a:t>  (c) </a:t>
                 </a:r>
                 <a14:m>
                   <m:oMath xmlns:m="http://schemas.openxmlformats.org/officeDocument/2006/math">
@@ -24458,15 +24432,7 @@
                 </a14:m>
                 <a:r>
                   <a:rPr lang="en-US" dirty="0"/>
-                  <a:t>  (</a:t>
-                </a:r>
-                <a:r>
-                  <a:rPr lang="en-US" dirty="0"/>
-                  <a:t>d</a:t>
-                </a:r>
-                <a:r>
-                  <a:rPr lang="en-US" dirty="0"/>
-                  <a:t>) </a:t>
+                  <a:t>  (d) </a:t>
                 </a:r>
                 <a14:m>
                   <m:oMath xmlns:m="http://schemas.openxmlformats.org/officeDocument/2006/math">
@@ -24542,7 +24508,7 @@
             </p:txBody>
           </p:sp>
         </mc:Choice>
-        <mc:Fallback>
+        <mc:Fallback xmlns="">
           <p:sp>
             <p:nvSpPr>
               <p:cNvPr id="3" name="Content Placeholder 2"/>
@@ -25146,7 +25112,7 @@
                   <a:srgbClr val="FF0000"/>
                 </a:solidFill>
               </a:rPr>
-              <a:t>(b)</a:t>
+              <a:t>(c)</a:t>
             </a:r>
             <a:endParaRPr lang="en-US" sz="2400" b="1" dirty="0">
               <a:solidFill>
